--- a/presentazione.pptx
+++ b/presentazione.pptx
@@ -5,21 +5,25 @@
     <p:sldMasterId id="2147483717" r:id="rId4"/>
   </p:sldMasterIdLst>
   <p:notesMasterIdLst>
-    <p:notesMasterId r:id="rId14"/>
+    <p:notesMasterId r:id="rId18"/>
   </p:notesMasterIdLst>
   <p:handoutMasterIdLst>
-    <p:handoutMasterId r:id="rId15"/>
+    <p:handoutMasterId r:id="rId19"/>
   </p:handoutMasterIdLst>
   <p:sldIdLst>
     <p:sldId id="258" r:id="rId5"/>
     <p:sldId id="284" r:id="rId6"/>
     <p:sldId id="286" r:id="rId7"/>
     <p:sldId id="266" r:id="rId8"/>
-    <p:sldId id="261" r:id="rId9"/>
-    <p:sldId id="272" r:id="rId10"/>
-    <p:sldId id="276" r:id="rId11"/>
-    <p:sldId id="280" r:id="rId12"/>
-    <p:sldId id="290" r:id="rId13"/>
+    <p:sldId id="291" r:id="rId9"/>
+    <p:sldId id="292" r:id="rId10"/>
+    <p:sldId id="293" r:id="rId11"/>
+    <p:sldId id="294" r:id="rId12"/>
+    <p:sldId id="261" r:id="rId13"/>
+    <p:sldId id="272" r:id="rId14"/>
+    <p:sldId id="276" r:id="rId15"/>
+    <p:sldId id="280" r:id="rId16"/>
+    <p:sldId id="290" r:id="rId17"/>
   </p:sldIdLst>
   <p:sldSz cx="12192000" cy="6858000"/>
   <p:notesSz cx="6858000" cy="9144000"/>
@@ -762,6 +766,350 @@
 </p:notes>
 </file>
 
+<file path=ppt/notesSlides/notesSlide10.xml><?xml version="1.0" encoding="utf-8"?>
+<p:notes xmlns:a="http://schemas.openxmlformats.org/drawingml/2006/main" xmlns:r="http://schemas.openxmlformats.org/officeDocument/2006/relationships" xmlns:p="http://schemas.openxmlformats.org/presentationml/2006/main">
+  <p:cSld>
+    <p:spTree>
+      <p:nvGrpSpPr>
+        <p:cNvPr id="1" name=""/>
+        <p:cNvGrpSpPr/>
+        <p:nvPr/>
+      </p:nvGrpSpPr>
+      <p:grpSpPr>
+        <a:xfrm>
+          <a:off x="0" y="0"/>
+          <a:ext cx="0" cy="0"/>
+          <a:chOff x="0" y="0"/>
+          <a:chExt cx="0" cy="0"/>
+        </a:xfrm>
+      </p:grpSpPr>
+      <p:sp>
+        <p:nvSpPr>
+          <p:cNvPr id="2" name="Segnaposto immagine diapositiva 1"/>
+          <p:cNvSpPr>
+            <a:spLocks noGrp="1" noRot="1" noChangeAspect="1"/>
+          </p:cNvSpPr>
+          <p:nvPr>
+            <p:ph type="sldImg"/>
+          </p:nvPr>
+        </p:nvSpPr>
+        <p:spPr/>
+      </p:sp>
+      <p:sp>
+        <p:nvSpPr>
+          <p:cNvPr id="3" name="Segnaposto note 2"/>
+          <p:cNvSpPr>
+            <a:spLocks noGrp="1"/>
+          </p:cNvSpPr>
+          <p:nvPr>
+            <p:ph type="body" idx="1"/>
+          </p:nvPr>
+        </p:nvSpPr>
+        <p:spPr/>
+        <p:txBody>
+          <a:bodyPr rtlCol="0"/>
+          <a:lstStyle/>
+          <a:p>
+            <a:pPr rtl="0"/>
+            <a:endParaRPr lang="it-IT" dirty="0"/>
+          </a:p>
+        </p:txBody>
+      </p:sp>
+      <p:sp>
+        <p:nvSpPr>
+          <p:cNvPr id="4" name="Segnaposto numero diapositiva 3"/>
+          <p:cNvSpPr>
+            <a:spLocks noGrp="1"/>
+          </p:cNvSpPr>
+          <p:nvPr>
+            <p:ph type="sldNum" sz="quarter" idx="5"/>
+          </p:nvPr>
+        </p:nvSpPr>
+        <p:spPr/>
+        <p:txBody>
+          <a:bodyPr rtlCol="0"/>
+          <a:lstStyle/>
+          <a:p>
+            <a:pPr rtl="0"/>
+            <a:fld id="{284ECAD9-32EE-4091-BDA5-6BD15ACC5E58}" type="slidenum">
+              <a:rPr lang="it-IT" smtClean="0"/>
+              <a:t>10</a:t>
+            </a:fld>
+            <a:endParaRPr lang="it-IT" dirty="0"/>
+          </a:p>
+        </p:txBody>
+      </p:sp>
+    </p:spTree>
+    <p:extLst>
+      <p:ext uri="{BB962C8B-B14F-4D97-AF65-F5344CB8AC3E}">
+        <p14:creationId xmlns:p14="http://schemas.microsoft.com/office/powerpoint/2010/main" val="3655258832"/>
+      </p:ext>
+    </p:extLst>
+  </p:cSld>
+  <p:clrMapOvr>
+    <a:masterClrMapping/>
+  </p:clrMapOvr>
+</p:notes>
+</file>
+
+<file path=ppt/notesSlides/notesSlide11.xml><?xml version="1.0" encoding="utf-8"?>
+<p:notes xmlns:a="http://schemas.openxmlformats.org/drawingml/2006/main" xmlns:r="http://schemas.openxmlformats.org/officeDocument/2006/relationships" xmlns:p="http://schemas.openxmlformats.org/presentationml/2006/main">
+  <p:cSld>
+    <p:spTree>
+      <p:nvGrpSpPr>
+        <p:cNvPr id="1" name=""/>
+        <p:cNvGrpSpPr/>
+        <p:nvPr/>
+      </p:nvGrpSpPr>
+      <p:grpSpPr>
+        <a:xfrm>
+          <a:off x="0" y="0"/>
+          <a:ext cx="0" cy="0"/>
+          <a:chOff x="0" y="0"/>
+          <a:chExt cx="0" cy="0"/>
+        </a:xfrm>
+      </p:grpSpPr>
+      <p:sp>
+        <p:nvSpPr>
+          <p:cNvPr id="2" name="Segnaposto immagine diapositiva 1"/>
+          <p:cNvSpPr>
+            <a:spLocks noGrp="1" noRot="1" noChangeAspect="1"/>
+          </p:cNvSpPr>
+          <p:nvPr>
+            <p:ph type="sldImg"/>
+          </p:nvPr>
+        </p:nvSpPr>
+        <p:spPr/>
+      </p:sp>
+      <p:sp>
+        <p:nvSpPr>
+          <p:cNvPr id="3" name="Segnaposto note 2"/>
+          <p:cNvSpPr>
+            <a:spLocks noGrp="1"/>
+          </p:cNvSpPr>
+          <p:nvPr>
+            <p:ph type="body" idx="1"/>
+          </p:nvPr>
+        </p:nvSpPr>
+        <p:spPr/>
+        <p:txBody>
+          <a:bodyPr rtlCol="0"/>
+          <a:lstStyle/>
+          <a:p>
+            <a:pPr rtl="0"/>
+            <a:endParaRPr lang="it-IT" dirty="0"/>
+          </a:p>
+        </p:txBody>
+      </p:sp>
+      <p:sp>
+        <p:nvSpPr>
+          <p:cNvPr id="4" name="Segnaposto numero diapositiva 3"/>
+          <p:cNvSpPr>
+            <a:spLocks noGrp="1"/>
+          </p:cNvSpPr>
+          <p:nvPr>
+            <p:ph type="sldNum" sz="quarter" idx="5"/>
+          </p:nvPr>
+        </p:nvSpPr>
+        <p:spPr/>
+        <p:txBody>
+          <a:bodyPr rtlCol="0"/>
+          <a:lstStyle/>
+          <a:p>
+            <a:pPr rtl="0"/>
+            <a:fld id="{284ECAD9-32EE-4091-BDA5-6BD15ACC5E58}" type="slidenum">
+              <a:rPr lang="it-IT" smtClean="0"/>
+              <a:t>11</a:t>
+            </a:fld>
+            <a:endParaRPr lang="it-IT" dirty="0"/>
+          </a:p>
+        </p:txBody>
+      </p:sp>
+    </p:spTree>
+    <p:extLst>
+      <p:ext uri="{BB962C8B-B14F-4D97-AF65-F5344CB8AC3E}">
+        <p14:creationId xmlns:p14="http://schemas.microsoft.com/office/powerpoint/2010/main" val="252246448"/>
+      </p:ext>
+    </p:extLst>
+  </p:cSld>
+  <p:clrMapOvr>
+    <a:masterClrMapping/>
+  </p:clrMapOvr>
+</p:notes>
+</file>
+
+<file path=ppt/notesSlides/notesSlide12.xml><?xml version="1.0" encoding="utf-8"?>
+<p:notes xmlns:a="http://schemas.openxmlformats.org/drawingml/2006/main" xmlns:r="http://schemas.openxmlformats.org/officeDocument/2006/relationships" xmlns:p="http://schemas.openxmlformats.org/presentationml/2006/main">
+  <p:cSld>
+    <p:spTree>
+      <p:nvGrpSpPr>
+        <p:cNvPr id="1" name=""/>
+        <p:cNvGrpSpPr/>
+        <p:nvPr/>
+      </p:nvGrpSpPr>
+      <p:grpSpPr>
+        <a:xfrm>
+          <a:off x="0" y="0"/>
+          <a:ext cx="0" cy="0"/>
+          <a:chOff x="0" y="0"/>
+          <a:chExt cx="0" cy="0"/>
+        </a:xfrm>
+      </p:grpSpPr>
+      <p:sp>
+        <p:nvSpPr>
+          <p:cNvPr id="2" name="Segnaposto immagine diapositiva 1"/>
+          <p:cNvSpPr>
+            <a:spLocks noGrp="1" noRot="1" noChangeAspect="1"/>
+          </p:cNvSpPr>
+          <p:nvPr>
+            <p:ph type="sldImg"/>
+          </p:nvPr>
+        </p:nvSpPr>
+        <p:spPr/>
+      </p:sp>
+      <p:sp>
+        <p:nvSpPr>
+          <p:cNvPr id="3" name="Segnaposto note 2"/>
+          <p:cNvSpPr>
+            <a:spLocks noGrp="1"/>
+          </p:cNvSpPr>
+          <p:nvPr>
+            <p:ph type="body" idx="1"/>
+          </p:nvPr>
+        </p:nvSpPr>
+        <p:spPr/>
+        <p:txBody>
+          <a:bodyPr rtlCol="0"/>
+          <a:lstStyle/>
+          <a:p>
+            <a:pPr rtl="0"/>
+            <a:endParaRPr lang="it-IT" dirty="0"/>
+          </a:p>
+        </p:txBody>
+      </p:sp>
+      <p:sp>
+        <p:nvSpPr>
+          <p:cNvPr id="4" name="Segnaposto numero diapositiva 3"/>
+          <p:cNvSpPr>
+            <a:spLocks noGrp="1"/>
+          </p:cNvSpPr>
+          <p:nvPr>
+            <p:ph type="sldNum" sz="quarter" idx="5"/>
+          </p:nvPr>
+        </p:nvSpPr>
+        <p:spPr/>
+        <p:txBody>
+          <a:bodyPr rtlCol="0"/>
+          <a:lstStyle/>
+          <a:p>
+            <a:pPr rtl="0"/>
+            <a:fld id="{284ECAD9-32EE-4091-BDA5-6BD15ACC5E58}" type="slidenum">
+              <a:rPr lang="it-IT" smtClean="0"/>
+              <a:t>12</a:t>
+            </a:fld>
+            <a:endParaRPr lang="it-IT" dirty="0"/>
+          </a:p>
+        </p:txBody>
+      </p:sp>
+    </p:spTree>
+    <p:extLst>
+      <p:ext uri="{BB962C8B-B14F-4D97-AF65-F5344CB8AC3E}">
+        <p14:creationId xmlns:p14="http://schemas.microsoft.com/office/powerpoint/2010/main" val="1755222535"/>
+      </p:ext>
+    </p:extLst>
+  </p:cSld>
+  <p:clrMapOvr>
+    <a:masterClrMapping/>
+  </p:clrMapOvr>
+</p:notes>
+</file>
+
+<file path=ppt/notesSlides/notesSlide13.xml><?xml version="1.0" encoding="utf-8"?>
+<p:notes xmlns:a="http://schemas.openxmlformats.org/drawingml/2006/main" xmlns:r="http://schemas.openxmlformats.org/officeDocument/2006/relationships" xmlns:p="http://schemas.openxmlformats.org/presentationml/2006/main">
+  <p:cSld>
+    <p:spTree>
+      <p:nvGrpSpPr>
+        <p:cNvPr id="1" name=""/>
+        <p:cNvGrpSpPr/>
+        <p:nvPr/>
+      </p:nvGrpSpPr>
+      <p:grpSpPr>
+        <a:xfrm>
+          <a:off x="0" y="0"/>
+          <a:ext cx="0" cy="0"/>
+          <a:chOff x="0" y="0"/>
+          <a:chExt cx="0" cy="0"/>
+        </a:xfrm>
+      </p:grpSpPr>
+      <p:sp>
+        <p:nvSpPr>
+          <p:cNvPr id="2" name="Segnaposto immagine diapositiva 1"/>
+          <p:cNvSpPr>
+            <a:spLocks noGrp="1" noRot="1" noChangeAspect="1"/>
+          </p:cNvSpPr>
+          <p:nvPr>
+            <p:ph type="sldImg"/>
+          </p:nvPr>
+        </p:nvSpPr>
+        <p:spPr/>
+      </p:sp>
+      <p:sp>
+        <p:nvSpPr>
+          <p:cNvPr id="3" name="Segnaposto note 2"/>
+          <p:cNvSpPr>
+            <a:spLocks noGrp="1"/>
+          </p:cNvSpPr>
+          <p:nvPr>
+            <p:ph type="body" idx="1"/>
+          </p:nvPr>
+        </p:nvSpPr>
+        <p:spPr/>
+        <p:txBody>
+          <a:bodyPr rtlCol="0"/>
+          <a:lstStyle/>
+          <a:p>
+            <a:pPr rtl="0"/>
+            <a:endParaRPr lang="it-IT" dirty="0"/>
+          </a:p>
+        </p:txBody>
+      </p:sp>
+      <p:sp>
+        <p:nvSpPr>
+          <p:cNvPr id="4" name="Segnaposto numero diapositiva 3"/>
+          <p:cNvSpPr>
+            <a:spLocks noGrp="1"/>
+          </p:cNvSpPr>
+          <p:nvPr>
+            <p:ph type="sldNum" sz="quarter" idx="10"/>
+          </p:nvPr>
+        </p:nvSpPr>
+        <p:spPr/>
+        <p:txBody>
+          <a:bodyPr rtlCol="0"/>
+          <a:lstStyle/>
+          <a:p>
+            <a:pPr rtl="0"/>
+            <a:fld id="{284ECAD9-32EE-4091-BDA5-6BD15ACC5E58}" type="slidenum">
+              <a:rPr lang="it-IT" smtClean="0"/>
+              <a:t>13</a:t>
+            </a:fld>
+            <a:endParaRPr lang="it-IT" dirty="0"/>
+          </a:p>
+        </p:txBody>
+      </p:sp>
+    </p:spTree>
+    <p:extLst>
+      <p:ext uri="{BB962C8B-B14F-4D97-AF65-F5344CB8AC3E}">
+        <p14:creationId xmlns:p14="http://schemas.microsoft.com/office/powerpoint/2010/main" val="2916860040"/>
+      </p:ext>
+    </p:extLst>
+  </p:cSld>
+  <p:clrMapOvr>
+    <a:masterClrMapping/>
+  </p:clrMapOvr>
+</p:notes>
+</file>
+
 <file path=ppt/notesSlides/notesSlide2.xml><?xml version="1.0" encoding="utf-8"?>
 <p:notes xmlns:a="http://schemas.openxmlformats.org/drawingml/2006/main" xmlns:r="http://schemas.openxmlformats.org/officeDocument/2006/relationships" xmlns:p="http://schemas.openxmlformats.org/presentationml/2006/main">
   <p:cSld>
@@ -1096,7 +1444,7 @@
     </p:spTree>
     <p:extLst>
       <p:ext uri="{BB962C8B-B14F-4D97-AF65-F5344CB8AC3E}">
-        <p14:creationId xmlns:p14="http://schemas.microsoft.com/office/powerpoint/2010/main" val="3455333877"/>
+        <p14:creationId xmlns:p14="http://schemas.microsoft.com/office/powerpoint/2010/main" val="3085169549"/>
       </p:ext>
     </p:extLst>
   </p:cSld>
@@ -1162,7 +1510,7 @@
             <a:spLocks noGrp="1"/>
           </p:cNvSpPr>
           <p:nvPr>
-            <p:ph type="sldNum" sz="quarter" idx="5"/>
+            <p:ph type="sldNum" sz="quarter" idx="10"/>
           </p:nvPr>
         </p:nvSpPr>
         <p:spPr/>
@@ -1182,7 +1530,7 @@
     </p:spTree>
     <p:extLst>
       <p:ext uri="{BB962C8B-B14F-4D97-AF65-F5344CB8AC3E}">
-        <p14:creationId xmlns:p14="http://schemas.microsoft.com/office/powerpoint/2010/main" val="3655258832"/>
+        <p14:creationId xmlns:p14="http://schemas.microsoft.com/office/powerpoint/2010/main" val="527665808"/>
       </p:ext>
     </p:extLst>
   </p:cSld>
@@ -1268,7 +1616,7 @@
     </p:spTree>
     <p:extLst>
       <p:ext uri="{BB962C8B-B14F-4D97-AF65-F5344CB8AC3E}">
-        <p14:creationId xmlns:p14="http://schemas.microsoft.com/office/powerpoint/2010/main" val="252246448"/>
+        <p14:creationId xmlns:p14="http://schemas.microsoft.com/office/powerpoint/2010/main" val="3038937708"/>
       </p:ext>
     </p:extLst>
   </p:cSld>
@@ -1334,7 +1682,7 @@
             <a:spLocks noGrp="1"/>
           </p:cNvSpPr>
           <p:nvPr>
-            <p:ph type="sldNum" sz="quarter" idx="5"/>
+            <p:ph type="sldNum" sz="quarter" idx="10"/>
           </p:nvPr>
         </p:nvSpPr>
         <p:spPr/>
@@ -1354,7 +1702,7 @@
     </p:spTree>
     <p:extLst>
       <p:ext uri="{BB962C8B-B14F-4D97-AF65-F5344CB8AC3E}">
-        <p14:creationId xmlns:p14="http://schemas.microsoft.com/office/powerpoint/2010/main" val="1755222535"/>
+        <p14:creationId xmlns:p14="http://schemas.microsoft.com/office/powerpoint/2010/main" val="196969414"/>
       </p:ext>
     </p:extLst>
   </p:cSld>
@@ -1420,7 +1768,7 @@
             <a:spLocks noGrp="1"/>
           </p:cNvSpPr>
           <p:nvPr>
-            <p:ph type="sldNum" sz="quarter" idx="10"/>
+            <p:ph type="sldNum" sz="quarter" idx="5"/>
           </p:nvPr>
         </p:nvSpPr>
         <p:spPr/>
@@ -1440,7 +1788,7 @@
     </p:spTree>
     <p:extLst>
       <p:ext uri="{BB962C8B-B14F-4D97-AF65-F5344CB8AC3E}">
-        <p14:creationId xmlns:p14="http://schemas.microsoft.com/office/powerpoint/2010/main" val="2916860040"/>
+        <p14:creationId xmlns:p14="http://schemas.microsoft.com/office/powerpoint/2010/main" val="3455333877"/>
       </p:ext>
     </p:extLst>
   </p:cSld>
@@ -9765,6 +10113,1366 @@
 </p:sld>
 </file>
 
+<file path=ppt/slides/slide10.xml><?xml version="1.0" encoding="utf-8"?>
+<p:sld xmlns:a="http://schemas.openxmlformats.org/drawingml/2006/main" xmlns:r="http://schemas.openxmlformats.org/officeDocument/2006/relationships" xmlns:p="http://schemas.openxmlformats.org/presentationml/2006/main">
+  <p:cSld>
+    <p:spTree>
+      <p:nvGrpSpPr>
+        <p:cNvPr id="1" name=""/>
+        <p:cNvGrpSpPr/>
+        <p:nvPr/>
+      </p:nvGrpSpPr>
+      <p:grpSpPr>
+        <a:xfrm>
+          <a:off x="0" y="0"/>
+          <a:ext cx="0" cy="0"/>
+          <a:chOff x="0" y="0"/>
+          <a:chExt cx="0" cy="0"/>
+        </a:xfrm>
+      </p:grpSpPr>
+      <p:sp>
+        <p:nvSpPr>
+          <p:cNvPr id="6" name="Titolo 5">
+            <a:extLst>
+              <a:ext uri="{FF2B5EF4-FFF2-40B4-BE49-F238E27FC236}">
+                <a16:creationId xmlns:a16="http://schemas.microsoft.com/office/drawing/2014/main" id="{5690374C-1A59-4A71-8148-5C0E026A3A75}"/>
+              </a:ext>
+            </a:extLst>
+          </p:cNvPr>
+          <p:cNvSpPr>
+            <a:spLocks noGrp="1"/>
+          </p:cNvSpPr>
+          <p:nvPr>
+            <p:ph type="title"/>
+          </p:nvPr>
+        </p:nvSpPr>
+        <p:spPr/>
+        <p:txBody>
+          <a:bodyPr rtlCol="0"/>
+          <a:lstStyle/>
+          <a:p>
+            <a:pPr rtl="0"/>
+            <a:r>
+              <a:rPr lang="it-IT" dirty="0"/>
+              <a:t>Piani 2020</a:t>
+            </a:r>
+          </a:p>
+        </p:txBody>
+      </p:sp>
+      <p:sp>
+        <p:nvSpPr>
+          <p:cNvPr id="7" name="Segnaposto contenuto 6">
+            <a:extLst>
+              <a:ext uri="{FF2B5EF4-FFF2-40B4-BE49-F238E27FC236}">
+                <a16:creationId xmlns:a16="http://schemas.microsoft.com/office/drawing/2014/main" id="{21A8359F-00D6-408F-ACF5-D8A1A931CD93}"/>
+              </a:ext>
+            </a:extLst>
+          </p:cNvPr>
+          <p:cNvSpPr>
+            <a:spLocks noGrp="1"/>
+          </p:cNvSpPr>
+          <p:nvPr>
+            <p:ph idx="1"/>
+          </p:nvPr>
+        </p:nvSpPr>
+        <p:spPr/>
+        <p:txBody>
+          <a:bodyPr rtlCol="0"/>
+          <a:lstStyle/>
+          <a:p>
+            <a:pPr rtl="0"/>
+            <a:r>
+              <a:rPr lang="it-IT" dirty="0"/>
+              <a:t>Aspirazioni</a:t>
+            </a:r>
+          </a:p>
+          <a:p>
+            <a:pPr rtl="0"/>
+            <a:r>
+              <a:rPr lang="it-IT" dirty="0"/>
+              <a:t>Nuove iniziative</a:t>
+            </a:r>
+          </a:p>
+          <a:p>
+            <a:pPr rtl="0"/>
+            <a:r>
+              <a:rPr lang="it-IT" dirty="0"/>
+              <a:t>Metriche chiave</a:t>
+            </a:r>
+          </a:p>
+        </p:txBody>
+      </p:sp>
+      <p:sp>
+        <p:nvSpPr>
+          <p:cNvPr id="8" name="Figura a mano libera: Forma 8" descr="Piani">
+            <a:extLst>
+              <a:ext uri="{FF2B5EF4-FFF2-40B4-BE49-F238E27FC236}">
+                <a16:creationId xmlns:a16="http://schemas.microsoft.com/office/drawing/2014/main" id="{2DB38FFA-F8F9-4178-AD76-00851D638B92}"/>
+              </a:ext>
+            </a:extLst>
+          </p:cNvPr>
+          <p:cNvSpPr/>
+          <p:nvPr/>
+        </p:nvSpPr>
+        <p:spPr>
+          <a:xfrm>
+            <a:off x="4757976" y="2553504"/>
+            <a:ext cx="515064" cy="757216"/>
+          </a:xfrm>
+          <a:custGeom>
+            <a:avLst/>
+            <a:gdLst/>
+            <a:ahLst/>
+            <a:cxnLst>
+              <a:cxn ang="3cd4">
+                <a:pos x="hc" y="t"/>
+              </a:cxn>
+              <a:cxn ang="cd2">
+                <a:pos x="l" y="vc"/>
+              </a:cxn>
+              <a:cxn ang="cd4">
+                <a:pos x="hc" y="b"/>
+              </a:cxn>
+              <a:cxn ang="0">
+                <a:pos x="r" y="vc"/>
+              </a:cxn>
+            </a:cxnLst>
+            <a:rect l="l" t="t" r="r" b="b"/>
+            <a:pathLst>
+              <a:path w="3451" h="5073">
+                <a:moveTo>
+                  <a:pt x="1718" y="668"/>
+                </a:moveTo>
+                <a:cubicBezTo>
+                  <a:pt x="1813" y="668"/>
+                  <a:pt x="1892" y="604"/>
+                  <a:pt x="1892" y="509"/>
+                </a:cubicBezTo>
+                <a:cubicBezTo>
+                  <a:pt x="1892" y="413"/>
+                  <a:pt x="1813" y="350"/>
+                  <a:pt x="1718" y="350"/>
+                </a:cubicBezTo>
+                <a:cubicBezTo>
+                  <a:pt x="1638" y="350"/>
+                  <a:pt x="1558" y="413"/>
+                  <a:pt x="1558" y="509"/>
+                </a:cubicBezTo>
+                <a:cubicBezTo>
+                  <a:pt x="1558" y="604"/>
+                  <a:pt x="1638" y="668"/>
+                  <a:pt x="1718" y="668"/>
+                </a:cubicBezTo>
+                <a:close/>
+                <a:moveTo>
+                  <a:pt x="2242" y="700"/>
+                </a:moveTo>
+                <a:cubicBezTo>
+                  <a:pt x="2227" y="636"/>
+                  <a:pt x="2227" y="573"/>
+                  <a:pt x="2227" y="509"/>
+                </a:cubicBezTo>
+                <a:cubicBezTo>
+                  <a:pt x="2227" y="222"/>
+                  <a:pt x="2004" y="0"/>
+                  <a:pt x="1733" y="0"/>
+                </a:cubicBezTo>
+                <a:cubicBezTo>
+                  <a:pt x="1447" y="0"/>
+                  <a:pt x="1209" y="222"/>
+                  <a:pt x="1209" y="509"/>
+                </a:cubicBezTo>
+                <a:lnTo>
+                  <a:pt x="1209" y="700"/>
+                </a:lnTo>
+                <a:lnTo>
+                  <a:pt x="238" y="700"/>
+                </a:lnTo>
+                <a:cubicBezTo>
+                  <a:pt x="111" y="700"/>
+                  <a:pt x="0" y="811"/>
+                  <a:pt x="0" y="938"/>
+                </a:cubicBezTo>
+                <a:lnTo>
+                  <a:pt x="0" y="4835"/>
+                </a:lnTo>
+                <a:cubicBezTo>
+                  <a:pt x="0" y="4962"/>
+                  <a:pt x="111" y="5073"/>
+                  <a:pt x="238" y="5073"/>
+                </a:cubicBezTo>
+                <a:lnTo>
+                  <a:pt x="3212" y="5073"/>
+                </a:lnTo>
+                <a:cubicBezTo>
+                  <a:pt x="3340" y="5073"/>
+                  <a:pt x="3451" y="4962"/>
+                  <a:pt x="3451" y="4835"/>
+                </a:cubicBezTo>
+                <a:lnTo>
+                  <a:pt x="3451" y="938"/>
+                </a:lnTo>
+                <a:cubicBezTo>
+                  <a:pt x="3451" y="795"/>
+                  <a:pt x="3340" y="700"/>
+                  <a:pt x="3212" y="700"/>
+                </a:cubicBezTo>
+                <a:close/>
+                <a:moveTo>
+                  <a:pt x="1367" y="509"/>
+                </a:moveTo>
+                <a:cubicBezTo>
+                  <a:pt x="1367" y="318"/>
+                  <a:pt x="1527" y="159"/>
+                  <a:pt x="1733" y="159"/>
+                </a:cubicBezTo>
+                <a:cubicBezTo>
+                  <a:pt x="1908" y="159"/>
+                  <a:pt x="2067" y="318"/>
+                  <a:pt x="2067" y="509"/>
+                </a:cubicBezTo>
+                <a:cubicBezTo>
+                  <a:pt x="2067" y="716"/>
+                  <a:pt x="2067" y="1082"/>
+                  <a:pt x="2497" y="1193"/>
+                </a:cubicBezTo>
+                <a:cubicBezTo>
+                  <a:pt x="2624" y="1225"/>
+                  <a:pt x="2719" y="1336"/>
+                  <a:pt x="2736" y="1479"/>
+                </a:cubicBezTo>
+                <a:lnTo>
+                  <a:pt x="715" y="1479"/>
+                </a:lnTo>
+                <a:cubicBezTo>
+                  <a:pt x="731" y="1352"/>
+                  <a:pt x="811" y="1225"/>
+                  <a:pt x="938" y="1193"/>
+                </a:cubicBezTo>
+                <a:cubicBezTo>
+                  <a:pt x="1367" y="1082"/>
+                  <a:pt x="1367" y="716"/>
+                  <a:pt x="1367" y="509"/>
+                </a:cubicBezTo>
+                <a:close/>
+                <a:moveTo>
+                  <a:pt x="668" y="1638"/>
+                </a:moveTo>
+                <a:lnTo>
+                  <a:pt x="2767" y="1638"/>
+                </a:lnTo>
+                <a:cubicBezTo>
+                  <a:pt x="2846" y="1638"/>
+                  <a:pt x="2894" y="1591"/>
+                  <a:pt x="2894" y="1511"/>
+                </a:cubicBezTo>
+                <a:cubicBezTo>
+                  <a:pt x="2894" y="1383"/>
+                  <a:pt x="2846" y="1256"/>
+                  <a:pt x="2767" y="1177"/>
+                </a:cubicBezTo>
+                <a:lnTo>
+                  <a:pt x="2879" y="1177"/>
+                </a:lnTo>
+                <a:cubicBezTo>
+                  <a:pt x="2910" y="1177"/>
+                  <a:pt x="2926" y="1177"/>
+                  <a:pt x="2942" y="1193"/>
+                </a:cubicBezTo>
+                <a:cubicBezTo>
+                  <a:pt x="2958" y="1209"/>
+                  <a:pt x="2974" y="1240"/>
+                  <a:pt x="2974" y="1256"/>
+                </a:cubicBezTo>
+                <a:lnTo>
+                  <a:pt x="2974" y="4517"/>
+                </a:lnTo>
+                <a:cubicBezTo>
+                  <a:pt x="2974" y="4564"/>
+                  <a:pt x="2926" y="4596"/>
+                  <a:pt x="2879" y="4596"/>
+                </a:cubicBezTo>
+                <a:lnTo>
+                  <a:pt x="556" y="4596"/>
+                </a:lnTo>
+                <a:cubicBezTo>
+                  <a:pt x="509" y="4596"/>
+                  <a:pt x="477" y="4564"/>
+                  <a:pt x="477" y="4517"/>
+                </a:cubicBezTo>
+                <a:lnTo>
+                  <a:pt x="477" y="1256"/>
+                </a:lnTo>
+                <a:cubicBezTo>
+                  <a:pt x="477" y="1209"/>
+                  <a:pt x="509" y="1177"/>
+                  <a:pt x="556" y="1177"/>
+                </a:cubicBezTo>
+                <a:lnTo>
+                  <a:pt x="683" y="1177"/>
+                </a:lnTo>
+                <a:cubicBezTo>
+                  <a:pt x="604" y="1272"/>
+                  <a:pt x="556" y="1383"/>
+                  <a:pt x="556" y="1511"/>
+                </a:cubicBezTo>
+                <a:cubicBezTo>
+                  <a:pt x="556" y="1574"/>
+                  <a:pt x="604" y="1638"/>
+                  <a:pt x="668" y="1638"/>
+                </a:cubicBezTo>
+                <a:close/>
+                <a:moveTo>
+                  <a:pt x="3292" y="938"/>
+                </a:moveTo>
+                <a:lnTo>
+                  <a:pt x="3292" y="4835"/>
+                </a:lnTo>
+                <a:cubicBezTo>
+                  <a:pt x="3292" y="4883"/>
+                  <a:pt x="3244" y="4915"/>
+                  <a:pt x="3212" y="4915"/>
+                </a:cubicBezTo>
+                <a:lnTo>
+                  <a:pt x="238" y="4915"/>
+                </a:lnTo>
+                <a:cubicBezTo>
+                  <a:pt x="191" y="4915"/>
+                  <a:pt x="159" y="4883"/>
+                  <a:pt x="159" y="4835"/>
+                </a:cubicBezTo>
+                <a:lnTo>
+                  <a:pt x="159" y="938"/>
+                </a:lnTo>
+                <a:cubicBezTo>
+                  <a:pt x="159" y="891"/>
+                  <a:pt x="191" y="859"/>
+                  <a:pt x="238" y="859"/>
+                </a:cubicBezTo>
+                <a:lnTo>
+                  <a:pt x="1161" y="859"/>
+                </a:lnTo>
+                <a:cubicBezTo>
+                  <a:pt x="1129" y="922"/>
+                  <a:pt x="1065" y="986"/>
+                  <a:pt x="986" y="1018"/>
+                </a:cubicBezTo>
+                <a:lnTo>
+                  <a:pt x="970" y="1018"/>
+                </a:lnTo>
+                <a:lnTo>
+                  <a:pt x="556" y="1018"/>
+                </a:lnTo>
+                <a:cubicBezTo>
+                  <a:pt x="429" y="1018"/>
+                  <a:pt x="318" y="1129"/>
+                  <a:pt x="318" y="1256"/>
+                </a:cubicBezTo>
+                <a:lnTo>
+                  <a:pt x="318" y="4517"/>
+                </a:lnTo>
+                <a:cubicBezTo>
+                  <a:pt x="318" y="4644"/>
+                  <a:pt x="429" y="4755"/>
+                  <a:pt x="556" y="4755"/>
+                </a:cubicBezTo>
+                <a:lnTo>
+                  <a:pt x="2879" y="4755"/>
+                </a:lnTo>
+                <a:cubicBezTo>
+                  <a:pt x="3022" y="4755"/>
+                  <a:pt x="3133" y="4644"/>
+                  <a:pt x="3133" y="4517"/>
+                </a:cubicBezTo>
+                <a:lnTo>
+                  <a:pt x="3133" y="1256"/>
+                </a:lnTo>
+                <a:cubicBezTo>
+                  <a:pt x="3133" y="1193"/>
+                  <a:pt x="3101" y="1129"/>
+                  <a:pt x="3054" y="1082"/>
+                </a:cubicBezTo>
+                <a:cubicBezTo>
+                  <a:pt x="3006" y="1034"/>
+                  <a:pt x="2958" y="1018"/>
+                  <a:pt x="2879" y="1018"/>
+                </a:cubicBezTo>
+                <a:lnTo>
+                  <a:pt x="2465" y="1018"/>
+                </a:lnTo>
+                <a:cubicBezTo>
+                  <a:pt x="2370" y="986"/>
+                  <a:pt x="2306" y="922"/>
+                  <a:pt x="2274" y="859"/>
+                </a:cubicBezTo>
+                <a:lnTo>
+                  <a:pt x="3212" y="859"/>
+                </a:lnTo>
+                <a:cubicBezTo>
+                  <a:pt x="3244" y="859"/>
+                  <a:pt x="3292" y="891"/>
+                  <a:pt x="3292" y="938"/>
+                </a:cubicBezTo>
+                <a:close/>
+                <a:moveTo>
+                  <a:pt x="1400" y="3737"/>
+                </a:moveTo>
+                <a:cubicBezTo>
+                  <a:pt x="1415" y="3754"/>
+                  <a:pt x="1431" y="3769"/>
+                  <a:pt x="1447" y="3769"/>
+                </a:cubicBezTo>
+                <a:cubicBezTo>
+                  <a:pt x="1463" y="3769"/>
+                  <a:pt x="1495" y="3754"/>
+                  <a:pt x="1510" y="3737"/>
+                </a:cubicBezTo>
+                <a:lnTo>
+                  <a:pt x="2560" y="2688"/>
+                </a:lnTo>
+                <a:cubicBezTo>
+                  <a:pt x="2592" y="2656"/>
+                  <a:pt x="2592" y="2592"/>
+                  <a:pt x="2560" y="2561"/>
+                </a:cubicBezTo>
+                <a:cubicBezTo>
+                  <a:pt x="2545" y="2545"/>
+                  <a:pt x="2481" y="2545"/>
+                  <a:pt x="2449" y="2561"/>
+                </a:cubicBezTo>
+                <a:lnTo>
+                  <a:pt x="1447" y="3579"/>
+                </a:lnTo>
+                <a:lnTo>
+                  <a:pt x="1018" y="3133"/>
+                </a:lnTo>
+                <a:cubicBezTo>
+                  <a:pt x="986" y="3101"/>
+                  <a:pt x="938" y="3101"/>
+                  <a:pt x="906" y="3133"/>
+                </a:cubicBezTo>
+                <a:cubicBezTo>
+                  <a:pt x="874" y="3165"/>
+                  <a:pt x="874" y="3228"/>
+                  <a:pt x="906" y="3245"/>
+                </a:cubicBezTo>
+                <a:close/>
+              </a:path>
+            </a:pathLst>
+          </a:custGeom>
+          <a:solidFill>
+            <a:schemeClr val="bg1"/>
+          </a:solidFill>
+          <a:ln cap="flat">
+            <a:noFill/>
+            <a:prstDash val="solid"/>
+          </a:ln>
+        </p:spPr>
+        <p:txBody>
+          <a:bodyPr vert="horz" wrap="none" lIns="90000" tIns="45000" rIns="90000" bIns="45000" rtlCol="0" anchor="ctr" anchorCtr="1" compatLnSpc="0"/>
+          <a:lstStyle/>
+          <a:p>
+            <a:pPr marL="0" marR="0" lvl="0" indent="0" rtl="0" hangingPunct="0">
+              <a:lnSpc>
+                <a:spcPct val="100000"/>
+              </a:lnSpc>
+              <a:spcBef>
+                <a:spcPts val="0"/>
+              </a:spcBef>
+              <a:spcAft>
+                <a:spcPts val="0"/>
+              </a:spcAft>
+              <a:buNone/>
+              <a:tabLst/>
+            </a:pPr>
+            <a:endParaRPr lang="it-IT" sz="1800" b="0" i="0" u="none" strike="noStrike" kern="1200" dirty="0">
+              <a:ln>
+                <a:noFill/>
+              </a:ln>
+              <a:latin typeface="Arial" pitchFamily="18"/>
+              <a:ea typeface="SimSun" pitchFamily="2"/>
+              <a:cs typeface="Lucida Sans" pitchFamily="2"/>
+            </a:endParaRPr>
+          </a:p>
+        </p:txBody>
+      </p:sp>
+      <p:pic>
+        <p:nvPicPr>
+          <p:cNvPr id="5" name="Elemento grafico 4">
+            <a:extLst>
+              <a:ext uri="{FF2B5EF4-FFF2-40B4-BE49-F238E27FC236}">
+                <a16:creationId xmlns:a16="http://schemas.microsoft.com/office/drawing/2014/main" id="{64D5B91A-48CF-4F19-A232-B23F0B085333}"/>
+              </a:ext>
+            </a:extLst>
+          </p:cNvPr>
+          <p:cNvPicPr>
+            <a:picLocks noChangeAspect="1"/>
+          </p:cNvPicPr>
+          <p:nvPr/>
+        </p:nvPicPr>
+        <p:blipFill>
+          <a:blip r:embed="rId3" cstate="print">
+            <a:extLst>
+              <a:ext uri="{28A0092B-C50C-407E-A947-70E740481C1C}">
+                <a14:useLocalDpi xmlns:a14="http://schemas.microsoft.com/office/drawing/2010/main" val="0"/>
+              </a:ext>
+              <a:ext uri="{96DAC541-7B7A-43D3-8B79-37D633B846F1}">
+                <asvg:svgBlip xmlns:asvg="http://schemas.microsoft.com/office/drawing/2016/SVG/main" r:embed="rId4"/>
+              </a:ext>
+            </a:extLst>
+          </a:blip>
+          <a:stretch>
+            <a:fillRect/>
+          </a:stretch>
+        </p:blipFill>
+        <p:spPr>
+          <a:xfrm>
+            <a:off x="207095" y="6043750"/>
+            <a:ext cx="1770209" cy="700341"/>
+          </a:xfrm>
+          <a:prstGeom prst="rect">
+            <a:avLst/>
+          </a:prstGeom>
+        </p:spPr>
+      </p:pic>
+      <p:sp>
+        <p:nvSpPr>
+          <p:cNvPr id="9" name="Connettore 8">
+            <a:extLst>
+              <a:ext uri="{FF2B5EF4-FFF2-40B4-BE49-F238E27FC236}">
+                <a16:creationId xmlns:a16="http://schemas.microsoft.com/office/drawing/2014/main" id="{A5653AB4-C957-4ED7-BC1C-A577F151A2D9}"/>
+              </a:ext>
+            </a:extLst>
+          </p:cNvPr>
+          <p:cNvSpPr/>
+          <p:nvPr/>
+        </p:nvSpPr>
+        <p:spPr>
+          <a:xfrm>
+            <a:off x="11455401" y="6273800"/>
+            <a:ext cx="512910" cy="470291"/>
+          </a:xfrm>
+          <a:prstGeom prst="flowChartConnector">
+            <a:avLst/>
+          </a:prstGeom>
+        </p:spPr>
+        <p:style>
+          <a:lnRef idx="2">
+            <a:schemeClr val="accent1">
+              <a:shade val="50000"/>
+            </a:schemeClr>
+          </a:lnRef>
+          <a:fillRef idx="1">
+            <a:schemeClr val="accent1"/>
+          </a:fillRef>
+          <a:effectRef idx="0">
+            <a:schemeClr val="accent1"/>
+          </a:effectRef>
+          <a:fontRef idx="minor">
+            <a:schemeClr val="lt1"/>
+          </a:fontRef>
+        </p:style>
+        <p:txBody>
+          <a:bodyPr rtlCol="0" anchor="ctr"/>
+          <a:lstStyle/>
+          <a:p>
+            <a:pPr algn="ctr"/>
+            <a:fld id="{3A98EE3D-8CD1-4C3F-BD1C-C98C9596463C}" type="slidenum">
+              <a:rPr lang="it-IT" sz="1200" b="1"/>
+              <a:pPr algn="ctr"/>
+              <a:t>10</a:t>
+            </a:fld>
+            <a:endParaRPr lang="it-IT" b="1" dirty="0"/>
+          </a:p>
+        </p:txBody>
+      </p:sp>
+    </p:spTree>
+    <p:extLst>
+      <p:ext uri="{BB962C8B-B14F-4D97-AF65-F5344CB8AC3E}">
+        <p14:creationId xmlns:p14="http://schemas.microsoft.com/office/powerpoint/2010/main" val="2160388275"/>
+      </p:ext>
+    </p:extLst>
+  </p:cSld>
+  <p:clrMapOvr>
+    <a:masterClrMapping/>
+  </p:clrMapOvr>
+</p:sld>
+</file>
+
+<file path=ppt/slides/slide11.xml><?xml version="1.0" encoding="utf-8"?>
+<p:sld xmlns:a="http://schemas.openxmlformats.org/drawingml/2006/main" xmlns:r="http://schemas.openxmlformats.org/officeDocument/2006/relationships" xmlns:p="http://schemas.openxmlformats.org/presentationml/2006/main">
+  <p:cSld>
+    <p:spTree>
+      <p:nvGrpSpPr>
+        <p:cNvPr id="1" name=""/>
+        <p:cNvGrpSpPr/>
+        <p:nvPr/>
+      </p:nvGrpSpPr>
+      <p:grpSpPr>
+        <a:xfrm>
+          <a:off x="0" y="0"/>
+          <a:ext cx="0" cy="0"/>
+          <a:chOff x="0" y="0"/>
+          <a:chExt cx="0" cy="0"/>
+        </a:xfrm>
+      </p:grpSpPr>
+      <p:sp>
+        <p:nvSpPr>
+          <p:cNvPr id="6" name="Titolo 5">
+            <a:extLst>
+              <a:ext uri="{FF2B5EF4-FFF2-40B4-BE49-F238E27FC236}">
+                <a16:creationId xmlns:a16="http://schemas.microsoft.com/office/drawing/2014/main" id="{17366F56-B8FF-48A0-AF71-EC4BD9531F04}"/>
+              </a:ext>
+            </a:extLst>
+          </p:cNvPr>
+          <p:cNvSpPr>
+            <a:spLocks noGrp="1"/>
+          </p:cNvSpPr>
+          <p:nvPr>
+            <p:ph type="title"/>
+          </p:nvPr>
+        </p:nvSpPr>
+        <p:spPr/>
+        <p:txBody>
+          <a:bodyPr rtlCol="0"/>
+          <a:lstStyle/>
+          <a:p>
+            <a:pPr rtl="0"/>
+            <a:r>
+              <a:rPr lang="it-IT" dirty="0"/>
+              <a:t>Persone</a:t>
+            </a:r>
+          </a:p>
+        </p:txBody>
+      </p:sp>
+      <p:sp>
+        <p:nvSpPr>
+          <p:cNvPr id="7" name="Segnaposto contenuto 6">
+            <a:extLst>
+              <a:ext uri="{FF2B5EF4-FFF2-40B4-BE49-F238E27FC236}">
+                <a16:creationId xmlns:a16="http://schemas.microsoft.com/office/drawing/2014/main" id="{F74FED9E-E7B7-481E-8BD9-53BE272F02F0}"/>
+              </a:ext>
+            </a:extLst>
+          </p:cNvPr>
+          <p:cNvSpPr>
+            <a:spLocks noGrp="1"/>
+          </p:cNvSpPr>
+          <p:nvPr>
+            <p:ph idx="1"/>
+          </p:nvPr>
+        </p:nvSpPr>
+        <p:spPr/>
+        <p:txBody>
+          <a:bodyPr rtlCol="0"/>
+          <a:lstStyle/>
+          <a:p>
+            <a:pPr rtl="0"/>
+            <a:r>
+              <a:rPr lang="it-IT" dirty="0"/>
+              <a:t>Team esecutivo</a:t>
+            </a:r>
+          </a:p>
+          <a:p>
+            <a:pPr rtl="0"/>
+            <a:r>
+              <a:rPr lang="it-IT" dirty="0"/>
+              <a:t>Nuovi dipendenti</a:t>
+            </a:r>
+          </a:p>
+          <a:p>
+            <a:pPr rtl="0"/>
+            <a:r>
+              <a:rPr lang="it-IT" dirty="0"/>
+              <a:t>Anniversari</a:t>
+            </a:r>
+          </a:p>
+        </p:txBody>
+      </p:sp>
+      <p:sp>
+        <p:nvSpPr>
+          <p:cNvPr id="5" name="Rettangolo 4" descr="Utenti">
+            <a:extLst>
+              <a:ext uri="{FF2B5EF4-FFF2-40B4-BE49-F238E27FC236}">
+                <a16:creationId xmlns:a16="http://schemas.microsoft.com/office/drawing/2014/main" id="{C123C14A-AC1C-49E6-84C6-5EC75804E103}"/>
+              </a:ext>
+            </a:extLst>
+          </p:cNvPr>
+          <p:cNvSpPr/>
+          <p:nvPr/>
+        </p:nvSpPr>
+        <p:spPr>
+          <a:xfrm>
+            <a:off x="4511716" y="2417888"/>
+            <a:ext cx="1043437" cy="1043437"/>
+          </a:xfrm>
+          <a:prstGeom prst="rect">
+            <a:avLst/>
+          </a:prstGeom>
+          <a:blipFill>
+            <a:blip r:embed="rId3">
+              <a:extLst>
+                <a:ext uri="{28A0092B-C50C-407E-A947-70E740481C1C}">
+                  <a14:useLocalDpi xmlns:a14="http://schemas.microsoft.com/office/drawing/2010/main" val="0"/>
+                </a:ext>
+                <a:ext uri="{96DAC541-7B7A-43D3-8B79-37D633B846F1}">
+                  <asvg:svgBlip xmlns:asvg="http://schemas.microsoft.com/office/drawing/2016/SVG/main" r:embed="rId4"/>
+                </a:ext>
+              </a:extLst>
+            </a:blip>
+            <a:stretch>
+              <a:fillRect/>
+            </a:stretch>
+          </a:blipFill>
+          <a:ln>
+            <a:noFill/>
+          </a:ln>
+        </p:spPr>
+        <p:style>
+          <a:lnRef idx="2">
+            <a:scrgbClr r="0" g="0" b="0"/>
+          </a:lnRef>
+          <a:fillRef idx="1">
+            <a:scrgbClr r="0" g="0" b="0"/>
+          </a:fillRef>
+          <a:effectRef idx="0">
+            <a:schemeClr val="bg1">
+              <a:hueOff val="0"/>
+              <a:satOff val="0"/>
+              <a:lumOff val="0"/>
+              <a:alphaOff val="0"/>
+            </a:schemeClr>
+          </a:effectRef>
+          <a:fontRef idx="minor">
+            <a:schemeClr val="dk1">
+              <a:hueOff val="0"/>
+              <a:satOff val="0"/>
+              <a:lumOff val="0"/>
+              <a:alphaOff val="0"/>
+            </a:schemeClr>
+          </a:fontRef>
+        </p:style>
+      </p:sp>
+      <p:pic>
+        <p:nvPicPr>
+          <p:cNvPr id="8" name="Elemento grafico 7">
+            <a:extLst>
+              <a:ext uri="{FF2B5EF4-FFF2-40B4-BE49-F238E27FC236}">
+                <a16:creationId xmlns:a16="http://schemas.microsoft.com/office/drawing/2014/main" id="{BC8F3650-8745-4733-87F1-B77C8B19ECF7}"/>
+              </a:ext>
+            </a:extLst>
+          </p:cNvPr>
+          <p:cNvPicPr>
+            <a:picLocks noChangeAspect="1"/>
+          </p:cNvPicPr>
+          <p:nvPr/>
+        </p:nvPicPr>
+        <p:blipFill>
+          <a:blip r:embed="rId5" cstate="print">
+            <a:extLst>
+              <a:ext uri="{28A0092B-C50C-407E-A947-70E740481C1C}">
+                <a14:useLocalDpi xmlns:a14="http://schemas.microsoft.com/office/drawing/2010/main" val="0"/>
+              </a:ext>
+              <a:ext uri="{96DAC541-7B7A-43D3-8B79-37D633B846F1}">
+                <asvg:svgBlip xmlns:asvg="http://schemas.microsoft.com/office/drawing/2016/SVG/main" r:embed="rId6"/>
+              </a:ext>
+            </a:extLst>
+          </a:blip>
+          <a:stretch>
+            <a:fillRect/>
+          </a:stretch>
+        </p:blipFill>
+        <p:spPr>
+          <a:xfrm>
+            <a:off x="207095" y="6043750"/>
+            <a:ext cx="1770209" cy="700341"/>
+          </a:xfrm>
+          <a:prstGeom prst="rect">
+            <a:avLst/>
+          </a:prstGeom>
+        </p:spPr>
+      </p:pic>
+      <p:sp>
+        <p:nvSpPr>
+          <p:cNvPr id="9" name="Connettore 8">
+            <a:extLst>
+              <a:ext uri="{FF2B5EF4-FFF2-40B4-BE49-F238E27FC236}">
+                <a16:creationId xmlns:a16="http://schemas.microsoft.com/office/drawing/2014/main" id="{B635B5BA-CD1A-4F46-8D5E-CB72E54FE7E7}"/>
+              </a:ext>
+            </a:extLst>
+          </p:cNvPr>
+          <p:cNvSpPr/>
+          <p:nvPr/>
+        </p:nvSpPr>
+        <p:spPr>
+          <a:xfrm>
+            <a:off x="11455401" y="6273800"/>
+            <a:ext cx="512910" cy="470291"/>
+          </a:xfrm>
+          <a:prstGeom prst="flowChartConnector">
+            <a:avLst/>
+          </a:prstGeom>
+        </p:spPr>
+        <p:style>
+          <a:lnRef idx="2">
+            <a:schemeClr val="accent1">
+              <a:shade val="50000"/>
+            </a:schemeClr>
+          </a:lnRef>
+          <a:fillRef idx="1">
+            <a:schemeClr val="accent1"/>
+          </a:fillRef>
+          <a:effectRef idx="0">
+            <a:schemeClr val="accent1"/>
+          </a:effectRef>
+          <a:fontRef idx="minor">
+            <a:schemeClr val="lt1"/>
+          </a:fontRef>
+        </p:style>
+        <p:txBody>
+          <a:bodyPr rtlCol="0" anchor="ctr"/>
+          <a:lstStyle/>
+          <a:p>
+            <a:pPr algn="ctr"/>
+            <a:fld id="{3A98EE3D-8CD1-4C3F-BD1C-C98C9596463C}" type="slidenum">
+              <a:rPr lang="it-IT" sz="1200" b="1"/>
+              <a:pPr algn="ctr"/>
+              <a:t>11</a:t>
+            </a:fld>
+            <a:endParaRPr lang="it-IT" b="1" dirty="0"/>
+          </a:p>
+        </p:txBody>
+      </p:sp>
+    </p:spTree>
+    <p:extLst>
+      <p:ext uri="{BB962C8B-B14F-4D97-AF65-F5344CB8AC3E}">
+        <p14:creationId xmlns:p14="http://schemas.microsoft.com/office/powerpoint/2010/main" val="2822882111"/>
+      </p:ext>
+    </p:extLst>
+  </p:cSld>
+  <p:clrMapOvr>
+    <a:masterClrMapping/>
+  </p:clrMapOvr>
+</p:sld>
+</file>
+
+<file path=ppt/slides/slide12.xml><?xml version="1.0" encoding="utf-8"?>
+<p:sld xmlns:a="http://schemas.openxmlformats.org/drawingml/2006/main" xmlns:r="http://schemas.openxmlformats.org/officeDocument/2006/relationships" xmlns:p="http://schemas.openxmlformats.org/presentationml/2006/main">
+  <p:cSld>
+    <p:spTree>
+      <p:nvGrpSpPr>
+        <p:cNvPr id="1" name=""/>
+        <p:cNvGrpSpPr/>
+        <p:nvPr/>
+      </p:nvGrpSpPr>
+      <p:grpSpPr>
+        <a:xfrm>
+          <a:off x="0" y="0"/>
+          <a:ext cx="0" cy="0"/>
+          <a:chOff x="0" y="0"/>
+          <a:chExt cx="0" cy="0"/>
+        </a:xfrm>
+      </p:grpSpPr>
+      <p:pic>
+        <p:nvPicPr>
+          <p:cNvPr id="11" name="Segnaposto immagine 10" descr="Immagine con ambienti interni. Persona che firma documenti&#10;">
+            <a:extLst>
+              <a:ext uri="{FF2B5EF4-FFF2-40B4-BE49-F238E27FC236}">
+                <a16:creationId xmlns:a16="http://schemas.microsoft.com/office/drawing/2014/main" id="{A7C45DDD-A694-4705-892B-497F786E9683}"/>
+              </a:ext>
+            </a:extLst>
+          </p:cNvPr>
+          <p:cNvPicPr>
+            <a:picLocks noGrp="1" noChangeAspect="1"/>
+          </p:cNvPicPr>
+          <p:nvPr>
+            <p:ph type="pic" idx="1"/>
+          </p:nvPr>
+        </p:nvPicPr>
+        <p:blipFill>
+          <a:blip r:embed="rId3" cstate="print">
+            <a:grayscl/>
+            <a:extLst>
+              <a:ext uri="{28A0092B-C50C-407E-A947-70E740481C1C}">
+                <a14:useLocalDpi xmlns:a14="http://schemas.microsoft.com/office/drawing/2010/main" val="0"/>
+              </a:ext>
+            </a:extLst>
+          </a:blip>
+          <a:srcRect/>
+          <a:stretch>
+            <a:fillRect/>
+          </a:stretch>
+        </p:blipFill>
+        <p:spPr/>
+      </p:pic>
+      <p:sp>
+        <p:nvSpPr>
+          <p:cNvPr id="7" name="Titolo 6">
+            <a:extLst>
+              <a:ext uri="{FF2B5EF4-FFF2-40B4-BE49-F238E27FC236}">
+                <a16:creationId xmlns:a16="http://schemas.microsoft.com/office/drawing/2014/main" id="{E444079D-629C-4C44-8DB6-B4B5E7C54015}"/>
+              </a:ext>
+            </a:extLst>
+          </p:cNvPr>
+          <p:cNvSpPr>
+            <a:spLocks noGrp="1"/>
+          </p:cNvSpPr>
+          <p:nvPr>
+            <p:ph type="title"/>
+          </p:nvPr>
+        </p:nvSpPr>
+        <p:spPr/>
+        <p:txBody>
+          <a:bodyPr rtlCol="0"/>
+          <a:lstStyle/>
+          <a:p>
+            <a:pPr rtl="0"/>
+            <a:r>
+              <a:rPr lang="it-IT" dirty="0"/>
+              <a:t>Conclusione</a:t>
+            </a:r>
+          </a:p>
+        </p:txBody>
+      </p:sp>
+      <p:pic>
+        <p:nvPicPr>
+          <p:cNvPr id="4" name="Elemento grafico 3">
+            <a:extLst>
+              <a:ext uri="{FF2B5EF4-FFF2-40B4-BE49-F238E27FC236}">
+                <a16:creationId xmlns:a16="http://schemas.microsoft.com/office/drawing/2014/main" id="{4E632E39-706D-4A38-9695-817394D0F6CF}"/>
+              </a:ext>
+            </a:extLst>
+          </p:cNvPr>
+          <p:cNvPicPr>
+            <a:picLocks noChangeAspect="1"/>
+          </p:cNvPicPr>
+          <p:nvPr/>
+        </p:nvPicPr>
+        <p:blipFill>
+          <a:blip r:embed="rId4" cstate="print">
+            <a:extLst>
+              <a:ext uri="{28A0092B-C50C-407E-A947-70E740481C1C}">
+                <a14:useLocalDpi xmlns:a14="http://schemas.microsoft.com/office/drawing/2010/main" val="0"/>
+              </a:ext>
+              <a:ext uri="{96DAC541-7B7A-43D3-8B79-37D633B846F1}">
+                <asvg:svgBlip xmlns:asvg="http://schemas.microsoft.com/office/drawing/2016/SVG/main" r:embed="rId5"/>
+              </a:ext>
+            </a:extLst>
+          </a:blip>
+          <a:stretch>
+            <a:fillRect/>
+          </a:stretch>
+        </p:blipFill>
+        <p:spPr>
+          <a:xfrm>
+            <a:off x="5210895" y="5764056"/>
+            <a:ext cx="1770209" cy="700341"/>
+          </a:xfrm>
+          <a:prstGeom prst="rect">
+            <a:avLst/>
+          </a:prstGeom>
+        </p:spPr>
+      </p:pic>
+    </p:spTree>
+    <p:extLst>
+      <p:ext uri="{BB962C8B-B14F-4D97-AF65-F5344CB8AC3E}">
+        <p14:creationId xmlns:p14="http://schemas.microsoft.com/office/powerpoint/2010/main" val="1664008586"/>
+      </p:ext>
+    </p:extLst>
+  </p:cSld>
+  <p:clrMapOvr>
+    <a:masterClrMapping/>
+  </p:clrMapOvr>
+</p:sld>
+</file>
+
+<file path=ppt/slides/slide13.xml><?xml version="1.0" encoding="utf-8"?>
+<p:sld xmlns:a="http://schemas.openxmlformats.org/drawingml/2006/main" xmlns:r="http://schemas.openxmlformats.org/officeDocument/2006/relationships" xmlns:p="http://schemas.openxmlformats.org/presentationml/2006/main">
+  <p:cSld>
+    <p:bg>
+      <p:bgPr>
+        <a:solidFill>
+          <a:schemeClr val="bg1"/>
+        </a:solidFill>
+        <a:effectLst/>
+      </p:bgPr>
+    </p:bg>
+    <p:spTree>
+      <p:nvGrpSpPr>
+        <p:cNvPr id="1" name=""/>
+        <p:cNvGrpSpPr/>
+        <p:nvPr/>
+      </p:nvGrpSpPr>
+      <p:grpSpPr>
+        <a:xfrm>
+          <a:off x="0" y="0"/>
+          <a:ext cx="0" cy="0"/>
+          <a:chOff x="0" y="0"/>
+          <a:chExt cx="0" cy="0"/>
+        </a:xfrm>
+      </p:grpSpPr>
+      <p:sp>
+        <p:nvSpPr>
+          <p:cNvPr id="13" name="Rettangolo 12">
+            <a:extLst>
+              <a:ext uri="{FF2B5EF4-FFF2-40B4-BE49-F238E27FC236}">
+                <a16:creationId xmlns:a16="http://schemas.microsoft.com/office/drawing/2014/main" id="{39E3965E-AC41-4711-9D10-E25ABB132D86}"/>
+              </a:ext>
+              <a:ext uri="{C183D7F6-B498-43B3-948B-1728B52AA6E4}">
+                <adec:decorative xmlns:adec="http://schemas.microsoft.com/office/drawing/2017/decorative" val="1"/>
+              </a:ext>
+            </a:extLst>
+          </p:cNvPr>
+          <p:cNvSpPr>
+            <a:spLocks noGrp="1" noRot="1" noChangeAspect="1" noMove="1" noResize="1" noEditPoints="1" noAdjustHandles="1" noChangeArrowheads="1" noChangeShapeType="1" noTextEdit="1"/>
+          </p:cNvSpPr>
+          <p:nvPr>
+            <p:extLst>
+              <p:ext uri="{386F3935-93C4-4BCD-93E2-E3B085C9AB24}">
+                <p16:designElem xmlns:p16="http://schemas.microsoft.com/office/powerpoint/2015/main" val="1"/>
+              </p:ext>
+            </p:extLst>
+          </p:nvPr>
+        </p:nvSpPr>
+        <p:spPr>
+          <a:xfrm>
+            <a:off x="3175" y="6400800"/>
+            <a:ext cx="12188825" cy="457200"/>
+          </a:xfrm>
+          <a:prstGeom prst="rect">
+            <a:avLst/>
+          </a:prstGeom>
+          <a:solidFill>
+            <a:srgbClr val="262626"/>
+          </a:solidFill>
+          <a:ln>
+            <a:noFill/>
+          </a:ln>
+        </p:spPr>
+        <p:style>
+          <a:lnRef idx="2">
+            <a:schemeClr val="accent1">
+              <a:shade val="50000"/>
+            </a:schemeClr>
+          </a:lnRef>
+          <a:fillRef idx="1">
+            <a:schemeClr val="accent1"/>
+          </a:fillRef>
+          <a:effectRef idx="0">
+            <a:schemeClr val="accent1"/>
+          </a:effectRef>
+          <a:fontRef idx="minor">
+            <a:schemeClr val="lt1"/>
+          </a:fontRef>
+        </p:style>
+      </p:sp>
+      <p:cxnSp>
+        <p:nvCxnSpPr>
+          <p:cNvPr id="15" name="Connettore diritto 14">
+            <a:extLst>
+              <a:ext uri="{FF2B5EF4-FFF2-40B4-BE49-F238E27FC236}">
+                <a16:creationId xmlns:a16="http://schemas.microsoft.com/office/drawing/2014/main" id="{1F5DC8C3-BA5F-4EED-BB9A-A14272BD82A1}"/>
+              </a:ext>
+              <a:ext uri="{C183D7F6-B498-43B3-948B-1728B52AA6E4}">
+                <adec:decorative xmlns:adec="http://schemas.microsoft.com/office/drawing/2017/decorative" val="1"/>
+              </a:ext>
+            </a:extLst>
+          </p:cNvPr>
+          <p:cNvCxnSpPr>
+            <a:cxnSpLocks noGrp="1" noRot="1" noChangeAspect="1" noMove="1" noResize="1" noEditPoints="1" noAdjustHandles="1" noChangeArrowheads="1" noChangeShapeType="1"/>
+          </p:cNvCxnSpPr>
+          <p:nvPr>
+            <p:extLst>
+              <p:ext uri="{386F3935-93C4-4BCD-93E2-E3B085C9AB24}">
+                <p16:designElem xmlns:p16="http://schemas.microsoft.com/office/powerpoint/2015/main" val="1"/>
+              </p:ext>
+            </p:extLst>
+          </p:nvPr>
+        </p:nvCxnSpPr>
+        <p:spPr>
+          <a:xfrm>
+            <a:off x="1207658" y="4474741"/>
+            <a:ext cx="9875520" cy="0"/>
+          </a:xfrm>
+          <a:prstGeom prst="line">
+            <a:avLst/>
+          </a:prstGeom>
+          <a:ln w="12700">
+            <a:solidFill>
+              <a:schemeClr val="tx1">
+                <a:lumMod val="75000"/>
+                <a:lumOff val="25000"/>
+              </a:schemeClr>
+            </a:solidFill>
+          </a:ln>
+        </p:spPr>
+        <p:style>
+          <a:lnRef idx="1">
+            <a:schemeClr val="accent1"/>
+          </a:lnRef>
+          <a:fillRef idx="0">
+            <a:schemeClr val="accent1"/>
+          </a:fillRef>
+          <a:effectRef idx="0">
+            <a:schemeClr val="accent1"/>
+          </a:effectRef>
+          <a:fontRef idx="minor">
+            <a:schemeClr val="tx1"/>
+          </a:fontRef>
+        </p:style>
+      </p:cxnSp>
+      <p:sp>
+        <p:nvSpPr>
+          <p:cNvPr id="17" name="Rettangolo 16">
+            <a:extLst>
+              <a:ext uri="{FF2B5EF4-FFF2-40B4-BE49-F238E27FC236}">
+                <a16:creationId xmlns:a16="http://schemas.microsoft.com/office/drawing/2014/main" id="{FBDCECDC-EEE3-4128-AA5E-82A8C08796E8}"/>
+              </a:ext>
+              <a:ext uri="{C183D7F6-B498-43B3-948B-1728B52AA6E4}">
+                <adec:decorative xmlns:adec="http://schemas.microsoft.com/office/drawing/2017/decorative" val="1"/>
+              </a:ext>
+            </a:extLst>
+          </p:cNvPr>
+          <p:cNvSpPr>
+            <a:spLocks noGrp="1" noRot="1" noChangeAspect="1" noMove="1" noResize="1" noEditPoints="1" noAdjustHandles="1" noChangeArrowheads="1" noChangeShapeType="1" noTextEdit="1"/>
+          </p:cNvSpPr>
+          <p:nvPr>
+            <p:extLst>
+              <p:ext uri="{386F3935-93C4-4BCD-93E2-E3B085C9AB24}">
+                <p16:designElem xmlns:p16="http://schemas.microsoft.com/office/powerpoint/2015/main" val="1"/>
+              </p:ext>
+            </p:extLst>
+          </p:nvPr>
+        </p:nvSpPr>
+        <p:spPr>
+          <a:xfrm>
+            <a:off x="1507" y="0"/>
+            <a:ext cx="12192000" cy="6858000"/>
+          </a:xfrm>
+          <a:prstGeom prst="rect">
+            <a:avLst/>
+          </a:prstGeom>
+          <a:solidFill>
+            <a:schemeClr val="accent1"/>
+          </a:solidFill>
+          <a:ln>
+            <a:noFill/>
+          </a:ln>
+        </p:spPr>
+        <p:style>
+          <a:lnRef idx="2">
+            <a:schemeClr val="accent1">
+              <a:shade val="50000"/>
+            </a:schemeClr>
+          </a:lnRef>
+          <a:fillRef idx="1">
+            <a:schemeClr val="accent1"/>
+          </a:fillRef>
+          <a:effectRef idx="0">
+            <a:schemeClr val="accent1"/>
+          </a:effectRef>
+          <a:fontRef idx="minor">
+            <a:schemeClr val="lt1"/>
+          </a:fontRef>
+        </p:style>
+        <p:txBody>
+          <a:bodyPr rtlCol="0" anchor="ctr"/>
+          <a:lstStyle/>
+          <a:p>
+            <a:pPr algn="ctr" rtl="0"/>
+            <a:endParaRPr lang="it-IT" dirty="0"/>
+          </a:p>
+        </p:txBody>
+      </p:sp>
+      <p:sp>
+        <p:nvSpPr>
+          <p:cNvPr id="7" name="Titolo 6">
+            <a:extLst>
+              <a:ext uri="{FF2B5EF4-FFF2-40B4-BE49-F238E27FC236}">
+                <a16:creationId xmlns:a16="http://schemas.microsoft.com/office/drawing/2014/main" id="{5365BF64-4B30-4125-9A30-A1B08C80ED7D}"/>
+              </a:ext>
+            </a:extLst>
+          </p:cNvPr>
+          <p:cNvSpPr>
+            <a:spLocks noGrp="1"/>
+          </p:cNvSpPr>
+          <p:nvPr>
+            <p:ph type="title"/>
+          </p:nvPr>
+        </p:nvSpPr>
+        <p:spPr>
+          <a:xfrm>
+            <a:off x="1097280" y="758952"/>
+            <a:ext cx="10058400" cy="3892168"/>
+          </a:xfrm>
+        </p:spPr>
+        <p:txBody>
+          <a:bodyPr vert="horz" lIns="91440" tIns="45720" rIns="91440" bIns="45720" rtlCol="0" anchor="b">
+            <a:normAutofit/>
+          </a:bodyPr>
+          <a:lstStyle/>
+          <a:p>
+            <a:pPr rtl="0"/>
+            <a:r>
+              <a:rPr lang="it-IT" sz="9600" dirty="0">
+                <a:solidFill>
+                  <a:srgbClr val="FFFFFF"/>
+                </a:solidFill>
+                <a:latin typeface="+mj-lt"/>
+              </a:rPr>
+              <a:t>Ringraziamenti</a:t>
+            </a:r>
+          </a:p>
+        </p:txBody>
+      </p:sp>
+      <p:sp>
+        <p:nvSpPr>
+          <p:cNvPr id="19" name="Rettangolo 18">
+            <a:extLst>
+              <a:ext uri="{FF2B5EF4-FFF2-40B4-BE49-F238E27FC236}">
+                <a16:creationId xmlns:a16="http://schemas.microsoft.com/office/drawing/2014/main" id="{4260EDE0-989C-4E16-AF94-F652294D828E}"/>
+              </a:ext>
+              <a:ext uri="{C183D7F6-B498-43B3-948B-1728B52AA6E4}">
+                <adec:decorative xmlns:adec="http://schemas.microsoft.com/office/drawing/2017/decorative" val="1"/>
+              </a:ext>
+            </a:extLst>
+          </p:cNvPr>
+          <p:cNvSpPr>
+            <a:spLocks noGrp="1" noRot="1" noChangeAspect="1" noMove="1" noResize="1" noEditPoints="1" noAdjustHandles="1" noChangeArrowheads="1" noChangeShapeType="1" noTextEdit="1"/>
+          </p:cNvSpPr>
+          <p:nvPr>
+            <p:extLst>
+              <p:ext uri="{386F3935-93C4-4BCD-93E2-E3B085C9AB24}">
+                <p16:designElem xmlns:p16="http://schemas.microsoft.com/office/powerpoint/2015/main" val="1"/>
+              </p:ext>
+            </p:extLst>
+          </p:nvPr>
+        </p:nvSpPr>
+        <p:spPr bwMode="white">
+          <a:xfrm>
+            <a:off x="1507" y="4953000"/>
+            <a:ext cx="12188952" cy="1905000"/>
+          </a:xfrm>
+          <a:prstGeom prst="rect">
+            <a:avLst/>
+          </a:prstGeom>
+          <a:solidFill>
+            <a:srgbClr val="262626"/>
+          </a:solidFill>
+          <a:ln>
+            <a:noFill/>
+          </a:ln>
+        </p:spPr>
+        <p:style>
+          <a:lnRef idx="2">
+            <a:schemeClr val="accent1">
+              <a:shade val="50000"/>
+            </a:schemeClr>
+          </a:lnRef>
+          <a:fillRef idx="1">
+            <a:schemeClr val="accent1"/>
+          </a:fillRef>
+          <a:effectRef idx="0">
+            <a:schemeClr val="accent1"/>
+          </a:effectRef>
+          <a:fontRef idx="minor">
+            <a:schemeClr val="lt1"/>
+          </a:fontRef>
+        </p:style>
+      </p:sp>
+      <p:sp>
+        <p:nvSpPr>
+          <p:cNvPr id="8" name="Segnaposto contenuto 7">
+            <a:extLst>
+              <a:ext uri="{FF2B5EF4-FFF2-40B4-BE49-F238E27FC236}">
+                <a16:creationId xmlns:a16="http://schemas.microsoft.com/office/drawing/2014/main" id="{D4305886-8ACA-4ED6-AA5B-215F6D741CF0}"/>
+              </a:ext>
+            </a:extLst>
+          </p:cNvPr>
+          <p:cNvSpPr>
+            <a:spLocks noGrp="1"/>
+          </p:cNvSpPr>
+          <p:nvPr>
+            <p:ph idx="1"/>
+          </p:nvPr>
+        </p:nvSpPr>
+        <p:spPr>
+          <a:xfrm>
+            <a:off x="1100051" y="5225240"/>
+            <a:ext cx="10058400" cy="1143000"/>
+          </a:xfrm>
+        </p:spPr>
+        <p:txBody>
+          <a:bodyPr vert="horz" lIns="91440" tIns="45720" rIns="91440" bIns="45720" rtlCol="0">
+            <a:normAutofit/>
+          </a:bodyPr>
+          <a:lstStyle/>
+          <a:p>
+            <a:pPr marL="0" indent="0" rtl="0">
+              <a:buNone/>
+            </a:pPr>
+            <a:r>
+              <a:rPr lang="it-IT" sz="2400" cap="all" spc="200" dirty="0">
+                <a:solidFill>
+                  <a:srgbClr val="FFFFFF"/>
+                </a:solidFill>
+              </a:rPr>
+              <a:t>Domande?</a:t>
+            </a:r>
+          </a:p>
+        </p:txBody>
+      </p:sp>
+      <p:pic>
+        <p:nvPicPr>
+          <p:cNvPr id="9" name="Elemento grafico 8">
+            <a:extLst>
+              <a:ext uri="{FF2B5EF4-FFF2-40B4-BE49-F238E27FC236}">
+                <a16:creationId xmlns:a16="http://schemas.microsoft.com/office/drawing/2014/main" id="{3E65CF70-BBD9-4DD4-B59D-D2657A0E613F}"/>
+              </a:ext>
+            </a:extLst>
+          </p:cNvPr>
+          <p:cNvPicPr>
+            <a:picLocks noChangeAspect="1"/>
+          </p:cNvPicPr>
+          <p:nvPr/>
+        </p:nvPicPr>
+        <p:blipFill>
+          <a:blip r:embed="rId3" cstate="print">
+            <a:extLst>
+              <a:ext uri="{28A0092B-C50C-407E-A947-70E740481C1C}">
+                <a14:useLocalDpi xmlns:a14="http://schemas.microsoft.com/office/drawing/2010/main" val="0"/>
+              </a:ext>
+              <a:ext uri="{96DAC541-7B7A-43D3-8B79-37D633B846F1}">
+                <asvg:svgBlip xmlns:asvg="http://schemas.microsoft.com/office/drawing/2016/SVG/main" r:embed="rId4"/>
+              </a:ext>
+            </a:extLst>
+          </a:blip>
+          <a:stretch>
+            <a:fillRect/>
+          </a:stretch>
+        </p:blipFill>
+        <p:spPr>
+          <a:xfrm>
+            <a:off x="5210895" y="5764056"/>
+            <a:ext cx="1770209" cy="700341"/>
+          </a:xfrm>
+          <a:prstGeom prst="rect">
+            <a:avLst/>
+          </a:prstGeom>
+        </p:spPr>
+      </p:pic>
+    </p:spTree>
+    <p:extLst>
+      <p:ext uri="{BB962C8B-B14F-4D97-AF65-F5344CB8AC3E}">
+        <p14:creationId xmlns:p14="http://schemas.microsoft.com/office/powerpoint/2010/main" val="4127971368"/>
+      </p:ext>
+    </p:extLst>
+  </p:cSld>
+  <p:clrMapOvr>
+    <a:masterClrMapping/>
+  </p:clrMapOvr>
+</p:sld>
+</file>
+
 <file path=ppt/slides/slide2.xml><?xml version="1.0" encoding="utf-8"?>
 <p:sld xmlns:a="http://schemas.openxmlformats.org/drawingml/2006/main" xmlns:r="http://schemas.openxmlformats.org/officeDocument/2006/relationships" xmlns:p="http://schemas.openxmlformats.org/presentationml/2006/main">
   <p:cSld>
@@ -9945,7 +11653,7 @@
             </a:pPr>
             <a:r>
               <a:rPr lang="it-IT" b="1" dirty="0"/>
-              <a:t>Problemi nella conversione in linguaggio</a:t>
+              <a:t>Grammatica compatibile con lo standard ID3</a:t>
             </a:r>
           </a:p>
           <a:p>
@@ -10040,13 +11748,8 @@
             </a:pPr>
             <a:r>
               <a:rPr lang="it-IT" b="1" dirty="0"/>
-              <a:t>Grammatica compatibile con lo </a:t>
-            </a:r>
-            <a:r>
-              <a:rPr lang="it-IT" b="1" dirty="0" err="1"/>
-              <a:t>standad</a:t>
-            </a:r>
-            <a:endParaRPr lang="it-IT" b="1" dirty="0"/>
+              <a:t>Grammatica corretta</a:t>
+            </a:r>
           </a:p>
           <a:p>
             <a:pPr marL="0" indent="0" rtl="0">
@@ -10111,7 +11814,7 @@
             </a:pPr>
             <a:r>
               <a:rPr lang="it-IT" b="1" dirty="0"/>
-              <a:t>Persone</a:t>
+              <a:t>Vari casi d’uso e testing</a:t>
             </a:r>
           </a:p>
           <a:p>
@@ -10801,10 +12504,58 @@
             <a:pPr marL="0" indent="0">
               <a:buNone/>
             </a:pPr>
-            <a:endParaRPr lang="it-IT" dirty="0"/>
-          </a:p>
-        </p:txBody>
-      </p:sp>
+            <a:r>
+              <a:rPr lang="it-IT" dirty="0"/>
+              <a:t>Lo standard ID3 viene utilizzato per includere nei file multimediali mp3 le informazioni sulla traccia che viene riprodotta. Gli «slot» di informazione vengono chiamati tag e possono essere salvati all’interno dell’mp3 svariati tag che rappresentano il nome della traccia, l’artista, l’album, il genere e il numero della traccia, …</a:t>
+            </a:r>
+          </a:p>
+          <a:p>
+            <a:pPr marL="0" indent="0">
+              <a:buNone/>
+            </a:pPr>
+            <a:r>
+              <a:rPr lang="it-IT" dirty="0"/>
+              <a:t>È uno standard riconosciuto universalmente la cui documentazione è liberamente visionabile al link id3.org, dove sono disponibili tra l’altro strumenti dedicati per sviluppatori così come librerie open source per il supporto dello standard</a:t>
+            </a:r>
+          </a:p>
+        </p:txBody>
+      </p:sp>
+      <p:pic>
+        <p:nvPicPr>
+          <p:cNvPr id="5" name="Immagine 4" descr="Immagine che contiene testo, clipart&#10;&#10;Descrizione generata automaticamente">
+            <a:extLst>
+              <a:ext uri="{FF2B5EF4-FFF2-40B4-BE49-F238E27FC236}">
+                <a16:creationId xmlns:a16="http://schemas.microsoft.com/office/drawing/2014/main" id="{6EA8DAB3-3963-44E7-9AF7-7529D1DD529F}"/>
+              </a:ext>
+            </a:extLst>
+          </p:cNvPr>
+          <p:cNvPicPr>
+            <a:picLocks noChangeAspect="1"/>
+          </p:cNvPicPr>
+          <p:nvPr/>
+        </p:nvPicPr>
+        <p:blipFill>
+          <a:blip r:embed="rId5">
+            <a:extLst>
+              <a:ext uri="{28A0092B-C50C-407E-A947-70E740481C1C}">
+                <a14:useLocalDpi xmlns:a14="http://schemas.microsoft.com/office/drawing/2010/main" val="0"/>
+              </a:ext>
+            </a:extLst>
+          </a:blip>
+          <a:stretch>
+            <a:fillRect/>
+          </a:stretch>
+        </p:blipFill>
+        <p:spPr>
+          <a:xfrm>
+            <a:off x="9306214" y="4624525"/>
+            <a:ext cx="1485900" cy="1419225"/>
+          </a:xfrm>
+          <a:prstGeom prst="rect">
+            <a:avLst/>
+          </a:prstGeom>
+        </p:spPr>
+      </p:pic>
     </p:spTree>
     <p:extLst>
       <p:ext uri="{BB962C8B-B14F-4D97-AF65-F5344CB8AC3E}">
@@ -11051,7 +12802,7 @@
                   </a:schemeClr>
                 </a:solidFill>
               </a:rPr>
-              <a:t>ID3 v1 vs ID3 v2</a:t>
+              <a:t>ID3v1 vs ID3v2</a:t>
             </a:r>
           </a:p>
         </p:txBody>
@@ -11183,25 +12934,22 @@
         </p:nvSpPr>
         <p:spPr>
           <a:xfrm>
-            <a:off x="590927" y="1452871"/>
-            <a:ext cx="3084844" cy="3311766"/>
+            <a:off x="590926" y="1452870"/>
+            <a:ext cx="4542547" cy="4590875"/>
           </a:xfrm>
         </p:spPr>
         <p:txBody>
           <a:bodyPr vert="horz" lIns="0" tIns="45720" rIns="0" bIns="45720" rtlCol="0">
-            <a:normAutofit/>
+            <a:normAutofit lnSpcReduction="10000"/>
           </a:bodyPr>
           <a:lstStyle/>
           <a:p>
-            <a:pPr marL="0" indent="0" rtl="0">
-              <a:buFont typeface="Calibri" panose="020F0502020204030204" pitchFamily="34" charset="0"/>
-              <a:buNone/>
-            </a:pPr>
+            <a:pPr rtl="0"/>
             <a:r>
               <a:rPr lang="it-IT" dirty="0">
                 <a:latin typeface="+mj-lt"/>
               </a:rPr>
-              <a:t>Celebrazione di traguardi importanti e momenti memorabili.</a:t>
+              <a:t>ID3v1 contiene informazioni di base come nome traccia, artista e album</a:t>
             </a:r>
           </a:p>
           <a:p>
@@ -11210,8 +12958,17 @@
               <a:rPr lang="it-IT" dirty="0">
                 <a:latin typeface="+mj-lt"/>
               </a:rPr>
-              <a:t>Primo</a:t>
-            </a:r>
+              <a:t>ID3v2 contiene informazioni aggiuntive di dimensioni variabili come l’immagine dell’album, tag estesi e anche </a:t>
+            </a:r>
+            <a:r>
+              <a:rPr lang="it-IT" dirty="0" err="1">
+                <a:latin typeface="+mj-lt"/>
+              </a:rPr>
+              <a:t>lyrics</a:t>
+            </a:r>
+            <a:endParaRPr lang="it-IT" dirty="0">
+              <a:latin typeface="+mj-lt"/>
+            </a:endParaRPr>
           </a:p>
           <a:p>
             <a:pPr rtl="0"/>
@@ -11219,16 +12976,31 @@
               <a:rPr lang="it-IT" dirty="0">
                 <a:latin typeface="+mj-lt"/>
               </a:rPr>
-              <a:t>Secondo</a:t>
-            </a:r>
-          </a:p>
-          <a:p>
-            <a:pPr rtl="0"/>
+              <a:t>ID3v1 e ID3v2 possono coesistere nello stesso mp3 e sono </a:t>
+            </a:r>
+            <a:r>
+              <a:rPr lang="it-IT" dirty="0" err="1">
+                <a:latin typeface="+mj-lt"/>
+              </a:rPr>
+              <a:t>difatto</a:t>
+            </a:r>
             <a:r>
               <a:rPr lang="it-IT" dirty="0">
                 <a:latin typeface="+mj-lt"/>
               </a:rPr>
-              <a:t>Terzo</a:t>
+              <a:t> due componenti diversi del file (sono riconosciuti dall’</a:t>
+            </a:r>
+            <a:r>
+              <a:rPr lang="it-IT" dirty="0" err="1">
+                <a:latin typeface="+mj-lt"/>
+              </a:rPr>
+              <a:t>header</a:t>
+            </a:r>
+            <a:r>
+              <a:rPr lang="it-IT" dirty="0">
+                <a:latin typeface="+mj-lt"/>
+              </a:rPr>
+              <a:t> diverso)</a:t>
             </a:r>
           </a:p>
         </p:txBody>
@@ -11339,7 +13111,7 @@
         </p:nvSpPr>
         <p:spPr>
           <a:xfrm>
-            <a:off x="7199910" y="535936"/>
+            <a:off x="6606353" y="535936"/>
             <a:ext cx="3960582" cy="700340"/>
           </a:xfrm>
           <a:prstGeom prst="rect">
@@ -11384,6 +13156,361 @@
           </a:p>
         </p:txBody>
       </p:sp>
+      <p:sp>
+        <p:nvSpPr>
+          <p:cNvPr id="13" name="Segnaposto contenuto 5">
+            <a:extLst>
+              <a:ext uri="{FF2B5EF4-FFF2-40B4-BE49-F238E27FC236}">
+                <a16:creationId xmlns:a16="http://schemas.microsoft.com/office/drawing/2014/main" id="{B17E8C38-DDF5-41B9-B467-914D34FF3AAB}"/>
+              </a:ext>
+            </a:extLst>
+          </p:cNvPr>
+          <p:cNvSpPr txBox="1">
+            <a:spLocks/>
+          </p:cNvSpPr>
+          <p:nvPr/>
+        </p:nvSpPr>
+        <p:spPr>
+          <a:xfrm>
+            <a:off x="6620787" y="1452869"/>
+            <a:ext cx="4542547" cy="4590875"/>
+          </a:xfrm>
+          <a:prstGeom prst="rect">
+            <a:avLst/>
+          </a:prstGeom>
+        </p:spPr>
+        <p:txBody>
+          <a:bodyPr vert="horz" lIns="0" tIns="45720" rIns="0" bIns="45720" rtlCol="0" anchor="t">
+            <a:normAutofit lnSpcReduction="10000"/>
+          </a:bodyPr>
+          <a:lstStyle>
+            <a:lvl1pPr marL="266700" indent="-266700" algn="l" defTabSz="914400" rtl="0" eaLnBrk="1" latinLnBrk="0" hangingPunct="1">
+              <a:lnSpc>
+                <a:spcPct val="100000"/>
+              </a:lnSpc>
+              <a:spcBef>
+                <a:spcPts val="1200"/>
+              </a:spcBef>
+              <a:spcAft>
+                <a:spcPts val="200"/>
+              </a:spcAft>
+              <a:buClr>
+                <a:schemeClr val="accent1"/>
+              </a:buClr>
+              <a:buSzPct val="100000"/>
+              <a:buFont typeface="Wingdings" panose="05000000000000000000" pitchFamily="2" charset="2"/>
+              <a:buChar char="§"/>
+              <a:defRPr sz="2400" kern="1200">
+                <a:solidFill>
+                  <a:schemeClr val="tx1">
+                    <a:lumMod val="75000"/>
+                    <a:lumOff val="25000"/>
+                  </a:schemeClr>
+                </a:solidFill>
+                <a:latin typeface="+mn-lt"/>
+                <a:ea typeface="+mn-ea"/>
+                <a:cs typeface="+mn-cs"/>
+              </a:defRPr>
+            </a:lvl1pPr>
+            <a:lvl2pPr marL="384048" indent="-182880" algn="l" defTabSz="914400" rtl="0" eaLnBrk="1" latinLnBrk="0" hangingPunct="1">
+              <a:lnSpc>
+                <a:spcPct val="100000"/>
+              </a:lnSpc>
+              <a:spcBef>
+                <a:spcPts val="200"/>
+              </a:spcBef>
+              <a:spcAft>
+                <a:spcPts val="400"/>
+              </a:spcAft>
+              <a:buClr>
+                <a:schemeClr val="accent1"/>
+              </a:buClr>
+              <a:buFont typeface="Wingdings" panose="05000000000000000000" pitchFamily="2" charset="2"/>
+              <a:buChar char="§"/>
+              <a:defRPr sz="2000" kern="1200">
+                <a:solidFill>
+                  <a:schemeClr val="tx1">
+                    <a:lumMod val="75000"/>
+                    <a:lumOff val="25000"/>
+                  </a:schemeClr>
+                </a:solidFill>
+                <a:latin typeface="+mn-lt"/>
+                <a:ea typeface="+mn-ea"/>
+                <a:cs typeface="+mn-cs"/>
+              </a:defRPr>
+            </a:lvl2pPr>
+            <a:lvl3pPr marL="566928" indent="-182880" algn="l" defTabSz="914400" rtl="0" eaLnBrk="1" latinLnBrk="0" hangingPunct="1">
+              <a:lnSpc>
+                <a:spcPct val="100000"/>
+              </a:lnSpc>
+              <a:spcBef>
+                <a:spcPts val="200"/>
+              </a:spcBef>
+              <a:spcAft>
+                <a:spcPts val="400"/>
+              </a:spcAft>
+              <a:buClr>
+                <a:schemeClr val="accent1"/>
+              </a:buClr>
+              <a:buFont typeface="Wingdings" panose="05000000000000000000" pitchFamily="2" charset="2"/>
+              <a:buChar char="§"/>
+              <a:defRPr sz="1600" kern="1200">
+                <a:solidFill>
+                  <a:schemeClr val="tx1">
+                    <a:lumMod val="75000"/>
+                    <a:lumOff val="25000"/>
+                  </a:schemeClr>
+                </a:solidFill>
+                <a:latin typeface="+mn-lt"/>
+                <a:ea typeface="+mn-ea"/>
+                <a:cs typeface="+mn-cs"/>
+              </a:defRPr>
+            </a:lvl3pPr>
+            <a:lvl4pPr marL="749808" indent="-182880" algn="l" defTabSz="914400" rtl="0" eaLnBrk="1" latinLnBrk="0" hangingPunct="1">
+              <a:lnSpc>
+                <a:spcPct val="100000"/>
+              </a:lnSpc>
+              <a:spcBef>
+                <a:spcPts val="200"/>
+              </a:spcBef>
+              <a:spcAft>
+                <a:spcPts val="400"/>
+              </a:spcAft>
+              <a:buClr>
+                <a:schemeClr val="accent1"/>
+              </a:buClr>
+              <a:buFont typeface="Wingdings" panose="05000000000000000000" pitchFamily="2" charset="2"/>
+              <a:buChar char="§"/>
+              <a:defRPr sz="1600" kern="1200">
+                <a:solidFill>
+                  <a:schemeClr val="tx1">
+                    <a:lumMod val="75000"/>
+                    <a:lumOff val="25000"/>
+                  </a:schemeClr>
+                </a:solidFill>
+                <a:latin typeface="+mn-lt"/>
+                <a:ea typeface="+mn-ea"/>
+                <a:cs typeface="+mn-cs"/>
+              </a:defRPr>
+            </a:lvl4pPr>
+            <a:lvl5pPr marL="932688" indent="-182880" algn="l" defTabSz="914400" rtl="0" eaLnBrk="1" latinLnBrk="0" hangingPunct="1">
+              <a:lnSpc>
+                <a:spcPct val="100000"/>
+              </a:lnSpc>
+              <a:spcBef>
+                <a:spcPts val="200"/>
+              </a:spcBef>
+              <a:spcAft>
+                <a:spcPts val="400"/>
+              </a:spcAft>
+              <a:buClr>
+                <a:schemeClr val="accent1"/>
+              </a:buClr>
+              <a:buFont typeface="Wingdings" panose="05000000000000000000" pitchFamily="2" charset="2"/>
+              <a:buChar char="§"/>
+              <a:defRPr sz="1600" kern="1200">
+                <a:solidFill>
+                  <a:schemeClr val="tx1">
+                    <a:lumMod val="75000"/>
+                    <a:lumOff val="25000"/>
+                  </a:schemeClr>
+                </a:solidFill>
+                <a:latin typeface="+mn-lt"/>
+                <a:ea typeface="+mn-ea"/>
+                <a:cs typeface="+mn-cs"/>
+              </a:defRPr>
+            </a:lvl5pPr>
+            <a:lvl6pPr marL="1100000" indent="-228600" algn="l" defTabSz="914400" rtl="0" eaLnBrk="1" latinLnBrk="0" hangingPunct="1">
+              <a:lnSpc>
+                <a:spcPct val="90000"/>
+              </a:lnSpc>
+              <a:spcBef>
+                <a:spcPts val="200"/>
+              </a:spcBef>
+              <a:spcAft>
+                <a:spcPts val="400"/>
+              </a:spcAft>
+              <a:buClr>
+                <a:schemeClr val="accent1"/>
+              </a:buClr>
+              <a:buFont typeface="Calibri" pitchFamily="34" charset="0"/>
+              <a:buChar char="◦"/>
+              <a:defRPr sz="1400" kern="1200">
+                <a:solidFill>
+                  <a:schemeClr val="tx1">
+                    <a:lumMod val="75000"/>
+                    <a:lumOff val="25000"/>
+                  </a:schemeClr>
+                </a:solidFill>
+                <a:latin typeface="+mn-lt"/>
+                <a:ea typeface="+mn-ea"/>
+                <a:cs typeface="+mn-cs"/>
+              </a:defRPr>
+            </a:lvl6pPr>
+            <a:lvl7pPr marL="1300000" indent="-228600" algn="l" defTabSz="914400" rtl="0" eaLnBrk="1" latinLnBrk="0" hangingPunct="1">
+              <a:lnSpc>
+                <a:spcPct val="90000"/>
+              </a:lnSpc>
+              <a:spcBef>
+                <a:spcPts val="200"/>
+              </a:spcBef>
+              <a:spcAft>
+                <a:spcPts val="400"/>
+              </a:spcAft>
+              <a:buClr>
+                <a:schemeClr val="accent1"/>
+              </a:buClr>
+              <a:buFont typeface="Calibri" pitchFamily="34" charset="0"/>
+              <a:buChar char="◦"/>
+              <a:defRPr sz="1400" kern="1200">
+                <a:solidFill>
+                  <a:schemeClr val="tx1">
+                    <a:lumMod val="75000"/>
+                    <a:lumOff val="25000"/>
+                  </a:schemeClr>
+                </a:solidFill>
+                <a:latin typeface="+mn-lt"/>
+                <a:ea typeface="+mn-ea"/>
+                <a:cs typeface="+mn-cs"/>
+              </a:defRPr>
+            </a:lvl7pPr>
+            <a:lvl8pPr marL="1500000" indent="-228600" algn="l" defTabSz="914400" rtl="0" eaLnBrk="1" latinLnBrk="0" hangingPunct="1">
+              <a:lnSpc>
+                <a:spcPct val="90000"/>
+              </a:lnSpc>
+              <a:spcBef>
+                <a:spcPts val="200"/>
+              </a:spcBef>
+              <a:spcAft>
+                <a:spcPts val="400"/>
+              </a:spcAft>
+              <a:buClr>
+                <a:schemeClr val="accent1"/>
+              </a:buClr>
+              <a:buFont typeface="Calibri" pitchFamily="34" charset="0"/>
+              <a:buChar char="◦"/>
+              <a:defRPr sz="1400" kern="1200">
+                <a:solidFill>
+                  <a:schemeClr val="tx1">
+                    <a:lumMod val="75000"/>
+                    <a:lumOff val="25000"/>
+                  </a:schemeClr>
+                </a:solidFill>
+                <a:latin typeface="+mn-lt"/>
+                <a:ea typeface="+mn-ea"/>
+                <a:cs typeface="+mn-cs"/>
+              </a:defRPr>
+            </a:lvl8pPr>
+            <a:lvl9pPr marL="1700000" indent="-228600" algn="l" defTabSz="914400" rtl="0" eaLnBrk="1" latinLnBrk="0" hangingPunct="1">
+              <a:lnSpc>
+                <a:spcPct val="90000"/>
+              </a:lnSpc>
+              <a:spcBef>
+                <a:spcPts val="200"/>
+              </a:spcBef>
+              <a:spcAft>
+                <a:spcPts val="400"/>
+              </a:spcAft>
+              <a:buClr>
+                <a:schemeClr val="accent1"/>
+              </a:buClr>
+              <a:buFont typeface="Calibri" pitchFamily="34" charset="0"/>
+              <a:buChar char="◦"/>
+              <a:defRPr sz="1400" kern="1200">
+                <a:solidFill>
+                  <a:schemeClr val="tx1">
+                    <a:lumMod val="75000"/>
+                    <a:lumOff val="25000"/>
+                  </a:schemeClr>
+                </a:solidFill>
+                <a:latin typeface="+mn-lt"/>
+                <a:ea typeface="+mn-ea"/>
+                <a:cs typeface="+mn-cs"/>
+              </a:defRPr>
+            </a:lvl9pPr>
+          </a:lstStyle>
+          <a:p>
+            <a:r>
+              <a:rPr lang="it-IT" dirty="0">
+                <a:latin typeface="+mj-lt"/>
+              </a:rPr>
+              <a:t>Frame a grandezza fissa posta di solito in fondo al file mp3</a:t>
+            </a:r>
+          </a:p>
+          <a:p>
+            <a:r>
+              <a:rPr lang="it-IT" dirty="0">
+                <a:latin typeface="+mj-lt"/>
+              </a:rPr>
+              <a:t>Head(TAG): 3byte</a:t>
+            </a:r>
+          </a:p>
+          <a:p>
+            <a:r>
+              <a:rPr lang="it-IT" dirty="0">
+                <a:latin typeface="+mj-lt"/>
+              </a:rPr>
+              <a:t>Titolo: 30byte</a:t>
+            </a:r>
+          </a:p>
+          <a:p>
+            <a:r>
+              <a:rPr lang="it-IT" dirty="0">
+                <a:latin typeface="+mj-lt"/>
+              </a:rPr>
+              <a:t>Artista:30byte</a:t>
+            </a:r>
+          </a:p>
+          <a:p>
+            <a:r>
+              <a:rPr lang="it-IT" dirty="0">
+                <a:latin typeface="+mj-lt"/>
+              </a:rPr>
+              <a:t>Album:30byte</a:t>
+            </a:r>
+          </a:p>
+          <a:p>
+            <a:r>
+              <a:rPr lang="it-IT" dirty="0">
+                <a:latin typeface="+mj-lt"/>
+              </a:rPr>
+              <a:t>Anno:4byte</a:t>
+            </a:r>
+          </a:p>
+          <a:p>
+            <a:r>
+              <a:rPr lang="it-IT" dirty="0">
+                <a:latin typeface="+mj-lt"/>
+              </a:rPr>
+              <a:t>Genere: 1byte</a:t>
+            </a:r>
+          </a:p>
+          <a:p>
+            <a:pPr marL="0" indent="0">
+              <a:buNone/>
+            </a:pPr>
+            <a:r>
+              <a:rPr lang="it-IT" dirty="0">
+                <a:latin typeface="+mj-lt"/>
+              </a:rPr>
+              <a:t>Per un totale di 128byte</a:t>
+            </a:r>
+          </a:p>
+          <a:p>
+            <a:endParaRPr lang="it-IT" dirty="0">
+              <a:latin typeface="+mj-lt"/>
+            </a:endParaRPr>
+          </a:p>
+          <a:p>
+            <a:pPr marL="0" indent="0">
+              <a:buNone/>
+            </a:pPr>
+            <a:endParaRPr lang="it-IT" dirty="0">
+              <a:latin typeface="+mj-lt"/>
+            </a:endParaRPr>
+          </a:p>
+        </p:txBody>
+      </p:sp>
     </p:spTree>
     <p:extLst>
       <p:ext uri="{BB962C8B-B14F-4D97-AF65-F5344CB8AC3E}">
@@ -11398,6 +13525,1390 @@
 </file>
 
 <file path=ppt/slides/slide5.xml><?xml version="1.0" encoding="utf-8"?>
+<p:sld xmlns:a="http://schemas.openxmlformats.org/drawingml/2006/main" xmlns:r="http://schemas.openxmlformats.org/officeDocument/2006/relationships" xmlns:p="http://schemas.openxmlformats.org/presentationml/2006/main">
+  <p:cSld>
+    <p:bg>
+      <p:bgPr>
+        <a:solidFill>
+          <a:schemeClr val="bg1"/>
+        </a:solidFill>
+        <a:effectLst/>
+      </p:bgPr>
+    </p:bg>
+    <p:spTree>
+      <p:nvGrpSpPr>
+        <p:cNvPr id="1" name=""/>
+        <p:cNvGrpSpPr/>
+        <p:nvPr/>
+      </p:nvGrpSpPr>
+      <p:grpSpPr>
+        <a:xfrm>
+          <a:off x="0" y="0"/>
+          <a:ext cx="0" cy="0"/>
+          <a:chOff x="0" y="0"/>
+          <a:chExt cx="0" cy="0"/>
+        </a:xfrm>
+      </p:grpSpPr>
+      <p:sp>
+        <p:nvSpPr>
+          <p:cNvPr id="26" name="Rettangolo 28">
+            <a:extLst>
+              <a:ext uri="{FF2B5EF4-FFF2-40B4-BE49-F238E27FC236}">
+                <a16:creationId xmlns:a16="http://schemas.microsoft.com/office/drawing/2014/main" id="{416A0E3C-60E6-4F39-BC55-5F7C224E1F7C}"/>
+              </a:ext>
+              <a:ext uri="{C183D7F6-B498-43B3-948B-1728B52AA6E4}">
+                <adec:decorative xmlns:adec="http://schemas.microsoft.com/office/drawing/2017/decorative" val="1"/>
+              </a:ext>
+            </a:extLst>
+          </p:cNvPr>
+          <p:cNvSpPr>
+            <a:spLocks noGrp="1" noRot="1" noChangeAspect="1" noMove="1" noResize="1" noEditPoints="1" noAdjustHandles="1" noChangeArrowheads="1" noChangeShapeType="1" noTextEdit="1"/>
+          </p:cNvSpPr>
+          <p:nvPr>
+            <p:extLst>
+              <p:ext uri="{386F3935-93C4-4BCD-93E2-E3B085C9AB24}">
+                <p16:designElem xmlns:p16="http://schemas.microsoft.com/office/powerpoint/2015/main" val="1"/>
+              </p:ext>
+            </p:extLst>
+          </p:nvPr>
+        </p:nvSpPr>
+        <p:spPr>
+          <a:xfrm>
+            <a:off x="3175" y="6400800"/>
+            <a:ext cx="12188825" cy="457200"/>
+          </a:xfrm>
+          <a:prstGeom prst="rect">
+            <a:avLst/>
+          </a:prstGeom>
+          <a:solidFill>
+            <a:srgbClr val="262626"/>
+          </a:solidFill>
+          <a:ln>
+            <a:noFill/>
+          </a:ln>
+        </p:spPr>
+        <p:style>
+          <a:lnRef idx="2">
+            <a:schemeClr val="accent1">
+              <a:shade val="50000"/>
+            </a:schemeClr>
+          </a:lnRef>
+          <a:fillRef idx="1">
+            <a:schemeClr val="accent1"/>
+          </a:fillRef>
+          <a:effectRef idx="0">
+            <a:schemeClr val="accent1"/>
+          </a:effectRef>
+          <a:fontRef idx="minor">
+            <a:schemeClr val="lt1"/>
+          </a:fontRef>
+        </p:style>
+      </p:sp>
+      <p:cxnSp>
+        <p:nvCxnSpPr>
+          <p:cNvPr id="27" name="Connettore diritto 30">
+            <a:extLst>
+              <a:ext uri="{FF2B5EF4-FFF2-40B4-BE49-F238E27FC236}">
+                <a16:creationId xmlns:a16="http://schemas.microsoft.com/office/drawing/2014/main" id="{C5025DAC-8B93-4160-B017-3A274A5828C0}"/>
+              </a:ext>
+              <a:ext uri="{C183D7F6-B498-43B3-948B-1728B52AA6E4}">
+                <adec:decorative xmlns:adec="http://schemas.microsoft.com/office/drawing/2017/decorative" val="1"/>
+              </a:ext>
+            </a:extLst>
+          </p:cNvPr>
+          <p:cNvCxnSpPr>
+            <a:cxnSpLocks noGrp="1" noRot="1" noChangeAspect="1" noMove="1" noResize="1" noEditPoints="1" noAdjustHandles="1" noChangeArrowheads="1" noChangeShapeType="1"/>
+          </p:cNvCxnSpPr>
+          <p:nvPr>
+            <p:extLst>
+              <p:ext uri="{386F3935-93C4-4BCD-93E2-E3B085C9AB24}">
+                <p16:designElem xmlns:p16="http://schemas.microsoft.com/office/powerpoint/2015/main" val="1"/>
+              </p:ext>
+            </p:extLst>
+          </p:nvPr>
+        </p:nvCxnSpPr>
+        <p:spPr>
+          <a:xfrm>
+            <a:off x="1193532" y="1897380"/>
+            <a:ext cx="9966960" cy="0"/>
+          </a:xfrm>
+          <a:prstGeom prst="line">
+            <a:avLst/>
+          </a:prstGeom>
+          <a:ln w="12700">
+            <a:solidFill>
+              <a:schemeClr val="tx1">
+                <a:lumMod val="75000"/>
+                <a:lumOff val="25000"/>
+              </a:schemeClr>
+            </a:solidFill>
+          </a:ln>
+        </p:spPr>
+        <p:style>
+          <a:lnRef idx="1">
+            <a:schemeClr val="accent1"/>
+          </a:lnRef>
+          <a:fillRef idx="0">
+            <a:schemeClr val="accent1"/>
+          </a:fillRef>
+          <a:effectRef idx="0">
+            <a:schemeClr val="accent1"/>
+          </a:effectRef>
+          <a:fontRef idx="minor">
+            <a:schemeClr val="tx1"/>
+          </a:fontRef>
+        </p:style>
+      </p:cxnSp>
+      <p:sp useBgFill="1">
+        <p:nvSpPr>
+          <p:cNvPr id="28" name="Rettangolo 32">
+            <a:extLst>
+              <a:ext uri="{FF2B5EF4-FFF2-40B4-BE49-F238E27FC236}">
+                <a16:creationId xmlns:a16="http://schemas.microsoft.com/office/drawing/2014/main" id="{990D0034-F768-41E7-85D4-F38C4DE85770}"/>
+              </a:ext>
+              <a:ext uri="{C183D7F6-B498-43B3-948B-1728B52AA6E4}">
+                <adec:decorative xmlns:adec="http://schemas.microsoft.com/office/drawing/2017/decorative" val="1"/>
+              </a:ext>
+            </a:extLst>
+          </p:cNvPr>
+          <p:cNvSpPr>
+            <a:spLocks noGrp="1" noRot="1" noChangeAspect="1" noMove="1" noResize="1" noEditPoints="1" noAdjustHandles="1" noChangeArrowheads="1" noChangeShapeType="1" noTextEdit="1"/>
+          </p:cNvSpPr>
+          <p:nvPr>
+            <p:extLst>
+              <p:ext uri="{386F3935-93C4-4BCD-93E2-E3B085C9AB24}">
+                <p16:designElem xmlns:p16="http://schemas.microsoft.com/office/powerpoint/2015/main" val="1"/>
+              </p:ext>
+            </p:extLst>
+          </p:nvPr>
+        </p:nvSpPr>
+        <p:spPr>
+          <a:xfrm>
+            <a:off x="0" y="0"/>
+            <a:ext cx="12186315" cy="6858000"/>
+          </a:xfrm>
+          <a:prstGeom prst="rect">
+            <a:avLst/>
+          </a:prstGeom>
+          <a:ln>
+            <a:noFill/>
+          </a:ln>
+        </p:spPr>
+        <p:style>
+          <a:lnRef idx="2">
+            <a:schemeClr val="accent6">
+              <a:shade val="50000"/>
+            </a:schemeClr>
+          </a:lnRef>
+          <a:fillRef idx="1001">
+            <a:schemeClr val="lt1"/>
+          </a:fillRef>
+          <a:effectRef idx="0">
+            <a:schemeClr val="accent6"/>
+          </a:effectRef>
+          <a:fontRef idx="minor">
+            <a:schemeClr val="lt1"/>
+          </a:fontRef>
+        </p:style>
+        <p:txBody>
+          <a:bodyPr rtlCol="0" anchor="ctr"/>
+          <a:lstStyle/>
+          <a:p>
+            <a:pPr algn="ctr" rtl="0"/>
+            <a:endParaRPr lang="it-IT" dirty="0"/>
+          </a:p>
+        </p:txBody>
+      </p:sp>
+      <p:sp>
+        <p:nvSpPr>
+          <p:cNvPr id="5" name="Titolo 4">
+            <a:extLst>
+              <a:ext uri="{FF2B5EF4-FFF2-40B4-BE49-F238E27FC236}">
+                <a16:creationId xmlns:a16="http://schemas.microsoft.com/office/drawing/2014/main" id="{B8B72B13-069B-4F8A-9437-FA58C3F1D44B}"/>
+              </a:ext>
+            </a:extLst>
+          </p:cNvPr>
+          <p:cNvSpPr>
+            <a:spLocks noGrp="1"/>
+          </p:cNvSpPr>
+          <p:nvPr>
+            <p:ph type="title"/>
+          </p:nvPr>
+        </p:nvSpPr>
+        <p:spPr>
+          <a:xfrm>
+            <a:off x="590927" y="535936"/>
+            <a:ext cx="10864474" cy="700340"/>
+          </a:xfrm>
+        </p:spPr>
+        <p:txBody>
+          <a:bodyPr vert="horz" lIns="91440" tIns="45720" rIns="91440" bIns="45720" rtlCol="0" anchor="b">
+            <a:noAutofit/>
+          </a:bodyPr>
+          <a:lstStyle/>
+          <a:p>
+            <a:pPr rtl="0"/>
+            <a:r>
+              <a:rPr lang="it-IT" sz="4400" dirty="0">
+                <a:solidFill>
+                  <a:schemeClr val="tx1">
+                    <a:lumMod val="75000"/>
+                    <a:lumOff val="25000"/>
+                  </a:schemeClr>
+                </a:solidFill>
+              </a:rPr>
+              <a:t>Materiale utilizzato</a:t>
+            </a:r>
+          </a:p>
+        </p:txBody>
+      </p:sp>
+      <p:cxnSp>
+        <p:nvCxnSpPr>
+          <p:cNvPr id="30" name="Connettore diritto 34">
+            <a:extLst>
+              <a:ext uri="{FF2B5EF4-FFF2-40B4-BE49-F238E27FC236}">
+                <a16:creationId xmlns:a16="http://schemas.microsoft.com/office/drawing/2014/main" id="{5A0A5CF6-407C-4691-8122-49DF69D0020D}"/>
+              </a:ext>
+              <a:ext uri="{C183D7F6-B498-43B3-948B-1728B52AA6E4}">
+                <adec:decorative xmlns:adec="http://schemas.microsoft.com/office/drawing/2017/decorative" val="1"/>
+              </a:ext>
+            </a:extLst>
+          </p:cNvPr>
+          <p:cNvCxnSpPr>
+            <a:cxnSpLocks noGrp="1" noRot="1" noChangeAspect="1" noMove="1" noResize="1" noEditPoints="1" noAdjustHandles="1" noChangeArrowheads="1" noChangeShapeType="1"/>
+          </p:cNvCxnSpPr>
+          <p:nvPr>
+            <p:extLst>
+              <p:ext uri="{386F3935-93C4-4BCD-93E2-E3B085C9AB24}">
+                <p16:designElem xmlns:p16="http://schemas.microsoft.com/office/powerpoint/2015/main" val="1"/>
+              </p:ext>
+            </p:extLst>
+          </p:nvPr>
+        </p:nvCxnSpPr>
+        <p:spPr>
+          <a:xfrm>
+            <a:off x="590927" y="2633962"/>
+            <a:ext cx="2834640" cy="0"/>
+          </a:xfrm>
+          <a:prstGeom prst="line">
+            <a:avLst/>
+          </a:prstGeom>
+          <a:ln w="12700">
+            <a:solidFill>
+              <a:schemeClr val="tx1">
+                <a:lumMod val="75000"/>
+                <a:lumOff val="25000"/>
+              </a:schemeClr>
+            </a:solidFill>
+          </a:ln>
+        </p:spPr>
+        <p:style>
+          <a:lnRef idx="1">
+            <a:schemeClr val="accent1"/>
+          </a:lnRef>
+          <a:fillRef idx="0">
+            <a:schemeClr val="accent1"/>
+          </a:fillRef>
+          <a:effectRef idx="0">
+            <a:schemeClr val="accent1"/>
+          </a:effectRef>
+          <a:fontRef idx="minor">
+            <a:schemeClr val="tx1"/>
+          </a:fontRef>
+        </p:style>
+      </p:cxnSp>
+      <p:sp>
+        <p:nvSpPr>
+          <p:cNvPr id="4" name="Rettangolo 3">
+            <a:extLst>
+              <a:ext uri="{FF2B5EF4-FFF2-40B4-BE49-F238E27FC236}">
+                <a16:creationId xmlns:a16="http://schemas.microsoft.com/office/drawing/2014/main" id="{D22E5227-66DC-4545-A93A-3BAE57987144}"/>
+              </a:ext>
+            </a:extLst>
+          </p:cNvPr>
+          <p:cNvSpPr/>
+          <p:nvPr/>
+        </p:nvSpPr>
+        <p:spPr>
+          <a:xfrm>
+            <a:off x="590927" y="2477070"/>
+            <a:ext cx="2955837" cy="457195"/>
+          </a:xfrm>
+          <a:prstGeom prst="rect">
+            <a:avLst/>
+          </a:prstGeom>
+          <a:solidFill>
+            <a:schemeClr val="bg1"/>
+          </a:solidFill>
+          <a:ln>
+            <a:solidFill>
+              <a:schemeClr val="bg1"/>
+            </a:solidFill>
+          </a:ln>
+        </p:spPr>
+        <p:style>
+          <a:lnRef idx="2">
+            <a:schemeClr val="accent1">
+              <a:shade val="50000"/>
+            </a:schemeClr>
+          </a:lnRef>
+          <a:fillRef idx="1">
+            <a:schemeClr val="accent1"/>
+          </a:fillRef>
+          <a:effectRef idx="0">
+            <a:schemeClr val="accent1"/>
+          </a:effectRef>
+          <a:fontRef idx="minor">
+            <a:schemeClr val="lt1"/>
+          </a:fontRef>
+        </p:style>
+        <p:txBody>
+          <a:bodyPr rtlCol="0" anchor="ctr"/>
+          <a:lstStyle/>
+          <a:p>
+            <a:pPr algn="ctr"/>
+            <a:endParaRPr lang="it-IT"/>
+          </a:p>
+        </p:txBody>
+      </p:sp>
+      <p:sp>
+        <p:nvSpPr>
+          <p:cNvPr id="6" name="Segnaposto contenuto 5">
+            <a:extLst>
+              <a:ext uri="{FF2B5EF4-FFF2-40B4-BE49-F238E27FC236}">
+                <a16:creationId xmlns:a16="http://schemas.microsoft.com/office/drawing/2014/main" id="{2281D70C-EE29-493E-838C-890184A02C07}"/>
+              </a:ext>
+            </a:extLst>
+          </p:cNvPr>
+          <p:cNvSpPr>
+            <a:spLocks noGrp="1"/>
+          </p:cNvSpPr>
+          <p:nvPr>
+            <p:ph idx="1"/>
+          </p:nvPr>
+        </p:nvSpPr>
+        <p:spPr>
+          <a:xfrm>
+            <a:off x="590926" y="1452870"/>
+            <a:ext cx="10864474" cy="4590875"/>
+          </a:xfrm>
+        </p:spPr>
+        <p:txBody>
+          <a:bodyPr vert="horz" lIns="0" tIns="45720" rIns="0" bIns="45720" rtlCol="0">
+            <a:normAutofit/>
+          </a:bodyPr>
+          <a:lstStyle/>
+          <a:p>
+            <a:pPr rtl="0"/>
+            <a:r>
+              <a:rPr lang="it-IT" dirty="0">
+                <a:latin typeface="+mj-lt"/>
+              </a:rPr>
+              <a:t>Ci siamo occupati dell’implementazione della versione v1, utilizzando come test il pacchetto fornito nella sezione «Developer Information» del sito. Il pacchetto comprende oltre gli svariati casi di riconoscimento/rifiuto dei componenti dei frame, la lista completa dei generi implementabile però tramite Java</a:t>
+            </a:r>
+          </a:p>
+          <a:p>
+            <a:pPr rtl="0"/>
+            <a:r>
+              <a:rPr lang="it-IT" dirty="0">
+                <a:latin typeface="+mj-lt"/>
+              </a:rPr>
+              <a:t>Il codice e la grammatica sono disponibili su GitHub alla repository -&gt; https://github.com/atusghen/SimpleID3</a:t>
+            </a:r>
+          </a:p>
+        </p:txBody>
+      </p:sp>
+      <p:pic>
+        <p:nvPicPr>
+          <p:cNvPr id="10" name="Elemento grafico 9">
+            <a:extLst>
+              <a:ext uri="{FF2B5EF4-FFF2-40B4-BE49-F238E27FC236}">
+                <a16:creationId xmlns:a16="http://schemas.microsoft.com/office/drawing/2014/main" id="{54A47743-7725-4A33-93CA-EFB89C10D1EC}"/>
+              </a:ext>
+            </a:extLst>
+          </p:cNvPr>
+          <p:cNvPicPr>
+            <a:picLocks noChangeAspect="1"/>
+          </p:cNvPicPr>
+          <p:nvPr/>
+        </p:nvPicPr>
+        <p:blipFill>
+          <a:blip r:embed="rId3" cstate="print">
+            <a:extLst>
+              <a:ext uri="{28A0092B-C50C-407E-A947-70E740481C1C}">
+                <a14:useLocalDpi xmlns:a14="http://schemas.microsoft.com/office/drawing/2010/main" val="0"/>
+              </a:ext>
+              <a:ext uri="{96DAC541-7B7A-43D3-8B79-37D633B846F1}">
+                <asvg:svgBlip xmlns:asvg="http://schemas.microsoft.com/office/drawing/2016/SVG/main" r:embed="rId4"/>
+              </a:ext>
+            </a:extLst>
+          </a:blip>
+          <a:stretch>
+            <a:fillRect/>
+          </a:stretch>
+        </p:blipFill>
+        <p:spPr>
+          <a:xfrm>
+            <a:off x="207095" y="6043750"/>
+            <a:ext cx="1770209" cy="700341"/>
+          </a:xfrm>
+          <a:prstGeom prst="rect">
+            <a:avLst/>
+          </a:prstGeom>
+        </p:spPr>
+      </p:pic>
+      <p:sp>
+        <p:nvSpPr>
+          <p:cNvPr id="12" name="Connettore 11">
+            <a:extLst>
+              <a:ext uri="{FF2B5EF4-FFF2-40B4-BE49-F238E27FC236}">
+                <a16:creationId xmlns:a16="http://schemas.microsoft.com/office/drawing/2014/main" id="{92095D8C-8CCA-4CC6-B2D2-E1BC4732F321}"/>
+              </a:ext>
+            </a:extLst>
+          </p:cNvPr>
+          <p:cNvSpPr/>
+          <p:nvPr/>
+        </p:nvSpPr>
+        <p:spPr>
+          <a:xfrm>
+            <a:off x="11455401" y="6273800"/>
+            <a:ext cx="512910" cy="470291"/>
+          </a:xfrm>
+          <a:prstGeom prst="flowChartConnector">
+            <a:avLst/>
+          </a:prstGeom>
+        </p:spPr>
+        <p:style>
+          <a:lnRef idx="2">
+            <a:schemeClr val="accent1">
+              <a:shade val="50000"/>
+            </a:schemeClr>
+          </a:lnRef>
+          <a:fillRef idx="1">
+            <a:schemeClr val="accent1"/>
+          </a:fillRef>
+          <a:effectRef idx="0">
+            <a:schemeClr val="accent1"/>
+          </a:effectRef>
+          <a:fontRef idx="minor">
+            <a:schemeClr val="lt1"/>
+          </a:fontRef>
+        </p:style>
+        <p:txBody>
+          <a:bodyPr rtlCol="0" anchor="ctr"/>
+          <a:lstStyle/>
+          <a:p>
+            <a:pPr algn="ctr"/>
+            <a:fld id="{3A98EE3D-8CD1-4C3F-BD1C-C98C9596463C}" type="slidenum">
+              <a:rPr lang="it-IT" sz="1200" b="1"/>
+              <a:pPr algn="ctr"/>
+              <a:t>5</a:t>
+            </a:fld>
+            <a:endParaRPr lang="it-IT" b="1" dirty="0"/>
+          </a:p>
+        </p:txBody>
+      </p:sp>
+    </p:spTree>
+    <p:extLst>
+      <p:ext uri="{BB962C8B-B14F-4D97-AF65-F5344CB8AC3E}">
+        <p14:creationId xmlns:p14="http://schemas.microsoft.com/office/powerpoint/2010/main" val="2101953272"/>
+      </p:ext>
+    </p:extLst>
+  </p:cSld>
+  <p:clrMapOvr>
+    <a:masterClrMapping/>
+  </p:clrMapOvr>
+</p:sld>
+</file>
+
+<file path=ppt/slides/slide6.xml><?xml version="1.0" encoding="utf-8"?>
+<p:sld xmlns:a="http://schemas.openxmlformats.org/drawingml/2006/main" xmlns:r="http://schemas.openxmlformats.org/officeDocument/2006/relationships" xmlns:p="http://schemas.openxmlformats.org/presentationml/2006/main">
+  <p:cSld>
+    <p:bg>
+      <p:bgPr>
+        <a:solidFill>
+          <a:schemeClr val="bg1"/>
+        </a:solidFill>
+        <a:effectLst/>
+      </p:bgPr>
+    </p:bg>
+    <p:spTree>
+      <p:nvGrpSpPr>
+        <p:cNvPr id="1" name=""/>
+        <p:cNvGrpSpPr/>
+        <p:nvPr/>
+      </p:nvGrpSpPr>
+      <p:grpSpPr>
+        <a:xfrm>
+          <a:off x="0" y="0"/>
+          <a:ext cx="0" cy="0"/>
+          <a:chOff x="0" y="0"/>
+          <a:chExt cx="0" cy="0"/>
+        </a:xfrm>
+      </p:grpSpPr>
+      <p:sp>
+        <p:nvSpPr>
+          <p:cNvPr id="6" name="Titolo 5">
+            <a:extLst>
+              <a:ext uri="{FF2B5EF4-FFF2-40B4-BE49-F238E27FC236}">
+                <a16:creationId xmlns:a16="http://schemas.microsoft.com/office/drawing/2014/main" id="{CE09A200-4838-4284-BD1E-19701CABB5FE}"/>
+              </a:ext>
+            </a:extLst>
+          </p:cNvPr>
+          <p:cNvSpPr>
+            <a:spLocks noGrp="1"/>
+          </p:cNvSpPr>
+          <p:nvPr>
+            <p:ph type="title"/>
+          </p:nvPr>
+        </p:nvSpPr>
+        <p:spPr>
+          <a:xfrm>
+            <a:off x="1097280" y="286603"/>
+            <a:ext cx="10058400" cy="1450757"/>
+          </a:xfrm>
+        </p:spPr>
+        <p:txBody>
+          <a:bodyPr rtlCol="0">
+            <a:normAutofit/>
+          </a:bodyPr>
+          <a:lstStyle/>
+          <a:p>
+            <a:pPr rtl="0"/>
+            <a:r>
+              <a:rPr lang="it-IT" dirty="0"/>
+              <a:t>Grammatica compatibile con ID3v1</a:t>
+            </a:r>
+          </a:p>
+        </p:txBody>
+      </p:sp>
+      <p:pic>
+        <p:nvPicPr>
+          <p:cNvPr id="4" name="Elemento grafico 3">
+            <a:extLst>
+              <a:ext uri="{FF2B5EF4-FFF2-40B4-BE49-F238E27FC236}">
+                <a16:creationId xmlns:a16="http://schemas.microsoft.com/office/drawing/2014/main" id="{ED0A95A1-BC85-4809-B935-6A9B3C054422}"/>
+              </a:ext>
+            </a:extLst>
+          </p:cNvPr>
+          <p:cNvPicPr>
+            <a:picLocks noChangeAspect="1"/>
+          </p:cNvPicPr>
+          <p:nvPr/>
+        </p:nvPicPr>
+        <p:blipFill>
+          <a:blip r:embed="rId3" cstate="print">
+            <a:extLst>
+              <a:ext uri="{28A0092B-C50C-407E-A947-70E740481C1C}">
+                <a14:useLocalDpi xmlns:a14="http://schemas.microsoft.com/office/drawing/2010/main" val="0"/>
+              </a:ext>
+              <a:ext uri="{96DAC541-7B7A-43D3-8B79-37D633B846F1}">
+                <asvg:svgBlip xmlns:asvg="http://schemas.microsoft.com/office/drawing/2016/SVG/main" r:embed="rId4"/>
+              </a:ext>
+            </a:extLst>
+          </a:blip>
+          <a:stretch>
+            <a:fillRect/>
+          </a:stretch>
+        </p:blipFill>
+        <p:spPr>
+          <a:xfrm>
+            <a:off x="207095" y="6043750"/>
+            <a:ext cx="1770209" cy="700341"/>
+          </a:xfrm>
+          <a:prstGeom prst="rect">
+            <a:avLst/>
+          </a:prstGeom>
+        </p:spPr>
+      </p:pic>
+      <p:sp>
+        <p:nvSpPr>
+          <p:cNvPr id="10" name="Connettore 9">
+            <a:extLst>
+              <a:ext uri="{FF2B5EF4-FFF2-40B4-BE49-F238E27FC236}">
+                <a16:creationId xmlns:a16="http://schemas.microsoft.com/office/drawing/2014/main" id="{7DA3C5E2-1B7C-406E-9A80-B7F344044586}"/>
+              </a:ext>
+            </a:extLst>
+          </p:cNvPr>
+          <p:cNvSpPr/>
+          <p:nvPr/>
+        </p:nvSpPr>
+        <p:spPr>
+          <a:xfrm>
+            <a:off x="11455401" y="6273800"/>
+            <a:ext cx="512910" cy="470291"/>
+          </a:xfrm>
+          <a:prstGeom prst="flowChartConnector">
+            <a:avLst/>
+          </a:prstGeom>
+        </p:spPr>
+        <p:style>
+          <a:lnRef idx="2">
+            <a:schemeClr val="accent1">
+              <a:shade val="50000"/>
+            </a:schemeClr>
+          </a:lnRef>
+          <a:fillRef idx="1">
+            <a:schemeClr val="accent1"/>
+          </a:fillRef>
+          <a:effectRef idx="0">
+            <a:schemeClr val="accent1"/>
+          </a:effectRef>
+          <a:fontRef idx="minor">
+            <a:schemeClr val="lt1"/>
+          </a:fontRef>
+        </p:style>
+        <p:txBody>
+          <a:bodyPr rtlCol="0" anchor="ctr"/>
+          <a:lstStyle/>
+          <a:p>
+            <a:pPr algn="ctr"/>
+            <a:fld id="{3A98EE3D-8CD1-4C3F-BD1C-C98C9596463C}" type="slidenum">
+              <a:rPr lang="it-IT" sz="1200" b="1"/>
+              <a:pPr algn="ctr"/>
+              <a:t>6</a:t>
+            </a:fld>
+            <a:endParaRPr lang="it-IT" b="1" dirty="0"/>
+          </a:p>
+        </p:txBody>
+      </p:sp>
+      <p:sp>
+        <p:nvSpPr>
+          <p:cNvPr id="3" name="Segnaposto contenuto 2">
+            <a:extLst>
+              <a:ext uri="{FF2B5EF4-FFF2-40B4-BE49-F238E27FC236}">
+                <a16:creationId xmlns:a16="http://schemas.microsoft.com/office/drawing/2014/main" id="{CDBDD0AC-B78E-4283-B5F3-A381229EABF5}"/>
+              </a:ext>
+            </a:extLst>
+          </p:cNvPr>
+          <p:cNvSpPr>
+            <a:spLocks noGrp="1"/>
+          </p:cNvSpPr>
+          <p:nvPr>
+            <p:ph idx="1"/>
+          </p:nvPr>
+        </p:nvSpPr>
+        <p:spPr/>
+        <p:txBody>
+          <a:bodyPr/>
+          <a:lstStyle/>
+          <a:p>
+            <a:pPr marL="0" indent="0">
+              <a:buNone/>
+            </a:pPr>
+            <a:r>
+              <a:rPr lang="it-IT" dirty="0"/>
+              <a:t>Lo </a:t>
+            </a:r>
+          </a:p>
+        </p:txBody>
+      </p:sp>
+    </p:spTree>
+    <p:extLst>
+      <p:ext uri="{BB962C8B-B14F-4D97-AF65-F5344CB8AC3E}">
+        <p14:creationId xmlns:p14="http://schemas.microsoft.com/office/powerpoint/2010/main" val="3874120676"/>
+      </p:ext>
+    </p:extLst>
+  </p:cSld>
+  <p:clrMapOvr>
+    <a:masterClrMapping/>
+  </p:clrMapOvr>
+</p:sld>
+</file>
+
+<file path=ppt/slides/slide7.xml><?xml version="1.0" encoding="utf-8"?>
+<p:sld xmlns:a="http://schemas.openxmlformats.org/drawingml/2006/main" xmlns:r="http://schemas.openxmlformats.org/officeDocument/2006/relationships" xmlns:p="http://schemas.openxmlformats.org/presentationml/2006/main">
+  <p:cSld>
+    <p:bg>
+      <p:bgPr>
+        <a:solidFill>
+          <a:schemeClr val="bg1"/>
+        </a:solidFill>
+        <a:effectLst/>
+      </p:bgPr>
+    </p:bg>
+    <p:spTree>
+      <p:nvGrpSpPr>
+        <p:cNvPr id="1" name=""/>
+        <p:cNvGrpSpPr/>
+        <p:nvPr/>
+      </p:nvGrpSpPr>
+      <p:grpSpPr>
+        <a:xfrm>
+          <a:off x="0" y="0"/>
+          <a:ext cx="0" cy="0"/>
+          <a:chOff x="0" y="0"/>
+          <a:chExt cx="0" cy="0"/>
+        </a:xfrm>
+      </p:grpSpPr>
+      <p:sp>
+        <p:nvSpPr>
+          <p:cNvPr id="26" name="Rettangolo 28">
+            <a:extLst>
+              <a:ext uri="{FF2B5EF4-FFF2-40B4-BE49-F238E27FC236}">
+                <a16:creationId xmlns:a16="http://schemas.microsoft.com/office/drawing/2014/main" id="{416A0E3C-60E6-4F39-BC55-5F7C224E1F7C}"/>
+              </a:ext>
+              <a:ext uri="{C183D7F6-B498-43B3-948B-1728B52AA6E4}">
+                <adec:decorative xmlns:adec="http://schemas.microsoft.com/office/drawing/2017/decorative" val="1"/>
+              </a:ext>
+            </a:extLst>
+          </p:cNvPr>
+          <p:cNvSpPr>
+            <a:spLocks noGrp="1" noRot="1" noChangeAspect="1" noMove="1" noResize="1" noEditPoints="1" noAdjustHandles="1" noChangeArrowheads="1" noChangeShapeType="1" noTextEdit="1"/>
+          </p:cNvSpPr>
+          <p:nvPr>
+            <p:extLst>
+              <p:ext uri="{386F3935-93C4-4BCD-93E2-E3B085C9AB24}">
+                <p16:designElem xmlns:p16="http://schemas.microsoft.com/office/powerpoint/2015/main" val="1"/>
+              </p:ext>
+            </p:extLst>
+          </p:nvPr>
+        </p:nvSpPr>
+        <p:spPr>
+          <a:xfrm>
+            <a:off x="3175" y="6400800"/>
+            <a:ext cx="12188825" cy="457200"/>
+          </a:xfrm>
+          <a:prstGeom prst="rect">
+            <a:avLst/>
+          </a:prstGeom>
+          <a:solidFill>
+            <a:srgbClr val="262626"/>
+          </a:solidFill>
+          <a:ln>
+            <a:noFill/>
+          </a:ln>
+        </p:spPr>
+        <p:style>
+          <a:lnRef idx="2">
+            <a:schemeClr val="accent1">
+              <a:shade val="50000"/>
+            </a:schemeClr>
+          </a:lnRef>
+          <a:fillRef idx="1">
+            <a:schemeClr val="accent1"/>
+          </a:fillRef>
+          <a:effectRef idx="0">
+            <a:schemeClr val="accent1"/>
+          </a:effectRef>
+          <a:fontRef idx="minor">
+            <a:schemeClr val="lt1"/>
+          </a:fontRef>
+        </p:style>
+      </p:sp>
+      <p:cxnSp>
+        <p:nvCxnSpPr>
+          <p:cNvPr id="27" name="Connettore diritto 30">
+            <a:extLst>
+              <a:ext uri="{FF2B5EF4-FFF2-40B4-BE49-F238E27FC236}">
+                <a16:creationId xmlns:a16="http://schemas.microsoft.com/office/drawing/2014/main" id="{C5025DAC-8B93-4160-B017-3A274A5828C0}"/>
+              </a:ext>
+              <a:ext uri="{C183D7F6-B498-43B3-948B-1728B52AA6E4}">
+                <adec:decorative xmlns:adec="http://schemas.microsoft.com/office/drawing/2017/decorative" val="1"/>
+              </a:ext>
+            </a:extLst>
+          </p:cNvPr>
+          <p:cNvCxnSpPr>
+            <a:cxnSpLocks noGrp="1" noRot="1" noChangeAspect="1" noMove="1" noResize="1" noEditPoints="1" noAdjustHandles="1" noChangeArrowheads="1" noChangeShapeType="1"/>
+          </p:cNvCxnSpPr>
+          <p:nvPr>
+            <p:extLst>
+              <p:ext uri="{386F3935-93C4-4BCD-93E2-E3B085C9AB24}">
+                <p16:designElem xmlns:p16="http://schemas.microsoft.com/office/powerpoint/2015/main" val="1"/>
+              </p:ext>
+            </p:extLst>
+          </p:nvPr>
+        </p:nvCxnSpPr>
+        <p:spPr>
+          <a:xfrm>
+            <a:off x="1193532" y="1897380"/>
+            <a:ext cx="9966960" cy="0"/>
+          </a:xfrm>
+          <a:prstGeom prst="line">
+            <a:avLst/>
+          </a:prstGeom>
+          <a:ln w="12700">
+            <a:solidFill>
+              <a:schemeClr val="tx1">
+                <a:lumMod val="75000"/>
+                <a:lumOff val="25000"/>
+              </a:schemeClr>
+            </a:solidFill>
+          </a:ln>
+        </p:spPr>
+        <p:style>
+          <a:lnRef idx="1">
+            <a:schemeClr val="accent1"/>
+          </a:lnRef>
+          <a:fillRef idx="0">
+            <a:schemeClr val="accent1"/>
+          </a:fillRef>
+          <a:effectRef idx="0">
+            <a:schemeClr val="accent1"/>
+          </a:effectRef>
+          <a:fontRef idx="minor">
+            <a:schemeClr val="tx1"/>
+          </a:fontRef>
+        </p:style>
+      </p:cxnSp>
+      <p:sp useBgFill="1">
+        <p:nvSpPr>
+          <p:cNvPr id="28" name="Rettangolo 32">
+            <a:extLst>
+              <a:ext uri="{FF2B5EF4-FFF2-40B4-BE49-F238E27FC236}">
+                <a16:creationId xmlns:a16="http://schemas.microsoft.com/office/drawing/2014/main" id="{990D0034-F768-41E7-85D4-F38C4DE85770}"/>
+              </a:ext>
+              <a:ext uri="{C183D7F6-B498-43B3-948B-1728B52AA6E4}">
+                <adec:decorative xmlns:adec="http://schemas.microsoft.com/office/drawing/2017/decorative" val="1"/>
+              </a:ext>
+            </a:extLst>
+          </p:cNvPr>
+          <p:cNvSpPr>
+            <a:spLocks noGrp="1" noRot="1" noChangeAspect="1" noMove="1" noResize="1" noEditPoints="1" noAdjustHandles="1" noChangeArrowheads="1" noChangeShapeType="1" noTextEdit="1"/>
+          </p:cNvSpPr>
+          <p:nvPr>
+            <p:extLst>
+              <p:ext uri="{386F3935-93C4-4BCD-93E2-E3B085C9AB24}">
+                <p16:designElem xmlns:p16="http://schemas.microsoft.com/office/powerpoint/2015/main" val="1"/>
+              </p:ext>
+            </p:extLst>
+          </p:nvPr>
+        </p:nvSpPr>
+        <p:spPr>
+          <a:xfrm>
+            <a:off x="0" y="0"/>
+            <a:ext cx="12186315" cy="6858000"/>
+          </a:xfrm>
+          <a:prstGeom prst="rect">
+            <a:avLst/>
+          </a:prstGeom>
+          <a:ln>
+            <a:noFill/>
+          </a:ln>
+        </p:spPr>
+        <p:style>
+          <a:lnRef idx="2">
+            <a:schemeClr val="accent6">
+              <a:shade val="50000"/>
+            </a:schemeClr>
+          </a:lnRef>
+          <a:fillRef idx="1001">
+            <a:schemeClr val="lt1"/>
+          </a:fillRef>
+          <a:effectRef idx="0">
+            <a:schemeClr val="accent6"/>
+          </a:effectRef>
+          <a:fontRef idx="minor">
+            <a:schemeClr val="lt1"/>
+          </a:fontRef>
+        </p:style>
+        <p:txBody>
+          <a:bodyPr rtlCol="0" anchor="ctr"/>
+          <a:lstStyle/>
+          <a:p>
+            <a:pPr algn="ctr" rtl="0"/>
+            <a:endParaRPr lang="it-IT" dirty="0"/>
+          </a:p>
+        </p:txBody>
+      </p:sp>
+      <p:sp>
+        <p:nvSpPr>
+          <p:cNvPr id="5" name="Titolo 4">
+            <a:extLst>
+              <a:ext uri="{FF2B5EF4-FFF2-40B4-BE49-F238E27FC236}">
+                <a16:creationId xmlns:a16="http://schemas.microsoft.com/office/drawing/2014/main" id="{B8B72B13-069B-4F8A-9437-FA58C3F1D44B}"/>
+              </a:ext>
+            </a:extLst>
+          </p:cNvPr>
+          <p:cNvSpPr>
+            <a:spLocks noGrp="1"/>
+          </p:cNvSpPr>
+          <p:nvPr>
+            <p:ph type="title"/>
+          </p:nvPr>
+        </p:nvSpPr>
+        <p:spPr>
+          <a:xfrm>
+            <a:off x="590927" y="535936"/>
+            <a:ext cx="10864474" cy="700340"/>
+          </a:xfrm>
+        </p:spPr>
+        <p:txBody>
+          <a:bodyPr vert="horz" lIns="91440" tIns="45720" rIns="91440" bIns="45720" rtlCol="0" anchor="b">
+            <a:noAutofit/>
+          </a:bodyPr>
+          <a:lstStyle/>
+          <a:p>
+            <a:pPr rtl="0"/>
+            <a:r>
+              <a:rPr lang="it-IT" sz="4400" dirty="0">
+                <a:solidFill>
+                  <a:schemeClr val="tx1">
+                    <a:lumMod val="75000"/>
+                    <a:lumOff val="25000"/>
+                  </a:schemeClr>
+                </a:solidFill>
+              </a:rPr>
+              <a:t>Materiale utilizzato</a:t>
+            </a:r>
+          </a:p>
+        </p:txBody>
+      </p:sp>
+      <p:cxnSp>
+        <p:nvCxnSpPr>
+          <p:cNvPr id="30" name="Connettore diritto 34">
+            <a:extLst>
+              <a:ext uri="{FF2B5EF4-FFF2-40B4-BE49-F238E27FC236}">
+                <a16:creationId xmlns:a16="http://schemas.microsoft.com/office/drawing/2014/main" id="{5A0A5CF6-407C-4691-8122-49DF69D0020D}"/>
+              </a:ext>
+              <a:ext uri="{C183D7F6-B498-43B3-948B-1728B52AA6E4}">
+                <adec:decorative xmlns:adec="http://schemas.microsoft.com/office/drawing/2017/decorative" val="1"/>
+              </a:ext>
+            </a:extLst>
+          </p:cNvPr>
+          <p:cNvCxnSpPr>
+            <a:cxnSpLocks noGrp="1" noRot="1" noChangeAspect="1" noMove="1" noResize="1" noEditPoints="1" noAdjustHandles="1" noChangeArrowheads="1" noChangeShapeType="1"/>
+          </p:cNvCxnSpPr>
+          <p:nvPr>
+            <p:extLst>
+              <p:ext uri="{386F3935-93C4-4BCD-93E2-E3B085C9AB24}">
+                <p16:designElem xmlns:p16="http://schemas.microsoft.com/office/powerpoint/2015/main" val="1"/>
+              </p:ext>
+            </p:extLst>
+          </p:nvPr>
+        </p:nvCxnSpPr>
+        <p:spPr>
+          <a:xfrm>
+            <a:off x="590927" y="2633962"/>
+            <a:ext cx="2834640" cy="0"/>
+          </a:xfrm>
+          <a:prstGeom prst="line">
+            <a:avLst/>
+          </a:prstGeom>
+          <a:ln w="12700">
+            <a:solidFill>
+              <a:schemeClr val="tx1">
+                <a:lumMod val="75000"/>
+                <a:lumOff val="25000"/>
+              </a:schemeClr>
+            </a:solidFill>
+          </a:ln>
+        </p:spPr>
+        <p:style>
+          <a:lnRef idx="1">
+            <a:schemeClr val="accent1"/>
+          </a:lnRef>
+          <a:fillRef idx="0">
+            <a:schemeClr val="accent1"/>
+          </a:fillRef>
+          <a:effectRef idx="0">
+            <a:schemeClr val="accent1"/>
+          </a:effectRef>
+          <a:fontRef idx="minor">
+            <a:schemeClr val="tx1"/>
+          </a:fontRef>
+        </p:style>
+      </p:cxnSp>
+      <p:sp>
+        <p:nvSpPr>
+          <p:cNvPr id="4" name="Rettangolo 3">
+            <a:extLst>
+              <a:ext uri="{FF2B5EF4-FFF2-40B4-BE49-F238E27FC236}">
+                <a16:creationId xmlns:a16="http://schemas.microsoft.com/office/drawing/2014/main" id="{D22E5227-66DC-4545-A93A-3BAE57987144}"/>
+              </a:ext>
+            </a:extLst>
+          </p:cNvPr>
+          <p:cNvSpPr/>
+          <p:nvPr/>
+        </p:nvSpPr>
+        <p:spPr>
+          <a:xfrm>
+            <a:off x="590927" y="2477070"/>
+            <a:ext cx="2955837" cy="457195"/>
+          </a:xfrm>
+          <a:prstGeom prst="rect">
+            <a:avLst/>
+          </a:prstGeom>
+          <a:solidFill>
+            <a:schemeClr val="bg1"/>
+          </a:solidFill>
+          <a:ln>
+            <a:solidFill>
+              <a:schemeClr val="bg1"/>
+            </a:solidFill>
+          </a:ln>
+        </p:spPr>
+        <p:style>
+          <a:lnRef idx="2">
+            <a:schemeClr val="accent1">
+              <a:shade val="50000"/>
+            </a:schemeClr>
+          </a:lnRef>
+          <a:fillRef idx="1">
+            <a:schemeClr val="accent1"/>
+          </a:fillRef>
+          <a:effectRef idx="0">
+            <a:schemeClr val="accent1"/>
+          </a:effectRef>
+          <a:fontRef idx="minor">
+            <a:schemeClr val="lt1"/>
+          </a:fontRef>
+        </p:style>
+        <p:txBody>
+          <a:bodyPr rtlCol="0" anchor="ctr"/>
+          <a:lstStyle/>
+          <a:p>
+            <a:pPr algn="ctr"/>
+            <a:endParaRPr lang="it-IT"/>
+          </a:p>
+        </p:txBody>
+      </p:sp>
+      <p:sp>
+        <p:nvSpPr>
+          <p:cNvPr id="6" name="Segnaposto contenuto 5">
+            <a:extLst>
+              <a:ext uri="{FF2B5EF4-FFF2-40B4-BE49-F238E27FC236}">
+                <a16:creationId xmlns:a16="http://schemas.microsoft.com/office/drawing/2014/main" id="{2281D70C-EE29-493E-838C-890184A02C07}"/>
+              </a:ext>
+            </a:extLst>
+          </p:cNvPr>
+          <p:cNvSpPr>
+            <a:spLocks noGrp="1"/>
+          </p:cNvSpPr>
+          <p:nvPr>
+            <p:ph idx="1"/>
+          </p:nvPr>
+        </p:nvSpPr>
+        <p:spPr>
+          <a:xfrm>
+            <a:off x="590926" y="1452870"/>
+            <a:ext cx="10864474" cy="4590875"/>
+          </a:xfrm>
+        </p:spPr>
+        <p:txBody>
+          <a:bodyPr vert="horz" lIns="0" tIns="45720" rIns="0" bIns="45720" rtlCol="0">
+            <a:normAutofit/>
+          </a:bodyPr>
+          <a:lstStyle/>
+          <a:p>
+            <a:pPr rtl="0"/>
+            <a:r>
+              <a:rPr lang="it-IT" dirty="0">
+                <a:latin typeface="+mj-lt"/>
+              </a:rPr>
+              <a:t>Ci siamo occupati dell’implementazione della versione v1, utilizzando come test il pacchetto fornito nella sezione «Developer Information» del sito. Il pacchetto comprende oltre gli svariati casi di riconoscimento/rifiuto dei componenti dei frame, la lista completa dei generi implementabile però tramite Java</a:t>
+            </a:r>
+          </a:p>
+          <a:p>
+            <a:pPr rtl="0"/>
+            <a:r>
+              <a:rPr lang="it-IT" dirty="0">
+                <a:latin typeface="+mj-lt"/>
+              </a:rPr>
+              <a:t>Il codice e la grammatica sono disponibili su GitHub alla repository -&gt; https://github.com/atusghen/SimpleID3</a:t>
+            </a:r>
+          </a:p>
+        </p:txBody>
+      </p:sp>
+      <p:pic>
+        <p:nvPicPr>
+          <p:cNvPr id="10" name="Elemento grafico 9">
+            <a:extLst>
+              <a:ext uri="{FF2B5EF4-FFF2-40B4-BE49-F238E27FC236}">
+                <a16:creationId xmlns:a16="http://schemas.microsoft.com/office/drawing/2014/main" id="{54A47743-7725-4A33-93CA-EFB89C10D1EC}"/>
+              </a:ext>
+            </a:extLst>
+          </p:cNvPr>
+          <p:cNvPicPr>
+            <a:picLocks noChangeAspect="1"/>
+          </p:cNvPicPr>
+          <p:nvPr/>
+        </p:nvPicPr>
+        <p:blipFill>
+          <a:blip r:embed="rId3" cstate="print">
+            <a:extLst>
+              <a:ext uri="{28A0092B-C50C-407E-A947-70E740481C1C}">
+                <a14:useLocalDpi xmlns:a14="http://schemas.microsoft.com/office/drawing/2010/main" val="0"/>
+              </a:ext>
+              <a:ext uri="{96DAC541-7B7A-43D3-8B79-37D633B846F1}">
+                <asvg:svgBlip xmlns:asvg="http://schemas.microsoft.com/office/drawing/2016/SVG/main" r:embed="rId4"/>
+              </a:ext>
+            </a:extLst>
+          </a:blip>
+          <a:stretch>
+            <a:fillRect/>
+          </a:stretch>
+        </p:blipFill>
+        <p:spPr>
+          <a:xfrm>
+            <a:off x="207095" y="6043750"/>
+            <a:ext cx="1770209" cy="700341"/>
+          </a:xfrm>
+          <a:prstGeom prst="rect">
+            <a:avLst/>
+          </a:prstGeom>
+        </p:spPr>
+      </p:pic>
+      <p:sp>
+        <p:nvSpPr>
+          <p:cNvPr id="12" name="Connettore 11">
+            <a:extLst>
+              <a:ext uri="{FF2B5EF4-FFF2-40B4-BE49-F238E27FC236}">
+                <a16:creationId xmlns:a16="http://schemas.microsoft.com/office/drawing/2014/main" id="{92095D8C-8CCA-4CC6-B2D2-E1BC4732F321}"/>
+              </a:ext>
+            </a:extLst>
+          </p:cNvPr>
+          <p:cNvSpPr/>
+          <p:nvPr/>
+        </p:nvSpPr>
+        <p:spPr>
+          <a:xfrm>
+            <a:off x="11455401" y="6273800"/>
+            <a:ext cx="512910" cy="470291"/>
+          </a:xfrm>
+          <a:prstGeom prst="flowChartConnector">
+            <a:avLst/>
+          </a:prstGeom>
+        </p:spPr>
+        <p:style>
+          <a:lnRef idx="2">
+            <a:schemeClr val="accent1">
+              <a:shade val="50000"/>
+            </a:schemeClr>
+          </a:lnRef>
+          <a:fillRef idx="1">
+            <a:schemeClr val="accent1"/>
+          </a:fillRef>
+          <a:effectRef idx="0">
+            <a:schemeClr val="accent1"/>
+          </a:effectRef>
+          <a:fontRef idx="minor">
+            <a:schemeClr val="lt1"/>
+          </a:fontRef>
+        </p:style>
+        <p:txBody>
+          <a:bodyPr rtlCol="0" anchor="ctr"/>
+          <a:lstStyle/>
+          <a:p>
+            <a:pPr algn="ctr"/>
+            <a:fld id="{3A98EE3D-8CD1-4C3F-BD1C-C98C9596463C}" type="slidenum">
+              <a:rPr lang="it-IT" sz="1200" b="1"/>
+              <a:pPr algn="ctr"/>
+              <a:t>7</a:t>
+            </a:fld>
+            <a:endParaRPr lang="it-IT" b="1" dirty="0"/>
+          </a:p>
+        </p:txBody>
+      </p:sp>
+    </p:spTree>
+    <p:extLst>
+      <p:ext uri="{BB962C8B-B14F-4D97-AF65-F5344CB8AC3E}">
+        <p14:creationId xmlns:p14="http://schemas.microsoft.com/office/powerpoint/2010/main" val="3174578503"/>
+      </p:ext>
+    </p:extLst>
+  </p:cSld>
+  <p:clrMapOvr>
+    <a:masterClrMapping/>
+  </p:clrMapOvr>
+</p:sld>
+</file>
+
+<file path=ppt/slides/slide8.xml><?xml version="1.0" encoding="utf-8"?>
+<p:sld xmlns:a="http://schemas.openxmlformats.org/drawingml/2006/main" xmlns:r="http://schemas.openxmlformats.org/officeDocument/2006/relationships" xmlns:p="http://schemas.openxmlformats.org/presentationml/2006/main">
+  <p:cSld>
+    <p:bg>
+      <p:bgPr>
+        <a:solidFill>
+          <a:schemeClr val="bg1"/>
+        </a:solidFill>
+        <a:effectLst/>
+      </p:bgPr>
+    </p:bg>
+    <p:spTree>
+      <p:nvGrpSpPr>
+        <p:cNvPr id="1" name=""/>
+        <p:cNvGrpSpPr/>
+        <p:nvPr/>
+      </p:nvGrpSpPr>
+      <p:grpSpPr>
+        <a:xfrm>
+          <a:off x="0" y="0"/>
+          <a:ext cx="0" cy="0"/>
+          <a:chOff x="0" y="0"/>
+          <a:chExt cx="0" cy="0"/>
+        </a:xfrm>
+      </p:grpSpPr>
+      <p:sp>
+        <p:nvSpPr>
+          <p:cNvPr id="6" name="Titolo 5">
+            <a:extLst>
+              <a:ext uri="{FF2B5EF4-FFF2-40B4-BE49-F238E27FC236}">
+                <a16:creationId xmlns:a16="http://schemas.microsoft.com/office/drawing/2014/main" id="{CE09A200-4838-4284-BD1E-19701CABB5FE}"/>
+              </a:ext>
+            </a:extLst>
+          </p:cNvPr>
+          <p:cNvSpPr>
+            <a:spLocks noGrp="1"/>
+          </p:cNvSpPr>
+          <p:nvPr>
+            <p:ph type="title"/>
+          </p:nvPr>
+        </p:nvSpPr>
+        <p:spPr>
+          <a:xfrm>
+            <a:off x="1097280" y="286603"/>
+            <a:ext cx="10058400" cy="1450757"/>
+          </a:xfrm>
+        </p:spPr>
+        <p:txBody>
+          <a:bodyPr rtlCol="0">
+            <a:normAutofit/>
+          </a:bodyPr>
+          <a:lstStyle/>
+          <a:p>
+            <a:pPr rtl="0"/>
+            <a:r>
+              <a:rPr lang="it-IT" dirty="0"/>
+              <a:t>Grammatica con non terminali</a:t>
+            </a:r>
+          </a:p>
+        </p:txBody>
+      </p:sp>
+      <p:pic>
+        <p:nvPicPr>
+          <p:cNvPr id="4" name="Elemento grafico 3">
+            <a:extLst>
+              <a:ext uri="{FF2B5EF4-FFF2-40B4-BE49-F238E27FC236}">
+                <a16:creationId xmlns:a16="http://schemas.microsoft.com/office/drawing/2014/main" id="{ED0A95A1-BC85-4809-B935-6A9B3C054422}"/>
+              </a:ext>
+            </a:extLst>
+          </p:cNvPr>
+          <p:cNvPicPr>
+            <a:picLocks noChangeAspect="1"/>
+          </p:cNvPicPr>
+          <p:nvPr/>
+        </p:nvPicPr>
+        <p:blipFill>
+          <a:blip r:embed="rId3" cstate="print">
+            <a:extLst>
+              <a:ext uri="{28A0092B-C50C-407E-A947-70E740481C1C}">
+                <a14:useLocalDpi xmlns:a14="http://schemas.microsoft.com/office/drawing/2010/main" val="0"/>
+              </a:ext>
+              <a:ext uri="{96DAC541-7B7A-43D3-8B79-37D633B846F1}">
+                <asvg:svgBlip xmlns:asvg="http://schemas.microsoft.com/office/drawing/2016/SVG/main" r:embed="rId4"/>
+              </a:ext>
+            </a:extLst>
+          </a:blip>
+          <a:stretch>
+            <a:fillRect/>
+          </a:stretch>
+        </p:blipFill>
+        <p:spPr>
+          <a:xfrm>
+            <a:off x="207095" y="6043750"/>
+            <a:ext cx="1770209" cy="700341"/>
+          </a:xfrm>
+          <a:prstGeom prst="rect">
+            <a:avLst/>
+          </a:prstGeom>
+        </p:spPr>
+      </p:pic>
+      <p:sp>
+        <p:nvSpPr>
+          <p:cNvPr id="10" name="Connettore 9">
+            <a:extLst>
+              <a:ext uri="{FF2B5EF4-FFF2-40B4-BE49-F238E27FC236}">
+                <a16:creationId xmlns:a16="http://schemas.microsoft.com/office/drawing/2014/main" id="{7DA3C5E2-1B7C-406E-9A80-B7F344044586}"/>
+              </a:ext>
+            </a:extLst>
+          </p:cNvPr>
+          <p:cNvSpPr/>
+          <p:nvPr/>
+        </p:nvSpPr>
+        <p:spPr>
+          <a:xfrm>
+            <a:off x="11455401" y="6273800"/>
+            <a:ext cx="512910" cy="470291"/>
+          </a:xfrm>
+          <a:prstGeom prst="flowChartConnector">
+            <a:avLst/>
+          </a:prstGeom>
+        </p:spPr>
+        <p:style>
+          <a:lnRef idx="2">
+            <a:schemeClr val="accent1">
+              <a:shade val="50000"/>
+            </a:schemeClr>
+          </a:lnRef>
+          <a:fillRef idx="1">
+            <a:schemeClr val="accent1"/>
+          </a:fillRef>
+          <a:effectRef idx="0">
+            <a:schemeClr val="accent1"/>
+          </a:effectRef>
+          <a:fontRef idx="minor">
+            <a:schemeClr val="lt1"/>
+          </a:fontRef>
+        </p:style>
+        <p:txBody>
+          <a:bodyPr rtlCol="0" anchor="ctr"/>
+          <a:lstStyle/>
+          <a:p>
+            <a:pPr algn="ctr"/>
+            <a:fld id="{3A98EE3D-8CD1-4C3F-BD1C-C98C9596463C}" type="slidenum">
+              <a:rPr lang="it-IT" sz="1200" b="1"/>
+              <a:pPr algn="ctr"/>
+              <a:t>8</a:t>
+            </a:fld>
+            <a:endParaRPr lang="it-IT" b="1" dirty="0"/>
+          </a:p>
+        </p:txBody>
+      </p:sp>
+      <p:sp>
+        <p:nvSpPr>
+          <p:cNvPr id="3" name="Segnaposto contenuto 2">
+            <a:extLst>
+              <a:ext uri="{FF2B5EF4-FFF2-40B4-BE49-F238E27FC236}">
+                <a16:creationId xmlns:a16="http://schemas.microsoft.com/office/drawing/2014/main" id="{CDBDD0AC-B78E-4283-B5F3-A381229EABF5}"/>
+              </a:ext>
+            </a:extLst>
+          </p:cNvPr>
+          <p:cNvSpPr>
+            <a:spLocks noGrp="1"/>
+          </p:cNvSpPr>
+          <p:nvPr>
+            <p:ph idx="1"/>
+          </p:nvPr>
+        </p:nvSpPr>
+        <p:spPr/>
+        <p:txBody>
+          <a:bodyPr/>
+          <a:lstStyle/>
+          <a:p>
+            <a:pPr marL="0" indent="0">
+              <a:buNone/>
+            </a:pPr>
+            <a:r>
+              <a:rPr lang="it-IT" dirty="0"/>
+              <a:t>Lo </a:t>
+            </a:r>
+          </a:p>
+        </p:txBody>
+      </p:sp>
+    </p:spTree>
+    <p:extLst>
+      <p:ext uri="{BB962C8B-B14F-4D97-AF65-F5344CB8AC3E}">
+        <p14:creationId xmlns:p14="http://schemas.microsoft.com/office/powerpoint/2010/main" val="4040284531"/>
+      </p:ext>
+    </p:extLst>
+  </p:cSld>
+  <p:clrMapOvr>
+    <a:masterClrMapping/>
+  </p:clrMapOvr>
+</p:sld>
+</file>
+
+<file path=ppt/slides/slide9.xml><?xml version="1.0" encoding="utf-8"?>
 <p:sld xmlns:a="http://schemas.openxmlformats.org/drawingml/2006/main" xmlns:r="http://schemas.openxmlformats.org/officeDocument/2006/relationships" xmlns:p="http://schemas.openxmlformats.org/presentationml/2006/main">
   <p:cSld>
     <p:spTree>
@@ -11947,7 +15458,7 @@
                 </a:solidFill>
               </a:rPr>
               <a:pPr rtl="0"/>
-              <a:t>5</a:t>
+              <a:t>9</a:t>
             </a:fld>
             <a:endParaRPr lang="it-IT" sz="1800" noProof="0" dirty="0">
               <a:solidFill>
@@ -12002,7 +15513,7 @@
             <a:fld id="{3A98EE3D-8CD1-4C3F-BD1C-C98C9596463C}" type="slidenum">
               <a:rPr lang="it-IT" sz="1200" b="1"/>
               <a:pPr algn="ctr"/>
-              <a:t>5</a:t>
+              <a:t>9</a:t>
             </a:fld>
             <a:endParaRPr lang="it-IT" b="1" dirty="0"/>
           </a:p>
@@ -12012,1366 +15523,6 @@
     <p:extLst>
       <p:ext uri="{BB962C8B-B14F-4D97-AF65-F5344CB8AC3E}">
         <p14:creationId xmlns:p14="http://schemas.microsoft.com/office/powerpoint/2010/main" val="1056707768"/>
-      </p:ext>
-    </p:extLst>
-  </p:cSld>
-  <p:clrMapOvr>
-    <a:masterClrMapping/>
-  </p:clrMapOvr>
-</p:sld>
-</file>
-
-<file path=ppt/slides/slide6.xml><?xml version="1.0" encoding="utf-8"?>
-<p:sld xmlns:a="http://schemas.openxmlformats.org/drawingml/2006/main" xmlns:r="http://schemas.openxmlformats.org/officeDocument/2006/relationships" xmlns:p="http://schemas.openxmlformats.org/presentationml/2006/main">
-  <p:cSld>
-    <p:spTree>
-      <p:nvGrpSpPr>
-        <p:cNvPr id="1" name=""/>
-        <p:cNvGrpSpPr/>
-        <p:nvPr/>
-      </p:nvGrpSpPr>
-      <p:grpSpPr>
-        <a:xfrm>
-          <a:off x="0" y="0"/>
-          <a:ext cx="0" cy="0"/>
-          <a:chOff x="0" y="0"/>
-          <a:chExt cx="0" cy="0"/>
-        </a:xfrm>
-      </p:grpSpPr>
-      <p:sp>
-        <p:nvSpPr>
-          <p:cNvPr id="6" name="Titolo 5">
-            <a:extLst>
-              <a:ext uri="{FF2B5EF4-FFF2-40B4-BE49-F238E27FC236}">
-                <a16:creationId xmlns:a16="http://schemas.microsoft.com/office/drawing/2014/main" id="{5690374C-1A59-4A71-8148-5C0E026A3A75}"/>
-              </a:ext>
-            </a:extLst>
-          </p:cNvPr>
-          <p:cNvSpPr>
-            <a:spLocks noGrp="1"/>
-          </p:cNvSpPr>
-          <p:nvPr>
-            <p:ph type="title"/>
-          </p:nvPr>
-        </p:nvSpPr>
-        <p:spPr/>
-        <p:txBody>
-          <a:bodyPr rtlCol="0"/>
-          <a:lstStyle/>
-          <a:p>
-            <a:pPr rtl="0"/>
-            <a:r>
-              <a:rPr lang="it-IT" dirty="0"/>
-              <a:t>Piani 2020</a:t>
-            </a:r>
-          </a:p>
-        </p:txBody>
-      </p:sp>
-      <p:sp>
-        <p:nvSpPr>
-          <p:cNvPr id="7" name="Segnaposto contenuto 6">
-            <a:extLst>
-              <a:ext uri="{FF2B5EF4-FFF2-40B4-BE49-F238E27FC236}">
-                <a16:creationId xmlns:a16="http://schemas.microsoft.com/office/drawing/2014/main" id="{21A8359F-00D6-408F-ACF5-D8A1A931CD93}"/>
-              </a:ext>
-            </a:extLst>
-          </p:cNvPr>
-          <p:cNvSpPr>
-            <a:spLocks noGrp="1"/>
-          </p:cNvSpPr>
-          <p:nvPr>
-            <p:ph idx="1"/>
-          </p:nvPr>
-        </p:nvSpPr>
-        <p:spPr/>
-        <p:txBody>
-          <a:bodyPr rtlCol="0"/>
-          <a:lstStyle/>
-          <a:p>
-            <a:pPr rtl="0"/>
-            <a:r>
-              <a:rPr lang="it-IT" dirty="0"/>
-              <a:t>Aspirazioni</a:t>
-            </a:r>
-          </a:p>
-          <a:p>
-            <a:pPr rtl="0"/>
-            <a:r>
-              <a:rPr lang="it-IT" dirty="0"/>
-              <a:t>Nuove iniziative</a:t>
-            </a:r>
-          </a:p>
-          <a:p>
-            <a:pPr rtl="0"/>
-            <a:r>
-              <a:rPr lang="it-IT" dirty="0"/>
-              <a:t>Metriche chiave</a:t>
-            </a:r>
-          </a:p>
-        </p:txBody>
-      </p:sp>
-      <p:sp>
-        <p:nvSpPr>
-          <p:cNvPr id="8" name="Figura a mano libera: Forma 8" descr="Piani">
-            <a:extLst>
-              <a:ext uri="{FF2B5EF4-FFF2-40B4-BE49-F238E27FC236}">
-                <a16:creationId xmlns:a16="http://schemas.microsoft.com/office/drawing/2014/main" id="{2DB38FFA-F8F9-4178-AD76-00851D638B92}"/>
-              </a:ext>
-            </a:extLst>
-          </p:cNvPr>
-          <p:cNvSpPr/>
-          <p:nvPr/>
-        </p:nvSpPr>
-        <p:spPr>
-          <a:xfrm>
-            <a:off x="4757976" y="2553504"/>
-            <a:ext cx="515064" cy="757216"/>
-          </a:xfrm>
-          <a:custGeom>
-            <a:avLst/>
-            <a:gdLst/>
-            <a:ahLst/>
-            <a:cxnLst>
-              <a:cxn ang="3cd4">
-                <a:pos x="hc" y="t"/>
-              </a:cxn>
-              <a:cxn ang="cd2">
-                <a:pos x="l" y="vc"/>
-              </a:cxn>
-              <a:cxn ang="cd4">
-                <a:pos x="hc" y="b"/>
-              </a:cxn>
-              <a:cxn ang="0">
-                <a:pos x="r" y="vc"/>
-              </a:cxn>
-            </a:cxnLst>
-            <a:rect l="l" t="t" r="r" b="b"/>
-            <a:pathLst>
-              <a:path w="3451" h="5073">
-                <a:moveTo>
-                  <a:pt x="1718" y="668"/>
-                </a:moveTo>
-                <a:cubicBezTo>
-                  <a:pt x="1813" y="668"/>
-                  <a:pt x="1892" y="604"/>
-                  <a:pt x="1892" y="509"/>
-                </a:cubicBezTo>
-                <a:cubicBezTo>
-                  <a:pt x="1892" y="413"/>
-                  <a:pt x="1813" y="350"/>
-                  <a:pt x="1718" y="350"/>
-                </a:cubicBezTo>
-                <a:cubicBezTo>
-                  <a:pt x="1638" y="350"/>
-                  <a:pt x="1558" y="413"/>
-                  <a:pt x="1558" y="509"/>
-                </a:cubicBezTo>
-                <a:cubicBezTo>
-                  <a:pt x="1558" y="604"/>
-                  <a:pt x="1638" y="668"/>
-                  <a:pt x="1718" y="668"/>
-                </a:cubicBezTo>
-                <a:close/>
-                <a:moveTo>
-                  <a:pt x="2242" y="700"/>
-                </a:moveTo>
-                <a:cubicBezTo>
-                  <a:pt x="2227" y="636"/>
-                  <a:pt x="2227" y="573"/>
-                  <a:pt x="2227" y="509"/>
-                </a:cubicBezTo>
-                <a:cubicBezTo>
-                  <a:pt x="2227" y="222"/>
-                  <a:pt x="2004" y="0"/>
-                  <a:pt x="1733" y="0"/>
-                </a:cubicBezTo>
-                <a:cubicBezTo>
-                  <a:pt x="1447" y="0"/>
-                  <a:pt x="1209" y="222"/>
-                  <a:pt x="1209" y="509"/>
-                </a:cubicBezTo>
-                <a:lnTo>
-                  <a:pt x="1209" y="700"/>
-                </a:lnTo>
-                <a:lnTo>
-                  <a:pt x="238" y="700"/>
-                </a:lnTo>
-                <a:cubicBezTo>
-                  <a:pt x="111" y="700"/>
-                  <a:pt x="0" y="811"/>
-                  <a:pt x="0" y="938"/>
-                </a:cubicBezTo>
-                <a:lnTo>
-                  <a:pt x="0" y="4835"/>
-                </a:lnTo>
-                <a:cubicBezTo>
-                  <a:pt x="0" y="4962"/>
-                  <a:pt x="111" y="5073"/>
-                  <a:pt x="238" y="5073"/>
-                </a:cubicBezTo>
-                <a:lnTo>
-                  <a:pt x="3212" y="5073"/>
-                </a:lnTo>
-                <a:cubicBezTo>
-                  <a:pt x="3340" y="5073"/>
-                  <a:pt x="3451" y="4962"/>
-                  <a:pt x="3451" y="4835"/>
-                </a:cubicBezTo>
-                <a:lnTo>
-                  <a:pt x="3451" y="938"/>
-                </a:lnTo>
-                <a:cubicBezTo>
-                  <a:pt x="3451" y="795"/>
-                  <a:pt x="3340" y="700"/>
-                  <a:pt x="3212" y="700"/>
-                </a:cubicBezTo>
-                <a:close/>
-                <a:moveTo>
-                  <a:pt x="1367" y="509"/>
-                </a:moveTo>
-                <a:cubicBezTo>
-                  <a:pt x="1367" y="318"/>
-                  <a:pt x="1527" y="159"/>
-                  <a:pt x="1733" y="159"/>
-                </a:cubicBezTo>
-                <a:cubicBezTo>
-                  <a:pt x="1908" y="159"/>
-                  <a:pt x="2067" y="318"/>
-                  <a:pt x="2067" y="509"/>
-                </a:cubicBezTo>
-                <a:cubicBezTo>
-                  <a:pt x="2067" y="716"/>
-                  <a:pt x="2067" y="1082"/>
-                  <a:pt x="2497" y="1193"/>
-                </a:cubicBezTo>
-                <a:cubicBezTo>
-                  <a:pt x="2624" y="1225"/>
-                  <a:pt x="2719" y="1336"/>
-                  <a:pt x="2736" y="1479"/>
-                </a:cubicBezTo>
-                <a:lnTo>
-                  <a:pt x="715" y="1479"/>
-                </a:lnTo>
-                <a:cubicBezTo>
-                  <a:pt x="731" y="1352"/>
-                  <a:pt x="811" y="1225"/>
-                  <a:pt x="938" y="1193"/>
-                </a:cubicBezTo>
-                <a:cubicBezTo>
-                  <a:pt x="1367" y="1082"/>
-                  <a:pt x="1367" y="716"/>
-                  <a:pt x="1367" y="509"/>
-                </a:cubicBezTo>
-                <a:close/>
-                <a:moveTo>
-                  <a:pt x="668" y="1638"/>
-                </a:moveTo>
-                <a:lnTo>
-                  <a:pt x="2767" y="1638"/>
-                </a:lnTo>
-                <a:cubicBezTo>
-                  <a:pt x="2846" y="1638"/>
-                  <a:pt x="2894" y="1591"/>
-                  <a:pt x="2894" y="1511"/>
-                </a:cubicBezTo>
-                <a:cubicBezTo>
-                  <a:pt x="2894" y="1383"/>
-                  <a:pt x="2846" y="1256"/>
-                  <a:pt x="2767" y="1177"/>
-                </a:cubicBezTo>
-                <a:lnTo>
-                  <a:pt x="2879" y="1177"/>
-                </a:lnTo>
-                <a:cubicBezTo>
-                  <a:pt x="2910" y="1177"/>
-                  <a:pt x="2926" y="1177"/>
-                  <a:pt x="2942" y="1193"/>
-                </a:cubicBezTo>
-                <a:cubicBezTo>
-                  <a:pt x="2958" y="1209"/>
-                  <a:pt x="2974" y="1240"/>
-                  <a:pt x="2974" y="1256"/>
-                </a:cubicBezTo>
-                <a:lnTo>
-                  <a:pt x="2974" y="4517"/>
-                </a:lnTo>
-                <a:cubicBezTo>
-                  <a:pt x="2974" y="4564"/>
-                  <a:pt x="2926" y="4596"/>
-                  <a:pt x="2879" y="4596"/>
-                </a:cubicBezTo>
-                <a:lnTo>
-                  <a:pt x="556" y="4596"/>
-                </a:lnTo>
-                <a:cubicBezTo>
-                  <a:pt x="509" y="4596"/>
-                  <a:pt x="477" y="4564"/>
-                  <a:pt x="477" y="4517"/>
-                </a:cubicBezTo>
-                <a:lnTo>
-                  <a:pt x="477" y="1256"/>
-                </a:lnTo>
-                <a:cubicBezTo>
-                  <a:pt x="477" y="1209"/>
-                  <a:pt x="509" y="1177"/>
-                  <a:pt x="556" y="1177"/>
-                </a:cubicBezTo>
-                <a:lnTo>
-                  <a:pt x="683" y="1177"/>
-                </a:lnTo>
-                <a:cubicBezTo>
-                  <a:pt x="604" y="1272"/>
-                  <a:pt x="556" y="1383"/>
-                  <a:pt x="556" y="1511"/>
-                </a:cubicBezTo>
-                <a:cubicBezTo>
-                  <a:pt x="556" y="1574"/>
-                  <a:pt x="604" y="1638"/>
-                  <a:pt x="668" y="1638"/>
-                </a:cubicBezTo>
-                <a:close/>
-                <a:moveTo>
-                  <a:pt x="3292" y="938"/>
-                </a:moveTo>
-                <a:lnTo>
-                  <a:pt x="3292" y="4835"/>
-                </a:lnTo>
-                <a:cubicBezTo>
-                  <a:pt x="3292" y="4883"/>
-                  <a:pt x="3244" y="4915"/>
-                  <a:pt x="3212" y="4915"/>
-                </a:cubicBezTo>
-                <a:lnTo>
-                  <a:pt x="238" y="4915"/>
-                </a:lnTo>
-                <a:cubicBezTo>
-                  <a:pt x="191" y="4915"/>
-                  <a:pt x="159" y="4883"/>
-                  <a:pt x="159" y="4835"/>
-                </a:cubicBezTo>
-                <a:lnTo>
-                  <a:pt x="159" y="938"/>
-                </a:lnTo>
-                <a:cubicBezTo>
-                  <a:pt x="159" y="891"/>
-                  <a:pt x="191" y="859"/>
-                  <a:pt x="238" y="859"/>
-                </a:cubicBezTo>
-                <a:lnTo>
-                  <a:pt x="1161" y="859"/>
-                </a:lnTo>
-                <a:cubicBezTo>
-                  <a:pt x="1129" y="922"/>
-                  <a:pt x="1065" y="986"/>
-                  <a:pt x="986" y="1018"/>
-                </a:cubicBezTo>
-                <a:lnTo>
-                  <a:pt x="970" y="1018"/>
-                </a:lnTo>
-                <a:lnTo>
-                  <a:pt x="556" y="1018"/>
-                </a:lnTo>
-                <a:cubicBezTo>
-                  <a:pt x="429" y="1018"/>
-                  <a:pt x="318" y="1129"/>
-                  <a:pt x="318" y="1256"/>
-                </a:cubicBezTo>
-                <a:lnTo>
-                  <a:pt x="318" y="4517"/>
-                </a:lnTo>
-                <a:cubicBezTo>
-                  <a:pt x="318" y="4644"/>
-                  <a:pt x="429" y="4755"/>
-                  <a:pt x="556" y="4755"/>
-                </a:cubicBezTo>
-                <a:lnTo>
-                  <a:pt x="2879" y="4755"/>
-                </a:lnTo>
-                <a:cubicBezTo>
-                  <a:pt x="3022" y="4755"/>
-                  <a:pt x="3133" y="4644"/>
-                  <a:pt x="3133" y="4517"/>
-                </a:cubicBezTo>
-                <a:lnTo>
-                  <a:pt x="3133" y="1256"/>
-                </a:lnTo>
-                <a:cubicBezTo>
-                  <a:pt x="3133" y="1193"/>
-                  <a:pt x="3101" y="1129"/>
-                  <a:pt x="3054" y="1082"/>
-                </a:cubicBezTo>
-                <a:cubicBezTo>
-                  <a:pt x="3006" y="1034"/>
-                  <a:pt x="2958" y="1018"/>
-                  <a:pt x="2879" y="1018"/>
-                </a:cubicBezTo>
-                <a:lnTo>
-                  <a:pt x="2465" y="1018"/>
-                </a:lnTo>
-                <a:cubicBezTo>
-                  <a:pt x="2370" y="986"/>
-                  <a:pt x="2306" y="922"/>
-                  <a:pt x="2274" y="859"/>
-                </a:cubicBezTo>
-                <a:lnTo>
-                  <a:pt x="3212" y="859"/>
-                </a:lnTo>
-                <a:cubicBezTo>
-                  <a:pt x="3244" y="859"/>
-                  <a:pt x="3292" y="891"/>
-                  <a:pt x="3292" y="938"/>
-                </a:cubicBezTo>
-                <a:close/>
-                <a:moveTo>
-                  <a:pt x="1400" y="3737"/>
-                </a:moveTo>
-                <a:cubicBezTo>
-                  <a:pt x="1415" y="3754"/>
-                  <a:pt x="1431" y="3769"/>
-                  <a:pt x="1447" y="3769"/>
-                </a:cubicBezTo>
-                <a:cubicBezTo>
-                  <a:pt x="1463" y="3769"/>
-                  <a:pt x="1495" y="3754"/>
-                  <a:pt x="1510" y="3737"/>
-                </a:cubicBezTo>
-                <a:lnTo>
-                  <a:pt x="2560" y="2688"/>
-                </a:lnTo>
-                <a:cubicBezTo>
-                  <a:pt x="2592" y="2656"/>
-                  <a:pt x="2592" y="2592"/>
-                  <a:pt x="2560" y="2561"/>
-                </a:cubicBezTo>
-                <a:cubicBezTo>
-                  <a:pt x="2545" y="2545"/>
-                  <a:pt x="2481" y="2545"/>
-                  <a:pt x="2449" y="2561"/>
-                </a:cubicBezTo>
-                <a:lnTo>
-                  <a:pt x="1447" y="3579"/>
-                </a:lnTo>
-                <a:lnTo>
-                  <a:pt x="1018" y="3133"/>
-                </a:lnTo>
-                <a:cubicBezTo>
-                  <a:pt x="986" y="3101"/>
-                  <a:pt x="938" y="3101"/>
-                  <a:pt x="906" y="3133"/>
-                </a:cubicBezTo>
-                <a:cubicBezTo>
-                  <a:pt x="874" y="3165"/>
-                  <a:pt x="874" y="3228"/>
-                  <a:pt x="906" y="3245"/>
-                </a:cubicBezTo>
-                <a:close/>
-              </a:path>
-            </a:pathLst>
-          </a:custGeom>
-          <a:solidFill>
-            <a:schemeClr val="bg1"/>
-          </a:solidFill>
-          <a:ln cap="flat">
-            <a:noFill/>
-            <a:prstDash val="solid"/>
-          </a:ln>
-        </p:spPr>
-        <p:txBody>
-          <a:bodyPr vert="horz" wrap="none" lIns="90000" tIns="45000" rIns="90000" bIns="45000" rtlCol="0" anchor="ctr" anchorCtr="1" compatLnSpc="0"/>
-          <a:lstStyle/>
-          <a:p>
-            <a:pPr marL="0" marR="0" lvl="0" indent="0" rtl="0" hangingPunct="0">
-              <a:lnSpc>
-                <a:spcPct val="100000"/>
-              </a:lnSpc>
-              <a:spcBef>
-                <a:spcPts val="0"/>
-              </a:spcBef>
-              <a:spcAft>
-                <a:spcPts val="0"/>
-              </a:spcAft>
-              <a:buNone/>
-              <a:tabLst/>
-            </a:pPr>
-            <a:endParaRPr lang="it-IT" sz="1800" b="0" i="0" u="none" strike="noStrike" kern="1200" dirty="0">
-              <a:ln>
-                <a:noFill/>
-              </a:ln>
-              <a:latin typeface="Arial" pitchFamily="18"/>
-              <a:ea typeface="SimSun" pitchFamily="2"/>
-              <a:cs typeface="Lucida Sans" pitchFamily="2"/>
-            </a:endParaRPr>
-          </a:p>
-        </p:txBody>
-      </p:sp>
-      <p:pic>
-        <p:nvPicPr>
-          <p:cNvPr id="5" name="Elemento grafico 4">
-            <a:extLst>
-              <a:ext uri="{FF2B5EF4-FFF2-40B4-BE49-F238E27FC236}">
-                <a16:creationId xmlns:a16="http://schemas.microsoft.com/office/drawing/2014/main" id="{64D5B91A-48CF-4F19-A232-B23F0B085333}"/>
-              </a:ext>
-            </a:extLst>
-          </p:cNvPr>
-          <p:cNvPicPr>
-            <a:picLocks noChangeAspect="1"/>
-          </p:cNvPicPr>
-          <p:nvPr/>
-        </p:nvPicPr>
-        <p:blipFill>
-          <a:blip r:embed="rId3" cstate="print">
-            <a:extLst>
-              <a:ext uri="{28A0092B-C50C-407E-A947-70E740481C1C}">
-                <a14:useLocalDpi xmlns:a14="http://schemas.microsoft.com/office/drawing/2010/main" val="0"/>
-              </a:ext>
-              <a:ext uri="{96DAC541-7B7A-43D3-8B79-37D633B846F1}">
-                <asvg:svgBlip xmlns:asvg="http://schemas.microsoft.com/office/drawing/2016/SVG/main" r:embed="rId4"/>
-              </a:ext>
-            </a:extLst>
-          </a:blip>
-          <a:stretch>
-            <a:fillRect/>
-          </a:stretch>
-        </p:blipFill>
-        <p:spPr>
-          <a:xfrm>
-            <a:off x="207095" y="6043750"/>
-            <a:ext cx="1770209" cy="700341"/>
-          </a:xfrm>
-          <a:prstGeom prst="rect">
-            <a:avLst/>
-          </a:prstGeom>
-        </p:spPr>
-      </p:pic>
-      <p:sp>
-        <p:nvSpPr>
-          <p:cNvPr id="9" name="Connettore 8">
-            <a:extLst>
-              <a:ext uri="{FF2B5EF4-FFF2-40B4-BE49-F238E27FC236}">
-                <a16:creationId xmlns:a16="http://schemas.microsoft.com/office/drawing/2014/main" id="{A5653AB4-C957-4ED7-BC1C-A577F151A2D9}"/>
-              </a:ext>
-            </a:extLst>
-          </p:cNvPr>
-          <p:cNvSpPr/>
-          <p:nvPr/>
-        </p:nvSpPr>
-        <p:spPr>
-          <a:xfrm>
-            <a:off x="11455401" y="6273800"/>
-            <a:ext cx="512910" cy="470291"/>
-          </a:xfrm>
-          <a:prstGeom prst="flowChartConnector">
-            <a:avLst/>
-          </a:prstGeom>
-        </p:spPr>
-        <p:style>
-          <a:lnRef idx="2">
-            <a:schemeClr val="accent1">
-              <a:shade val="50000"/>
-            </a:schemeClr>
-          </a:lnRef>
-          <a:fillRef idx="1">
-            <a:schemeClr val="accent1"/>
-          </a:fillRef>
-          <a:effectRef idx="0">
-            <a:schemeClr val="accent1"/>
-          </a:effectRef>
-          <a:fontRef idx="minor">
-            <a:schemeClr val="lt1"/>
-          </a:fontRef>
-        </p:style>
-        <p:txBody>
-          <a:bodyPr rtlCol="0" anchor="ctr"/>
-          <a:lstStyle/>
-          <a:p>
-            <a:pPr algn="ctr"/>
-            <a:fld id="{3A98EE3D-8CD1-4C3F-BD1C-C98C9596463C}" type="slidenum">
-              <a:rPr lang="it-IT" sz="1200" b="1"/>
-              <a:pPr algn="ctr"/>
-              <a:t>6</a:t>
-            </a:fld>
-            <a:endParaRPr lang="it-IT" b="1" dirty="0"/>
-          </a:p>
-        </p:txBody>
-      </p:sp>
-    </p:spTree>
-    <p:extLst>
-      <p:ext uri="{BB962C8B-B14F-4D97-AF65-F5344CB8AC3E}">
-        <p14:creationId xmlns:p14="http://schemas.microsoft.com/office/powerpoint/2010/main" val="2160388275"/>
-      </p:ext>
-    </p:extLst>
-  </p:cSld>
-  <p:clrMapOvr>
-    <a:masterClrMapping/>
-  </p:clrMapOvr>
-</p:sld>
-</file>
-
-<file path=ppt/slides/slide7.xml><?xml version="1.0" encoding="utf-8"?>
-<p:sld xmlns:a="http://schemas.openxmlformats.org/drawingml/2006/main" xmlns:r="http://schemas.openxmlformats.org/officeDocument/2006/relationships" xmlns:p="http://schemas.openxmlformats.org/presentationml/2006/main">
-  <p:cSld>
-    <p:spTree>
-      <p:nvGrpSpPr>
-        <p:cNvPr id="1" name=""/>
-        <p:cNvGrpSpPr/>
-        <p:nvPr/>
-      </p:nvGrpSpPr>
-      <p:grpSpPr>
-        <a:xfrm>
-          <a:off x="0" y="0"/>
-          <a:ext cx="0" cy="0"/>
-          <a:chOff x="0" y="0"/>
-          <a:chExt cx="0" cy="0"/>
-        </a:xfrm>
-      </p:grpSpPr>
-      <p:sp>
-        <p:nvSpPr>
-          <p:cNvPr id="6" name="Titolo 5">
-            <a:extLst>
-              <a:ext uri="{FF2B5EF4-FFF2-40B4-BE49-F238E27FC236}">
-                <a16:creationId xmlns:a16="http://schemas.microsoft.com/office/drawing/2014/main" id="{17366F56-B8FF-48A0-AF71-EC4BD9531F04}"/>
-              </a:ext>
-            </a:extLst>
-          </p:cNvPr>
-          <p:cNvSpPr>
-            <a:spLocks noGrp="1"/>
-          </p:cNvSpPr>
-          <p:nvPr>
-            <p:ph type="title"/>
-          </p:nvPr>
-        </p:nvSpPr>
-        <p:spPr/>
-        <p:txBody>
-          <a:bodyPr rtlCol="0"/>
-          <a:lstStyle/>
-          <a:p>
-            <a:pPr rtl="0"/>
-            <a:r>
-              <a:rPr lang="it-IT" dirty="0"/>
-              <a:t>Persone</a:t>
-            </a:r>
-          </a:p>
-        </p:txBody>
-      </p:sp>
-      <p:sp>
-        <p:nvSpPr>
-          <p:cNvPr id="7" name="Segnaposto contenuto 6">
-            <a:extLst>
-              <a:ext uri="{FF2B5EF4-FFF2-40B4-BE49-F238E27FC236}">
-                <a16:creationId xmlns:a16="http://schemas.microsoft.com/office/drawing/2014/main" id="{F74FED9E-E7B7-481E-8BD9-53BE272F02F0}"/>
-              </a:ext>
-            </a:extLst>
-          </p:cNvPr>
-          <p:cNvSpPr>
-            <a:spLocks noGrp="1"/>
-          </p:cNvSpPr>
-          <p:nvPr>
-            <p:ph idx="1"/>
-          </p:nvPr>
-        </p:nvSpPr>
-        <p:spPr/>
-        <p:txBody>
-          <a:bodyPr rtlCol="0"/>
-          <a:lstStyle/>
-          <a:p>
-            <a:pPr rtl="0"/>
-            <a:r>
-              <a:rPr lang="it-IT" dirty="0"/>
-              <a:t>Team esecutivo</a:t>
-            </a:r>
-          </a:p>
-          <a:p>
-            <a:pPr rtl="0"/>
-            <a:r>
-              <a:rPr lang="it-IT" dirty="0"/>
-              <a:t>Nuovi dipendenti</a:t>
-            </a:r>
-          </a:p>
-          <a:p>
-            <a:pPr rtl="0"/>
-            <a:r>
-              <a:rPr lang="it-IT" dirty="0"/>
-              <a:t>Anniversari</a:t>
-            </a:r>
-          </a:p>
-        </p:txBody>
-      </p:sp>
-      <p:sp>
-        <p:nvSpPr>
-          <p:cNvPr id="5" name="Rettangolo 4" descr="Utenti">
-            <a:extLst>
-              <a:ext uri="{FF2B5EF4-FFF2-40B4-BE49-F238E27FC236}">
-                <a16:creationId xmlns:a16="http://schemas.microsoft.com/office/drawing/2014/main" id="{C123C14A-AC1C-49E6-84C6-5EC75804E103}"/>
-              </a:ext>
-            </a:extLst>
-          </p:cNvPr>
-          <p:cNvSpPr/>
-          <p:nvPr/>
-        </p:nvSpPr>
-        <p:spPr>
-          <a:xfrm>
-            <a:off x="4511716" y="2417888"/>
-            <a:ext cx="1043437" cy="1043437"/>
-          </a:xfrm>
-          <a:prstGeom prst="rect">
-            <a:avLst/>
-          </a:prstGeom>
-          <a:blipFill>
-            <a:blip r:embed="rId3">
-              <a:extLst>
-                <a:ext uri="{28A0092B-C50C-407E-A947-70E740481C1C}">
-                  <a14:useLocalDpi xmlns:a14="http://schemas.microsoft.com/office/drawing/2010/main" val="0"/>
-                </a:ext>
-                <a:ext uri="{96DAC541-7B7A-43D3-8B79-37D633B846F1}">
-                  <asvg:svgBlip xmlns:asvg="http://schemas.microsoft.com/office/drawing/2016/SVG/main" r:embed="rId4"/>
-                </a:ext>
-              </a:extLst>
-            </a:blip>
-            <a:stretch>
-              <a:fillRect/>
-            </a:stretch>
-          </a:blipFill>
-          <a:ln>
-            <a:noFill/>
-          </a:ln>
-        </p:spPr>
-        <p:style>
-          <a:lnRef idx="2">
-            <a:scrgbClr r="0" g="0" b="0"/>
-          </a:lnRef>
-          <a:fillRef idx="1">
-            <a:scrgbClr r="0" g="0" b="0"/>
-          </a:fillRef>
-          <a:effectRef idx="0">
-            <a:schemeClr val="bg1">
-              <a:hueOff val="0"/>
-              <a:satOff val="0"/>
-              <a:lumOff val="0"/>
-              <a:alphaOff val="0"/>
-            </a:schemeClr>
-          </a:effectRef>
-          <a:fontRef idx="minor">
-            <a:schemeClr val="dk1">
-              <a:hueOff val="0"/>
-              <a:satOff val="0"/>
-              <a:lumOff val="0"/>
-              <a:alphaOff val="0"/>
-            </a:schemeClr>
-          </a:fontRef>
-        </p:style>
-      </p:sp>
-      <p:pic>
-        <p:nvPicPr>
-          <p:cNvPr id="8" name="Elemento grafico 7">
-            <a:extLst>
-              <a:ext uri="{FF2B5EF4-FFF2-40B4-BE49-F238E27FC236}">
-                <a16:creationId xmlns:a16="http://schemas.microsoft.com/office/drawing/2014/main" id="{BC8F3650-8745-4733-87F1-B77C8B19ECF7}"/>
-              </a:ext>
-            </a:extLst>
-          </p:cNvPr>
-          <p:cNvPicPr>
-            <a:picLocks noChangeAspect="1"/>
-          </p:cNvPicPr>
-          <p:nvPr/>
-        </p:nvPicPr>
-        <p:blipFill>
-          <a:blip r:embed="rId5" cstate="print">
-            <a:extLst>
-              <a:ext uri="{28A0092B-C50C-407E-A947-70E740481C1C}">
-                <a14:useLocalDpi xmlns:a14="http://schemas.microsoft.com/office/drawing/2010/main" val="0"/>
-              </a:ext>
-              <a:ext uri="{96DAC541-7B7A-43D3-8B79-37D633B846F1}">
-                <asvg:svgBlip xmlns:asvg="http://schemas.microsoft.com/office/drawing/2016/SVG/main" r:embed="rId6"/>
-              </a:ext>
-            </a:extLst>
-          </a:blip>
-          <a:stretch>
-            <a:fillRect/>
-          </a:stretch>
-        </p:blipFill>
-        <p:spPr>
-          <a:xfrm>
-            <a:off x="207095" y="6043750"/>
-            <a:ext cx="1770209" cy="700341"/>
-          </a:xfrm>
-          <a:prstGeom prst="rect">
-            <a:avLst/>
-          </a:prstGeom>
-        </p:spPr>
-      </p:pic>
-      <p:sp>
-        <p:nvSpPr>
-          <p:cNvPr id="9" name="Connettore 8">
-            <a:extLst>
-              <a:ext uri="{FF2B5EF4-FFF2-40B4-BE49-F238E27FC236}">
-                <a16:creationId xmlns:a16="http://schemas.microsoft.com/office/drawing/2014/main" id="{B635B5BA-CD1A-4F46-8D5E-CB72E54FE7E7}"/>
-              </a:ext>
-            </a:extLst>
-          </p:cNvPr>
-          <p:cNvSpPr/>
-          <p:nvPr/>
-        </p:nvSpPr>
-        <p:spPr>
-          <a:xfrm>
-            <a:off x="11455401" y="6273800"/>
-            <a:ext cx="512910" cy="470291"/>
-          </a:xfrm>
-          <a:prstGeom prst="flowChartConnector">
-            <a:avLst/>
-          </a:prstGeom>
-        </p:spPr>
-        <p:style>
-          <a:lnRef idx="2">
-            <a:schemeClr val="accent1">
-              <a:shade val="50000"/>
-            </a:schemeClr>
-          </a:lnRef>
-          <a:fillRef idx="1">
-            <a:schemeClr val="accent1"/>
-          </a:fillRef>
-          <a:effectRef idx="0">
-            <a:schemeClr val="accent1"/>
-          </a:effectRef>
-          <a:fontRef idx="minor">
-            <a:schemeClr val="lt1"/>
-          </a:fontRef>
-        </p:style>
-        <p:txBody>
-          <a:bodyPr rtlCol="0" anchor="ctr"/>
-          <a:lstStyle/>
-          <a:p>
-            <a:pPr algn="ctr"/>
-            <a:fld id="{3A98EE3D-8CD1-4C3F-BD1C-C98C9596463C}" type="slidenum">
-              <a:rPr lang="it-IT" sz="1200" b="1"/>
-              <a:pPr algn="ctr"/>
-              <a:t>7</a:t>
-            </a:fld>
-            <a:endParaRPr lang="it-IT" b="1" dirty="0"/>
-          </a:p>
-        </p:txBody>
-      </p:sp>
-    </p:spTree>
-    <p:extLst>
-      <p:ext uri="{BB962C8B-B14F-4D97-AF65-F5344CB8AC3E}">
-        <p14:creationId xmlns:p14="http://schemas.microsoft.com/office/powerpoint/2010/main" val="2822882111"/>
-      </p:ext>
-    </p:extLst>
-  </p:cSld>
-  <p:clrMapOvr>
-    <a:masterClrMapping/>
-  </p:clrMapOvr>
-</p:sld>
-</file>
-
-<file path=ppt/slides/slide8.xml><?xml version="1.0" encoding="utf-8"?>
-<p:sld xmlns:a="http://schemas.openxmlformats.org/drawingml/2006/main" xmlns:r="http://schemas.openxmlformats.org/officeDocument/2006/relationships" xmlns:p="http://schemas.openxmlformats.org/presentationml/2006/main">
-  <p:cSld>
-    <p:spTree>
-      <p:nvGrpSpPr>
-        <p:cNvPr id="1" name=""/>
-        <p:cNvGrpSpPr/>
-        <p:nvPr/>
-      </p:nvGrpSpPr>
-      <p:grpSpPr>
-        <a:xfrm>
-          <a:off x="0" y="0"/>
-          <a:ext cx="0" cy="0"/>
-          <a:chOff x="0" y="0"/>
-          <a:chExt cx="0" cy="0"/>
-        </a:xfrm>
-      </p:grpSpPr>
-      <p:pic>
-        <p:nvPicPr>
-          <p:cNvPr id="11" name="Segnaposto immagine 10" descr="Immagine con ambienti interni. Persona che firma documenti&#10;">
-            <a:extLst>
-              <a:ext uri="{FF2B5EF4-FFF2-40B4-BE49-F238E27FC236}">
-                <a16:creationId xmlns:a16="http://schemas.microsoft.com/office/drawing/2014/main" id="{A7C45DDD-A694-4705-892B-497F786E9683}"/>
-              </a:ext>
-            </a:extLst>
-          </p:cNvPr>
-          <p:cNvPicPr>
-            <a:picLocks noGrp="1" noChangeAspect="1"/>
-          </p:cNvPicPr>
-          <p:nvPr>
-            <p:ph type="pic" idx="1"/>
-          </p:nvPr>
-        </p:nvPicPr>
-        <p:blipFill>
-          <a:blip r:embed="rId3" cstate="print">
-            <a:grayscl/>
-            <a:extLst>
-              <a:ext uri="{28A0092B-C50C-407E-A947-70E740481C1C}">
-                <a14:useLocalDpi xmlns:a14="http://schemas.microsoft.com/office/drawing/2010/main" val="0"/>
-              </a:ext>
-            </a:extLst>
-          </a:blip>
-          <a:srcRect/>
-          <a:stretch>
-            <a:fillRect/>
-          </a:stretch>
-        </p:blipFill>
-        <p:spPr/>
-      </p:pic>
-      <p:sp>
-        <p:nvSpPr>
-          <p:cNvPr id="7" name="Titolo 6">
-            <a:extLst>
-              <a:ext uri="{FF2B5EF4-FFF2-40B4-BE49-F238E27FC236}">
-                <a16:creationId xmlns:a16="http://schemas.microsoft.com/office/drawing/2014/main" id="{E444079D-629C-4C44-8DB6-B4B5E7C54015}"/>
-              </a:ext>
-            </a:extLst>
-          </p:cNvPr>
-          <p:cNvSpPr>
-            <a:spLocks noGrp="1"/>
-          </p:cNvSpPr>
-          <p:nvPr>
-            <p:ph type="title"/>
-          </p:nvPr>
-        </p:nvSpPr>
-        <p:spPr/>
-        <p:txBody>
-          <a:bodyPr rtlCol="0"/>
-          <a:lstStyle/>
-          <a:p>
-            <a:pPr rtl="0"/>
-            <a:r>
-              <a:rPr lang="it-IT" dirty="0"/>
-              <a:t>Conclusione</a:t>
-            </a:r>
-          </a:p>
-        </p:txBody>
-      </p:sp>
-      <p:pic>
-        <p:nvPicPr>
-          <p:cNvPr id="4" name="Elemento grafico 3">
-            <a:extLst>
-              <a:ext uri="{FF2B5EF4-FFF2-40B4-BE49-F238E27FC236}">
-                <a16:creationId xmlns:a16="http://schemas.microsoft.com/office/drawing/2014/main" id="{4E632E39-706D-4A38-9695-817394D0F6CF}"/>
-              </a:ext>
-            </a:extLst>
-          </p:cNvPr>
-          <p:cNvPicPr>
-            <a:picLocks noChangeAspect="1"/>
-          </p:cNvPicPr>
-          <p:nvPr/>
-        </p:nvPicPr>
-        <p:blipFill>
-          <a:blip r:embed="rId4" cstate="print">
-            <a:extLst>
-              <a:ext uri="{28A0092B-C50C-407E-A947-70E740481C1C}">
-                <a14:useLocalDpi xmlns:a14="http://schemas.microsoft.com/office/drawing/2010/main" val="0"/>
-              </a:ext>
-              <a:ext uri="{96DAC541-7B7A-43D3-8B79-37D633B846F1}">
-                <asvg:svgBlip xmlns:asvg="http://schemas.microsoft.com/office/drawing/2016/SVG/main" r:embed="rId5"/>
-              </a:ext>
-            </a:extLst>
-          </a:blip>
-          <a:stretch>
-            <a:fillRect/>
-          </a:stretch>
-        </p:blipFill>
-        <p:spPr>
-          <a:xfrm>
-            <a:off x="5210895" y="5764056"/>
-            <a:ext cx="1770209" cy="700341"/>
-          </a:xfrm>
-          <a:prstGeom prst="rect">
-            <a:avLst/>
-          </a:prstGeom>
-        </p:spPr>
-      </p:pic>
-    </p:spTree>
-    <p:extLst>
-      <p:ext uri="{BB962C8B-B14F-4D97-AF65-F5344CB8AC3E}">
-        <p14:creationId xmlns:p14="http://schemas.microsoft.com/office/powerpoint/2010/main" val="1664008586"/>
-      </p:ext>
-    </p:extLst>
-  </p:cSld>
-  <p:clrMapOvr>
-    <a:masterClrMapping/>
-  </p:clrMapOvr>
-</p:sld>
-</file>
-
-<file path=ppt/slides/slide9.xml><?xml version="1.0" encoding="utf-8"?>
-<p:sld xmlns:a="http://schemas.openxmlformats.org/drawingml/2006/main" xmlns:r="http://schemas.openxmlformats.org/officeDocument/2006/relationships" xmlns:p="http://schemas.openxmlformats.org/presentationml/2006/main">
-  <p:cSld>
-    <p:bg>
-      <p:bgPr>
-        <a:solidFill>
-          <a:schemeClr val="bg1"/>
-        </a:solidFill>
-        <a:effectLst/>
-      </p:bgPr>
-    </p:bg>
-    <p:spTree>
-      <p:nvGrpSpPr>
-        <p:cNvPr id="1" name=""/>
-        <p:cNvGrpSpPr/>
-        <p:nvPr/>
-      </p:nvGrpSpPr>
-      <p:grpSpPr>
-        <a:xfrm>
-          <a:off x="0" y="0"/>
-          <a:ext cx="0" cy="0"/>
-          <a:chOff x="0" y="0"/>
-          <a:chExt cx="0" cy="0"/>
-        </a:xfrm>
-      </p:grpSpPr>
-      <p:sp>
-        <p:nvSpPr>
-          <p:cNvPr id="13" name="Rettangolo 12">
-            <a:extLst>
-              <a:ext uri="{FF2B5EF4-FFF2-40B4-BE49-F238E27FC236}">
-                <a16:creationId xmlns:a16="http://schemas.microsoft.com/office/drawing/2014/main" id="{39E3965E-AC41-4711-9D10-E25ABB132D86}"/>
-              </a:ext>
-              <a:ext uri="{C183D7F6-B498-43B3-948B-1728B52AA6E4}">
-                <adec:decorative xmlns:adec="http://schemas.microsoft.com/office/drawing/2017/decorative" val="1"/>
-              </a:ext>
-            </a:extLst>
-          </p:cNvPr>
-          <p:cNvSpPr>
-            <a:spLocks noGrp="1" noRot="1" noChangeAspect="1" noMove="1" noResize="1" noEditPoints="1" noAdjustHandles="1" noChangeArrowheads="1" noChangeShapeType="1" noTextEdit="1"/>
-          </p:cNvSpPr>
-          <p:nvPr>
-            <p:extLst>
-              <p:ext uri="{386F3935-93C4-4BCD-93E2-E3B085C9AB24}">
-                <p16:designElem xmlns:p16="http://schemas.microsoft.com/office/powerpoint/2015/main" val="1"/>
-              </p:ext>
-            </p:extLst>
-          </p:nvPr>
-        </p:nvSpPr>
-        <p:spPr>
-          <a:xfrm>
-            <a:off x="3175" y="6400800"/>
-            <a:ext cx="12188825" cy="457200"/>
-          </a:xfrm>
-          <a:prstGeom prst="rect">
-            <a:avLst/>
-          </a:prstGeom>
-          <a:solidFill>
-            <a:srgbClr val="262626"/>
-          </a:solidFill>
-          <a:ln>
-            <a:noFill/>
-          </a:ln>
-        </p:spPr>
-        <p:style>
-          <a:lnRef idx="2">
-            <a:schemeClr val="accent1">
-              <a:shade val="50000"/>
-            </a:schemeClr>
-          </a:lnRef>
-          <a:fillRef idx="1">
-            <a:schemeClr val="accent1"/>
-          </a:fillRef>
-          <a:effectRef idx="0">
-            <a:schemeClr val="accent1"/>
-          </a:effectRef>
-          <a:fontRef idx="minor">
-            <a:schemeClr val="lt1"/>
-          </a:fontRef>
-        </p:style>
-      </p:sp>
-      <p:cxnSp>
-        <p:nvCxnSpPr>
-          <p:cNvPr id="15" name="Connettore diritto 14">
-            <a:extLst>
-              <a:ext uri="{FF2B5EF4-FFF2-40B4-BE49-F238E27FC236}">
-                <a16:creationId xmlns:a16="http://schemas.microsoft.com/office/drawing/2014/main" id="{1F5DC8C3-BA5F-4EED-BB9A-A14272BD82A1}"/>
-              </a:ext>
-              <a:ext uri="{C183D7F6-B498-43B3-948B-1728B52AA6E4}">
-                <adec:decorative xmlns:adec="http://schemas.microsoft.com/office/drawing/2017/decorative" val="1"/>
-              </a:ext>
-            </a:extLst>
-          </p:cNvPr>
-          <p:cNvCxnSpPr>
-            <a:cxnSpLocks noGrp="1" noRot="1" noChangeAspect="1" noMove="1" noResize="1" noEditPoints="1" noAdjustHandles="1" noChangeArrowheads="1" noChangeShapeType="1"/>
-          </p:cNvCxnSpPr>
-          <p:nvPr>
-            <p:extLst>
-              <p:ext uri="{386F3935-93C4-4BCD-93E2-E3B085C9AB24}">
-                <p16:designElem xmlns:p16="http://schemas.microsoft.com/office/powerpoint/2015/main" val="1"/>
-              </p:ext>
-            </p:extLst>
-          </p:nvPr>
-        </p:nvCxnSpPr>
-        <p:spPr>
-          <a:xfrm>
-            <a:off x="1207658" y="4474741"/>
-            <a:ext cx="9875520" cy="0"/>
-          </a:xfrm>
-          <a:prstGeom prst="line">
-            <a:avLst/>
-          </a:prstGeom>
-          <a:ln w="12700">
-            <a:solidFill>
-              <a:schemeClr val="tx1">
-                <a:lumMod val="75000"/>
-                <a:lumOff val="25000"/>
-              </a:schemeClr>
-            </a:solidFill>
-          </a:ln>
-        </p:spPr>
-        <p:style>
-          <a:lnRef idx="1">
-            <a:schemeClr val="accent1"/>
-          </a:lnRef>
-          <a:fillRef idx="0">
-            <a:schemeClr val="accent1"/>
-          </a:fillRef>
-          <a:effectRef idx="0">
-            <a:schemeClr val="accent1"/>
-          </a:effectRef>
-          <a:fontRef idx="minor">
-            <a:schemeClr val="tx1"/>
-          </a:fontRef>
-        </p:style>
-      </p:cxnSp>
-      <p:sp>
-        <p:nvSpPr>
-          <p:cNvPr id="17" name="Rettangolo 16">
-            <a:extLst>
-              <a:ext uri="{FF2B5EF4-FFF2-40B4-BE49-F238E27FC236}">
-                <a16:creationId xmlns:a16="http://schemas.microsoft.com/office/drawing/2014/main" id="{FBDCECDC-EEE3-4128-AA5E-82A8C08796E8}"/>
-              </a:ext>
-              <a:ext uri="{C183D7F6-B498-43B3-948B-1728B52AA6E4}">
-                <adec:decorative xmlns:adec="http://schemas.microsoft.com/office/drawing/2017/decorative" val="1"/>
-              </a:ext>
-            </a:extLst>
-          </p:cNvPr>
-          <p:cNvSpPr>
-            <a:spLocks noGrp="1" noRot="1" noChangeAspect="1" noMove="1" noResize="1" noEditPoints="1" noAdjustHandles="1" noChangeArrowheads="1" noChangeShapeType="1" noTextEdit="1"/>
-          </p:cNvSpPr>
-          <p:nvPr>
-            <p:extLst>
-              <p:ext uri="{386F3935-93C4-4BCD-93E2-E3B085C9AB24}">
-                <p16:designElem xmlns:p16="http://schemas.microsoft.com/office/powerpoint/2015/main" val="1"/>
-              </p:ext>
-            </p:extLst>
-          </p:nvPr>
-        </p:nvSpPr>
-        <p:spPr>
-          <a:xfrm>
-            <a:off x="1507" y="0"/>
-            <a:ext cx="12192000" cy="6858000"/>
-          </a:xfrm>
-          <a:prstGeom prst="rect">
-            <a:avLst/>
-          </a:prstGeom>
-          <a:solidFill>
-            <a:schemeClr val="accent1"/>
-          </a:solidFill>
-          <a:ln>
-            <a:noFill/>
-          </a:ln>
-        </p:spPr>
-        <p:style>
-          <a:lnRef idx="2">
-            <a:schemeClr val="accent1">
-              <a:shade val="50000"/>
-            </a:schemeClr>
-          </a:lnRef>
-          <a:fillRef idx="1">
-            <a:schemeClr val="accent1"/>
-          </a:fillRef>
-          <a:effectRef idx="0">
-            <a:schemeClr val="accent1"/>
-          </a:effectRef>
-          <a:fontRef idx="minor">
-            <a:schemeClr val="lt1"/>
-          </a:fontRef>
-        </p:style>
-        <p:txBody>
-          <a:bodyPr rtlCol="0" anchor="ctr"/>
-          <a:lstStyle/>
-          <a:p>
-            <a:pPr algn="ctr" rtl="0"/>
-            <a:endParaRPr lang="it-IT" dirty="0"/>
-          </a:p>
-        </p:txBody>
-      </p:sp>
-      <p:sp>
-        <p:nvSpPr>
-          <p:cNvPr id="7" name="Titolo 6">
-            <a:extLst>
-              <a:ext uri="{FF2B5EF4-FFF2-40B4-BE49-F238E27FC236}">
-                <a16:creationId xmlns:a16="http://schemas.microsoft.com/office/drawing/2014/main" id="{5365BF64-4B30-4125-9A30-A1B08C80ED7D}"/>
-              </a:ext>
-            </a:extLst>
-          </p:cNvPr>
-          <p:cNvSpPr>
-            <a:spLocks noGrp="1"/>
-          </p:cNvSpPr>
-          <p:nvPr>
-            <p:ph type="title"/>
-          </p:nvPr>
-        </p:nvSpPr>
-        <p:spPr>
-          <a:xfrm>
-            <a:off x="1097280" y="758952"/>
-            <a:ext cx="10058400" cy="3892168"/>
-          </a:xfrm>
-        </p:spPr>
-        <p:txBody>
-          <a:bodyPr vert="horz" lIns="91440" tIns="45720" rIns="91440" bIns="45720" rtlCol="0" anchor="b">
-            <a:normAutofit/>
-          </a:bodyPr>
-          <a:lstStyle/>
-          <a:p>
-            <a:pPr rtl="0"/>
-            <a:r>
-              <a:rPr lang="it-IT" sz="9600" dirty="0">
-                <a:solidFill>
-                  <a:srgbClr val="FFFFFF"/>
-                </a:solidFill>
-                <a:latin typeface="+mj-lt"/>
-              </a:rPr>
-              <a:t>Ringraziamenti</a:t>
-            </a:r>
-          </a:p>
-        </p:txBody>
-      </p:sp>
-      <p:sp>
-        <p:nvSpPr>
-          <p:cNvPr id="19" name="Rettangolo 18">
-            <a:extLst>
-              <a:ext uri="{FF2B5EF4-FFF2-40B4-BE49-F238E27FC236}">
-                <a16:creationId xmlns:a16="http://schemas.microsoft.com/office/drawing/2014/main" id="{4260EDE0-989C-4E16-AF94-F652294D828E}"/>
-              </a:ext>
-              <a:ext uri="{C183D7F6-B498-43B3-948B-1728B52AA6E4}">
-                <adec:decorative xmlns:adec="http://schemas.microsoft.com/office/drawing/2017/decorative" val="1"/>
-              </a:ext>
-            </a:extLst>
-          </p:cNvPr>
-          <p:cNvSpPr>
-            <a:spLocks noGrp="1" noRot="1" noChangeAspect="1" noMove="1" noResize="1" noEditPoints="1" noAdjustHandles="1" noChangeArrowheads="1" noChangeShapeType="1" noTextEdit="1"/>
-          </p:cNvSpPr>
-          <p:nvPr>
-            <p:extLst>
-              <p:ext uri="{386F3935-93C4-4BCD-93E2-E3B085C9AB24}">
-                <p16:designElem xmlns:p16="http://schemas.microsoft.com/office/powerpoint/2015/main" val="1"/>
-              </p:ext>
-            </p:extLst>
-          </p:nvPr>
-        </p:nvSpPr>
-        <p:spPr bwMode="white">
-          <a:xfrm>
-            <a:off x="1507" y="4953000"/>
-            <a:ext cx="12188952" cy="1905000"/>
-          </a:xfrm>
-          <a:prstGeom prst="rect">
-            <a:avLst/>
-          </a:prstGeom>
-          <a:solidFill>
-            <a:srgbClr val="262626"/>
-          </a:solidFill>
-          <a:ln>
-            <a:noFill/>
-          </a:ln>
-        </p:spPr>
-        <p:style>
-          <a:lnRef idx="2">
-            <a:schemeClr val="accent1">
-              <a:shade val="50000"/>
-            </a:schemeClr>
-          </a:lnRef>
-          <a:fillRef idx="1">
-            <a:schemeClr val="accent1"/>
-          </a:fillRef>
-          <a:effectRef idx="0">
-            <a:schemeClr val="accent1"/>
-          </a:effectRef>
-          <a:fontRef idx="minor">
-            <a:schemeClr val="lt1"/>
-          </a:fontRef>
-        </p:style>
-      </p:sp>
-      <p:sp>
-        <p:nvSpPr>
-          <p:cNvPr id="8" name="Segnaposto contenuto 7">
-            <a:extLst>
-              <a:ext uri="{FF2B5EF4-FFF2-40B4-BE49-F238E27FC236}">
-                <a16:creationId xmlns:a16="http://schemas.microsoft.com/office/drawing/2014/main" id="{D4305886-8ACA-4ED6-AA5B-215F6D741CF0}"/>
-              </a:ext>
-            </a:extLst>
-          </p:cNvPr>
-          <p:cNvSpPr>
-            <a:spLocks noGrp="1"/>
-          </p:cNvSpPr>
-          <p:nvPr>
-            <p:ph idx="1"/>
-          </p:nvPr>
-        </p:nvSpPr>
-        <p:spPr>
-          <a:xfrm>
-            <a:off x="1100051" y="5225240"/>
-            <a:ext cx="10058400" cy="1143000"/>
-          </a:xfrm>
-        </p:spPr>
-        <p:txBody>
-          <a:bodyPr vert="horz" lIns="91440" tIns="45720" rIns="91440" bIns="45720" rtlCol="0">
-            <a:normAutofit/>
-          </a:bodyPr>
-          <a:lstStyle/>
-          <a:p>
-            <a:pPr marL="0" indent="0" rtl="0">
-              <a:buNone/>
-            </a:pPr>
-            <a:r>
-              <a:rPr lang="it-IT" sz="2400" cap="all" spc="200" dirty="0">
-                <a:solidFill>
-                  <a:srgbClr val="FFFFFF"/>
-                </a:solidFill>
-              </a:rPr>
-              <a:t>Domande?</a:t>
-            </a:r>
-          </a:p>
-        </p:txBody>
-      </p:sp>
-      <p:pic>
-        <p:nvPicPr>
-          <p:cNvPr id="9" name="Elemento grafico 8">
-            <a:extLst>
-              <a:ext uri="{FF2B5EF4-FFF2-40B4-BE49-F238E27FC236}">
-                <a16:creationId xmlns:a16="http://schemas.microsoft.com/office/drawing/2014/main" id="{3E65CF70-BBD9-4DD4-B59D-D2657A0E613F}"/>
-              </a:ext>
-            </a:extLst>
-          </p:cNvPr>
-          <p:cNvPicPr>
-            <a:picLocks noChangeAspect="1"/>
-          </p:cNvPicPr>
-          <p:nvPr/>
-        </p:nvPicPr>
-        <p:blipFill>
-          <a:blip r:embed="rId3" cstate="print">
-            <a:extLst>
-              <a:ext uri="{28A0092B-C50C-407E-A947-70E740481C1C}">
-                <a14:useLocalDpi xmlns:a14="http://schemas.microsoft.com/office/drawing/2010/main" val="0"/>
-              </a:ext>
-              <a:ext uri="{96DAC541-7B7A-43D3-8B79-37D633B846F1}">
-                <asvg:svgBlip xmlns:asvg="http://schemas.microsoft.com/office/drawing/2016/SVG/main" r:embed="rId4"/>
-              </a:ext>
-            </a:extLst>
-          </a:blip>
-          <a:stretch>
-            <a:fillRect/>
-          </a:stretch>
-        </p:blipFill>
-        <p:spPr>
-          <a:xfrm>
-            <a:off x="5210895" y="5764056"/>
-            <a:ext cx="1770209" cy="700341"/>
-          </a:xfrm>
-          <a:prstGeom prst="rect">
-            <a:avLst/>
-          </a:prstGeom>
-        </p:spPr>
-      </p:pic>
-    </p:spTree>
-    <p:extLst>
-      <p:ext uri="{BB962C8B-B14F-4D97-AF65-F5344CB8AC3E}">
-        <p14:creationId xmlns:p14="http://schemas.microsoft.com/office/powerpoint/2010/main" val="4127971368"/>
       </p:ext>
     </p:extLst>
   </p:cSld>
@@ -14255,15 +16406,6 @@
 </file>
 
 <file path=customXml/item1.xml><?xml version="1.0" encoding="utf-8"?>
-<?mso-contentType ?>
-<FormTemplates xmlns="http://schemas.microsoft.com/sharepoint/v3/contenttype/forms">
-  <Display>DocumentLibraryForm</Display>
-  <Edit>DocumentLibraryForm</Edit>
-  <New>DocumentLibraryForm</New>
-</FormTemplates>
-</file>
-
-<file path=customXml/item2.xml><?xml version="1.0" encoding="utf-8"?>
 <ct:contentTypeSchema xmlns:ct="http://schemas.microsoft.com/office/2006/metadata/contentType" xmlns:ma="http://schemas.microsoft.com/office/2006/metadata/properties/metaAttributes" ct:_="" ma:_="" ma:contentTypeName="Document" ma:contentTypeID="0x01010079F111ED35F8CC479449609E8A0923A6" ma:contentTypeVersion="12" ma:contentTypeDescription="Create a new document." ma:contentTypeScope="" ma:versionID="fa6e671f1cd7e4d96ff9652be322dd5e">
   <xsd:schema xmlns:xsd="http://www.w3.org/2001/XMLSchema" xmlns:xs="http://www.w3.org/2001/XMLSchema" xmlns:p="http://schemas.microsoft.com/office/2006/metadata/properties" xmlns:ns2="71af3243-3dd4-4a8d-8c0d-dd76da1f02a5" xmlns:ns3="16c05727-aa75-4e4a-9b5f-8a80a1165891" targetNamespace="http://schemas.microsoft.com/office/2006/metadata/properties" ma:root="true" ma:fieldsID="4e2496f70b101db0b8013f30a071bbf7" ns2:_="" ns3:_="">
     <xsd:import namespace="71af3243-3dd4-4a8d-8c0d-dd76da1f02a5"/>
@@ -14484,6 +16626,15 @@
 </ct:contentTypeSchema>
 </file>
 
+<file path=customXml/item2.xml><?xml version="1.0" encoding="utf-8"?>
+<?mso-contentType ?>
+<FormTemplates xmlns="http://schemas.microsoft.com/sharepoint/v3/contenttype/forms">
+  <Display>DocumentLibraryForm</Display>
+  <Edit>DocumentLibraryForm</Edit>
+  <New>DocumentLibraryForm</New>
+</FormTemplates>
+</file>
+
 <file path=customXml/item3.xml><?xml version="1.0" encoding="utf-8"?>
 <p:properties xmlns:p="http://schemas.microsoft.com/office/2006/metadata/properties" xmlns:xsi="http://www.w3.org/2001/XMLSchema-instance" xmlns:pc="http://schemas.microsoft.com/office/infopath/2007/PartnerControls">
   <documentManagement>
@@ -14494,14 +16645,6 @@
 </file>
 
 <file path=customXml/itemProps1.xml><?xml version="1.0" encoding="utf-8"?>
-<ds:datastoreItem xmlns:ds="http://schemas.openxmlformats.org/officeDocument/2006/customXml" ds:itemID="{7E0A2CB4-6869-426F-8BC4-A32C90CBE263}">
-  <ds:schemaRefs>
-    <ds:schemaRef ds:uri="http://schemas.microsoft.com/sharepoint/v3/contenttype/forms"/>
-  </ds:schemaRefs>
-</ds:datastoreItem>
-</file>
-
-<file path=customXml/itemProps2.xml><?xml version="1.0" encoding="utf-8"?>
 <ds:datastoreItem xmlns:ds="http://schemas.openxmlformats.org/officeDocument/2006/customXml" ds:itemID="{A941CA7C-A0BF-44EF-B2E5-7539C3B9B0B6}">
   <ds:schemaRefs>
     <ds:schemaRef ds:uri="http://schemas.microsoft.com/office/2006/metadata/contentType"/>
@@ -14520,6 +16663,14 @@
 </ds:datastoreItem>
 </file>
 
+<file path=customXml/itemProps2.xml><?xml version="1.0" encoding="utf-8"?>
+<ds:datastoreItem xmlns:ds="http://schemas.openxmlformats.org/officeDocument/2006/customXml" ds:itemID="{7E0A2CB4-6869-426F-8BC4-A32C90CBE263}">
+  <ds:schemaRefs>
+    <ds:schemaRef ds:uri="http://schemas.microsoft.com/sharepoint/v3/contenttype/forms"/>
+  </ds:schemaRefs>
+</ds:datastoreItem>
+</file>
+
 <file path=customXml/itemProps3.xml><?xml version="1.0" encoding="utf-8"?>
 <ds:datastoreItem xmlns:ds="http://schemas.openxmlformats.org/officeDocument/2006/customXml" ds:itemID="{A4E879E6-8FFE-4154-8F2A-F7518B89B376}">
   <ds:schemaRefs>

--- a/presentazione.pptx
+++ b/presentazione.pptx
@@ -5,10 +5,10 @@
     <p:sldMasterId id="2147483717" r:id="rId4"/>
   </p:sldMasterIdLst>
   <p:notesMasterIdLst>
-    <p:notesMasterId r:id="rId18"/>
+    <p:notesMasterId r:id="rId16"/>
   </p:notesMasterIdLst>
   <p:handoutMasterIdLst>
-    <p:handoutMasterId r:id="rId19"/>
+    <p:handoutMasterId r:id="rId17"/>
   </p:handoutMasterIdLst>
   <p:sldIdLst>
     <p:sldId id="258" r:id="rId5"/>
@@ -18,12 +18,10 @@
     <p:sldId id="291" r:id="rId9"/>
     <p:sldId id="292" r:id="rId10"/>
     <p:sldId id="293" r:id="rId11"/>
-    <p:sldId id="294" r:id="rId12"/>
-    <p:sldId id="261" r:id="rId13"/>
-    <p:sldId id="272" r:id="rId14"/>
-    <p:sldId id="276" r:id="rId15"/>
-    <p:sldId id="280" r:id="rId16"/>
-    <p:sldId id="290" r:id="rId17"/>
+    <p:sldId id="295" r:id="rId12"/>
+    <p:sldId id="296" r:id="rId13"/>
+    <p:sldId id="294" r:id="rId14"/>
+    <p:sldId id="280" r:id="rId15"/>
   </p:sldIdLst>
   <p:sldSz cx="12192000" cy="6858000"/>
   <p:notesSz cx="6858000" cy="9144000"/>
@@ -229,7 +227,7 @@
             <a:pPr rtl="0"/>
             <a:fld id="{36FC0A7B-6666-4F41-AD03-C74B76B10001}" type="datetime1">
               <a:rPr lang="it-IT" smtClean="0"/>
-              <a:t>09/03/2022</a:t>
+              <a:t>14/03/2022</a:t>
             </a:fld>
             <a:endParaRPr lang="it-IT" dirty="0"/>
           </a:p>
@@ -410,7 +408,7 @@
             <a:fld id="{110E367B-2E0B-461C-8280-86016408BD7C}" type="datetime1">
               <a:rPr lang="it-IT" smtClean="0"/>
               <a:pPr/>
-              <a:t>09/03/2022</a:t>
+              <a:t>14/03/2022</a:t>
             </a:fld>
             <a:endParaRPr lang="it-IT" dirty="0"/>
           </a:p>
@@ -822,7 +820,7 @@
             <a:spLocks noGrp="1"/>
           </p:cNvSpPr>
           <p:nvPr>
-            <p:ph type="sldNum" sz="quarter" idx="5"/>
+            <p:ph type="sldNum" sz="quarter" idx="10"/>
           </p:nvPr>
         </p:nvSpPr>
         <p:spPr/>
@@ -842,7 +840,7 @@
     </p:spTree>
     <p:extLst>
       <p:ext uri="{BB962C8B-B14F-4D97-AF65-F5344CB8AC3E}">
-        <p14:creationId xmlns:p14="http://schemas.microsoft.com/office/powerpoint/2010/main" val="3655258832"/>
+        <p14:creationId xmlns:p14="http://schemas.microsoft.com/office/powerpoint/2010/main" val="196969414"/>
       </p:ext>
     </p:extLst>
   </p:cSld>
@@ -928,179 +926,7 @@
     </p:spTree>
     <p:extLst>
       <p:ext uri="{BB962C8B-B14F-4D97-AF65-F5344CB8AC3E}">
-        <p14:creationId xmlns:p14="http://schemas.microsoft.com/office/powerpoint/2010/main" val="252246448"/>
-      </p:ext>
-    </p:extLst>
-  </p:cSld>
-  <p:clrMapOvr>
-    <a:masterClrMapping/>
-  </p:clrMapOvr>
-</p:notes>
-</file>
-
-<file path=ppt/notesSlides/notesSlide12.xml><?xml version="1.0" encoding="utf-8"?>
-<p:notes xmlns:a="http://schemas.openxmlformats.org/drawingml/2006/main" xmlns:r="http://schemas.openxmlformats.org/officeDocument/2006/relationships" xmlns:p="http://schemas.openxmlformats.org/presentationml/2006/main">
-  <p:cSld>
-    <p:spTree>
-      <p:nvGrpSpPr>
-        <p:cNvPr id="1" name=""/>
-        <p:cNvGrpSpPr/>
-        <p:nvPr/>
-      </p:nvGrpSpPr>
-      <p:grpSpPr>
-        <a:xfrm>
-          <a:off x="0" y="0"/>
-          <a:ext cx="0" cy="0"/>
-          <a:chOff x="0" y="0"/>
-          <a:chExt cx="0" cy="0"/>
-        </a:xfrm>
-      </p:grpSpPr>
-      <p:sp>
-        <p:nvSpPr>
-          <p:cNvPr id="2" name="Segnaposto immagine diapositiva 1"/>
-          <p:cNvSpPr>
-            <a:spLocks noGrp="1" noRot="1" noChangeAspect="1"/>
-          </p:cNvSpPr>
-          <p:nvPr>
-            <p:ph type="sldImg"/>
-          </p:nvPr>
-        </p:nvSpPr>
-        <p:spPr/>
-      </p:sp>
-      <p:sp>
-        <p:nvSpPr>
-          <p:cNvPr id="3" name="Segnaposto note 2"/>
-          <p:cNvSpPr>
-            <a:spLocks noGrp="1"/>
-          </p:cNvSpPr>
-          <p:nvPr>
-            <p:ph type="body" idx="1"/>
-          </p:nvPr>
-        </p:nvSpPr>
-        <p:spPr/>
-        <p:txBody>
-          <a:bodyPr rtlCol="0"/>
-          <a:lstStyle/>
-          <a:p>
-            <a:pPr rtl="0"/>
-            <a:endParaRPr lang="it-IT" dirty="0"/>
-          </a:p>
-        </p:txBody>
-      </p:sp>
-      <p:sp>
-        <p:nvSpPr>
-          <p:cNvPr id="4" name="Segnaposto numero diapositiva 3"/>
-          <p:cNvSpPr>
-            <a:spLocks noGrp="1"/>
-          </p:cNvSpPr>
-          <p:nvPr>
-            <p:ph type="sldNum" sz="quarter" idx="5"/>
-          </p:nvPr>
-        </p:nvSpPr>
-        <p:spPr/>
-        <p:txBody>
-          <a:bodyPr rtlCol="0"/>
-          <a:lstStyle/>
-          <a:p>
-            <a:pPr rtl="0"/>
-            <a:fld id="{284ECAD9-32EE-4091-BDA5-6BD15ACC5E58}" type="slidenum">
-              <a:rPr lang="it-IT" smtClean="0"/>
-              <a:t>12</a:t>
-            </a:fld>
-            <a:endParaRPr lang="it-IT" dirty="0"/>
-          </a:p>
-        </p:txBody>
-      </p:sp>
-    </p:spTree>
-    <p:extLst>
-      <p:ext uri="{BB962C8B-B14F-4D97-AF65-F5344CB8AC3E}">
         <p14:creationId xmlns:p14="http://schemas.microsoft.com/office/powerpoint/2010/main" val="1755222535"/>
-      </p:ext>
-    </p:extLst>
-  </p:cSld>
-  <p:clrMapOvr>
-    <a:masterClrMapping/>
-  </p:clrMapOvr>
-</p:notes>
-</file>
-
-<file path=ppt/notesSlides/notesSlide13.xml><?xml version="1.0" encoding="utf-8"?>
-<p:notes xmlns:a="http://schemas.openxmlformats.org/drawingml/2006/main" xmlns:r="http://schemas.openxmlformats.org/officeDocument/2006/relationships" xmlns:p="http://schemas.openxmlformats.org/presentationml/2006/main">
-  <p:cSld>
-    <p:spTree>
-      <p:nvGrpSpPr>
-        <p:cNvPr id="1" name=""/>
-        <p:cNvGrpSpPr/>
-        <p:nvPr/>
-      </p:nvGrpSpPr>
-      <p:grpSpPr>
-        <a:xfrm>
-          <a:off x="0" y="0"/>
-          <a:ext cx="0" cy="0"/>
-          <a:chOff x="0" y="0"/>
-          <a:chExt cx="0" cy="0"/>
-        </a:xfrm>
-      </p:grpSpPr>
-      <p:sp>
-        <p:nvSpPr>
-          <p:cNvPr id="2" name="Segnaposto immagine diapositiva 1"/>
-          <p:cNvSpPr>
-            <a:spLocks noGrp="1" noRot="1" noChangeAspect="1"/>
-          </p:cNvSpPr>
-          <p:nvPr>
-            <p:ph type="sldImg"/>
-          </p:nvPr>
-        </p:nvSpPr>
-        <p:spPr/>
-      </p:sp>
-      <p:sp>
-        <p:nvSpPr>
-          <p:cNvPr id="3" name="Segnaposto note 2"/>
-          <p:cNvSpPr>
-            <a:spLocks noGrp="1"/>
-          </p:cNvSpPr>
-          <p:nvPr>
-            <p:ph type="body" idx="1"/>
-          </p:nvPr>
-        </p:nvSpPr>
-        <p:spPr/>
-        <p:txBody>
-          <a:bodyPr rtlCol="0"/>
-          <a:lstStyle/>
-          <a:p>
-            <a:pPr rtl="0"/>
-            <a:endParaRPr lang="it-IT" dirty="0"/>
-          </a:p>
-        </p:txBody>
-      </p:sp>
-      <p:sp>
-        <p:nvSpPr>
-          <p:cNvPr id="4" name="Segnaposto numero diapositiva 3"/>
-          <p:cNvSpPr>
-            <a:spLocks noGrp="1"/>
-          </p:cNvSpPr>
-          <p:nvPr>
-            <p:ph type="sldNum" sz="quarter" idx="10"/>
-          </p:nvPr>
-        </p:nvSpPr>
-        <p:spPr/>
-        <p:txBody>
-          <a:bodyPr rtlCol="0"/>
-          <a:lstStyle/>
-          <a:p>
-            <a:pPr rtl="0"/>
-            <a:fld id="{284ECAD9-32EE-4091-BDA5-6BD15ACC5E58}" type="slidenum">
-              <a:rPr lang="it-IT" smtClean="0"/>
-              <a:t>13</a:t>
-            </a:fld>
-            <a:endParaRPr lang="it-IT" dirty="0"/>
-          </a:p>
-        </p:txBody>
-      </p:sp>
-    </p:spTree>
-    <p:extLst>
-      <p:ext uri="{BB962C8B-B14F-4D97-AF65-F5344CB8AC3E}">
-        <p14:creationId xmlns:p14="http://schemas.microsoft.com/office/powerpoint/2010/main" val="2916860040"/>
       </p:ext>
     </p:extLst>
   </p:cSld>
@@ -1682,7 +1508,7 @@
             <a:spLocks noGrp="1"/>
           </p:cNvSpPr>
           <p:nvPr>
-            <p:ph type="sldNum" sz="quarter" idx="10"/>
+            <p:ph type="sldNum" sz="quarter" idx="5"/>
           </p:nvPr>
         </p:nvSpPr>
         <p:spPr/>
@@ -1702,7 +1528,7 @@
     </p:spTree>
     <p:extLst>
       <p:ext uri="{BB962C8B-B14F-4D97-AF65-F5344CB8AC3E}">
-        <p14:creationId xmlns:p14="http://schemas.microsoft.com/office/powerpoint/2010/main" val="196969414"/>
+        <p14:creationId xmlns:p14="http://schemas.microsoft.com/office/powerpoint/2010/main" val="45567329"/>
       </p:ext>
     </p:extLst>
   </p:cSld>
@@ -1788,7 +1614,7 @@
     </p:spTree>
     <p:extLst>
       <p:ext uri="{BB962C8B-B14F-4D97-AF65-F5344CB8AC3E}">
-        <p14:creationId xmlns:p14="http://schemas.microsoft.com/office/powerpoint/2010/main" val="3455333877"/>
+        <p14:creationId xmlns:p14="http://schemas.microsoft.com/office/powerpoint/2010/main" val="2143609952"/>
       </p:ext>
     </p:extLst>
   </p:cSld>
@@ -1874,7 +1700,7 @@
             <a:pPr rtl="0"/>
             <a:fld id="{BC5A5791-EFA9-42A2-8E0D-DBC7A027EB39}" type="datetime1">
               <a:rPr lang="it-IT" noProof="0" smtClean="0"/>
-              <a:t>09/03/2022</a:t>
+              <a:t>14/03/2022</a:t>
             </a:fld>
             <a:endParaRPr lang="it-IT" noProof="0" dirty="0"/>
           </a:p>
@@ -2502,7 +2328,7 @@
             <a:pPr rtl="0"/>
             <a:fld id="{FF17C169-DBE1-4B6A-9921-1E108A1C6C42}" type="datetime1">
               <a:rPr lang="it-IT" noProof="0" smtClean="0"/>
-              <a:t>09/03/2022</a:t>
+              <a:t>14/03/2022</a:t>
             </a:fld>
             <a:endParaRPr lang="it-IT" noProof="0" dirty="0"/>
           </a:p>
@@ -2859,7 +2685,7 @@
             <a:pPr rtl="0"/>
             <a:fld id="{6C0ABBAF-B24C-4448-B75C-ADB9350121F9}" type="datetime1">
               <a:rPr lang="it-IT" noProof="0" smtClean="0"/>
-              <a:t>09/03/2022</a:t>
+              <a:t>14/03/2022</a:t>
             </a:fld>
             <a:endParaRPr lang="it-IT" noProof="0" dirty="0"/>
           </a:p>
@@ -3258,7 +3084,7 @@
             <a:pPr rtl="0"/>
             <a:fld id="{26E56894-810F-46F6-9A4E-7CB650138CD2}" type="datetime1">
               <a:rPr lang="it-IT" noProof="0" smtClean="0"/>
-              <a:t>09/03/2022</a:t>
+              <a:t>14/03/2022</a:t>
             </a:fld>
             <a:endParaRPr lang="it-IT" noProof="0" dirty="0"/>
           </a:p>
@@ -3741,7 +3567,7 @@
             <a:pPr rtl="0"/>
             <a:fld id="{6BDF9918-2BB5-43D7-98E9-1FB3954C3638}" type="datetime1">
               <a:rPr lang="it-IT" noProof="0" smtClean="0"/>
-              <a:t>09/03/2022</a:t>
+              <a:t>14/03/2022</a:t>
             </a:fld>
             <a:endParaRPr lang="it-IT" noProof="0" dirty="0"/>
           </a:p>
@@ -4132,7 +3958,7 @@
             <a:pPr rtl="0"/>
             <a:fld id="{983F2180-7340-4006-8F9F-3B15285D3035}" type="datetime1">
               <a:rPr lang="it-IT" noProof="0" smtClean="0"/>
-              <a:t>09/03/2022</a:t>
+              <a:t>14/03/2022</a:t>
             </a:fld>
             <a:endParaRPr lang="it-IT" noProof="0" dirty="0"/>
           </a:p>
@@ -4500,7 +4326,7 @@
             <a:pPr rtl="0"/>
             <a:fld id="{47C567FE-B98A-4D3F-9213-316EA9EC55A5}" type="datetime1">
               <a:rPr lang="it-IT" noProof="0" smtClean="0"/>
-              <a:t>09/03/2022</a:t>
+              <a:t>14/03/2022</a:t>
             </a:fld>
             <a:endParaRPr lang="it-IT" noProof="0" dirty="0"/>
           </a:p>
@@ -4993,7 +4819,7 @@
             <a:pPr rtl="0"/>
             <a:fld id="{BC922104-62E9-446F-9FB1-A32B08927891}" type="datetime1">
               <a:rPr lang="it-IT" noProof="0" smtClean="0"/>
-              <a:t>09/03/2022</a:t>
+              <a:t>14/03/2022</a:t>
             </a:fld>
             <a:endParaRPr lang="it-IT" noProof="0" dirty="0"/>
           </a:p>
@@ -5493,7 +5319,7 @@
             <a:pPr rtl="0"/>
             <a:fld id="{192B49F1-2FC8-466C-ABE0-4929E08403C1}" type="datetime1">
               <a:rPr lang="it-IT" noProof="0" smtClean="0"/>
-              <a:t>09/03/2022</a:t>
+              <a:t>14/03/2022</a:t>
             </a:fld>
             <a:endParaRPr lang="it-IT" noProof="0" dirty="0"/>
           </a:p>
@@ -5930,7 +5756,7 @@
             <a:pPr rtl="0"/>
             <a:fld id="{D669DC07-792B-4D17-B0C3-BB835168107E}" type="datetime1">
               <a:rPr lang="it-IT" noProof="0" smtClean="0"/>
-              <a:t>09/03/2022</a:t>
+              <a:t>14/03/2022</a:t>
             </a:fld>
             <a:endParaRPr lang="it-IT" noProof="0" dirty="0"/>
           </a:p>
@@ -6187,7 +6013,7 @@
             <a:pPr rtl="0"/>
             <a:fld id="{C95873E1-B6E7-4F22-ACBC-2B4E759526F9}" type="datetime1">
               <a:rPr lang="it-IT" noProof="0" smtClean="0"/>
-              <a:t>09/03/2022</a:t>
+              <a:t>14/03/2022</a:t>
             </a:fld>
             <a:endParaRPr lang="it-IT" noProof="0" dirty="0"/>
           </a:p>
@@ -6420,7 +6246,7 @@
             <a:pPr rtl="0"/>
             <a:fld id="{EDF35B73-1E84-4E1D-9C62-04B6DA1DCD89}" type="datetime1">
               <a:rPr lang="it-IT" noProof="0" smtClean="0"/>
-              <a:t>09/03/2022</a:t>
+              <a:t>14/03/2022</a:t>
             </a:fld>
             <a:endParaRPr lang="it-IT" noProof="0" dirty="0"/>
           </a:p>
@@ -6828,7 +6654,7 @@
             <a:pPr rtl="0"/>
             <a:fld id="{EF217D74-4249-45DE-AFC1-DB41000B186F}" type="datetime1">
               <a:rPr lang="it-IT" noProof="0" smtClean="0"/>
-              <a:t>09/03/2022</a:t>
+              <a:t>14/03/2022</a:t>
             </a:fld>
             <a:endParaRPr lang="it-IT" noProof="0" dirty="0"/>
           </a:p>
@@ -7072,7 +6898,7 @@
             <a:pPr rtl="0"/>
             <a:fld id="{02821AFD-43C1-409E-AABC-CA19CBFB6E3C}" type="datetime1">
               <a:rPr lang="it-IT" noProof="0" smtClean="0"/>
-              <a:t>09/03/2022</a:t>
+              <a:t>14/03/2022</a:t>
             </a:fld>
             <a:endParaRPr lang="it-IT" noProof="0" dirty="0"/>
           </a:p>
@@ -7272,7 +7098,7 @@
             <a:pPr rtl="0"/>
             <a:fld id="{25D5A028-43A2-4639-BEEA-82C2B46D2F75}" type="datetime1">
               <a:rPr lang="it-IT" noProof="0" smtClean="0"/>
-              <a:t>09/03/2022</a:t>
+              <a:t>14/03/2022</a:t>
             </a:fld>
             <a:endParaRPr lang="it-IT" noProof="0" dirty="0"/>
           </a:p>
@@ -7732,7 +7558,7 @@
             <a:pPr rtl="0"/>
             <a:fld id="{0AC1AF47-3649-4D70-8624-44F2D47949BF}" type="datetime1">
               <a:rPr lang="it-IT" noProof="0" smtClean="0"/>
-              <a:t>09/03/2022</a:t>
+              <a:t>14/03/2022</a:t>
             </a:fld>
             <a:endParaRPr lang="it-IT" noProof="0" dirty="0"/>
           </a:p>
@@ -8316,7 +8142,7 @@
             <a:pPr rtl="0"/>
             <a:fld id="{0C86549E-7F36-460D-B45B-E31862ACF4DC}" type="datetime1">
               <a:rPr lang="it-IT" noProof="0" smtClean="0"/>
-              <a:t>09/03/2022</a:t>
+              <a:t>14/03/2022</a:t>
             </a:fld>
             <a:endParaRPr lang="it-IT" noProof="0" dirty="0"/>
           </a:p>
@@ -8720,7 +8546,7 @@
             <a:pPr rtl="0"/>
             <a:fld id="{5AD476CA-C764-4FAD-8146-5EA1029A9E33}" type="datetime1">
               <a:rPr lang="it-IT" noProof="0" smtClean="0"/>
-              <a:t>09/03/2022</a:t>
+              <a:t>14/03/2022</a:t>
             </a:fld>
             <a:endParaRPr lang="it-IT" noProof="0" dirty="0"/>
           </a:p>
@@ -8863,7 +8689,7 @@
             <a:pPr rtl="0"/>
             <a:fld id="{8718CE71-08A2-40CC-B75F-5DA9EAC27385}" type="datetime1">
               <a:rPr lang="it-IT" noProof="0" smtClean="0"/>
-              <a:t>09/03/2022</a:t>
+              <a:t>14/03/2022</a:t>
             </a:fld>
             <a:endParaRPr lang="it-IT" noProof="0" dirty="0"/>
           </a:p>
@@ -9055,7 +8881,7 @@
             <a:pPr rtl="0"/>
             <a:fld id="{2F6EAE58-4589-466E-80D1-72C9CC21B379}" type="datetime1">
               <a:rPr lang="it-IT" noProof="0" smtClean="0"/>
-              <a:t>09/03/2022</a:t>
+              <a:t>14/03/2022</a:t>
             </a:fld>
             <a:endParaRPr lang="it-IT" noProof="0" dirty="0"/>
           </a:p>
@@ -9371,7 +9197,7 @@
             <a:pPr rtl="0"/>
             <a:fld id="{415EA518-E098-4533-A7FE-3A70CD273BA1}" type="datetime1">
               <a:rPr lang="it-IT" noProof="0" smtClean="0"/>
-              <a:t>09/03/2022</a:t>
+              <a:t>14/03/2022</a:t>
             </a:fld>
             <a:endParaRPr lang="it-IT" noProof="0" dirty="0"/>
           </a:p>
@@ -10116,6 +9942,14 @@
 <file path=ppt/slides/slide10.xml><?xml version="1.0" encoding="utf-8"?>
 <p:sld xmlns:a="http://schemas.openxmlformats.org/drawingml/2006/main" xmlns:r="http://schemas.openxmlformats.org/officeDocument/2006/relationships" xmlns:p="http://schemas.openxmlformats.org/presentationml/2006/main">
   <p:cSld>
+    <p:bg>
+      <p:bgPr>
+        <a:solidFill>
+          <a:schemeClr val="bg1"/>
+        </a:solidFill>
+        <a:effectLst/>
+      </p:bgPr>
+    </p:bg>
     <p:spTree>
       <p:nvGrpSpPr>
         <p:cNvPr id="1" name=""/>
@@ -10135,7 +9969,7 @@
           <p:cNvPr id="6" name="Titolo 5">
             <a:extLst>
               <a:ext uri="{FF2B5EF4-FFF2-40B4-BE49-F238E27FC236}">
-                <a16:creationId xmlns:a16="http://schemas.microsoft.com/office/drawing/2014/main" id="{5690374C-1A59-4A71-8148-5C0E026A3A75}"/>
+                <a16:creationId xmlns:a16="http://schemas.microsoft.com/office/drawing/2014/main" id="{CE09A200-4838-4284-BD1E-19701CABB5FE}"/>
               </a:ext>
             </a:extLst>
           </p:cNvPr>
@@ -10146,462 +9980,32 @@
             <p:ph type="title"/>
           </p:nvPr>
         </p:nvSpPr>
-        <p:spPr/>
-        <p:txBody>
-          <a:bodyPr rtlCol="0"/>
+        <p:spPr>
+          <a:xfrm>
+            <a:off x="1097280" y="286603"/>
+            <a:ext cx="10058400" cy="1450757"/>
+          </a:xfrm>
+        </p:spPr>
+        <p:txBody>
+          <a:bodyPr rtlCol="0">
+            <a:normAutofit/>
+          </a:bodyPr>
           <a:lstStyle/>
           <a:p>
             <a:pPr rtl="0"/>
             <a:r>
               <a:rPr lang="it-IT" dirty="0"/>
-              <a:t>Piani 2020</a:t>
-            </a:r>
-          </a:p>
-        </p:txBody>
-      </p:sp>
-      <p:sp>
-        <p:nvSpPr>
-          <p:cNvPr id="7" name="Segnaposto contenuto 6">
-            <a:extLst>
-              <a:ext uri="{FF2B5EF4-FFF2-40B4-BE49-F238E27FC236}">
-                <a16:creationId xmlns:a16="http://schemas.microsoft.com/office/drawing/2014/main" id="{21A8359F-00D6-408F-ACF5-D8A1A931CD93}"/>
-              </a:ext>
-            </a:extLst>
-          </p:cNvPr>
-          <p:cNvSpPr>
-            <a:spLocks noGrp="1"/>
-          </p:cNvSpPr>
-          <p:nvPr>
-            <p:ph idx="1"/>
-          </p:nvPr>
-        </p:nvSpPr>
-        <p:spPr/>
-        <p:txBody>
-          <a:bodyPr rtlCol="0"/>
-          <a:lstStyle/>
-          <a:p>
-            <a:pPr rtl="0"/>
-            <a:r>
-              <a:rPr lang="it-IT" dirty="0"/>
-              <a:t>Aspirazioni</a:t>
-            </a:r>
-          </a:p>
-          <a:p>
-            <a:pPr rtl="0"/>
-            <a:r>
-              <a:rPr lang="it-IT" dirty="0"/>
-              <a:t>Nuove iniziative</a:t>
-            </a:r>
-          </a:p>
-          <a:p>
-            <a:pPr rtl="0"/>
-            <a:r>
-              <a:rPr lang="it-IT" dirty="0"/>
-              <a:t>Metriche chiave</a:t>
-            </a:r>
-          </a:p>
-        </p:txBody>
-      </p:sp>
-      <p:sp>
-        <p:nvSpPr>
-          <p:cNvPr id="8" name="Figura a mano libera: Forma 8" descr="Piani">
-            <a:extLst>
-              <a:ext uri="{FF2B5EF4-FFF2-40B4-BE49-F238E27FC236}">
-                <a16:creationId xmlns:a16="http://schemas.microsoft.com/office/drawing/2014/main" id="{2DB38FFA-F8F9-4178-AD76-00851D638B92}"/>
-              </a:ext>
-            </a:extLst>
-          </p:cNvPr>
-          <p:cNvSpPr/>
-          <p:nvPr/>
-        </p:nvSpPr>
-        <p:spPr>
-          <a:xfrm>
-            <a:off x="4757976" y="2553504"/>
-            <a:ext cx="515064" cy="757216"/>
-          </a:xfrm>
-          <a:custGeom>
-            <a:avLst/>
-            <a:gdLst/>
-            <a:ahLst/>
-            <a:cxnLst>
-              <a:cxn ang="3cd4">
-                <a:pos x="hc" y="t"/>
-              </a:cxn>
-              <a:cxn ang="cd2">
-                <a:pos x="l" y="vc"/>
-              </a:cxn>
-              <a:cxn ang="cd4">
-                <a:pos x="hc" y="b"/>
-              </a:cxn>
-              <a:cxn ang="0">
-                <a:pos x="r" y="vc"/>
-              </a:cxn>
-            </a:cxnLst>
-            <a:rect l="l" t="t" r="r" b="b"/>
-            <a:pathLst>
-              <a:path w="3451" h="5073">
-                <a:moveTo>
-                  <a:pt x="1718" y="668"/>
-                </a:moveTo>
-                <a:cubicBezTo>
-                  <a:pt x="1813" y="668"/>
-                  <a:pt x="1892" y="604"/>
-                  <a:pt x="1892" y="509"/>
-                </a:cubicBezTo>
-                <a:cubicBezTo>
-                  <a:pt x="1892" y="413"/>
-                  <a:pt x="1813" y="350"/>
-                  <a:pt x="1718" y="350"/>
-                </a:cubicBezTo>
-                <a:cubicBezTo>
-                  <a:pt x="1638" y="350"/>
-                  <a:pt x="1558" y="413"/>
-                  <a:pt x="1558" y="509"/>
-                </a:cubicBezTo>
-                <a:cubicBezTo>
-                  <a:pt x="1558" y="604"/>
-                  <a:pt x="1638" y="668"/>
-                  <a:pt x="1718" y="668"/>
-                </a:cubicBezTo>
-                <a:close/>
-                <a:moveTo>
-                  <a:pt x="2242" y="700"/>
-                </a:moveTo>
-                <a:cubicBezTo>
-                  <a:pt x="2227" y="636"/>
-                  <a:pt x="2227" y="573"/>
-                  <a:pt x="2227" y="509"/>
-                </a:cubicBezTo>
-                <a:cubicBezTo>
-                  <a:pt x="2227" y="222"/>
-                  <a:pt x="2004" y="0"/>
-                  <a:pt x="1733" y="0"/>
-                </a:cubicBezTo>
-                <a:cubicBezTo>
-                  <a:pt x="1447" y="0"/>
-                  <a:pt x="1209" y="222"/>
-                  <a:pt x="1209" y="509"/>
-                </a:cubicBezTo>
-                <a:lnTo>
-                  <a:pt x="1209" y="700"/>
-                </a:lnTo>
-                <a:lnTo>
-                  <a:pt x="238" y="700"/>
-                </a:lnTo>
-                <a:cubicBezTo>
-                  <a:pt x="111" y="700"/>
-                  <a:pt x="0" y="811"/>
-                  <a:pt x="0" y="938"/>
-                </a:cubicBezTo>
-                <a:lnTo>
-                  <a:pt x="0" y="4835"/>
-                </a:lnTo>
-                <a:cubicBezTo>
-                  <a:pt x="0" y="4962"/>
-                  <a:pt x="111" y="5073"/>
-                  <a:pt x="238" y="5073"/>
-                </a:cubicBezTo>
-                <a:lnTo>
-                  <a:pt x="3212" y="5073"/>
-                </a:lnTo>
-                <a:cubicBezTo>
-                  <a:pt x="3340" y="5073"/>
-                  <a:pt x="3451" y="4962"/>
-                  <a:pt x="3451" y="4835"/>
-                </a:cubicBezTo>
-                <a:lnTo>
-                  <a:pt x="3451" y="938"/>
-                </a:lnTo>
-                <a:cubicBezTo>
-                  <a:pt x="3451" y="795"/>
-                  <a:pt x="3340" y="700"/>
-                  <a:pt x="3212" y="700"/>
-                </a:cubicBezTo>
-                <a:close/>
-                <a:moveTo>
-                  <a:pt x="1367" y="509"/>
-                </a:moveTo>
-                <a:cubicBezTo>
-                  <a:pt x="1367" y="318"/>
-                  <a:pt x="1527" y="159"/>
-                  <a:pt x="1733" y="159"/>
-                </a:cubicBezTo>
-                <a:cubicBezTo>
-                  <a:pt x="1908" y="159"/>
-                  <a:pt x="2067" y="318"/>
-                  <a:pt x="2067" y="509"/>
-                </a:cubicBezTo>
-                <a:cubicBezTo>
-                  <a:pt x="2067" y="716"/>
-                  <a:pt x="2067" y="1082"/>
-                  <a:pt x="2497" y="1193"/>
-                </a:cubicBezTo>
-                <a:cubicBezTo>
-                  <a:pt x="2624" y="1225"/>
-                  <a:pt x="2719" y="1336"/>
-                  <a:pt x="2736" y="1479"/>
-                </a:cubicBezTo>
-                <a:lnTo>
-                  <a:pt x="715" y="1479"/>
-                </a:lnTo>
-                <a:cubicBezTo>
-                  <a:pt x="731" y="1352"/>
-                  <a:pt x="811" y="1225"/>
-                  <a:pt x="938" y="1193"/>
-                </a:cubicBezTo>
-                <a:cubicBezTo>
-                  <a:pt x="1367" y="1082"/>
-                  <a:pt x="1367" y="716"/>
-                  <a:pt x="1367" y="509"/>
-                </a:cubicBezTo>
-                <a:close/>
-                <a:moveTo>
-                  <a:pt x="668" y="1638"/>
-                </a:moveTo>
-                <a:lnTo>
-                  <a:pt x="2767" y="1638"/>
-                </a:lnTo>
-                <a:cubicBezTo>
-                  <a:pt x="2846" y="1638"/>
-                  <a:pt x="2894" y="1591"/>
-                  <a:pt x="2894" y="1511"/>
-                </a:cubicBezTo>
-                <a:cubicBezTo>
-                  <a:pt x="2894" y="1383"/>
-                  <a:pt x="2846" y="1256"/>
-                  <a:pt x="2767" y="1177"/>
-                </a:cubicBezTo>
-                <a:lnTo>
-                  <a:pt x="2879" y="1177"/>
-                </a:lnTo>
-                <a:cubicBezTo>
-                  <a:pt x="2910" y="1177"/>
-                  <a:pt x="2926" y="1177"/>
-                  <a:pt x="2942" y="1193"/>
-                </a:cubicBezTo>
-                <a:cubicBezTo>
-                  <a:pt x="2958" y="1209"/>
-                  <a:pt x="2974" y="1240"/>
-                  <a:pt x="2974" y="1256"/>
-                </a:cubicBezTo>
-                <a:lnTo>
-                  <a:pt x="2974" y="4517"/>
-                </a:lnTo>
-                <a:cubicBezTo>
-                  <a:pt x="2974" y="4564"/>
-                  <a:pt x="2926" y="4596"/>
-                  <a:pt x="2879" y="4596"/>
-                </a:cubicBezTo>
-                <a:lnTo>
-                  <a:pt x="556" y="4596"/>
-                </a:lnTo>
-                <a:cubicBezTo>
-                  <a:pt x="509" y="4596"/>
-                  <a:pt x="477" y="4564"/>
-                  <a:pt x="477" y="4517"/>
-                </a:cubicBezTo>
-                <a:lnTo>
-                  <a:pt x="477" y="1256"/>
-                </a:lnTo>
-                <a:cubicBezTo>
-                  <a:pt x="477" y="1209"/>
-                  <a:pt x="509" y="1177"/>
-                  <a:pt x="556" y="1177"/>
-                </a:cubicBezTo>
-                <a:lnTo>
-                  <a:pt x="683" y="1177"/>
-                </a:lnTo>
-                <a:cubicBezTo>
-                  <a:pt x="604" y="1272"/>
-                  <a:pt x="556" y="1383"/>
-                  <a:pt x="556" y="1511"/>
-                </a:cubicBezTo>
-                <a:cubicBezTo>
-                  <a:pt x="556" y="1574"/>
-                  <a:pt x="604" y="1638"/>
-                  <a:pt x="668" y="1638"/>
-                </a:cubicBezTo>
-                <a:close/>
-                <a:moveTo>
-                  <a:pt x="3292" y="938"/>
-                </a:moveTo>
-                <a:lnTo>
-                  <a:pt x="3292" y="4835"/>
-                </a:lnTo>
-                <a:cubicBezTo>
-                  <a:pt x="3292" y="4883"/>
-                  <a:pt x="3244" y="4915"/>
-                  <a:pt x="3212" y="4915"/>
-                </a:cubicBezTo>
-                <a:lnTo>
-                  <a:pt x="238" y="4915"/>
-                </a:lnTo>
-                <a:cubicBezTo>
-                  <a:pt x="191" y="4915"/>
-                  <a:pt x="159" y="4883"/>
-                  <a:pt x="159" y="4835"/>
-                </a:cubicBezTo>
-                <a:lnTo>
-                  <a:pt x="159" y="938"/>
-                </a:lnTo>
-                <a:cubicBezTo>
-                  <a:pt x="159" y="891"/>
-                  <a:pt x="191" y="859"/>
-                  <a:pt x="238" y="859"/>
-                </a:cubicBezTo>
-                <a:lnTo>
-                  <a:pt x="1161" y="859"/>
-                </a:lnTo>
-                <a:cubicBezTo>
-                  <a:pt x="1129" y="922"/>
-                  <a:pt x="1065" y="986"/>
-                  <a:pt x="986" y="1018"/>
-                </a:cubicBezTo>
-                <a:lnTo>
-                  <a:pt x="970" y="1018"/>
-                </a:lnTo>
-                <a:lnTo>
-                  <a:pt x="556" y="1018"/>
-                </a:lnTo>
-                <a:cubicBezTo>
-                  <a:pt x="429" y="1018"/>
-                  <a:pt x="318" y="1129"/>
-                  <a:pt x="318" y="1256"/>
-                </a:cubicBezTo>
-                <a:lnTo>
-                  <a:pt x="318" y="4517"/>
-                </a:lnTo>
-                <a:cubicBezTo>
-                  <a:pt x="318" y="4644"/>
-                  <a:pt x="429" y="4755"/>
-                  <a:pt x="556" y="4755"/>
-                </a:cubicBezTo>
-                <a:lnTo>
-                  <a:pt x="2879" y="4755"/>
-                </a:lnTo>
-                <a:cubicBezTo>
-                  <a:pt x="3022" y="4755"/>
-                  <a:pt x="3133" y="4644"/>
-                  <a:pt x="3133" y="4517"/>
-                </a:cubicBezTo>
-                <a:lnTo>
-                  <a:pt x="3133" y="1256"/>
-                </a:lnTo>
-                <a:cubicBezTo>
-                  <a:pt x="3133" y="1193"/>
-                  <a:pt x="3101" y="1129"/>
-                  <a:pt x="3054" y="1082"/>
-                </a:cubicBezTo>
-                <a:cubicBezTo>
-                  <a:pt x="3006" y="1034"/>
-                  <a:pt x="2958" y="1018"/>
-                  <a:pt x="2879" y="1018"/>
-                </a:cubicBezTo>
-                <a:lnTo>
-                  <a:pt x="2465" y="1018"/>
-                </a:lnTo>
-                <a:cubicBezTo>
-                  <a:pt x="2370" y="986"/>
-                  <a:pt x="2306" y="922"/>
-                  <a:pt x="2274" y="859"/>
-                </a:cubicBezTo>
-                <a:lnTo>
-                  <a:pt x="3212" y="859"/>
-                </a:lnTo>
-                <a:cubicBezTo>
-                  <a:pt x="3244" y="859"/>
-                  <a:pt x="3292" y="891"/>
-                  <a:pt x="3292" y="938"/>
-                </a:cubicBezTo>
-                <a:close/>
-                <a:moveTo>
-                  <a:pt x="1400" y="3737"/>
-                </a:moveTo>
-                <a:cubicBezTo>
-                  <a:pt x="1415" y="3754"/>
-                  <a:pt x="1431" y="3769"/>
-                  <a:pt x="1447" y="3769"/>
-                </a:cubicBezTo>
-                <a:cubicBezTo>
-                  <a:pt x="1463" y="3769"/>
-                  <a:pt x="1495" y="3754"/>
-                  <a:pt x="1510" y="3737"/>
-                </a:cubicBezTo>
-                <a:lnTo>
-                  <a:pt x="2560" y="2688"/>
-                </a:lnTo>
-                <a:cubicBezTo>
-                  <a:pt x="2592" y="2656"/>
-                  <a:pt x="2592" y="2592"/>
-                  <a:pt x="2560" y="2561"/>
-                </a:cubicBezTo>
-                <a:cubicBezTo>
-                  <a:pt x="2545" y="2545"/>
-                  <a:pt x="2481" y="2545"/>
-                  <a:pt x="2449" y="2561"/>
-                </a:cubicBezTo>
-                <a:lnTo>
-                  <a:pt x="1447" y="3579"/>
-                </a:lnTo>
-                <a:lnTo>
-                  <a:pt x="1018" y="3133"/>
-                </a:lnTo>
-                <a:cubicBezTo>
-                  <a:pt x="986" y="3101"/>
-                  <a:pt x="938" y="3101"/>
-                  <a:pt x="906" y="3133"/>
-                </a:cubicBezTo>
-                <a:cubicBezTo>
-                  <a:pt x="874" y="3165"/>
-                  <a:pt x="874" y="3228"/>
-                  <a:pt x="906" y="3245"/>
-                </a:cubicBezTo>
-                <a:close/>
-              </a:path>
-            </a:pathLst>
-          </a:custGeom>
-          <a:solidFill>
-            <a:schemeClr val="bg1"/>
-          </a:solidFill>
-          <a:ln cap="flat">
-            <a:noFill/>
-            <a:prstDash val="solid"/>
-          </a:ln>
-        </p:spPr>
-        <p:txBody>
-          <a:bodyPr vert="horz" wrap="none" lIns="90000" tIns="45000" rIns="90000" bIns="45000" rtlCol="0" anchor="ctr" anchorCtr="1" compatLnSpc="0"/>
-          <a:lstStyle/>
-          <a:p>
-            <a:pPr marL="0" marR="0" lvl="0" indent="0" rtl="0" hangingPunct="0">
-              <a:lnSpc>
-                <a:spcPct val="100000"/>
-              </a:lnSpc>
-              <a:spcBef>
-                <a:spcPts val="0"/>
-              </a:spcBef>
-              <a:spcAft>
-                <a:spcPts val="0"/>
-              </a:spcAft>
-              <a:buNone/>
-              <a:tabLst/>
-            </a:pPr>
-            <a:endParaRPr lang="it-IT" sz="1800" b="0" i="0" u="none" strike="noStrike" kern="1200" dirty="0">
-              <a:ln>
-                <a:noFill/>
-              </a:ln>
-              <a:latin typeface="Arial" pitchFamily="18"/>
-              <a:ea typeface="SimSun" pitchFamily="2"/>
-              <a:cs typeface="Lucida Sans" pitchFamily="2"/>
-            </a:endParaRPr>
+              <a:t>Grammatica con non terminali</a:t>
+            </a:r>
           </a:p>
         </p:txBody>
       </p:sp>
       <p:pic>
         <p:nvPicPr>
-          <p:cNvPr id="5" name="Elemento grafico 4">
-            <a:extLst>
-              <a:ext uri="{FF2B5EF4-FFF2-40B4-BE49-F238E27FC236}">
-                <a16:creationId xmlns:a16="http://schemas.microsoft.com/office/drawing/2014/main" id="{64D5B91A-48CF-4F19-A232-B23F0B085333}"/>
+          <p:cNvPr id="4" name="Elemento grafico 3">
+            <a:extLst>
+              <a:ext uri="{FF2B5EF4-FFF2-40B4-BE49-F238E27FC236}">
+                <a16:creationId xmlns:a16="http://schemas.microsoft.com/office/drawing/2014/main" id="{ED0A95A1-BC85-4809-B935-6A9B3C054422}"/>
               </a:ext>
             </a:extLst>
           </p:cNvPr>
@@ -10637,10 +10041,10 @@
       </p:pic>
       <p:sp>
         <p:nvSpPr>
-          <p:cNvPr id="9" name="Connettore 8">
-            <a:extLst>
-              <a:ext uri="{FF2B5EF4-FFF2-40B4-BE49-F238E27FC236}">
-                <a16:creationId xmlns:a16="http://schemas.microsoft.com/office/drawing/2014/main" id="{A5653AB4-C957-4ED7-BC1C-A577F151A2D9}"/>
+          <p:cNvPr id="10" name="Connettore 9">
+            <a:extLst>
+              <a:ext uri="{FF2B5EF4-FFF2-40B4-BE49-F238E27FC236}">
+                <a16:creationId xmlns:a16="http://schemas.microsoft.com/office/drawing/2014/main" id="{7DA3C5E2-1B7C-406E-9A80-B7F344044586}"/>
               </a:ext>
             </a:extLst>
           </p:cNvPr>
@@ -10686,10 +10090,41 @@
           </a:p>
         </p:txBody>
       </p:sp>
+      <p:sp>
+        <p:nvSpPr>
+          <p:cNvPr id="3" name="Segnaposto contenuto 2">
+            <a:extLst>
+              <a:ext uri="{FF2B5EF4-FFF2-40B4-BE49-F238E27FC236}">
+                <a16:creationId xmlns:a16="http://schemas.microsoft.com/office/drawing/2014/main" id="{CDBDD0AC-B78E-4283-B5F3-A381229EABF5}"/>
+              </a:ext>
+            </a:extLst>
+          </p:cNvPr>
+          <p:cNvSpPr>
+            <a:spLocks noGrp="1"/>
+          </p:cNvSpPr>
+          <p:nvPr>
+            <p:ph idx="1"/>
+          </p:nvPr>
+        </p:nvSpPr>
+        <p:spPr/>
+        <p:txBody>
+          <a:bodyPr/>
+          <a:lstStyle/>
+          <a:p>
+            <a:pPr marL="0" indent="0">
+              <a:buNone/>
+            </a:pPr>
+            <a:r>
+              <a:rPr lang="it-IT" dirty="0"/>
+              <a:t>Lo </a:t>
+            </a:r>
+          </a:p>
+        </p:txBody>
+      </p:sp>
     </p:spTree>
     <p:extLst>
       <p:ext uri="{BB962C8B-B14F-4D97-AF65-F5344CB8AC3E}">
-        <p14:creationId xmlns:p14="http://schemas.microsoft.com/office/powerpoint/2010/main" val="2160388275"/>
+        <p14:creationId xmlns:p14="http://schemas.microsoft.com/office/powerpoint/2010/main" val="4040284531"/>
       </p:ext>
     </p:extLst>
   </p:cSld>
@@ -10718,10 +10153,10 @@
       </p:grpSpPr>
       <p:sp>
         <p:nvSpPr>
-          <p:cNvPr id="6" name="Titolo 5">
-            <a:extLst>
-              <a:ext uri="{FF2B5EF4-FFF2-40B4-BE49-F238E27FC236}">
-                <a16:creationId xmlns:a16="http://schemas.microsoft.com/office/drawing/2014/main" id="{17366F56-B8FF-48A0-AF71-EC4BD9531F04}"/>
+          <p:cNvPr id="7" name="Titolo 6">
+            <a:extLst>
+              <a:ext uri="{FF2B5EF4-FFF2-40B4-BE49-F238E27FC236}">
+                <a16:creationId xmlns:a16="http://schemas.microsoft.com/office/drawing/2014/main" id="{E444079D-629C-4C44-8DB6-B4B5E7C54015}"/>
               </a:ext>
             </a:extLst>
           </p:cNvPr>
@@ -10740,295 +10175,7 @@
             <a:pPr rtl="0"/>
             <a:r>
               <a:rPr lang="it-IT" dirty="0"/>
-              <a:t>Persone</a:t>
-            </a:r>
-          </a:p>
-        </p:txBody>
-      </p:sp>
-      <p:sp>
-        <p:nvSpPr>
-          <p:cNvPr id="7" name="Segnaposto contenuto 6">
-            <a:extLst>
-              <a:ext uri="{FF2B5EF4-FFF2-40B4-BE49-F238E27FC236}">
-                <a16:creationId xmlns:a16="http://schemas.microsoft.com/office/drawing/2014/main" id="{F74FED9E-E7B7-481E-8BD9-53BE272F02F0}"/>
-              </a:ext>
-            </a:extLst>
-          </p:cNvPr>
-          <p:cNvSpPr>
-            <a:spLocks noGrp="1"/>
-          </p:cNvSpPr>
-          <p:nvPr>
-            <p:ph idx="1"/>
-          </p:nvPr>
-        </p:nvSpPr>
-        <p:spPr/>
-        <p:txBody>
-          <a:bodyPr rtlCol="0"/>
-          <a:lstStyle/>
-          <a:p>
-            <a:pPr rtl="0"/>
-            <a:r>
-              <a:rPr lang="it-IT" dirty="0"/>
-              <a:t>Team esecutivo</a:t>
-            </a:r>
-          </a:p>
-          <a:p>
-            <a:pPr rtl="0"/>
-            <a:r>
-              <a:rPr lang="it-IT" dirty="0"/>
-              <a:t>Nuovi dipendenti</a:t>
-            </a:r>
-          </a:p>
-          <a:p>
-            <a:pPr rtl="0"/>
-            <a:r>
-              <a:rPr lang="it-IT" dirty="0"/>
-              <a:t>Anniversari</a:t>
-            </a:r>
-          </a:p>
-        </p:txBody>
-      </p:sp>
-      <p:sp>
-        <p:nvSpPr>
-          <p:cNvPr id="5" name="Rettangolo 4" descr="Utenti">
-            <a:extLst>
-              <a:ext uri="{FF2B5EF4-FFF2-40B4-BE49-F238E27FC236}">
-                <a16:creationId xmlns:a16="http://schemas.microsoft.com/office/drawing/2014/main" id="{C123C14A-AC1C-49E6-84C6-5EC75804E103}"/>
-              </a:ext>
-            </a:extLst>
-          </p:cNvPr>
-          <p:cNvSpPr/>
-          <p:nvPr/>
-        </p:nvSpPr>
-        <p:spPr>
-          <a:xfrm>
-            <a:off x="4511716" y="2417888"/>
-            <a:ext cx="1043437" cy="1043437"/>
-          </a:xfrm>
-          <a:prstGeom prst="rect">
-            <a:avLst/>
-          </a:prstGeom>
-          <a:blipFill>
-            <a:blip r:embed="rId3">
-              <a:extLst>
-                <a:ext uri="{28A0092B-C50C-407E-A947-70E740481C1C}">
-                  <a14:useLocalDpi xmlns:a14="http://schemas.microsoft.com/office/drawing/2010/main" val="0"/>
-                </a:ext>
-                <a:ext uri="{96DAC541-7B7A-43D3-8B79-37D633B846F1}">
-                  <asvg:svgBlip xmlns:asvg="http://schemas.microsoft.com/office/drawing/2016/SVG/main" r:embed="rId4"/>
-                </a:ext>
-              </a:extLst>
-            </a:blip>
-            <a:stretch>
-              <a:fillRect/>
-            </a:stretch>
-          </a:blipFill>
-          <a:ln>
-            <a:noFill/>
-          </a:ln>
-        </p:spPr>
-        <p:style>
-          <a:lnRef idx="2">
-            <a:scrgbClr r="0" g="0" b="0"/>
-          </a:lnRef>
-          <a:fillRef idx="1">
-            <a:scrgbClr r="0" g="0" b="0"/>
-          </a:fillRef>
-          <a:effectRef idx="0">
-            <a:schemeClr val="bg1">
-              <a:hueOff val="0"/>
-              <a:satOff val="0"/>
-              <a:lumOff val="0"/>
-              <a:alphaOff val="0"/>
-            </a:schemeClr>
-          </a:effectRef>
-          <a:fontRef idx="minor">
-            <a:schemeClr val="dk1">
-              <a:hueOff val="0"/>
-              <a:satOff val="0"/>
-              <a:lumOff val="0"/>
-              <a:alphaOff val="0"/>
-            </a:schemeClr>
-          </a:fontRef>
-        </p:style>
-      </p:sp>
-      <p:pic>
-        <p:nvPicPr>
-          <p:cNvPr id="8" name="Elemento grafico 7">
-            <a:extLst>
-              <a:ext uri="{FF2B5EF4-FFF2-40B4-BE49-F238E27FC236}">
-                <a16:creationId xmlns:a16="http://schemas.microsoft.com/office/drawing/2014/main" id="{BC8F3650-8745-4733-87F1-B77C8B19ECF7}"/>
-              </a:ext>
-            </a:extLst>
-          </p:cNvPr>
-          <p:cNvPicPr>
-            <a:picLocks noChangeAspect="1"/>
-          </p:cNvPicPr>
-          <p:nvPr/>
-        </p:nvPicPr>
-        <p:blipFill>
-          <a:blip r:embed="rId5" cstate="print">
-            <a:extLst>
-              <a:ext uri="{28A0092B-C50C-407E-A947-70E740481C1C}">
-                <a14:useLocalDpi xmlns:a14="http://schemas.microsoft.com/office/drawing/2010/main" val="0"/>
-              </a:ext>
-              <a:ext uri="{96DAC541-7B7A-43D3-8B79-37D633B846F1}">
-                <asvg:svgBlip xmlns:asvg="http://schemas.microsoft.com/office/drawing/2016/SVG/main" r:embed="rId6"/>
-              </a:ext>
-            </a:extLst>
-          </a:blip>
-          <a:stretch>
-            <a:fillRect/>
-          </a:stretch>
-        </p:blipFill>
-        <p:spPr>
-          <a:xfrm>
-            <a:off x="207095" y="6043750"/>
-            <a:ext cx="1770209" cy="700341"/>
-          </a:xfrm>
-          <a:prstGeom prst="rect">
-            <a:avLst/>
-          </a:prstGeom>
-        </p:spPr>
-      </p:pic>
-      <p:sp>
-        <p:nvSpPr>
-          <p:cNvPr id="9" name="Connettore 8">
-            <a:extLst>
-              <a:ext uri="{FF2B5EF4-FFF2-40B4-BE49-F238E27FC236}">
-                <a16:creationId xmlns:a16="http://schemas.microsoft.com/office/drawing/2014/main" id="{B635B5BA-CD1A-4F46-8D5E-CB72E54FE7E7}"/>
-              </a:ext>
-            </a:extLst>
-          </p:cNvPr>
-          <p:cNvSpPr/>
-          <p:nvPr/>
-        </p:nvSpPr>
-        <p:spPr>
-          <a:xfrm>
-            <a:off x="11455401" y="6273800"/>
-            <a:ext cx="512910" cy="470291"/>
-          </a:xfrm>
-          <a:prstGeom prst="flowChartConnector">
-            <a:avLst/>
-          </a:prstGeom>
-        </p:spPr>
-        <p:style>
-          <a:lnRef idx="2">
-            <a:schemeClr val="accent1">
-              <a:shade val="50000"/>
-            </a:schemeClr>
-          </a:lnRef>
-          <a:fillRef idx="1">
-            <a:schemeClr val="accent1"/>
-          </a:fillRef>
-          <a:effectRef idx="0">
-            <a:schemeClr val="accent1"/>
-          </a:effectRef>
-          <a:fontRef idx="minor">
-            <a:schemeClr val="lt1"/>
-          </a:fontRef>
-        </p:style>
-        <p:txBody>
-          <a:bodyPr rtlCol="0" anchor="ctr"/>
-          <a:lstStyle/>
-          <a:p>
-            <a:pPr algn="ctr"/>
-            <a:fld id="{3A98EE3D-8CD1-4C3F-BD1C-C98C9596463C}" type="slidenum">
-              <a:rPr lang="it-IT" sz="1200" b="1"/>
-              <a:pPr algn="ctr"/>
-              <a:t>11</a:t>
-            </a:fld>
-            <a:endParaRPr lang="it-IT" b="1" dirty="0"/>
-          </a:p>
-        </p:txBody>
-      </p:sp>
-    </p:spTree>
-    <p:extLst>
-      <p:ext uri="{BB962C8B-B14F-4D97-AF65-F5344CB8AC3E}">
-        <p14:creationId xmlns:p14="http://schemas.microsoft.com/office/powerpoint/2010/main" val="2822882111"/>
-      </p:ext>
-    </p:extLst>
-  </p:cSld>
-  <p:clrMapOvr>
-    <a:masterClrMapping/>
-  </p:clrMapOvr>
-</p:sld>
-</file>
-
-<file path=ppt/slides/slide12.xml><?xml version="1.0" encoding="utf-8"?>
-<p:sld xmlns:a="http://schemas.openxmlformats.org/drawingml/2006/main" xmlns:r="http://schemas.openxmlformats.org/officeDocument/2006/relationships" xmlns:p="http://schemas.openxmlformats.org/presentationml/2006/main">
-  <p:cSld>
-    <p:spTree>
-      <p:nvGrpSpPr>
-        <p:cNvPr id="1" name=""/>
-        <p:cNvGrpSpPr/>
-        <p:nvPr/>
-      </p:nvGrpSpPr>
-      <p:grpSpPr>
-        <a:xfrm>
-          <a:off x="0" y="0"/>
-          <a:ext cx="0" cy="0"/>
-          <a:chOff x="0" y="0"/>
-          <a:chExt cx="0" cy="0"/>
-        </a:xfrm>
-      </p:grpSpPr>
-      <p:pic>
-        <p:nvPicPr>
-          <p:cNvPr id="11" name="Segnaposto immagine 10" descr="Immagine con ambienti interni. Persona che firma documenti&#10;">
-            <a:extLst>
-              <a:ext uri="{FF2B5EF4-FFF2-40B4-BE49-F238E27FC236}">
-                <a16:creationId xmlns:a16="http://schemas.microsoft.com/office/drawing/2014/main" id="{A7C45DDD-A694-4705-892B-497F786E9683}"/>
-              </a:ext>
-            </a:extLst>
-          </p:cNvPr>
-          <p:cNvPicPr>
-            <a:picLocks noGrp="1" noChangeAspect="1"/>
-          </p:cNvPicPr>
-          <p:nvPr>
-            <p:ph type="pic" idx="1"/>
-          </p:nvPr>
-        </p:nvPicPr>
-        <p:blipFill>
-          <a:blip r:embed="rId3" cstate="print">
-            <a:grayscl/>
-            <a:extLst>
-              <a:ext uri="{28A0092B-C50C-407E-A947-70E740481C1C}">
-                <a14:useLocalDpi xmlns:a14="http://schemas.microsoft.com/office/drawing/2010/main" val="0"/>
-              </a:ext>
-            </a:extLst>
-          </a:blip>
-          <a:srcRect/>
-          <a:stretch>
-            <a:fillRect/>
-          </a:stretch>
-        </p:blipFill>
-        <p:spPr/>
-      </p:pic>
-      <p:sp>
-        <p:nvSpPr>
-          <p:cNvPr id="7" name="Titolo 6">
-            <a:extLst>
-              <a:ext uri="{FF2B5EF4-FFF2-40B4-BE49-F238E27FC236}">
-                <a16:creationId xmlns:a16="http://schemas.microsoft.com/office/drawing/2014/main" id="{E444079D-629C-4C44-8DB6-B4B5E7C54015}"/>
-              </a:ext>
-            </a:extLst>
-          </p:cNvPr>
-          <p:cNvSpPr>
-            <a:spLocks noGrp="1"/>
-          </p:cNvSpPr>
-          <p:nvPr>
-            <p:ph type="title"/>
-          </p:nvPr>
-        </p:nvSpPr>
-        <p:spPr/>
-        <p:txBody>
-          <a:bodyPr rtlCol="0"/>
-          <a:lstStyle/>
-          <a:p>
-            <a:pPr rtl="0"/>
-            <a:r>
-              <a:rPr lang="it-IT" dirty="0"/>
-              <a:t>Conclusione</a:t>
+              <a:t>Fine</a:t>
             </a:r>
           </a:p>
         </p:txBody>
@@ -11039,394 +10186,6 @@
             <a:extLst>
               <a:ext uri="{FF2B5EF4-FFF2-40B4-BE49-F238E27FC236}">
                 <a16:creationId xmlns:a16="http://schemas.microsoft.com/office/drawing/2014/main" id="{4E632E39-706D-4A38-9695-817394D0F6CF}"/>
-              </a:ext>
-            </a:extLst>
-          </p:cNvPr>
-          <p:cNvPicPr>
-            <a:picLocks noChangeAspect="1"/>
-          </p:cNvPicPr>
-          <p:nvPr/>
-        </p:nvPicPr>
-        <p:blipFill>
-          <a:blip r:embed="rId4" cstate="print">
-            <a:extLst>
-              <a:ext uri="{28A0092B-C50C-407E-A947-70E740481C1C}">
-                <a14:useLocalDpi xmlns:a14="http://schemas.microsoft.com/office/drawing/2010/main" val="0"/>
-              </a:ext>
-              <a:ext uri="{96DAC541-7B7A-43D3-8B79-37D633B846F1}">
-                <asvg:svgBlip xmlns:asvg="http://schemas.microsoft.com/office/drawing/2016/SVG/main" r:embed="rId5"/>
-              </a:ext>
-            </a:extLst>
-          </a:blip>
-          <a:stretch>
-            <a:fillRect/>
-          </a:stretch>
-        </p:blipFill>
-        <p:spPr>
-          <a:xfrm>
-            <a:off x="5210895" y="5764056"/>
-            <a:ext cx="1770209" cy="700341"/>
-          </a:xfrm>
-          <a:prstGeom prst="rect">
-            <a:avLst/>
-          </a:prstGeom>
-        </p:spPr>
-      </p:pic>
-    </p:spTree>
-    <p:extLst>
-      <p:ext uri="{BB962C8B-B14F-4D97-AF65-F5344CB8AC3E}">
-        <p14:creationId xmlns:p14="http://schemas.microsoft.com/office/powerpoint/2010/main" val="1664008586"/>
-      </p:ext>
-    </p:extLst>
-  </p:cSld>
-  <p:clrMapOvr>
-    <a:masterClrMapping/>
-  </p:clrMapOvr>
-</p:sld>
-</file>
-
-<file path=ppt/slides/slide13.xml><?xml version="1.0" encoding="utf-8"?>
-<p:sld xmlns:a="http://schemas.openxmlformats.org/drawingml/2006/main" xmlns:r="http://schemas.openxmlformats.org/officeDocument/2006/relationships" xmlns:p="http://schemas.openxmlformats.org/presentationml/2006/main">
-  <p:cSld>
-    <p:bg>
-      <p:bgPr>
-        <a:solidFill>
-          <a:schemeClr val="bg1"/>
-        </a:solidFill>
-        <a:effectLst/>
-      </p:bgPr>
-    </p:bg>
-    <p:spTree>
-      <p:nvGrpSpPr>
-        <p:cNvPr id="1" name=""/>
-        <p:cNvGrpSpPr/>
-        <p:nvPr/>
-      </p:nvGrpSpPr>
-      <p:grpSpPr>
-        <a:xfrm>
-          <a:off x="0" y="0"/>
-          <a:ext cx="0" cy="0"/>
-          <a:chOff x="0" y="0"/>
-          <a:chExt cx="0" cy="0"/>
-        </a:xfrm>
-      </p:grpSpPr>
-      <p:sp>
-        <p:nvSpPr>
-          <p:cNvPr id="13" name="Rettangolo 12">
-            <a:extLst>
-              <a:ext uri="{FF2B5EF4-FFF2-40B4-BE49-F238E27FC236}">
-                <a16:creationId xmlns:a16="http://schemas.microsoft.com/office/drawing/2014/main" id="{39E3965E-AC41-4711-9D10-E25ABB132D86}"/>
-              </a:ext>
-              <a:ext uri="{C183D7F6-B498-43B3-948B-1728B52AA6E4}">
-                <adec:decorative xmlns:adec="http://schemas.microsoft.com/office/drawing/2017/decorative" val="1"/>
-              </a:ext>
-            </a:extLst>
-          </p:cNvPr>
-          <p:cNvSpPr>
-            <a:spLocks noGrp="1" noRot="1" noChangeAspect="1" noMove="1" noResize="1" noEditPoints="1" noAdjustHandles="1" noChangeArrowheads="1" noChangeShapeType="1" noTextEdit="1"/>
-          </p:cNvSpPr>
-          <p:nvPr>
-            <p:extLst>
-              <p:ext uri="{386F3935-93C4-4BCD-93E2-E3B085C9AB24}">
-                <p16:designElem xmlns:p16="http://schemas.microsoft.com/office/powerpoint/2015/main" val="1"/>
-              </p:ext>
-            </p:extLst>
-          </p:nvPr>
-        </p:nvSpPr>
-        <p:spPr>
-          <a:xfrm>
-            <a:off x="3175" y="6400800"/>
-            <a:ext cx="12188825" cy="457200"/>
-          </a:xfrm>
-          <a:prstGeom prst="rect">
-            <a:avLst/>
-          </a:prstGeom>
-          <a:solidFill>
-            <a:srgbClr val="262626"/>
-          </a:solidFill>
-          <a:ln>
-            <a:noFill/>
-          </a:ln>
-        </p:spPr>
-        <p:style>
-          <a:lnRef idx="2">
-            <a:schemeClr val="accent1">
-              <a:shade val="50000"/>
-            </a:schemeClr>
-          </a:lnRef>
-          <a:fillRef idx="1">
-            <a:schemeClr val="accent1"/>
-          </a:fillRef>
-          <a:effectRef idx="0">
-            <a:schemeClr val="accent1"/>
-          </a:effectRef>
-          <a:fontRef idx="minor">
-            <a:schemeClr val="lt1"/>
-          </a:fontRef>
-        </p:style>
-      </p:sp>
-      <p:cxnSp>
-        <p:nvCxnSpPr>
-          <p:cNvPr id="15" name="Connettore diritto 14">
-            <a:extLst>
-              <a:ext uri="{FF2B5EF4-FFF2-40B4-BE49-F238E27FC236}">
-                <a16:creationId xmlns:a16="http://schemas.microsoft.com/office/drawing/2014/main" id="{1F5DC8C3-BA5F-4EED-BB9A-A14272BD82A1}"/>
-              </a:ext>
-              <a:ext uri="{C183D7F6-B498-43B3-948B-1728B52AA6E4}">
-                <adec:decorative xmlns:adec="http://schemas.microsoft.com/office/drawing/2017/decorative" val="1"/>
-              </a:ext>
-            </a:extLst>
-          </p:cNvPr>
-          <p:cNvCxnSpPr>
-            <a:cxnSpLocks noGrp="1" noRot="1" noChangeAspect="1" noMove="1" noResize="1" noEditPoints="1" noAdjustHandles="1" noChangeArrowheads="1" noChangeShapeType="1"/>
-          </p:cNvCxnSpPr>
-          <p:nvPr>
-            <p:extLst>
-              <p:ext uri="{386F3935-93C4-4BCD-93E2-E3B085C9AB24}">
-                <p16:designElem xmlns:p16="http://schemas.microsoft.com/office/powerpoint/2015/main" val="1"/>
-              </p:ext>
-            </p:extLst>
-          </p:nvPr>
-        </p:nvCxnSpPr>
-        <p:spPr>
-          <a:xfrm>
-            <a:off x="1207658" y="4474741"/>
-            <a:ext cx="9875520" cy="0"/>
-          </a:xfrm>
-          <a:prstGeom prst="line">
-            <a:avLst/>
-          </a:prstGeom>
-          <a:ln w="12700">
-            <a:solidFill>
-              <a:schemeClr val="tx1">
-                <a:lumMod val="75000"/>
-                <a:lumOff val="25000"/>
-              </a:schemeClr>
-            </a:solidFill>
-          </a:ln>
-        </p:spPr>
-        <p:style>
-          <a:lnRef idx="1">
-            <a:schemeClr val="accent1"/>
-          </a:lnRef>
-          <a:fillRef idx="0">
-            <a:schemeClr val="accent1"/>
-          </a:fillRef>
-          <a:effectRef idx="0">
-            <a:schemeClr val="accent1"/>
-          </a:effectRef>
-          <a:fontRef idx="minor">
-            <a:schemeClr val="tx1"/>
-          </a:fontRef>
-        </p:style>
-      </p:cxnSp>
-      <p:sp>
-        <p:nvSpPr>
-          <p:cNvPr id="17" name="Rettangolo 16">
-            <a:extLst>
-              <a:ext uri="{FF2B5EF4-FFF2-40B4-BE49-F238E27FC236}">
-                <a16:creationId xmlns:a16="http://schemas.microsoft.com/office/drawing/2014/main" id="{FBDCECDC-EEE3-4128-AA5E-82A8C08796E8}"/>
-              </a:ext>
-              <a:ext uri="{C183D7F6-B498-43B3-948B-1728B52AA6E4}">
-                <adec:decorative xmlns:adec="http://schemas.microsoft.com/office/drawing/2017/decorative" val="1"/>
-              </a:ext>
-            </a:extLst>
-          </p:cNvPr>
-          <p:cNvSpPr>
-            <a:spLocks noGrp="1" noRot="1" noChangeAspect="1" noMove="1" noResize="1" noEditPoints="1" noAdjustHandles="1" noChangeArrowheads="1" noChangeShapeType="1" noTextEdit="1"/>
-          </p:cNvSpPr>
-          <p:nvPr>
-            <p:extLst>
-              <p:ext uri="{386F3935-93C4-4BCD-93E2-E3B085C9AB24}">
-                <p16:designElem xmlns:p16="http://schemas.microsoft.com/office/powerpoint/2015/main" val="1"/>
-              </p:ext>
-            </p:extLst>
-          </p:nvPr>
-        </p:nvSpPr>
-        <p:spPr>
-          <a:xfrm>
-            <a:off x="1507" y="0"/>
-            <a:ext cx="12192000" cy="6858000"/>
-          </a:xfrm>
-          <a:prstGeom prst="rect">
-            <a:avLst/>
-          </a:prstGeom>
-          <a:solidFill>
-            <a:schemeClr val="accent1"/>
-          </a:solidFill>
-          <a:ln>
-            <a:noFill/>
-          </a:ln>
-        </p:spPr>
-        <p:style>
-          <a:lnRef idx="2">
-            <a:schemeClr val="accent1">
-              <a:shade val="50000"/>
-            </a:schemeClr>
-          </a:lnRef>
-          <a:fillRef idx="1">
-            <a:schemeClr val="accent1"/>
-          </a:fillRef>
-          <a:effectRef idx="0">
-            <a:schemeClr val="accent1"/>
-          </a:effectRef>
-          <a:fontRef idx="minor">
-            <a:schemeClr val="lt1"/>
-          </a:fontRef>
-        </p:style>
-        <p:txBody>
-          <a:bodyPr rtlCol="0" anchor="ctr"/>
-          <a:lstStyle/>
-          <a:p>
-            <a:pPr algn="ctr" rtl="0"/>
-            <a:endParaRPr lang="it-IT" dirty="0"/>
-          </a:p>
-        </p:txBody>
-      </p:sp>
-      <p:sp>
-        <p:nvSpPr>
-          <p:cNvPr id="7" name="Titolo 6">
-            <a:extLst>
-              <a:ext uri="{FF2B5EF4-FFF2-40B4-BE49-F238E27FC236}">
-                <a16:creationId xmlns:a16="http://schemas.microsoft.com/office/drawing/2014/main" id="{5365BF64-4B30-4125-9A30-A1B08C80ED7D}"/>
-              </a:ext>
-            </a:extLst>
-          </p:cNvPr>
-          <p:cNvSpPr>
-            <a:spLocks noGrp="1"/>
-          </p:cNvSpPr>
-          <p:nvPr>
-            <p:ph type="title"/>
-          </p:nvPr>
-        </p:nvSpPr>
-        <p:spPr>
-          <a:xfrm>
-            <a:off x="1097280" y="758952"/>
-            <a:ext cx="10058400" cy="3892168"/>
-          </a:xfrm>
-        </p:spPr>
-        <p:txBody>
-          <a:bodyPr vert="horz" lIns="91440" tIns="45720" rIns="91440" bIns="45720" rtlCol="0" anchor="b">
-            <a:normAutofit/>
-          </a:bodyPr>
-          <a:lstStyle/>
-          <a:p>
-            <a:pPr rtl="0"/>
-            <a:r>
-              <a:rPr lang="it-IT" sz="9600" dirty="0">
-                <a:solidFill>
-                  <a:srgbClr val="FFFFFF"/>
-                </a:solidFill>
-                <a:latin typeface="+mj-lt"/>
-              </a:rPr>
-              <a:t>Ringraziamenti</a:t>
-            </a:r>
-          </a:p>
-        </p:txBody>
-      </p:sp>
-      <p:sp>
-        <p:nvSpPr>
-          <p:cNvPr id="19" name="Rettangolo 18">
-            <a:extLst>
-              <a:ext uri="{FF2B5EF4-FFF2-40B4-BE49-F238E27FC236}">
-                <a16:creationId xmlns:a16="http://schemas.microsoft.com/office/drawing/2014/main" id="{4260EDE0-989C-4E16-AF94-F652294D828E}"/>
-              </a:ext>
-              <a:ext uri="{C183D7F6-B498-43B3-948B-1728B52AA6E4}">
-                <adec:decorative xmlns:adec="http://schemas.microsoft.com/office/drawing/2017/decorative" val="1"/>
-              </a:ext>
-            </a:extLst>
-          </p:cNvPr>
-          <p:cNvSpPr>
-            <a:spLocks noGrp="1" noRot="1" noChangeAspect="1" noMove="1" noResize="1" noEditPoints="1" noAdjustHandles="1" noChangeArrowheads="1" noChangeShapeType="1" noTextEdit="1"/>
-          </p:cNvSpPr>
-          <p:nvPr>
-            <p:extLst>
-              <p:ext uri="{386F3935-93C4-4BCD-93E2-E3B085C9AB24}">
-                <p16:designElem xmlns:p16="http://schemas.microsoft.com/office/powerpoint/2015/main" val="1"/>
-              </p:ext>
-            </p:extLst>
-          </p:nvPr>
-        </p:nvSpPr>
-        <p:spPr bwMode="white">
-          <a:xfrm>
-            <a:off x="1507" y="4953000"/>
-            <a:ext cx="12188952" cy="1905000"/>
-          </a:xfrm>
-          <a:prstGeom prst="rect">
-            <a:avLst/>
-          </a:prstGeom>
-          <a:solidFill>
-            <a:srgbClr val="262626"/>
-          </a:solidFill>
-          <a:ln>
-            <a:noFill/>
-          </a:ln>
-        </p:spPr>
-        <p:style>
-          <a:lnRef idx="2">
-            <a:schemeClr val="accent1">
-              <a:shade val="50000"/>
-            </a:schemeClr>
-          </a:lnRef>
-          <a:fillRef idx="1">
-            <a:schemeClr val="accent1"/>
-          </a:fillRef>
-          <a:effectRef idx="0">
-            <a:schemeClr val="accent1"/>
-          </a:effectRef>
-          <a:fontRef idx="minor">
-            <a:schemeClr val="lt1"/>
-          </a:fontRef>
-        </p:style>
-      </p:sp>
-      <p:sp>
-        <p:nvSpPr>
-          <p:cNvPr id="8" name="Segnaposto contenuto 7">
-            <a:extLst>
-              <a:ext uri="{FF2B5EF4-FFF2-40B4-BE49-F238E27FC236}">
-                <a16:creationId xmlns:a16="http://schemas.microsoft.com/office/drawing/2014/main" id="{D4305886-8ACA-4ED6-AA5B-215F6D741CF0}"/>
-              </a:ext>
-            </a:extLst>
-          </p:cNvPr>
-          <p:cNvSpPr>
-            <a:spLocks noGrp="1"/>
-          </p:cNvSpPr>
-          <p:nvPr>
-            <p:ph idx="1"/>
-          </p:nvPr>
-        </p:nvSpPr>
-        <p:spPr>
-          <a:xfrm>
-            <a:off x="1100051" y="5225240"/>
-            <a:ext cx="10058400" cy="1143000"/>
-          </a:xfrm>
-        </p:spPr>
-        <p:txBody>
-          <a:bodyPr vert="horz" lIns="91440" tIns="45720" rIns="91440" bIns="45720" rtlCol="0">
-            <a:normAutofit/>
-          </a:bodyPr>
-          <a:lstStyle/>
-          <a:p>
-            <a:pPr marL="0" indent="0" rtl="0">
-              <a:buNone/>
-            </a:pPr>
-            <a:r>
-              <a:rPr lang="it-IT" sz="2400" cap="all" spc="200" dirty="0">
-                <a:solidFill>
-                  <a:srgbClr val="FFFFFF"/>
-                </a:solidFill>
-              </a:rPr>
-              <a:t>Domande?</a:t>
-            </a:r>
-          </a:p>
-        </p:txBody>
-      </p:sp>
-      <p:pic>
-        <p:nvPicPr>
-          <p:cNvPr id="9" name="Elemento grafico 8">
-            <a:extLst>
-              <a:ext uri="{FF2B5EF4-FFF2-40B4-BE49-F238E27FC236}">
-                <a16:creationId xmlns:a16="http://schemas.microsoft.com/office/drawing/2014/main" id="{3E65CF70-BBD9-4DD4-B59D-D2657A0E613F}"/>
               </a:ext>
             </a:extLst>
           </p:cNvPr>
@@ -11460,10 +10219,28 @@
           </a:prstGeom>
         </p:spPr>
       </p:pic>
+      <p:sp>
+        <p:nvSpPr>
+          <p:cNvPr id="3" name="Segnaposto immagine 2">
+            <a:extLst>
+              <a:ext uri="{FF2B5EF4-FFF2-40B4-BE49-F238E27FC236}">
+                <a16:creationId xmlns:a16="http://schemas.microsoft.com/office/drawing/2014/main" id="{442C0148-86F6-40E5-BF19-CE9CC52F3257}"/>
+              </a:ext>
+            </a:extLst>
+          </p:cNvPr>
+          <p:cNvSpPr>
+            <a:spLocks noGrp="1"/>
+          </p:cNvSpPr>
+          <p:nvPr>
+            <p:ph type="pic" idx="1"/>
+          </p:nvPr>
+        </p:nvSpPr>
+        <p:spPr/>
+      </p:sp>
     </p:spTree>
     <p:extLst>
       <p:ext uri="{BB962C8B-B14F-4D97-AF65-F5344CB8AC3E}">
-        <p14:creationId xmlns:p14="http://schemas.microsoft.com/office/powerpoint/2010/main" val="4127971368"/>
+        <p14:creationId xmlns:p14="http://schemas.microsoft.com/office/powerpoint/2010/main" val="1664008586"/>
       </p:ext>
     </p:extLst>
   </p:cSld>
@@ -11547,6 +10324,20 @@
           </a:bodyPr>
           <a:lstStyle/>
           <a:p>
+            <a:pPr>
+              <a:spcBef>
+                <a:spcPts val="0"/>
+              </a:spcBef>
+              <a:spcAft>
+                <a:spcPts val="0"/>
+              </a:spcAft>
+            </a:pPr>
+            <a:r>
+              <a:rPr lang="it-IT" b="1" dirty="0"/>
+              <a:t>Lo Standard ID3</a:t>
+            </a:r>
+          </a:p>
+          <a:p>
             <a:pPr marL="0" indent="0" rtl="0">
               <a:spcBef>
                 <a:spcPts val="0"/>
@@ -11557,25 +10348,10 @@
               <a:buNone/>
             </a:pPr>
             <a:r>
-              <a:rPr lang="it-IT" b="1" dirty="0"/>
-              <a:t>Lo Standard ID3</a:t>
-            </a:r>
-          </a:p>
-          <a:p>
-            <a:pPr marL="0" indent="0" rtl="0">
-              <a:spcBef>
-                <a:spcPts val="0"/>
-              </a:spcBef>
-              <a:spcAft>
-                <a:spcPts val="0"/>
-              </a:spcAft>
-              <a:buNone/>
-            </a:pPr>
-            <a:r>
               <a:rPr lang="it-IT" sz="1600" dirty="0">
                 <a:latin typeface="+mj-lt"/>
               </a:rPr>
-              <a:t>Descrizione e uso</a:t>
+              <a:t>Descrizione</a:t>
             </a:r>
           </a:p>
           <a:p>
@@ -11642,19 +10418,23 @@
             <a:endParaRPr lang="it-IT" dirty="0"/>
           </a:p>
           <a:p>
-            <a:pPr marL="0" indent="0" rtl="0">
+            <a:pPr>
               <a:spcBef>
                 <a:spcPts val="0"/>
               </a:spcBef>
               <a:spcAft>
                 <a:spcPts val="0"/>
               </a:spcAft>
-              <a:buNone/>
             </a:pPr>
             <a:r>
               <a:rPr lang="it-IT" b="1" dirty="0"/>
-              <a:t>Grammatica compatibile con lo standard ID3</a:t>
-            </a:r>
+              <a:t>Grammatica con </a:t>
+            </a:r>
+            <a:r>
+              <a:rPr lang="it-IT" b="1" dirty="0" err="1"/>
+              <a:t>Header</a:t>
+            </a:r>
+            <a:endParaRPr lang="it-IT" b="1" dirty="0"/>
           </a:p>
           <a:p>
             <a:pPr marL="0" lvl="0" indent="0" rtl="0">
@@ -11670,7 +10450,7 @@
               <a:rPr lang="it-IT" sz="1600" dirty="0">
                 <a:latin typeface="+mj-lt"/>
               </a:rPr>
-              <a:t>Prestazioni</a:t>
+              <a:t>Descrizione</a:t>
             </a:r>
           </a:p>
           <a:p>
@@ -11687,7 +10467,7 @@
               <a:rPr lang="it-IT" sz="1600" dirty="0">
                 <a:latin typeface="+mj-lt"/>
               </a:rPr>
-              <a:t>Risultati del sondaggio</a:t>
+              <a:t>Gestione dei dati con Java</a:t>
             </a:r>
           </a:p>
           <a:p>
@@ -11704,24 +10484,7 @@
               <a:rPr lang="it-IT" sz="1600" dirty="0">
                 <a:latin typeface="+mj-lt"/>
               </a:rPr>
-              <a:t>Punti di forza/Punti deboli</a:t>
-            </a:r>
-          </a:p>
-          <a:p>
-            <a:pPr marL="0" lvl="0" indent="0">
-              <a:spcBef>
-                <a:spcPts val="0"/>
-              </a:spcBef>
-              <a:spcAft>
-                <a:spcPts val="0"/>
-              </a:spcAft>
-              <a:buNone/>
-            </a:pPr>
-            <a:r>
-              <a:rPr lang="it-IT" sz="1600" dirty="0">
-                <a:latin typeface="+mj-lt"/>
-              </a:rPr>
-              <a:t>Aggiornamenti chiave sul progetto</a:t>
+              <a:t>Gestione e riconoscimento del frame Genere</a:t>
             </a:r>
           </a:p>
           <a:p>
@@ -11737,6 +10500,20 @@
             <a:endParaRPr lang="it-IT" dirty="0"/>
           </a:p>
           <a:p>
+            <a:pPr>
+              <a:spcBef>
+                <a:spcPts val="0"/>
+              </a:spcBef>
+              <a:spcAft>
+                <a:spcPts val="0"/>
+              </a:spcAft>
+            </a:pPr>
+            <a:r>
+              <a:rPr lang="it-IT" b="1" dirty="0"/>
+              <a:t>Il problema della gestione degli errori</a:t>
+            </a:r>
+          </a:p>
+          <a:p>
             <a:pPr marL="0" indent="0" rtl="0">
               <a:spcBef>
                 <a:spcPts val="0"/>
@@ -11747,8 +10524,10 @@
               <a:buNone/>
             </a:pPr>
             <a:r>
-              <a:rPr lang="it-IT" b="1" dirty="0"/>
-              <a:t>Grammatica corretta</a:t>
+              <a:rPr lang="it-IT" sz="1600" dirty="0">
+                <a:latin typeface="+mj-lt"/>
+              </a:rPr>
+              <a:t>A</a:t>
             </a:r>
           </a:p>
           <a:p>
@@ -11765,7 +10544,7 @@
               <a:rPr lang="it-IT" sz="1600" dirty="0">
                 <a:latin typeface="+mj-lt"/>
               </a:rPr>
-              <a:t>Aspirazioni</a:t>
+              <a:t>N</a:t>
             </a:r>
           </a:p>
           <a:p>
@@ -11782,7 +10561,7 @@
               <a:rPr lang="it-IT" sz="1600" dirty="0">
                 <a:latin typeface="+mj-lt"/>
               </a:rPr>
-              <a:t>Nuove iniziative</a:t>
+              <a:t>M</a:t>
             </a:r>
           </a:p>
           <a:p>
@@ -11795,15 +10574,26 @@
               </a:spcAft>
               <a:buNone/>
             </a:pPr>
-            <a:r>
-              <a:rPr lang="it-IT" sz="1600" dirty="0">
-                <a:latin typeface="+mj-lt"/>
-              </a:rPr>
-              <a:t>Metriche chiave</a:t>
-            </a:r>
-          </a:p>
-          <a:p>
-            <a:pPr marL="533400" indent="0" rtl="0">
+            <a:endParaRPr lang="it-IT" sz="1600" b="1" dirty="0">
+              <a:latin typeface="+mj-lt"/>
+            </a:endParaRPr>
+          </a:p>
+          <a:p>
+            <a:pPr>
+              <a:spcBef>
+                <a:spcPts val="0"/>
+              </a:spcBef>
+              <a:spcAft>
+                <a:spcPts val="0"/>
+              </a:spcAft>
+            </a:pPr>
+            <a:r>
+              <a:rPr lang="it-IT" b="1" dirty="0"/>
+              <a:t>Grammatica compatibile con lo standard ID3v1</a:t>
+            </a:r>
+          </a:p>
+          <a:p>
+            <a:pPr marL="0" indent="0" rtl="0">
               <a:spcBef>
                 <a:spcPts val="0"/>
               </a:spcBef>
@@ -11813,12 +10603,14 @@
               <a:buNone/>
             </a:pPr>
             <a:r>
-              <a:rPr lang="it-IT" b="1" dirty="0"/>
-              <a:t>Vari casi d’uso e testing</a:t>
-            </a:r>
-          </a:p>
-          <a:p>
-            <a:pPr marL="533400" lvl="0" indent="0" rtl="0">
+              <a:rPr lang="it-IT" sz="1600" dirty="0">
+                <a:latin typeface="+mj-lt"/>
+              </a:rPr>
+              <a:t>T</a:t>
+            </a:r>
+          </a:p>
+          <a:p>
+            <a:pPr marL="0" indent="0" rtl="0">
               <a:spcBef>
                 <a:spcPts val="0"/>
               </a:spcBef>
@@ -11831,11 +10623,11 @@
               <a:rPr lang="it-IT" sz="1600" dirty="0">
                 <a:latin typeface="+mj-lt"/>
               </a:rPr>
-              <a:t>Team esecutivo</a:t>
-            </a:r>
-          </a:p>
-          <a:p>
-            <a:pPr marL="533400" lvl="0" indent="0" rtl="0">
+              <a:t>N</a:t>
+            </a:r>
+          </a:p>
+          <a:p>
+            <a:pPr marL="0" indent="0" rtl="0">
               <a:spcBef>
                 <a:spcPts val="0"/>
               </a:spcBef>
@@ -11848,24 +10640,7 @@
               <a:rPr lang="it-IT" sz="1600" dirty="0">
                 <a:latin typeface="+mj-lt"/>
               </a:rPr>
-              <a:t>Nuovi dipendenti</a:t>
-            </a:r>
-          </a:p>
-          <a:p>
-            <a:pPr marL="533400" lvl="0" indent="0" rtl="0">
-              <a:spcBef>
-                <a:spcPts val="0"/>
-              </a:spcBef>
-              <a:spcAft>
-                <a:spcPts val="0"/>
-              </a:spcAft>
-              <a:buNone/>
-            </a:pPr>
-            <a:r>
-              <a:rPr lang="it-IT" sz="1600" dirty="0">
-                <a:latin typeface="+mj-lt"/>
-              </a:rPr>
-              <a:t>Anniversari</a:t>
+              <a:t>A</a:t>
             </a:r>
           </a:p>
           <a:p>
@@ -11880,351 +10655,7 @@
             </a:pPr>
             <a:endParaRPr lang="it-IT" dirty="0"/>
           </a:p>
-          <a:p>
-            <a:pPr marL="533400" indent="0" rtl="0">
-              <a:spcBef>
-                <a:spcPts val="0"/>
-              </a:spcBef>
-              <a:spcAft>
-                <a:spcPts val="0"/>
-              </a:spcAft>
-              <a:buNone/>
-            </a:pPr>
-            <a:r>
-              <a:rPr lang="it-IT" b="1" dirty="0"/>
-              <a:t>Formula di chiusura</a:t>
-            </a:r>
-          </a:p>
-          <a:p>
-            <a:pPr marL="533400" indent="0" rtl="0">
-              <a:spcBef>
-                <a:spcPts val="0"/>
-              </a:spcBef>
-              <a:spcAft>
-                <a:spcPts val="0"/>
-              </a:spcAft>
-              <a:buNone/>
-            </a:pPr>
-            <a:r>
-              <a:rPr lang="it-IT" sz="1600" dirty="0">
-                <a:latin typeface="+mj-lt"/>
-              </a:rPr>
-              <a:t>Riepilogo</a:t>
-            </a:r>
-          </a:p>
-          <a:p>
-            <a:pPr marL="533400" indent="0" rtl="0">
-              <a:spcBef>
-                <a:spcPts val="0"/>
-              </a:spcBef>
-              <a:spcAft>
-                <a:spcPts val="0"/>
-              </a:spcAft>
-              <a:buNone/>
-            </a:pPr>
-            <a:r>
-              <a:rPr lang="it-IT" sz="1600" dirty="0">
-                <a:latin typeface="+mj-lt"/>
-              </a:rPr>
-              <a:t>Domande e risposte</a:t>
-            </a:r>
-          </a:p>
-        </p:txBody>
-      </p:sp>
-      <p:sp>
-        <p:nvSpPr>
-          <p:cNvPr id="27" name="Rettangolo 26" descr="Stretta di mano">
-            <a:extLst>
-              <a:ext uri="{FF2B5EF4-FFF2-40B4-BE49-F238E27FC236}">
-                <a16:creationId xmlns:a16="http://schemas.microsoft.com/office/drawing/2014/main" id="{BEF34E1C-44B9-4EFC-8126-D51A3EA9BF40}"/>
-              </a:ext>
-            </a:extLst>
-          </p:cNvPr>
-          <p:cNvSpPr/>
-          <p:nvPr/>
-        </p:nvSpPr>
-        <p:spPr>
-          <a:xfrm>
-            <a:off x="5416375" y="779948"/>
-            <a:ext cx="499424" cy="499424"/>
-          </a:xfrm>
-          <a:prstGeom prst="rect">
-            <a:avLst/>
-          </a:prstGeom>
-          <a:blipFill>
-            <a:blip r:embed="rId3" cstate="print">
-              <a:extLst>
-                <a:ext uri="{28A0092B-C50C-407E-A947-70E740481C1C}">
-                  <a14:useLocalDpi xmlns:a14="http://schemas.microsoft.com/office/drawing/2010/main" val="0"/>
-                </a:ext>
-                <a:ext uri="{96DAC541-7B7A-43D3-8B79-37D633B846F1}">
-                  <asvg:svgBlip xmlns:asvg="http://schemas.microsoft.com/office/drawing/2016/SVG/main" r:embed="rId4"/>
-                </a:ext>
-              </a:extLst>
-            </a:blip>
-            <a:stretch>
-              <a:fillRect/>
-            </a:stretch>
-          </a:blipFill>
-          <a:ln>
-            <a:noFill/>
-          </a:ln>
-        </p:spPr>
-        <p:style>
-          <a:lnRef idx="2">
-            <a:scrgbClr r="0" g="0" b="0"/>
-          </a:lnRef>
-          <a:fillRef idx="1">
-            <a:scrgbClr r="0" g="0" b="0"/>
-          </a:fillRef>
-          <a:effectRef idx="0">
-            <a:schemeClr val="accent2">
-              <a:hueOff val="0"/>
-              <a:satOff val="0"/>
-              <a:lumOff val="0"/>
-              <a:alphaOff val="0"/>
-            </a:schemeClr>
-          </a:effectRef>
-          <a:fontRef idx="minor">
-            <a:schemeClr val="lt1"/>
-          </a:fontRef>
-        </p:style>
-      </p:sp>
-      <p:sp>
-        <p:nvSpPr>
-          <p:cNvPr id="28" name="Rettangolo 27" descr="Grafico a barre">
-            <a:extLst>
-              <a:ext uri="{FF2B5EF4-FFF2-40B4-BE49-F238E27FC236}">
-                <a16:creationId xmlns:a16="http://schemas.microsoft.com/office/drawing/2014/main" id="{7810A56D-FB7B-429D-835B-7A0CD7BCB96A}"/>
-              </a:ext>
-            </a:extLst>
-          </p:cNvPr>
-          <p:cNvSpPr/>
-          <p:nvPr/>
-        </p:nvSpPr>
-        <p:spPr>
-          <a:xfrm>
-            <a:off x="5493983" y="2907410"/>
-            <a:ext cx="499424" cy="499424"/>
-          </a:xfrm>
-          <a:prstGeom prst="rect">
-            <a:avLst/>
-          </a:prstGeom>
-          <a:blipFill>
-            <a:blip r:embed="rId5" cstate="print">
-              <a:extLst>
-                <a:ext uri="{28A0092B-C50C-407E-A947-70E740481C1C}">
-                  <a14:useLocalDpi xmlns:a14="http://schemas.microsoft.com/office/drawing/2010/main" val="0"/>
-                </a:ext>
-                <a:ext uri="{96DAC541-7B7A-43D3-8B79-37D633B846F1}">
-                  <asvg:svgBlip xmlns:asvg="http://schemas.microsoft.com/office/drawing/2016/SVG/main" r:embed="rId6"/>
-                </a:ext>
-              </a:extLst>
-            </a:blip>
-            <a:stretch>
-              <a:fillRect/>
-            </a:stretch>
-          </a:blipFill>
-          <a:ln>
-            <a:noFill/>
-          </a:ln>
-        </p:spPr>
-        <p:style>
-          <a:lnRef idx="2">
-            <a:scrgbClr r="0" g="0" b="0"/>
-          </a:lnRef>
-          <a:fillRef idx="1">
-            <a:scrgbClr r="0" g="0" b="0"/>
-          </a:fillRef>
-          <a:effectRef idx="0">
-            <a:schemeClr val="accent2">
-              <a:hueOff val="-332956"/>
-              <a:satOff val="-147"/>
-              <a:lumOff val="392"/>
-              <a:alphaOff val="0"/>
-            </a:schemeClr>
-          </a:effectRef>
-          <a:fontRef idx="minor">
-            <a:schemeClr val="lt1"/>
-          </a:fontRef>
-        </p:style>
-      </p:sp>
-      <p:sp>
-        <p:nvSpPr>
-          <p:cNvPr id="29" name="Rettangolo 28" descr="Segno di spunta">
-            <a:extLst>
-              <a:ext uri="{FF2B5EF4-FFF2-40B4-BE49-F238E27FC236}">
-                <a16:creationId xmlns:a16="http://schemas.microsoft.com/office/drawing/2014/main" id="{9C6EFB52-3349-4B07-BB85-12C3EA673CEA}"/>
-              </a:ext>
-            </a:extLst>
-          </p:cNvPr>
-          <p:cNvSpPr/>
-          <p:nvPr/>
-        </p:nvSpPr>
-        <p:spPr>
-          <a:xfrm>
-            <a:off x="5594365" y="4794608"/>
-            <a:ext cx="373900" cy="394492"/>
-          </a:xfrm>
-          <a:prstGeom prst="rect">
-            <a:avLst/>
-          </a:prstGeom>
-          <a:blipFill>
-            <a:blip r:embed="rId7" cstate="print">
-              <a:extLst>
-                <a:ext uri="{28A0092B-C50C-407E-A947-70E740481C1C}">
-                  <a14:useLocalDpi xmlns:a14="http://schemas.microsoft.com/office/drawing/2010/main" val="0"/>
-                </a:ext>
-                <a:ext uri="{96DAC541-7B7A-43D3-8B79-37D633B846F1}">
-                  <asvg:svgBlip xmlns:asvg="http://schemas.microsoft.com/office/drawing/2016/SVG/main" r:embed="rId8"/>
-                </a:ext>
-              </a:extLst>
-            </a:blip>
-            <a:stretch>
-              <a:fillRect/>
-            </a:stretch>
-          </a:blipFill>
-          <a:ln>
-            <a:noFill/>
-          </a:ln>
-        </p:spPr>
-        <p:style>
-          <a:lnRef idx="2">
-            <a:scrgbClr r="0" g="0" b="0"/>
-          </a:lnRef>
-          <a:fillRef idx="1">
-            <a:scrgbClr r="0" g="0" b="0"/>
-          </a:fillRef>
-          <a:effectRef idx="0">
-            <a:schemeClr val="accent2">
-              <a:hueOff val="-665912"/>
-              <a:satOff val="-293"/>
-              <a:lumOff val="784"/>
-              <a:alphaOff val="0"/>
-            </a:schemeClr>
-          </a:effectRef>
-          <a:fontRef idx="minor">
-            <a:schemeClr val="lt1"/>
-          </a:fontRef>
-        </p:style>
-      </p:sp>
-      <p:sp>
-        <p:nvSpPr>
-          <p:cNvPr id="30" name="Rettangolo 29" descr="Gruppo">
-            <a:extLst>
-              <a:ext uri="{FF2B5EF4-FFF2-40B4-BE49-F238E27FC236}">
-                <a16:creationId xmlns:a16="http://schemas.microsoft.com/office/drawing/2014/main" id="{88F8C9F3-7615-45BF-B785-33C277085718}"/>
-              </a:ext>
-            </a:extLst>
-          </p:cNvPr>
-          <p:cNvSpPr/>
-          <p:nvPr/>
-        </p:nvSpPr>
-        <p:spPr>
-          <a:xfrm>
-            <a:off x="8609420" y="765379"/>
-            <a:ext cx="499424" cy="499424"/>
-          </a:xfrm>
-          <a:prstGeom prst="rect">
-            <a:avLst/>
-          </a:prstGeom>
-          <a:blipFill>
-            <a:blip r:embed="rId9" cstate="print">
-              <a:extLst>
-                <a:ext uri="{28A0092B-C50C-407E-A947-70E740481C1C}">
-                  <a14:useLocalDpi xmlns:a14="http://schemas.microsoft.com/office/drawing/2010/main" val="0"/>
-                </a:ext>
-                <a:ext uri="{96DAC541-7B7A-43D3-8B79-37D633B846F1}">
-                  <asvg:svgBlip xmlns:asvg="http://schemas.microsoft.com/office/drawing/2016/SVG/main" r:embed="rId10"/>
-                </a:ext>
-              </a:extLst>
-            </a:blip>
-            <a:stretch>
-              <a:fillRect/>
-            </a:stretch>
-          </a:blipFill>
-          <a:ln>
-            <a:noFill/>
-          </a:ln>
-        </p:spPr>
-        <p:style>
-          <a:lnRef idx="2">
-            <a:scrgbClr r="0" g="0" b="0"/>
-          </a:lnRef>
-          <a:fillRef idx="1">
-            <a:scrgbClr r="0" g="0" b="0"/>
-          </a:fillRef>
-          <a:effectRef idx="0">
-            <a:schemeClr val="accent2">
-              <a:hueOff val="-998868"/>
-              <a:satOff val="-440"/>
-              <a:lumOff val="1177"/>
-              <a:alphaOff val="0"/>
-            </a:schemeClr>
-          </a:effectRef>
-          <a:fontRef idx="minor">
-            <a:schemeClr val="lt1"/>
-          </a:fontRef>
-        </p:style>
-      </p:sp>
-      <p:sp>
-        <p:nvSpPr>
-          <p:cNvPr id="31" name="Rettangolo 30" descr="Guida">
-            <a:extLst>
-              <a:ext uri="{FF2B5EF4-FFF2-40B4-BE49-F238E27FC236}">
-                <a16:creationId xmlns:a16="http://schemas.microsoft.com/office/drawing/2014/main" id="{B15A1DA1-0781-4F05-ADA9-ADBE27A12E44}"/>
-              </a:ext>
-            </a:extLst>
-          </p:cNvPr>
-          <p:cNvSpPr/>
-          <p:nvPr/>
-        </p:nvSpPr>
-        <p:spPr>
-          <a:xfrm>
-            <a:off x="8624410" y="2107273"/>
-            <a:ext cx="499424" cy="499424"/>
-          </a:xfrm>
-          <a:prstGeom prst="rect">
-            <a:avLst/>
-          </a:prstGeom>
-          <a:blipFill>
-            <a:blip r:embed="rId11" cstate="print">
-              <a:extLst>
-                <a:ext uri="{28A0092B-C50C-407E-A947-70E740481C1C}">
-                  <a14:useLocalDpi xmlns:a14="http://schemas.microsoft.com/office/drawing/2010/main" val="0"/>
-                </a:ext>
-                <a:ext uri="{96DAC541-7B7A-43D3-8B79-37D633B846F1}">
-                  <asvg:svgBlip xmlns:asvg="http://schemas.microsoft.com/office/drawing/2016/SVG/main" r:embed="rId12"/>
-                </a:ext>
-              </a:extLst>
-            </a:blip>
-            <a:stretch>
-              <a:fillRect/>
-            </a:stretch>
-          </a:blipFill>
-          <a:ln>
-            <a:noFill/>
-          </a:ln>
-        </p:spPr>
-        <p:style>
-          <a:lnRef idx="2">
-            <a:scrgbClr r="0" g="0" b="0"/>
-          </a:lnRef>
-          <a:fillRef idx="1">
-            <a:scrgbClr r="0" g="0" b="0"/>
-          </a:fillRef>
-          <a:effectRef idx="0">
-            <a:schemeClr val="accent2">
-              <a:hueOff val="-1331824"/>
-              <a:satOff val="-586"/>
-              <a:lumOff val="1569"/>
-              <a:alphaOff val="0"/>
-            </a:schemeClr>
-          </a:effectRef>
-          <a:fontRef idx="minor">
-            <a:schemeClr val="lt1"/>
-          </a:fontRef>
-        </p:style>
+        </p:txBody>
       </p:sp>
       <p:pic>
         <p:nvPicPr>
@@ -12241,13 +10672,13 @@
           <p:nvPr/>
         </p:nvPicPr>
         <p:blipFill>
-          <a:blip r:embed="rId13" cstate="print">
+          <a:blip r:embed="rId3" cstate="print">
             <a:extLst>
               <a:ext uri="{28A0092B-C50C-407E-A947-70E740481C1C}">
                 <a14:useLocalDpi xmlns:a14="http://schemas.microsoft.com/office/drawing/2010/main" val="0"/>
               </a:ext>
               <a:ext uri="{96DAC541-7B7A-43D3-8B79-37D633B846F1}">
-                <asvg:svgBlip xmlns:asvg="http://schemas.microsoft.com/office/drawing/2016/SVG/main" r:embed="rId14"/>
+                <asvg:svgBlip xmlns:asvg="http://schemas.microsoft.com/office/drawing/2016/SVG/main" r:embed="rId4"/>
               </a:ext>
             </a:extLst>
           </a:blip>
@@ -12385,7 +10816,7 @@
             <a:pPr rtl="0"/>
             <a:r>
               <a:rPr lang="it-IT" dirty="0"/>
-              <a:t>Standard ID3</a:t>
+              <a:t>Standard ID3: descrizione</a:t>
             </a:r>
           </a:p>
         </p:txBody>
@@ -13913,7 +12344,50 @@
               <a:rPr lang="it-IT" dirty="0">
                 <a:latin typeface="+mj-lt"/>
               </a:rPr>
-              <a:t>Il codice e la grammatica sono disponibili su GitHub alla repository -&gt; https://github.com/atusghen/SimpleID3</a:t>
+              <a:t>Il codice e la grammatica sono disponibili su GitHub alla repository -&gt; </a:t>
+            </a:r>
+            <a:r>
+              <a:rPr lang="it-IT" dirty="0">
+                <a:latin typeface="+mj-lt"/>
+                <a:hlinkClick r:id="rId3"/>
+              </a:rPr>
+              <a:t>https://github.com/atusghen/SimpleID3</a:t>
+            </a:r>
+            <a:endParaRPr lang="it-IT" dirty="0">
+              <a:latin typeface="+mj-lt"/>
+            </a:endParaRPr>
+          </a:p>
+          <a:p>
+            <a:pPr rtl="0"/>
+            <a:r>
+              <a:rPr lang="it-IT" dirty="0">
+                <a:latin typeface="+mj-lt"/>
+              </a:rPr>
+              <a:t>Java con Eclipse e </a:t>
+            </a:r>
+            <a:r>
+              <a:rPr lang="it-IT" dirty="0" err="1">
+                <a:latin typeface="+mj-lt"/>
+              </a:rPr>
+              <a:t>AntLR</a:t>
+            </a:r>
+            <a:r>
+              <a:rPr lang="it-IT" dirty="0">
+                <a:latin typeface="+mj-lt"/>
+              </a:rPr>
+              <a:t> 3.4, </a:t>
+            </a:r>
+            <a:r>
+              <a:rPr lang="it-IT" dirty="0" err="1">
+                <a:latin typeface="+mj-lt"/>
+              </a:rPr>
+              <a:t>AntLRworks</a:t>
+            </a:r>
+            <a:r>
+              <a:rPr lang="it-IT" dirty="0">
+                <a:latin typeface="+mj-lt"/>
+              </a:rPr>
+              <a:t> 1.5.2 per la grammatica</a:t>
             </a:r>
           </a:p>
         </p:txBody>
@@ -13933,13 +12407,13 @@
           <p:nvPr/>
         </p:nvPicPr>
         <p:blipFill>
-          <a:blip r:embed="rId3" cstate="print">
+          <a:blip r:embed="rId4" cstate="print">
             <a:extLst>
               <a:ext uri="{28A0092B-C50C-407E-A947-70E740481C1C}">
                 <a14:useLocalDpi xmlns:a14="http://schemas.microsoft.com/office/drawing/2010/main" val="0"/>
               </a:ext>
               <a:ext uri="{96DAC541-7B7A-43D3-8B79-37D633B846F1}">
-                <asvg:svgBlip xmlns:asvg="http://schemas.microsoft.com/office/drawing/2016/SVG/main" r:embed="rId4"/>
+                <asvg:svgBlip xmlns:asvg="http://schemas.microsoft.com/office/drawing/2016/SVG/main" r:embed="rId5"/>
               </a:ext>
             </a:extLst>
           </a:blip>
@@ -14077,8 +12551,13 @@
             <a:pPr rtl="0"/>
             <a:r>
               <a:rPr lang="it-IT" dirty="0"/>
-              <a:t>Grammatica compatibile con ID3v1</a:t>
-            </a:r>
+              <a:t>Grammatica con </a:t>
+            </a:r>
+            <a:r>
+              <a:rPr lang="it-IT" dirty="0" err="1"/>
+              <a:t>Header</a:t>
+            </a:r>
+            <a:endParaRPr lang="it-IT" dirty="0"/>
           </a:p>
         </p:txBody>
       </p:sp>
@@ -14193,16 +12672,149 @@
           <a:bodyPr/>
           <a:lstStyle/>
           <a:p>
+            <a:r>
+              <a:rPr lang="it-IT" dirty="0"/>
+              <a:t>Struttura dei dati -&gt; 					dove HEAD è sempre uguale a «TAG». Abbiamo errore di </a:t>
+            </a:r>
+            <a:r>
+              <a:rPr lang="it-IT" dirty="0" err="1"/>
+              <a:t>parsing</a:t>
+            </a:r>
+            <a:r>
+              <a:rPr lang="it-IT" dirty="0"/>
+              <a:t> per tutte le altre stringhe </a:t>
+            </a:r>
+          </a:p>
+          <a:p>
+            <a:r>
+              <a:rPr lang="it-IT" dirty="0"/>
+              <a:t>Struttura del corpo informazioni -&gt; (evidenziamo la sequenzialità degli slot)</a:t>
+            </a:r>
+          </a:p>
+          <a:p>
+            <a:endParaRPr lang="it-IT" dirty="0"/>
+          </a:p>
+          <a:p>
+            <a:r>
+              <a:rPr lang="it-IT" dirty="0"/>
+              <a:t>Struttura del titolo -&gt; (CHAR è ripetuto 30 volte)</a:t>
+            </a:r>
+          </a:p>
+          <a:p>
+            <a:endParaRPr lang="it-IT" dirty="0"/>
+          </a:p>
+          <a:p>
             <a:pPr marL="0" indent="0">
               <a:buNone/>
             </a:pPr>
-            <a:r>
-              <a:rPr lang="it-IT" dirty="0"/>
-              <a:t>Lo </a:t>
-            </a:r>
-          </a:p>
-        </p:txBody>
-      </p:sp>
+            <a:endParaRPr lang="it-IT" dirty="0"/>
+          </a:p>
+        </p:txBody>
+      </p:sp>
+      <p:pic>
+        <p:nvPicPr>
+          <p:cNvPr id="5" name="Immagine 4">
+            <a:extLst>
+              <a:ext uri="{FF2B5EF4-FFF2-40B4-BE49-F238E27FC236}">
+                <a16:creationId xmlns:a16="http://schemas.microsoft.com/office/drawing/2014/main" id="{3202F3E8-1682-4CDD-AA2B-75858BC134F3}"/>
+              </a:ext>
+            </a:extLst>
+          </p:cNvPr>
+          <p:cNvPicPr>
+            <a:picLocks noChangeAspect="1"/>
+          </p:cNvPicPr>
+          <p:nvPr/>
+        </p:nvPicPr>
+        <p:blipFill rotWithShape="1">
+          <a:blip r:embed="rId5"/>
+          <a:srcRect b="23738"/>
+          <a:stretch/>
+        </p:blipFill>
+        <p:spPr>
+          <a:xfrm>
+            <a:off x="3822266" y="2071255"/>
+            <a:ext cx="3457575" cy="348672"/>
+          </a:xfrm>
+          <a:prstGeom prst="rect">
+            <a:avLst/>
+          </a:prstGeom>
+          <a:ln>
+            <a:solidFill>
+              <a:schemeClr val="tx1"/>
+            </a:solidFill>
+          </a:ln>
+        </p:spPr>
+      </p:pic>
+      <p:pic>
+        <p:nvPicPr>
+          <p:cNvPr id="8" name="Immagine 7">
+            <a:extLst>
+              <a:ext uri="{FF2B5EF4-FFF2-40B4-BE49-F238E27FC236}">
+                <a16:creationId xmlns:a16="http://schemas.microsoft.com/office/drawing/2014/main" id="{02B502EB-2950-406E-A5E6-39F7647728DD}"/>
+              </a:ext>
+            </a:extLst>
+          </p:cNvPr>
+          <p:cNvPicPr>
+            <a:picLocks noChangeAspect="1"/>
+          </p:cNvPicPr>
+          <p:nvPr/>
+        </p:nvPicPr>
+        <p:blipFill>
+          <a:blip r:embed="rId6"/>
+          <a:stretch>
+            <a:fillRect/>
+          </a:stretch>
+        </p:blipFill>
+        <p:spPr>
+          <a:xfrm>
+            <a:off x="1464828" y="3288968"/>
+            <a:ext cx="8172450" cy="552450"/>
+          </a:xfrm>
+          <a:prstGeom prst="rect">
+            <a:avLst/>
+          </a:prstGeom>
+          <a:ln>
+            <a:solidFill>
+              <a:schemeClr val="tx1"/>
+            </a:solidFill>
+          </a:ln>
+        </p:spPr>
+      </p:pic>
+      <p:pic>
+        <p:nvPicPr>
+          <p:cNvPr id="11" name="Immagine 10">
+            <a:extLst>
+              <a:ext uri="{FF2B5EF4-FFF2-40B4-BE49-F238E27FC236}">
+                <a16:creationId xmlns:a16="http://schemas.microsoft.com/office/drawing/2014/main" id="{C22F72BB-00AC-423B-A6D3-D02837A527B8}"/>
+              </a:ext>
+            </a:extLst>
+          </p:cNvPr>
+          <p:cNvPicPr>
+            <a:picLocks noChangeAspect="1"/>
+          </p:cNvPicPr>
+          <p:nvPr/>
+        </p:nvPicPr>
+        <p:blipFill>
+          <a:blip r:embed="rId7"/>
+          <a:stretch>
+            <a:fillRect/>
+          </a:stretch>
+        </p:blipFill>
+        <p:spPr>
+          <a:xfrm>
+            <a:off x="917052" y="4303063"/>
+            <a:ext cx="10296525" cy="457200"/>
+          </a:xfrm>
+          <a:prstGeom prst="rect">
+            <a:avLst/>
+          </a:prstGeom>
+          <a:ln>
+            <a:solidFill>
+              <a:schemeClr val="tx1"/>
+            </a:solidFill>
+          </a:ln>
+        </p:spPr>
+      </p:pic>
     </p:spTree>
     <p:extLst>
       <p:ext uri="{BB962C8B-B14F-4D97-AF65-F5344CB8AC3E}">
@@ -14449,8 +13061,27 @@
                   </a:schemeClr>
                 </a:solidFill>
               </a:rPr>
-              <a:t>Materiale utilizzato</a:t>
-            </a:r>
+              <a:t>Grammatica con </a:t>
+            </a:r>
+            <a:r>
+              <a:rPr lang="it-IT" sz="4400" dirty="0" err="1">
+                <a:solidFill>
+                  <a:schemeClr val="tx1">
+                    <a:lumMod val="75000"/>
+                    <a:lumOff val="25000"/>
+                  </a:schemeClr>
+                </a:solidFill>
+              </a:rPr>
+              <a:t>Header</a:t>
+            </a:r>
+            <a:endParaRPr lang="it-IT" sz="4400" dirty="0">
+              <a:solidFill>
+                <a:schemeClr val="tx1">
+                  <a:lumMod val="75000"/>
+                  <a:lumOff val="25000"/>
+                </a:schemeClr>
+              </a:solidFill>
+            </a:endParaRPr>
           </a:p>
         </p:txBody>
       </p:sp>
@@ -14581,8 +13212,8 @@
         </p:nvSpPr>
         <p:spPr>
           <a:xfrm>
-            <a:off x="590926" y="1452870"/>
-            <a:ext cx="10864474" cy="4590875"/>
+            <a:off x="590926" y="1452871"/>
+            <a:ext cx="10864474" cy="3054474"/>
           </a:xfrm>
         </p:spPr>
         <p:txBody>
@@ -14596,8 +13227,14 @@
               <a:rPr lang="it-IT" dirty="0">
                 <a:latin typeface="+mj-lt"/>
               </a:rPr>
-              <a:t>Ci siamo occupati dell’implementazione della versione v1, utilizzando come test il pacchetto fornito nella sezione «Developer Information» del sito. Il pacchetto comprende oltre gli svariati casi di riconoscimento/rifiuto dei componenti dei frame, la lista completa dei generi implementabile però tramite Java</a:t>
-            </a:r>
+              <a:t>Esempio di testa per gli slot (prendiamo in esame TITLE_HEAD) -&gt; </a:t>
+            </a:r>
+          </a:p>
+          <a:p>
+            <a:pPr rtl="0"/>
+            <a:endParaRPr lang="it-IT" dirty="0">
+              <a:latin typeface="+mj-lt"/>
+            </a:endParaRPr>
           </a:p>
           <a:p>
             <a:pPr rtl="0"/>
@@ -14605,7 +13242,40 @@
               <a:rPr lang="it-IT" dirty="0">
                 <a:latin typeface="+mj-lt"/>
               </a:rPr>
-              <a:t>Il codice e la grammatica sono disponibili su GitHub alla repository -&gt; https://github.com/atusghen/SimpleID3</a:t>
+              <a:t>Ovvero tutti gli </a:t>
+            </a:r>
+            <a:r>
+              <a:rPr lang="it-IT" dirty="0" err="1">
+                <a:latin typeface="+mj-lt"/>
+              </a:rPr>
+              <a:t>header</a:t>
+            </a:r>
+            <a:r>
+              <a:rPr lang="it-IT" dirty="0">
+                <a:latin typeface="+mj-lt"/>
+              </a:rPr>
+              <a:t> sono anticipati dal carattere #. Questo preclude il suo utilizzo all’interno degli slot dati (infatti è stato escluso dalla definizione di CHAR) per evitare problemi di riconoscimento dei componenti del TAG</a:t>
+            </a:r>
+          </a:p>
+          <a:p>
+            <a:pPr rtl="0"/>
+            <a:r>
+              <a:rPr lang="it-IT" dirty="0">
+                <a:latin typeface="+mj-lt"/>
+              </a:rPr>
+              <a:t>Altri </a:t>
+            </a:r>
+            <a:r>
+              <a:rPr lang="it-IT" dirty="0" err="1">
+                <a:latin typeface="+mj-lt"/>
+              </a:rPr>
+              <a:t>header</a:t>
+            </a:r>
+            <a:r>
+              <a:rPr lang="it-IT" dirty="0">
+                <a:latin typeface="+mj-lt"/>
+              </a:rPr>
+              <a:t> utilizzati:</a:t>
             </a:r>
           </a:p>
         </p:txBody>
@@ -14697,6 +13367,152 @@
               <a:t>7</a:t>
             </a:fld>
             <a:endParaRPr lang="it-IT" b="1" dirty="0"/>
+          </a:p>
+        </p:txBody>
+      </p:sp>
+      <p:pic>
+        <p:nvPicPr>
+          <p:cNvPr id="11" name="Immagine 10">
+            <a:extLst>
+              <a:ext uri="{FF2B5EF4-FFF2-40B4-BE49-F238E27FC236}">
+                <a16:creationId xmlns:a16="http://schemas.microsoft.com/office/drawing/2014/main" id="{9D2D257B-71B6-4540-9344-B1176BA9B67B}"/>
+              </a:ext>
+            </a:extLst>
+          </p:cNvPr>
+          <p:cNvPicPr>
+            <a:picLocks noChangeAspect="1"/>
+          </p:cNvPicPr>
+          <p:nvPr/>
+        </p:nvPicPr>
+        <p:blipFill>
+          <a:blip r:embed="rId5"/>
+          <a:stretch>
+            <a:fillRect/>
+          </a:stretch>
+        </p:blipFill>
+        <p:spPr>
+          <a:xfrm>
+            <a:off x="794039" y="1998235"/>
+            <a:ext cx="5505450" cy="457200"/>
+          </a:xfrm>
+          <a:prstGeom prst="rect">
+            <a:avLst/>
+          </a:prstGeom>
+          <a:ln>
+            <a:solidFill>
+              <a:schemeClr val="tx1"/>
+            </a:solidFill>
+          </a:ln>
+        </p:spPr>
+      </p:pic>
+      <p:sp>
+        <p:nvSpPr>
+          <p:cNvPr id="2" name="CasellaDiTesto 1">
+            <a:extLst>
+              <a:ext uri="{FF2B5EF4-FFF2-40B4-BE49-F238E27FC236}">
+                <a16:creationId xmlns:a16="http://schemas.microsoft.com/office/drawing/2014/main" id="{3359AB0C-A57F-4BDA-8CAA-052ABF7A5653}"/>
+              </a:ext>
+            </a:extLst>
+          </p:cNvPr>
+          <p:cNvSpPr txBox="1"/>
+          <p:nvPr/>
+        </p:nvSpPr>
+        <p:spPr>
+          <a:xfrm>
+            <a:off x="1362653" y="4341595"/>
+            <a:ext cx="9873672" cy="1631216"/>
+          </a:xfrm>
+          <a:prstGeom prst="rect">
+            <a:avLst/>
+          </a:prstGeom>
+          <a:noFill/>
+        </p:spPr>
+        <p:txBody>
+          <a:bodyPr wrap="square" numCol="2" rtlCol="0">
+            <a:spAutoFit/>
+          </a:bodyPr>
+          <a:lstStyle/>
+          <a:p>
+            <a:pPr marL="0" indent="0" rtl="0">
+              <a:buNone/>
+            </a:pPr>
+            <a:r>
+              <a:rPr lang="it-IT" sz="2000" dirty="0">
+                <a:latin typeface="+mj-lt"/>
+              </a:rPr>
+              <a:t>Titolo -&gt; #tit</a:t>
+            </a:r>
+          </a:p>
+          <a:p>
+            <a:pPr marL="0" indent="0" rtl="0">
+              <a:buNone/>
+            </a:pPr>
+            <a:r>
+              <a:rPr lang="it-IT" sz="2000" dirty="0">
+                <a:latin typeface="+mj-lt"/>
+              </a:rPr>
+              <a:t>Artista -&gt; #art</a:t>
+            </a:r>
+          </a:p>
+          <a:p>
+            <a:pPr marL="0" indent="0" rtl="0">
+              <a:buNone/>
+            </a:pPr>
+            <a:r>
+              <a:rPr lang="it-IT" sz="2000" dirty="0">
+                <a:latin typeface="+mj-lt"/>
+              </a:rPr>
+              <a:t>Album -&gt; #alb</a:t>
+            </a:r>
+          </a:p>
+          <a:p>
+            <a:pPr marL="0" indent="0" rtl="0">
+              <a:buNone/>
+            </a:pPr>
+            <a:endParaRPr lang="it-IT" sz="2000" dirty="0">
+              <a:latin typeface="+mj-lt"/>
+            </a:endParaRPr>
+          </a:p>
+          <a:p>
+            <a:pPr marL="0" indent="0" rtl="0">
+              <a:buNone/>
+            </a:pPr>
+            <a:endParaRPr lang="it-IT" sz="2000" dirty="0">
+              <a:latin typeface="+mj-lt"/>
+            </a:endParaRPr>
+          </a:p>
+          <a:p>
+            <a:pPr marL="0" indent="0" rtl="0">
+              <a:buNone/>
+            </a:pPr>
+            <a:r>
+              <a:rPr lang="it-IT" sz="2000" dirty="0">
+                <a:latin typeface="+mj-lt"/>
+              </a:rPr>
+              <a:t>Anno -&gt; #ann</a:t>
+            </a:r>
+          </a:p>
+          <a:p>
+            <a:pPr marL="0" indent="0" rtl="0">
+              <a:buNone/>
+            </a:pPr>
+            <a:r>
+              <a:rPr lang="it-IT" sz="2000" dirty="0">
+                <a:latin typeface="+mj-lt"/>
+              </a:rPr>
+              <a:t>Commento -&gt; #com</a:t>
+            </a:r>
+          </a:p>
+          <a:p>
+            <a:pPr marL="0" indent="0" rtl="0">
+              <a:buNone/>
+            </a:pPr>
+            <a:r>
+              <a:rPr lang="it-IT" sz="2000" dirty="0">
+                <a:latin typeface="+mj-lt"/>
+              </a:rPr>
+              <a:t>Genere -&gt; #gen</a:t>
+            </a:r>
           </a:p>
         </p:txBody>
       </p:sp>
@@ -14740,99 +13556,41 @@
       </p:grpSpPr>
       <p:sp>
         <p:nvSpPr>
-          <p:cNvPr id="6" name="Titolo 5">
-            <a:extLst>
-              <a:ext uri="{FF2B5EF4-FFF2-40B4-BE49-F238E27FC236}">
-                <a16:creationId xmlns:a16="http://schemas.microsoft.com/office/drawing/2014/main" id="{CE09A200-4838-4284-BD1E-19701CABB5FE}"/>
-              </a:ext>
-            </a:extLst>
-          </p:cNvPr>
-          <p:cNvSpPr>
-            <a:spLocks noGrp="1"/>
-          </p:cNvSpPr>
-          <p:nvPr>
-            <p:ph type="title"/>
-          </p:nvPr>
-        </p:nvSpPr>
-        <p:spPr>
-          <a:xfrm>
-            <a:off x="1097280" y="286603"/>
-            <a:ext cx="10058400" cy="1450757"/>
-          </a:xfrm>
-        </p:spPr>
-        <p:txBody>
-          <a:bodyPr rtlCol="0">
-            <a:normAutofit/>
-          </a:bodyPr>
-          <a:lstStyle/>
-          <a:p>
-            <a:pPr rtl="0"/>
-            <a:r>
-              <a:rPr lang="it-IT" dirty="0"/>
-              <a:t>Grammatica con non terminali</a:t>
-            </a:r>
-          </a:p>
-        </p:txBody>
-      </p:sp>
-      <p:pic>
-        <p:nvPicPr>
-          <p:cNvPr id="4" name="Elemento grafico 3">
-            <a:extLst>
-              <a:ext uri="{FF2B5EF4-FFF2-40B4-BE49-F238E27FC236}">
-                <a16:creationId xmlns:a16="http://schemas.microsoft.com/office/drawing/2014/main" id="{ED0A95A1-BC85-4809-B935-6A9B3C054422}"/>
-              </a:ext>
-            </a:extLst>
-          </p:cNvPr>
-          <p:cNvPicPr>
-            <a:picLocks noChangeAspect="1"/>
-          </p:cNvPicPr>
-          <p:nvPr/>
-        </p:nvPicPr>
-        <p:blipFill>
-          <a:blip r:embed="rId3" cstate="print">
-            <a:extLst>
-              <a:ext uri="{28A0092B-C50C-407E-A947-70E740481C1C}">
-                <a14:useLocalDpi xmlns:a14="http://schemas.microsoft.com/office/drawing/2010/main" val="0"/>
-              </a:ext>
-              <a:ext uri="{96DAC541-7B7A-43D3-8B79-37D633B846F1}">
-                <asvg:svgBlip xmlns:asvg="http://schemas.microsoft.com/office/drawing/2016/SVG/main" r:embed="rId4"/>
-              </a:ext>
-            </a:extLst>
-          </a:blip>
-          <a:stretch>
-            <a:fillRect/>
-          </a:stretch>
-        </p:blipFill>
-        <p:spPr>
-          <a:xfrm>
-            <a:off x="207095" y="6043750"/>
-            <a:ext cx="1770209" cy="700341"/>
+          <p:cNvPr id="26" name="Rettangolo 28">
+            <a:extLst>
+              <a:ext uri="{FF2B5EF4-FFF2-40B4-BE49-F238E27FC236}">
+                <a16:creationId xmlns:a16="http://schemas.microsoft.com/office/drawing/2014/main" id="{416A0E3C-60E6-4F39-BC55-5F7C224E1F7C}"/>
+              </a:ext>
+              <a:ext uri="{C183D7F6-B498-43B3-948B-1728B52AA6E4}">
+                <adec:decorative xmlns:adec="http://schemas.microsoft.com/office/drawing/2017/decorative" val="1"/>
+              </a:ext>
+            </a:extLst>
+          </p:cNvPr>
+          <p:cNvSpPr>
+            <a:spLocks noGrp="1" noRot="1" noChangeAspect="1" noMove="1" noResize="1" noEditPoints="1" noAdjustHandles="1" noChangeArrowheads="1" noChangeShapeType="1" noTextEdit="1"/>
+          </p:cNvSpPr>
+          <p:nvPr>
+            <p:extLst>
+              <p:ext uri="{386F3935-93C4-4BCD-93E2-E3B085C9AB24}">
+                <p16:designElem xmlns:p16="http://schemas.microsoft.com/office/powerpoint/2015/main" val="1"/>
+              </p:ext>
+            </p:extLst>
+          </p:nvPr>
+        </p:nvSpPr>
+        <p:spPr>
+          <a:xfrm>
+            <a:off x="3175" y="6400800"/>
+            <a:ext cx="12188825" cy="457200"/>
           </a:xfrm>
           <a:prstGeom prst="rect">
             <a:avLst/>
           </a:prstGeom>
-        </p:spPr>
-      </p:pic>
-      <p:sp>
-        <p:nvSpPr>
-          <p:cNvPr id="10" name="Connettore 9">
-            <a:extLst>
-              <a:ext uri="{FF2B5EF4-FFF2-40B4-BE49-F238E27FC236}">
-                <a16:creationId xmlns:a16="http://schemas.microsoft.com/office/drawing/2014/main" id="{7DA3C5E2-1B7C-406E-9A80-B7F344044586}"/>
-              </a:ext>
-            </a:extLst>
-          </p:cNvPr>
-          <p:cNvSpPr/>
-          <p:nvPr/>
-        </p:nvSpPr>
-        <p:spPr>
-          <a:xfrm>
-            <a:off x="11455401" y="6273800"/>
-            <a:ext cx="512910" cy="470291"/>
-          </a:xfrm>
-          <a:prstGeom prst="flowChartConnector">
-            <a:avLst/>
-          </a:prstGeom>
+          <a:solidFill>
+            <a:srgbClr val="262626"/>
+          </a:solidFill>
+          <a:ln>
+            <a:noFill/>
+          </a:ln>
         </p:spPr>
         <p:style>
           <a:lnRef idx="2">
@@ -14850,644 +13608,248 @@
             <a:schemeClr val="lt1"/>
           </a:fontRef>
         </p:style>
+      </p:sp>
+      <p:cxnSp>
+        <p:nvCxnSpPr>
+          <p:cNvPr id="27" name="Connettore diritto 30">
+            <a:extLst>
+              <a:ext uri="{FF2B5EF4-FFF2-40B4-BE49-F238E27FC236}">
+                <a16:creationId xmlns:a16="http://schemas.microsoft.com/office/drawing/2014/main" id="{C5025DAC-8B93-4160-B017-3A274A5828C0}"/>
+              </a:ext>
+              <a:ext uri="{C183D7F6-B498-43B3-948B-1728B52AA6E4}">
+                <adec:decorative xmlns:adec="http://schemas.microsoft.com/office/drawing/2017/decorative" val="1"/>
+              </a:ext>
+            </a:extLst>
+          </p:cNvPr>
+          <p:cNvCxnSpPr>
+            <a:cxnSpLocks noGrp="1" noRot="1" noChangeAspect="1" noMove="1" noResize="1" noEditPoints="1" noAdjustHandles="1" noChangeArrowheads="1" noChangeShapeType="1"/>
+          </p:cNvCxnSpPr>
+          <p:nvPr>
+            <p:extLst>
+              <p:ext uri="{386F3935-93C4-4BCD-93E2-E3B085C9AB24}">
+                <p16:designElem xmlns:p16="http://schemas.microsoft.com/office/powerpoint/2015/main" val="1"/>
+              </p:ext>
+            </p:extLst>
+          </p:nvPr>
+        </p:nvCxnSpPr>
+        <p:spPr>
+          <a:xfrm>
+            <a:off x="1193532" y="1897380"/>
+            <a:ext cx="9966960" cy="0"/>
+          </a:xfrm>
+          <a:prstGeom prst="line">
+            <a:avLst/>
+          </a:prstGeom>
+          <a:ln w="12700">
+            <a:solidFill>
+              <a:schemeClr val="tx1">
+                <a:lumMod val="75000"/>
+                <a:lumOff val="25000"/>
+              </a:schemeClr>
+            </a:solidFill>
+          </a:ln>
+        </p:spPr>
+        <p:style>
+          <a:lnRef idx="1">
+            <a:schemeClr val="accent1"/>
+          </a:lnRef>
+          <a:fillRef idx="0">
+            <a:schemeClr val="accent1"/>
+          </a:fillRef>
+          <a:effectRef idx="0">
+            <a:schemeClr val="accent1"/>
+          </a:effectRef>
+          <a:fontRef idx="minor">
+            <a:schemeClr val="tx1"/>
+          </a:fontRef>
+        </p:style>
+      </p:cxnSp>
+      <p:sp useBgFill="1">
+        <p:nvSpPr>
+          <p:cNvPr id="28" name="Rettangolo 32">
+            <a:extLst>
+              <a:ext uri="{FF2B5EF4-FFF2-40B4-BE49-F238E27FC236}">
+                <a16:creationId xmlns:a16="http://schemas.microsoft.com/office/drawing/2014/main" id="{990D0034-F768-41E7-85D4-F38C4DE85770}"/>
+              </a:ext>
+              <a:ext uri="{C183D7F6-B498-43B3-948B-1728B52AA6E4}">
+                <adec:decorative xmlns:adec="http://schemas.microsoft.com/office/drawing/2017/decorative" val="1"/>
+              </a:ext>
+            </a:extLst>
+          </p:cNvPr>
+          <p:cNvSpPr>
+            <a:spLocks noGrp="1" noRot="1" noChangeAspect="1" noMove="1" noResize="1" noEditPoints="1" noAdjustHandles="1" noChangeArrowheads="1" noChangeShapeType="1" noTextEdit="1"/>
+          </p:cNvSpPr>
+          <p:nvPr>
+            <p:extLst>
+              <p:ext uri="{386F3935-93C4-4BCD-93E2-E3B085C9AB24}">
+                <p16:designElem xmlns:p16="http://schemas.microsoft.com/office/powerpoint/2015/main" val="1"/>
+              </p:ext>
+            </p:extLst>
+          </p:nvPr>
+        </p:nvSpPr>
+        <p:spPr>
+          <a:xfrm>
+            <a:off x="0" y="0"/>
+            <a:ext cx="12186315" cy="6858000"/>
+          </a:xfrm>
+          <a:prstGeom prst="rect">
+            <a:avLst/>
+          </a:prstGeom>
+          <a:ln>
+            <a:noFill/>
+          </a:ln>
+        </p:spPr>
+        <p:style>
+          <a:lnRef idx="2">
+            <a:schemeClr val="accent6">
+              <a:shade val="50000"/>
+            </a:schemeClr>
+          </a:lnRef>
+          <a:fillRef idx="1001">
+            <a:schemeClr val="lt1"/>
+          </a:fillRef>
+          <a:effectRef idx="0">
+            <a:schemeClr val="accent6"/>
+          </a:effectRef>
+          <a:fontRef idx="minor">
+            <a:schemeClr val="lt1"/>
+          </a:fontRef>
+        </p:style>
         <p:txBody>
           <a:bodyPr rtlCol="0" anchor="ctr"/>
           <a:lstStyle/>
           <a:p>
-            <a:pPr algn="ctr"/>
-            <a:fld id="{3A98EE3D-8CD1-4C3F-BD1C-C98C9596463C}" type="slidenum">
-              <a:rPr lang="it-IT" sz="1200" b="1"/>
-              <a:pPr algn="ctr"/>
-              <a:t>8</a:t>
-            </a:fld>
-            <a:endParaRPr lang="it-IT" b="1" dirty="0"/>
-          </a:p>
-        </p:txBody>
-      </p:sp>
-      <p:sp>
-        <p:nvSpPr>
-          <p:cNvPr id="3" name="Segnaposto contenuto 2">
-            <a:extLst>
-              <a:ext uri="{FF2B5EF4-FFF2-40B4-BE49-F238E27FC236}">
-                <a16:creationId xmlns:a16="http://schemas.microsoft.com/office/drawing/2014/main" id="{CDBDD0AC-B78E-4283-B5F3-A381229EABF5}"/>
-              </a:ext>
-            </a:extLst>
-          </p:cNvPr>
-          <p:cNvSpPr>
-            <a:spLocks noGrp="1"/>
-          </p:cNvSpPr>
-          <p:nvPr>
-            <p:ph idx="1"/>
-          </p:nvPr>
-        </p:nvSpPr>
-        <p:spPr/>
-        <p:txBody>
-          <a:bodyPr/>
+            <a:pPr algn="ctr" rtl="0"/>
+            <a:endParaRPr lang="it-IT" dirty="0"/>
+          </a:p>
+        </p:txBody>
+      </p:sp>
+      <p:sp>
+        <p:nvSpPr>
+          <p:cNvPr id="5" name="Titolo 4">
+            <a:extLst>
+              <a:ext uri="{FF2B5EF4-FFF2-40B4-BE49-F238E27FC236}">
+                <a16:creationId xmlns:a16="http://schemas.microsoft.com/office/drawing/2014/main" id="{B8B72B13-069B-4F8A-9437-FA58C3F1D44B}"/>
+              </a:ext>
+            </a:extLst>
+          </p:cNvPr>
+          <p:cNvSpPr>
+            <a:spLocks noGrp="1"/>
+          </p:cNvSpPr>
+          <p:nvPr>
+            <p:ph type="title"/>
+          </p:nvPr>
+        </p:nvSpPr>
+        <p:spPr>
+          <a:xfrm>
+            <a:off x="590927" y="535936"/>
+            <a:ext cx="10864474" cy="700340"/>
+          </a:xfrm>
+        </p:spPr>
+        <p:txBody>
+          <a:bodyPr vert="horz" lIns="91440" tIns="45720" rIns="91440" bIns="45720" rtlCol="0" anchor="b">
+            <a:noAutofit/>
+          </a:bodyPr>
           <a:lstStyle/>
           <a:p>
-            <a:pPr marL="0" indent="0">
-              <a:buNone/>
-            </a:pPr>
-            <a:r>
-              <a:rPr lang="it-IT" dirty="0"/>
-              <a:t>Lo </a:t>
-            </a:r>
-          </a:p>
-        </p:txBody>
-      </p:sp>
-    </p:spTree>
-    <p:extLst>
-      <p:ext uri="{BB962C8B-B14F-4D97-AF65-F5344CB8AC3E}">
-        <p14:creationId xmlns:p14="http://schemas.microsoft.com/office/powerpoint/2010/main" val="4040284531"/>
-      </p:ext>
-    </p:extLst>
-  </p:cSld>
-  <p:clrMapOvr>
-    <a:masterClrMapping/>
-  </p:clrMapOvr>
-</p:sld>
-</file>
-
-<file path=ppt/slides/slide9.xml><?xml version="1.0" encoding="utf-8"?>
-<p:sld xmlns:a="http://schemas.openxmlformats.org/drawingml/2006/main" xmlns:r="http://schemas.openxmlformats.org/officeDocument/2006/relationships" xmlns:p="http://schemas.openxmlformats.org/presentationml/2006/main">
-  <p:cSld>
-    <p:spTree>
-      <p:nvGrpSpPr>
-        <p:cNvPr id="1" name=""/>
-        <p:cNvGrpSpPr/>
-        <p:nvPr/>
-      </p:nvGrpSpPr>
-      <p:grpSpPr>
-        <a:xfrm>
-          <a:off x="0" y="0"/>
-          <a:ext cx="0" cy="0"/>
-          <a:chOff x="0" y="0"/>
-          <a:chExt cx="0" cy="0"/>
-        </a:xfrm>
-      </p:grpSpPr>
-      <p:sp>
-        <p:nvSpPr>
-          <p:cNvPr id="7" name="Titolo 6">
-            <a:extLst>
-              <a:ext uri="{FF2B5EF4-FFF2-40B4-BE49-F238E27FC236}">
-                <a16:creationId xmlns:a16="http://schemas.microsoft.com/office/drawing/2014/main" id="{391097BE-A044-49F5-B5CA-AE183B956585}"/>
-              </a:ext>
-            </a:extLst>
-          </p:cNvPr>
-          <p:cNvSpPr>
-            <a:spLocks noGrp="1"/>
-          </p:cNvSpPr>
-          <p:nvPr>
-            <p:ph type="title"/>
-          </p:nvPr>
-        </p:nvSpPr>
-        <p:spPr/>
-        <p:txBody>
-          <a:bodyPr rtlCol="0"/>
-          <a:lstStyle/>
-          <a:p>
             <a:pPr rtl="0"/>
             <a:r>
-              <a:rPr lang="it-IT" dirty="0"/>
-              <a:t>Informazioni su </a:t>
-            </a:r>
-            <a:r>
-              <a:rPr lang="it-IT" dirty="0" err="1"/>
-              <a:t>Fabrikam</a:t>
-            </a:r>
-            <a:endParaRPr lang="it-IT" dirty="0"/>
-          </a:p>
-        </p:txBody>
-      </p:sp>
-      <p:sp>
-        <p:nvSpPr>
-          <p:cNvPr id="8" name="Segnaposto contenuto 7">
-            <a:extLst>
-              <a:ext uri="{FF2B5EF4-FFF2-40B4-BE49-F238E27FC236}">
-                <a16:creationId xmlns:a16="http://schemas.microsoft.com/office/drawing/2014/main" id="{411E9392-71EA-4293-909F-1FE7DD38E31D}"/>
-              </a:ext>
-            </a:extLst>
-          </p:cNvPr>
-          <p:cNvSpPr>
-            <a:spLocks noGrp="1"/>
-          </p:cNvSpPr>
-          <p:nvPr>
-            <p:ph idx="1"/>
-          </p:nvPr>
-        </p:nvSpPr>
-        <p:spPr/>
-        <p:txBody>
-          <a:bodyPr rtlCol="0"/>
-          <a:lstStyle/>
-          <a:p>
-            <a:pPr rtl="0"/>
-            <a:r>
-              <a:rPr lang="it-IT" dirty="0"/>
-              <a:t>La nostra storia</a:t>
-            </a:r>
-          </a:p>
-          <a:p>
-            <a:pPr rtl="0"/>
-            <a:r>
-              <a:rPr lang="it-IT" dirty="0"/>
-              <a:t>Missione</a:t>
-            </a:r>
-          </a:p>
-          <a:p>
-            <a:pPr rtl="0"/>
-            <a:r>
-              <a:rPr lang="it-IT" dirty="0"/>
-              <a:t>Filosofia</a:t>
-            </a:r>
-          </a:p>
-          <a:p>
-            <a:pPr rtl="0"/>
-            <a:r>
-              <a:rPr lang="it-IT" dirty="0"/>
-              <a:t>Prodotti e servizi</a:t>
-            </a:r>
-          </a:p>
-          <a:p>
-            <a:pPr rtl="0"/>
-            <a:r>
-              <a:rPr lang="it-IT" dirty="0"/>
-              <a:t>Traguardi chiave</a:t>
-            </a:r>
-          </a:p>
-        </p:txBody>
-      </p:sp>
-      <p:grpSp>
-        <p:nvGrpSpPr>
-          <p:cNvPr id="10" name="Gruppo 9" descr="Info">
-            <a:extLst>
-              <a:ext uri="{FF2B5EF4-FFF2-40B4-BE49-F238E27FC236}">
-                <a16:creationId xmlns:a16="http://schemas.microsoft.com/office/drawing/2014/main" id="{04EACC33-3BBF-4195-8927-841FEBB364AD}"/>
-              </a:ext>
-            </a:extLst>
-          </p:cNvPr>
-          <p:cNvGrpSpPr/>
+              <a:rPr lang="it-IT" sz="4400" dirty="0">
+                <a:solidFill>
+                  <a:schemeClr val="tx1">
+                    <a:lumMod val="75000"/>
+                    <a:lumOff val="25000"/>
+                  </a:schemeClr>
+                </a:solidFill>
+              </a:rPr>
+              <a:t>Gestione dei dati con Java</a:t>
+            </a:r>
+          </a:p>
+        </p:txBody>
+      </p:sp>
+      <p:cxnSp>
+        <p:nvCxnSpPr>
+          <p:cNvPr id="30" name="Connettore diritto 34">
+            <a:extLst>
+              <a:ext uri="{FF2B5EF4-FFF2-40B4-BE49-F238E27FC236}">
+                <a16:creationId xmlns:a16="http://schemas.microsoft.com/office/drawing/2014/main" id="{5A0A5CF6-407C-4691-8122-49DF69D0020D}"/>
+              </a:ext>
+              <a:ext uri="{C183D7F6-B498-43B3-948B-1728B52AA6E4}">
+                <adec:decorative xmlns:adec="http://schemas.microsoft.com/office/drawing/2017/decorative" val="1"/>
+              </a:ext>
+            </a:extLst>
+          </p:cNvPr>
+          <p:cNvCxnSpPr>
+            <a:cxnSpLocks noGrp="1" noRot="1" noChangeAspect="1" noMove="1" noResize="1" noEditPoints="1" noAdjustHandles="1" noChangeArrowheads="1" noChangeShapeType="1"/>
+          </p:cNvCxnSpPr>
+          <p:nvPr>
+            <p:extLst>
+              <p:ext uri="{386F3935-93C4-4BCD-93E2-E3B085C9AB24}">
+                <p16:designElem xmlns:p16="http://schemas.microsoft.com/office/powerpoint/2015/main" val="1"/>
+              </p:ext>
+            </p:extLst>
+          </p:nvPr>
+        </p:nvCxnSpPr>
+        <p:spPr>
+          <a:xfrm>
+            <a:off x="590927" y="2633962"/>
+            <a:ext cx="2834640" cy="0"/>
+          </a:xfrm>
+          <a:prstGeom prst="line">
+            <a:avLst/>
+          </a:prstGeom>
+          <a:ln w="12700">
+            <a:solidFill>
+              <a:schemeClr val="tx1">
+                <a:lumMod val="75000"/>
+                <a:lumOff val="25000"/>
+              </a:schemeClr>
+            </a:solidFill>
+          </a:ln>
+        </p:spPr>
+        <p:style>
+          <a:lnRef idx="1">
+            <a:schemeClr val="accent1"/>
+          </a:lnRef>
+          <a:fillRef idx="0">
+            <a:schemeClr val="accent1"/>
+          </a:fillRef>
+          <a:effectRef idx="0">
+            <a:schemeClr val="accent1"/>
+          </a:effectRef>
+          <a:fontRef idx="minor">
+            <a:schemeClr val="tx1"/>
+          </a:fontRef>
+        </p:style>
+      </p:cxnSp>
+      <p:sp>
+        <p:nvSpPr>
+          <p:cNvPr id="4" name="Rettangolo 3">
+            <a:extLst>
+              <a:ext uri="{FF2B5EF4-FFF2-40B4-BE49-F238E27FC236}">
+                <a16:creationId xmlns:a16="http://schemas.microsoft.com/office/drawing/2014/main" id="{D22E5227-66DC-4545-A93A-3BAE57987144}"/>
+              </a:ext>
+            </a:extLst>
+          </p:cNvPr>
+          <p:cNvSpPr/>
           <p:nvPr/>
-        </p:nvGrpSpPr>
-        <p:grpSpPr>
-          <a:xfrm>
-            <a:off x="4637454" y="2530474"/>
-            <a:ext cx="803276" cy="803276"/>
-            <a:chOff x="4914764" y="3319462"/>
-            <a:chExt cx="619125" cy="619125"/>
-          </a:xfrm>
+        </p:nvSpPr>
+        <p:spPr>
+          <a:xfrm>
+            <a:off x="590927" y="2477070"/>
+            <a:ext cx="2955837" cy="457195"/>
+          </a:xfrm>
+          <a:prstGeom prst="rect">
+            <a:avLst/>
+          </a:prstGeom>
           <a:solidFill>
             <a:schemeClr val="bg1"/>
           </a:solidFill>
-        </p:grpSpPr>
-        <p:sp>
-          <p:nvSpPr>
-            <p:cNvPr id="11" name="Figura a mano libera: Forma 10">
-              <a:extLst>
-                <a:ext uri="{FF2B5EF4-FFF2-40B4-BE49-F238E27FC236}">
-                  <a16:creationId xmlns:a16="http://schemas.microsoft.com/office/drawing/2014/main" id="{400D0FC6-FE6C-422D-87EC-3F2A40F92771}"/>
-                </a:ext>
-              </a:extLst>
-            </p:cNvPr>
-            <p:cNvSpPr/>
-            <p:nvPr/>
-          </p:nvSpPr>
-          <p:spPr>
-            <a:xfrm>
-              <a:off x="4914764" y="3319462"/>
-              <a:ext cx="619125" cy="619125"/>
-            </a:xfrm>
-            <a:custGeom>
-              <a:avLst/>
-              <a:gdLst>
-                <a:gd name="connsiteX0" fmla="*/ 309563 w 619125"/>
-                <a:gd name="connsiteY0" fmla="*/ 0 h 619125"/>
-                <a:gd name="connsiteX1" fmla="*/ 0 w 619125"/>
-                <a:gd name="connsiteY1" fmla="*/ 309563 h 619125"/>
-                <a:gd name="connsiteX2" fmla="*/ 309563 w 619125"/>
-                <a:gd name="connsiteY2" fmla="*/ 619125 h 619125"/>
-                <a:gd name="connsiteX3" fmla="*/ 619125 w 619125"/>
-                <a:gd name="connsiteY3" fmla="*/ 309563 h 619125"/>
-                <a:gd name="connsiteX4" fmla="*/ 309563 w 619125"/>
-                <a:gd name="connsiteY4" fmla="*/ 0 h 619125"/>
-                <a:gd name="connsiteX5" fmla="*/ 309563 w 619125"/>
-                <a:gd name="connsiteY5" fmla="*/ 581025 h 619125"/>
-                <a:gd name="connsiteX6" fmla="*/ 38100 w 619125"/>
-                <a:gd name="connsiteY6" fmla="*/ 309563 h 619125"/>
-                <a:gd name="connsiteX7" fmla="*/ 309563 w 619125"/>
-                <a:gd name="connsiteY7" fmla="*/ 38100 h 619125"/>
-                <a:gd name="connsiteX8" fmla="*/ 581025 w 619125"/>
-                <a:gd name="connsiteY8" fmla="*/ 309563 h 619125"/>
-                <a:gd name="connsiteX9" fmla="*/ 309563 w 619125"/>
-                <a:gd name="connsiteY9" fmla="*/ 581025 h 619125"/>
-              </a:gdLst>
-              <a:ahLst/>
-              <a:cxnLst>
-                <a:cxn ang="0">
-                  <a:pos x="connsiteX0" y="connsiteY0"/>
-                </a:cxn>
-                <a:cxn ang="0">
-                  <a:pos x="connsiteX1" y="connsiteY1"/>
-                </a:cxn>
-                <a:cxn ang="0">
-                  <a:pos x="connsiteX2" y="connsiteY2"/>
-                </a:cxn>
-                <a:cxn ang="0">
-                  <a:pos x="connsiteX3" y="connsiteY3"/>
-                </a:cxn>
-                <a:cxn ang="0">
-                  <a:pos x="connsiteX4" y="connsiteY4"/>
-                </a:cxn>
-                <a:cxn ang="0">
-                  <a:pos x="connsiteX5" y="connsiteY5"/>
-                </a:cxn>
-                <a:cxn ang="0">
-                  <a:pos x="connsiteX6" y="connsiteY6"/>
-                </a:cxn>
-                <a:cxn ang="0">
-                  <a:pos x="connsiteX7" y="connsiteY7"/>
-                </a:cxn>
-                <a:cxn ang="0">
-                  <a:pos x="connsiteX8" y="connsiteY8"/>
-                </a:cxn>
-                <a:cxn ang="0">
-                  <a:pos x="connsiteX9" y="connsiteY9"/>
-                </a:cxn>
-              </a:cxnLst>
-              <a:rect l="l" t="t" r="r" b="b"/>
-              <a:pathLst>
-                <a:path w="619125" h="619125">
-                  <a:moveTo>
-                    <a:pt x="309563" y="0"/>
-                  </a:moveTo>
-                  <a:cubicBezTo>
-                    <a:pt x="138875" y="0"/>
-                    <a:pt x="0" y="138865"/>
-                    <a:pt x="0" y="309563"/>
-                  </a:cubicBezTo>
-                  <a:cubicBezTo>
-                    <a:pt x="0" y="480260"/>
-                    <a:pt x="138875" y="619125"/>
-                    <a:pt x="309563" y="619125"/>
-                  </a:cubicBezTo>
-                  <a:cubicBezTo>
-                    <a:pt x="480250" y="619125"/>
-                    <a:pt x="619125" y="480260"/>
-                    <a:pt x="619125" y="309563"/>
-                  </a:cubicBezTo>
-                  <a:cubicBezTo>
-                    <a:pt x="619125" y="138865"/>
-                    <a:pt x="480250" y="0"/>
-                    <a:pt x="309563" y="0"/>
-                  </a:cubicBezTo>
-                  <a:close/>
-                  <a:moveTo>
-                    <a:pt x="309563" y="581025"/>
-                  </a:moveTo>
-                  <a:cubicBezTo>
-                    <a:pt x="159877" y="581025"/>
-                    <a:pt x="38100" y="459248"/>
-                    <a:pt x="38100" y="309563"/>
-                  </a:cubicBezTo>
-                  <a:cubicBezTo>
-                    <a:pt x="38100" y="159877"/>
-                    <a:pt x="159877" y="38100"/>
-                    <a:pt x="309563" y="38100"/>
-                  </a:cubicBezTo>
-                  <a:cubicBezTo>
-                    <a:pt x="459248" y="38100"/>
-                    <a:pt x="581025" y="159877"/>
-                    <a:pt x="581025" y="309563"/>
-                  </a:cubicBezTo>
-                  <a:cubicBezTo>
-                    <a:pt x="581025" y="459248"/>
-                    <a:pt x="459248" y="581025"/>
-                    <a:pt x="309563" y="581025"/>
-                  </a:cubicBezTo>
-                  <a:close/>
-                </a:path>
-              </a:pathLst>
-            </a:custGeom>
-            <a:grpFill/>
-            <a:ln w="9525" cap="flat">
-              <a:noFill/>
-              <a:prstDash val="solid"/>
-              <a:miter/>
-            </a:ln>
-          </p:spPr>
-          <p:txBody>
-            <a:bodyPr rtlCol="0" anchor="ctr"/>
-            <a:lstStyle/>
-            <a:p>
-              <a:pPr rtl="0"/>
-              <a:endParaRPr lang="it-IT" dirty="0"/>
-            </a:p>
-          </p:txBody>
-        </p:sp>
-        <p:sp>
-          <p:nvSpPr>
-            <p:cNvPr id="12" name="Figura a mano libera: Forma 11">
-              <a:extLst>
-                <a:ext uri="{FF2B5EF4-FFF2-40B4-BE49-F238E27FC236}">
-                  <a16:creationId xmlns:a16="http://schemas.microsoft.com/office/drawing/2014/main" id="{EADF13BE-BF58-43E3-9534-281EFDABF659}"/>
-                </a:ext>
-              </a:extLst>
-            </p:cNvPr>
-            <p:cNvSpPr/>
-            <p:nvPr/>
-          </p:nvSpPr>
-          <p:spPr>
-            <a:xfrm>
-              <a:off x="5195751" y="3473729"/>
-              <a:ext cx="57150" cy="57150"/>
-            </a:xfrm>
-            <a:custGeom>
-              <a:avLst/>
-              <a:gdLst>
-                <a:gd name="connsiteX0" fmla="*/ 63722 w 57150"/>
-                <a:gd name="connsiteY0" fmla="*/ 31861 h 57150"/>
-                <a:gd name="connsiteX1" fmla="*/ 31861 w 57150"/>
-                <a:gd name="connsiteY1" fmla="*/ 63722 h 57150"/>
-                <a:gd name="connsiteX2" fmla="*/ 0 w 57150"/>
-                <a:gd name="connsiteY2" fmla="*/ 31861 h 57150"/>
-                <a:gd name="connsiteX3" fmla="*/ 31861 w 57150"/>
-                <a:gd name="connsiteY3" fmla="*/ 0 h 57150"/>
-                <a:gd name="connsiteX4" fmla="*/ 63722 w 57150"/>
-                <a:gd name="connsiteY4" fmla="*/ 31861 h 57150"/>
-              </a:gdLst>
-              <a:ahLst/>
-              <a:cxnLst>
-                <a:cxn ang="0">
-                  <a:pos x="connsiteX0" y="connsiteY0"/>
-                </a:cxn>
-                <a:cxn ang="0">
-                  <a:pos x="connsiteX1" y="connsiteY1"/>
-                </a:cxn>
-                <a:cxn ang="0">
-                  <a:pos x="connsiteX2" y="connsiteY2"/>
-                </a:cxn>
-                <a:cxn ang="0">
-                  <a:pos x="connsiteX3" y="connsiteY3"/>
-                </a:cxn>
-                <a:cxn ang="0">
-                  <a:pos x="connsiteX4" y="connsiteY4"/>
-                </a:cxn>
-              </a:cxnLst>
-              <a:rect l="l" t="t" r="r" b="b"/>
-              <a:pathLst>
-                <a:path w="57150" h="57150">
-                  <a:moveTo>
-                    <a:pt x="63722" y="31861"/>
-                  </a:moveTo>
-                  <a:cubicBezTo>
-                    <a:pt x="63722" y="49458"/>
-                    <a:pt x="49458" y="63722"/>
-                    <a:pt x="31861" y="63722"/>
-                  </a:cubicBezTo>
-                  <a:cubicBezTo>
-                    <a:pt x="14265" y="63722"/>
-                    <a:pt x="0" y="49458"/>
-                    <a:pt x="0" y="31861"/>
-                  </a:cubicBezTo>
-                  <a:cubicBezTo>
-                    <a:pt x="0" y="14265"/>
-                    <a:pt x="14265" y="0"/>
-                    <a:pt x="31861" y="0"/>
-                  </a:cubicBezTo>
-                  <a:cubicBezTo>
-                    <a:pt x="49458" y="0"/>
-                    <a:pt x="63722" y="14265"/>
-                    <a:pt x="63722" y="31861"/>
-                  </a:cubicBezTo>
-                  <a:close/>
-                </a:path>
-              </a:pathLst>
-            </a:custGeom>
-            <a:grpFill/>
-            <a:ln w="9525" cap="flat">
-              <a:noFill/>
-              <a:prstDash val="solid"/>
-              <a:miter/>
-            </a:ln>
-          </p:spPr>
-          <p:txBody>
-            <a:bodyPr rtlCol="0" anchor="ctr"/>
-            <a:lstStyle/>
-            <a:p>
-              <a:pPr rtl="0"/>
-              <a:endParaRPr lang="it-IT" dirty="0"/>
-            </a:p>
-          </p:txBody>
-        </p:sp>
-        <p:sp>
-          <p:nvSpPr>
-            <p:cNvPr id="13" name="Figura a mano libera: Forma 12">
-              <a:extLst>
-                <a:ext uri="{FF2B5EF4-FFF2-40B4-BE49-F238E27FC236}">
-                  <a16:creationId xmlns:a16="http://schemas.microsoft.com/office/drawing/2014/main" id="{914EC720-9A79-4D18-8746-AE0BDD325E79}"/>
-                </a:ext>
-              </a:extLst>
-            </p:cNvPr>
-            <p:cNvSpPr/>
-            <p:nvPr/>
-          </p:nvSpPr>
-          <p:spPr>
-            <a:xfrm>
-              <a:off x="5205276" y="3589420"/>
-              <a:ext cx="38100" cy="200025"/>
-            </a:xfrm>
-            <a:custGeom>
-              <a:avLst/>
-              <a:gdLst>
-                <a:gd name="connsiteX0" fmla="*/ 19050 w 38100"/>
-                <a:gd name="connsiteY0" fmla="*/ 0 h 200025"/>
-                <a:gd name="connsiteX1" fmla="*/ 0 w 38100"/>
-                <a:gd name="connsiteY1" fmla="*/ 19050 h 200025"/>
-                <a:gd name="connsiteX2" fmla="*/ 0 w 38100"/>
-                <a:gd name="connsiteY2" fmla="*/ 180975 h 200025"/>
-                <a:gd name="connsiteX3" fmla="*/ 19050 w 38100"/>
-                <a:gd name="connsiteY3" fmla="*/ 200025 h 200025"/>
-                <a:gd name="connsiteX4" fmla="*/ 38100 w 38100"/>
-                <a:gd name="connsiteY4" fmla="*/ 180975 h 200025"/>
-                <a:gd name="connsiteX5" fmla="*/ 38100 w 38100"/>
-                <a:gd name="connsiteY5" fmla="*/ 19050 h 200025"/>
-                <a:gd name="connsiteX6" fmla="*/ 19050 w 38100"/>
-                <a:gd name="connsiteY6" fmla="*/ 0 h 200025"/>
-              </a:gdLst>
-              <a:ahLst/>
-              <a:cxnLst>
-                <a:cxn ang="0">
-                  <a:pos x="connsiteX0" y="connsiteY0"/>
-                </a:cxn>
-                <a:cxn ang="0">
-                  <a:pos x="connsiteX1" y="connsiteY1"/>
-                </a:cxn>
-                <a:cxn ang="0">
-                  <a:pos x="connsiteX2" y="connsiteY2"/>
-                </a:cxn>
-                <a:cxn ang="0">
-                  <a:pos x="connsiteX3" y="connsiteY3"/>
-                </a:cxn>
-                <a:cxn ang="0">
-                  <a:pos x="connsiteX4" y="connsiteY4"/>
-                </a:cxn>
-                <a:cxn ang="0">
-                  <a:pos x="connsiteX5" y="connsiteY5"/>
-                </a:cxn>
-                <a:cxn ang="0">
-                  <a:pos x="connsiteX6" y="connsiteY6"/>
-                </a:cxn>
-              </a:cxnLst>
-              <a:rect l="l" t="t" r="r" b="b"/>
-              <a:pathLst>
-                <a:path w="38100" h="200025">
-                  <a:moveTo>
-                    <a:pt x="19050" y="0"/>
-                  </a:moveTo>
-                  <a:cubicBezTo>
-                    <a:pt x="8534" y="0"/>
-                    <a:pt x="0" y="8534"/>
-                    <a:pt x="0" y="19050"/>
-                  </a:cubicBezTo>
-                  <a:lnTo>
-                    <a:pt x="0" y="180975"/>
-                  </a:lnTo>
-                  <a:cubicBezTo>
-                    <a:pt x="0" y="191491"/>
-                    <a:pt x="8534" y="200025"/>
-                    <a:pt x="19050" y="200025"/>
-                  </a:cubicBezTo>
-                  <a:cubicBezTo>
-                    <a:pt x="29566" y="200025"/>
-                    <a:pt x="38100" y="191491"/>
-                    <a:pt x="38100" y="180975"/>
-                  </a:cubicBezTo>
-                  <a:lnTo>
-                    <a:pt x="38100" y="19050"/>
-                  </a:lnTo>
-                  <a:cubicBezTo>
-                    <a:pt x="38100" y="8525"/>
-                    <a:pt x="29566" y="0"/>
-                    <a:pt x="19050" y="0"/>
-                  </a:cubicBezTo>
-                  <a:close/>
-                </a:path>
-              </a:pathLst>
-            </a:custGeom>
-            <a:grpFill/>
-            <a:ln w="9525" cap="flat">
-              <a:noFill/>
-              <a:prstDash val="solid"/>
-              <a:miter/>
-            </a:ln>
-          </p:spPr>
-          <p:txBody>
-            <a:bodyPr rtlCol="0" anchor="ctr"/>
-            <a:lstStyle/>
-            <a:p>
-              <a:pPr rtl="0"/>
-              <a:endParaRPr lang="it-IT" dirty="0"/>
-            </a:p>
-          </p:txBody>
-        </p:sp>
-      </p:grpSp>
-      <p:pic>
-        <p:nvPicPr>
-          <p:cNvPr id="9" name="Elemento grafico 8">
-            <a:extLst>
-              <a:ext uri="{FF2B5EF4-FFF2-40B4-BE49-F238E27FC236}">
-                <a16:creationId xmlns:a16="http://schemas.microsoft.com/office/drawing/2014/main" id="{0157A32A-7539-4213-94C7-4E13D8ACCDB8}"/>
-              </a:ext>
-            </a:extLst>
-          </p:cNvPr>
-          <p:cNvPicPr>
-            <a:picLocks noChangeAspect="1"/>
-          </p:cNvPicPr>
-          <p:nvPr/>
-        </p:nvPicPr>
-        <p:blipFill>
-          <a:blip r:embed="rId3" cstate="print">
-            <a:extLst>
-              <a:ext uri="{28A0092B-C50C-407E-A947-70E740481C1C}">
-                <a14:useLocalDpi xmlns:a14="http://schemas.microsoft.com/office/drawing/2010/main" val="0"/>
-              </a:ext>
-              <a:ext uri="{96DAC541-7B7A-43D3-8B79-37D633B846F1}">
-                <asvg:svgBlip xmlns:asvg="http://schemas.microsoft.com/office/drawing/2016/SVG/main" r:embed="rId4"/>
-              </a:ext>
-            </a:extLst>
-          </a:blip>
-          <a:stretch>
-            <a:fillRect/>
-          </a:stretch>
-        </p:blipFill>
-        <p:spPr>
-          <a:xfrm>
-            <a:off x="207095" y="6043750"/>
-            <a:ext cx="1770209" cy="700341"/>
-          </a:xfrm>
-          <a:prstGeom prst="rect">
-            <a:avLst/>
-          </a:prstGeom>
-        </p:spPr>
-      </p:pic>
-      <p:sp>
-        <p:nvSpPr>
-          <p:cNvPr id="2" name="Segnaposto numero diapositiva 1">
-            <a:extLst>
-              <a:ext uri="{FF2B5EF4-FFF2-40B4-BE49-F238E27FC236}">
-                <a16:creationId xmlns:a16="http://schemas.microsoft.com/office/drawing/2014/main" id="{E0AAF325-E077-406A-A05D-EEAAC582BCC7}"/>
-              </a:ext>
-            </a:extLst>
-          </p:cNvPr>
-          <p:cNvSpPr>
-            <a:spLocks noGrp="1"/>
-          </p:cNvSpPr>
-          <p:nvPr>
-            <p:ph type="sldNum" sz="quarter" idx="12"/>
-          </p:nvPr>
-        </p:nvSpPr>
-        <p:spPr/>
-        <p:txBody>
-          <a:bodyPr/>
-          <a:lstStyle/>
-          <a:p>
-            <a:pPr rtl="0"/>
-            <a:fld id="{3A98EE3D-8CD1-4C3F-BD1C-C98C9596463C}" type="slidenum">
-              <a:rPr lang="it-IT" sz="1800" noProof="0" smtClean="0">
-                <a:solidFill>
-                  <a:schemeClr val="bg1"/>
-                </a:solidFill>
-              </a:rPr>
-              <a:pPr rtl="0"/>
-              <a:t>9</a:t>
-            </a:fld>
-            <a:endParaRPr lang="it-IT" sz="1800" noProof="0" dirty="0">
-              <a:solidFill>
-                <a:schemeClr val="bg1"/>
-              </a:solidFill>
-            </a:endParaRPr>
-          </a:p>
-        </p:txBody>
-      </p:sp>
-      <p:sp>
-        <p:nvSpPr>
-          <p:cNvPr id="16" name="Connettore 15">
-            <a:extLst>
-              <a:ext uri="{FF2B5EF4-FFF2-40B4-BE49-F238E27FC236}">
-                <a16:creationId xmlns:a16="http://schemas.microsoft.com/office/drawing/2014/main" id="{5E0ACD5D-887A-4C21-8597-4B294DBAD218}"/>
-              </a:ext>
-            </a:extLst>
-          </p:cNvPr>
-          <p:cNvSpPr/>
-          <p:nvPr/>
-        </p:nvSpPr>
-        <p:spPr>
-          <a:xfrm>
-            <a:off x="11455401" y="6273800"/>
-            <a:ext cx="512910" cy="470291"/>
-          </a:xfrm>
-          <a:prstGeom prst="flowChartConnector">
-            <a:avLst/>
-          </a:prstGeom>
+          <a:ln>
+            <a:solidFill>
+              <a:schemeClr val="bg1"/>
+            </a:solidFill>
+          </a:ln>
         </p:spPr>
         <p:style>
           <a:lnRef idx="2">
@@ -15510,6 +13872,698 @@
           <a:lstStyle/>
           <a:p>
             <a:pPr algn="ctr"/>
+            <a:endParaRPr lang="it-IT"/>
+          </a:p>
+        </p:txBody>
+      </p:sp>
+      <p:sp>
+        <p:nvSpPr>
+          <p:cNvPr id="6" name="Segnaposto contenuto 5">
+            <a:extLst>
+              <a:ext uri="{FF2B5EF4-FFF2-40B4-BE49-F238E27FC236}">
+                <a16:creationId xmlns:a16="http://schemas.microsoft.com/office/drawing/2014/main" id="{2281D70C-EE29-493E-838C-890184A02C07}"/>
+              </a:ext>
+            </a:extLst>
+          </p:cNvPr>
+          <p:cNvSpPr>
+            <a:spLocks noGrp="1"/>
+          </p:cNvSpPr>
+          <p:nvPr>
+            <p:ph idx="1"/>
+          </p:nvPr>
+        </p:nvSpPr>
+        <p:spPr>
+          <a:xfrm>
+            <a:off x="590926" y="1452870"/>
+            <a:ext cx="10864474" cy="4590875"/>
+          </a:xfrm>
+        </p:spPr>
+        <p:txBody>
+          <a:bodyPr vert="horz" lIns="0" tIns="45720" rIns="0" bIns="45720" rtlCol="0">
+            <a:normAutofit/>
+          </a:bodyPr>
+          <a:lstStyle/>
+          <a:p>
+            <a:pPr rtl="0"/>
+            <a:r>
+              <a:rPr lang="it-IT" dirty="0">
+                <a:latin typeface="+mj-lt"/>
+              </a:rPr>
+              <a:t>Una problematica interessante da risolvere è la lettura dei CHAR da parte dell’</a:t>
+            </a:r>
+            <a:r>
+              <a:rPr lang="it-IT" dirty="0" err="1">
+                <a:latin typeface="+mj-lt"/>
+              </a:rPr>
+              <a:t>handler</a:t>
+            </a:r>
+            <a:r>
+              <a:rPr lang="it-IT" dirty="0">
+                <a:latin typeface="+mj-lt"/>
+              </a:rPr>
+              <a:t> del programma</a:t>
+            </a:r>
+          </a:p>
+          <a:p>
+            <a:pPr rtl="0"/>
+            <a:r>
+              <a:rPr lang="it-IT" dirty="0">
+                <a:latin typeface="+mj-lt"/>
+              </a:rPr>
+              <a:t>Avendo una lunghezza non variabile di 30 caratteri (vuoti ma presenti se non utilizzati) per ad esempio il titolo e l’album bisogna forzare la quantità di CHAR a 30, e rispettivamente recuperare 30 volte il Token nella posizione corretta</a:t>
+            </a:r>
+          </a:p>
+          <a:p>
+            <a:pPr marL="0" indent="0" rtl="0">
+              <a:buNone/>
+            </a:pPr>
+            <a:endParaRPr lang="it-IT" dirty="0">
+              <a:latin typeface="+mj-lt"/>
+            </a:endParaRPr>
+          </a:p>
+        </p:txBody>
+      </p:sp>
+      <p:pic>
+        <p:nvPicPr>
+          <p:cNvPr id="10" name="Elemento grafico 9">
+            <a:extLst>
+              <a:ext uri="{FF2B5EF4-FFF2-40B4-BE49-F238E27FC236}">
+                <a16:creationId xmlns:a16="http://schemas.microsoft.com/office/drawing/2014/main" id="{54A47743-7725-4A33-93CA-EFB89C10D1EC}"/>
+              </a:ext>
+            </a:extLst>
+          </p:cNvPr>
+          <p:cNvPicPr>
+            <a:picLocks noChangeAspect="1"/>
+          </p:cNvPicPr>
+          <p:nvPr/>
+        </p:nvPicPr>
+        <p:blipFill>
+          <a:blip r:embed="rId3" cstate="print">
+            <a:extLst>
+              <a:ext uri="{28A0092B-C50C-407E-A947-70E740481C1C}">
+                <a14:useLocalDpi xmlns:a14="http://schemas.microsoft.com/office/drawing/2010/main" val="0"/>
+              </a:ext>
+              <a:ext uri="{96DAC541-7B7A-43D3-8B79-37D633B846F1}">
+                <asvg:svgBlip xmlns:asvg="http://schemas.microsoft.com/office/drawing/2016/SVG/main" r:embed="rId4"/>
+              </a:ext>
+            </a:extLst>
+          </a:blip>
+          <a:stretch>
+            <a:fillRect/>
+          </a:stretch>
+        </p:blipFill>
+        <p:spPr>
+          <a:xfrm>
+            <a:off x="207095" y="6043750"/>
+            <a:ext cx="1770209" cy="700341"/>
+          </a:xfrm>
+          <a:prstGeom prst="rect">
+            <a:avLst/>
+          </a:prstGeom>
+        </p:spPr>
+      </p:pic>
+      <p:sp>
+        <p:nvSpPr>
+          <p:cNvPr id="12" name="Connettore 11">
+            <a:extLst>
+              <a:ext uri="{FF2B5EF4-FFF2-40B4-BE49-F238E27FC236}">
+                <a16:creationId xmlns:a16="http://schemas.microsoft.com/office/drawing/2014/main" id="{92095D8C-8CCA-4CC6-B2D2-E1BC4732F321}"/>
+              </a:ext>
+            </a:extLst>
+          </p:cNvPr>
+          <p:cNvSpPr/>
+          <p:nvPr/>
+        </p:nvSpPr>
+        <p:spPr>
+          <a:xfrm>
+            <a:off x="11455401" y="6273800"/>
+            <a:ext cx="512910" cy="470291"/>
+          </a:xfrm>
+          <a:prstGeom prst="flowChartConnector">
+            <a:avLst/>
+          </a:prstGeom>
+        </p:spPr>
+        <p:style>
+          <a:lnRef idx="2">
+            <a:schemeClr val="accent1">
+              <a:shade val="50000"/>
+            </a:schemeClr>
+          </a:lnRef>
+          <a:fillRef idx="1">
+            <a:schemeClr val="accent1"/>
+          </a:fillRef>
+          <a:effectRef idx="0">
+            <a:schemeClr val="accent1"/>
+          </a:effectRef>
+          <a:fontRef idx="minor">
+            <a:schemeClr val="lt1"/>
+          </a:fontRef>
+        </p:style>
+        <p:txBody>
+          <a:bodyPr rtlCol="0" anchor="ctr"/>
+          <a:lstStyle/>
+          <a:p>
+            <a:pPr algn="ctr"/>
+            <a:fld id="{3A98EE3D-8CD1-4C3F-BD1C-C98C9596463C}" type="slidenum">
+              <a:rPr lang="it-IT" sz="1200" b="1"/>
+              <a:pPr algn="ctr"/>
+              <a:t>8</a:t>
+            </a:fld>
+            <a:endParaRPr lang="it-IT" b="1" dirty="0"/>
+          </a:p>
+        </p:txBody>
+      </p:sp>
+      <p:pic>
+        <p:nvPicPr>
+          <p:cNvPr id="3" name="Immagine 2">
+            <a:extLst>
+              <a:ext uri="{FF2B5EF4-FFF2-40B4-BE49-F238E27FC236}">
+                <a16:creationId xmlns:a16="http://schemas.microsoft.com/office/drawing/2014/main" id="{A14B35C5-DEE5-4ECF-95DD-BDA1219057AA}"/>
+              </a:ext>
+            </a:extLst>
+          </p:cNvPr>
+          <p:cNvPicPr>
+            <a:picLocks noChangeAspect="1"/>
+          </p:cNvPicPr>
+          <p:nvPr/>
+        </p:nvPicPr>
+        <p:blipFill>
+          <a:blip r:embed="rId5"/>
+          <a:stretch>
+            <a:fillRect/>
+          </a:stretch>
+        </p:blipFill>
+        <p:spPr>
+          <a:xfrm>
+            <a:off x="715778" y="3585389"/>
+            <a:ext cx="10885296" cy="2121347"/>
+          </a:xfrm>
+          <a:prstGeom prst="rect">
+            <a:avLst/>
+          </a:prstGeom>
+          <a:ln>
+            <a:solidFill>
+              <a:schemeClr val="tx1"/>
+            </a:solidFill>
+          </a:ln>
+        </p:spPr>
+      </p:pic>
+    </p:spTree>
+    <p:extLst>
+      <p:ext uri="{BB962C8B-B14F-4D97-AF65-F5344CB8AC3E}">
+        <p14:creationId xmlns:p14="http://schemas.microsoft.com/office/powerpoint/2010/main" val="1868130744"/>
+      </p:ext>
+    </p:extLst>
+  </p:cSld>
+  <p:clrMapOvr>
+    <a:masterClrMapping/>
+  </p:clrMapOvr>
+</p:sld>
+</file>
+
+<file path=ppt/slides/slide9.xml><?xml version="1.0" encoding="utf-8"?>
+<p:sld xmlns:a="http://schemas.openxmlformats.org/drawingml/2006/main" xmlns:r="http://schemas.openxmlformats.org/officeDocument/2006/relationships" xmlns:p="http://schemas.openxmlformats.org/presentationml/2006/main">
+  <p:cSld>
+    <p:bg>
+      <p:bgPr>
+        <a:solidFill>
+          <a:schemeClr val="bg1"/>
+        </a:solidFill>
+        <a:effectLst/>
+      </p:bgPr>
+    </p:bg>
+    <p:spTree>
+      <p:nvGrpSpPr>
+        <p:cNvPr id="1" name=""/>
+        <p:cNvGrpSpPr/>
+        <p:nvPr/>
+      </p:nvGrpSpPr>
+      <p:grpSpPr>
+        <a:xfrm>
+          <a:off x="0" y="0"/>
+          <a:ext cx="0" cy="0"/>
+          <a:chOff x="0" y="0"/>
+          <a:chExt cx="0" cy="0"/>
+        </a:xfrm>
+      </p:grpSpPr>
+      <p:sp>
+        <p:nvSpPr>
+          <p:cNvPr id="26" name="Rettangolo 28">
+            <a:extLst>
+              <a:ext uri="{FF2B5EF4-FFF2-40B4-BE49-F238E27FC236}">
+                <a16:creationId xmlns:a16="http://schemas.microsoft.com/office/drawing/2014/main" id="{416A0E3C-60E6-4F39-BC55-5F7C224E1F7C}"/>
+              </a:ext>
+              <a:ext uri="{C183D7F6-B498-43B3-948B-1728B52AA6E4}">
+                <adec:decorative xmlns:adec="http://schemas.microsoft.com/office/drawing/2017/decorative" val="1"/>
+              </a:ext>
+            </a:extLst>
+          </p:cNvPr>
+          <p:cNvSpPr>
+            <a:spLocks noGrp="1" noRot="1" noChangeAspect="1" noMove="1" noResize="1" noEditPoints="1" noAdjustHandles="1" noChangeArrowheads="1" noChangeShapeType="1" noTextEdit="1"/>
+          </p:cNvSpPr>
+          <p:nvPr>
+            <p:extLst>
+              <p:ext uri="{386F3935-93C4-4BCD-93E2-E3B085C9AB24}">
+                <p16:designElem xmlns:p16="http://schemas.microsoft.com/office/powerpoint/2015/main" val="1"/>
+              </p:ext>
+            </p:extLst>
+          </p:nvPr>
+        </p:nvSpPr>
+        <p:spPr>
+          <a:xfrm>
+            <a:off x="3175" y="6400800"/>
+            <a:ext cx="12188825" cy="457200"/>
+          </a:xfrm>
+          <a:prstGeom prst="rect">
+            <a:avLst/>
+          </a:prstGeom>
+          <a:solidFill>
+            <a:srgbClr val="262626"/>
+          </a:solidFill>
+          <a:ln>
+            <a:noFill/>
+          </a:ln>
+        </p:spPr>
+        <p:style>
+          <a:lnRef idx="2">
+            <a:schemeClr val="accent1">
+              <a:shade val="50000"/>
+            </a:schemeClr>
+          </a:lnRef>
+          <a:fillRef idx="1">
+            <a:schemeClr val="accent1"/>
+          </a:fillRef>
+          <a:effectRef idx="0">
+            <a:schemeClr val="accent1"/>
+          </a:effectRef>
+          <a:fontRef idx="minor">
+            <a:schemeClr val="lt1"/>
+          </a:fontRef>
+        </p:style>
+      </p:sp>
+      <p:cxnSp>
+        <p:nvCxnSpPr>
+          <p:cNvPr id="27" name="Connettore diritto 30">
+            <a:extLst>
+              <a:ext uri="{FF2B5EF4-FFF2-40B4-BE49-F238E27FC236}">
+                <a16:creationId xmlns:a16="http://schemas.microsoft.com/office/drawing/2014/main" id="{C5025DAC-8B93-4160-B017-3A274A5828C0}"/>
+              </a:ext>
+              <a:ext uri="{C183D7F6-B498-43B3-948B-1728B52AA6E4}">
+                <adec:decorative xmlns:adec="http://schemas.microsoft.com/office/drawing/2017/decorative" val="1"/>
+              </a:ext>
+            </a:extLst>
+          </p:cNvPr>
+          <p:cNvCxnSpPr>
+            <a:cxnSpLocks noGrp="1" noRot="1" noChangeAspect="1" noMove="1" noResize="1" noEditPoints="1" noAdjustHandles="1" noChangeArrowheads="1" noChangeShapeType="1"/>
+          </p:cNvCxnSpPr>
+          <p:nvPr>
+            <p:extLst>
+              <p:ext uri="{386F3935-93C4-4BCD-93E2-E3B085C9AB24}">
+                <p16:designElem xmlns:p16="http://schemas.microsoft.com/office/powerpoint/2015/main" val="1"/>
+              </p:ext>
+            </p:extLst>
+          </p:nvPr>
+        </p:nvCxnSpPr>
+        <p:spPr>
+          <a:xfrm>
+            <a:off x="1193532" y="1897380"/>
+            <a:ext cx="9966960" cy="0"/>
+          </a:xfrm>
+          <a:prstGeom prst="line">
+            <a:avLst/>
+          </a:prstGeom>
+          <a:ln w="12700">
+            <a:solidFill>
+              <a:schemeClr val="tx1">
+                <a:lumMod val="75000"/>
+                <a:lumOff val="25000"/>
+              </a:schemeClr>
+            </a:solidFill>
+          </a:ln>
+        </p:spPr>
+        <p:style>
+          <a:lnRef idx="1">
+            <a:schemeClr val="accent1"/>
+          </a:lnRef>
+          <a:fillRef idx="0">
+            <a:schemeClr val="accent1"/>
+          </a:fillRef>
+          <a:effectRef idx="0">
+            <a:schemeClr val="accent1"/>
+          </a:effectRef>
+          <a:fontRef idx="minor">
+            <a:schemeClr val="tx1"/>
+          </a:fontRef>
+        </p:style>
+      </p:cxnSp>
+      <p:sp useBgFill="1">
+        <p:nvSpPr>
+          <p:cNvPr id="28" name="Rettangolo 32">
+            <a:extLst>
+              <a:ext uri="{FF2B5EF4-FFF2-40B4-BE49-F238E27FC236}">
+                <a16:creationId xmlns:a16="http://schemas.microsoft.com/office/drawing/2014/main" id="{990D0034-F768-41E7-85D4-F38C4DE85770}"/>
+              </a:ext>
+              <a:ext uri="{C183D7F6-B498-43B3-948B-1728B52AA6E4}">
+                <adec:decorative xmlns:adec="http://schemas.microsoft.com/office/drawing/2017/decorative" val="1"/>
+              </a:ext>
+            </a:extLst>
+          </p:cNvPr>
+          <p:cNvSpPr>
+            <a:spLocks noGrp="1" noRot="1" noChangeAspect="1" noMove="1" noResize="1" noEditPoints="1" noAdjustHandles="1" noChangeArrowheads="1" noChangeShapeType="1" noTextEdit="1"/>
+          </p:cNvSpPr>
+          <p:nvPr>
+            <p:extLst>
+              <p:ext uri="{386F3935-93C4-4BCD-93E2-E3B085C9AB24}">
+                <p16:designElem xmlns:p16="http://schemas.microsoft.com/office/powerpoint/2015/main" val="1"/>
+              </p:ext>
+            </p:extLst>
+          </p:nvPr>
+        </p:nvSpPr>
+        <p:spPr>
+          <a:xfrm>
+            <a:off x="0" y="0"/>
+            <a:ext cx="12186315" cy="6858000"/>
+          </a:xfrm>
+          <a:prstGeom prst="rect">
+            <a:avLst/>
+          </a:prstGeom>
+          <a:ln>
+            <a:noFill/>
+          </a:ln>
+        </p:spPr>
+        <p:style>
+          <a:lnRef idx="2">
+            <a:schemeClr val="accent6">
+              <a:shade val="50000"/>
+            </a:schemeClr>
+          </a:lnRef>
+          <a:fillRef idx="1001">
+            <a:schemeClr val="lt1"/>
+          </a:fillRef>
+          <a:effectRef idx="0">
+            <a:schemeClr val="accent6"/>
+          </a:effectRef>
+          <a:fontRef idx="minor">
+            <a:schemeClr val="lt1"/>
+          </a:fontRef>
+        </p:style>
+        <p:txBody>
+          <a:bodyPr rtlCol="0" anchor="ctr"/>
+          <a:lstStyle/>
+          <a:p>
+            <a:pPr algn="ctr" rtl="0"/>
+            <a:endParaRPr lang="it-IT" dirty="0"/>
+          </a:p>
+        </p:txBody>
+      </p:sp>
+      <p:sp>
+        <p:nvSpPr>
+          <p:cNvPr id="5" name="Titolo 4">
+            <a:extLst>
+              <a:ext uri="{FF2B5EF4-FFF2-40B4-BE49-F238E27FC236}">
+                <a16:creationId xmlns:a16="http://schemas.microsoft.com/office/drawing/2014/main" id="{B8B72B13-069B-4F8A-9437-FA58C3F1D44B}"/>
+              </a:ext>
+            </a:extLst>
+          </p:cNvPr>
+          <p:cNvSpPr>
+            <a:spLocks noGrp="1"/>
+          </p:cNvSpPr>
+          <p:nvPr>
+            <p:ph type="title"/>
+          </p:nvPr>
+        </p:nvSpPr>
+        <p:spPr>
+          <a:xfrm>
+            <a:off x="590927" y="535936"/>
+            <a:ext cx="10864474" cy="700340"/>
+          </a:xfrm>
+        </p:spPr>
+        <p:txBody>
+          <a:bodyPr vert="horz" lIns="91440" tIns="45720" rIns="91440" bIns="45720" rtlCol="0" anchor="b">
+            <a:noAutofit/>
+          </a:bodyPr>
+          <a:lstStyle/>
+          <a:p>
+            <a:pPr rtl="0"/>
+            <a:r>
+              <a:rPr lang="it-IT" sz="4400" dirty="0">
+                <a:solidFill>
+                  <a:schemeClr val="tx1">
+                    <a:lumMod val="75000"/>
+                    <a:lumOff val="25000"/>
+                  </a:schemeClr>
+                </a:solidFill>
+              </a:rPr>
+              <a:t>Gestione e riconoscimento del frame Genere</a:t>
+            </a:r>
+          </a:p>
+        </p:txBody>
+      </p:sp>
+      <p:cxnSp>
+        <p:nvCxnSpPr>
+          <p:cNvPr id="30" name="Connettore diritto 34">
+            <a:extLst>
+              <a:ext uri="{FF2B5EF4-FFF2-40B4-BE49-F238E27FC236}">
+                <a16:creationId xmlns:a16="http://schemas.microsoft.com/office/drawing/2014/main" id="{5A0A5CF6-407C-4691-8122-49DF69D0020D}"/>
+              </a:ext>
+              <a:ext uri="{C183D7F6-B498-43B3-948B-1728B52AA6E4}">
+                <adec:decorative xmlns:adec="http://schemas.microsoft.com/office/drawing/2017/decorative" val="1"/>
+              </a:ext>
+            </a:extLst>
+          </p:cNvPr>
+          <p:cNvCxnSpPr>
+            <a:cxnSpLocks noGrp="1" noRot="1" noChangeAspect="1" noMove="1" noResize="1" noEditPoints="1" noAdjustHandles="1" noChangeArrowheads="1" noChangeShapeType="1"/>
+          </p:cNvCxnSpPr>
+          <p:nvPr>
+            <p:extLst>
+              <p:ext uri="{386F3935-93C4-4BCD-93E2-E3B085C9AB24}">
+                <p16:designElem xmlns:p16="http://schemas.microsoft.com/office/powerpoint/2015/main" val="1"/>
+              </p:ext>
+            </p:extLst>
+          </p:nvPr>
+        </p:nvCxnSpPr>
+        <p:spPr>
+          <a:xfrm>
+            <a:off x="590927" y="2633962"/>
+            <a:ext cx="2834640" cy="0"/>
+          </a:xfrm>
+          <a:prstGeom prst="line">
+            <a:avLst/>
+          </a:prstGeom>
+          <a:ln w="12700">
+            <a:solidFill>
+              <a:schemeClr val="tx1">
+                <a:lumMod val="75000"/>
+                <a:lumOff val="25000"/>
+              </a:schemeClr>
+            </a:solidFill>
+          </a:ln>
+        </p:spPr>
+        <p:style>
+          <a:lnRef idx="1">
+            <a:schemeClr val="accent1"/>
+          </a:lnRef>
+          <a:fillRef idx="0">
+            <a:schemeClr val="accent1"/>
+          </a:fillRef>
+          <a:effectRef idx="0">
+            <a:schemeClr val="accent1"/>
+          </a:effectRef>
+          <a:fontRef idx="minor">
+            <a:schemeClr val="tx1"/>
+          </a:fontRef>
+        </p:style>
+      </p:cxnSp>
+      <p:sp>
+        <p:nvSpPr>
+          <p:cNvPr id="4" name="Rettangolo 3">
+            <a:extLst>
+              <a:ext uri="{FF2B5EF4-FFF2-40B4-BE49-F238E27FC236}">
+                <a16:creationId xmlns:a16="http://schemas.microsoft.com/office/drawing/2014/main" id="{D22E5227-66DC-4545-A93A-3BAE57987144}"/>
+              </a:ext>
+            </a:extLst>
+          </p:cNvPr>
+          <p:cNvSpPr/>
+          <p:nvPr/>
+        </p:nvSpPr>
+        <p:spPr>
+          <a:xfrm>
+            <a:off x="590927" y="2477070"/>
+            <a:ext cx="2955837" cy="457195"/>
+          </a:xfrm>
+          <a:prstGeom prst="rect">
+            <a:avLst/>
+          </a:prstGeom>
+          <a:solidFill>
+            <a:schemeClr val="bg1"/>
+          </a:solidFill>
+          <a:ln>
+            <a:solidFill>
+              <a:schemeClr val="bg1"/>
+            </a:solidFill>
+          </a:ln>
+        </p:spPr>
+        <p:style>
+          <a:lnRef idx="2">
+            <a:schemeClr val="accent1">
+              <a:shade val="50000"/>
+            </a:schemeClr>
+          </a:lnRef>
+          <a:fillRef idx="1">
+            <a:schemeClr val="accent1"/>
+          </a:fillRef>
+          <a:effectRef idx="0">
+            <a:schemeClr val="accent1"/>
+          </a:effectRef>
+          <a:fontRef idx="minor">
+            <a:schemeClr val="lt1"/>
+          </a:fontRef>
+        </p:style>
+        <p:txBody>
+          <a:bodyPr rtlCol="0" anchor="ctr"/>
+          <a:lstStyle/>
+          <a:p>
+            <a:pPr algn="ctr"/>
+            <a:endParaRPr lang="it-IT"/>
+          </a:p>
+        </p:txBody>
+      </p:sp>
+      <p:sp>
+        <p:nvSpPr>
+          <p:cNvPr id="6" name="Segnaposto contenuto 5">
+            <a:extLst>
+              <a:ext uri="{FF2B5EF4-FFF2-40B4-BE49-F238E27FC236}">
+                <a16:creationId xmlns:a16="http://schemas.microsoft.com/office/drawing/2014/main" id="{2281D70C-EE29-493E-838C-890184A02C07}"/>
+              </a:ext>
+            </a:extLst>
+          </p:cNvPr>
+          <p:cNvSpPr>
+            <a:spLocks noGrp="1"/>
+          </p:cNvSpPr>
+          <p:nvPr>
+            <p:ph idx="1"/>
+          </p:nvPr>
+        </p:nvSpPr>
+        <p:spPr>
+          <a:xfrm>
+            <a:off x="590926" y="1452870"/>
+            <a:ext cx="10864474" cy="1303421"/>
+          </a:xfrm>
+        </p:spPr>
+        <p:txBody>
+          <a:bodyPr vert="horz" lIns="0" tIns="45720" rIns="0" bIns="45720" rtlCol="0">
+            <a:normAutofit/>
+          </a:bodyPr>
+          <a:lstStyle/>
+          <a:p>
+            <a:pPr rtl="0"/>
+            <a:r>
+              <a:rPr lang="it-IT" dirty="0">
+                <a:latin typeface="+mj-lt"/>
+              </a:rPr>
+              <a:t>L’informazione del frame contenente il byte non è conforme alla codifica ASCII e pertanto non avendo simboli a disposizione nella grammatica, possiamo solo selezionare il byte e occuparci del riconoscimento in Java tramite l’</a:t>
+            </a:r>
+            <a:r>
+              <a:rPr lang="it-IT" dirty="0" err="1">
+                <a:latin typeface="+mj-lt"/>
+              </a:rPr>
+              <a:t>handler</a:t>
+            </a:r>
+            <a:endParaRPr lang="it-IT" dirty="0">
+              <a:latin typeface="+mj-lt"/>
+            </a:endParaRPr>
+          </a:p>
+          <a:p>
+            <a:pPr marL="0" indent="0" rtl="0">
+              <a:buNone/>
+            </a:pPr>
+            <a:endParaRPr lang="it-IT" dirty="0">
+              <a:latin typeface="+mj-lt"/>
+            </a:endParaRPr>
+          </a:p>
+        </p:txBody>
+      </p:sp>
+      <p:pic>
+        <p:nvPicPr>
+          <p:cNvPr id="10" name="Elemento grafico 9">
+            <a:extLst>
+              <a:ext uri="{FF2B5EF4-FFF2-40B4-BE49-F238E27FC236}">
+                <a16:creationId xmlns:a16="http://schemas.microsoft.com/office/drawing/2014/main" id="{54A47743-7725-4A33-93CA-EFB89C10D1EC}"/>
+              </a:ext>
+            </a:extLst>
+          </p:cNvPr>
+          <p:cNvPicPr>
+            <a:picLocks noChangeAspect="1"/>
+          </p:cNvPicPr>
+          <p:nvPr/>
+        </p:nvPicPr>
+        <p:blipFill>
+          <a:blip r:embed="rId3" cstate="print">
+            <a:extLst>
+              <a:ext uri="{28A0092B-C50C-407E-A947-70E740481C1C}">
+                <a14:useLocalDpi xmlns:a14="http://schemas.microsoft.com/office/drawing/2010/main" val="0"/>
+              </a:ext>
+              <a:ext uri="{96DAC541-7B7A-43D3-8B79-37D633B846F1}">
+                <asvg:svgBlip xmlns:asvg="http://schemas.microsoft.com/office/drawing/2016/SVG/main" r:embed="rId4"/>
+              </a:ext>
+            </a:extLst>
+          </a:blip>
+          <a:stretch>
+            <a:fillRect/>
+          </a:stretch>
+        </p:blipFill>
+        <p:spPr>
+          <a:xfrm>
+            <a:off x="207095" y="6043750"/>
+            <a:ext cx="1770209" cy="700341"/>
+          </a:xfrm>
+          <a:prstGeom prst="rect">
+            <a:avLst/>
+          </a:prstGeom>
+        </p:spPr>
+      </p:pic>
+      <p:sp>
+        <p:nvSpPr>
+          <p:cNvPr id="12" name="Connettore 11">
+            <a:extLst>
+              <a:ext uri="{FF2B5EF4-FFF2-40B4-BE49-F238E27FC236}">
+                <a16:creationId xmlns:a16="http://schemas.microsoft.com/office/drawing/2014/main" id="{92095D8C-8CCA-4CC6-B2D2-E1BC4732F321}"/>
+              </a:ext>
+            </a:extLst>
+          </p:cNvPr>
+          <p:cNvSpPr/>
+          <p:nvPr/>
+        </p:nvSpPr>
+        <p:spPr>
+          <a:xfrm>
+            <a:off x="11455401" y="6273800"/>
+            <a:ext cx="512910" cy="470291"/>
+          </a:xfrm>
+          <a:prstGeom prst="flowChartConnector">
+            <a:avLst/>
+          </a:prstGeom>
+        </p:spPr>
+        <p:style>
+          <a:lnRef idx="2">
+            <a:schemeClr val="accent1">
+              <a:shade val="50000"/>
+            </a:schemeClr>
+          </a:lnRef>
+          <a:fillRef idx="1">
+            <a:schemeClr val="accent1"/>
+          </a:fillRef>
+          <a:effectRef idx="0">
+            <a:schemeClr val="accent1"/>
+          </a:effectRef>
+          <a:fontRef idx="minor">
+            <a:schemeClr val="lt1"/>
+          </a:fontRef>
+        </p:style>
+        <p:txBody>
+          <a:bodyPr rtlCol="0" anchor="ctr"/>
+          <a:lstStyle/>
+          <a:p>
+            <a:pPr algn="ctr"/>
             <a:fld id="{3A98EE3D-8CD1-4C3F-BD1C-C98C9596463C}" type="slidenum">
               <a:rPr lang="it-IT" sz="1200" b="1"/>
               <a:pPr algn="ctr"/>
@@ -15519,10 +14573,212 @@
           </a:p>
         </p:txBody>
       </p:sp>
+      <p:pic>
+        <p:nvPicPr>
+          <p:cNvPr id="3" name="Immagine 2">
+            <a:extLst>
+              <a:ext uri="{FF2B5EF4-FFF2-40B4-BE49-F238E27FC236}">
+                <a16:creationId xmlns:a16="http://schemas.microsoft.com/office/drawing/2014/main" id="{94F7CFF5-2CD4-4C9F-9D09-298C00864FDC}"/>
+              </a:ext>
+            </a:extLst>
+          </p:cNvPr>
+          <p:cNvPicPr>
+            <a:picLocks noChangeAspect="1"/>
+          </p:cNvPicPr>
+          <p:nvPr/>
+        </p:nvPicPr>
+        <p:blipFill>
+          <a:blip r:embed="rId5"/>
+          <a:stretch>
+            <a:fillRect/>
+          </a:stretch>
+        </p:blipFill>
+        <p:spPr>
+          <a:xfrm>
+            <a:off x="7959725" y="3748307"/>
+            <a:ext cx="3590925" cy="2162175"/>
+          </a:xfrm>
+          <a:prstGeom prst="rect">
+            <a:avLst/>
+          </a:prstGeom>
+          <a:ln>
+            <a:solidFill>
+              <a:schemeClr val="tx1"/>
+            </a:solidFill>
+          </a:ln>
+        </p:spPr>
+      </p:pic>
+      <p:pic>
+        <p:nvPicPr>
+          <p:cNvPr id="8" name="Immagine 7">
+            <a:extLst>
+              <a:ext uri="{FF2B5EF4-FFF2-40B4-BE49-F238E27FC236}">
+                <a16:creationId xmlns:a16="http://schemas.microsoft.com/office/drawing/2014/main" id="{CA73AEAF-74F9-4A03-8920-8C446355A593}"/>
+              </a:ext>
+            </a:extLst>
+          </p:cNvPr>
+          <p:cNvPicPr>
+            <a:picLocks noChangeAspect="1"/>
+          </p:cNvPicPr>
+          <p:nvPr/>
+        </p:nvPicPr>
+        <p:blipFill>
+          <a:blip r:embed="rId6"/>
+          <a:stretch>
+            <a:fillRect/>
+          </a:stretch>
+        </p:blipFill>
+        <p:spPr>
+          <a:xfrm>
+            <a:off x="7959725" y="2870200"/>
+            <a:ext cx="3495675" cy="533400"/>
+          </a:xfrm>
+          <a:prstGeom prst="rect">
+            <a:avLst/>
+          </a:prstGeom>
+          <a:ln>
+            <a:solidFill>
+              <a:schemeClr val="tx1"/>
+            </a:solidFill>
+          </a:ln>
+        </p:spPr>
+      </p:pic>
+      <p:sp>
+        <p:nvSpPr>
+          <p:cNvPr id="11" name="CasellaDiTesto 10">
+            <a:extLst>
+              <a:ext uri="{FF2B5EF4-FFF2-40B4-BE49-F238E27FC236}">
+                <a16:creationId xmlns:a16="http://schemas.microsoft.com/office/drawing/2014/main" id="{9F5967FF-B3EA-47A4-BE82-AC995EA76BC5}"/>
+              </a:ext>
+            </a:extLst>
+          </p:cNvPr>
+          <p:cNvSpPr txBox="1"/>
+          <p:nvPr/>
+        </p:nvSpPr>
+        <p:spPr>
+          <a:xfrm>
+            <a:off x="590926" y="2934265"/>
+            <a:ext cx="6936710" cy="1749197"/>
+          </a:xfrm>
+          <a:prstGeom prst="rect">
+            <a:avLst/>
+          </a:prstGeom>
+          <a:noFill/>
+        </p:spPr>
+        <p:txBody>
+          <a:bodyPr wrap="square" rtlCol="0">
+            <a:spAutoFit/>
+          </a:bodyPr>
+          <a:lstStyle/>
+          <a:p>
+            <a:pPr marL="266700" marR="0" lvl="0" indent="-266700" algn="l" defTabSz="914400" rtl="0" eaLnBrk="1" fontAlgn="auto" latinLnBrk="0" hangingPunct="1">
+              <a:lnSpc>
+                <a:spcPct val="100000"/>
+              </a:lnSpc>
+              <a:spcBef>
+                <a:spcPts val="1200"/>
+              </a:spcBef>
+              <a:spcAft>
+                <a:spcPts val="200"/>
+              </a:spcAft>
+              <a:buClr>
+                <a:srgbClr val="14496F"/>
+              </a:buClr>
+              <a:buSzPct val="100000"/>
+              <a:buFont typeface="Wingdings" panose="05000000000000000000" pitchFamily="2" charset="2"/>
+              <a:buChar char="§"/>
+              <a:tabLst/>
+              <a:defRPr/>
+            </a:pPr>
+            <a:r>
+              <a:rPr lang="it-IT" sz="2400" dirty="0">
+                <a:solidFill>
+                  <a:prstClr val="black">
+                    <a:lumMod val="75000"/>
+                    <a:lumOff val="25000"/>
+                  </a:prstClr>
+                </a:solidFill>
+                <a:latin typeface="Calibri Light" panose="020F0302020204030204"/>
+              </a:rPr>
+              <a:t>Delle 256 combinazioni possibili sono utilizzate solo le prime xxx. Tramite la funzione in Java ci occupiamo del riconoscimento del genere contenuto nel frame</a:t>
+            </a:r>
+          </a:p>
+          <a:p>
+            <a:pPr marL="266700" marR="0" lvl="0" indent="-266700" algn="l" defTabSz="914400" rtl="0" eaLnBrk="1" fontAlgn="auto" latinLnBrk="0" hangingPunct="1">
+              <a:lnSpc>
+                <a:spcPct val="100000"/>
+              </a:lnSpc>
+              <a:spcBef>
+                <a:spcPts val="1200"/>
+              </a:spcBef>
+              <a:spcAft>
+                <a:spcPts val="200"/>
+              </a:spcAft>
+              <a:buClr>
+                <a:srgbClr val="14496F"/>
+              </a:buClr>
+              <a:buSzPct val="100000"/>
+              <a:buFont typeface="Wingdings" panose="05000000000000000000" pitchFamily="2" charset="2"/>
+              <a:buChar char="§"/>
+              <a:tabLst/>
+              <a:defRPr/>
+            </a:pPr>
+            <a:r>
+              <a:rPr kumimoji="0" lang="it-IT" sz="2400" b="0" i="0" u="none" strike="noStrike" kern="1200" cap="none" spc="0" normalizeH="0" baseline="0" noProof="0" dirty="0">
+                <a:ln>
+                  <a:noFill/>
+                </a:ln>
+                <a:solidFill>
+                  <a:prstClr val="black">
+                    <a:lumMod val="75000"/>
+                    <a:lumOff val="25000"/>
+                  </a:prstClr>
+                </a:solidFill>
+                <a:effectLst/>
+                <a:uLnTx/>
+                <a:uFillTx/>
+                <a:latin typeface="Calibri Light" panose="020F0302020204030204"/>
+                <a:ea typeface="+mn-ea"/>
+                <a:cs typeface="+mn-cs"/>
+              </a:rPr>
+              <a:t>Esempio </a:t>
+            </a:r>
+            <a:r>
+              <a:rPr lang="it-IT" sz="2400" dirty="0">
+                <a:solidFill>
+                  <a:prstClr val="black">
+                    <a:lumMod val="75000"/>
+                    <a:lumOff val="25000"/>
+                  </a:prstClr>
+                </a:solidFill>
+                <a:latin typeface="Calibri Light" panose="020F0302020204030204"/>
+              </a:rPr>
+              <a:t>di funzione -&gt;</a:t>
+            </a:r>
+            <a:endParaRPr kumimoji="0" lang="it-IT" sz="2400" b="0" i="0" u="none" strike="noStrike" kern="1200" cap="none" spc="0" normalizeH="0" baseline="0" noProof="0" dirty="0">
+              <a:ln>
+                <a:noFill/>
+              </a:ln>
+              <a:solidFill>
+                <a:prstClr val="black">
+                  <a:lumMod val="75000"/>
+                  <a:lumOff val="25000"/>
+                </a:prstClr>
+              </a:solidFill>
+              <a:effectLst/>
+              <a:uLnTx/>
+              <a:uFillTx/>
+              <a:latin typeface="Calibri Light" panose="020F0302020204030204"/>
+              <a:ea typeface="+mn-ea"/>
+              <a:cs typeface="+mn-cs"/>
+            </a:endParaRPr>
+          </a:p>
+        </p:txBody>
+      </p:sp>
     </p:spTree>
     <p:extLst>
       <p:ext uri="{BB962C8B-B14F-4D97-AF65-F5344CB8AC3E}">
-        <p14:creationId xmlns:p14="http://schemas.microsoft.com/office/powerpoint/2010/main" val="1056707768"/>
+        <p14:creationId xmlns:p14="http://schemas.microsoft.com/office/powerpoint/2010/main" val="2951360850"/>
       </p:ext>
     </p:extLst>
   </p:cSld>

--- a/presentazione.pptx
+++ b/presentazione.pptx
@@ -5,10 +5,10 @@
     <p:sldMasterId id="2147483717" r:id="rId4"/>
   </p:sldMasterIdLst>
   <p:notesMasterIdLst>
-    <p:notesMasterId r:id="rId16"/>
+    <p:notesMasterId r:id="rId18"/>
   </p:notesMasterIdLst>
   <p:handoutMasterIdLst>
-    <p:handoutMasterId r:id="rId17"/>
+    <p:handoutMasterId r:id="rId19"/>
   </p:handoutMasterIdLst>
   <p:sldIdLst>
     <p:sldId id="258" r:id="rId5"/>
@@ -21,7 +21,9 @@
     <p:sldId id="295" r:id="rId12"/>
     <p:sldId id="296" r:id="rId13"/>
     <p:sldId id="294" r:id="rId14"/>
-    <p:sldId id="280" r:id="rId15"/>
+    <p:sldId id="297" r:id="rId15"/>
+    <p:sldId id="298" r:id="rId16"/>
+    <p:sldId id="280" r:id="rId17"/>
   </p:sldIdLst>
   <p:sldSz cx="12192000" cy="6858000"/>
   <p:notesSz cx="6858000" cy="9144000"/>
@@ -227,7 +229,7 @@
             <a:pPr rtl="0"/>
             <a:fld id="{36FC0A7B-6666-4F41-AD03-C74B76B10001}" type="datetime1">
               <a:rPr lang="it-IT" smtClean="0"/>
-              <a:t>14/03/2022</a:t>
+              <a:t>18/03/2022</a:t>
             </a:fld>
             <a:endParaRPr lang="it-IT" dirty="0"/>
           </a:p>
@@ -408,7 +410,7 @@
             <a:fld id="{110E367B-2E0B-461C-8280-86016408BD7C}" type="datetime1">
               <a:rPr lang="it-IT" smtClean="0"/>
               <a:pPr/>
-              <a:t>14/03/2022</a:t>
+              <a:t>18/03/2022</a:t>
             </a:fld>
             <a:endParaRPr lang="it-IT" dirty="0"/>
           </a:p>
@@ -917,7 +919,7 @@
             <a:pPr rtl="0"/>
             <a:fld id="{284ECAD9-32EE-4091-BDA5-6BD15ACC5E58}" type="slidenum">
               <a:rPr lang="it-IT" smtClean="0"/>
-              <a:t>11</a:t>
+              <a:t>13</a:t>
             </a:fld>
             <a:endParaRPr lang="it-IT" dirty="0"/>
           </a:p>
@@ -1700,7 +1702,7 @@
             <a:pPr rtl="0"/>
             <a:fld id="{BC5A5791-EFA9-42A2-8E0D-DBC7A027EB39}" type="datetime1">
               <a:rPr lang="it-IT" noProof="0" smtClean="0"/>
-              <a:t>14/03/2022</a:t>
+              <a:t>18/03/2022</a:t>
             </a:fld>
             <a:endParaRPr lang="it-IT" noProof="0" dirty="0"/>
           </a:p>
@@ -2328,7 +2330,7 @@
             <a:pPr rtl="0"/>
             <a:fld id="{FF17C169-DBE1-4B6A-9921-1E108A1C6C42}" type="datetime1">
               <a:rPr lang="it-IT" noProof="0" smtClean="0"/>
-              <a:t>14/03/2022</a:t>
+              <a:t>18/03/2022</a:t>
             </a:fld>
             <a:endParaRPr lang="it-IT" noProof="0" dirty="0"/>
           </a:p>
@@ -2685,7 +2687,7 @@
             <a:pPr rtl="0"/>
             <a:fld id="{6C0ABBAF-B24C-4448-B75C-ADB9350121F9}" type="datetime1">
               <a:rPr lang="it-IT" noProof="0" smtClean="0"/>
-              <a:t>14/03/2022</a:t>
+              <a:t>18/03/2022</a:t>
             </a:fld>
             <a:endParaRPr lang="it-IT" noProof="0" dirty="0"/>
           </a:p>
@@ -3084,7 +3086,7 @@
             <a:pPr rtl="0"/>
             <a:fld id="{26E56894-810F-46F6-9A4E-7CB650138CD2}" type="datetime1">
               <a:rPr lang="it-IT" noProof="0" smtClean="0"/>
-              <a:t>14/03/2022</a:t>
+              <a:t>18/03/2022</a:t>
             </a:fld>
             <a:endParaRPr lang="it-IT" noProof="0" dirty="0"/>
           </a:p>
@@ -3567,7 +3569,7 @@
             <a:pPr rtl="0"/>
             <a:fld id="{6BDF9918-2BB5-43D7-98E9-1FB3954C3638}" type="datetime1">
               <a:rPr lang="it-IT" noProof="0" smtClean="0"/>
-              <a:t>14/03/2022</a:t>
+              <a:t>18/03/2022</a:t>
             </a:fld>
             <a:endParaRPr lang="it-IT" noProof="0" dirty="0"/>
           </a:p>
@@ -3958,7 +3960,7 @@
             <a:pPr rtl="0"/>
             <a:fld id="{983F2180-7340-4006-8F9F-3B15285D3035}" type="datetime1">
               <a:rPr lang="it-IT" noProof="0" smtClean="0"/>
-              <a:t>14/03/2022</a:t>
+              <a:t>18/03/2022</a:t>
             </a:fld>
             <a:endParaRPr lang="it-IT" noProof="0" dirty="0"/>
           </a:p>
@@ -4326,7 +4328,7 @@
             <a:pPr rtl="0"/>
             <a:fld id="{47C567FE-B98A-4D3F-9213-316EA9EC55A5}" type="datetime1">
               <a:rPr lang="it-IT" noProof="0" smtClean="0"/>
-              <a:t>14/03/2022</a:t>
+              <a:t>18/03/2022</a:t>
             </a:fld>
             <a:endParaRPr lang="it-IT" noProof="0" dirty="0"/>
           </a:p>
@@ -4819,7 +4821,7 @@
             <a:pPr rtl="0"/>
             <a:fld id="{BC922104-62E9-446F-9FB1-A32B08927891}" type="datetime1">
               <a:rPr lang="it-IT" noProof="0" smtClean="0"/>
-              <a:t>14/03/2022</a:t>
+              <a:t>18/03/2022</a:t>
             </a:fld>
             <a:endParaRPr lang="it-IT" noProof="0" dirty="0"/>
           </a:p>
@@ -5319,7 +5321,7 @@
             <a:pPr rtl="0"/>
             <a:fld id="{192B49F1-2FC8-466C-ABE0-4929E08403C1}" type="datetime1">
               <a:rPr lang="it-IT" noProof="0" smtClean="0"/>
-              <a:t>14/03/2022</a:t>
+              <a:t>18/03/2022</a:t>
             </a:fld>
             <a:endParaRPr lang="it-IT" noProof="0" dirty="0"/>
           </a:p>
@@ -5756,7 +5758,7 @@
             <a:pPr rtl="0"/>
             <a:fld id="{D669DC07-792B-4D17-B0C3-BB835168107E}" type="datetime1">
               <a:rPr lang="it-IT" noProof="0" smtClean="0"/>
-              <a:t>14/03/2022</a:t>
+              <a:t>18/03/2022</a:t>
             </a:fld>
             <a:endParaRPr lang="it-IT" noProof="0" dirty="0"/>
           </a:p>
@@ -6013,7 +6015,7 @@
             <a:pPr rtl="0"/>
             <a:fld id="{C95873E1-B6E7-4F22-ACBC-2B4E759526F9}" type="datetime1">
               <a:rPr lang="it-IT" noProof="0" smtClean="0"/>
-              <a:t>14/03/2022</a:t>
+              <a:t>18/03/2022</a:t>
             </a:fld>
             <a:endParaRPr lang="it-IT" noProof="0" dirty="0"/>
           </a:p>
@@ -6246,7 +6248,7 @@
             <a:pPr rtl="0"/>
             <a:fld id="{EDF35B73-1E84-4E1D-9C62-04B6DA1DCD89}" type="datetime1">
               <a:rPr lang="it-IT" noProof="0" smtClean="0"/>
-              <a:t>14/03/2022</a:t>
+              <a:t>18/03/2022</a:t>
             </a:fld>
             <a:endParaRPr lang="it-IT" noProof="0" dirty="0"/>
           </a:p>
@@ -6654,7 +6656,7 @@
             <a:pPr rtl="0"/>
             <a:fld id="{EF217D74-4249-45DE-AFC1-DB41000B186F}" type="datetime1">
               <a:rPr lang="it-IT" noProof="0" smtClean="0"/>
-              <a:t>14/03/2022</a:t>
+              <a:t>18/03/2022</a:t>
             </a:fld>
             <a:endParaRPr lang="it-IT" noProof="0" dirty="0"/>
           </a:p>
@@ -6898,7 +6900,7 @@
             <a:pPr rtl="0"/>
             <a:fld id="{02821AFD-43C1-409E-AABC-CA19CBFB6E3C}" type="datetime1">
               <a:rPr lang="it-IT" noProof="0" smtClean="0"/>
-              <a:t>14/03/2022</a:t>
+              <a:t>18/03/2022</a:t>
             </a:fld>
             <a:endParaRPr lang="it-IT" noProof="0" dirty="0"/>
           </a:p>
@@ -7098,7 +7100,7 @@
             <a:pPr rtl="0"/>
             <a:fld id="{25D5A028-43A2-4639-BEEA-82C2B46D2F75}" type="datetime1">
               <a:rPr lang="it-IT" noProof="0" smtClean="0"/>
-              <a:t>14/03/2022</a:t>
+              <a:t>18/03/2022</a:t>
             </a:fld>
             <a:endParaRPr lang="it-IT" noProof="0" dirty="0"/>
           </a:p>
@@ -7558,7 +7560,7 @@
             <a:pPr rtl="0"/>
             <a:fld id="{0AC1AF47-3649-4D70-8624-44F2D47949BF}" type="datetime1">
               <a:rPr lang="it-IT" noProof="0" smtClean="0"/>
-              <a:t>14/03/2022</a:t>
+              <a:t>18/03/2022</a:t>
             </a:fld>
             <a:endParaRPr lang="it-IT" noProof="0" dirty="0"/>
           </a:p>
@@ -8142,7 +8144,7 @@
             <a:pPr rtl="0"/>
             <a:fld id="{0C86549E-7F36-460D-B45B-E31862ACF4DC}" type="datetime1">
               <a:rPr lang="it-IT" noProof="0" smtClean="0"/>
-              <a:t>14/03/2022</a:t>
+              <a:t>18/03/2022</a:t>
             </a:fld>
             <a:endParaRPr lang="it-IT" noProof="0" dirty="0"/>
           </a:p>
@@ -8546,7 +8548,7 @@
             <a:pPr rtl="0"/>
             <a:fld id="{5AD476CA-C764-4FAD-8146-5EA1029A9E33}" type="datetime1">
               <a:rPr lang="it-IT" noProof="0" smtClean="0"/>
-              <a:t>14/03/2022</a:t>
+              <a:t>18/03/2022</a:t>
             </a:fld>
             <a:endParaRPr lang="it-IT" noProof="0" dirty="0"/>
           </a:p>
@@ -8689,7 +8691,7 @@
             <a:pPr rtl="0"/>
             <a:fld id="{8718CE71-08A2-40CC-B75F-5DA9EAC27385}" type="datetime1">
               <a:rPr lang="it-IT" noProof="0" smtClean="0"/>
-              <a:t>14/03/2022</a:t>
+              <a:t>18/03/2022</a:t>
             </a:fld>
             <a:endParaRPr lang="it-IT" noProof="0" dirty="0"/>
           </a:p>
@@ -8881,7 +8883,7 @@
             <a:pPr rtl="0"/>
             <a:fld id="{2F6EAE58-4589-466E-80D1-72C9CC21B379}" type="datetime1">
               <a:rPr lang="it-IT" noProof="0" smtClean="0"/>
-              <a:t>14/03/2022</a:t>
+              <a:t>18/03/2022</a:t>
             </a:fld>
             <a:endParaRPr lang="it-IT" noProof="0" dirty="0"/>
           </a:p>
@@ -9197,7 +9199,7 @@
             <a:pPr rtl="0"/>
             <a:fld id="{415EA518-E098-4533-A7FE-3A70CD273BA1}" type="datetime1">
               <a:rPr lang="it-IT" noProof="0" smtClean="0"/>
-              <a:t>14/03/2022</a:t>
+              <a:t>18/03/2022</a:t>
             </a:fld>
             <a:endParaRPr lang="it-IT" noProof="0" dirty="0"/>
           </a:p>
@@ -9881,9 +9883,12 @@
               </a:rPr>
               <a:t>fabio</a:t>
             </a:r>
-            <a:endParaRPr lang="it-IT" dirty="0">
-              <a:latin typeface="+mj-lt"/>
-            </a:endParaRPr>
+            <a:r>
+              <a:rPr lang="it-IT" dirty="0">
+                <a:latin typeface="+mj-lt"/>
+              </a:rPr>
+              <a:t> 1053157</a:t>
+            </a:r>
           </a:p>
         </p:txBody>
       </p:sp>
@@ -10153,6 +10158,376 @@
       </p:grpSpPr>
       <p:sp>
         <p:nvSpPr>
+          <p:cNvPr id="2" name="Titolo 1">
+            <a:extLst>
+              <a:ext uri="{FF2B5EF4-FFF2-40B4-BE49-F238E27FC236}">
+                <a16:creationId xmlns:a16="http://schemas.microsoft.com/office/drawing/2014/main" id="{F90817C5-BA9F-44BE-A457-FE4C2D312809}"/>
+              </a:ext>
+            </a:extLst>
+          </p:cNvPr>
+          <p:cNvSpPr>
+            <a:spLocks noGrp="1"/>
+          </p:cNvSpPr>
+          <p:nvPr>
+            <p:ph type="title"/>
+          </p:nvPr>
+        </p:nvSpPr>
+        <p:spPr/>
+        <p:txBody>
+          <a:bodyPr/>
+          <a:lstStyle/>
+          <a:p>
+            <a:r>
+              <a:rPr lang="it-IT" dirty="0"/>
+              <a:t>Gestione degli errori</a:t>
+            </a:r>
+          </a:p>
+        </p:txBody>
+      </p:sp>
+      <p:sp>
+        <p:nvSpPr>
+          <p:cNvPr id="3" name="Segnaposto contenuto 2">
+            <a:extLst>
+              <a:ext uri="{FF2B5EF4-FFF2-40B4-BE49-F238E27FC236}">
+                <a16:creationId xmlns:a16="http://schemas.microsoft.com/office/drawing/2014/main" id="{9596A2F2-6954-40BF-B413-862D88F08506}"/>
+              </a:ext>
+            </a:extLst>
+          </p:cNvPr>
+          <p:cNvSpPr>
+            <a:spLocks noGrp="1"/>
+          </p:cNvSpPr>
+          <p:nvPr>
+            <p:ph idx="1"/>
+          </p:nvPr>
+        </p:nvSpPr>
+        <p:spPr/>
+        <p:txBody>
+          <a:bodyPr/>
+          <a:lstStyle/>
+          <a:p>
+            <a:r>
+              <a:rPr lang="it-IT" sz="2400" dirty="0">
+                <a:latin typeface="+mj-lt"/>
+              </a:rPr>
+              <a:t>Vengono effettuati controlli sulla presenza e correttezza degli </a:t>
+            </a:r>
+            <a:r>
+              <a:rPr lang="it-IT" sz="2400" dirty="0" err="1">
+                <a:latin typeface="+mj-lt"/>
+              </a:rPr>
+              <a:t>Header</a:t>
+            </a:r>
+            <a:r>
+              <a:rPr lang="it-IT" sz="2400" dirty="0">
+                <a:latin typeface="+mj-lt"/>
+              </a:rPr>
+              <a:t> e si controlla che ogni campo contenente le informazioni del brano sia di lunghezza pari a 30 caratteri.</a:t>
+            </a:r>
+          </a:p>
+          <a:p>
+            <a:endParaRPr lang="it-IT" dirty="0"/>
+          </a:p>
+          <a:p>
+            <a:r>
+              <a:rPr lang="it-IT" sz="2400" dirty="0">
+                <a:latin typeface="+mj-lt"/>
+              </a:rPr>
+              <a:t>Alcuni esempi:</a:t>
+            </a:r>
+          </a:p>
+          <a:p>
+            <a:pPr lvl="1"/>
+            <a:r>
+              <a:rPr lang="it-IT" sz="2200" dirty="0">
+                <a:latin typeface="+mj-lt"/>
+              </a:rPr>
+              <a:t>Mancanza o errata scrittura del TAG iniziale</a:t>
+            </a:r>
+          </a:p>
+          <a:p>
+            <a:endParaRPr lang="it-IT" dirty="0"/>
+          </a:p>
+        </p:txBody>
+      </p:sp>
+      <p:sp>
+        <p:nvSpPr>
+          <p:cNvPr id="4" name="Segnaposto numero diapositiva 3">
+            <a:extLst>
+              <a:ext uri="{FF2B5EF4-FFF2-40B4-BE49-F238E27FC236}">
+                <a16:creationId xmlns:a16="http://schemas.microsoft.com/office/drawing/2014/main" id="{2B13E80C-7F0E-4294-A3F9-CBF165A75956}"/>
+              </a:ext>
+            </a:extLst>
+          </p:cNvPr>
+          <p:cNvSpPr>
+            <a:spLocks noGrp="1"/>
+          </p:cNvSpPr>
+          <p:nvPr>
+            <p:ph type="sldNum" sz="quarter" idx="12"/>
+          </p:nvPr>
+        </p:nvSpPr>
+        <p:spPr/>
+        <p:txBody>
+          <a:bodyPr/>
+          <a:lstStyle/>
+          <a:p>
+            <a:pPr rtl="0"/>
+            <a:fld id="{3A98EE3D-8CD1-4C3F-BD1C-C98C9596463C}" type="slidenum">
+              <a:rPr lang="it-IT" noProof="0" smtClean="0"/>
+              <a:t>11</a:t>
+            </a:fld>
+            <a:endParaRPr lang="it-IT" noProof="0" dirty="0"/>
+          </a:p>
+        </p:txBody>
+      </p:sp>
+      <p:pic>
+        <p:nvPicPr>
+          <p:cNvPr id="6" name="Immagine 5">
+            <a:extLst>
+              <a:ext uri="{FF2B5EF4-FFF2-40B4-BE49-F238E27FC236}">
+                <a16:creationId xmlns:a16="http://schemas.microsoft.com/office/drawing/2014/main" id="{D6A62E99-94CE-4219-B69B-E1B6C2FA2D4F}"/>
+              </a:ext>
+            </a:extLst>
+          </p:cNvPr>
+          <p:cNvPicPr>
+            <a:picLocks noChangeAspect="1"/>
+          </p:cNvPicPr>
+          <p:nvPr/>
+        </p:nvPicPr>
+        <p:blipFill>
+          <a:blip r:embed="rId2"/>
+          <a:stretch>
+            <a:fillRect/>
+          </a:stretch>
+        </p:blipFill>
+        <p:spPr>
+          <a:xfrm>
+            <a:off x="1689713" y="4941946"/>
+            <a:ext cx="9112070" cy="480285"/>
+          </a:xfrm>
+          <a:prstGeom prst="rect">
+            <a:avLst/>
+          </a:prstGeom>
+        </p:spPr>
+      </p:pic>
+    </p:spTree>
+    <p:extLst>
+      <p:ext uri="{BB962C8B-B14F-4D97-AF65-F5344CB8AC3E}">
+        <p14:creationId xmlns:p14="http://schemas.microsoft.com/office/powerpoint/2010/main" val="2079372548"/>
+      </p:ext>
+    </p:extLst>
+  </p:cSld>
+  <p:clrMapOvr>
+    <a:masterClrMapping/>
+  </p:clrMapOvr>
+</p:sld>
+</file>
+
+<file path=ppt/slides/slide12.xml><?xml version="1.0" encoding="utf-8"?>
+<p:sld xmlns:a="http://schemas.openxmlformats.org/drawingml/2006/main" xmlns:r="http://schemas.openxmlformats.org/officeDocument/2006/relationships" xmlns:p="http://schemas.openxmlformats.org/presentationml/2006/main">
+  <p:cSld>
+    <p:spTree>
+      <p:nvGrpSpPr>
+        <p:cNvPr id="1" name=""/>
+        <p:cNvGrpSpPr/>
+        <p:nvPr/>
+      </p:nvGrpSpPr>
+      <p:grpSpPr>
+        <a:xfrm>
+          <a:off x="0" y="0"/>
+          <a:ext cx="0" cy="0"/>
+          <a:chOff x="0" y="0"/>
+          <a:chExt cx="0" cy="0"/>
+        </a:xfrm>
+      </p:grpSpPr>
+      <p:sp>
+        <p:nvSpPr>
+          <p:cNvPr id="2" name="Titolo 1">
+            <a:extLst>
+              <a:ext uri="{FF2B5EF4-FFF2-40B4-BE49-F238E27FC236}">
+                <a16:creationId xmlns:a16="http://schemas.microsoft.com/office/drawing/2014/main" id="{8F3A6E8D-C6E3-45A3-87D8-838CC3B5CA73}"/>
+              </a:ext>
+            </a:extLst>
+          </p:cNvPr>
+          <p:cNvSpPr>
+            <a:spLocks noGrp="1"/>
+          </p:cNvSpPr>
+          <p:nvPr>
+            <p:ph type="title"/>
+          </p:nvPr>
+        </p:nvSpPr>
+        <p:spPr/>
+        <p:txBody>
+          <a:bodyPr/>
+          <a:lstStyle/>
+          <a:p>
+            <a:r>
+              <a:rPr lang="it-IT" dirty="0"/>
+              <a:t>Gestione degli errori</a:t>
+            </a:r>
+          </a:p>
+        </p:txBody>
+      </p:sp>
+      <p:sp>
+        <p:nvSpPr>
+          <p:cNvPr id="3" name="Segnaposto contenuto 2">
+            <a:extLst>
+              <a:ext uri="{FF2B5EF4-FFF2-40B4-BE49-F238E27FC236}">
+                <a16:creationId xmlns:a16="http://schemas.microsoft.com/office/drawing/2014/main" id="{4A41F902-07A3-46A2-9065-80907DC9C068}"/>
+              </a:ext>
+            </a:extLst>
+          </p:cNvPr>
+          <p:cNvSpPr>
+            <a:spLocks noGrp="1"/>
+          </p:cNvSpPr>
+          <p:nvPr>
+            <p:ph idx="1"/>
+          </p:nvPr>
+        </p:nvSpPr>
+        <p:spPr/>
+        <p:txBody>
+          <a:bodyPr>
+            <a:normAutofit/>
+          </a:bodyPr>
+          <a:lstStyle/>
+          <a:p>
+            <a:pPr lvl="1"/>
+            <a:r>
+              <a:rPr lang="it-IT" sz="2200" dirty="0">
+                <a:latin typeface="+mj-lt"/>
+              </a:rPr>
+              <a:t>Mancanza o errata scrittura di un qualsiasi </a:t>
+            </a:r>
+            <a:r>
+              <a:rPr lang="it-IT" sz="2200" dirty="0" err="1">
+                <a:latin typeface="+mj-lt"/>
+              </a:rPr>
+              <a:t>Header</a:t>
+            </a:r>
+            <a:endParaRPr lang="it-IT" sz="2200" dirty="0">
+              <a:latin typeface="+mj-lt"/>
+            </a:endParaRPr>
+          </a:p>
+          <a:p>
+            <a:pPr lvl="1"/>
+            <a:endParaRPr lang="it-IT" sz="2200" dirty="0">
+              <a:latin typeface="+mj-lt"/>
+            </a:endParaRPr>
+          </a:p>
+          <a:p>
+            <a:pPr lvl="1"/>
+            <a:endParaRPr lang="it-IT" sz="2200" dirty="0">
+              <a:latin typeface="+mj-lt"/>
+            </a:endParaRPr>
+          </a:p>
+          <a:p>
+            <a:pPr lvl="1"/>
+            <a:endParaRPr lang="it-IT" sz="2200" dirty="0">
+              <a:latin typeface="+mj-lt"/>
+            </a:endParaRPr>
+          </a:p>
+          <a:p>
+            <a:pPr lvl="1"/>
+            <a:r>
+              <a:rPr lang="it-IT" sz="2200" dirty="0">
+                <a:latin typeface="+mj-lt"/>
+              </a:rPr>
+              <a:t>Campo contenente le informazioni della traccia di lunghezza minore rispetto ai 30 caratteri obbligatori</a:t>
+            </a:r>
+          </a:p>
+        </p:txBody>
+      </p:sp>
+      <p:sp>
+        <p:nvSpPr>
+          <p:cNvPr id="4" name="Segnaposto numero diapositiva 3">
+            <a:extLst>
+              <a:ext uri="{FF2B5EF4-FFF2-40B4-BE49-F238E27FC236}">
+                <a16:creationId xmlns:a16="http://schemas.microsoft.com/office/drawing/2014/main" id="{81F7F39F-B717-4FA0-8BE8-02FF46A5F303}"/>
+              </a:ext>
+            </a:extLst>
+          </p:cNvPr>
+          <p:cNvSpPr>
+            <a:spLocks noGrp="1"/>
+          </p:cNvSpPr>
+          <p:nvPr>
+            <p:ph type="sldNum" sz="quarter" idx="12"/>
+          </p:nvPr>
+        </p:nvSpPr>
+        <p:spPr/>
+        <p:txBody>
+          <a:bodyPr/>
+          <a:lstStyle/>
+          <a:p>
+            <a:pPr rtl="0"/>
+            <a:fld id="{3A98EE3D-8CD1-4C3F-BD1C-C98C9596463C}" type="slidenum">
+              <a:rPr lang="it-IT" noProof="0" smtClean="0"/>
+              <a:t>12</a:t>
+            </a:fld>
+            <a:endParaRPr lang="it-IT" noProof="0" dirty="0"/>
+          </a:p>
+        </p:txBody>
+      </p:sp>
+      <p:pic>
+        <p:nvPicPr>
+          <p:cNvPr id="6" name="Immagine 5">
+            <a:extLst>
+              <a:ext uri="{FF2B5EF4-FFF2-40B4-BE49-F238E27FC236}">
+                <a16:creationId xmlns:a16="http://schemas.microsoft.com/office/drawing/2014/main" id="{49427C53-1231-49B0-84CE-63995E1F66AC}"/>
+              </a:ext>
+            </a:extLst>
+          </p:cNvPr>
+          <p:cNvPicPr>
+            <a:picLocks noChangeAspect="1"/>
+          </p:cNvPicPr>
+          <p:nvPr/>
+        </p:nvPicPr>
+        <p:blipFill>
+          <a:blip r:embed="rId2"/>
+          <a:stretch>
+            <a:fillRect/>
+          </a:stretch>
+        </p:blipFill>
+        <p:spPr>
+          <a:xfrm>
+            <a:off x="1957064" y="2857226"/>
+            <a:ext cx="7923143" cy="571774"/>
+          </a:xfrm>
+          <a:prstGeom prst="rect">
+            <a:avLst/>
+          </a:prstGeom>
+        </p:spPr>
+      </p:pic>
+    </p:spTree>
+    <p:extLst>
+      <p:ext uri="{BB962C8B-B14F-4D97-AF65-F5344CB8AC3E}">
+        <p14:creationId xmlns:p14="http://schemas.microsoft.com/office/powerpoint/2010/main" val="2494057067"/>
+      </p:ext>
+    </p:extLst>
+  </p:cSld>
+  <p:clrMapOvr>
+    <a:masterClrMapping/>
+  </p:clrMapOvr>
+</p:sld>
+</file>
+
+<file path=ppt/slides/slide13.xml><?xml version="1.0" encoding="utf-8"?>
+<p:sld xmlns:a="http://schemas.openxmlformats.org/drawingml/2006/main" xmlns:r="http://schemas.openxmlformats.org/officeDocument/2006/relationships" xmlns:p="http://schemas.openxmlformats.org/presentationml/2006/main">
+  <p:cSld>
+    <p:spTree>
+      <p:nvGrpSpPr>
+        <p:cNvPr id="1" name=""/>
+        <p:cNvGrpSpPr/>
+        <p:nvPr/>
+      </p:nvGrpSpPr>
+      <p:grpSpPr>
+        <a:xfrm>
+          <a:off x="0" y="0"/>
+          <a:ext cx="0" cy="0"/>
+          <a:chOff x="0" y="0"/>
+          <a:chExt cx="0" cy="0"/>
+        </a:xfrm>
+      </p:grpSpPr>
+      <p:sp>
+        <p:nvSpPr>
           <p:cNvPr id="7" name="Titolo 6">
             <a:extLst>
               <a:ext uri="{FF2B5EF4-FFF2-40B4-BE49-F238E27FC236}">
@@ -10510,7 +10885,7 @@
             </a:pPr>
             <a:r>
               <a:rPr lang="it-IT" b="1" dirty="0"/>
-              <a:t>Il problema della gestione degli errori</a:t>
+              <a:t>Gestione degli errori</a:t>
             </a:r>
           </a:p>
           <a:p>

--- a/presentazione.pptx
+++ b/presentazione.pptx
@@ -5,10 +5,10 @@
     <p:sldMasterId id="2147483717" r:id="rId4"/>
   </p:sldMasterIdLst>
   <p:notesMasterIdLst>
-    <p:notesMasterId r:id="rId18"/>
+    <p:notesMasterId r:id="rId19"/>
   </p:notesMasterIdLst>
   <p:handoutMasterIdLst>
-    <p:handoutMasterId r:id="rId19"/>
+    <p:handoutMasterId r:id="rId20"/>
   </p:handoutMasterIdLst>
   <p:sldIdLst>
     <p:sldId id="258" r:id="rId5"/>
@@ -20,10 +20,11 @@
     <p:sldId id="293" r:id="rId11"/>
     <p:sldId id="295" r:id="rId12"/>
     <p:sldId id="296" r:id="rId13"/>
-    <p:sldId id="294" r:id="rId14"/>
-    <p:sldId id="297" r:id="rId15"/>
-    <p:sldId id="298" r:id="rId16"/>
-    <p:sldId id="280" r:id="rId17"/>
+    <p:sldId id="297" r:id="rId14"/>
+    <p:sldId id="299" r:id="rId15"/>
+    <p:sldId id="300" r:id="rId16"/>
+    <p:sldId id="294" r:id="rId17"/>
+    <p:sldId id="280" r:id="rId18"/>
   </p:sldIdLst>
   <p:sldSz cx="12192000" cy="6858000"/>
   <p:notesSz cx="6858000" cy="9144000"/>
@@ -822,7 +823,7 @@
             <a:spLocks noGrp="1"/>
           </p:cNvSpPr>
           <p:nvPr>
-            <p:ph type="sldNum" sz="quarter" idx="10"/>
+            <p:ph type="sldNum" sz="quarter" idx="5"/>
           </p:nvPr>
         </p:nvSpPr>
         <p:spPr/>
@@ -833,7 +834,7 @@
             <a:pPr rtl="0"/>
             <a:fld id="{284ECAD9-32EE-4091-BDA5-6BD15ACC5E58}" type="slidenum">
               <a:rPr lang="it-IT" smtClean="0"/>
-              <a:t>10</a:t>
+              <a:t>11</a:t>
             </a:fld>
             <a:endParaRPr lang="it-IT" dirty="0"/>
           </a:p>
@@ -842,7 +843,7 @@
     </p:spTree>
     <p:extLst>
       <p:ext uri="{BB962C8B-B14F-4D97-AF65-F5344CB8AC3E}">
-        <p14:creationId xmlns:p14="http://schemas.microsoft.com/office/powerpoint/2010/main" val="196969414"/>
+        <p14:creationId xmlns:p14="http://schemas.microsoft.com/office/powerpoint/2010/main" val="3322397853"/>
       </p:ext>
     </p:extLst>
   </p:cSld>
@@ -919,7 +920,179 @@
             <a:pPr rtl="0"/>
             <a:fld id="{284ECAD9-32EE-4091-BDA5-6BD15ACC5E58}" type="slidenum">
               <a:rPr lang="it-IT" smtClean="0"/>
+              <a:t>12</a:t>
+            </a:fld>
+            <a:endParaRPr lang="it-IT" dirty="0"/>
+          </a:p>
+        </p:txBody>
+      </p:sp>
+    </p:spTree>
+    <p:extLst>
+      <p:ext uri="{BB962C8B-B14F-4D97-AF65-F5344CB8AC3E}">
+        <p14:creationId xmlns:p14="http://schemas.microsoft.com/office/powerpoint/2010/main" val="3717284432"/>
+      </p:ext>
+    </p:extLst>
+  </p:cSld>
+  <p:clrMapOvr>
+    <a:masterClrMapping/>
+  </p:clrMapOvr>
+</p:notes>
+</file>
+
+<file path=ppt/notesSlides/notesSlide12.xml><?xml version="1.0" encoding="utf-8"?>
+<p:notes xmlns:a="http://schemas.openxmlformats.org/drawingml/2006/main" xmlns:r="http://schemas.openxmlformats.org/officeDocument/2006/relationships" xmlns:p="http://schemas.openxmlformats.org/presentationml/2006/main">
+  <p:cSld>
+    <p:spTree>
+      <p:nvGrpSpPr>
+        <p:cNvPr id="1" name=""/>
+        <p:cNvGrpSpPr/>
+        <p:nvPr/>
+      </p:nvGrpSpPr>
+      <p:grpSpPr>
+        <a:xfrm>
+          <a:off x="0" y="0"/>
+          <a:ext cx="0" cy="0"/>
+          <a:chOff x="0" y="0"/>
+          <a:chExt cx="0" cy="0"/>
+        </a:xfrm>
+      </p:grpSpPr>
+      <p:sp>
+        <p:nvSpPr>
+          <p:cNvPr id="2" name="Segnaposto immagine diapositiva 1"/>
+          <p:cNvSpPr>
+            <a:spLocks noGrp="1" noRot="1" noChangeAspect="1"/>
+          </p:cNvSpPr>
+          <p:nvPr>
+            <p:ph type="sldImg"/>
+          </p:nvPr>
+        </p:nvSpPr>
+        <p:spPr/>
+      </p:sp>
+      <p:sp>
+        <p:nvSpPr>
+          <p:cNvPr id="3" name="Segnaposto note 2"/>
+          <p:cNvSpPr>
+            <a:spLocks noGrp="1"/>
+          </p:cNvSpPr>
+          <p:nvPr>
+            <p:ph type="body" idx="1"/>
+          </p:nvPr>
+        </p:nvSpPr>
+        <p:spPr/>
+        <p:txBody>
+          <a:bodyPr rtlCol="0"/>
+          <a:lstStyle/>
+          <a:p>
+            <a:pPr rtl="0"/>
+            <a:endParaRPr lang="it-IT" dirty="0"/>
+          </a:p>
+        </p:txBody>
+      </p:sp>
+      <p:sp>
+        <p:nvSpPr>
+          <p:cNvPr id="4" name="Segnaposto numero diapositiva 3"/>
+          <p:cNvSpPr>
+            <a:spLocks noGrp="1"/>
+          </p:cNvSpPr>
+          <p:nvPr>
+            <p:ph type="sldNum" sz="quarter" idx="10"/>
+          </p:nvPr>
+        </p:nvSpPr>
+        <p:spPr/>
+        <p:txBody>
+          <a:bodyPr rtlCol="0"/>
+          <a:lstStyle/>
+          <a:p>
+            <a:pPr rtl="0"/>
+            <a:fld id="{284ECAD9-32EE-4091-BDA5-6BD15ACC5E58}" type="slidenum">
+              <a:rPr lang="it-IT" smtClean="0"/>
               <a:t>13</a:t>
+            </a:fld>
+            <a:endParaRPr lang="it-IT" dirty="0"/>
+          </a:p>
+        </p:txBody>
+      </p:sp>
+    </p:spTree>
+    <p:extLst>
+      <p:ext uri="{BB962C8B-B14F-4D97-AF65-F5344CB8AC3E}">
+        <p14:creationId xmlns:p14="http://schemas.microsoft.com/office/powerpoint/2010/main" val="196969414"/>
+      </p:ext>
+    </p:extLst>
+  </p:cSld>
+  <p:clrMapOvr>
+    <a:masterClrMapping/>
+  </p:clrMapOvr>
+</p:notes>
+</file>
+
+<file path=ppt/notesSlides/notesSlide13.xml><?xml version="1.0" encoding="utf-8"?>
+<p:notes xmlns:a="http://schemas.openxmlformats.org/drawingml/2006/main" xmlns:r="http://schemas.openxmlformats.org/officeDocument/2006/relationships" xmlns:p="http://schemas.openxmlformats.org/presentationml/2006/main">
+  <p:cSld>
+    <p:spTree>
+      <p:nvGrpSpPr>
+        <p:cNvPr id="1" name=""/>
+        <p:cNvGrpSpPr/>
+        <p:nvPr/>
+      </p:nvGrpSpPr>
+      <p:grpSpPr>
+        <a:xfrm>
+          <a:off x="0" y="0"/>
+          <a:ext cx="0" cy="0"/>
+          <a:chOff x="0" y="0"/>
+          <a:chExt cx="0" cy="0"/>
+        </a:xfrm>
+      </p:grpSpPr>
+      <p:sp>
+        <p:nvSpPr>
+          <p:cNvPr id="2" name="Segnaposto immagine diapositiva 1"/>
+          <p:cNvSpPr>
+            <a:spLocks noGrp="1" noRot="1" noChangeAspect="1"/>
+          </p:cNvSpPr>
+          <p:nvPr>
+            <p:ph type="sldImg"/>
+          </p:nvPr>
+        </p:nvSpPr>
+        <p:spPr/>
+      </p:sp>
+      <p:sp>
+        <p:nvSpPr>
+          <p:cNvPr id="3" name="Segnaposto note 2"/>
+          <p:cNvSpPr>
+            <a:spLocks noGrp="1"/>
+          </p:cNvSpPr>
+          <p:nvPr>
+            <p:ph type="body" idx="1"/>
+          </p:nvPr>
+        </p:nvSpPr>
+        <p:spPr/>
+        <p:txBody>
+          <a:bodyPr rtlCol="0"/>
+          <a:lstStyle/>
+          <a:p>
+            <a:pPr rtl="0"/>
+            <a:endParaRPr lang="it-IT" dirty="0"/>
+          </a:p>
+        </p:txBody>
+      </p:sp>
+      <p:sp>
+        <p:nvSpPr>
+          <p:cNvPr id="4" name="Segnaposto numero diapositiva 3"/>
+          <p:cNvSpPr>
+            <a:spLocks noGrp="1"/>
+          </p:cNvSpPr>
+          <p:nvPr>
+            <p:ph type="sldNum" sz="quarter" idx="5"/>
+          </p:nvPr>
+        </p:nvSpPr>
+        <p:spPr/>
+        <p:txBody>
+          <a:bodyPr rtlCol="0"/>
+          <a:lstStyle/>
+          <a:p>
+            <a:pPr rtl="0"/>
+            <a:fld id="{284ECAD9-32EE-4091-BDA5-6BD15ACC5E58}" type="slidenum">
+              <a:rPr lang="it-IT" smtClean="0"/>
+              <a:t>14</a:t>
             </a:fld>
             <a:endParaRPr lang="it-IT" dirty="0"/>
           </a:p>
@@ -9947,6 +10120,201 @@
 <file path=ppt/slides/slide10.xml><?xml version="1.0" encoding="utf-8"?>
 <p:sld xmlns:a="http://schemas.openxmlformats.org/drawingml/2006/main" xmlns:r="http://schemas.openxmlformats.org/officeDocument/2006/relationships" xmlns:p="http://schemas.openxmlformats.org/presentationml/2006/main">
   <p:cSld>
+    <p:spTree>
+      <p:nvGrpSpPr>
+        <p:cNvPr id="1" name=""/>
+        <p:cNvGrpSpPr/>
+        <p:nvPr/>
+      </p:nvGrpSpPr>
+      <p:grpSpPr>
+        <a:xfrm>
+          <a:off x="0" y="0"/>
+          <a:ext cx="0" cy="0"/>
+          <a:chOff x="0" y="0"/>
+          <a:chExt cx="0" cy="0"/>
+        </a:xfrm>
+      </p:grpSpPr>
+      <p:sp>
+        <p:nvSpPr>
+          <p:cNvPr id="2" name="Titolo 1">
+            <a:extLst>
+              <a:ext uri="{FF2B5EF4-FFF2-40B4-BE49-F238E27FC236}">
+                <a16:creationId xmlns:a16="http://schemas.microsoft.com/office/drawing/2014/main" id="{F90817C5-BA9F-44BE-A457-FE4C2D312809}"/>
+              </a:ext>
+            </a:extLst>
+          </p:cNvPr>
+          <p:cNvSpPr>
+            <a:spLocks noGrp="1"/>
+          </p:cNvSpPr>
+          <p:nvPr>
+            <p:ph type="title"/>
+          </p:nvPr>
+        </p:nvSpPr>
+        <p:spPr/>
+        <p:txBody>
+          <a:bodyPr/>
+          <a:lstStyle/>
+          <a:p>
+            <a:r>
+              <a:rPr lang="it-IT" dirty="0"/>
+              <a:t>Gestione degli errori</a:t>
+            </a:r>
+          </a:p>
+        </p:txBody>
+      </p:sp>
+      <p:sp>
+        <p:nvSpPr>
+          <p:cNvPr id="3" name="Segnaposto contenuto 2">
+            <a:extLst>
+              <a:ext uri="{FF2B5EF4-FFF2-40B4-BE49-F238E27FC236}">
+                <a16:creationId xmlns:a16="http://schemas.microsoft.com/office/drawing/2014/main" id="{9596A2F2-6954-40BF-B413-862D88F08506}"/>
+              </a:ext>
+            </a:extLst>
+          </p:cNvPr>
+          <p:cNvSpPr>
+            <a:spLocks noGrp="1"/>
+          </p:cNvSpPr>
+          <p:nvPr>
+            <p:ph idx="1"/>
+          </p:nvPr>
+        </p:nvSpPr>
+        <p:spPr/>
+        <p:txBody>
+          <a:bodyPr/>
+          <a:lstStyle/>
+          <a:p>
+            <a:r>
+              <a:rPr lang="it-IT" sz="2400" dirty="0">
+                <a:latin typeface="+mj-lt"/>
+              </a:rPr>
+              <a:t>Vengono effettuati controlli sulla presenza e correttezza degli </a:t>
+            </a:r>
+            <a:r>
+              <a:rPr lang="it-IT" sz="2400" dirty="0" err="1">
+                <a:latin typeface="+mj-lt"/>
+              </a:rPr>
+              <a:t>Header</a:t>
+            </a:r>
+            <a:r>
+              <a:rPr lang="it-IT" sz="2400" dirty="0">
+                <a:latin typeface="+mj-lt"/>
+              </a:rPr>
+              <a:t> e si controlla che ogni campo contenente le informazioni del brano sia di lunghezza pari a 30 caratteri.</a:t>
+            </a:r>
+          </a:p>
+          <a:p>
+            <a:r>
+              <a:rPr lang="it-IT" sz="2400" dirty="0">
+                <a:latin typeface="+mj-lt"/>
+              </a:rPr>
+              <a:t>Sfruttiamo il riconoscimento delle eccezioni di ANTLR per capire che tipo di errore riceviamo durante il </a:t>
+            </a:r>
+            <a:r>
+              <a:rPr lang="it-IT" sz="2400" dirty="0" err="1">
+                <a:latin typeface="+mj-lt"/>
+              </a:rPr>
+              <a:t>parsing</a:t>
+            </a:r>
+            <a:endParaRPr lang="it-IT" dirty="0"/>
+          </a:p>
+          <a:p>
+            <a:r>
+              <a:rPr lang="it-IT" sz="2400" dirty="0">
+                <a:latin typeface="+mj-lt"/>
+              </a:rPr>
+              <a:t>Alcuni esempi:</a:t>
+            </a:r>
+          </a:p>
+          <a:p>
+            <a:pPr lvl="1"/>
+            <a:r>
+              <a:rPr lang="it-IT" sz="2200" dirty="0">
+                <a:latin typeface="+mj-lt"/>
+              </a:rPr>
+              <a:t>Mancanza o errata scrittura del TAG iniziale</a:t>
+            </a:r>
+          </a:p>
+          <a:p>
+            <a:endParaRPr lang="it-IT" dirty="0"/>
+          </a:p>
+        </p:txBody>
+      </p:sp>
+      <p:sp>
+        <p:nvSpPr>
+          <p:cNvPr id="4" name="Segnaposto numero diapositiva 3">
+            <a:extLst>
+              <a:ext uri="{FF2B5EF4-FFF2-40B4-BE49-F238E27FC236}">
+                <a16:creationId xmlns:a16="http://schemas.microsoft.com/office/drawing/2014/main" id="{2B13E80C-7F0E-4294-A3F9-CBF165A75956}"/>
+              </a:ext>
+            </a:extLst>
+          </p:cNvPr>
+          <p:cNvSpPr>
+            <a:spLocks noGrp="1"/>
+          </p:cNvSpPr>
+          <p:nvPr>
+            <p:ph type="sldNum" sz="quarter" idx="12"/>
+          </p:nvPr>
+        </p:nvSpPr>
+        <p:spPr/>
+        <p:txBody>
+          <a:bodyPr/>
+          <a:lstStyle/>
+          <a:p>
+            <a:pPr rtl="0"/>
+            <a:fld id="{3A98EE3D-8CD1-4C3F-BD1C-C98C9596463C}" type="slidenum">
+              <a:rPr lang="it-IT" noProof="0" smtClean="0"/>
+              <a:t>10</a:t>
+            </a:fld>
+            <a:endParaRPr lang="it-IT" noProof="0" dirty="0"/>
+          </a:p>
+        </p:txBody>
+      </p:sp>
+      <p:pic>
+        <p:nvPicPr>
+          <p:cNvPr id="6" name="Immagine 5">
+            <a:extLst>
+              <a:ext uri="{FF2B5EF4-FFF2-40B4-BE49-F238E27FC236}">
+                <a16:creationId xmlns:a16="http://schemas.microsoft.com/office/drawing/2014/main" id="{D6A62E99-94CE-4219-B69B-E1B6C2FA2D4F}"/>
+              </a:ext>
+            </a:extLst>
+          </p:cNvPr>
+          <p:cNvPicPr>
+            <a:picLocks noChangeAspect="1"/>
+          </p:cNvPicPr>
+          <p:nvPr/>
+        </p:nvPicPr>
+        <p:blipFill>
+          <a:blip r:embed="rId2"/>
+          <a:stretch>
+            <a:fillRect/>
+          </a:stretch>
+        </p:blipFill>
+        <p:spPr>
+          <a:xfrm>
+            <a:off x="1263600" y="5095791"/>
+            <a:ext cx="9112070" cy="480285"/>
+          </a:xfrm>
+          <a:prstGeom prst="rect">
+            <a:avLst/>
+          </a:prstGeom>
+        </p:spPr>
+      </p:pic>
+    </p:spTree>
+    <p:extLst>
+      <p:ext uri="{BB962C8B-B14F-4D97-AF65-F5344CB8AC3E}">
+        <p14:creationId xmlns:p14="http://schemas.microsoft.com/office/powerpoint/2010/main" val="2079372548"/>
+      </p:ext>
+    </p:extLst>
+  </p:cSld>
+  <p:clrMapOvr>
+    <a:masterClrMapping/>
+  </p:clrMapOvr>
+</p:sld>
+</file>
+
+<file path=ppt/slides/slide11.xml><?xml version="1.0" encoding="utf-8"?>
+<p:sld xmlns:a="http://schemas.openxmlformats.org/drawingml/2006/main" xmlns:r="http://schemas.openxmlformats.org/officeDocument/2006/relationships" xmlns:p="http://schemas.openxmlformats.org/presentationml/2006/main">
+  <p:cSld>
     <p:bg>
       <p:bgPr>
         <a:solidFill>
@@ -9971,99 +10339,41 @@
       </p:grpSpPr>
       <p:sp>
         <p:nvSpPr>
-          <p:cNvPr id="6" name="Titolo 5">
-            <a:extLst>
-              <a:ext uri="{FF2B5EF4-FFF2-40B4-BE49-F238E27FC236}">
-                <a16:creationId xmlns:a16="http://schemas.microsoft.com/office/drawing/2014/main" id="{CE09A200-4838-4284-BD1E-19701CABB5FE}"/>
-              </a:ext>
-            </a:extLst>
-          </p:cNvPr>
-          <p:cNvSpPr>
-            <a:spLocks noGrp="1"/>
-          </p:cNvSpPr>
-          <p:nvPr>
-            <p:ph type="title"/>
-          </p:nvPr>
-        </p:nvSpPr>
-        <p:spPr>
-          <a:xfrm>
-            <a:off x="1097280" y="286603"/>
-            <a:ext cx="10058400" cy="1450757"/>
-          </a:xfrm>
-        </p:spPr>
-        <p:txBody>
-          <a:bodyPr rtlCol="0">
-            <a:normAutofit/>
-          </a:bodyPr>
-          <a:lstStyle/>
-          <a:p>
-            <a:pPr rtl="0"/>
-            <a:r>
-              <a:rPr lang="it-IT" dirty="0"/>
-              <a:t>Grammatica con non terminali</a:t>
-            </a:r>
-          </a:p>
-        </p:txBody>
-      </p:sp>
-      <p:pic>
-        <p:nvPicPr>
-          <p:cNvPr id="4" name="Elemento grafico 3">
-            <a:extLst>
-              <a:ext uri="{FF2B5EF4-FFF2-40B4-BE49-F238E27FC236}">
-                <a16:creationId xmlns:a16="http://schemas.microsoft.com/office/drawing/2014/main" id="{ED0A95A1-BC85-4809-B935-6A9B3C054422}"/>
-              </a:ext>
-            </a:extLst>
-          </p:cNvPr>
-          <p:cNvPicPr>
-            <a:picLocks noChangeAspect="1"/>
-          </p:cNvPicPr>
-          <p:nvPr/>
-        </p:nvPicPr>
-        <p:blipFill>
-          <a:blip r:embed="rId3" cstate="print">
-            <a:extLst>
-              <a:ext uri="{28A0092B-C50C-407E-A947-70E740481C1C}">
-                <a14:useLocalDpi xmlns:a14="http://schemas.microsoft.com/office/drawing/2010/main" val="0"/>
-              </a:ext>
-              <a:ext uri="{96DAC541-7B7A-43D3-8B79-37D633B846F1}">
-                <asvg:svgBlip xmlns:asvg="http://schemas.microsoft.com/office/drawing/2016/SVG/main" r:embed="rId4"/>
-              </a:ext>
-            </a:extLst>
-          </a:blip>
-          <a:stretch>
-            <a:fillRect/>
-          </a:stretch>
-        </p:blipFill>
-        <p:spPr>
-          <a:xfrm>
-            <a:off x="207095" y="6043750"/>
-            <a:ext cx="1770209" cy="700341"/>
+          <p:cNvPr id="26" name="Rettangolo 28">
+            <a:extLst>
+              <a:ext uri="{FF2B5EF4-FFF2-40B4-BE49-F238E27FC236}">
+                <a16:creationId xmlns:a16="http://schemas.microsoft.com/office/drawing/2014/main" id="{416A0E3C-60E6-4F39-BC55-5F7C224E1F7C}"/>
+              </a:ext>
+              <a:ext uri="{C183D7F6-B498-43B3-948B-1728B52AA6E4}">
+                <adec:decorative xmlns:adec="http://schemas.microsoft.com/office/drawing/2017/decorative" val="1"/>
+              </a:ext>
+            </a:extLst>
+          </p:cNvPr>
+          <p:cNvSpPr>
+            <a:spLocks noGrp="1" noRot="1" noChangeAspect="1" noMove="1" noResize="1" noEditPoints="1" noAdjustHandles="1" noChangeArrowheads="1" noChangeShapeType="1" noTextEdit="1"/>
+          </p:cNvSpPr>
+          <p:nvPr>
+            <p:extLst>
+              <p:ext uri="{386F3935-93C4-4BCD-93E2-E3B085C9AB24}">
+                <p16:designElem xmlns:p16="http://schemas.microsoft.com/office/powerpoint/2015/main" val="1"/>
+              </p:ext>
+            </p:extLst>
+          </p:nvPr>
+        </p:nvSpPr>
+        <p:spPr>
+          <a:xfrm>
+            <a:off x="3175" y="6400800"/>
+            <a:ext cx="12188825" cy="457200"/>
           </a:xfrm>
           <a:prstGeom prst="rect">
             <a:avLst/>
           </a:prstGeom>
-        </p:spPr>
-      </p:pic>
-      <p:sp>
-        <p:nvSpPr>
-          <p:cNvPr id="10" name="Connettore 9">
-            <a:extLst>
-              <a:ext uri="{FF2B5EF4-FFF2-40B4-BE49-F238E27FC236}">
-                <a16:creationId xmlns:a16="http://schemas.microsoft.com/office/drawing/2014/main" id="{7DA3C5E2-1B7C-406E-9A80-B7F344044586}"/>
-              </a:ext>
-            </a:extLst>
-          </p:cNvPr>
-          <p:cNvSpPr/>
-          <p:nvPr/>
-        </p:nvSpPr>
-        <p:spPr>
-          <a:xfrm>
-            <a:off x="11455401" y="6273800"/>
-            <a:ext cx="512910" cy="470291"/>
-          </a:xfrm>
-          <a:prstGeom prst="flowChartConnector">
-            <a:avLst/>
-          </a:prstGeom>
+          <a:solidFill>
+            <a:srgbClr val="262626"/>
+          </a:solidFill>
+          <a:ln>
+            <a:noFill/>
+          </a:ln>
         </p:spPr>
         <p:style>
           <a:lnRef idx="2">
@@ -10081,6 +10391,350 @@
             <a:schemeClr val="lt1"/>
           </a:fontRef>
         </p:style>
+      </p:sp>
+      <p:cxnSp>
+        <p:nvCxnSpPr>
+          <p:cNvPr id="27" name="Connettore diritto 30">
+            <a:extLst>
+              <a:ext uri="{FF2B5EF4-FFF2-40B4-BE49-F238E27FC236}">
+                <a16:creationId xmlns:a16="http://schemas.microsoft.com/office/drawing/2014/main" id="{C5025DAC-8B93-4160-B017-3A274A5828C0}"/>
+              </a:ext>
+              <a:ext uri="{C183D7F6-B498-43B3-948B-1728B52AA6E4}">
+                <adec:decorative xmlns:adec="http://schemas.microsoft.com/office/drawing/2017/decorative" val="1"/>
+              </a:ext>
+            </a:extLst>
+          </p:cNvPr>
+          <p:cNvCxnSpPr>
+            <a:cxnSpLocks noGrp="1" noRot="1" noChangeAspect="1" noMove="1" noResize="1" noEditPoints="1" noAdjustHandles="1" noChangeArrowheads="1" noChangeShapeType="1"/>
+          </p:cNvCxnSpPr>
+          <p:nvPr>
+            <p:extLst>
+              <p:ext uri="{386F3935-93C4-4BCD-93E2-E3B085C9AB24}">
+                <p16:designElem xmlns:p16="http://schemas.microsoft.com/office/powerpoint/2015/main" val="1"/>
+              </p:ext>
+            </p:extLst>
+          </p:nvPr>
+        </p:nvCxnSpPr>
+        <p:spPr>
+          <a:xfrm>
+            <a:off x="1193532" y="1897380"/>
+            <a:ext cx="9966960" cy="0"/>
+          </a:xfrm>
+          <a:prstGeom prst="line">
+            <a:avLst/>
+          </a:prstGeom>
+          <a:ln w="12700">
+            <a:solidFill>
+              <a:schemeClr val="tx1">
+                <a:lumMod val="75000"/>
+                <a:lumOff val="25000"/>
+              </a:schemeClr>
+            </a:solidFill>
+          </a:ln>
+        </p:spPr>
+        <p:style>
+          <a:lnRef idx="1">
+            <a:schemeClr val="accent1"/>
+          </a:lnRef>
+          <a:fillRef idx="0">
+            <a:schemeClr val="accent1"/>
+          </a:fillRef>
+          <a:effectRef idx="0">
+            <a:schemeClr val="accent1"/>
+          </a:effectRef>
+          <a:fontRef idx="minor">
+            <a:schemeClr val="tx1"/>
+          </a:fontRef>
+        </p:style>
+      </p:cxnSp>
+      <p:sp useBgFill="1">
+        <p:nvSpPr>
+          <p:cNvPr id="28" name="Rettangolo 32">
+            <a:extLst>
+              <a:ext uri="{FF2B5EF4-FFF2-40B4-BE49-F238E27FC236}">
+                <a16:creationId xmlns:a16="http://schemas.microsoft.com/office/drawing/2014/main" id="{990D0034-F768-41E7-85D4-F38C4DE85770}"/>
+              </a:ext>
+              <a:ext uri="{C183D7F6-B498-43B3-948B-1728B52AA6E4}">
+                <adec:decorative xmlns:adec="http://schemas.microsoft.com/office/drawing/2017/decorative" val="1"/>
+              </a:ext>
+            </a:extLst>
+          </p:cNvPr>
+          <p:cNvSpPr>
+            <a:spLocks noGrp="1" noRot="1" noChangeAspect="1" noMove="1" noResize="1" noEditPoints="1" noAdjustHandles="1" noChangeArrowheads="1" noChangeShapeType="1" noTextEdit="1"/>
+          </p:cNvSpPr>
+          <p:nvPr>
+            <p:extLst>
+              <p:ext uri="{386F3935-93C4-4BCD-93E2-E3B085C9AB24}">
+                <p16:designElem xmlns:p16="http://schemas.microsoft.com/office/powerpoint/2015/main" val="1"/>
+              </p:ext>
+            </p:extLst>
+          </p:nvPr>
+        </p:nvSpPr>
+        <p:spPr>
+          <a:xfrm>
+            <a:off x="0" y="0"/>
+            <a:ext cx="12186315" cy="6858000"/>
+          </a:xfrm>
+          <a:prstGeom prst="rect">
+            <a:avLst/>
+          </a:prstGeom>
+          <a:ln>
+            <a:noFill/>
+          </a:ln>
+        </p:spPr>
+        <p:style>
+          <a:lnRef idx="2">
+            <a:schemeClr val="accent6">
+              <a:shade val="50000"/>
+            </a:schemeClr>
+          </a:lnRef>
+          <a:fillRef idx="1001">
+            <a:schemeClr val="lt1"/>
+          </a:fillRef>
+          <a:effectRef idx="0">
+            <a:schemeClr val="accent6"/>
+          </a:effectRef>
+          <a:fontRef idx="minor">
+            <a:schemeClr val="lt1"/>
+          </a:fontRef>
+        </p:style>
+        <p:txBody>
+          <a:bodyPr rtlCol="0" anchor="ctr"/>
+          <a:lstStyle/>
+          <a:p>
+            <a:pPr algn="ctr" rtl="0"/>
+            <a:endParaRPr lang="it-IT" dirty="0"/>
+          </a:p>
+        </p:txBody>
+      </p:sp>
+      <p:sp>
+        <p:nvSpPr>
+          <p:cNvPr id="5" name="Titolo 4">
+            <a:extLst>
+              <a:ext uri="{FF2B5EF4-FFF2-40B4-BE49-F238E27FC236}">
+                <a16:creationId xmlns:a16="http://schemas.microsoft.com/office/drawing/2014/main" id="{B8B72B13-069B-4F8A-9437-FA58C3F1D44B}"/>
+              </a:ext>
+            </a:extLst>
+          </p:cNvPr>
+          <p:cNvSpPr>
+            <a:spLocks noGrp="1"/>
+          </p:cNvSpPr>
+          <p:nvPr>
+            <p:ph type="title"/>
+          </p:nvPr>
+        </p:nvSpPr>
+        <p:spPr>
+          <a:xfrm>
+            <a:off x="590927" y="535936"/>
+            <a:ext cx="10864474" cy="700340"/>
+          </a:xfrm>
+        </p:spPr>
+        <p:txBody>
+          <a:bodyPr vert="horz" lIns="91440" tIns="45720" rIns="91440" bIns="45720" rtlCol="0" anchor="b">
+            <a:noAutofit/>
+          </a:bodyPr>
+          <a:lstStyle/>
+          <a:p>
+            <a:pPr rtl="0"/>
+            <a:r>
+              <a:rPr lang="it-IT" sz="4400" dirty="0">
+                <a:solidFill>
+                  <a:schemeClr val="tx1">
+                    <a:lumMod val="75000"/>
+                    <a:lumOff val="25000"/>
+                  </a:schemeClr>
+                </a:solidFill>
+              </a:rPr>
+              <a:t>Gestione degli errori</a:t>
+            </a:r>
+          </a:p>
+        </p:txBody>
+      </p:sp>
+      <p:cxnSp>
+        <p:nvCxnSpPr>
+          <p:cNvPr id="30" name="Connettore diritto 34">
+            <a:extLst>
+              <a:ext uri="{FF2B5EF4-FFF2-40B4-BE49-F238E27FC236}">
+                <a16:creationId xmlns:a16="http://schemas.microsoft.com/office/drawing/2014/main" id="{5A0A5CF6-407C-4691-8122-49DF69D0020D}"/>
+              </a:ext>
+              <a:ext uri="{C183D7F6-B498-43B3-948B-1728B52AA6E4}">
+                <adec:decorative xmlns:adec="http://schemas.microsoft.com/office/drawing/2017/decorative" val="1"/>
+              </a:ext>
+            </a:extLst>
+          </p:cNvPr>
+          <p:cNvCxnSpPr>
+            <a:cxnSpLocks noGrp="1" noRot="1" noChangeAspect="1" noMove="1" noResize="1" noEditPoints="1" noAdjustHandles="1" noChangeArrowheads="1" noChangeShapeType="1"/>
+          </p:cNvCxnSpPr>
+          <p:nvPr>
+            <p:extLst>
+              <p:ext uri="{386F3935-93C4-4BCD-93E2-E3B085C9AB24}">
+                <p16:designElem xmlns:p16="http://schemas.microsoft.com/office/powerpoint/2015/main" val="1"/>
+              </p:ext>
+            </p:extLst>
+          </p:nvPr>
+        </p:nvCxnSpPr>
+        <p:spPr>
+          <a:xfrm>
+            <a:off x="590927" y="2633962"/>
+            <a:ext cx="2834640" cy="0"/>
+          </a:xfrm>
+          <a:prstGeom prst="line">
+            <a:avLst/>
+          </a:prstGeom>
+          <a:ln w="12700">
+            <a:solidFill>
+              <a:schemeClr val="tx1">
+                <a:lumMod val="75000"/>
+                <a:lumOff val="25000"/>
+              </a:schemeClr>
+            </a:solidFill>
+          </a:ln>
+        </p:spPr>
+        <p:style>
+          <a:lnRef idx="1">
+            <a:schemeClr val="accent1"/>
+          </a:lnRef>
+          <a:fillRef idx="0">
+            <a:schemeClr val="accent1"/>
+          </a:fillRef>
+          <a:effectRef idx="0">
+            <a:schemeClr val="accent1"/>
+          </a:effectRef>
+          <a:fontRef idx="minor">
+            <a:schemeClr val="tx1"/>
+          </a:fontRef>
+        </p:style>
+      </p:cxnSp>
+      <p:sp>
+        <p:nvSpPr>
+          <p:cNvPr id="4" name="Rettangolo 3">
+            <a:extLst>
+              <a:ext uri="{FF2B5EF4-FFF2-40B4-BE49-F238E27FC236}">
+                <a16:creationId xmlns:a16="http://schemas.microsoft.com/office/drawing/2014/main" id="{D22E5227-66DC-4545-A93A-3BAE57987144}"/>
+              </a:ext>
+            </a:extLst>
+          </p:cNvPr>
+          <p:cNvSpPr/>
+          <p:nvPr/>
+        </p:nvSpPr>
+        <p:spPr>
+          <a:xfrm>
+            <a:off x="590927" y="2477070"/>
+            <a:ext cx="2955837" cy="457195"/>
+          </a:xfrm>
+          <a:prstGeom prst="rect">
+            <a:avLst/>
+          </a:prstGeom>
+          <a:solidFill>
+            <a:schemeClr val="bg1"/>
+          </a:solidFill>
+          <a:ln>
+            <a:solidFill>
+              <a:schemeClr val="bg1"/>
+            </a:solidFill>
+          </a:ln>
+        </p:spPr>
+        <p:style>
+          <a:lnRef idx="2">
+            <a:schemeClr val="accent1">
+              <a:shade val="50000"/>
+            </a:schemeClr>
+          </a:lnRef>
+          <a:fillRef idx="1">
+            <a:schemeClr val="accent1"/>
+          </a:fillRef>
+          <a:effectRef idx="0">
+            <a:schemeClr val="accent1"/>
+          </a:effectRef>
+          <a:fontRef idx="minor">
+            <a:schemeClr val="lt1"/>
+          </a:fontRef>
+        </p:style>
+        <p:txBody>
+          <a:bodyPr rtlCol="0" anchor="ctr"/>
+          <a:lstStyle/>
+          <a:p>
+            <a:pPr algn="ctr"/>
+            <a:endParaRPr lang="it-IT"/>
+          </a:p>
+        </p:txBody>
+      </p:sp>
+      <p:pic>
+        <p:nvPicPr>
+          <p:cNvPr id="10" name="Elemento grafico 9">
+            <a:extLst>
+              <a:ext uri="{FF2B5EF4-FFF2-40B4-BE49-F238E27FC236}">
+                <a16:creationId xmlns:a16="http://schemas.microsoft.com/office/drawing/2014/main" id="{54A47743-7725-4A33-93CA-EFB89C10D1EC}"/>
+              </a:ext>
+            </a:extLst>
+          </p:cNvPr>
+          <p:cNvPicPr>
+            <a:picLocks noChangeAspect="1"/>
+          </p:cNvPicPr>
+          <p:nvPr/>
+        </p:nvPicPr>
+        <p:blipFill>
+          <a:blip r:embed="rId3" cstate="print">
+            <a:extLst>
+              <a:ext uri="{28A0092B-C50C-407E-A947-70E740481C1C}">
+                <a14:useLocalDpi xmlns:a14="http://schemas.microsoft.com/office/drawing/2010/main" val="0"/>
+              </a:ext>
+              <a:ext uri="{96DAC541-7B7A-43D3-8B79-37D633B846F1}">
+                <asvg:svgBlip xmlns:asvg="http://schemas.microsoft.com/office/drawing/2016/SVG/main" r:embed="rId4"/>
+              </a:ext>
+            </a:extLst>
+          </a:blip>
+          <a:stretch>
+            <a:fillRect/>
+          </a:stretch>
+        </p:blipFill>
+        <p:spPr>
+          <a:xfrm>
+            <a:off x="207095" y="6043750"/>
+            <a:ext cx="1770209" cy="700341"/>
+          </a:xfrm>
+          <a:prstGeom prst="rect">
+            <a:avLst/>
+          </a:prstGeom>
+        </p:spPr>
+      </p:pic>
+      <p:sp>
+        <p:nvSpPr>
+          <p:cNvPr id="12" name="Connettore 11">
+            <a:extLst>
+              <a:ext uri="{FF2B5EF4-FFF2-40B4-BE49-F238E27FC236}">
+                <a16:creationId xmlns:a16="http://schemas.microsoft.com/office/drawing/2014/main" id="{92095D8C-8CCA-4CC6-B2D2-E1BC4732F321}"/>
+              </a:ext>
+            </a:extLst>
+          </p:cNvPr>
+          <p:cNvSpPr/>
+          <p:nvPr/>
+        </p:nvSpPr>
+        <p:spPr>
+          <a:xfrm>
+            <a:off x="11455401" y="6273800"/>
+            <a:ext cx="512910" cy="470291"/>
+          </a:xfrm>
+          <a:prstGeom prst="flowChartConnector">
+            <a:avLst/>
+          </a:prstGeom>
+        </p:spPr>
+        <p:style>
+          <a:lnRef idx="2">
+            <a:schemeClr val="accent1">
+              <a:shade val="50000"/>
+            </a:schemeClr>
+          </a:lnRef>
+          <a:fillRef idx="1">
+            <a:schemeClr val="accent1"/>
+          </a:fillRef>
+          <a:effectRef idx="0">
+            <a:schemeClr val="accent1"/>
+          </a:effectRef>
+          <a:fontRef idx="minor">
+            <a:schemeClr val="lt1"/>
+          </a:fontRef>
+        </p:style>
         <p:txBody>
           <a:bodyPr rtlCol="0" anchor="ctr"/>
           <a:lstStyle/>
@@ -10089,7 +10743,7 @@
             <a:fld id="{3A98EE3D-8CD1-4C3F-BD1C-C98C9596463C}" type="slidenum">
               <a:rPr lang="it-IT" sz="1200" b="1"/>
               <a:pPr algn="ctr"/>
-              <a:t>10</a:t>
+              <a:t>11</a:t>
             </a:fld>
             <a:endParaRPr lang="it-IT" b="1" dirty="0"/>
           </a:p>
@@ -10097,10 +10751,10 @@
       </p:sp>
       <p:sp>
         <p:nvSpPr>
-          <p:cNvPr id="3" name="Segnaposto contenuto 2">
-            <a:extLst>
-              <a:ext uri="{FF2B5EF4-FFF2-40B4-BE49-F238E27FC236}">
-                <a16:creationId xmlns:a16="http://schemas.microsoft.com/office/drawing/2014/main" id="{CDBDD0AC-B78E-4283-B5F3-A381229EABF5}"/>
+          <p:cNvPr id="11" name="Segnaposto contenuto 2">
+            <a:extLst>
+              <a:ext uri="{FF2B5EF4-FFF2-40B4-BE49-F238E27FC236}">
+                <a16:creationId xmlns:a16="http://schemas.microsoft.com/office/drawing/2014/main" id="{693C8797-6891-414D-92DD-94A716A7F3E2}"/>
               </a:ext>
             </a:extLst>
           </p:cNvPr>
@@ -10111,17 +10765,63 @@
             <p:ph idx="1"/>
           </p:nvPr>
         </p:nvSpPr>
-        <p:spPr/>
-        <p:txBody>
-          <a:bodyPr/>
+        <p:spPr>
+          <a:xfrm>
+            <a:off x="590550" y="1452563"/>
+            <a:ext cx="10864850" cy="4707328"/>
+          </a:xfrm>
+        </p:spPr>
+        <p:txBody>
+          <a:bodyPr>
+            <a:normAutofit/>
+          </a:bodyPr>
           <a:lstStyle/>
           <a:p>
-            <a:pPr marL="0" indent="0">
-              <a:buNone/>
-            </a:pPr>
-            <a:r>
-              <a:rPr lang="it-IT" dirty="0"/>
-              <a:t>Lo </a:t>
+            <a:pPr lvl="1"/>
+            <a:r>
+              <a:rPr lang="it-IT" sz="2200" dirty="0">
+                <a:latin typeface="+mj-lt"/>
+              </a:rPr>
+              <a:t>Durante lo sviluppo della grammatica ci siamo accorti che senza una chiara distinzione dei frame è molto difficile riuscire a fare una rilevazione dei errori accurata.</a:t>
+            </a:r>
+          </a:p>
+          <a:p>
+            <a:pPr lvl="1"/>
+            <a:r>
+              <a:rPr lang="it-IT" sz="2200" dirty="0">
+                <a:latin typeface="+mj-lt"/>
+              </a:rPr>
+              <a:t>Nello standard ID3 in esame infatti non c’è una chiara distinzione tra il frame Titolo ed il frame Artista, se quindi dovesse mancare un byte nel Titolo la cosa si rifletterebbe nell’Artista e così via a causa della sequenzialità dei dati</a:t>
+            </a:r>
+          </a:p>
+          <a:p>
+            <a:pPr lvl="1"/>
+            <a:r>
+              <a:rPr lang="it-IT" sz="2200" dirty="0">
+                <a:latin typeface="+mj-lt"/>
+              </a:rPr>
+              <a:t>Per ovviare e operare una buona gestione degli errori abbiamo aggiunto allo standard l’utilizzo delle «head» con caratteri unici non utilizzabili all’interno dei frame in modo da riconoscere il tipo di errore e la sua localizzazione</a:t>
+            </a:r>
+          </a:p>
+          <a:p>
+            <a:pPr lvl="1"/>
+            <a:r>
+              <a:rPr lang="it-IT" sz="2200" dirty="0">
+                <a:latin typeface="+mj-lt"/>
+              </a:rPr>
+              <a:t>È possibile risalire ad una grammatica completamente compatibile utilizzabile per estrarre le informazioni direttamente dagli mp3 eliminando le teste, uniformando i frame (poiché ormai non c’è più differenza tra uno slot ed il successivo) ed aggiungendo nella struttura la voce di </a:t>
+            </a:r>
+            <a:r>
+              <a:rPr lang="it-IT" sz="2200" dirty="0" err="1">
+                <a:latin typeface="+mj-lt"/>
+              </a:rPr>
+              <a:t>lexer</a:t>
+            </a:r>
+            <a:r>
+              <a:rPr lang="it-IT" sz="2200" dirty="0">
+                <a:latin typeface="+mj-lt"/>
+              </a:rPr>
+              <a:t> «musica&gt; che indica al parser di saltare tutta la parte audio fino ad arrivare al riconoscimento della testa</a:t>
             </a:r>
           </a:p>
         </p:txBody>
@@ -10129,7 +10829,7 @@
     </p:spTree>
     <p:extLst>
       <p:ext uri="{BB962C8B-B14F-4D97-AF65-F5344CB8AC3E}">
-        <p14:creationId xmlns:p14="http://schemas.microsoft.com/office/powerpoint/2010/main" val="4040284531"/>
+        <p14:creationId xmlns:p14="http://schemas.microsoft.com/office/powerpoint/2010/main" val="706154318"/>
       </p:ext>
     </p:extLst>
   </p:cSld>
@@ -10139,9 +10839,17 @@
 </p:sld>
 </file>
 
-<file path=ppt/slides/slide11.xml><?xml version="1.0" encoding="utf-8"?>
+<file path=ppt/slides/slide12.xml><?xml version="1.0" encoding="utf-8"?>
 <p:sld xmlns:a="http://schemas.openxmlformats.org/drawingml/2006/main" xmlns:r="http://schemas.openxmlformats.org/officeDocument/2006/relationships" xmlns:p="http://schemas.openxmlformats.org/presentationml/2006/main">
   <p:cSld>
+    <p:bg>
+      <p:bgPr>
+        <a:solidFill>
+          <a:schemeClr val="bg1"/>
+        </a:solidFill>
+        <a:effectLst/>
+      </p:bgPr>
+    </p:bg>
     <p:spTree>
       <p:nvGrpSpPr>
         <p:cNvPr id="1" name=""/>
@@ -10158,10 +10866,180 @@
       </p:grpSpPr>
       <p:sp>
         <p:nvSpPr>
-          <p:cNvPr id="2" name="Titolo 1">
-            <a:extLst>
-              <a:ext uri="{FF2B5EF4-FFF2-40B4-BE49-F238E27FC236}">
-                <a16:creationId xmlns:a16="http://schemas.microsoft.com/office/drawing/2014/main" id="{F90817C5-BA9F-44BE-A457-FE4C2D312809}"/>
+          <p:cNvPr id="26" name="Rettangolo 28">
+            <a:extLst>
+              <a:ext uri="{FF2B5EF4-FFF2-40B4-BE49-F238E27FC236}">
+                <a16:creationId xmlns:a16="http://schemas.microsoft.com/office/drawing/2014/main" id="{416A0E3C-60E6-4F39-BC55-5F7C224E1F7C}"/>
+              </a:ext>
+              <a:ext uri="{C183D7F6-B498-43B3-948B-1728B52AA6E4}">
+                <adec:decorative xmlns:adec="http://schemas.microsoft.com/office/drawing/2017/decorative" val="1"/>
+              </a:ext>
+            </a:extLst>
+          </p:cNvPr>
+          <p:cNvSpPr>
+            <a:spLocks noGrp="1" noRot="1" noChangeAspect="1" noMove="1" noResize="1" noEditPoints="1" noAdjustHandles="1" noChangeArrowheads="1" noChangeShapeType="1" noTextEdit="1"/>
+          </p:cNvSpPr>
+          <p:nvPr>
+            <p:extLst>
+              <p:ext uri="{386F3935-93C4-4BCD-93E2-E3B085C9AB24}">
+                <p16:designElem xmlns:p16="http://schemas.microsoft.com/office/powerpoint/2015/main" val="1"/>
+              </p:ext>
+            </p:extLst>
+          </p:nvPr>
+        </p:nvSpPr>
+        <p:spPr>
+          <a:xfrm>
+            <a:off x="3175" y="6400800"/>
+            <a:ext cx="12188825" cy="457200"/>
+          </a:xfrm>
+          <a:prstGeom prst="rect">
+            <a:avLst/>
+          </a:prstGeom>
+          <a:solidFill>
+            <a:srgbClr val="262626"/>
+          </a:solidFill>
+          <a:ln>
+            <a:noFill/>
+          </a:ln>
+        </p:spPr>
+        <p:style>
+          <a:lnRef idx="2">
+            <a:schemeClr val="accent1">
+              <a:shade val="50000"/>
+            </a:schemeClr>
+          </a:lnRef>
+          <a:fillRef idx="1">
+            <a:schemeClr val="accent1"/>
+          </a:fillRef>
+          <a:effectRef idx="0">
+            <a:schemeClr val="accent1"/>
+          </a:effectRef>
+          <a:fontRef idx="minor">
+            <a:schemeClr val="lt1"/>
+          </a:fontRef>
+        </p:style>
+      </p:sp>
+      <p:cxnSp>
+        <p:nvCxnSpPr>
+          <p:cNvPr id="27" name="Connettore diritto 30">
+            <a:extLst>
+              <a:ext uri="{FF2B5EF4-FFF2-40B4-BE49-F238E27FC236}">
+                <a16:creationId xmlns:a16="http://schemas.microsoft.com/office/drawing/2014/main" id="{C5025DAC-8B93-4160-B017-3A274A5828C0}"/>
+              </a:ext>
+              <a:ext uri="{C183D7F6-B498-43B3-948B-1728B52AA6E4}">
+                <adec:decorative xmlns:adec="http://schemas.microsoft.com/office/drawing/2017/decorative" val="1"/>
+              </a:ext>
+            </a:extLst>
+          </p:cNvPr>
+          <p:cNvCxnSpPr>
+            <a:cxnSpLocks noGrp="1" noRot="1" noChangeAspect="1" noMove="1" noResize="1" noEditPoints="1" noAdjustHandles="1" noChangeArrowheads="1" noChangeShapeType="1"/>
+          </p:cNvCxnSpPr>
+          <p:nvPr>
+            <p:extLst>
+              <p:ext uri="{386F3935-93C4-4BCD-93E2-E3B085C9AB24}">
+                <p16:designElem xmlns:p16="http://schemas.microsoft.com/office/powerpoint/2015/main" val="1"/>
+              </p:ext>
+            </p:extLst>
+          </p:nvPr>
+        </p:nvCxnSpPr>
+        <p:spPr>
+          <a:xfrm>
+            <a:off x="1193532" y="1897380"/>
+            <a:ext cx="9966960" cy="0"/>
+          </a:xfrm>
+          <a:prstGeom prst="line">
+            <a:avLst/>
+          </a:prstGeom>
+          <a:ln w="12700">
+            <a:solidFill>
+              <a:schemeClr val="tx1">
+                <a:lumMod val="75000"/>
+                <a:lumOff val="25000"/>
+              </a:schemeClr>
+            </a:solidFill>
+          </a:ln>
+        </p:spPr>
+        <p:style>
+          <a:lnRef idx="1">
+            <a:schemeClr val="accent1"/>
+          </a:lnRef>
+          <a:fillRef idx="0">
+            <a:schemeClr val="accent1"/>
+          </a:fillRef>
+          <a:effectRef idx="0">
+            <a:schemeClr val="accent1"/>
+          </a:effectRef>
+          <a:fontRef idx="minor">
+            <a:schemeClr val="tx1"/>
+          </a:fontRef>
+        </p:style>
+      </p:cxnSp>
+      <p:sp useBgFill="1">
+        <p:nvSpPr>
+          <p:cNvPr id="28" name="Rettangolo 32">
+            <a:extLst>
+              <a:ext uri="{FF2B5EF4-FFF2-40B4-BE49-F238E27FC236}">
+                <a16:creationId xmlns:a16="http://schemas.microsoft.com/office/drawing/2014/main" id="{990D0034-F768-41E7-85D4-F38C4DE85770}"/>
+              </a:ext>
+              <a:ext uri="{C183D7F6-B498-43B3-948B-1728B52AA6E4}">
+                <adec:decorative xmlns:adec="http://schemas.microsoft.com/office/drawing/2017/decorative" val="1"/>
+              </a:ext>
+            </a:extLst>
+          </p:cNvPr>
+          <p:cNvSpPr>
+            <a:spLocks noGrp="1" noRot="1" noChangeAspect="1" noMove="1" noResize="1" noEditPoints="1" noAdjustHandles="1" noChangeArrowheads="1" noChangeShapeType="1" noTextEdit="1"/>
+          </p:cNvSpPr>
+          <p:nvPr>
+            <p:extLst>
+              <p:ext uri="{386F3935-93C4-4BCD-93E2-E3B085C9AB24}">
+                <p16:designElem xmlns:p16="http://schemas.microsoft.com/office/powerpoint/2015/main" val="1"/>
+              </p:ext>
+            </p:extLst>
+          </p:nvPr>
+        </p:nvSpPr>
+        <p:spPr>
+          <a:xfrm>
+            <a:off x="0" y="0"/>
+            <a:ext cx="12186315" cy="6858000"/>
+          </a:xfrm>
+          <a:prstGeom prst="rect">
+            <a:avLst/>
+          </a:prstGeom>
+          <a:ln>
+            <a:noFill/>
+          </a:ln>
+        </p:spPr>
+        <p:style>
+          <a:lnRef idx="2">
+            <a:schemeClr val="accent6">
+              <a:shade val="50000"/>
+            </a:schemeClr>
+          </a:lnRef>
+          <a:fillRef idx="1001">
+            <a:schemeClr val="lt1"/>
+          </a:fillRef>
+          <a:effectRef idx="0">
+            <a:schemeClr val="accent6"/>
+          </a:effectRef>
+          <a:fontRef idx="minor">
+            <a:schemeClr val="lt1"/>
+          </a:fontRef>
+        </p:style>
+        <p:txBody>
+          <a:bodyPr rtlCol="0" anchor="ctr"/>
+          <a:lstStyle/>
+          <a:p>
+            <a:pPr algn="ctr" rtl="0"/>
+            <a:endParaRPr lang="it-IT" dirty="0"/>
+          </a:p>
+        </p:txBody>
+      </p:sp>
+      <p:sp>
+        <p:nvSpPr>
+          <p:cNvPr id="5" name="Titolo 4">
+            <a:extLst>
+              <a:ext uri="{FF2B5EF4-FFF2-40B4-BE49-F238E27FC236}">
+                <a16:creationId xmlns:a16="http://schemas.microsoft.com/office/drawing/2014/main" id="{B8B72B13-069B-4F8A-9437-FA58C3F1D44B}"/>
               </a:ext>
             </a:extLst>
           </p:cNvPr>
@@ -10172,119 +11050,148 @@
             <p:ph type="title"/>
           </p:nvPr>
         </p:nvSpPr>
-        <p:spPr/>
-        <p:txBody>
-          <a:bodyPr/>
+        <p:spPr>
+          <a:xfrm>
+            <a:off x="590927" y="535936"/>
+            <a:ext cx="10864474" cy="700340"/>
+          </a:xfrm>
+        </p:spPr>
+        <p:txBody>
+          <a:bodyPr vert="horz" lIns="91440" tIns="45720" rIns="91440" bIns="45720" rtlCol="0" anchor="b">
+            <a:noAutofit/>
+          </a:bodyPr>
           <a:lstStyle/>
           <a:p>
-            <a:r>
-              <a:rPr lang="it-IT" dirty="0"/>
-              <a:t>Gestione degli errori</a:t>
-            </a:r>
-          </a:p>
-        </p:txBody>
-      </p:sp>
-      <p:sp>
-        <p:nvSpPr>
-          <p:cNvPr id="3" name="Segnaposto contenuto 2">
-            <a:extLst>
-              <a:ext uri="{FF2B5EF4-FFF2-40B4-BE49-F238E27FC236}">
-                <a16:creationId xmlns:a16="http://schemas.microsoft.com/office/drawing/2014/main" id="{9596A2F2-6954-40BF-B413-862D88F08506}"/>
-              </a:ext>
-            </a:extLst>
-          </p:cNvPr>
-          <p:cNvSpPr>
-            <a:spLocks noGrp="1"/>
-          </p:cNvSpPr>
-          <p:nvPr>
-            <p:ph idx="1"/>
-          </p:nvPr>
-        </p:nvSpPr>
-        <p:spPr/>
-        <p:txBody>
-          <a:bodyPr/>
+            <a:pPr rtl="0"/>
+            <a:r>
+              <a:rPr lang="it-IT" sz="4400" dirty="0">
+                <a:solidFill>
+                  <a:schemeClr val="tx1">
+                    <a:lumMod val="75000"/>
+                    <a:lumOff val="25000"/>
+                  </a:schemeClr>
+                </a:solidFill>
+              </a:rPr>
+              <a:t>Casi di test</a:t>
+            </a:r>
+          </a:p>
+        </p:txBody>
+      </p:sp>
+      <p:cxnSp>
+        <p:nvCxnSpPr>
+          <p:cNvPr id="30" name="Connettore diritto 34">
+            <a:extLst>
+              <a:ext uri="{FF2B5EF4-FFF2-40B4-BE49-F238E27FC236}">
+                <a16:creationId xmlns:a16="http://schemas.microsoft.com/office/drawing/2014/main" id="{5A0A5CF6-407C-4691-8122-49DF69D0020D}"/>
+              </a:ext>
+              <a:ext uri="{C183D7F6-B498-43B3-948B-1728B52AA6E4}">
+                <adec:decorative xmlns:adec="http://schemas.microsoft.com/office/drawing/2017/decorative" val="1"/>
+              </a:ext>
+            </a:extLst>
+          </p:cNvPr>
+          <p:cNvCxnSpPr>
+            <a:cxnSpLocks noGrp="1" noRot="1" noChangeAspect="1" noMove="1" noResize="1" noEditPoints="1" noAdjustHandles="1" noChangeArrowheads="1" noChangeShapeType="1"/>
+          </p:cNvCxnSpPr>
+          <p:nvPr>
+            <p:extLst>
+              <p:ext uri="{386F3935-93C4-4BCD-93E2-E3B085C9AB24}">
+                <p16:designElem xmlns:p16="http://schemas.microsoft.com/office/powerpoint/2015/main" val="1"/>
+              </p:ext>
+            </p:extLst>
+          </p:nvPr>
+        </p:nvCxnSpPr>
+        <p:spPr>
+          <a:xfrm>
+            <a:off x="590927" y="2633962"/>
+            <a:ext cx="2834640" cy="0"/>
+          </a:xfrm>
+          <a:prstGeom prst="line">
+            <a:avLst/>
+          </a:prstGeom>
+          <a:ln w="12700">
+            <a:solidFill>
+              <a:schemeClr val="tx1">
+                <a:lumMod val="75000"/>
+                <a:lumOff val="25000"/>
+              </a:schemeClr>
+            </a:solidFill>
+          </a:ln>
+        </p:spPr>
+        <p:style>
+          <a:lnRef idx="1">
+            <a:schemeClr val="accent1"/>
+          </a:lnRef>
+          <a:fillRef idx="0">
+            <a:schemeClr val="accent1"/>
+          </a:fillRef>
+          <a:effectRef idx="0">
+            <a:schemeClr val="accent1"/>
+          </a:effectRef>
+          <a:fontRef idx="minor">
+            <a:schemeClr val="tx1"/>
+          </a:fontRef>
+        </p:style>
+      </p:cxnSp>
+      <p:sp>
+        <p:nvSpPr>
+          <p:cNvPr id="4" name="Rettangolo 3">
+            <a:extLst>
+              <a:ext uri="{FF2B5EF4-FFF2-40B4-BE49-F238E27FC236}">
+                <a16:creationId xmlns:a16="http://schemas.microsoft.com/office/drawing/2014/main" id="{D22E5227-66DC-4545-A93A-3BAE57987144}"/>
+              </a:ext>
+            </a:extLst>
+          </p:cNvPr>
+          <p:cNvSpPr/>
+          <p:nvPr/>
+        </p:nvSpPr>
+        <p:spPr>
+          <a:xfrm>
+            <a:off x="590927" y="2477070"/>
+            <a:ext cx="2955837" cy="457195"/>
+          </a:xfrm>
+          <a:prstGeom prst="rect">
+            <a:avLst/>
+          </a:prstGeom>
+          <a:solidFill>
+            <a:schemeClr val="bg1"/>
+          </a:solidFill>
+          <a:ln>
+            <a:solidFill>
+              <a:schemeClr val="bg1"/>
+            </a:solidFill>
+          </a:ln>
+        </p:spPr>
+        <p:style>
+          <a:lnRef idx="2">
+            <a:schemeClr val="accent1">
+              <a:shade val="50000"/>
+            </a:schemeClr>
+          </a:lnRef>
+          <a:fillRef idx="1">
+            <a:schemeClr val="accent1"/>
+          </a:fillRef>
+          <a:effectRef idx="0">
+            <a:schemeClr val="accent1"/>
+          </a:effectRef>
+          <a:fontRef idx="minor">
+            <a:schemeClr val="lt1"/>
+          </a:fontRef>
+        </p:style>
+        <p:txBody>
+          <a:bodyPr rtlCol="0" anchor="ctr"/>
           <a:lstStyle/>
           <a:p>
-            <a:r>
-              <a:rPr lang="it-IT" sz="2400" dirty="0">
-                <a:latin typeface="+mj-lt"/>
-              </a:rPr>
-              <a:t>Vengono effettuati controlli sulla presenza e correttezza degli </a:t>
-            </a:r>
-            <a:r>
-              <a:rPr lang="it-IT" sz="2400" dirty="0" err="1">
-                <a:latin typeface="+mj-lt"/>
-              </a:rPr>
-              <a:t>Header</a:t>
-            </a:r>
-            <a:r>
-              <a:rPr lang="it-IT" sz="2400" dirty="0">
-                <a:latin typeface="+mj-lt"/>
-              </a:rPr>
-              <a:t> e si controlla che ogni campo contenente le informazioni del brano sia di lunghezza pari a 30 caratteri.</a:t>
-            </a:r>
-          </a:p>
-          <a:p>
-            <a:endParaRPr lang="it-IT" dirty="0"/>
-          </a:p>
-          <a:p>
-            <a:r>
-              <a:rPr lang="it-IT" sz="2400" dirty="0">
-                <a:latin typeface="+mj-lt"/>
-              </a:rPr>
-              <a:t>Alcuni esempi:</a:t>
-            </a:r>
-          </a:p>
-          <a:p>
-            <a:pPr lvl="1"/>
-            <a:r>
-              <a:rPr lang="it-IT" sz="2200" dirty="0">
-                <a:latin typeface="+mj-lt"/>
-              </a:rPr>
-              <a:t>Mancanza o errata scrittura del TAG iniziale</a:t>
-            </a:r>
-          </a:p>
-          <a:p>
-            <a:endParaRPr lang="it-IT" dirty="0"/>
-          </a:p>
-        </p:txBody>
-      </p:sp>
-      <p:sp>
-        <p:nvSpPr>
-          <p:cNvPr id="4" name="Segnaposto numero diapositiva 3">
-            <a:extLst>
-              <a:ext uri="{FF2B5EF4-FFF2-40B4-BE49-F238E27FC236}">
-                <a16:creationId xmlns:a16="http://schemas.microsoft.com/office/drawing/2014/main" id="{2B13E80C-7F0E-4294-A3F9-CBF165A75956}"/>
-              </a:ext>
-            </a:extLst>
-          </p:cNvPr>
-          <p:cNvSpPr>
-            <a:spLocks noGrp="1"/>
-          </p:cNvSpPr>
-          <p:nvPr>
-            <p:ph type="sldNum" sz="quarter" idx="12"/>
-          </p:nvPr>
-        </p:nvSpPr>
-        <p:spPr/>
-        <p:txBody>
-          <a:bodyPr/>
-          <a:lstStyle/>
-          <a:p>
-            <a:pPr rtl="0"/>
-            <a:fld id="{3A98EE3D-8CD1-4C3F-BD1C-C98C9596463C}" type="slidenum">
-              <a:rPr lang="it-IT" noProof="0" smtClean="0"/>
-              <a:t>11</a:t>
-            </a:fld>
-            <a:endParaRPr lang="it-IT" noProof="0" dirty="0"/>
+            <a:pPr algn="ctr"/>
+            <a:endParaRPr lang="it-IT"/>
           </a:p>
         </p:txBody>
       </p:sp>
       <p:pic>
         <p:nvPicPr>
-          <p:cNvPr id="6" name="Immagine 5">
-            <a:extLst>
-              <a:ext uri="{FF2B5EF4-FFF2-40B4-BE49-F238E27FC236}">
-                <a16:creationId xmlns:a16="http://schemas.microsoft.com/office/drawing/2014/main" id="{D6A62E99-94CE-4219-B69B-E1B6C2FA2D4F}"/>
+          <p:cNvPr id="10" name="Elemento grafico 9">
+            <a:extLst>
+              <a:ext uri="{FF2B5EF4-FFF2-40B4-BE49-F238E27FC236}">
+                <a16:creationId xmlns:a16="http://schemas.microsoft.com/office/drawing/2014/main" id="{54A47743-7725-4A33-93CA-EFB89C10D1EC}"/>
               </a:ext>
             </a:extLst>
           </p:cNvPr>
@@ -10294,15 +11201,177 @@
           <p:nvPr/>
         </p:nvPicPr>
         <p:blipFill>
-          <a:blip r:embed="rId2"/>
+          <a:blip r:embed="rId3" cstate="print">
+            <a:extLst>
+              <a:ext uri="{28A0092B-C50C-407E-A947-70E740481C1C}">
+                <a14:useLocalDpi xmlns:a14="http://schemas.microsoft.com/office/drawing/2010/main" val="0"/>
+              </a:ext>
+              <a:ext uri="{96DAC541-7B7A-43D3-8B79-37D633B846F1}">
+                <asvg:svgBlip xmlns:asvg="http://schemas.microsoft.com/office/drawing/2016/SVG/main" r:embed="rId4"/>
+              </a:ext>
+            </a:extLst>
+          </a:blip>
           <a:stretch>
             <a:fillRect/>
           </a:stretch>
         </p:blipFill>
         <p:spPr>
           <a:xfrm>
-            <a:off x="1689713" y="4941946"/>
-            <a:ext cx="9112070" cy="480285"/>
+            <a:off x="207095" y="6043750"/>
+            <a:ext cx="1770209" cy="700341"/>
+          </a:xfrm>
+          <a:prstGeom prst="rect">
+            <a:avLst/>
+          </a:prstGeom>
+        </p:spPr>
+      </p:pic>
+      <p:sp>
+        <p:nvSpPr>
+          <p:cNvPr id="12" name="Connettore 11">
+            <a:extLst>
+              <a:ext uri="{FF2B5EF4-FFF2-40B4-BE49-F238E27FC236}">
+                <a16:creationId xmlns:a16="http://schemas.microsoft.com/office/drawing/2014/main" id="{92095D8C-8CCA-4CC6-B2D2-E1BC4732F321}"/>
+              </a:ext>
+            </a:extLst>
+          </p:cNvPr>
+          <p:cNvSpPr/>
+          <p:nvPr/>
+        </p:nvSpPr>
+        <p:spPr>
+          <a:xfrm>
+            <a:off x="11455401" y="6273800"/>
+            <a:ext cx="512910" cy="470291"/>
+          </a:xfrm>
+          <a:prstGeom prst="flowChartConnector">
+            <a:avLst/>
+          </a:prstGeom>
+        </p:spPr>
+        <p:style>
+          <a:lnRef idx="2">
+            <a:schemeClr val="accent1">
+              <a:shade val="50000"/>
+            </a:schemeClr>
+          </a:lnRef>
+          <a:fillRef idx="1">
+            <a:schemeClr val="accent1"/>
+          </a:fillRef>
+          <a:effectRef idx="0">
+            <a:schemeClr val="accent1"/>
+          </a:effectRef>
+          <a:fontRef idx="minor">
+            <a:schemeClr val="lt1"/>
+          </a:fontRef>
+        </p:style>
+        <p:txBody>
+          <a:bodyPr rtlCol="0" anchor="ctr"/>
+          <a:lstStyle/>
+          <a:p>
+            <a:pPr algn="ctr"/>
+            <a:fld id="{3A98EE3D-8CD1-4C3F-BD1C-C98C9596463C}" type="slidenum">
+              <a:rPr lang="it-IT" sz="1200" b="1"/>
+              <a:pPr algn="ctr"/>
+              <a:t>12</a:t>
+            </a:fld>
+            <a:endParaRPr lang="it-IT" b="1" dirty="0"/>
+          </a:p>
+        </p:txBody>
+      </p:sp>
+      <p:sp>
+        <p:nvSpPr>
+          <p:cNvPr id="11" name="Segnaposto contenuto 2">
+            <a:extLst>
+              <a:ext uri="{FF2B5EF4-FFF2-40B4-BE49-F238E27FC236}">
+                <a16:creationId xmlns:a16="http://schemas.microsoft.com/office/drawing/2014/main" id="{693C8797-6891-414D-92DD-94A716A7F3E2}"/>
+              </a:ext>
+            </a:extLst>
+          </p:cNvPr>
+          <p:cNvSpPr>
+            <a:spLocks noGrp="1"/>
+          </p:cNvSpPr>
+          <p:nvPr>
+            <p:ph idx="1"/>
+          </p:nvPr>
+        </p:nvSpPr>
+        <p:spPr>
+          <a:xfrm>
+            <a:off x="590550" y="1452563"/>
+            <a:ext cx="10864850" cy="4591050"/>
+          </a:xfrm>
+        </p:spPr>
+        <p:txBody>
+          <a:bodyPr>
+            <a:normAutofit/>
+          </a:bodyPr>
+          <a:lstStyle/>
+          <a:p>
+            <a:pPr lvl="1"/>
+            <a:r>
+              <a:rPr lang="it-IT" sz="2200" dirty="0">
+                <a:latin typeface="+mj-lt"/>
+              </a:rPr>
+              <a:t>Mancanza o errata scrittura di un qualsiasi </a:t>
+            </a:r>
+            <a:r>
+              <a:rPr lang="it-IT" sz="2200" dirty="0" err="1">
+                <a:latin typeface="+mj-lt"/>
+              </a:rPr>
+              <a:t>Header</a:t>
+            </a:r>
+            <a:endParaRPr lang="it-IT" sz="2200" dirty="0">
+              <a:latin typeface="+mj-lt"/>
+            </a:endParaRPr>
+          </a:p>
+          <a:p>
+            <a:pPr marL="201168" lvl="1" indent="0">
+              <a:buNone/>
+            </a:pPr>
+            <a:endParaRPr lang="it-IT" sz="2200" dirty="0">
+              <a:latin typeface="+mj-lt"/>
+            </a:endParaRPr>
+          </a:p>
+          <a:p>
+            <a:pPr marL="201168" lvl="1" indent="0">
+              <a:buNone/>
+            </a:pPr>
+            <a:endParaRPr lang="it-IT" sz="2200" dirty="0">
+              <a:latin typeface="+mj-lt"/>
+            </a:endParaRPr>
+          </a:p>
+          <a:p>
+            <a:pPr lvl="1"/>
+            <a:r>
+              <a:rPr lang="it-IT" sz="2200" dirty="0">
+                <a:latin typeface="+mj-lt"/>
+              </a:rPr>
+              <a:t>Campo contenente le informazioni della traccia di lunghezza minore rispetto ai 30 caratteri obbligatori</a:t>
+            </a:r>
+          </a:p>
+        </p:txBody>
+      </p:sp>
+      <p:pic>
+        <p:nvPicPr>
+          <p:cNvPr id="13" name="Immagine 12">
+            <a:extLst>
+              <a:ext uri="{FF2B5EF4-FFF2-40B4-BE49-F238E27FC236}">
+                <a16:creationId xmlns:a16="http://schemas.microsoft.com/office/drawing/2014/main" id="{2126C17A-AF82-4602-84E7-97D61BF9048C}"/>
+              </a:ext>
+            </a:extLst>
+          </p:cNvPr>
+          <p:cNvPicPr>
+            <a:picLocks noChangeAspect="1"/>
+          </p:cNvPicPr>
+          <p:nvPr/>
+        </p:nvPicPr>
+        <p:blipFill>
+          <a:blip r:embed="rId5"/>
+          <a:stretch>
+            <a:fillRect/>
+          </a:stretch>
+        </p:blipFill>
+        <p:spPr>
+          <a:xfrm>
+            <a:off x="904118" y="1998688"/>
+            <a:ext cx="7923143" cy="571774"/>
           </a:xfrm>
           <a:prstGeom prst="rect">
             <a:avLst/>
@@ -10312,7 +11381,7 @@
     </p:spTree>
     <p:extLst>
       <p:ext uri="{BB962C8B-B14F-4D97-AF65-F5344CB8AC3E}">
-        <p14:creationId xmlns:p14="http://schemas.microsoft.com/office/powerpoint/2010/main" val="2079372548"/>
+        <p14:creationId xmlns:p14="http://schemas.microsoft.com/office/powerpoint/2010/main" val="2676566520"/>
       </p:ext>
     </p:extLst>
   </p:cSld>
@@ -10322,9 +11391,17 @@
 </p:sld>
 </file>
 
-<file path=ppt/slides/slide12.xml><?xml version="1.0" encoding="utf-8"?>
+<file path=ppt/slides/slide13.xml><?xml version="1.0" encoding="utf-8"?>
 <p:sld xmlns:a="http://schemas.openxmlformats.org/drawingml/2006/main" xmlns:r="http://schemas.openxmlformats.org/officeDocument/2006/relationships" xmlns:p="http://schemas.openxmlformats.org/presentationml/2006/main">
   <p:cSld>
+    <p:bg>
+      <p:bgPr>
+        <a:solidFill>
+          <a:schemeClr val="bg1"/>
+        </a:solidFill>
+        <a:effectLst/>
+      </p:bgPr>
+    </p:bg>
     <p:spTree>
       <p:nvGrpSpPr>
         <p:cNvPr id="1" name=""/>
@@ -10341,10 +11418,10 @@
       </p:grpSpPr>
       <p:sp>
         <p:nvSpPr>
-          <p:cNvPr id="2" name="Titolo 1">
-            <a:extLst>
-              <a:ext uri="{FF2B5EF4-FFF2-40B4-BE49-F238E27FC236}">
-                <a16:creationId xmlns:a16="http://schemas.microsoft.com/office/drawing/2014/main" id="{8F3A6E8D-C6E3-45A3-87D8-838CC3B5CA73}"/>
+          <p:cNvPr id="6" name="Titolo 5">
+            <a:extLst>
+              <a:ext uri="{FF2B5EF4-FFF2-40B4-BE49-F238E27FC236}">
+                <a16:creationId xmlns:a16="http://schemas.microsoft.com/office/drawing/2014/main" id="{CE09A200-4838-4284-BD1E-19701CABB5FE}"/>
               </a:ext>
             </a:extLst>
           </p:cNvPr>
@@ -10355,123 +11432,32 @@
             <p:ph type="title"/>
           </p:nvPr>
         </p:nvSpPr>
-        <p:spPr/>
-        <p:txBody>
-          <a:bodyPr/>
-          <a:lstStyle/>
-          <a:p>
-            <a:r>
-              <a:rPr lang="it-IT" dirty="0"/>
-              <a:t>Gestione degli errori</a:t>
-            </a:r>
-          </a:p>
-        </p:txBody>
-      </p:sp>
-      <p:sp>
-        <p:nvSpPr>
-          <p:cNvPr id="3" name="Segnaposto contenuto 2">
-            <a:extLst>
-              <a:ext uri="{FF2B5EF4-FFF2-40B4-BE49-F238E27FC236}">
-                <a16:creationId xmlns:a16="http://schemas.microsoft.com/office/drawing/2014/main" id="{4A41F902-07A3-46A2-9065-80907DC9C068}"/>
-              </a:ext>
-            </a:extLst>
-          </p:cNvPr>
-          <p:cNvSpPr>
-            <a:spLocks noGrp="1"/>
-          </p:cNvSpPr>
-          <p:nvPr>
-            <p:ph idx="1"/>
-          </p:nvPr>
-        </p:nvSpPr>
-        <p:spPr/>
-        <p:txBody>
-          <a:bodyPr>
+        <p:spPr>
+          <a:xfrm>
+            <a:off x="1097280" y="286603"/>
+            <a:ext cx="10058400" cy="1450757"/>
+          </a:xfrm>
+        </p:spPr>
+        <p:txBody>
+          <a:bodyPr rtlCol="0">
             <a:normAutofit/>
           </a:bodyPr>
           <a:lstStyle/>
           <a:p>
-            <a:pPr lvl="1"/>
-            <a:r>
-              <a:rPr lang="it-IT" sz="2200" dirty="0">
-                <a:latin typeface="+mj-lt"/>
-              </a:rPr>
-              <a:t>Mancanza o errata scrittura di un qualsiasi </a:t>
-            </a:r>
-            <a:r>
-              <a:rPr lang="it-IT" sz="2200" dirty="0" err="1">
-                <a:latin typeface="+mj-lt"/>
-              </a:rPr>
-              <a:t>Header</a:t>
-            </a:r>
-            <a:endParaRPr lang="it-IT" sz="2200" dirty="0">
-              <a:latin typeface="+mj-lt"/>
-            </a:endParaRPr>
-          </a:p>
-          <a:p>
-            <a:pPr lvl="1"/>
-            <a:endParaRPr lang="it-IT" sz="2200" dirty="0">
-              <a:latin typeface="+mj-lt"/>
-            </a:endParaRPr>
-          </a:p>
-          <a:p>
-            <a:pPr lvl="1"/>
-            <a:endParaRPr lang="it-IT" sz="2200" dirty="0">
-              <a:latin typeface="+mj-lt"/>
-            </a:endParaRPr>
-          </a:p>
-          <a:p>
-            <a:pPr lvl="1"/>
-            <a:endParaRPr lang="it-IT" sz="2200" dirty="0">
-              <a:latin typeface="+mj-lt"/>
-            </a:endParaRPr>
-          </a:p>
-          <a:p>
-            <a:pPr lvl="1"/>
-            <a:r>
-              <a:rPr lang="it-IT" sz="2200" dirty="0">
-                <a:latin typeface="+mj-lt"/>
-              </a:rPr>
-              <a:t>Campo contenente le informazioni della traccia di lunghezza minore rispetto ai 30 caratteri obbligatori</a:t>
-            </a:r>
-          </a:p>
-        </p:txBody>
-      </p:sp>
-      <p:sp>
-        <p:nvSpPr>
-          <p:cNvPr id="4" name="Segnaposto numero diapositiva 3">
-            <a:extLst>
-              <a:ext uri="{FF2B5EF4-FFF2-40B4-BE49-F238E27FC236}">
-                <a16:creationId xmlns:a16="http://schemas.microsoft.com/office/drawing/2014/main" id="{81F7F39F-B717-4FA0-8BE8-02FF46A5F303}"/>
-              </a:ext>
-            </a:extLst>
-          </p:cNvPr>
-          <p:cNvSpPr>
-            <a:spLocks noGrp="1"/>
-          </p:cNvSpPr>
-          <p:nvPr>
-            <p:ph type="sldNum" sz="quarter" idx="12"/>
-          </p:nvPr>
-        </p:nvSpPr>
-        <p:spPr/>
-        <p:txBody>
-          <a:bodyPr/>
-          <a:lstStyle/>
-          <a:p>
             <a:pPr rtl="0"/>
-            <a:fld id="{3A98EE3D-8CD1-4C3F-BD1C-C98C9596463C}" type="slidenum">
-              <a:rPr lang="it-IT" noProof="0" smtClean="0"/>
-              <a:t>12</a:t>
-            </a:fld>
-            <a:endParaRPr lang="it-IT" noProof="0" dirty="0"/>
+            <a:r>
+              <a:rPr lang="it-IT" dirty="0"/>
+              <a:t>Grammatica con non terminali</a:t>
+            </a:r>
           </a:p>
         </p:txBody>
       </p:sp>
       <p:pic>
         <p:nvPicPr>
-          <p:cNvPr id="6" name="Immagine 5">
-            <a:extLst>
-              <a:ext uri="{FF2B5EF4-FFF2-40B4-BE49-F238E27FC236}">
-                <a16:creationId xmlns:a16="http://schemas.microsoft.com/office/drawing/2014/main" id="{49427C53-1231-49B0-84CE-63995E1F66AC}"/>
+          <p:cNvPr id="4" name="Elemento grafico 3">
+            <a:extLst>
+              <a:ext uri="{FF2B5EF4-FFF2-40B4-BE49-F238E27FC236}">
+                <a16:creationId xmlns:a16="http://schemas.microsoft.com/office/drawing/2014/main" id="{ED0A95A1-BC85-4809-B935-6A9B3C054422}"/>
               </a:ext>
             </a:extLst>
           </p:cNvPr>
@@ -10481,25 +11467,116 @@
           <p:nvPr/>
         </p:nvPicPr>
         <p:blipFill>
-          <a:blip r:embed="rId2"/>
+          <a:blip r:embed="rId3" cstate="print">
+            <a:extLst>
+              <a:ext uri="{28A0092B-C50C-407E-A947-70E740481C1C}">
+                <a14:useLocalDpi xmlns:a14="http://schemas.microsoft.com/office/drawing/2010/main" val="0"/>
+              </a:ext>
+              <a:ext uri="{96DAC541-7B7A-43D3-8B79-37D633B846F1}">
+                <asvg:svgBlip xmlns:asvg="http://schemas.microsoft.com/office/drawing/2016/SVG/main" r:embed="rId4"/>
+              </a:ext>
+            </a:extLst>
+          </a:blip>
           <a:stretch>
             <a:fillRect/>
           </a:stretch>
         </p:blipFill>
         <p:spPr>
           <a:xfrm>
-            <a:off x="1957064" y="2857226"/>
-            <a:ext cx="7923143" cy="571774"/>
+            <a:off x="207095" y="6043750"/>
+            <a:ext cx="1770209" cy="700341"/>
           </a:xfrm>
           <a:prstGeom prst="rect">
             <a:avLst/>
           </a:prstGeom>
         </p:spPr>
       </p:pic>
+      <p:sp>
+        <p:nvSpPr>
+          <p:cNvPr id="10" name="Connettore 9">
+            <a:extLst>
+              <a:ext uri="{FF2B5EF4-FFF2-40B4-BE49-F238E27FC236}">
+                <a16:creationId xmlns:a16="http://schemas.microsoft.com/office/drawing/2014/main" id="{7DA3C5E2-1B7C-406E-9A80-B7F344044586}"/>
+              </a:ext>
+            </a:extLst>
+          </p:cNvPr>
+          <p:cNvSpPr/>
+          <p:nvPr/>
+        </p:nvSpPr>
+        <p:spPr>
+          <a:xfrm>
+            <a:off x="11455401" y="6273800"/>
+            <a:ext cx="512910" cy="470291"/>
+          </a:xfrm>
+          <a:prstGeom prst="flowChartConnector">
+            <a:avLst/>
+          </a:prstGeom>
+        </p:spPr>
+        <p:style>
+          <a:lnRef idx="2">
+            <a:schemeClr val="accent1">
+              <a:shade val="50000"/>
+            </a:schemeClr>
+          </a:lnRef>
+          <a:fillRef idx="1">
+            <a:schemeClr val="accent1"/>
+          </a:fillRef>
+          <a:effectRef idx="0">
+            <a:schemeClr val="accent1"/>
+          </a:effectRef>
+          <a:fontRef idx="minor">
+            <a:schemeClr val="lt1"/>
+          </a:fontRef>
+        </p:style>
+        <p:txBody>
+          <a:bodyPr rtlCol="0" anchor="ctr"/>
+          <a:lstStyle/>
+          <a:p>
+            <a:pPr algn="ctr"/>
+            <a:fld id="{3A98EE3D-8CD1-4C3F-BD1C-C98C9596463C}" type="slidenum">
+              <a:rPr lang="it-IT" sz="1200" b="1"/>
+              <a:pPr algn="ctr"/>
+              <a:t>13</a:t>
+            </a:fld>
+            <a:endParaRPr lang="it-IT" b="1" dirty="0"/>
+          </a:p>
+        </p:txBody>
+      </p:sp>
+      <p:sp>
+        <p:nvSpPr>
+          <p:cNvPr id="3" name="Segnaposto contenuto 2">
+            <a:extLst>
+              <a:ext uri="{FF2B5EF4-FFF2-40B4-BE49-F238E27FC236}">
+                <a16:creationId xmlns:a16="http://schemas.microsoft.com/office/drawing/2014/main" id="{CDBDD0AC-B78E-4283-B5F3-A381229EABF5}"/>
+              </a:ext>
+            </a:extLst>
+          </p:cNvPr>
+          <p:cNvSpPr>
+            <a:spLocks noGrp="1"/>
+          </p:cNvSpPr>
+          <p:nvPr>
+            <p:ph idx="1"/>
+          </p:nvPr>
+        </p:nvSpPr>
+        <p:spPr/>
+        <p:txBody>
+          <a:bodyPr/>
+          <a:lstStyle/>
+          <a:p>
+            <a:pPr marL="0" indent="0">
+              <a:buNone/>
+            </a:pPr>
+            <a:r>
+              <a:rPr lang="it-IT" dirty="0"/>
+              <a:t>Lo </a:t>
+            </a:r>
+          </a:p>
+        </p:txBody>
+      </p:sp>
     </p:spTree>
     <p:extLst>
       <p:ext uri="{BB962C8B-B14F-4D97-AF65-F5344CB8AC3E}">
-        <p14:creationId xmlns:p14="http://schemas.microsoft.com/office/powerpoint/2010/main" val="2494057067"/>
+        <p14:creationId xmlns:p14="http://schemas.microsoft.com/office/powerpoint/2010/main" val="4040284531"/>
       </p:ext>
     </p:extLst>
   </p:cSld>
@@ -10509,7 +11586,7 @@
 </p:sld>
 </file>
 
-<file path=ppt/slides/slide13.xml><?xml version="1.0" encoding="utf-8"?>
+<file path=ppt/slides/slide14.xml><?xml version="1.0" encoding="utf-8"?>
 <p:sld xmlns:a="http://schemas.openxmlformats.org/drawingml/2006/main" xmlns:r="http://schemas.openxmlformats.org/officeDocument/2006/relationships" xmlns:p="http://schemas.openxmlformats.org/presentationml/2006/main">
   <p:cSld>
     <p:spTree>
@@ -10902,7 +11979,7 @@
               <a:rPr lang="it-IT" sz="1600" dirty="0">
                 <a:latin typeface="+mj-lt"/>
               </a:rPr>
-              <a:t>A</a:t>
+              <a:t>Descrizione</a:t>
             </a:r>
           </a:p>
           <a:p>
@@ -10919,7 +11996,7 @@
               <a:rPr lang="it-IT" sz="1600" dirty="0">
                 <a:latin typeface="+mj-lt"/>
               </a:rPr>
-              <a:t>N</a:t>
+              <a:t>Casi di Test</a:t>
             </a:r>
           </a:p>
           <a:p>
@@ -10938,6 +12015,20 @@
               </a:rPr>
               <a:t>M</a:t>
             </a:r>
+          </a:p>
+          <a:p>
+            <a:pPr marL="0" indent="0" rtl="0">
+              <a:spcBef>
+                <a:spcPts val="0"/>
+              </a:spcBef>
+              <a:spcAft>
+                <a:spcPts val="0"/>
+              </a:spcAft>
+              <a:buNone/>
+            </a:pPr>
+            <a:endParaRPr lang="it-IT" sz="1600" dirty="0">
+              <a:latin typeface="+mj-lt"/>
+            </a:endParaRPr>
           </a:p>
           <a:p>
             <a:pPr marL="0" indent="0" rtl="0">
@@ -16037,6 +17128,15 @@
 </file>
 
 <file path=customXml/item1.xml><?xml version="1.0" encoding="utf-8"?>
+<?mso-contentType ?>
+<FormTemplates xmlns="http://schemas.microsoft.com/sharepoint/v3/contenttype/forms">
+  <Display>DocumentLibraryForm</Display>
+  <Edit>DocumentLibraryForm</Edit>
+  <New>DocumentLibraryForm</New>
+</FormTemplates>
+</file>
+
+<file path=customXml/item2.xml><?xml version="1.0" encoding="utf-8"?>
 <ct:contentTypeSchema xmlns:ct="http://schemas.microsoft.com/office/2006/metadata/contentType" xmlns:ma="http://schemas.microsoft.com/office/2006/metadata/properties/metaAttributes" ct:_="" ma:_="" ma:contentTypeName="Document" ma:contentTypeID="0x01010079F111ED35F8CC479449609E8A0923A6" ma:contentTypeVersion="12" ma:contentTypeDescription="Create a new document." ma:contentTypeScope="" ma:versionID="fa6e671f1cd7e4d96ff9652be322dd5e">
   <xsd:schema xmlns:xsd="http://www.w3.org/2001/XMLSchema" xmlns:xs="http://www.w3.org/2001/XMLSchema" xmlns:p="http://schemas.microsoft.com/office/2006/metadata/properties" xmlns:ns2="71af3243-3dd4-4a8d-8c0d-dd76da1f02a5" xmlns:ns3="16c05727-aa75-4e4a-9b5f-8a80a1165891" targetNamespace="http://schemas.microsoft.com/office/2006/metadata/properties" ma:root="true" ma:fieldsID="4e2496f70b101db0b8013f30a071bbf7" ns2:_="" ns3:_="">
     <xsd:import namespace="71af3243-3dd4-4a8d-8c0d-dd76da1f02a5"/>
@@ -16257,15 +17357,6 @@
 </ct:contentTypeSchema>
 </file>
 
-<file path=customXml/item2.xml><?xml version="1.0" encoding="utf-8"?>
-<?mso-contentType ?>
-<FormTemplates xmlns="http://schemas.microsoft.com/sharepoint/v3/contenttype/forms">
-  <Display>DocumentLibraryForm</Display>
-  <Edit>DocumentLibraryForm</Edit>
-  <New>DocumentLibraryForm</New>
-</FormTemplates>
-</file>
-
 <file path=customXml/item3.xml><?xml version="1.0" encoding="utf-8"?>
 <p:properties xmlns:p="http://schemas.microsoft.com/office/2006/metadata/properties" xmlns:xsi="http://www.w3.org/2001/XMLSchema-instance" xmlns:pc="http://schemas.microsoft.com/office/infopath/2007/PartnerControls">
   <documentManagement>
@@ -16276,6 +17367,14 @@
 </file>
 
 <file path=customXml/itemProps1.xml><?xml version="1.0" encoding="utf-8"?>
+<ds:datastoreItem xmlns:ds="http://schemas.openxmlformats.org/officeDocument/2006/customXml" ds:itemID="{7E0A2CB4-6869-426F-8BC4-A32C90CBE263}">
+  <ds:schemaRefs>
+    <ds:schemaRef ds:uri="http://schemas.microsoft.com/sharepoint/v3/contenttype/forms"/>
+  </ds:schemaRefs>
+</ds:datastoreItem>
+</file>
+
+<file path=customXml/itemProps2.xml><?xml version="1.0" encoding="utf-8"?>
 <ds:datastoreItem xmlns:ds="http://schemas.openxmlformats.org/officeDocument/2006/customXml" ds:itemID="{A941CA7C-A0BF-44EF-B2E5-7539C3B9B0B6}">
   <ds:schemaRefs>
     <ds:schemaRef ds:uri="http://schemas.microsoft.com/office/2006/metadata/contentType"/>
@@ -16294,14 +17393,6 @@
 </ds:datastoreItem>
 </file>
 
-<file path=customXml/itemProps2.xml><?xml version="1.0" encoding="utf-8"?>
-<ds:datastoreItem xmlns:ds="http://schemas.openxmlformats.org/officeDocument/2006/customXml" ds:itemID="{7E0A2CB4-6869-426F-8BC4-A32C90CBE263}">
-  <ds:schemaRefs>
-    <ds:schemaRef ds:uri="http://schemas.microsoft.com/sharepoint/v3/contenttype/forms"/>
-  </ds:schemaRefs>
-</ds:datastoreItem>
-</file>
-
 <file path=customXml/itemProps3.xml><?xml version="1.0" encoding="utf-8"?>
 <ds:datastoreItem xmlns:ds="http://schemas.openxmlformats.org/officeDocument/2006/customXml" ds:itemID="{A4E879E6-8FFE-4154-8F2A-F7518B89B376}">
   <ds:schemaRefs>

--- a/presentazione.pptx
+++ b/presentazione.pptx
@@ -5,14 +5,14 @@
     <p:sldMasterId id="2147483717" r:id="rId4"/>
   </p:sldMasterIdLst>
   <p:notesMasterIdLst>
-    <p:notesMasterId r:id="rId19"/>
+    <p:notesMasterId r:id="rId20"/>
   </p:notesMasterIdLst>
   <p:handoutMasterIdLst>
-    <p:handoutMasterId r:id="rId20"/>
+    <p:handoutMasterId r:id="rId21"/>
   </p:handoutMasterIdLst>
   <p:sldIdLst>
     <p:sldId id="258" r:id="rId5"/>
-    <p:sldId id="284" r:id="rId6"/>
+    <p:sldId id="261" r:id="rId6"/>
     <p:sldId id="286" r:id="rId7"/>
     <p:sldId id="266" r:id="rId8"/>
     <p:sldId id="291" r:id="rId9"/>
@@ -21,10 +21,11 @@
     <p:sldId id="295" r:id="rId12"/>
     <p:sldId id="296" r:id="rId13"/>
     <p:sldId id="297" r:id="rId14"/>
-    <p:sldId id="299" r:id="rId15"/>
+    <p:sldId id="301" r:id="rId15"/>
     <p:sldId id="300" r:id="rId16"/>
-    <p:sldId id="294" r:id="rId17"/>
-    <p:sldId id="280" r:id="rId18"/>
+    <p:sldId id="303" r:id="rId17"/>
+    <p:sldId id="302" r:id="rId18"/>
+    <p:sldId id="280" r:id="rId19"/>
   </p:sldIdLst>
   <p:sldSz cx="12192000" cy="6858000"/>
   <p:notesSz cx="6858000" cy="9144000"/>
@@ -230,7 +231,7 @@
             <a:pPr rtl="0"/>
             <a:fld id="{36FC0A7B-6666-4F41-AD03-C74B76B10001}" type="datetime1">
               <a:rPr lang="it-IT" smtClean="0"/>
-              <a:t>18/03/2022</a:t>
+              <a:t>15/04/2022</a:t>
             </a:fld>
             <a:endParaRPr lang="it-IT" dirty="0"/>
           </a:p>
@@ -411,7 +412,7 @@
             <a:fld id="{110E367B-2E0B-461C-8280-86016408BD7C}" type="datetime1">
               <a:rPr lang="it-IT" smtClean="0"/>
               <a:pPr/>
-              <a:t>18/03/2022</a:t>
+              <a:t>15/04/2022</a:t>
             </a:fld>
             <a:endParaRPr lang="it-IT" dirty="0"/>
           </a:p>
@@ -843,7 +844,7 @@
     </p:spTree>
     <p:extLst>
       <p:ext uri="{BB962C8B-B14F-4D97-AF65-F5344CB8AC3E}">
-        <p14:creationId xmlns:p14="http://schemas.microsoft.com/office/powerpoint/2010/main" val="3322397853"/>
+        <p14:creationId xmlns:p14="http://schemas.microsoft.com/office/powerpoint/2010/main" val="4051680716"/>
       </p:ext>
     </p:extLst>
   </p:cSld>
@@ -995,7 +996,7 @@
             <a:spLocks noGrp="1"/>
           </p:cNvSpPr>
           <p:nvPr>
-            <p:ph type="sldNum" sz="quarter" idx="10"/>
+            <p:ph type="sldNum" sz="quarter" idx="5"/>
           </p:nvPr>
         </p:nvSpPr>
         <p:spPr/>
@@ -1015,7 +1016,7 @@
     </p:spTree>
     <p:extLst>
       <p:ext uri="{BB962C8B-B14F-4D97-AF65-F5344CB8AC3E}">
-        <p14:creationId xmlns:p14="http://schemas.microsoft.com/office/powerpoint/2010/main" val="196969414"/>
+        <p14:creationId xmlns:p14="http://schemas.microsoft.com/office/powerpoint/2010/main" val="774308375"/>
       </p:ext>
     </p:extLst>
   </p:cSld>
@@ -1093,6 +1094,92 @@
             <a:fld id="{284ECAD9-32EE-4091-BDA5-6BD15ACC5E58}" type="slidenum">
               <a:rPr lang="it-IT" smtClean="0"/>
               <a:t>14</a:t>
+            </a:fld>
+            <a:endParaRPr lang="it-IT" dirty="0"/>
+          </a:p>
+        </p:txBody>
+      </p:sp>
+    </p:spTree>
+    <p:extLst>
+      <p:ext uri="{BB962C8B-B14F-4D97-AF65-F5344CB8AC3E}">
+        <p14:creationId xmlns:p14="http://schemas.microsoft.com/office/powerpoint/2010/main" val="1744256666"/>
+      </p:ext>
+    </p:extLst>
+  </p:cSld>
+  <p:clrMapOvr>
+    <a:masterClrMapping/>
+  </p:clrMapOvr>
+</p:notes>
+</file>
+
+<file path=ppt/notesSlides/notesSlide14.xml><?xml version="1.0" encoding="utf-8"?>
+<p:notes xmlns:a="http://schemas.openxmlformats.org/drawingml/2006/main" xmlns:r="http://schemas.openxmlformats.org/officeDocument/2006/relationships" xmlns:p="http://schemas.openxmlformats.org/presentationml/2006/main">
+  <p:cSld>
+    <p:spTree>
+      <p:nvGrpSpPr>
+        <p:cNvPr id="1" name=""/>
+        <p:cNvGrpSpPr/>
+        <p:nvPr/>
+      </p:nvGrpSpPr>
+      <p:grpSpPr>
+        <a:xfrm>
+          <a:off x="0" y="0"/>
+          <a:ext cx="0" cy="0"/>
+          <a:chOff x="0" y="0"/>
+          <a:chExt cx="0" cy="0"/>
+        </a:xfrm>
+      </p:grpSpPr>
+      <p:sp>
+        <p:nvSpPr>
+          <p:cNvPr id="2" name="Segnaposto immagine diapositiva 1"/>
+          <p:cNvSpPr>
+            <a:spLocks noGrp="1" noRot="1" noChangeAspect="1"/>
+          </p:cNvSpPr>
+          <p:nvPr>
+            <p:ph type="sldImg"/>
+          </p:nvPr>
+        </p:nvSpPr>
+        <p:spPr/>
+      </p:sp>
+      <p:sp>
+        <p:nvSpPr>
+          <p:cNvPr id="3" name="Segnaposto note 2"/>
+          <p:cNvSpPr>
+            <a:spLocks noGrp="1"/>
+          </p:cNvSpPr>
+          <p:nvPr>
+            <p:ph type="body" idx="1"/>
+          </p:nvPr>
+        </p:nvSpPr>
+        <p:spPr/>
+        <p:txBody>
+          <a:bodyPr rtlCol="0"/>
+          <a:lstStyle/>
+          <a:p>
+            <a:pPr rtl="0"/>
+            <a:endParaRPr lang="it-IT" dirty="0"/>
+          </a:p>
+        </p:txBody>
+      </p:sp>
+      <p:sp>
+        <p:nvSpPr>
+          <p:cNvPr id="4" name="Segnaposto numero diapositiva 3"/>
+          <p:cNvSpPr>
+            <a:spLocks noGrp="1"/>
+          </p:cNvSpPr>
+          <p:nvPr>
+            <p:ph type="sldNum" sz="quarter" idx="5"/>
+          </p:nvPr>
+        </p:nvSpPr>
+        <p:spPr/>
+        <p:txBody>
+          <a:bodyPr rtlCol="0"/>
+          <a:lstStyle/>
+          <a:p>
+            <a:pPr rtl="0"/>
+            <a:fld id="{284ECAD9-32EE-4091-BDA5-6BD15ACC5E58}" type="slidenum">
+              <a:rPr lang="it-IT" smtClean="0"/>
+              <a:t>15</a:t>
             </a:fld>
             <a:endParaRPr lang="it-IT" dirty="0"/>
           </a:p>
@@ -1167,7 +1254,7 @@
             <a:spLocks noGrp="1"/>
           </p:cNvSpPr>
           <p:nvPr>
-            <p:ph type="sldNum" sz="quarter" idx="10"/>
+            <p:ph type="sldNum" sz="quarter" idx="5"/>
           </p:nvPr>
         </p:nvSpPr>
         <p:spPr/>
@@ -1175,19 +1262,78 @@
           <a:bodyPr rtlCol="0"/>
           <a:lstStyle/>
           <a:p>
-            <a:pPr rtl="0"/>
+            <a:pPr marL="0" marR="0" lvl="0" indent="0" algn="r" defTabSz="914400" rtl="0" eaLnBrk="1" fontAlgn="auto" latinLnBrk="0" hangingPunct="1">
+              <a:lnSpc>
+                <a:spcPct val="100000"/>
+              </a:lnSpc>
+              <a:spcBef>
+                <a:spcPts val="0"/>
+              </a:spcBef>
+              <a:spcAft>
+                <a:spcPts val="0"/>
+              </a:spcAft>
+              <a:buClrTx/>
+              <a:buSzTx/>
+              <a:buFontTx/>
+              <a:buNone/>
+              <a:tabLst/>
+              <a:defRPr/>
+            </a:pPr>
             <a:fld id="{284ECAD9-32EE-4091-BDA5-6BD15ACC5E58}" type="slidenum">
-              <a:rPr lang="it-IT" smtClean="0"/>
+              <a:rPr kumimoji="0" lang="it-IT" sz="1200" b="0" i="0" u="none" strike="noStrike" kern="1200" cap="none" spc="0" normalizeH="0" baseline="0" noProof="0" smtClean="0">
+                <a:ln>
+                  <a:noFill/>
+                </a:ln>
+                <a:solidFill>
+                  <a:prstClr val="black"/>
+                </a:solidFill>
+                <a:effectLst/>
+                <a:uLnTx/>
+                <a:uFillTx/>
+                <a:latin typeface="Calibri" panose="020F0502020204030204"/>
+                <a:ea typeface="+mn-ea"/>
+                <a:cs typeface="+mn-cs"/>
+              </a:rPr>
+              <a:pPr marL="0" marR="0" lvl="0" indent="0" algn="r" defTabSz="914400" rtl="0" eaLnBrk="1" fontAlgn="auto" latinLnBrk="0" hangingPunct="1">
+                <a:lnSpc>
+                  <a:spcPct val="100000"/>
+                </a:lnSpc>
+                <a:spcBef>
+                  <a:spcPts val="0"/>
+                </a:spcBef>
+                <a:spcAft>
+                  <a:spcPts val="0"/>
+                </a:spcAft>
+                <a:buClrTx/>
+                <a:buSzTx/>
+                <a:buFontTx/>
+                <a:buNone/>
+                <a:tabLst/>
+                <a:defRPr/>
+              </a:pPr>
               <a:t>2</a:t>
             </a:fld>
-            <a:endParaRPr lang="it-IT" dirty="0"/>
+            <a:endParaRPr kumimoji="0" lang="it-IT" sz="1200" b="0" i="0" u="none" strike="noStrike" kern="1200" cap="none" spc="0" normalizeH="0" baseline="0" noProof="0" dirty="0">
+              <a:ln>
+                <a:noFill/>
+              </a:ln>
+              <a:solidFill>
+                <a:prstClr val="black"/>
+              </a:solidFill>
+              <a:effectLst/>
+              <a:uLnTx/>
+              <a:uFillTx/>
+              <a:latin typeface="Calibri" panose="020F0502020204030204"/>
+              <a:ea typeface="+mn-ea"/>
+              <a:cs typeface="+mn-cs"/>
+            </a:endParaRPr>
           </a:p>
         </p:txBody>
       </p:sp>
     </p:spTree>
     <p:extLst>
       <p:ext uri="{BB962C8B-B14F-4D97-AF65-F5344CB8AC3E}">
-        <p14:creationId xmlns:p14="http://schemas.microsoft.com/office/powerpoint/2010/main" val="4287934944"/>
+        <p14:creationId xmlns:p14="http://schemas.microsoft.com/office/powerpoint/2010/main" val="3455333877"/>
       </p:ext>
     </p:extLst>
   </p:cSld>
@@ -1875,7 +2021,7 @@
             <a:pPr rtl="0"/>
             <a:fld id="{BC5A5791-EFA9-42A2-8E0D-DBC7A027EB39}" type="datetime1">
               <a:rPr lang="it-IT" noProof="0" smtClean="0"/>
-              <a:t>18/03/2022</a:t>
+              <a:t>15/04/2022</a:t>
             </a:fld>
             <a:endParaRPr lang="it-IT" noProof="0" dirty="0"/>
           </a:p>
@@ -2503,7 +2649,7 @@
             <a:pPr rtl="0"/>
             <a:fld id="{FF17C169-DBE1-4B6A-9921-1E108A1C6C42}" type="datetime1">
               <a:rPr lang="it-IT" noProof="0" smtClean="0"/>
-              <a:t>18/03/2022</a:t>
+              <a:t>15/04/2022</a:t>
             </a:fld>
             <a:endParaRPr lang="it-IT" noProof="0" dirty="0"/>
           </a:p>
@@ -2860,7 +3006,7 @@
             <a:pPr rtl="0"/>
             <a:fld id="{6C0ABBAF-B24C-4448-B75C-ADB9350121F9}" type="datetime1">
               <a:rPr lang="it-IT" noProof="0" smtClean="0"/>
-              <a:t>18/03/2022</a:t>
+              <a:t>15/04/2022</a:t>
             </a:fld>
             <a:endParaRPr lang="it-IT" noProof="0" dirty="0"/>
           </a:p>
@@ -3259,7 +3405,7 @@
             <a:pPr rtl="0"/>
             <a:fld id="{26E56894-810F-46F6-9A4E-7CB650138CD2}" type="datetime1">
               <a:rPr lang="it-IT" noProof="0" smtClean="0"/>
-              <a:t>18/03/2022</a:t>
+              <a:t>15/04/2022</a:t>
             </a:fld>
             <a:endParaRPr lang="it-IT" noProof="0" dirty="0"/>
           </a:p>
@@ -3742,7 +3888,7 @@
             <a:pPr rtl="0"/>
             <a:fld id="{6BDF9918-2BB5-43D7-98E9-1FB3954C3638}" type="datetime1">
               <a:rPr lang="it-IT" noProof="0" smtClean="0"/>
-              <a:t>18/03/2022</a:t>
+              <a:t>15/04/2022</a:t>
             </a:fld>
             <a:endParaRPr lang="it-IT" noProof="0" dirty="0"/>
           </a:p>
@@ -4133,7 +4279,7 @@
             <a:pPr rtl="0"/>
             <a:fld id="{983F2180-7340-4006-8F9F-3B15285D3035}" type="datetime1">
               <a:rPr lang="it-IT" noProof="0" smtClean="0"/>
-              <a:t>18/03/2022</a:t>
+              <a:t>15/04/2022</a:t>
             </a:fld>
             <a:endParaRPr lang="it-IT" noProof="0" dirty="0"/>
           </a:p>
@@ -4501,7 +4647,7 @@
             <a:pPr rtl="0"/>
             <a:fld id="{47C567FE-B98A-4D3F-9213-316EA9EC55A5}" type="datetime1">
               <a:rPr lang="it-IT" noProof="0" smtClean="0"/>
-              <a:t>18/03/2022</a:t>
+              <a:t>15/04/2022</a:t>
             </a:fld>
             <a:endParaRPr lang="it-IT" noProof="0" dirty="0"/>
           </a:p>
@@ -4994,7 +5140,7 @@
             <a:pPr rtl="0"/>
             <a:fld id="{BC922104-62E9-446F-9FB1-A32B08927891}" type="datetime1">
               <a:rPr lang="it-IT" noProof="0" smtClean="0"/>
-              <a:t>18/03/2022</a:t>
+              <a:t>15/04/2022</a:t>
             </a:fld>
             <a:endParaRPr lang="it-IT" noProof="0" dirty="0"/>
           </a:p>
@@ -5494,7 +5640,7 @@
             <a:pPr rtl="0"/>
             <a:fld id="{192B49F1-2FC8-466C-ABE0-4929E08403C1}" type="datetime1">
               <a:rPr lang="it-IT" noProof="0" smtClean="0"/>
-              <a:t>18/03/2022</a:t>
+              <a:t>15/04/2022</a:t>
             </a:fld>
             <a:endParaRPr lang="it-IT" noProof="0" dirty="0"/>
           </a:p>
@@ -5931,7 +6077,7 @@
             <a:pPr rtl="0"/>
             <a:fld id="{D669DC07-792B-4D17-B0C3-BB835168107E}" type="datetime1">
               <a:rPr lang="it-IT" noProof="0" smtClean="0"/>
-              <a:t>18/03/2022</a:t>
+              <a:t>15/04/2022</a:t>
             </a:fld>
             <a:endParaRPr lang="it-IT" noProof="0" dirty="0"/>
           </a:p>
@@ -6188,7 +6334,7 @@
             <a:pPr rtl="0"/>
             <a:fld id="{C95873E1-B6E7-4F22-ACBC-2B4E759526F9}" type="datetime1">
               <a:rPr lang="it-IT" noProof="0" smtClean="0"/>
-              <a:t>18/03/2022</a:t>
+              <a:t>15/04/2022</a:t>
             </a:fld>
             <a:endParaRPr lang="it-IT" noProof="0" dirty="0"/>
           </a:p>
@@ -6421,7 +6567,7 @@
             <a:pPr rtl="0"/>
             <a:fld id="{EDF35B73-1E84-4E1D-9C62-04B6DA1DCD89}" type="datetime1">
               <a:rPr lang="it-IT" noProof="0" smtClean="0"/>
-              <a:t>18/03/2022</a:t>
+              <a:t>15/04/2022</a:t>
             </a:fld>
             <a:endParaRPr lang="it-IT" noProof="0" dirty="0"/>
           </a:p>
@@ -6829,7 +6975,7 @@
             <a:pPr rtl="0"/>
             <a:fld id="{EF217D74-4249-45DE-AFC1-DB41000B186F}" type="datetime1">
               <a:rPr lang="it-IT" noProof="0" smtClean="0"/>
-              <a:t>18/03/2022</a:t>
+              <a:t>15/04/2022</a:t>
             </a:fld>
             <a:endParaRPr lang="it-IT" noProof="0" dirty="0"/>
           </a:p>
@@ -7073,7 +7219,7 @@
             <a:pPr rtl="0"/>
             <a:fld id="{02821AFD-43C1-409E-AABC-CA19CBFB6E3C}" type="datetime1">
               <a:rPr lang="it-IT" noProof="0" smtClean="0"/>
-              <a:t>18/03/2022</a:t>
+              <a:t>15/04/2022</a:t>
             </a:fld>
             <a:endParaRPr lang="it-IT" noProof="0" dirty="0"/>
           </a:p>
@@ -7273,7 +7419,7 @@
             <a:pPr rtl="0"/>
             <a:fld id="{25D5A028-43A2-4639-BEEA-82C2B46D2F75}" type="datetime1">
               <a:rPr lang="it-IT" noProof="0" smtClean="0"/>
-              <a:t>18/03/2022</a:t>
+              <a:t>15/04/2022</a:t>
             </a:fld>
             <a:endParaRPr lang="it-IT" noProof="0" dirty="0"/>
           </a:p>
@@ -7733,7 +7879,7 @@
             <a:pPr rtl="0"/>
             <a:fld id="{0AC1AF47-3649-4D70-8624-44F2D47949BF}" type="datetime1">
               <a:rPr lang="it-IT" noProof="0" smtClean="0"/>
-              <a:t>18/03/2022</a:t>
+              <a:t>15/04/2022</a:t>
             </a:fld>
             <a:endParaRPr lang="it-IT" noProof="0" dirty="0"/>
           </a:p>
@@ -8317,7 +8463,7 @@
             <a:pPr rtl="0"/>
             <a:fld id="{0C86549E-7F36-460D-B45B-E31862ACF4DC}" type="datetime1">
               <a:rPr lang="it-IT" noProof="0" smtClean="0"/>
-              <a:t>18/03/2022</a:t>
+              <a:t>15/04/2022</a:t>
             </a:fld>
             <a:endParaRPr lang="it-IT" noProof="0" dirty="0"/>
           </a:p>
@@ -8721,7 +8867,7 @@
             <a:pPr rtl="0"/>
             <a:fld id="{5AD476CA-C764-4FAD-8146-5EA1029A9E33}" type="datetime1">
               <a:rPr lang="it-IT" noProof="0" smtClean="0"/>
-              <a:t>18/03/2022</a:t>
+              <a:t>15/04/2022</a:t>
             </a:fld>
             <a:endParaRPr lang="it-IT" noProof="0" dirty="0"/>
           </a:p>
@@ -8864,7 +9010,7 @@
             <a:pPr rtl="0"/>
             <a:fld id="{8718CE71-08A2-40CC-B75F-5DA9EAC27385}" type="datetime1">
               <a:rPr lang="it-IT" noProof="0" smtClean="0"/>
-              <a:t>18/03/2022</a:t>
+              <a:t>15/04/2022</a:t>
             </a:fld>
             <a:endParaRPr lang="it-IT" noProof="0" dirty="0"/>
           </a:p>
@@ -9056,7 +9202,7 @@
             <a:pPr rtl="0"/>
             <a:fld id="{2F6EAE58-4589-466E-80D1-72C9CC21B379}" type="datetime1">
               <a:rPr lang="it-IT" noProof="0" smtClean="0"/>
-              <a:t>18/03/2022</a:t>
+              <a:t>15/04/2022</a:t>
             </a:fld>
             <a:endParaRPr lang="it-IT" noProof="0" dirty="0"/>
           </a:p>
@@ -9372,7 +9518,7 @@
             <a:pPr rtl="0"/>
             <a:fld id="{415EA518-E098-4533-A7FE-3A70CD273BA1}" type="datetime1">
               <a:rPr lang="it-IT" noProof="0" smtClean="0"/>
-              <a:t>18/03/2022</a:t>
+              <a:t>15/04/2022</a:t>
             </a:fld>
             <a:endParaRPr lang="it-IT" noProof="0" dirty="0"/>
           </a:p>
@@ -10545,7 +10691,7 @@
                   </a:schemeClr>
                 </a:solidFill>
               </a:rPr>
-              <a:t>Gestione degli errori</a:t>
+              <a:t>Gestione degli errori nel dettaglio</a:t>
             </a:r>
           </a:p>
         </p:txBody>
@@ -10773,7 +10919,7 @@
         </p:spPr>
         <p:txBody>
           <a:bodyPr>
-            <a:normAutofit/>
+            <a:normAutofit lnSpcReduction="10000"/>
           </a:bodyPr>
           <a:lstStyle/>
           <a:p>
@@ -10800,7 +10946,7 @@
               <a:rPr lang="it-IT" sz="2200" dirty="0">
                 <a:latin typeface="+mj-lt"/>
               </a:rPr>
-              <a:t>Per ovviare e operare una buona gestione degli errori abbiamo aggiunto allo standard l’utilizzo delle «head» con caratteri unici non utilizzabili all’interno dei frame in modo da riconoscere il tipo di errore e la sua localizzazione</a:t>
+              <a:t>Per ovviare e operare una buona gestione degli errori abbiamo aggiunto allo standard l’utilizzo delle «head» con caratteri unici non utilizzabili all’interno dei frame (in modo da non innescare un riconoscimento di una «testa» in modo da riconoscere il tipo di errore e la sua localizzazione</a:t>
             </a:r>
           </a:p>
           <a:p>
@@ -10821,7 +10967,7 @@
               <a:rPr lang="it-IT" sz="2200" dirty="0">
                 <a:latin typeface="+mj-lt"/>
               </a:rPr>
-              <a:t> «musica&gt; che indica al parser di saltare tutta la parte audio fino ad arrivare al riconoscimento della testa</a:t>
+              <a:t> «musica» che indica al parser di saltare tutta la parte audio fino ad arrivare al riconoscimento della testa (non senza problemi…)</a:t>
             </a:r>
           </a:p>
         </p:txBody>
@@ -10829,7 +10975,7 @@
     </p:spTree>
     <p:extLst>
       <p:ext uri="{BB962C8B-B14F-4D97-AF65-F5344CB8AC3E}">
-        <p14:creationId xmlns:p14="http://schemas.microsoft.com/office/powerpoint/2010/main" val="706154318"/>
+        <p14:creationId xmlns:p14="http://schemas.microsoft.com/office/powerpoint/2010/main" val="1117448457"/>
       </p:ext>
     </p:extLst>
   </p:cSld>
@@ -11072,7 +11218,7 @@
                   </a:schemeClr>
                 </a:solidFill>
               </a:rPr>
-              <a:t>Casi di test</a:t>
+              <a:t>Alcuni casi di test</a:t>
             </a:r>
           </a:p>
         </p:txBody>
@@ -11309,14 +11455,35 @@
               <a:rPr lang="it-IT" sz="2200" dirty="0">
                 <a:latin typeface="+mj-lt"/>
               </a:rPr>
-              <a:t>Mancanza o errata scrittura di un qualsiasi </a:t>
+              <a:t>Errata scrittura di «TAG» (es. -&gt; </a:t>
             </a:r>
             <a:r>
               <a:rPr lang="it-IT" sz="2200" dirty="0" err="1">
                 <a:latin typeface="+mj-lt"/>
               </a:rPr>
-              <a:t>Header</a:t>
-            </a:r>
+              <a:t>TaG</a:t>
+            </a:r>
+            <a:r>
+              <a:rPr lang="it-IT" sz="2200" dirty="0">
+                <a:latin typeface="+mj-lt"/>
+              </a:rPr>
+              <a:t>   TA   </a:t>
+            </a:r>
+            <a:r>
+              <a:rPr lang="it-IT" sz="2200" dirty="0" err="1">
+                <a:latin typeface="+mj-lt"/>
+              </a:rPr>
+              <a:t>TAGa</a:t>
+            </a:r>
+            <a:r>
+              <a:rPr lang="it-IT" sz="2200" dirty="0">
+                <a:latin typeface="+mj-lt"/>
+              </a:rPr>
+              <a:t>   )</a:t>
+            </a:r>
+          </a:p>
+          <a:p>
+            <a:pPr lvl="1"/>
             <a:endParaRPr lang="it-IT" sz="2200" dirty="0">
               <a:latin typeface="+mj-lt"/>
             </a:endParaRPr>
@@ -11343,17 +11510,25 @@
               <a:rPr lang="it-IT" sz="2200" dirty="0">
                 <a:latin typeface="+mj-lt"/>
               </a:rPr>
-              <a:t>Campo contenente le informazioni della traccia di lunghezza minore rispetto ai 30 caratteri obbligatori</a:t>
-            </a:r>
+              <a:t>Lunghezza di titolo, artista e album &lt; 30 caratteri</a:t>
+            </a:r>
+          </a:p>
+          <a:p>
+            <a:pPr marL="201168" lvl="1" indent="0">
+              <a:buNone/>
+            </a:pPr>
+            <a:endParaRPr lang="it-IT" sz="2200" dirty="0">
+              <a:latin typeface="+mj-lt"/>
+            </a:endParaRPr>
           </a:p>
         </p:txBody>
       </p:sp>
       <p:pic>
         <p:nvPicPr>
-          <p:cNvPr id="13" name="Immagine 12">
-            <a:extLst>
-              <a:ext uri="{FF2B5EF4-FFF2-40B4-BE49-F238E27FC236}">
-                <a16:creationId xmlns:a16="http://schemas.microsoft.com/office/drawing/2014/main" id="{2126C17A-AF82-4602-84E7-97D61BF9048C}"/>
+          <p:cNvPr id="3" name="Immagine 2">
+            <a:extLst>
+              <a:ext uri="{FF2B5EF4-FFF2-40B4-BE49-F238E27FC236}">
+                <a16:creationId xmlns:a16="http://schemas.microsoft.com/office/drawing/2014/main" id="{70643618-0588-4567-8203-DD95E61AD0A5}"/>
               </a:ext>
             </a:extLst>
           </p:cNvPr>
@@ -11370,12 +11545,122 @@
         </p:blipFill>
         <p:spPr>
           <a:xfrm>
-            <a:off x="904118" y="1998688"/>
-            <a:ext cx="7923143" cy="571774"/>
+            <a:off x="963279" y="3568976"/>
+            <a:ext cx="5608516" cy="2351958"/>
           </a:xfrm>
           <a:prstGeom prst="rect">
             <a:avLst/>
           </a:prstGeom>
+          <a:ln>
+            <a:solidFill>
+              <a:schemeClr val="tx1"/>
+            </a:solidFill>
+          </a:ln>
+        </p:spPr>
+      </p:pic>
+      <p:pic>
+        <p:nvPicPr>
+          <p:cNvPr id="7" name="Immagine 6">
+            <a:extLst>
+              <a:ext uri="{FF2B5EF4-FFF2-40B4-BE49-F238E27FC236}">
+                <a16:creationId xmlns:a16="http://schemas.microsoft.com/office/drawing/2014/main" id="{ABC43EA6-E19E-4A8A-B862-8A153B321BA7}"/>
+              </a:ext>
+            </a:extLst>
+          </p:cNvPr>
+          <p:cNvPicPr>
+            <a:picLocks noChangeAspect="1"/>
+          </p:cNvPicPr>
+          <p:nvPr/>
+        </p:nvPicPr>
+        <p:blipFill>
+          <a:blip r:embed="rId6"/>
+          <a:stretch>
+            <a:fillRect/>
+          </a:stretch>
+        </p:blipFill>
+        <p:spPr>
+          <a:xfrm>
+            <a:off x="963279" y="1870126"/>
+            <a:ext cx="6287267" cy="341611"/>
+          </a:xfrm>
+          <a:prstGeom prst="rect">
+            <a:avLst/>
+          </a:prstGeom>
+          <a:ln>
+            <a:solidFill>
+              <a:schemeClr val="tx1"/>
+            </a:solidFill>
+          </a:ln>
+        </p:spPr>
+      </p:pic>
+      <p:pic>
+        <p:nvPicPr>
+          <p:cNvPr id="9" name="Immagine 8">
+            <a:extLst>
+              <a:ext uri="{FF2B5EF4-FFF2-40B4-BE49-F238E27FC236}">
+                <a16:creationId xmlns:a16="http://schemas.microsoft.com/office/drawing/2014/main" id="{F1B25243-4257-4658-AB33-72E10E6C138B}"/>
+              </a:ext>
+            </a:extLst>
+          </p:cNvPr>
+          <p:cNvPicPr>
+            <a:picLocks noChangeAspect="1"/>
+          </p:cNvPicPr>
+          <p:nvPr/>
+        </p:nvPicPr>
+        <p:blipFill>
+          <a:blip r:embed="rId7"/>
+          <a:stretch>
+            <a:fillRect/>
+          </a:stretch>
+        </p:blipFill>
+        <p:spPr>
+          <a:xfrm>
+            <a:off x="963279" y="2221733"/>
+            <a:ext cx="7181850" cy="510673"/>
+          </a:xfrm>
+          <a:prstGeom prst="rect">
+            <a:avLst/>
+          </a:prstGeom>
+          <a:ln>
+            <a:solidFill>
+              <a:schemeClr val="tx1"/>
+            </a:solidFill>
+          </a:ln>
+        </p:spPr>
+      </p:pic>
+      <p:pic>
+        <p:nvPicPr>
+          <p:cNvPr id="15" name="Immagine 14">
+            <a:extLst>
+              <a:ext uri="{FF2B5EF4-FFF2-40B4-BE49-F238E27FC236}">
+                <a16:creationId xmlns:a16="http://schemas.microsoft.com/office/drawing/2014/main" id="{F471B7C1-7529-49E4-B648-40083D68110A}"/>
+              </a:ext>
+            </a:extLst>
+          </p:cNvPr>
+          <p:cNvPicPr>
+            <a:picLocks noChangeAspect="1"/>
+          </p:cNvPicPr>
+          <p:nvPr/>
+        </p:nvPicPr>
+        <p:blipFill>
+          <a:blip r:embed="rId8"/>
+          <a:stretch>
+            <a:fillRect/>
+          </a:stretch>
+        </p:blipFill>
+        <p:spPr>
+          <a:xfrm>
+            <a:off x="963279" y="2742402"/>
+            <a:ext cx="5945521" cy="331183"/>
+          </a:xfrm>
+          <a:prstGeom prst="rect">
+            <a:avLst/>
+          </a:prstGeom>
+          <a:ln>
+            <a:solidFill>
+              <a:schemeClr val="tx1"/>
+            </a:solidFill>
+          </a:ln>
         </p:spPr>
       </p:pic>
     </p:spTree>
@@ -11418,10 +11703,180 @@
       </p:grpSpPr>
       <p:sp>
         <p:nvSpPr>
-          <p:cNvPr id="6" name="Titolo 5">
-            <a:extLst>
-              <a:ext uri="{FF2B5EF4-FFF2-40B4-BE49-F238E27FC236}">
-                <a16:creationId xmlns:a16="http://schemas.microsoft.com/office/drawing/2014/main" id="{CE09A200-4838-4284-BD1E-19701CABB5FE}"/>
+          <p:cNvPr id="26" name="Rettangolo 28">
+            <a:extLst>
+              <a:ext uri="{FF2B5EF4-FFF2-40B4-BE49-F238E27FC236}">
+                <a16:creationId xmlns:a16="http://schemas.microsoft.com/office/drawing/2014/main" id="{416A0E3C-60E6-4F39-BC55-5F7C224E1F7C}"/>
+              </a:ext>
+              <a:ext uri="{C183D7F6-B498-43B3-948B-1728B52AA6E4}">
+                <adec:decorative xmlns:adec="http://schemas.microsoft.com/office/drawing/2017/decorative" val="1"/>
+              </a:ext>
+            </a:extLst>
+          </p:cNvPr>
+          <p:cNvSpPr>
+            <a:spLocks noGrp="1" noRot="1" noChangeAspect="1" noMove="1" noResize="1" noEditPoints="1" noAdjustHandles="1" noChangeArrowheads="1" noChangeShapeType="1" noTextEdit="1"/>
+          </p:cNvSpPr>
+          <p:nvPr>
+            <p:extLst>
+              <p:ext uri="{386F3935-93C4-4BCD-93E2-E3B085C9AB24}">
+                <p16:designElem xmlns:p16="http://schemas.microsoft.com/office/powerpoint/2015/main" val="1"/>
+              </p:ext>
+            </p:extLst>
+          </p:nvPr>
+        </p:nvSpPr>
+        <p:spPr>
+          <a:xfrm>
+            <a:off x="3175" y="6400800"/>
+            <a:ext cx="12188825" cy="457200"/>
+          </a:xfrm>
+          <a:prstGeom prst="rect">
+            <a:avLst/>
+          </a:prstGeom>
+          <a:solidFill>
+            <a:srgbClr val="262626"/>
+          </a:solidFill>
+          <a:ln>
+            <a:noFill/>
+          </a:ln>
+        </p:spPr>
+        <p:style>
+          <a:lnRef idx="2">
+            <a:schemeClr val="accent1">
+              <a:shade val="50000"/>
+            </a:schemeClr>
+          </a:lnRef>
+          <a:fillRef idx="1">
+            <a:schemeClr val="accent1"/>
+          </a:fillRef>
+          <a:effectRef idx="0">
+            <a:schemeClr val="accent1"/>
+          </a:effectRef>
+          <a:fontRef idx="minor">
+            <a:schemeClr val="lt1"/>
+          </a:fontRef>
+        </p:style>
+      </p:sp>
+      <p:cxnSp>
+        <p:nvCxnSpPr>
+          <p:cNvPr id="27" name="Connettore diritto 30">
+            <a:extLst>
+              <a:ext uri="{FF2B5EF4-FFF2-40B4-BE49-F238E27FC236}">
+                <a16:creationId xmlns:a16="http://schemas.microsoft.com/office/drawing/2014/main" id="{C5025DAC-8B93-4160-B017-3A274A5828C0}"/>
+              </a:ext>
+              <a:ext uri="{C183D7F6-B498-43B3-948B-1728B52AA6E4}">
+                <adec:decorative xmlns:adec="http://schemas.microsoft.com/office/drawing/2017/decorative" val="1"/>
+              </a:ext>
+            </a:extLst>
+          </p:cNvPr>
+          <p:cNvCxnSpPr>
+            <a:cxnSpLocks noGrp="1" noRot="1" noChangeAspect="1" noMove="1" noResize="1" noEditPoints="1" noAdjustHandles="1" noChangeArrowheads="1" noChangeShapeType="1"/>
+          </p:cNvCxnSpPr>
+          <p:nvPr>
+            <p:extLst>
+              <p:ext uri="{386F3935-93C4-4BCD-93E2-E3B085C9AB24}">
+                <p16:designElem xmlns:p16="http://schemas.microsoft.com/office/powerpoint/2015/main" val="1"/>
+              </p:ext>
+            </p:extLst>
+          </p:nvPr>
+        </p:nvCxnSpPr>
+        <p:spPr>
+          <a:xfrm>
+            <a:off x="1193532" y="1897380"/>
+            <a:ext cx="9966960" cy="0"/>
+          </a:xfrm>
+          <a:prstGeom prst="line">
+            <a:avLst/>
+          </a:prstGeom>
+          <a:ln w="12700">
+            <a:solidFill>
+              <a:schemeClr val="tx1">
+                <a:lumMod val="75000"/>
+                <a:lumOff val="25000"/>
+              </a:schemeClr>
+            </a:solidFill>
+          </a:ln>
+        </p:spPr>
+        <p:style>
+          <a:lnRef idx="1">
+            <a:schemeClr val="accent1"/>
+          </a:lnRef>
+          <a:fillRef idx="0">
+            <a:schemeClr val="accent1"/>
+          </a:fillRef>
+          <a:effectRef idx="0">
+            <a:schemeClr val="accent1"/>
+          </a:effectRef>
+          <a:fontRef idx="minor">
+            <a:schemeClr val="tx1"/>
+          </a:fontRef>
+        </p:style>
+      </p:cxnSp>
+      <p:sp useBgFill="1">
+        <p:nvSpPr>
+          <p:cNvPr id="28" name="Rettangolo 32">
+            <a:extLst>
+              <a:ext uri="{FF2B5EF4-FFF2-40B4-BE49-F238E27FC236}">
+                <a16:creationId xmlns:a16="http://schemas.microsoft.com/office/drawing/2014/main" id="{990D0034-F768-41E7-85D4-F38C4DE85770}"/>
+              </a:ext>
+              <a:ext uri="{C183D7F6-B498-43B3-948B-1728B52AA6E4}">
+                <adec:decorative xmlns:adec="http://schemas.microsoft.com/office/drawing/2017/decorative" val="1"/>
+              </a:ext>
+            </a:extLst>
+          </p:cNvPr>
+          <p:cNvSpPr>
+            <a:spLocks noGrp="1" noRot="1" noChangeAspect="1" noMove="1" noResize="1" noEditPoints="1" noAdjustHandles="1" noChangeArrowheads="1" noChangeShapeType="1" noTextEdit="1"/>
+          </p:cNvSpPr>
+          <p:nvPr>
+            <p:extLst>
+              <p:ext uri="{386F3935-93C4-4BCD-93E2-E3B085C9AB24}">
+                <p16:designElem xmlns:p16="http://schemas.microsoft.com/office/powerpoint/2015/main" val="1"/>
+              </p:ext>
+            </p:extLst>
+          </p:nvPr>
+        </p:nvSpPr>
+        <p:spPr>
+          <a:xfrm>
+            <a:off x="0" y="0"/>
+            <a:ext cx="12186315" cy="6858000"/>
+          </a:xfrm>
+          <a:prstGeom prst="rect">
+            <a:avLst/>
+          </a:prstGeom>
+          <a:ln>
+            <a:noFill/>
+          </a:ln>
+        </p:spPr>
+        <p:style>
+          <a:lnRef idx="2">
+            <a:schemeClr val="accent6">
+              <a:shade val="50000"/>
+            </a:schemeClr>
+          </a:lnRef>
+          <a:fillRef idx="1001">
+            <a:schemeClr val="lt1"/>
+          </a:fillRef>
+          <a:effectRef idx="0">
+            <a:schemeClr val="accent6"/>
+          </a:effectRef>
+          <a:fontRef idx="minor">
+            <a:schemeClr val="lt1"/>
+          </a:fontRef>
+        </p:style>
+        <p:txBody>
+          <a:bodyPr rtlCol="0" anchor="ctr"/>
+          <a:lstStyle/>
+          <a:p>
+            <a:pPr algn="ctr" rtl="0"/>
+            <a:endParaRPr lang="it-IT" dirty="0"/>
+          </a:p>
+        </p:txBody>
+      </p:sp>
+      <p:sp>
+        <p:nvSpPr>
+          <p:cNvPr id="5" name="Titolo 4">
+            <a:extLst>
+              <a:ext uri="{FF2B5EF4-FFF2-40B4-BE49-F238E27FC236}">
+                <a16:creationId xmlns:a16="http://schemas.microsoft.com/office/drawing/2014/main" id="{B8B72B13-069B-4F8A-9437-FA58C3F1D44B}"/>
               </a:ext>
             </a:extLst>
           </p:cNvPr>
@@ -11434,30 +11889,146 @@
         </p:nvSpPr>
         <p:spPr>
           <a:xfrm>
-            <a:off x="1097280" y="286603"/>
-            <a:ext cx="10058400" cy="1450757"/>
-          </a:xfrm>
-        </p:spPr>
-        <p:txBody>
-          <a:bodyPr rtlCol="0">
-            <a:normAutofit/>
+            <a:off x="590927" y="535936"/>
+            <a:ext cx="10864474" cy="700340"/>
+          </a:xfrm>
+        </p:spPr>
+        <p:txBody>
+          <a:bodyPr vert="horz" lIns="91440" tIns="45720" rIns="91440" bIns="45720" rtlCol="0" anchor="b">
+            <a:noAutofit/>
           </a:bodyPr>
           <a:lstStyle/>
           <a:p>
             <a:pPr rtl="0"/>
             <a:r>
-              <a:rPr lang="it-IT" dirty="0"/>
-              <a:t>Grammatica con non terminali</a:t>
-            </a:r>
+              <a:rPr lang="it-IT" sz="4400" dirty="0">
+                <a:solidFill>
+                  <a:schemeClr val="tx1">
+                    <a:lumMod val="75000"/>
+                    <a:lumOff val="25000"/>
+                  </a:schemeClr>
+                </a:solidFill>
+              </a:rPr>
+              <a:t>Alcuni casi di test</a:t>
+            </a:r>
+          </a:p>
+        </p:txBody>
+      </p:sp>
+      <p:cxnSp>
+        <p:nvCxnSpPr>
+          <p:cNvPr id="30" name="Connettore diritto 34">
+            <a:extLst>
+              <a:ext uri="{FF2B5EF4-FFF2-40B4-BE49-F238E27FC236}">
+                <a16:creationId xmlns:a16="http://schemas.microsoft.com/office/drawing/2014/main" id="{5A0A5CF6-407C-4691-8122-49DF69D0020D}"/>
+              </a:ext>
+              <a:ext uri="{C183D7F6-B498-43B3-948B-1728B52AA6E4}">
+                <adec:decorative xmlns:adec="http://schemas.microsoft.com/office/drawing/2017/decorative" val="1"/>
+              </a:ext>
+            </a:extLst>
+          </p:cNvPr>
+          <p:cNvCxnSpPr>
+            <a:cxnSpLocks noGrp="1" noRot="1" noChangeAspect="1" noMove="1" noResize="1" noEditPoints="1" noAdjustHandles="1" noChangeArrowheads="1" noChangeShapeType="1"/>
+          </p:cNvCxnSpPr>
+          <p:nvPr>
+            <p:extLst>
+              <p:ext uri="{386F3935-93C4-4BCD-93E2-E3B085C9AB24}">
+                <p16:designElem xmlns:p16="http://schemas.microsoft.com/office/powerpoint/2015/main" val="1"/>
+              </p:ext>
+            </p:extLst>
+          </p:nvPr>
+        </p:nvCxnSpPr>
+        <p:spPr>
+          <a:xfrm>
+            <a:off x="590927" y="2633962"/>
+            <a:ext cx="2834640" cy="0"/>
+          </a:xfrm>
+          <a:prstGeom prst="line">
+            <a:avLst/>
+          </a:prstGeom>
+          <a:ln w="12700">
+            <a:solidFill>
+              <a:schemeClr val="tx1">
+                <a:lumMod val="75000"/>
+                <a:lumOff val="25000"/>
+              </a:schemeClr>
+            </a:solidFill>
+          </a:ln>
+        </p:spPr>
+        <p:style>
+          <a:lnRef idx="1">
+            <a:schemeClr val="accent1"/>
+          </a:lnRef>
+          <a:fillRef idx="0">
+            <a:schemeClr val="accent1"/>
+          </a:fillRef>
+          <a:effectRef idx="0">
+            <a:schemeClr val="accent1"/>
+          </a:effectRef>
+          <a:fontRef idx="minor">
+            <a:schemeClr val="tx1"/>
+          </a:fontRef>
+        </p:style>
+      </p:cxnSp>
+      <p:sp>
+        <p:nvSpPr>
+          <p:cNvPr id="4" name="Rettangolo 3">
+            <a:extLst>
+              <a:ext uri="{FF2B5EF4-FFF2-40B4-BE49-F238E27FC236}">
+                <a16:creationId xmlns:a16="http://schemas.microsoft.com/office/drawing/2014/main" id="{D22E5227-66DC-4545-A93A-3BAE57987144}"/>
+              </a:ext>
+            </a:extLst>
+          </p:cNvPr>
+          <p:cNvSpPr/>
+          <p:nvPr/>
+        </p:nvSpPr>
+        <p:spPr>
+          <a:xfrm>
+            <a:off x="590927" y="2477070"/>
+            <a:ext cx="2955837" cy="457195"/>
+          </a:xfrm>
+          <a:prstGeom prst="rect">
+            <a:avLst/>
+          </a:prstGeom>
+          <a:solidFill>
+            <a:schemeClr val="bg1"/>
+          </a:solidFill>
+          <a:ln>
+            <a:solidFill>
+              <a:schemeClr val="bg1"/>
+            </a:solidFill>
+          </a:ln>
+        </p:spPr>
+        <p:style>
+          <a:lnRef idx="2">
+            <a:schemeClr val="accent1">
+              <a:shade val="50000"/>
+            </a:schemeClr>
+          </a:lnRef>
+          <a:fillRef idx="1">
+            <a:schemeClr val="accent1"/>
+          </a:fillRef>
+          <a:effectRef idx="0">
+            <a:schemeClr val="accent1"/>
+          </a:effectRef>
+          <a:fontRef idx="minor">
+            <a:schemeClr val="lt1"/>
+          </a:fontRef>
+        </p:style>
+        <p:txBody>
+          <a:bodyPr rtlCol="0" anchor="ctr"/>
+          <a:lstStyle/>
+          <a:p>
+            <a:pPr algn="ctr"/>
+            <a:endParaRPr lang="it-IT"/>
           </a:p>
         </p:txBody>
       </p:sp>
       <p:pic>
         <p:nvPicPr>
-          <p:cNvPr id="4" name="Elemento grafico 3">
-            <a:extLst>
-              <a:ext uri="{FF2B5EF4-FFF2-40B4-BE49-F238E27FC236}">
-                <a16:creationId xmlns:a16="http://schemas.microsoft.com/office/drawing/2014/main" id="{ED0A95A1-BC85-4809-B935-6A9B3C054422}"/>
+          <p:cNvPr id="10" name="Elemento grafico 9">
+            <a:extLst>
+              <a:ext uri="{FF2B5EF4-FFF2-40B4-BE49-F238E27FC236}">
+                <a16:creationId xmlns:a16="http://schemas.microsoft.com/office/drawing/2014/main" id="{54A47743-7725-4A33-93CA-EFB89C10D1EC}"/>
               </a:ext>
             </a:extLst>
           </p:cNvPr>
@@ -11493,10 +12064,10 @@
       </p:pic>
       <p:sp>
         <p:nvSpPr>
-          <p:cNvPr id="10" name="Connettore 9">
-            <a:extLst>
-              <a:ext uri="{FF2B5EF4-FFF2-40B4-BE49-F238E27FC236}">
-                <a16:creationId xmlns:a16="http://schemas.microsoft.com/office/drawing/2014/main" id="{7DA3C5E2-1B7C-406E-9A80-B7F344044586}"/>
+          <p:cNvPr id="12" name="Connettore 11">
+            <a:extLst>
+              <a:ext uri="{FF2B5EF4-FFF2-40B4-BE49-F238E27FC236}">
+                <a16:creationId xmlns:a16="http://schemas.microsoft.com/office/drawing/2014/main" id="{92095D8C-8CCA-4CC6-B2D2-E1BC4732F321}"/>
               </a:ext>
             </a:extLst>
           </p:cNvPr>
@@ -11544,10 +12115,10 @@
       </p:sp>
       <p:sp>
         <p:nvSpPr>
-          <p:cNvPr id="3" name="Segnaposto contenuto 2">
-            <a:extLst>
-              <a:ext uri="{FF2B5EF4-FFF2-40B4-BE49-F238E27FC236}">
-                <a16:creationId xmlns:a16="http://schemas.microsoft.com/office/drawing/2014/main" id="{CDBDD0AC-B78E-4283-B5F3-A381229EABF5}"/>
+          <p:cNvPr id="11" name="Segnaposto contenuto 2">
+            <a:extLst>
+              <a:ext uri="{FF2B5EF4-FFF2-40B4-BE49-F238E27FC236}">
+                <a16:creationId xmlns:a16="http://schemas.microsoft.com/office/drawing/2014/main" id="{693C8797-6891-414D-92DD-94A716A7F3E2}"/>
               </a:ext>
             </a:extLst>
           </p:cNvPr>
@@ -11558,25 +12129,190 @@
             <p:ph idx="1"/>
           </p:nvPr>
         </p:nvSpPr>
-        <p:spPr/>
-        <p:txBody>
-          <a:bodyPr/>
+        <p:spPr>
+          <a:xfrm>
+            <a:off x="590550" y="1452563"/>
+            <a:ext cx="10864850" cy="4591050"/>
+          </a:xfrm>
+        </p:spPr>
+        <p:txBody>
+          <a:bodyPr>
+            <a:normAutofit/>
+          </a:bodyPr>
           <a:lstStyle/>
           <a:p>
-            <a:pPr marL="0" indent="0">
+            <a:pPr lvl="1"/>
+            <a:r>
+              <a:rPr lang="it-IT" sz="2200" dirty="0">
+                <a:latin typeface="+mj-lt"/>
+              </a:rPr>
+              <a:t>Lunghezza di titolo, artista e album &gt; 30 caratteri</a:t>
+            </a:r>
+          </a:p>
+          <a:p>
+            <a:pPr lvl="1"/>
+            <a:endParaRPr lang="it-IT" sz="2200" dirty="0">
+              <a:latin typeface="+mj-lt"/>
+            </a:endParaRPr>
+          </a:p>
+          <a:p>
+            <a:pPr lvl="1"/>
+            <a:endParaRPr lang="it-IT" sz="2200" dirty="0">
+              <a:latin typeface="+mj-lt"/>
+            </a:endParaRPr>
+          </a:p>
+          <a:p>
+            <a:pPr lvl="1"/>
+            <a:endParaRPr lang="it-IT" sz="2200" dirty="0">
+              <a:latin typeface="+mj-lt"/>
+            </a:endParaRPr>
+          </a:p>
+          <a:p>
+            <a:pPr lvl="1"/>
+            <a:endParaRPr lang="it-IT" sz="2200" dirty="0">
+              <a:latin typeface="+mj-lt"/>
+            </a:endParaRPr>
+          </a:p>
+          <a:p>
+            <a:pPr lvl="1"/>
+            <a:endParaRPr lang="it-IT" sz="2200" dirty="0">
+              <a:latin typeface="+mj-lt"/>
+            </a:endParaRPr>
+          </a:p>
+          <a:p>
+            <a:pPr lvl="1"/>
+            <a:endParaRPr lang="it-IT" sz="2200" dirty="0">
+              <a:latin typeface="+mj-lt"/>
+            </a:endParaRPr>
+          </a:p>
+          <a:p>
+            <a:pPr lvl="1"/>
+            <a:r>
+              <a:rPr lang="it-IT" sz="2200" dirty="0">
+                <a:latin typeface="+mj-lt"/>
+              </a:rPr>
+              <a:t>Carattere mancante in Anno</a:t>
+            </a:r>
+          </a:p>
+          <a:p>
+            <a:pPr marL="201168" lvl="1" indent="0">
               <a:buNone/>
             </a:pPr>
-            <a:r>
-              <a:rPr lang="it-IT" dirty="0"/>
-              <a:t>Lo </a:t>
-            </a:r>
-          </a:p>
-        </p:txBody>
-      </p:sp>
+            <a:endParaRPr lang="it-IT" sz="2200" dirty="0">
+              <a:latin typeface="+mj-lt"/>
+            </a:endParaRPr>
+          </a:p>
+        </p:txBody>
+      </p:sp>
+      <p:pic>
+        <p:nvPicPr>
+          <p:cNvPr id="6" name="Immagine 5">
+            <a:extLst>
+              <a:ext uri="{FF2B5EF4-FFF2-40B4-BE49-F238E27FC236}">
+                <a16:creationId xmlns:a16="http://schemas.microsoft.com/office/drawing/2014/main" id="{2537F7D5-5F81-4FF7-8053-F12890936359}"/>
+              </a:ext>
+            </a:extLst>
+          </p:cNvPr>
+          <p:cNvPicPr>
+            <a:picLocks noChangeAspect="1"/>
+          </p:cNvPicPr>
+          <p:nvPr/>
+        </p:nvPicPr>
+        <p:blipFill>
+          <a:blip r:embed="rId5"/>
+          <a:stretch>
+            <a:fillRect/>
+          </a:stretch>
+        </p:blipFill>
+        <p:spPr>
+          <a:xfrm>
+            <a:off x="1002045" y="1869350"/>
+            <a:ext cx="7458075" cy="2305050"/>
+          </a:xfrm>
+          <a:prstGeom prst="rect">
+            <a:avLst/>
+          </a:prstGeom>
+          <a:ln>
+            <a:solidFill>
+              <a:schemeClr val="tx1"/>
+            </a:solidFill>
+          </a:ln>
+        </p:spPr>
+      </p:pic>
+      <p:pic>
+        <p:nvPicPr>
+          <p:cNvPr id="15" name="Immagine 14">
+            <a:extLst>
+              <a:ext uri="{FF2B5EF4-FFF2-40B4-BE49-F238E27FC236}">
+                <a16:creationId xmlns:a16="http://schemas.microsoft.com/office/drawing/2014/main" id="{E74CF120-B070-4C16-B86A-D4B68C3475BB}"/>
+              </a:ext>
+            </a:extLst>
+          </p:cNvPr>
+          <p:cNvPicPr>
+            <a:picLocks noChangeAspect="1"/>
+          </p:cNvPicPr>
+          <p:nvPr/>
+        </p:nvPicPr>
+        <p:blipFill>
+          <a:blip r:embed="rId6"/>
+          <a:stretch>
+            <a:fillRect/>
+          </a:stretch>
+        </p:blipFill>
+        <p:spPr>
+          <a:xfrm>
+            <a:off x="1002045" y="4768753"/>
+            <a:ext cx="2817672" cy="238113"/>
+          </a:xfrm>
+          <a:prstGeom prst="rect">
+            <a:avLst/>
+          </a:prstGeom>
+          <a:ln>
+            <a:solidFill>
+              <a:schemeClr val="tx1"/>
+            </a:solidFill>
+          </a:ln>
+        </p:spPr>
+      </p:pic>
+      <p:pic>
+        <p:nvPicPr>
+          <p:cNvPr id="16" name="Immagine 15">
+            <a:extLst>
+              <a:ext uri="{FF2B5EF4-FFF2-40B4-BE49-F238E27FC236}">
+                <a16:creationId xmlns:a16="http://schemas.microsoft.com/office/drawing/2014/main" id="{2B91AE74-538C-4FF6-8DFD-767C85B7A53B}"/>
+              </a:ext>
+            </a:extLst>
+          </p:cNvPr>
+          <p:cNvPicPr>
+            <a:picLocks noChangeAspect="1"/>
+          </p:cNvPicPr>
+          <p:nvPr/>
+        </p:nvPicPr>
+        <p:blipFill>
+          <a:blip r:embed="rId7"/>
+          <a:stretch>
+            <a:fillRect/>
+          </a:stretch>
+        </p:blipFill>
+        <p:spPr>
+          <a:xfrm>
+            <a:off x="1002045" y="5098950"/>
+            <a:ext cx="6069540" cy="416435"/>
+          </a:xfrm>
+          <a:prstGeom prst="rect">
+            <a:avLst/>
+          </a:prstGeom>
+          <a:ln>
+            <a:solidFill>
+              <a:schemeClr val="tx1"/>
+            </a:solidFill>
+          </a:ln>
+        </p:spPr>
+      </p:pic>
     </p:spTree>
     <p:extLst>
       <p:ext uri="{BB962C8B-B14F-4D97-AF65-F5344CB8AC3E}">
-        <p14:creationId xmlns:p14="http://schemas.microsoft.com/office/powerpoint/2010/main" val="4040284531"/>
+        <p14:creationId xmlns:p14="http://schemas.microsoft.com/office/powerpoint/2010/main" val="1799577509"/>
       </p:ext>
     </p:extLst>
   </p:cSld>
@@ -11587,6 +12323,841 @@
 </file>
 
 <file path=ppt/slides/slide14.xml><?xml version="1.0" encoding="utf-8"?>
+<p:sld xmlns:a="http://schemas.openxmlformats.org/drawingml/2006/main" xmlns:r="http://schemas.openxmlformats.org/officeDocument/2006/relationships" xmlns:p="http://schemas.openxmlformats.org/presentationml/2006/main">
+  <p:cSld>
+    <p:bg>
+      <p:bgPr>
+        <a:solidFill>
+          <a:schemeClr val="bg1"/>
+        </a:solidFill>
+        <a:effectLst/>
+      </p:bgPr>
+    </p:bg>
+    <p:spTree>
+      <p:nvGrpSpPr>
+        <p:cNvPr id="1" name=""/>
+        <p:cNvGrpSpPr/>
+        <p:nvPr/>
+      </p:nvGrpSpPr>
+      <p:grpSpPr>
+        <a:xfrm>
+          <a:off x="0" y="0"/>
+          <a:ext cx="0" cy="0"/>
+          <a:chOff x="0" y="0"/>
+          <a:chExt cx="0" cy="0"/>
+        </a:xfrm>
+      </p:grpSpPr>
+      <p:sp>
+        <p:nvSpPr>
+          <p:cNvPr id="26" name="Rettangolo 28">
+            <a:extLst>
+              <a:ext uri="{FF2B5EF4-FFF2-40B4-BE49-F238E27FC236}">
+                <a16:creationId xmlns:a16="http://schemas.microsoft.com/office/drawing/2014/main" id="{416A0E3C-60E6-4F39-BC55-5F7C224E1F7C}"/>
+              </a:ext>
+              <a:ext uri="{C183D7F6-B498-43B3-948B-1728B52AA6E4}">
+                <adec:decorative xmlns:adec="http://schemas.microsoft.com/office/drawing/2017/decorative" val="1"/>
+              </a:ext>
+            </a:extLst>
+          </p:cNvPr>
+          <p:cNvSpPr>
+            <a:spLocks noGrp="1" noRot="1" noChangeAspect="1" noMove="1" noResize="1" noEditPoints="1" noAdjustHandles="1" noChangeArrowheads="1" noChangeShapeType="1" noTextEdit="1"/>
+          </p:cNvSpPr>
+          <p:nvPr>
+            <p:extLst>
+              <p:ext uri="{386F3935-93C4-4BCD-93E2-E3B085C9AB24}">
+                <p16:designElem xmlns:p16="http://schemas.microsoft.com/office/powerpoint/2015/main" val="1"/>
+              </p:ext>
+            </p:extLst>
+          </p:nvPr>
+        </p:nvSpPr>
+        <p:spPr>
+          <a:xfrm>
+            <a:off x="3175" y="6400800"/>
+            <a:ext cx="12188825" cy="457200"/>
+          </a:xfrm>
+          <a:prstGeom prst="rect">
+            <a:avLst/>
+          </a:prstGeom>
+          <a:solidFill>
+            <a:srgbClr val="262626"/>
+          </a:solidFill>
+          <a:ln>
+            <a:noFill/>
+          </a:ln>
+        </p:spPr>
+        <p:style>
+          <a:lnRef idx="2">
+            <a:schemeClr val="accent1">
+              <a:shade val="50000"/>
+            </a:schemeClr>
+          </a:lnRef>
+          <a:fillRef idx="1">
+            <a:schemeClr val="accent1"/>
+          </a:fillRef>
+          <a:effectRef idx="0">
+            <a:schemeClr val="accent1"/>
+          </a:effectRef>
+          <a:fontRef idx="minor">
+            <a:schemeClr val="lt1"/>
+          </a:fontRef>
+        </p:style>
+      </p:sp>
+      <p:cxnSp>
+        <p:nvCxnSpPr>
+          <p:cNvPr id="27" name="Connettore diritto 30">
+            <a:extLst>
+              <a:ext uri="{FF2B5EF4-FFF2-40B4-BE49-F238E27FC236}">
+                <a16:creationId xmlns:a16="http://schemas.microsoft.com/office/drawing/2014/main" id="{C5025DAC-8B93-4160-B017-3A274A5828C0}"/>
+              </a:ext>
+              <a:ext uri="{C183D7F6-B498-43B3-948B-1728B52AA6E4}">
+                <adec:decorative xmlns:adec="http://schemas.microsoft.com/office/drawing/2017/decorative" val="1"/>
+              </a:ext>
+            </a:extLst>
+          </p:cNvPr>
+          <p:cNvCxnSpPr>
+            <a:cxnSpLocks noGrp="1" noRot="1" noChangeAspect="1" noMove="1" noResize="1" noEditPoints="1" noAdjustHandles="1" noChangeArrowheads="1" noChangeShapeType="1"/>
+          </p:cNvCxnSpPr>
+          <p:nvPr>
+            <p:extLst>
+              <p:ext uri="{386F3935-93C4-4BCD-93E2-E3B085C9AB24}">
+                <p16:designElem xmlns:p16="http://schemas.microsoft.com/office/powerpoint/2015/main" val="1"/>
+              </p:ext>
+            </p:extLst>
+          </p:nvPr>
+        </p:nvCxnSpPr>
+        <p:spPr>
+          <a:xfrm>
+            <a:off x="1193532" y="1897380"/>
+            <a:ext cx="9966960" cy="0"/>
+          </a:xfrm>
+          <a:prstGeom prst="line">
+            <a:avLst/>
+          </a:prstGeom>
+          <a:ln w="12700">
+            <a:solidFill>
+              <a:schemeClr val="tx1">
+                <a:lumMod val="75000"/>
+                <a:lumOff val="25000"/>
+              </a:schemeClr>
+            </a:solidFill>
+          </a:ln>
+        </p:spPr>
+        <p:style>
+          <a:lnRef idx="1">
+            <a:schemeClr val="accent1"/>
+          </a:lnRef>
+          <a:fillRef idx="0">
+            <a:schemeClr val="accent1"/>
+          </a:fillRef>
+          <a:effectRef idx="0">
+            <a:schemeClr val="accent1"/>
+          </a:effectRef>
+          <a:fontRef idx="minor">
+            <a:schemeClr val="tx1"/>
+          </a:fontRef>
+        </p:style>
+      </p:cxnSp>
+      <p:sp useBgFill="1">
+        <p:nvSpPr>
+          <p:cNvPr id="28" name="Rettangolo 32">
+            <a:extLst>
+              <a:ext uri="{FF2B5EF4-FFF2-40B4-BE49-F238E27FC236}">
+                <a16:creationId xmlns:a16="http://schemas.microsoft.com/office/drawing/2014/main" id="{990D0034-F768-41E7-85D4-F38C4DE85770}"/>
+              </a:ext>
+              <a:ext uri="{C183D7F6-B498-43B3-948B-1728B52AA6E4}">
+                <adec:decorative xmlns:adec="http://schemas.microsoft.com/office/drawing/2017/decorative" val="1"/>
+              </a:ext>
+            </a:extLst>
+          </p:cNvPr>
+          <p:cNvSpPr>
+            <a:spLocks noGrp="1" noRot="1" noChangeAspect="1" noMove="1" noResize="1" noEditPoints="1" noAdjustHandles="1" noChangeArrowheads="1" noChangeShapeType="1" noTextEdit="1"/>
+          </p:cNvSpPr>
+          <p:nvPr>
+            <p:extLst>
+              <p:ext uri="{386F3935-93C4-4BCD-93E2-E3B085C9AB24}">
+                <p16:designElem xmlns:p16="http://schemas.microsoft.com/office/powerpoint/2015/main" val="1"/>
+              </p:ext>
+            </p:extLst>
+          </p:nvPr>
+        </p:nvSpPr>
+        <p:spPr>
+          <a:xfrm>
+            <a:off x="0" y="0"/>
+            <a:ext cx="12186315" cy="6858000"/>
+          </a:xfrm>
+          <a:prstGeom prst="rect">
+            <a:avLst/>
+          </a:prstGeom>
+          <a:ln>
+            <a:noFill/>
+          </a:ln>
+        </p:spPr>
+        <p:style>
+          <a:lnRef idx="2">
+            <a:schemeClr val="accent6">
+              <a:shade val="50000"/>
+            </a:schemeClr>
+          </a:lnRef>
+          <a:fillRef idx="1001">
+            <a:schemeClr val="lt1"/>
+          </a:fillRef>
+          <a:effectRef idx="0">
+            <a:schemeClr val="accent6"/>
+          </a:effectRef>
+          <a:fontRef idx="minor">
+            <a:schemeClr val="lt1"/>
+          </a:fontRef>
+        </p:style>
+        <p:txBody>
+          <a:bodyPr rtlCol="0" anchor="ctr"/>
+          <a:lstStyle/>
+          <a:p>
+            <a:pPr algn="ctr" rtl="0"/>
+            <a:endParaRPr lang="it-IT" dirty="0"/>
+          </a:p>
+        </p:txBody>
+      </p:sp>
+      <p:sp>
+        <p:nvSpPr>
+          <p:cNvPr id="5" name="Titolo 4">
+            <a:extLst>
+              <a:ext uri="{FF2B5EF4-FFF2-40B4-BE49-F238E27FC236}">
+                <a16:creationId xmlns:a16="http://schemas.microsoft.com/office/drawing/2014/main" id="{B8B72B13-069B-4F8A-9437-FA58C3F1D44B}"/>
+              </a:ext>
+            </a:extLst>
+          </p:cNvPr>
+          <p:cNvSpPr>
+            <a:spLocks noGrp="1"/>
+          </p:cNvSpPr>
+          <p:nvPr>
+            <p:ph type="title"/>
+          </p:nvPr>
+        </p:nvSpPr>
+        <p:spPr>
+          <a:xfrm>
+            <a:off x="590927" y="535936"/>
+            <a:ext cx="10864474" cy="700340"/>
+          </a:xfrm>
+        </p:spPr>
+        <p:txBody>
+          <a:bodyPr vert="horz" lIns="91440" tIns="45720" rIns="91440" bIns="45720" rtlCol="0" anchor="b">
+            <a:noAutofit/>
+          </a:bodyPr>
+          <a:lstStyle/>
+          <a:p>
+            <a:pPr rtl="0"/>
+            <a:r>
+              <a:rPr lang="it-IT" sz="4400" dirty="0">
+                <a:solidFill>
+                  <a:schemeClr val="tx1">
+                    <a:lumMod val="75000"/>
+                    <a:lumOff val="25000"/>
+                  </a:schemeClr>
+                </a:solidFill>
+              </a:rPr>
+              <a:t>Alcuni casi di test</a:t>
+            </a:r>
+          </a:p>
+        </p:txBody>
+      </p:sp>
+      <p:cxnSp>
+        <p:nvCxnSpPr>
+          <p:cNvPr id="30" name="Connettore diritto 34">
+            <a:extLst>
+              <a:ext uri="{FF2B5EF4-FFF2-40B4-BE49-F238E27FC236}">
+                <a16:creationId xmlns:a16="http://schemas.microsoft.com/office/drawing/2014/main" id="{5A0A5CF6-407C-4691-8122-49DF69D0020D}"/>
+              </a:ext>
+              <a:ext uri="{C183D7F6-B498-43B3-948B-1728B52AA6E4}">
+                <adec:decorative xmlns:adec="http://schemas.microsoft.com/office/drawing/2017/decorative" val="1"/>
+              </a:ext>
+            </a:extLst>
+          </p:cNvPr>
+          <p:cNvCxnSpPr>
+            <a:cxnSpLocks noGrp="1" noRot="1" noChangeAspect="1" noMove="1" noResize="1" noEditPoints="1" noAdjustHandles="1" noChangeArrowheads="1" noChangeShapeType="1"/>
+          </p:cNvCxnSpPr>
+          <p:nvPr>
+            <p:extLst>
+              <p:ext uri="{386F3935-93C4-4BCD-93E2-E3B085C9AB24}">
+                <p16:designElem xmlns:p16="http://schemas.microsoft.com/office/powerpoint/2015/main" val="1"/>
+              </p:ext>
+            </p:extLst>
+          </p:nvPr>
+        </p:nvCxnSpPr>
+        <p:spPr>
+          <a:xfrm>
+            <a:off x="590927" y="2633962"/>
+            <a:ext cx="2834640" cy="0"/>
+          </a:xfrm>
+          <a:prstGeom prst="line">
+            <a:avLst/>
+          </a:prstGeom>
+          <a:ln w="12700">
+            <a:solidFill>
+              <a:schemeClr val="tx1">
+                <a:lumMod val="75000"/>
+                <a:lumOff val="25000"/>
+              </a:schemeClr>
+            </a:solidFill>
+          </a:ln>
+        </p:spPr>
+        <p:style>
+          <a:lnRef idx="1">
+            <a:schemeClr val="accent1"/>
+          </a:lnRef>
+          <a:fillRef idx="0">
+            <a:schemeClr val="accent1"/>
+          </a:fillRef>
+          <a:effectRef idx="0">
+            <a:schemeClr val="accent1"/>
+          </a:effectRef>
+          <a:fontRef idx="minor">
+            <a:schemeClr val="tx1"/>
+          </a:fontRef>
+        </p:style>
+      </p:cxnSp>
+      <p:sp>
+        <p:nvSpPr>
+          <p:cNvPr id="4" name="Rettangolo 3">
+            <a:extLst>
+              <a:ext uri="{FF2B5EF4-FFF2-40B4-BE49-F238E27FC236}">
+                <a16:creationId xmlns:a16="http://schemas.microsoft.com/office/drawing/2014/main" id="{D22E5227-66DC-4545-A93A-3BAE57987144}"/>
+              </a:ext>
+            </a:extLst>
+          </p:cNvPr>
+          <p:cNvSpPr/>
+          <p:nvPr/>
+        </p:nvSpPr>
+        <p:spPr>
+          <a:xfrm>
+            <a:off x="590927" y="2477070"/>
+            <a:ext cx="2955837" cy="457195"/>
+          </a:xfrm>
+          <a:prstGeom prst="rect">
+            <a:avLst/>
+          </a:prstGeom>
+          <a:solidFill>
+            <a:schemeClr val="bg1"/>
+          </a:solidFill>
+          <a:ln>
+            <a:solidFill>
+              <a:schemeClr val="bg1"/>
+            </a:solidFill>
+          </a:ln>
+        </p:spPr>
+        <p:style>
+          <a:lnRef idx="2">
+            <a:schemeClr val="accent1">
+              <a:shade val="50000"/>
+            </a:schemeClr>
+          </a:lnRef>
+          <a:fillRef idx="1">
+            <a:schemeClr val="accent1"/>
+          </a:fillRef>
+          <a:effectRef idx="0">
+            <a:schemeClr val="accent1"/>
+          </a:effectRef>
+          <a:fontRef idx="minor">
+            <a:schemeClr val="lt1"/>
+          </a:fontRef>
+        </p:style>
+        <p:txBody>
+          <a:bodyPr rtlCol="0" anchor="ctr"/>
+          <a:lstStyle/>
+          <a:p>
+            <a:pPr algn="ctr"/>
+            <a:endParaRPr lang="it-IT"/>
+          </a:p>
+        </p:txBody>
+      </p:sp>
+      <p:pic>
+        <p:nvPicPr>
+          <p:cNvPr id="10" name="Elemento grafico 9">
+            <a:extLst>
+              <a:ext uri="{FF2B5EF4-FFF2-40B4-BE49-F238E27FC236}">
+                <a16:creationId xmlns:a16="http://schemas.microsoft.com/office/drawing/2014/main" id="{54A47743-7725-4A33-93CA-EFB89C10D1EC}"/>
+              </a:ext>
+            </a:extLst>
+          </p:cNvPr>
+          <p:cNvPicPr>
+            <a:picLocks noChangeAspect="1"/>
+          </p:cNvPicPr>
+          <p:nvPr/>
+        </p:nvPicPr>
+        <p:blipFill>
+          <a:blip r:embed="rId3" cstate="print">
+            <a:extLst>
+              <a:ext uri="{28A0092B-C50C-407E-A947-70E740481C1C}">
+                <a14:useLocalDpi xmlns:a14="http://schemas.microsoft.com/office/drawing/2010/main" val="0"/>
+              </a:ext>
+              <a:ext uri="{96DAC541-7B7A-43D3-8B79-37D633B846F1}">
+                <asvg:svgBlip xmlns:asvg="http://schemas.microsoft.com/office/drawing/2016/SVG/main" r:embed="rId4"/>
+              </a:ext>
+            </a:extLst>
+          </a:blip>
+          <a:stretch>
+            <a:fillRect/>
+          </a:stretch>
+        </p:blipFill>
+        <p:spPr>
+          <a:xfrm>
+            <a:off x="207095" y="6043750"/>
+            <a:ext cx="1770209" cy="700341"/>
+          </a:xfrm>
+          <a:prstGeom prst="rect">
+            <a:avLst/>
+          </a:prstGeom>
+        </p:spPr>
+      </p:pic>
+      <p:sp>
+        <p:nvSpPr>
+          <p:cNvPr id="12" name="Connettore 11">
+            <a:extLst>
+              <a:ext uri="{FF2B5EF4-FFF2-40B4-BE49-F238E27FC236}">
+                <a16:creationId xmlns:a16="http://schemas.microsoft.com/office/drawing/2014/main" id="{92095D8C-8CCA-4CC6-B2D2-E1BC4732F321}"/>
+              </a:ext>
+            </a:extLst>
+          </p:cNvPr>
+          <p:cNvSpPr/>
+          <p:nvPr/>
+        </p:nvSpPr>
+        <p:spPr>
+          <a:xfrm>
+            <a:off x="11455401" y="6273800"/>
+            <a:ext cx="512910" cy="470291"/>
+          </a:xfrm>
+          <a:prstGeom prst="flowChartConnector">
+            <a:avLst/>
+          </a:prstGeom>
+        </p:spPr>
+        <p:style>
+          <a:lnRef idx="2">
+            <a:schemeClr val="accent1">
+              <a:shade val="50000"/>
+            </a:schemeClr>
+          </a:lnRef>
+          <a:fillRef idx="1">
+            <a:schemeClr val="accent1"/>
+          </a:fillRef>
+          <a:effectRef idx="0">
+            <a:schemeClr val="accent1"/>
+          </a:effectRef>
+          <a:fontRef idx="minor">
+            <a:schemeClr val="lt1"/>
+          </a:fontRef>
+        </p:style>
+        <p:txBody>
+          <a:bodyPr rtlCol="0" anchor="ctr"/>
+          <a:lstStyle/>
+          <a:p>
+            <a:pPr algn="ctr"/>
+            <a:fld id="{3A98EE3D-8CD1-4C3F-BD1C-C98C9596463C}" type="slidenum">
+              <a:rPr lang="it-IT" sz="1200" b="1"/>
+              <a:pPr algn="ctr"/>
+              <a:t>14</a:t>
+            </a:fld>
+            <a:endParaRPr lang="it-IT" b="1" dirty="0"/>
+          </a:p>
+        </p:txBody>
+      </p:sp>
+      <p:sp>
+        <p:nvSpPr>
+          <p:cNvPr id="11" name="Segnaposto contenuto 2">
+            <a:extLst>
+              <a:ext uri="{FF2B5EF4-FFF2-40B4-BE49-F238E27FC236}">
+                <a16:creationId xmlns:a16="http://schemas.microsoft.com/office/drawing/2014/main" id="{693C8797-6891-414D-92DD-94A716A7F3E2}"/>
+              </a:ext>
+            </a:extLst>
+          </p:cNvPr>
+          <p:cNvSpPr>
+            <a:spLocks noGrp="1"/>
+          </p:cNvSpPr>
+          <p:nvPr>
+            <p:ph idx="1"/>
+          </p:nvPr>
+        </p:nvSpPr>
+        <p:spPr>
+          <a:xfrm>
+            <a:off x="590550" y="1452563"/>
+            <a:ext cx="10864850" cy="4591050"/>
+          </a:xfrm>
+        </p:spPr>
+        <p:txBody>
+          <a:bodyPr>
+            <a:normAutofit/>
+          </a:bodyPr>
+          <a:lstStyle/>
+          <a:p>
+            <a:pPr lvl="1"/>
+            <a:r>
+              <a:rPr lang="it-IT" sz="2200" dirty="0">
+                <a:latin typeface="+mj-lt"/>
+              </a:rPr>
+              <a:t>Genere mancante o non riconosciuto</a:t>
+            </a:r>
+          </a:p>
+          <a:p>
+            <a:pPr marL="201168" lvl="1" indent="0">
+              <a:buNone/>
+            </a:pPr>
+            <a:endParaRPr lang="it-IT" sz="2200" dirty="0">
+              <a:latin typeface="+mj-lt"/>
+            </a:endParaRPr>
+          </a:p>
+          <a:p>
+            <a:pPr lvl="1"/>
+            <a:r>
+              <a:rPr lang="it-IT" sz="2200" dirty="0">
+                <a:latin typeface="+mj-lt"/>
+              </a:rPr>
+              <a:t>Errata scrittura della head di titolo (es. -&gt; </a:t>
+            </a:r>
+            <a:r>
+              <a:rPr lang="it-IT" sz="2200" dirty="0" err="1">
+                <a:latin typeface="+mj-lt"/>
+              </a:rPr>
+              <a:t>tit</a:t>
+            </a:r>
+            <a:r>
+              <a:rPr lang="it-IT" sz="2200" dirty="0">
+                <a:latin typeface="+mj-lt"/>
+              </a:rPr>
+              <a:t>:   #tit   #ti:   #tito:   )</a:t>
+            </a:r>
+          </a:p>
+          <a:p>
+            <a:pPr lvl="1"/>
+            <a:endParaRPr lang="it-IT" sz="2200" dirty="0">
+              <a:latin typeface="+mj-lt"/>
+            </a:endParaRPr>
+          </a:p>
+          <a:p>
+            <a:pPr marL="201168" lvl="1" indent="0">
+              <a:buNone/>
+            </a:pPr>
+            <a:endParaRPr lang="it-IT" sz="2200" dirty="0">
+              <a:latin typeface="+mj-lt"/>
+            </a:endParaRPr>
+          </a:p>
+          <a:p>
+            <a:pPr marL="201168" lvl="1" indent="0">
+              <a:buNone/>
+            </a:pPr>
+            <a:endParaRPr lang="it-IT" sz="2200" dirty="0">
+              <a:latin typeface="+mj-lt"/>
+            </a:endParaRPr>
+          </a:p>
+          <a:p>
+            <a:pPr marL="201168" lvl="1" indent="0">
+              <a:buNone/>
+            </a:pPr>
+            <a:endParaRPr lang="it-IT" sz="2200" dirty="0">
+              <a:latin typeface="+mj-lt"/>
+            </a:endParaRPr>
+          </a:p>
+          <a:p>
+            <a:pPr marL="201168" lvl="1" indent="0">
+              <a:buNone/>
+            </a:pPr>
+            <a:endParaRPr lang="it-IT" sz="2200" dirty="0">
+              <a:latin typeface="+mj-lt"/>
+            </a:endParaRPr>
+          </a:p>
+        </p:txBody>
+      </p:sp>
+      <p:pic>
+        <p:nvPicPr>
+          <p:cNvPr id="14" name="Immagine 13">
+            <a:extLst>
+              <a:ext uri="{FF2B5EF4-FFF2-40B4-BE49-F238E27FC236}">
+                <a16:creationId xmlns:a16="http://schemas.microsoft.com/office/drawing/2014/main" id="{591160EA-3B51-41F9-91DB-29520A77FCE8}"/>
+              </a:ext>
+            </a:extLst>
+          </p:cNvPr>
+          <p:cNvPicPr>
+            <a:picLocks noChangeAspect="1"/>
+          </p:cNvPicPr>
+          <p:nvPr/>
+        </p:nvPicPr>
+        <p:blipFill>
+          <a:blip r:embed="rId5"/>
+          <a:stretch>
+            <a:fillRect/>
+          </a:stretch>
+        </p:blipFill>
+        <p:spPr>
+          <a:xfrm>
+            <a:off x="962556" y="1864741"/>
+            <a:ext cx="2733675" cy="409575"/>
+          </a:xfrm>
+          <a:prstGeom prst="rect">
+            <a:avLst/>
+          </a:prstGeom>
+          <a:ln>
+            <a:solidFill>
+              <a:schemeClr val="tx1"/>
+            </a:solidFill>
+          </a:ln>
+        </p:spPr>
+      </p:pic>
+      <p:pic>
+        <p:nvPicPr>
+          <p:cNvPr id="16" name="Immagine 15">
+            <a:extLst>
+              <a:ext uri="{FF2B5EF4-FFF2-40B4-BE49-F238E27FC236}">
+                <a16:creationId xmlns:a16="http://schemas.microsoft.com/office/drawing/2014/main" id="{69462C9F-97B5-4BF3-8D51-57749D3E5B62}"/>
+              </a:ext>
+            </a:extLst>
+          </p:cNvPr>
+          <p:cNvPicPr>
+            <a:picLocks noChangeAspect="1"/>
+          </p:cNvPicPr>
+          <p:nvPr/>
+        </p:nvPicPr>
+        <p:blipFill>
+          <a:blip r:embed="rId6"/>
+          <a:stretch>
+            <a:fillRect/>
+          </a:stretch>
+        </p:blipFill>
+        <p:spPr>
+          <a:xfrm>
+            <a:off x="962556" y="2731452"/>
+            <a:ext cx="8277225" cy="419100"/>
+          </a:xfrm>
+          <a:prstGeom prst="rect">
+            <a:avLst/>
+          </a:prstGeom>
+          <a:ln>
+            <a:solidFill>
+              <a:schemeClr val="tx1"/>
+            </a:solidFill>
+          </a:ln>
+        </p:spPr>
+      </p:pic>
+      <p:pic>
+        <p:nvPicPr>
+          <p:cNvPr id="18" name="Immagine 17">
+            <a:extLst>
+              <a:ext uri="{FF2B5EF4-FFF2-40B4-BE49-F238E27FC236}">
+                <a16:creationId xmlns:a16="http://schemas.microsoft.com/office/drawing/2014/main" id="{A8CD1719-0E8B-4F35-AF64-F95164EB1226}"/>
+              </a:ext>
+            </a:extLst>
+          </p:cNvPr>
+          <p:cNvPicPr>
+            <a:picLocks noChangeAspect="1"/>
+          </p:cNvPicPr>
+          <p:nvPr/>
+        </p:nvPicPr>
+        <p:blipFill>
+          <a:blip r:embed="rId7"/>
+          <a:stretch>
+            <a:fillRect/>
+          </a:stretch>
+        </p:blipFill>
+        <p:spPr>
+          <a:xfrm>
+            <a:off x="962556" y="3262816"/>
+            <a:ext cx="4095750" cy="257175"/>
+          </a:xfrm>
+          <a:prstGeom prst="rect">
+            <a:avLst/>
+          </a:prstGeom>
+          <a:ln>
+            <a:solidFill>
+              <a:schemeClr val="tx1"/>
+            </a:solidFill>
+          </a:ln>
+        </p:spPr>
+      </p:pic>
+      <p:pic>
+        <p:nvPicPr>
+          <p:cNvPr id="20" name="Immagine 19">
+            <a:extLst>
+              <a:ext uri="{FF2B5EF4-FFF2-40B4-BE49-F238E27FC236}">
+                <a16:creationId xmlns:a16="http://schemas.microsoft.com/office/drawing/2014/main" id="{B5D744C5-F9B7-4449-94A9-DB8842877036}"/>
+              </a:ext>
+            </a:extLst>
+          </p:cNvPr>
+          <p:cNvPicPr>
+            <a:picLocks noChangeAspect="1"/>
+          </p:cNvPicPr>
+          <p:nvPr/>
+        </p:nvPicPr>
+        <p:blipFill>
+          <a:blip r:embed="rId8"/>
+          <a:stretch>
+            <a:fillRect/>
+          </a:stretch>
+        </p:blipFill>
+        <p:spPr>
+          <a:xfrm>
+            <a:off x="962556" y="3507602"/>
+            <a:ext cx="5962650" cy="609600"/>
+          </a:xfrm>
+          <a:prstGeom prst="rect">
+            <a:avLst/>
+          </a:prstGeom>
+          <a:ln>
+            <a:solidFill>
+              <a:schemeClr val="tx1"/>
+            </a:solidFill>
+          </a:ln>
+        </p:spPr>
+      </p:pic>
+      <p:pic>
+        <p:nvPicPr>
+          <p:cNvPr id="22" name="Immagine 21">
+            <a:extLst>
+              <a:ext uri="{FF2B5EF4-FFF2-40B4-BE49-F238E27FC236}">
+                <a16:creationId xmlns:a16="http://schemas.microsoft.com/office/drawing/2014/main" id="{87B5C3F6-F683-40B3-98D7-74CD3D2E5941}"/>
+              </a:ext>
+            </a:extLst>
+          </p:cNvPr>
+          <p:cNvPicPr>
+            <a:picLocks noChangeAspect="1"/>
+          </p:cNvPicPr>
+          <p:nvPr/>
+        </p:nvPicPr>
+        <p:blipFill>
+          <a:blip r:embed="rId9"/>
+          <a:stretch>
+            <a:fillRect/>
+          </a:stretch>
+        </p:blipFill>
+        <p:spPr>
+          <a:xfrm>
+            <a:off x="962556" y="4244202"/>
+            <a:ext cx="4057650" cy="219075"/>
+          </a:xfrm>
+          <a:prstGeom prst="rect">
+            <a:avLst/>
+          </a:prstGeom>
+          <a:ln>
+            <a:solidFill>
+              <a:schemeClr val="tx1"/>
+            </a:solidFill>
+          </a:ln>
+        </p:spPr>
+      </p:pic>
+      <p:pic>
+        <p:nvPicPr>
+          <p:cNvPr id="24" name="Immagine 23">
+            <a:extLst>
+              <a:ext uri="{FF2B5EF4-FFF2-40B4-BE49-F238E27FC236}">
+                <a16:creationId xmlns:a16="http://schemas.microsoft.com/office/drawing/2014/main" id="{116DF512-E15E-4238-879D-3556CB2DB2EF}"/>
+              </a:ext>
+            </a:extLst>
+          </p:cNvPr>
+          <p:cNvPicPr>
+            <a:picLocks noChangeAspect="1"/>
+          </p:cNvPicPr>
+          <p:nvPr/>
+        </p:nvPicPr>
+        <p:blipFill>
+          <a:blip r:embed="rId10"/>
+          <a:stretch>
+            <a:fillRect/>
+          </a:stretch>
+        </p:blipFill>
+        <p:spPr>
+          <a:xfrm>
+            <a:off x="962556" y="4474252"/>
+            <a:ext cx="5991225" cy="428625"/>
+          </a:xfrm>
+          <a:prstGeom prst="rect">
+            <a:avLst/>
+          </a:prstGeom>
+          <a:ln>
+            <a:solidFill>
+              <a:schemeClr val="tx1"/>
+            </a:solidFill>
+          </a:ln>
+        </p:spPr>
+      </p:pic>
+      <p:pic>
+        <p:nvPicPr>
+          <p:cNvPr id="29" name="Immagine 28">
+            <a:extLst>
+              <a:ext uri="{FF2B5EF4-FFF2-40B4-BE49-F238E27FC236}">
+                <a16:creationId xmlns:a16="http://schemas.microsoft.com/office/drawing/2014/main" id="{6F85A9A0-669F-45E2-B9C1-F67B48D03DCC}"/>
+              </a:ext>
+            </a:extLst>
+          </p:cNvPr>
+          <p:cNvPicPr>
+            <a:picLocks noChangeAspect="1"/>
+          </p:cNvPicPr>
+          <p:nvPr/>
+        </p:nvPicPr>
+        <p:blipFill>
+          <a:blip r:embed="rId11"/>
+          <a:stretch>
+            <a:fillRect/>
+          </a:stretch>
+        </p:blipFill>
+        <p:spPr>
+          <a:xfrm>
+            <a:off x="962556" y="5043818"/>
+            <a:ext cx="4048125" cy="209550"/>
+          </a:xfrm>
+          <a:prstGeom prst="rect">
+            <a:avLst/>
+          </a:prstGeom>
+          <a:ln>
+            <a:solidFill>
+              <a:schemeClr val="tx1"/>
+            </a:solidFill>
+          </a:ln>
+        </p:spPr>
+      </p:pic>
+      <p:pic>
+        <p:nvPicPr>
+          <p:cNvPr id="32" name="Immagine 31">
+            <a:extLst>
+              <a:ext uri="{FF2B5EF4-FFF2-40B4-BE49-F238E27FC236}">
+                <a16:creationId xmlns:a16="http://schemas.microsoft.com/office/drawing/2014/main" id="{E08024D4-372C-44A8-9F46-32C708DBAF4B}"/>
+              </a:ext>
+            </a:extLst>
+          </p:cNvPr>
+          <p:cNvPicPr>
+            <a:picLocks noChangeAspect="1"/>
+          </p:cNvPicPr>
+          <p:nvPr/>
+        </p:nvPicPr>
+        <p:blipFill>
+          <a:blip r:embed="rId12"/>
+          <a:stretch>
+            <a:fillRect/>
+          </a:stretch>
+        </p:blipFill>
+        <p:spPr>
+          <a:xfrm>
+            <a:off x="962556" y="5255342"/>
+            <a:ext cx="8477250" cy="428625"/>
+          </a:xfrm>
+          <a:prstGeom prst="rect">
+            <a:avLst/>
+          </a:prstGeom>
+          <a:ln>
+            <a:solidFill>
+              <a:schemeClr val="tx1"/>
+            </a:solidFill>
+          </a:ln>
+        </p:spPr>
+      </p:pic>
+    </p:spTree>
+    <p:extLst>
+      <p:ext uri="{BB962C8B-B14F-4D97-AF65-F5344CB8AC3E}">
+        <p14:creationId xmlns:p14="http://schemas.microsoft.com/office/powerpoint/2010/main" val="2769720153"/>
+      </p:ext>
+    </p:extLst>
+  </p:cSld>
+  <p:clrMapOvr>
+    <a:masterClrMapping/>
+  </p:clrMapOvr>
+</p:sld>
+</file>
+
+<file path=ppt/slides/slide15.xml><?xml version="1.0" encoding="utf-8"?>
 <p:sld xmlns:a="http://schemas.openxmlformats.org/drawingml/2006/main" xmlns:r="http://schemas.openxmlformats.org/officeDocument/2006/relationships" xmlns:p="http://schemas.openxmlformats.org/presentationml/2006/main">
   <p:cSld>
     <p:spTree>
@@ -11671,24 +13242,6 @@
           </a:prstGeom>
         </p:spPr>
       </p:pic>
-      <p:sp>
-        <p:nvSpPr>
-          <p:cNvPr id="3" name="Segnaposto immagine 2">
-            <a:extLst>
-              <a:ext uri="{FF2B5EF4-FFF2-40B4-BE49-F238E27FC236}">
-                <a16:creationId xmlns:a16="http://schemas.microsoft.com/office/drawing/2014/main" id="{442C0148-86F6-40E5-BF19-CE9CC52F3257}"/>
-              </a:ext>
-            </a:extLst>
-          </p:cNvPr>
-          <p:cNvSpPr>
-            <a:spLocks noGrp="1"/>
-          </p:cNvSpPr>
-          <p:nvPr>
-            <p:ph type="pic" idx="1"/>
-          </p:nvPr>
-        </p:nvSpPr>
-        <p:spPr/>
-      </p:sp>
     </p:spTree>
     <p:extLst>
       <p:ext uri="{BB962C8B-B14F-4D97-AF65-F5344CB8AC3E}">
@@ -11724,7 +13277,7 @@
           <p:cNvPr id="7" name="Titolo 6">
             <a:extLst>
               <a:ext uri="{FF2B5EF4-FFF2-40B4-BE49-F238E27FC236}">
-                <a16:creationId xmlns:a16="http://schemas.microsoft.com/office/drawing/2014/main" id="{10A5C30F-185D-413F-9005-B41DD0FA0924}"/>
+                <a16:creationId xmlns:a16="http://schemas.microsoft.com/office/drawing/2014/main" id="{391097BE-A044-49F5-B5CA-AE183B956585}"/>
               </a:ext>
             </a:extLst>
           </p:cNvPr>
@@ -11748,12 +13301,512 @@
           </a:p>
         </p:txBody>
       </p:sp>
-      <p:sp>
-        <p:nvSpPr>
-          <p:cNvPr id="10" name="Segnaposto contenuto 9">
-            <a:extLst>
-              <a:ext uri="{FF2B5EF4-FFF2-40B4-BE49-F238E27FC236}">
-                <a16:creationId xmlns:a16="http://schemas.microsoft.com/office/drawing/2014/main" id="{40FC70B0-5D08-4BDC-852E-3FD7214DA9BD}"/>
+      <p:grpSp>
+        <p:nvGrpSpPr>
+          <p:cNvPr id="10" name="Gruppo 9" descr="Info">
+            <a:extLst>
+              <a:ext uri="{FF2B5EF4-FFF2-40B4-BE49-F238E27FC236}">
+                <a16:creationId xmlns:a16="http://schemas.microsoft.com/office/drawing/2014/main" id="{04EACC33-3BBF-4195-8927-841FEBB364AD}"/>
+              </a:ext>
+            </a:extLst>
+          </p:cNvPr>
+          <p:cNvGrpSpPr/>
+          <p:nvPr/>
+        </p:nvGrpSpPr>
+        <p:grpSpPr>
+          <a:xfrm>
+            <a:off x="4637454" y="2530474"/>
+            <a:ext cx="803276" cy="803276"/>
+            <a:chOff x="4914764" y="3319462"/>
+            <a:chExt cx="619125" cy="619125"/>
+          </a:xfrm>
+          <a:solidFill>
+            <a:schemeClr val="bg1"/>
+          </a:solidFill>
+        </p:grpSpPr>
+        <p:sp>
+          <p:nvSpPr>
+            <p:cNvPr id="11" name="Figura a mano libera: Forma 10">
+              <a:extLst>
+                <a:ext uri="{FF2B5EF4-FFF2-40B4-BE49-F238E27FC236}">
+                  <a16:creationId xmlns:a16="http://schemas.microsoft.com/office/drawing/2014/main" id="{400D0FC6-FE6C-422D-87EC-3F2A40F92771}"/>
+                </a:ext>
+              </a:extLst>
+            </p:cNvPr>
+            <p:cNvSpPr/>
+            <p:nvPr/>
+          </p:nvSpPr>
+          <p:spPr>
+            <a:xfrm>
+              <a:off x="4914764" y="3319462"/>
+              <a:ext cx="619125" cy="619125"/>
+            </a:xfrm>
+            <a:custGeom>
+              <a:avLst/>
+              <a:gdLst>
+                <a:gd name="connsiteX0" fmla="*/ 309563 w 619125"/>
+                <a:gd name="connsiteY0" fmla="*/ 0 h 619125"/>
+                <a:gd name="connsiteX1" fmla="*/ 0 w 619125"/>
+                <a:gd name="connsiteY1" fmla="*/ 309563 h 619125"/>
+                <a:gd name="connsiteX2" fmla="*/ 309563 w 619125"/>
+                <a:gd name="connsiteY2" fmla="*/ 619125 h 619125"/>
+                <a:gd name="connsiteX3" fmla="*/ 619125 w 619125"/>
+                <a:gd name="connsiteY3" fmla="*/ 309563 h 619125"/>
+                <a:gd name="connsiteX4" fmla="*/ 309563 w 619125"/>
+                <a:gd name="connsiteY4" fmla="*/ 0 h 619125"/>
+                <a:gd name="connsiteX5" fmla="*/ 309563 w 619125"/>
+                <a:gd name="connsiteY5" fmla="*/ 581025 h 619125"/>
+                <a:gd name="connsiteX6" fmla="*/ 38100 w 619125"/>
+                <a:gd name="connsiteY6" fmla="*/ 309563 h 619125"/>
+                <a:gd name="connsiteX7" fmla="*/ 309563 w 619125"/>
+                <a:gd name="connsiteY7" fmla="*/ 38100 h 619125"/>
+                <a:gd name="connsiteX8" fmla="*/ 581025 w 619125"/>
+                <a:gd name="connsiteY8" fmla="*/ 309563 h 619125"/>
+                <a:gd name="connsiteX9" fmla="*/ 309563 w 619125"/>
+                <a:gd name="connsiteY9" fmla="*/ 581025 h 619125"/>
+              </a:gdLst>
+              <a:ahLst/>
+              <a:cxnLst>
+                <a:cxn ang="0">
+                  <a:pos x="connsiteX0" y="connsiteY0"/>
+                </a:cxn>
+                <a:cxn ang="0">
+                  <a:pos x="connsiteX1" y="connsiteY1"/>
+                </a:cxn>
+                <a:cxn ang="0">
+                  <a:pos x="connsiteX2" y="connsiteY2"/>
+                </a:cxn>
+                <a:cxn ang="0">
+                  <a:pos x="connsiteX3" y="connsiteY3"/>
+                </a:cxn>
+                <a:cxn ang="0">
+                  <a:pos x="connsiteX4" y="connsiteY4"/>
+                </a:cxn>
+                <a:cxn ang="0">
+                  <a:pos x="connsiteX5" y="connsiteY5"/>
+                </a:cxn>
+                <a:cxn ang="0">
+                  <a:pos x="connsiteX6" y="connsiteY6"/>
+                </a:cxn>
+                <a:cxn ang="0">
+                  <a:pos x="connsiteX7" y="connsiteY7"/>
+                </a:cxn>
+                <a:cxn ang="0">
+                  <a:pos x="connsiteX8" y="connsiteY8"/>
+                </a:cxn>
+                <a:cxn ang="0">
+                  <a:pos x="connsiteX9" y="connsiteY9"/>
+                </a:cxn>
+              </a:cxnLst>
+              <a:rect l="l" t="t" r="r" b="b"/>
+              <a:pathLst>
+                <a:path w="619125" h="619125">
+                  <a:moveTo>
+                    <a:pt x="309563" y="0"/>
+                  </a:moveTo>
+                  <a:cubicBezTo>
+                    <a:pt x="138875" y="0"/>
+                    <a:pt x="0" y="138865"/>
+                    <a:pt x="0" y="309563"/>
+                  </a:cubicBezTo>
+                  <a:cubicBezTo>
+                    <a:pt x="0" y="480260"/>
+                    <a:pt x="138875" y="619125"/>
+                    <a:pt x="309563" y="619125"/>
+                  </a:cubicBezTo>
+                  <a:cubicBezTo>
+                    <a:pt x="480250" y="619125"/>
+                    <a:pt x="619125" y="480260"/>
+                    <a:pt x="619125" y="309563"/>
+                  </a:cubicBezTo>
+                  <a:cubicBezTo>
+                    <a:pt x="619125" y="138865"/>
+                    <a:pt x="480250" y="0"/>
+                    <a:pt x="309563" y="0"/>
+                  </a:cubicBezTo>
+                  <a:close/>
+                  <a:moveTo>
+                    <a:pt x="309563" y="581025"/>
+                  </a:moveTo>
+                  <a:cubicBezTo>
+                    <a:pt x="159877" y="581025"/>
+                    <a:pt x="38100" y="459248"/>
+                    <a:pt x="38100" y="309563"/>
+                  </a:cubicBezTo>
+                  <a:cubicBezTo>
+                    <a:pt x="38100" y="159877"/>
+                    <a:pt x="159877" y="38100"/>
+                    <a:pt x="309563" y="38100"/>
+                  </a:cubicBezTo>
+                  <a:cubicBezTo>
+                    <a:pt x="459248" y="38100"/>
+                    <a:pt x="581025" y="159877"/>
+                    <a:pt x="581025" y="309563"/>
+                  </a:cubicBezTo>
+                  <a:cubicBezTo>
+                    <a:pt x="581025" y="459248"/>
+                    <a:pt x="459248" y="581025"/>
+                    <a:pt x="309563" y="581025"/>
+                  </a:cubicBezTo>
+                  <a:close/>
+                </a:path>
+              </a:pathLst>
+            </a:custGeom>
+            <a:grpFill/>
+            <a:ln w="9525" cap="flat">
+              <a:noFill/>
+              <a:prstDash val="solid"/>
+              <a:miter/>
+            </a:ln>
+          </p:spPr>
+          <p:txBody>
+            <a:bodyPr rtlCol="0" anchor="ctr"/>
+            <a:lstStyle/>
+            <a:p>
+              <a:pPr marL="0" marR="0" lvl="0" indent="0" algn="l" defTabSz="914400" rtl="0" eaLnBrk="1" fontAlgn="auto" latinLnBrk="0" hangingPunct="1">
+                <a:lnSpc>
+                  <a:spcPct val="100000"/>
+                </a:lnSpc>
+                <a:spcBef>
+                  <a:spcPts val="0"/>
+                </a:spcBef>
+                <a:spcAft>
+                  <a:spcPts val="0"/>
+                </a:spcAft>
+                <a:buClrTx/>
+                <a:buSzTx/>
+                <a:buFontTx/>
+                <a:buNone/>
+                <a:tabLst/>
+                <a:defRPr/>
+              </a:pPr>
+              <a:endParaRPr kumimoji="0" lang="it-IT" sz="1800" b="0" i="0" u="none" strike="noStrike" kern="1200" cap="none" spc="0" normalizeH="0" baseline="0" noProof="0" dirty="0">
+                <a:ln>
+                  <a:noFill/>
+                </a:ln>
+                <a:solidFill>
+                  <a:prstClr val="black"/>
+                </a:solidFill>
+                <a:effectLst/>
+                <a:uLnTx/>
+                <a:uFillTx/>
+                <a:latin typeface="Calibri" panose="020F0502020204030204"/>
+                <a:ea typeface="+mn-ea"/>
+                <a:cs typeface="+mn-cs"/>
+              </a:endParaRPr>
+            </a:p>
+          </p:txBody>
+        </p:sp>
+        <p:sp>
+          <p:nvSpPr>
+            <p:cNvPr id="12" name="Figura a mano libera: Forma 11">
+              <a:extLst>
+                <a:ext uri="{FF2B5EF4-FFF2-40B4-BE49-F238E27FC236}">
+                  <a16:creationId xmlns:a16="http://schemas.microsoft.com/office/drawing/2014/main" id="{EADF13BE-BF58-43E3-9534-281EFDABF659}"/>
+                </a:ext>
+              </a:extLst>
+            </p:cNvPr>
+            <p:cNvSpPr/>
+            <p:nvPr/>
+          </p:nvSpPr>
+          <p:spPr>
+            <a:xfrm>
+              <a:off x="5195751" y="3473729"/>
+              <a:ext cx="57150" cy="57150"/>
+            </a:xfrm>
+            <a:custGeom>
+              <a:avLst/>
+              <a:gdLst>
+                <a:gd name="connsiteX0" fmla="*/ 63722 w 57150"/>
+                <a:gd name="connsiteY0" fmla="*/ 31861 h 57150"/>
+                <a:gd name="connsiteX1" fmla="*/ 31861 w 57150"/>
+                <a:gd name="connsiteY1" fmla="*/ 63722 h 57150"/>
+                <a:gd name="connsiteX2" fmla="*/ 0 w 57150"/>
+                <a:gd name="connsiteY2" fmla="*/ 31861 h 57150"/>
+                <a:gd name="connsiteX3" fmla="*/ 31861 w 57150"/>
+                <a:gd name="connsiteY3" fmla="*/ 0 h 57150"/>
+                <a:gd name="connsiteX4" fmla="*/ 63722 w 57150"/>
+                <a:gd name="connsiteY4" fmla="*/ 31861 h 57150"/>
+              </a:gdLst>
+              <a:ahLst/>
+              <a:cxnLst>
+                <a:cxn ang="0">
+                  <a:pos x="connsiteX0" y="connsiteY0"/>
+                </a:cxn>
+                <a:cxn ang="0">
+                  <a:pos x="connsiteX1" y="connsiteY1"/>
+                </a:cxn>
+                <a:cxn ang="0">
+                  <a:pos x="connsiteX2" y="connsiteY2"/>
+                </a:cxn>
+                <a:cxn ang="0">
+                  <a:pos x="connsiteX3" y="connsiteY3"/>
+                </a:cxn>
+                <a:cxn ang="0">
+                  <a:pos x="connsiteX4" y="connsiteY4"/>
+                </a:cxn>
+              </a:cxnLst>
+              <a:rect l="l" t="t" r="r" b="b"/>
+              <a:pathLst>
+                <a:path w="57150" h="57150">
+                  <a:moveTo>
+                    <a:pt x="63722" y="31861"/>
+                  </a:moveTo>
+                  <a:cubicBezTo>
+                    <a:pt x="63722" y="49458"/>
+                    <a:pt x="49458" y="63722"/>
+                    <a:pt x="31861" y="63722"/>
+                  </a:cubicBezTo>
+                  <a:cubicBezTo>
+                    <a:pt x="14265" y="63722"/>
+                    <a:pt x="0" y="49458"/>
+                    <a:pt x="0" y="31861"/>
+                  </a:cubicBezTo>
+                  <a:cubicBezTo>
+                    <a:pt x="0" y="14265"/>
+                    <a:pt x="14265" y="0"/>
+                    <a:pt x="31861" y="0"/>
+                  </a:cubicBezTo>
+                  <a:cubicBezTo>
+                    <a:pt x="49458" y="0"/>
+                    <a:pt x="63722" y="14265"/>
+                    <a:pt x="63722" y="31861"/>
+                  </a:cubicBezTo>
+                  <a:close/>
+                </a:path>
+              </a:pathLst>
+            </a:custGeom>
+            <a:grpFill/>
+            <a:ln w="9525" cap="flat">
+              <a:noFill/>
+              <a:prstDash val="solid"/>
+              <a:miter/>
+            </a:ln>
+          </p:spPr>
+          <p:txBody>
+            <a:bodyPr rtlCol="0" anchor="ctr"/>
+            <a:lstStyle/>
+            <a:p>
+              <a:pPr marL="0" marR="0" lvl="0" indent="0" algn="l" defTabSz="914400" rtl="0" eaLnBrk="1" fontAlgn="auto" latinLnBrk="0" hangingPunct="1">
+                <a:lnSpc>
+                  <a:spcPct val="100000"/>
+                </a:lnSpc>
+                <a:spcBef>
+                  <a:spcPts val="0"/>
+                </a:spcBef>
+                <a:spcAft>
+                  <a:spcPts val="0"/>
+                </a:spcAft>
+                <a:buClrTx/>
+                <a:buSzTx/>
+                <a:buFontTx/>
+                <a:buNone/>
+                <a:tabLst/>
+                <a:defRPr/>
+              </a:pPr>
+              <a:endParaRPr kumimoji="0" lang="it-IT" sz="1800" b="0" i="0" u="none" strike="noStrike" kern="1200" cap="none" spc="0" normalizeH="0" baseline="0" noProof="0" dirty="0">
+                <a:ln>
+                  <a:noFill/>
+                </a:ln>
+                <a:solidFill>
+                  <a:prstClr val="black"/>
+                </a:solidFill>
+                <a:effectLst/>
+                <a:uLnTx/>
+                <a:uFillTx/>
+                <a:latin typeface="Calibri" panose="020F0502020204030204"/>
+                <a:ea typeface="+mn-ea"/>
+                <a:cs typeface="+mn-cs"/>
+              </a:endParaRPr>
+            </a:p>
+          </p:txBody>
+        </p:sp>
+        <p:sp>
+          <p:nvSpPr>
+            <p:cNvPr id="13" name="Figura a mano libera: Forma 12">
+              <a:extLst>
+                <a:ext uri="{FF2B5EF4-FFF2-40B4-BE49-F238E27FC236}">
+                  <a16:creationId xmlns:a16="http://schemas.microsoft.com/office/drawing/2014/main" id="{914EC720-9A79-4D18-8746-AE0BDD325E79}"/>
+                </a:ext>
+              </a:extLst>
+            </p:cNvPr>
+            <p:cNvSpPr/>
+            <p:nvPr/>
+          </p:nvSpPr>
+          <p:spPr>
+            <a:xfrm>
+              <a:off x="5205276" y="3589420"/>
+              <a:ext cx="38100" cy="200025"/>
+            </a:xfrm>
+            <a:custGeom>
+              <a:avLst/>
+              <a:gdLst>
+                <a:gd name="connsiteX0" fmla="*/ 19050 w 38100"/>
+                <a:gd name="connsiteY0" fmla="*/ 0 h 200025"/>
+                <a:gd name="connsiteX1" fmla="*/ 0 w 38100"/>
+                <a:gd name="connsiteY1" fmla="*/ 19050 h 200025"/>
+                <a:gd name="connsiteX2" fmla="*/ 0 w 38100"/>
+                <a:gd name="connsiteY2" fmla="*/ 180975 h 200025"/>
+                <a:gd name="connsiteX3" fmla="*/ 19050 w 38100"/>
+                <a:gd name="connsiteY3" fmla="*/ 200025 h 200025"/>
+                <a:gd name="connsiteX4" fmla="*/ 38100 w 38100"/>
+                <a:gd name="connsiteY4" fmla="*/ 180975 h 200025"/>
+                <a:gd name="connsiteX5" fmla="*/ 38100 w 38100"/>
+                <a:gd name="connsiteY5" fmla="*/ 19050 h 200025"/>
+                <a:gd name="connsiteX6" fmla="*/ 19050 w 38100"/>
+                <a:gd name="connsiteY6" fmla="*/ 0 h 200025"/>
+              </a:gdLst>
+              <a:ahLst/>
+              <a:cxnLst>
+                <a:cxn ang="0">
+                  <a:pos x="connsiteX0" y="connsiteY0"/>
+                </a:cxn>
+                <a:cxn ang="0">
+                  <a:pos x="connsiteX1" y="connsiteY1"/>
+                </a:cxn>
+                <a:cxn ang="0">
+                  <a:pos x="connsiteX2" y="connsiteY2"/>
+                </a:cxn>
+                <a:cxn ang="0">
+                  <a:pos x="connsiteX3" y="connsiteY3"/>
+                </a:cxn>
+                <a:cxn ang="0">
+                  <a:pos x="connsiteX4" y="connsiteY4"/>
+                </a:cxn>
+                <a:cxn ang="0">
+                  <a:pos x="connsiteX5" y="connsiteY5"/>
+                </a:cxn>
+                <a:cxn ang="0">
+                  <a:pos x="connsiteX6" y="connsiteY6"/>
+                </a:cxn>
+              </a:cxnLst>
+              <a:rect l="l" t="t" r="r" b="b"/>
+              <a:pathLst>
+                <a:path w="38100" h="200025">
+                  <a:moveTo>
+                    <a:pt x="19050" y="0"/>
+                  </a:moveTo>
+                  <a:cubicBezTo>
+                    <a:pt x="8534" y="0"/>
+                    <a:pt x="0" y="8534"/>
+                    <a:pt x="0" y="19050"/>
+                  </a:cubicBezTo>
+                  <a:lnTo>
+                    <a:pt x="0" y="180975"/>
+                  </a:lnTo>
+                  <a:cubicBezTo>
+                    <a:pt x="0" y="191491"/>
+                    <a:pt x="8534" y="200025"/>
+                    <a:pt x="19050" y="200025"/>
+                  </a:cubicBezTo>
+                  <a:cubicBezTo>
+                    <a:pt x="29566" y="200025"/>
+                    <a:pt x="38100" y="191491"/>
+                    <a:pt x="38100" y="180975"/>
+                  </a:cubicBezTo>
+                  <a:lnTo>
+                    <a:pt x="38100" y="19050"/>
+                  </a:lnTo>
+                  <a:cubicBezTo>
+                    <a:pt x="38100" y="8525"/>
+                    <a:pt x="29566" y="0"/>
+                    <a:pt x="19050" y="0"/>
+                  </a:cubicBezTo>
+                  <a:close/>
+                </a:path>
+              </a:pathLst>
+            </a:custGeom>
+            <a:grpFill/>
+            <a:ln w="9525" cap="flat">
+              <a:noFill/>
+              <a:prstDash val="solid"/>
+              <a:miter/>
+            </a:ln>
+          </p:spPr>
+          <p:txBody>
+            <a:bodyPr rtlCol="0" anchor="ctr"/>
+            <a:lstStyle/>
+            <a:p>
+              <a:pPr marL="0" marR="0" lvl="0" indent="0" algn="l" defTabSz="914400" rtl="0" eaLnBrk="1" fontAlgn="auto" latinLnBrk="0" hangingPunct="1">
+                <a:lnSpc>
+                  <a:spcPct val="100000"/>
+                </a:lnSpc>
+                <a:spcBef>
+                  <a:spcPts val="0"/>
+                </a:spcBef>
+                <a:spcAft>
+                  <a:spcPts val="0"/>
+                </a:spcAft>
+                <a:buClrTx/>
+                <a:buSzTx/>
+                <a:buFontTx/>
+                <a:buNone/>
+                <a:tabLst/>
+                <a:defRPr/>
+              </a:pPr>
+              <a:endParaRPr kumimoji="0" lang="it-IT" sz="1800" b="0" i="0" u="none" strike="noStrike" kern="1200" cap="none" spc="0" normalizeH="0" baseline="0" noProof="0" dirty="0">
+                <a:ln>
+                  <a:noFill/>
+                </a:ln>
+                <a:solidFill>
+                  <a:prstClr val="black"/>
+                </a:solidFill>
+                <a:effectLst/>
+                <a:uLnTx/>
+                <a:uFillTx/>
+                <a:latin typeface="Calibri" panose="020F0502020204030204"/>
+                <a:ea typeface="+mn-ea"/>
+                <a:cs typeface="+mn-cs"/>
+              </a:endParaRPr>
+            </a:p>
+          </p:txBody>
+        </p:sp>
+      </p:grpSp>
+      <p:pic>
+        <p:nvPicPr>
+          <p:cNvPr id="9" name="Elemento grafico 8">
+            <a:extLst>
+              <a:ext uri="{FF2B5EF4-FFF2-40B4-BE49-F238E27FC236}">
+                <a16:creationId xmlns:a16="http://schemas.microsoft.com/office/drawing/2014/main" id="{0157A32A-7539-4213-94C7-4E13D8ACCDB8}"/>
+              </a:ext>
+            </a:extLst>
+          </p:cNvPr>
+          <p:cNvPicPr>
+            <a:picLocks noChangeAspect="1"/>
+          </p:cNvPicPr>
+          <p:nvPr/>
+        </p:nvPicPr>
+        <p:blipFill>
+          <a:blip r:embed="rId3" cstate="print">
+            <a:extLst>
+              <a:ext uri="{28A0092B-C50C-407E-A947-70E740481C1C}">
+                <a14:useLocalDpi xmlns:a14="http://schemas.microsoft.com/office/drawing/2010/main" val="0"/>
+              </a:ext>
+              <a:ext uri="{96DAC541-7B7A-43D3-8B79-37D633B846F1}">
+                <asvg:svgBlip xmlns:asvg="http://schemas.microsoft.com/office/drawing/2016/SVG/main" r:embed="rId4"/>
+              </a:ext>
+            </a:extLst>
+          </a:blip>
+          <a:stretch>
+            <a:fillRect/>
+          </a:stretch>
+        </p:blipFill>
+        <p:spPr>
+          <a:xfrm>
+            <a:off x="207095" y="6043750"/>
+            <a:ext cx="1770209" cy="700341"/>
+          </a:xfrm>
+          <a:prstGeom prst="rect">
+            <a:avLst/>
+          </a:prstGeom>
+        </p:spPr>
+      </p:pic>
+      <p:sp>
+        <p:nvSpPr>
+          <p:cNvPr id="2" name="Segnaposto numero diapositiva 1">
+            <a:extLst>
+              <a:ext uri="{FF2B5EF4-FFF2-40B4-BE49-F238E27FC236}">
+                <a16:creationId xmlns:a16="http://schemas.microsoft.com/office/drawing/2014/main" id="{E0AAF325-E077-406A-A05D-EEAAC582BCC7}"/>
               </a:ext>
             </a:extLst>
           </p:cNvPr>
@@ -11761,18 +13814,216 @@
             <a:spLocks noGrp="1"/>
           </p:cNvSpPr>
           <p:nvPr>
+            <p:ph type="sldNum" sz="quarter" idx="12"/>
+          </p:nvPr>
+        </p:nvSpPr>
+        <p:spPr/>
+        <p:txBody>
+          <a:bodyPr/>
+          <a:lstStyle/>
+          <a:p>
+            <a:pPr marL="0" marR="0" lvl="0" indent="0" algn="r" defTabSz="914400" rtl="0" eaLnBrk="1" fontAlgn="auto" latinLnBrk="0" hangingPunct="1">
+              <a:lnSpc>
+                <a:spcPct val="100000"/>
+              </a:lnSpc>
+              <a:spcBef>
+                <a:spcPts val="0"/>
+              </a:spcBef>
+              <a:spcAft>
+                <a:spcPts val="0"/>
+              </a:spcAft>
+              <a:buClrTx/>
+              <a:buSzTx/>
+              <a:buFontTx/>
+              <a:buNone/>
+              <a:tabLst/>
+              <a:defRPr/>
+            </a:pPr>
+            <a:fld id="{3A98EE3D-8CD1-4C3F-BD1C-C98C9596463C}" type="slidenum">
+              <a:rPr kumimoji="0" lang="it-IT" sz="1800" b="0" i="0" u="none" strike="noStrike" kern="1200" cap="none" spc="0" normalizeH="0" baseline="0" noProof="0" smtClean="0">
+                <a:ln>
+                  <a:noFill/>
+                </a:ln>
+                <a:solidFill>
+                  <a:prstClr val="white"/>
+                </a:solidFill>
+                <a:effectLst/>
+                <a:uLnTx/>
+                <a:uFillTx/>
+                <a:latin typeface="Calibri" panose="020F0502020204030204"/>
+                <a:ea typeface="+mn-ea"/>
+                <a:cs typeface="+mn-cs"/>
+              </a:rPr>
+              <a:pPr marL="0" marR="0" lvl="0" indent="0" algn="r" defTabSz="914400" rtl="0" eaLnBrk="1" fontAlgn="auto" latinLnBrk="0" hangingPunct="1">
+                <a:lnSpc>
+                  <a:spcPct val="100000"/>
+                </a:lnSpc>
+                <a:spcBef>
+                  <a:spcPts val="0"/>
+                </a:spcBef>
+                <a:spcAft>
+                  <a:spcPts val="0"/>
+                </a:spcAft>
+                <a:buClrTx/>
+                <a:buSzTx/>
+                <a:buFontTx/>
+                <a:buNone/>
+                <a:tabLst/>
+                <a:defRPr/>
+              </a:pPr>
+              <a:t>2</a:t>
+            </a:fld>
+            <a:endParaRPr kumimoji="0" lang="it-IT" sz="1800" b="0" i="0" u="none" strike="noStrike" kern="1200" cap="none" spc="0" normalizeH="0" baseline="0" noProof="0" dirty="0">
+              <a:ln>
+                <a:noFill/>
+              </a:ln>
+              <a:solidFill>
+                <a:prstClr val="white"/>
+              </a:solidFill>
+              <a:effectLst/>
+              <a:uLnTx/>
+              <a:uFillTx/>
+              <a:latin typeface="Calibri" panose="020F0502020204030204"/>
+              <a:ea typeface="+mn-ea"/>
+              <a:cs typeface="+mn-cs"/>
+            </a:endParaRPr>
+          </a:p>
+        </p:txBody>
+      </p:sp>
+      <p:sp>
+        <p:nvSpPr>
+          <p:cNvPr id="16" name="Connettore 15">
+            <a:extLst>
+              <a:ext uri="{FF2B5EF4-FFF2-40B4-BE49-F238E27FC236}">
+                <a16:creationId xmlns:a16="http://schemas.microsoft.com/office/drawing/2014/main" id="{5E0ACD5D-887A-4C21-8597-4B294DBAD218}"/>
+              </a:ext>
+            </a:extLst>
+          </p:cNvPr>
+          <p:cNvSpPr/>
+          <p:nvPr/>
+        </p:nvSpPr>
+        <p:spPr>
+          <a:xfrm>
+            <a:off x="11455401" y="6273800"/>
+            <a:ext cx="512910" cy="470291"/>
+          </a:xfrm>
+          <a:prstGeom prst="flowChartConnector">
+            <a:avLst/>
+          </a:prstGeom>
+        </p:spPr>
+        <p:style>
+          <a:lnRef idx="2">
+            <a:schemeClr val="accent1">
+              <a:shade val="50000"/>
+            </a:schemeClr>
+          </a:lnRef>
+          <a:fillRef idx="1">
+            <a:schemeClr val="accent1"/>
+          </a:fillRef>
+          <a:effectRef idx="0">
+            <a:schemeClr val="accent1"/>
+          </a:effectRef>
+          <a:fontRef idx="minor">
+            <a:schemeClr val="lt1"/>
+          </a:fontRef>
+        </p:style>
+        <p:txBody>
+          <a:bodyPr rtlCol="0" anchor="ctr"/>
+          <a:lstStyle/>
+          <a:p>
+            <a:pPr marL="0" marR="0" lvl="0" indent="0" algn="ctr" defTabSz="914400" rtl="0" eaLnBrk="1" fontAlgn="auto" latinLnBrk="0" hangingPunct="1">
+              <a:lnSpc>
+                <a:spcPct val="100000"/>
+              </a:lnSpc>
+              <a:spcBef>
+                <a:spcPts val="0"/>
+              </a:spcBef>
+              <a:spcAft>
+                <a:spcPts val="0"/>
+              </a:spcAft>
+              <a:buClrTx/>
+              <a:buSzTx/>
+              <a:buFontTx/>
+              <a:buNone/>
+              <a:tabLst/>
+              <a:defRPr/>
+            </a:pPr>
+            <a:fld id="{3A98EE3D-8CD1-4C3F-BD1C-C98C9596463C}" type="slidenum">
+              <a:rPr kumimoji="0" lang="it-IT" sz="1200" b="1" i="0" u="none" strike="noStrike" kern="1200" cap="none" spc="0" normalizeH="0" baseline="0" noProof="0">
+                <a:ln>
+                  <a:noFill/>
+                </a:ln>
+                <a:solidFill>
+                  <a:prstClr val="white"/>
+                </a:solidFill>
+                <a:effectLst/>
+                <a:uLnTx/>
+                <a:uFillTx/>
+                <a:latin typeface="Calibri" panose="020F0502020204030204"/>
+                <a:ea typeface="+mn-ea"/>
+                <a:cs typeface="+mn-cs"/>
+              </a:rPr>
+              <a:pPr marL="0" marR="0" lvl="0" indent="0" algn="ctr" defTabSz="914400" rtl="0" eaLnBrk="1" fontAlgn="auto" latinLnBrk="0" hangingPunct="1">
+                <a:lnSpc>
+                  <a:spcPct val="100000"/>
+                </a:lnSpc>
+                <a:spcBef>
+                  <a:spcPts val="0"/>
+                </a:spcBef>
+                <a:spcAft>
+                  <a:spcPts val="0"/>
+                </a:spcAft>
+                <a:buClrTx/>
+                <a:buSzTx/>
+                <a:buFontTx/>
+                <a:buNone/>
+                <a:tabLst/>
+                <a:defRPr/>
+              </a:pPr>
+              <a:t>2</a:t>
+            </a:fld>
+            <a:endParaRPr kumimoji="0" lang="it-IT" sz="1800" b="1" i="0" u="none" strike="noStrike" kern="1200" cap="none" spc="0" normalizeH="0" baseline="0" noProof="0" dirty="0">
+              <a:ln>
+                <a:noFill/>
+              </a:ln>
+              <a:solidFill>
+                <a:prstClr val="white"/>
+              </a:solidFill>
+              <a:effectLst/>
+              <a:uLnTx/>
+              <a:uFillTx/>
+              <a:latin typeface="Calibri" panose="020F0502020204030204"/>
+              <a:ea typeface="+mn-ea"/>
+              <a:cs typeface="+mn-cs"/>
+            </a:endParaRPr>
+          </a:p>
+        </p:txBody>
+      </p:sp>
+      <p:sp>
+        <p:nvSpPr>
+          <p:cNvPr id="4" name="Segnaposto contenuto 3">
+            <a:extLst>
+              <a:ext uri="{FF2B5EF4-FFF2-40B4-BE49-F238E27FC236}">
+                <a16:creationId xmlns:a16="http://schemas.microsoft.com/office/drawing/2014/main" id="{50BE4F52-8CFF-4745-9F3E-4464B2A5AE97}"/>
+              </a:ext>
+            </a:extLst>
+          </p:cNvPr>
+          <p:cNvSpPr>
+            <a:spLocks noGrp="1"/>
+          </p:cNvSpPr>
+          <p:nvPr>
             <p:ph idx="1"/>
           </p:nvPr>
         </p:nvSpPr>
         <p:spPr>
           <a:xfrm>
-            <a:off x="6071015" y="697774"/>
-            <a:ext cx="5093374" cy="5345976"/>
-          </a:xfrm>
-        </p:spPr>
-        <p:txBody>
-          <a:bodyPr numCol="2" rtlCol="0">
-            <a:normAutofit/>
+            <a:off x="6751272" y="1021805"/>
+            <a:ext cx="4654296" cy="3977366"/>
+          </a:xfrm>
+        </p:spPr>
+        <p:txBody>
+          <a:bodyPr>
+            <a:normAutofit fontScale="92500" lnSpcReduction="20000"/>
           </a:bodyPr>
           <a:lstStyle/>
           <a:p>
@@ -11785,7 +14036,7 @@
               </a:spcAft>
             </a:pPr>
             <a:r>
-              <a:rPr lang="it-IT" b="1" dirty="0"/>
+              <a:rPr lang="it-IT" sz="2800" b="1" dirty="0"/>
               <a:t>Lo Standard ID3</a:t>
             </a:r>
           </a:p>
@@ -11800,7 +14051,7 @@
               <a:buNone/>
             </a:pPr>
             <a:r>
-              <a:rPr lang="it-IT" sz="1600" dirty="0">
+              <a:rPr lang="it-IT" sz="1900" dirty="0">
                 <a:latin typeface="+mj-lt"/>
               </a:rPr>
               <a:t>Descrizione</a:t>
@@ -11817,7 +14068,7 @@
               <a:buNone/>
             </a:pPr>
             <a:r>
-              <a:rPr lang="it-IT" sz="1600" dirty="0">
+              <a:rPr lang="it-IT" sz="1900" dirty="0">
                 <a:latin typeface="+mj-lt"/>
               </a:rPr>
               <a:t>ID3 v1 vs ID3 v2</a:t>
@@ -11834,7 +14085,7 @@
               <a:buNone/>
             </a:pPr>
             <a:r>
-              <a:rPr lang="it-IT" sz="1600" dirty="0">
+              <a:rPr lang="it-IT" sz="1900" dirty="0">
                 <a:latin typeface="+mj-lt"/>
               </a:rPr>
               <a:t>Struttura dell’ID3 v1</a:t>
@@ -11851,7 +14102,7 @@
               <a:buNone/>
             </a:pPr>
             <a:r>
-              <a:rPr lang="it-IT" sz="1600" dirty="0">
+              <a:rPr lang="it-IT" sz="1900" dirty="0">
                 <a:latin typeface="+mj-lt"/>
               </a:rPr>
               <a:t>Materiale utilizzato</a:t>
@@ -11879,14 +14130,14 @@
               </a:spcAft>
             </a:pPr>
             <a:r>
-              <a:rPr lang="it-IT" b="1" dirty="0"/>
+              <a:rPr lang="it-IT" sz="2800" b="1" dirty="0"/>
               <a:t>Grammatica con </a:t>
             </a:r>
             <a:r>
-              <a:rPr lang="it-IT" b="1" dirty="0" err="1"/>
+              <a:rPr lang="it-IT" sz="2800" b="1" dirty="0" err="1"/>
               <a:t>Header</a:t>
             </a:r>
-            <a:endParaRPr lang="it-IT" b="1" dirty="0"/>
+            <a:endParaRPr lang="it-IT" sz="2800" b="1" dirty="0"/>
           </a:p>
           <a:p>
             <a:pPr marL="0" lvl="0" indent="0" rtl="0">
@@ -11899,7 +14150,7 @@
               <a:buNone/>
             </a:pPr>
             <a:r>
-              <a:rPr lang="it-IT" sz="1600" dirty="0">
+              <a:rPr lang="it-IT" sz="2100" dirty="0">
                 <a:latin typeface="+mj-lt"/>
               </a:rPr>
               <a:t>Descrizione</a:t>
@@ -11916,7 +14167,7 @@
               <a:buNone/>
             </a:pPr>
             <a:r>
-              <a:rPr lang="it-IT" sz="1600" dirty="0">
+              <a:rPr lang="it-IT" sz="2100" dirty="0">
                 <a:latin typeface="+mj-lt"/>
               </a:rPr>
               <a:t>Gestione dei dati con Java</a:t>
@@ -11933,7 +14184,7 @@
               <a:buNone/>
             </a:pPr>
             <a:r>
-              <a:rPr lang="it-IT" sz="1600" dirty="0">
+              <a:rPr lang="it-IT" sz="2100" dirty="0">
                 <a:latin typeface="+mj-lt"/>
               </a:rPr>
               <a:t>Gestione e riconoscimento del frame Genere</a:t>
@@ -11961,7 +14212,7 @@
               </a:spcAft>
             </a:pPr>
             <a:r>
-              <a:rPr lang="it-IT" b="1" dirty="0"/>
+              <a:rPr lang="it-IT" sz="2800" b="1" dirty="0"/>
               <a:t>Gestione degli errori</a:t>
             </a:r>
           </a:p>
@@ -11976,10 +14227,10 @@
               <a:buNone/>
             </a:pPr>
             <a:r>
-              <a:rPr lang="it-IT" sz="1600" dirty="0">
+              <a:rPr lang="it-IT" sz="2100" dirty="0">
                 <a:latin typeface="+mj-lt"/>
               </a:rPr>
-              <a:t>Descrizione</a:t>
+              <a:t>Nel dettaglio</a:t>
             </a:r>
           </a:p>
           <a:p>
@@ -11993,230 +14244,24 @@
               <a:buNone/>
             </a:pPr>
             <a:r>
-              <a:rPr lang="it-IT" sz="1600" dirty="0">
+              <a:rPr lang="it-IT" sz="2100" dirty="0">
                 <a:latin typeface="+mj-lt"/>
               </a:rPr>
               <a:t>Casi di Test</a:t>
             </a:r>
           </a:p>
           <a:p>
-            <a:pPr marL="0" indent="0" rtl="0">
-              <a:spcBef>
-                <a:spcPts val="0"/>
-              </a:spcBef>
-              <a:spcAft>
-                <a:spcPts val="0"/>
-              </a:spcAft>
-              <a:buNone/>
-            </a:pPr>
-            <a:r>
-              <a:rPr lang="it-IT" sz="1600" dirty="0">
-                <a:latin typeface="+mj-lt"/>
-              </a:rPr>
-              <a:t>M</a:t>
-            </a:r>
-          </a:p>
-          <a:p>
-            <a:pPr marL="0" indent="0" rtl="0">
-              <a:spcBef>
-                <a:spcPts val="0"/>
-              </a:spcBef>
-              <a:spcAft>
-                <a:spcPts val="0"/>
-              </a:spcAft>
-              <a:buNone/>
-            </a:pPr>
-            <a:endParaRPr lang="it-IT" sz="1600" dirty="0">
-              <a:latin typeface="+mj-lt"/>
-            </a:endParaRPr>
-          </a:p>
-          <a:p>
-            <a:pPr marL="0" indent="0" rtl="0">
-              <a:spcBef>
-                <a:spcPts val="0"/>
-              </a:spcBef>
-              <a:spcAft>
-                <a:spcPts val="0"/>
-              </a:spcAft>
-              <a:buNone/>
-            </a:pPr>
-            <a:endParaRPr lang="it-IT" sz="1600" b="1" dirty="0">
-              <a:latin typeface="+mj-lt"/>
-            </a:endParaRPr>
-          </a:p>
-          <a:p>
-            <a:pPr>
-              <a:spcBef>
-                <a:spcPts val="0"/>
-              </a:spcBef>
-              <a:spcAft>
-                <a:spcPts val="0"/>
-              </a:spcAft>
-            </a:pPr>
-            <a:r>
-              <a:rPr lang="it-IT" b="1" dirty="0"/>
-              <a:t>Grammatica compatibile con lo standard ID3v1</a:t>
-            </a:r>
-          </a:p>
-          <a:p>
-            <a:pPr marL="0" indent="0" rtl="0">
-              <a:spcBef>
-                <a:spcPts val="0"/>
-              </a:spcBef>
-              <a:spcAft>
-                <a:spcPts val="0"/>
-              </a:spcAft>
-              <a:buNone/>
-            </a:pPr>
-            <a:r>
-              <a:rPr lang="it-IT" sz="1600" dirty="0">
-                <a:latin typeface="+mj-lt"/>
-              </a:rPr>
-              <a:t>T</a:t>
-            </a:r>
-          </a:p>
-          <a:p>
-            <a:pPr marL="0" indent="0" rtl="0">
-              <a:spcBef>
-                <a:spcPts val="0"/>
-              </a:spcBef>
-              <a:spcAft>
-                <a:spcPts val="0"/>
-              </a:spcAft>
-              <a:buNone/>
-            </a:pPr>
-            <a:r>
-              <a:rPr lang="it-IT" sz="1600" dirty="0">
-                <a:latin typeface="+mj-lt"/>
-              </a:rPr>
-              <a:t>N</a:t>
-            </a:r>
-          </a:p>
-          <a:p>
-            <a:pPr marL="0" indent="0" rtl="0">
-              <a:spcBef>
-                <a:spcPts val="0"/>
-              </a:spcBef>
-              <a:spcAft>
-                <a:spcPts val="0"/>
-              </a:spcAft>
-              <a:buNone/>
-            </a:pPr>
-            <a:r>
-              <a:rPr lang="it-IT" sz="1600" dirty="0">
-                <a:latin typeface="+mj-lt"/>
-              </a:rPr>
-              <a:t>A</a:t>
-            </a:r>
-          </a:p>
-          <a:p>
-            <a:pPr marL="533400" lvl="0" indent="0" rtl="0">
-              <a:spcBef>
-                <a:spcPts val="0"/>
-              </a:spcBef>
-              <a:spcAft>
-                <a:spcPts val="0"/>
-              </a:spcAft>
+            <a:pPr marL="0" indent="0">
               <a:buNone/>
             </a:pPr>
             <a:endParaRPr lang="it-IT" dirty="0"/>
           </a:p>
         </p:txBody>
       </p:sp>
-      <p:pic>
-        <p:nvPicPr>
-          <p:cNvPr id="5" name="Elemento grafico 4">
-            <a:extLst>
-              <a:ext uri="{FF2B5EF4-FFF2-40B4-BE49-F238E27FC236}">
-                <a16:creationId xmlns:a16="http://schemas.microsoft.com/office/drawing/2014/main" id="{B4A6BFD4-7A57-4A51-9393-695095467DB4}"/>
-              </a:ext>
-            </a:extLst>
-          </p:cNvPr>
-          <p:cNvPicPr>
-            <a:picLocks noChangeAspect="1"/>
-          </p:cNvPicPr>
-          <p:nvPr/>
-        </p:nvPicPr>
-        <p:blipFill>
-          <a:blip r:embed="rId3" cstate="print">
-            <a:extLst>
-              <a:ext uri="{28A0092B-C50C-407E-A947-70E740481C1C}">
-                <a14:useLocalDpi xmlns:a14="http://schemas.microsoft.com/office/drawing/2010/main" val="0"/>
-              </a:ext>
-              <a:ext uri="{96DAC541-7B7A-43D3-8B79-37D633B846F1}">
-                <asvg:svgBlip xmlns:asvg="http://schemas.microsoft.com/office/drawing/2016/SVG/main" r:embed="rId4"/>
-              </a:ext>
-            </a:extLst>
-          </a:blip>
-          <a:stretch>
-            <a:fillRect/>
-          </a:stretch>
-        </p:blipFill>
-        <p:spPr>
-          <a:xfrm>
-            <a:off x="207095" y="6043750"/>
-            <a:ext cx="1770209" cy="700341"/>
-          </a:xfrm>
-          <a:prstGeom prst="rect">
-            <a:avLst/>
-          </a:prstGeom>
-        </p:spPr>
-      </p:pic>
-      <p:sp>
-        <p:nvSpPr>
-          <p:cNvPr id="16" name="Connettore 15">
-            <a:extLst>
-              <a:ext uri="{FF2B5EF4-FFF2-40B4-BE49-F238E27FC236}">
-                <a16:creationId xmlns:a16="http://schemas.microsoft.com/office/drawing/2014/main" id="{816AC398-7943-4E1E-8956-BAFE47238F73}"/>
-              </a:ext>
-            </a:extLst>
-          </p:cNvPr>
-          <p:cNvSpPr/>
-          <p:nvPr/>
-        </p:nvSpPr>
-        <p:spPr>
-          <a:xfrm>
-            <a:off x="11455401" y="6273800"/>
-            <a:ext cx="512910" cy="470291"/>
-          </a:xfrm>
-          <a:prstGeom prst="flowChartConnector">
-            <a:avLst/>
-          </a:prstGeom>
-        </p:spPr>
-        <p:style>
-          <a:lnRef idx="2">
-            <a:schemeClr val="accent1">
-              <a:shade val="50000"/>
-            </a:schemeClr>
-          </a:lnRef>
-          <a:fillRef idx="1">
-            <a:schemeClr val="accent1"/>
-          </a:fillRef>
-          <a:effectRef idx="0">
-            <a:schemeClr val="accent1"/>
-          </a:effectRef>
-          <a:fontRef idx="minor">
-            <a:schemeClr val="lt1"/>
-          </a:fontRef>
-        </p:style>
-        <p:txBody>
-          <a:bodyPr rtlCol="0" anchor="ctr"/>
-          <a:lstStyle/>
-          <a:p>
-            <a:pPr algn="ctr"/>
-            <a:fld id="{3A98EE3D-8CD1-4C3F-BD1C-C98C9596463C}" type="slidenum">
-              <a:rPr lang="it-IT" sz="1200" b="1"/>
-              <a:pPr algn="ctr"/>
-              <a:t>2</a:t>
-            </a:fld>
-            <a:endParaRPr lang="it-IT" b="1" dirty="0"/>
-          </a:p>
-        </p:txBody>
-      </p:sp>
     </p:spTree>
     <p:extLst>
       <p:ext uri="{BB962C8B-B14F-4D97-AF65-F5344CB8AC3E}">
-        <p14:creationId xmlns:p14="http://schemas.microsoft.com/office/powerpoint/2010/main" val="2667318545"/>
+        <p14:creationId xmlns:p14="http://schemas.microsoft.com/office/powerpoint/2010/main" val="1056707768"/>
       </p:ext>
     </p:extLst>
   </p:cSld>
@@ -17128,15 +19173,6 @@
 </file>
 
 <file path=customXml/item1.xml><?xml version="1.0" encoding="utf-8"?>
-<?mso-contentType ?>
-<FormTemplates xmlns="http://schemas.microsoft.com/sharepoint/v3/contenttype/forms">
-  <Display>DocumentLibraryForm</Display>
-  <Edit>DocumentLibraryForm</Edit>
-  <New>DocumentLibraryForm</New>
-</FormTemplates>
-</file>
-
-<file path=customXml/item2.xml><?xml version="1.0" encoding="utf-8"?>
 <ct:contentTypeSchema xmlns:ct="http://schemas.microsoft.com/office/2006/metadata/contentType" xmlns:ma="http://schemas.microsoft.com/office/2006/metadata/properties/metaAttributes" ct:_="" ma:_="" ma:contentTypeName="Document" ma:contentTypeID="0x01010079F111ED35F8CC479449609E8A0923A6" ma:contentTypeVersion="12" ma:contentTypeDescription="Create a new document." ma:contentTypeScope="" ma:versionID="fa6e671f1cd7e4d96ff9652be322dd5e">
   <xsd:schema xmlns:xsd="http://www.w3.org/2001/XMLSchema" xmlns:xs="http://www.w3.org/2001/XMLSchema" xmlns:p="http://schemas.microsoft.com/office/2006/metadata/properties" xmlns:ns2="71af3243-3dd4-4a8d-8c0d-dd76da1f02a5" xmlns:ns3="16c05727-aa75-4e4a-9b5f-8a80a1165891" targetNamespace="http://schemas.microsoft.com/office/2006/metadata/properties" ma:root="true" ma:fieldsID="4e2496f70b101db0b8013f30a071bbf7" ns2:_="" ns3:_="">
     <xsd:import namespace="71af3243-3dd4-4a8d-8c0d-dd76da1f02a5"/>
@@ -17357,6 +19393,15 @@
 </ct:contentTypeSchema>
 </file>
 
+<file path=customXml/item2.xml><?xml version="1.0" encoding="utf-8"?>
+<?mso-contentType ?>
+<FormTemplates xmlns="http://schemas.microsoft.com/sharepoint/v3/contenttype/forms">
+  <Display>DocumentLibraryForm</Display>
+  <Edit>DocumentLibraryForm</Edit>
+  <New>DocumentLibraryForm</New>
+</FormTemplates>
+</file>
+
 <file path=customXml/item3.xml><?xml version="1.0" encoding="utf-8"?>
 <p:properties xmlns:p="http://schemas.microsoft.com/office/2006/metadata/properties" xmlns:xsi="http://www.w3.org/2001/XMLSchema-instance" xmlns:pc="http://schemas.microsoft.com/office/infopath/2007/PartnerControls">
   <documentManagement>
@@ -17367,14 +19412,6 @@
 </file>
 
 <file path=customXml/itemProps1.xml><?xml version="1.0" encoding="utf-8"?>
-<ds:datastoreItem xmlns:ds="http://schemas.openxmlformats.org/officeDocument/2006/customXml" ds:itemID="{7E0A2CB4-6869-426F-8BC4-A32C90CBE263}">
-  <ds:schemaRefs>
-    <ds:schemaRef ds:uri="http://schemas.microsoft.com/sharepoint/v3/contenttype/forms"/>
-  </ds:schemaRefs>
-</ds:datastoreItem>
-</file>
-
-<file path=customXml/itemProps2.xml><?xml version="1.0" encoding="utf-8"?>
 <ds:datastoreItem xmlns:ds="http://schemas.openxmlformats.org/officeDocument/2006/customXml" ds:itemID="{A941CA7C-A0BF-44EF-B2E5-7539C3B9B0B6}">
   <ds:schemaRefs>
     <ds:schemaRef ds:uri="http://schemas.microsoft.com/office/2006/metadata/contentType"/>
@@ -17393,6 +19430,14 @@
 </ds:datastoreItem>
 </file>
 
+<file path=customXml/itemProps2.xml><?xml version="1.0" encoding="utf-8"?>
+<ds:datastoreItem xmlns:ds="http://schemas.openxmlformats.org/officeDocument/2006/customXml" ds:itemID="{7E0A2CB4-6869-426F-8BC4-A32C90CBE263}">
+  <ds:schemaRefs>
+    <ds:schemaRef ds:uri="http://schemas.microsoft.com/sharepoint/v3/contenttype/forms"/>
+  </ds:schemaRefs>
+</ds:datastoreItem>
+</file>
+
 <file path=customXml/itemProps3.xml><?xml version="1.0" encoding="utf-8"?>
 <ds:datastoreItem xmlns:ds="http://schemas.openxmlformats.org/officeDocument/2006/customXml" ds:itemID="{A4E879E6-8FFE-4154-8F2A-F7518B89B376}">
   <ds:schemaRefs>

--- a/presentazione.pptx
+++ b/presentazione.pptx
@@ -5,27 +5,16 @@
     <p:sldMasterId id="2147483717" r:id="rId4"/>
   </p:sldMasterIdLst>
   <p:notesMasterIdLst>
-    <p:notesMasterId r:id="rId20"/>
+    <p:notesMasterId r:id="rId9"/>
   </p:notesMasterIdLst>
   <p:handoutMasterIdLst>
-    <p:handoutMasterId r:id="rId21"/>
+    <p:handoutMasterId r:id="rId10"/>
   </p:handoutMasterIdLst>
   <p:sldIdLst>
     <p:sldId id="258" r:id="rId5"/>
-    <p:sldId id="261" r:id="rId6"/>
-    <p:sldId id="286" r:id="rId7"/>
-    <p:sldId id="266" r:id="rId8"/>
-    <p:sldId id="291" r:id="rId9"/>
-    <p:sldId id="292" r:id="rId10"/>
-    <p:sldId id="293" r:id="rId11"/>
-    <p:sldId id="295" r:id="rId12"/>
-    <p:sldId id="296" r:id="rId13"/>
-    <p:sldId id="297" r:id="rId14"/>
-    <p:sldId id="301" r:id="rId15"/>
-    <p:sldId id="300" r:id="rId16"/>
-    <p:sldId id="303" r:id="rId17"/>
-    <p:sldId id="302" r:id="rId18"/>
-    <p:sldId id="280" r:id="rId19"/>
+    <p:sldId id="286" r:id="rId6"/>
+    <p:sldId id="266" r:id="rId7"/>
+    <p:sldId id="291" r:id="rId8"/>
   </p:sldIdLst>
   <p:sldSz cx="12192000" cy="6858000"/>
   <p:notesSz cx="6858000" cy="9144000"/>
@@ -231,7 +220,7 @@
             <a:pPr rtl="0"/>
             <a:fld id="{36FC0A7B-6666-4F41-AD03-C74B76B10001}" type="datetime1">
               <a:rPr lang="it-IT" smtClean="0"/>
-              <a:t>15/04/2022</a:t>
+              <a:t>02/05/2022</a:t>
             </a:fld>
             <a:endParaRPr lang="it-IT" dirty="0"/>
           </a:p>
@@ -412,7 +401,7 @@
             <a:fld id="{110E367B-2E0B-461C-8280-86016408BD7C}" type="datetime1">
               <a:rPr lang="it-IT" smtClean="0"/>
               <a:pPr/>
-              <a:t>15/04/2022</a:t>
+              <a:t>02/05/2022</a:t>
             </a:fld>
             <a:endParaRPr lang="it-IT" dirty="0"/>
           </a:p>
@@ -768,436 +757,6 @@
 </p:notes>
 </file>
 
-<file path=ppt/notesSlides/notesSlide10.xml><?xml version="1.0" encoding="utf-8"?>
-<p:notes xmlns:a="http://schemas.openxmlformats.org/drawingml/2006/main" xmlns:r="http://schemas.openxmlformats.org/officeDocument/2006/relationships" xmlns:p="http://schemas.openxmlformats.org/presentationml/2006/main">
-  <p:cSld>
-    <p:spTree>
-      <p:nvGrpSpPr>
-        <p:cNvPr id="1" name=""/>
-        <p:cNvGrpSpPr/>
-        <p:nvPr/>
-      </p:nvGrpSpPr>
-      <p:grpSpPr>
-        <a:xfrm>
-          <a:off x="0" y="0"/>
-          <a:ext cx="0" cy="0"/>
-          <a:chOff x="0" y="0"/>
-          <a:chExt cx="0" cy="0"/>
-        </a:xfrm>
-      </p:grpSpPr>
-      <p:sp>
-        <p:nvSpPr>
-          <p:cNvPr id="2" name="Segnaposto immagine diapositiva 1"/>
-          <p:cNvSpPr>
-            <a:spLocks noGrp="1" noRot="1" noChangeAspect="1"/>
-          </p:cNvSpPr>
-          <p:nvPr>
-            <p:ph type="sldImg"/>
-          </p:nvPr>
-        </p:nvSpPr>
-        <p:spPr/>
-      </p:sp>
-      <p:sp>
-        <p:nvSpPr>
-          <p:cNvPr id="3" name="Segnaposto note 2"/>
-          <p:cNvSpPr>
-            <a:spLocks noGrp="1"/>
-          </p:cNvSpPr>
-          <p:nvPr>
-            <p:ph type="body" idx="1"/>
-          </p:nvPr>
-        </p:nvSpPr>
-        <p:spPr/>
-        <p:txBody>
-          <a:bodyPr rtlCol="0"/>
-          <a:lstStyle/>
-          <a:p>
-            <a:pPr rtl="0"/>
-            <a:endParaRPr lang="it-IT" dirty="0"/>
-          </a:p>
-        </p:txBody>
-      </p:sp>
-      <p:sp>
-        <p:nvSpPr>
-          <p:cNvPr id="4" name="Segnaposto numero diapositiva 3"/>
-          <p:cNvSpPr>
-            <a:spLocks noGrp="1"/>
-          </p:cNvSpPr>
-          <p:nvPr>
-            <p:ph type="sldNum" sz="quarter" idx="5"/>
-          </p:nvPr>
-        </p:nvSpPr>
-        <p:spPr/>
-        <p:txBody>
-          <a:bodyPr rtlCol="0"/>
-          <a:lstStyle/>
-          <a:p>
-            <a:pPr rtl="0"/>
-            <a:fld id="{284ECAD9-32EE-4091-BDA5-6BD15ACC5E58}" type="slidenum">
-              <a:rPr lang="it-IT" smtClean="0"/>
-              <a:t>11</a:t>
-            </a:fld>
-            <a:endParaRPr lang="it-IT" dirty="0"/>
-          </a:p>
-        </p:txBody>
-      </p:sp>
-    </p:spTree>
-    <p:extLst>
-      <p:ext uri="{BB962C8B-B14F-4D97-AF65-F5344CB8AC3E}">
-        <p14:creationId xmlns:p14="http://schemas.microsoft.com/office/powerpoint/2010/main" val="4051680716"/>
-      </p:ext>
-    </p:extLst>
-  </p:cSld>
-  <p:clrMapOvr>
-    <a:masterClrMapping/>
-  </p:clrMapOvr>
-</p:notes>
-</file>
-
-<file path=ppt/notesSlides/notesSlide11.xml><?xml version="1.0" encoding="utf-8"?>
-<p:notes xmlns:a="http://schemas.openxmlformats.org/drawingml/2006/main" xmlns:r="http://schemas.openxmlformats.org/officeDocument/2006/relationships" xmlns:p="http://schemas.openxmlformats.org/presentationml/2006/main">
-  <p:cSld>
-    <p:spTree>
-      <p:nvGrpSpPr>
-        <p:cNvPr id="1" name=""/>
-        <p:cNvGrpSpPr/>
-        <p:nvPr/>
-      </p:nvGrpSpPr>
-      <p:grpSpPr>
-        <a:xfrm>
-          <a:off x="0" y="0"/>
-          <a:ext cx="0" cy="0"/>
-          <a:chOff x="0" y="0"/>
-          <a:chExt cx="0" cy="0"/>
-        </a:xfrm>
-      </p:grpSpPr>
-      <p:sp>
-        <p:nvSpPr>
-          <p:cNvPr id="2" name="Segnaposto immagine diapositiva 1"/>
-          <p:cNvSpPr>
-            <a:spLocks noGrp="1" noRot="1" noChangeAspect="1"/>
-          </p:cNvSpPr>
-          <p:nvPr>
-            <p:ph type="sldImg"/>
-          </p:nvPr>
-        </p:nvSpPr>
-        <p:spPr/>
-      </p:sp>
-      <p:sp>
-        <p:nvSpPr>
-          <p:cNvPr id="3" name="Segnaposto note 2"/>
-          <p:cNvSpPr>
-            <a:spLocks noGrp="1"/>
-          </p:cNvSpPr>
-          <p:nvPr>
-            <p:ph type="body" idx="1"/>
-          </p:nvPr>
-        </p:nvSpPr>
-        <p:spPr/>
-        <p:txBody>
-          <a:bodyPr rtlCol="0"/>
-          <a:lstStyle/>
-          <a:p>
-            <a:pPr rtl="0"/>
-            <a:endParaRPr lang="it-IT" dirty="0"/>
-          </a:p>
-        </p:txBody>
-      </p:sp>
-      <p:sp>
-        <p:nvSpPr>
-          <p:cNvPr id="4" name="Segnaposto numero diapositiva 3"/>
-          <p:cNvSpPr>
-            <a:spLocks noGrp="1"/>
-          </p:cNvSpPr>
-          <p:nvPr>
-            <p:ph type="sldNum" sz="quarter" idx="5"/>
-          </p:nvPr>
-        </p:nvSpPr>
-        <p:spPr/>
-        <p:txBody>
-          <a:bodyPr rtlCol="0"/>
-          <a:lstStyle/>
-          <a:p>
-            <a:pPr rtl="0"/>
-            <a:fld id="{284ECAD9-32EE-4091-BDA5-6BD15ACC5E58}" type="slidenum">
-              <a:rPr lang="it-IT" smtClean="0"/>
-              <a:t>12</a:t>
-            </a:fld>
-            <a:endParaRPr lang="it-IT" dirty="0"/>
-          </a:p>
-        </p:txBody>
-      </p:sp>
-    </p:spTree>
-    <p:extLst>
-      <p:ext uri="{BB962C8B-B14F-4D97-AF65-F5344CB8AC3E}">
-        <p14:creationId xmlns:p14="http://schemas.microsoft.com/office/powerpoint/2010/main" val="3717284432"/>
-      </p:ext>
-    </p:extLst>
-  </p:cSld>
-  <p:clrMapOvr>
-    <a:masterClrMapping/>
-  </p:clrMapOvr>
-</p:notes>
-</file>
-
-<file path=ppt/notesSlides/notesSlide12.xml><?xml version="1.0" encoding="utf-8"?>
-<p:notes xmlns:a="http://schemas.openxmlformats.org/drawingml/2006/main" xmlns:r="http://schemas.openxmlformats.org/officeDocument/2006/relationships" xmlns:p="http://schemas.openxmlformats.org/presentationml/2006/main">
-  <p:cSld>
-    <p:spTree>
-      <p:nvGrpSpPr>
-        <p:cNvPr id="1" name=""/>
-        <p:cNvGrpSpPr/>
-        <p:nvPr/>
-      </p:nvGrpSpPr>
-      <p:grpSpPr>
-        <a:xfrm>
-          <a:off x="0" y="0"/>
-          <a:ext cx="0" cy="0"/>
-          <a:chOff x="0" y="0"/>
-          <a:chExt cx="0" cy="0"/>
-        </a:xfrm>
-      </p:grpSpPr>
-      <p:sp>
-        <p:nvSpPr>
-          <p:cNvPr id="2" name="Segnaposto immagine diapositiva 1"/>
-          <p:cNvSpPr>
-            <a:spLocks noGrp="1" noRot="1" noChangeAspect="1"/>
-          </p:cNvSpPr>
-          <p:nvPr>
-            <p:ph type="sldImg"/>
-          </p:nvPr>
-        </p:nvSpPr>
-        <p:spPr/>
-      </p:sp>
-      <p:sp>
-        <p:nvSpPr>
-          <p:cNvPr id="3" name="Segnaposto note 2"/>
-          <p:cNvSpPr>
-            <a:spLocks noGrp="1"/>
-          </p:cNvSpPr>
-          <p:nvPr>
-            <p:ph type="body" idx="1"/>
-          </p:nvPr>
-        </p:nvSpPr>
-        <p:spPr/>
-        <p:txBody>
-          <a:bodyPr rtlCol="0"/>
-          <a:lstStyle/>
-          <a:p>
-            <a:pPr rtl="0"/>
-            <a:endParaRPr lang="it-IT" dirty="0"/>
-          </a:p>
-        </p:txBody>
-      </p:sp>
-      <p:sp>
-        <p:nvSpPr>
-          <p:cNvPr id="4" name="Segnaposto numero diapositiva 3"/>
-          <p:cNvSpPr>
-            <a:spLocks noGrp="1"/>
-          </p:cNvSpPr>
-          <p:nvPr>
-            <p:ph type="sldNum" sz="quarter" idx="5"/>
-          </p:nvPr>
-        </p:nvSpPr>
-        <p:spPr/>
-        <p:txBody>
-          <a:bodyPr rtlCol="0"/>
-          <a:lstStyle/>
-          <a:p>
-            <a:pPr rtl="0"/>
-            <a:fld id="{284ECAD9-32EE-4091-BDA5-6BD15ACC5E58}" type="slidenum">
-              <a:rPr lang="it-IT" smtClean="0"/>
-              <a:t>13</a:t>
-            </a:fld>
-            <a:endParaRPr lang="it-IT" dirty="0"/>
-          </a:p>
-        </p:txBody>
-      </p:sp>
-    </p:spTree>
-    <p:extLst>
-      <p:ext uri="{BB962C8B-B14F-4D97-AF65-F5344CB8AC3E}">
-        <p14:creationId xmlns:p14="http://schemas.microsoft.com/office/powerpoint/2010/main" val="774308375"/>
-      </p:ext>
-    </p:extLst>
-  </p:cSld>
-  <p:clrMapOvr>
-    <a:masterClrMapping/>
-  </p:clrMapOvr>
-</p:notes>
-</file>
-
-<file path=ppt/notesSlides/notesSlide13.xml><?xml version="1.0" encoding="utf-8"?>
-<p:notes xmlns:a="http://schemas.openxmlformats.org/drawingml/2006/main" xmlns:r="http://schemas.openxmlformats.org/officeDocument/2006/relationships" xmlns:p="http://schemas.openxmlformats.org/presentationml/2006/main">
-  <p:cSld>
-    <p:spTree>
-      <p:nvGrpSpPr>
-        <p:cNvPr id="1" name=""/>
-        <p:cNvGrpSpPr/>
-        <p:nvPr/>
-      </p:nvGrpSpPr>
-      <p:grpSpPr>
-        <a:xfrm>
-          <a:off x="0" y="0"/>
-          <a:ext cx="0" cy="0"/>
-          <a:chOff x="0" y="0"/>
-          <a:chExt cx="0" cy="0"/>
-        </a:xfrm>
-      </p:grpSpPr>
-      <p:sp>
-        <p:nvSpPr>
-          <p:cNvPr id="2" name="Segnaposto immagine diapositiva 1"/>
-          <p:cNvSpPr>
-            <a:spLocks noGrp="1" noRot="1" noChangeAspect="1"/>
-          </p:cNvSpPr>
-          <p:nvPr>
-            <p:ph type="sldImg"/>
-          </p:nvPr>
-        </p:nvSpPr>
-        <p:spPr/>
-      </p:sp>
-      <p:sp>
-        <p:nvSpPr>
-          <p:cNvPr id="3" name="Segnaposto note 2"/>
-          <p:cNvSpPr>
-            <a:spLocks noGrp="1"/>
-          </p:cNvSpPr>
-          <p:nvPr>
-            <p:ph type="body" idx="1"/>
-          </p:nvPr>
-        </p:nvSpPr>
-        <p:spPr/>
-        <p:txBody>
-          <a:bodyPr rtlCol="0"/>
-          <a:lstStyle/>
-          <a:p>
-            <a:pPr rtl="0"/>
-            <a:endParaRPr lang="it-IT" dirty="0"/>
-          </a:p>
-        </p:txBody>
-      </p:sp>
-      <p:sp>
-        <p:nvSpPr>
-          <p:cNvPr id="4" name="Segnaposto numero diapositiva 3"/>
-          <p:cNvSpPr>
-            <a:spLocks noGrp="1"/>
-          </p:cNvSpPr>
-          <p:nvPr>
-            <p:ph type="sldNum" sz="quarter" idx="5"/>
-          </p:nvPr>
-        </p:nvSpPr>
-        <p:spPr/>
-        <p:txBody>
-          <a:bodyPr rtlCol="0"/>
-          <a:lstStyle/>
-          <a:p>
-            <a:pPr rtl="0"/>
-            <a:fld id="{284ECAD9-32EE-4091-BDA5-6BD15ACC5E58}" type="slidenum">
-              <a:rPr lang="it-IT" smtClean="0"/>
-              <a:t>14</a:t>
-            </a:fld>
-            <a:endParaRPr lang="it-IT" dirty="0"/>
-          </a:p>
-        </p:txBody>
-      </p:sp>
-    </p:spTree>
-    <p:extLst>
-      <p:ext uri="{BB962C8B-B14F-4D97-AF65-F5344CB8AC3E}">
-        <p14:creationId xmlns:p14="http://schemas.microsoft.com/office/powerpoint/2010/main" val="1744256666"/>
-      </p:ext>
-    </p:extLst>
-  </p:cSld>
-  <p:clrMapOvr>
-    <a:masterClrMapping/>
-  </p:clrMapOvr>
-</p:notes>
-</file>
-
-<file path=ppt/notesSlides/notesSlide14.xml><?xml version="1.0" encoding="utf-8"?>
-<p:notes xmlns:a="http://schemas.openxmlformats.org/drawingml/2006/main" xmlns:r="http://schemas.openxmlformats.org/officeDocument/2006/relationships" xmlns:p="http://schemas.openxmlformats.org/presentationml/2006/main">
-  <p:cSld>
-    <p:spTree>
-      <p:nvGrpSpPr>
-        <p:cNvPr id="1" name=""/>
-        <p:cNvGrpSpPr/>
-        <p:nvPr/>
-      </p:nvGrpSpPr>
-      <p:grpSpPr>
-        <a:xfrm>
-          <a:off x="0" y="0"/>
-          <a:ext cx="0" cy="0"/>
-          <a:chOff x="0" y="0"/>
-          <a:chExt cx="0" cy="0"/>
-        </a:xfrm>
-      </p:grpSpPr>
-      <p:sp>
-        <p:nvSpPr>
-          <p:cNvPr id="2" name="Segnaposto immagine diapositiva 1"/>
-          <p:cNvSpPr>
-            <a:spLocks noGrp="1" noRot="1" noChangeAspect="1"/>
-          </p:cNvSpPr>
-          <p:nvPr>
-            <p:ph type="sldImg"/>
-          </p:nvPr>
-        </p:nvSpPr>
-        <p:spPr/>
-      </p:sp>
-      <p:sp>
-        <p:nvSpPr>
-          <p:cNvPr id="3" name="Segnaposto note 2"/>
-          <p:cNvSpPr>
-            <a:spLocks noGrp="1"/>
-          </p:cNvSpPr>
-          <p:nvPr>
-            <p:ph type="body" idx="1"/>
-          </p:nvPr>
-        </p:nvSpPr>
-        <p:spPr/>
-        <p:txBody>
-          <a:bodyPr rtlCol="0"/>
-          <a:lstStyle/>
-          <a:p>
-            <a:pPr rtl="0"/>
-            <a:endParaRPr lang="it-IT" dirty="0"/>
-          </a:p>
-        </p:txBody>
-      </p:sp>
-      <p:sp>
-        <p:nvSpPr>
-          <p:cNvPr id="4" name="Segnaposto numero diapositiva 3"/>
-          <p:cNvSpPr>
-            <a:spLocks noGrp="1"/>
-          </p:cNvSpPr>
-          <p:nvPr>
-            <p:ph type="sldNum" sz="quarter" idx="5"/>
-          </p:nvPr>
-        </p:nvSpPr>
-        <p:spPr/>
-        <p:txBody>
-          <a:bodyPr rtlCol="0"/>
-          <a:lstStyle/>
-          <a:p>
-            <a:pPr rtl="0"/>
-            <a:fld id="{284ECAD9-32EE-4091-BDA5-6BD15ACC5E58}" type="slidenum">
-              <a:rPr lang="it-IT" smtClean="0"/>
-              <a:t>15</a:t>
-            </a:fld>
-            <a:endParaRPr lang="it-IT" dirty="0"/>
-          </a:p>
-        </p:txBody>
-      </p:sp>
-    </p:spTree>
-    <p:extLst>
-      <p:ext uri="{BB962C8B-B14F-4D97-AF65-F5344CB8AC3E}">
-        <p14:creationId xmlns:p14="http://schemas.microsoft.com/office/powerpoint/2010/main" val="1755222535"/>
-      </p:ext>
-    </p:extLst>
-  </p:cSld>
-  <p:clrMapOvr>
-    <a:masterClrMapping/>
-  </p:clrMapOvr>
-</p:notes>
-</file>
-
 <file path=ppt/notesSlides/notesSlide2.xml><?xml version="1.0" encoding="utf-8"?>
 <p:notes xmlns:a="http://schemas.openxmlformats.org/drawingml/2006/main" xmlns:r="http://schemas.openxmlformats.org/officeDocument/2006/relationships" xmlns:p="http://schemas.openxmlformats.org/presentationml/2006/main">
   <p:cSld>
@@ -1254,7 +813,7 @@
             <a:spLocks noGrp="1"/>
           </p:cNvSpPr>
           <p:nvPr>
-            <p:ph type="sldNum" sz="quarter" idx="5"/>
+            <p:ph type="sldNum" sz="quarter" idx="10"/>
           </p:nvPr>
         </p:nvSpPr>
         <p:spPr/>
@@ -1262,78 +821,19 @@
           <a:bodyPr rtlCol="0"/>
           <a:lstStyle/>
           <a:p>
-            <a:pPr marL="0" marR="0" lvl="0" indent="0" algn="r" defTabSz="914400" rtl="0" eaLnBrk="1" fontAlgn="auto" latinLnBrk="0" hangingPunct="1">
-              <a:lnSpc>
-                <a:spcPct val="100000"/>
-              </a:lnSpc>
-              <a:spcBef>
-                <a:spcPts val="0"/>
-              </a:spcBef>
-              <a:spcAft>
-                <a:spcPts val="0"/>
-              </a:spcAft>
-              <a:buClrTx/>
-              <a:buSzTx/>
-              <a:buFontTx/>
-              <a:buNone/>
-              <a:tabLst/>
-              <a:defRPr/>
-            </a:pPr>
+            <a:pPr rtl="0"/>
             <a:fld id="{284ECAD9-32EE-4091-BDA5-6BD15ACC5E58}" type="slidenum">
-              <a:rPr kumimoji="0" lang="it-IT" sz="1200" b="0" i="0" u="none" strike="noStrike" kern="1200" cap="none" spc="0" normalizeH="0" baseline="0" noProof="0" smtClean="0">
-                <a:ln>
-                  <a:noFill/>
-                </a:ln>
-                <a:solidFill>
-                  <a:prstClr val="black"/>
-                </a:solidFill>
-                <a:effectLst/>
-                <a:uLnTx/>
-                <a:uFillTx/>
-                <a:latin typeface="Calibri" panose="020F0502020204030204"/>
-                <a:ea typeface="+mn-ea"/>
-                <a:cs typeface="+mn-cs"/>
-              </a:rPr>
-              <a:pPr marL="0" marR="0" lvl="0" indent="0" algn="r" defTabSz="914400" rtl="0" eaLnBrk="1" fontAlgn="auto" latinLnBrk="0" hangingPunct="1">
-                <a:lnSpc>
-                  <a:spcPct val="100000"/>
-                </a:lnSpc>
-                <a:spcBef>
-                  <a:spcPts val="0"/>
-                </a:spcBef>
-                <a:spcAft>
-                  <a:spcPts val="0"/>
-                </a:spcAft>
-                <a:buClrTx/>
-                <a:buSzTx/>
-                <a:buFontTx/>
-                <a:buNone/>
-                <a:tabLst/>
-                <a:defRPr/>
-              </a:pPr>
+              <a:rPr lang="it-IT" smtClean="0"/>
               <a:t>2</a:t>
             </a:fld>
-            <a:endParaRPr kumimoji="0" lang="it-IT" sz="1200" b="0" i="0" u="none" strike="noStrike" kern="1200" cap="none" spc="0" normalizeH="0" baseline="0" noProof="0" dirty="0">
-              <a:ln>
-                <a:noFill/>
-              </a:ln>
-              <a:solidFill>
-                <a:prstClr val="black"/>
-              </a:solidFill>
-              <a:effectLst/>
-              <a:uLnTx/>
-              <a:uFillTx/>
-              <a:latin typeface="Calibri" panose="020F0502020204030204"/>
-              <a:ea typeface="+mn-ea"/>
-              <a:cs typeface="+mn-cs"/>
-            </a:endParaRPr>
+            <a:endParaRPr lang="it-IT" dirty="0"/>
           </a:p>
         </p:txBody>
       </p:sp>
     </p:spTree>
     <p:extLst>
       <p:ext uri="{BB962C8B-B14F-4D97-AF65-F5344CB8AC3E}">
-        <p14:creationId xmlns:p14="http://schemas.microsoft.com/office/powerpoint/2010/main" val="3455333877"/>
+        <p14:creationId xmlns:p14="http://schemas.microsoft.com/office/powerpoint/2010/main" val="279250076"/>
       </p:ext>
     </p:extLst>
   </p:cSld>
@@ -1399,7 +899,7 @@
             <a:spLocks noGrp="1"/>
           </p:cNvSpPr>
           <p:nvPr>
-            <p:ph type="sldNum" sz="quarter" idx="10"/>
+            <p:ph type="sldNum" sz="quarter" idx="5"/>
           </p:nvPr>
         </p:nvSpPr>
         <p:spPr/>
@@ -1419,7 +919,7 @@
     </p:spTree>
     <p:extLst>
       <p:ext uri="{BB962C8B-B14F-4D97-AF65-F5344CB8AC3E}">
-        <p14:creationId xmlns:p14="http://schemas.microsoft.com/office/powerpoint/2010/main" val="279250076"/>
+        <p14:creationId xmlns:p14="http://schemas.microsoft.com/office/powerpoint/2010/main" val="4166621083"/>
       </p:ext>
     </p:extLst>
   </p:cSld>
@@ -1505,437 +1005,7 @@
     </p:spTree>
     <p:extLst>
       <p:ext uri="{BB962C8B-B14F-4D97-AF65-F5344CB8AC3E}">
-        <p14:creationId xmlns:p14="http://schemas.microsoft.com/office/powerpoint/2010/main" val="4166621083"/>
-      </p:ext>
-    </p:extLst>
-  </p:cSld>
-  <p:clrMapOvr>
-    <a:masterClrMapping/>
-  </p:clrMapOvr>
-</p:notes>
-</file>
-
-<file path=ppt/notesSlides/notesSlide5.xml><?xml version="1.0" encoding="utf-8"?>
-<p:notes xmlns:a="http://schemas.openxmlformats.org/drawingml/2006/main" xmlns:r="http://schemas.openxmlformats.org/officeDocument/2006/relationships" xmlns:p="http://schemas.openxmlformats.org/presentationml/2006/main">
-  <p:cSld>
-    <p:spTree>
-      <p:nvGrpSpPr>
-        <p:cNvPr id="1" name=""/>
-        <p:cNvGrpSpPr/>
-        <p:nvPr/>
-      </p:nvGrpSpPr>
-      <p:grpSpPr>
-        <a:xfrm>
-          <a:off x="0" y="0"/>
-          <a:ext cx="0" cy="0"/>
-          <a:chOff x="0" y="0"/>
-          <a:chExt cx="0" cy="0"/>
-        </a:xfrm>
-      </p:grpSpPr>
-      <p:sp>
-        <p:nvSpPr>
-          <p:cNvPr id="2" name="Segnaposto immagine diapositiva 1"/>
-          <p:cNvSpPr>
-            <a:spLocks noGrp="1" noRot="1" noChangeAspect="1"/>
-          </p:cNvSpPr>
-          <p:nvPr>
-            <p:ph type="sldImg"/>
-          </p:nvPr>
-        </p:nvSpPr>
-        <p:spPr/>
-      </p:sp>
-      <p:sp>
-        <p:nvSpPr>
-          <p:cNvPr id="3" name="Segnaposto note 2"/>
-          <p:cNvSpPr>
-            <a:spLocks noGrp="1"/>
-          </p:cNvSpPr>
-          <p:nvPr>
-            <p:ph type="body" idx="1"/>
-          </p:nvPr>
-        </p:nvSpPr>
-        <p:spPr/>
-        <p:txBody>
-          <a:bodyPr rtlCol="0"/>
-          <a:lstStyle/>
-          <a:p>
-            <a:pPr rtl="0"/>
-            <a:endParaRPr lang="it-IT" dirty="0"/>
-          </a:p>
-        </p:txBody>
-      </p:sp>
-      <p:sp>
-        <p:nvSpPr>
-          <p:cNvPr id="4" name="Segnaposto numero diapositiva 3"/>
-          <p:cNvSpPr>
-            <a:spLocks noGrp="1"/>
-          </p:cNvSpPr>
-          <p:nvPr>
-            <p:ph type="sldNum" sz="quarter" idx="5"/>
-          </p:nvPr>
-        </p:nvSpPr>
-        <p:spPr/>
-        <p:txBody>
-          <a:bodyPr rtlCol="0"/>
-          <a:lstStyle/>
-          <a:p>
-            <a:pPr rtl="0"/>
-            <a:fld id="{284ECAD9-32EE-4091-BDA5-6BD15ACC5E58}" type="slidenum">
-              <a:rPr lang="it-IT" smtClean="0"/>
-              <a:t>5</a:t>
-            </a:fld>
-            <a:endParaRPr lang="it-IT" dirty="0"/>
-          </a:p>
-        </p:txBody>
-      </p:sp>
-    </p:spTree>
-    <p:extLst>
-      <p:ext uri="{BB962C8B-B14F-4D97-AF65-F5344CB8AC3E}">
         <p14:creationId xmlns:p14="http://schemas.microsoft.com/office/powerpoint/2010/main" val="3085169549"/>
-      </p:ext>
-    </p:extLst>
-  </p:cSld>
-  <p:clrMapOvr>
-    <a:masterClrMapping/>
-  </p:clrMapOvr>
-</p:notes>
-</file>
-
-<file path=ppt/notesSlides/notesSlide6.xml><?xml version="1.0" encoding="utf-8"?>
-<p:notes xmlns:a="http://schemas.openxmlformats.org/drawingml/2006/main" xmlns:r="http://schemas.openxmlformats.org/officeDocument/2006/relationships" xmlns:p="http://schemas.openxmlformats.org/presentationml/2006/main">
-  <p:cSld>
-    <p:spTree>
-      <p:nvGrpSpPr>
-        <p:cNvPr id="1" name=""/>
-        <p:cNvGrpSpPr/>
-        <p:nvPr/>
-      </p:nvGrpSpPr>
-      <p:grpSpPr>
-        <a:xfrm>
-          <a:off x="0" y="0"/>
-          <a:ext cx="0" cy="0"/>
-          <a:chOff x="0" y="0"/>
-          <a:chExt cx="0" cy="0"/>
-        </a:xfrm>
-      </p:grpSpPr>
-      <p:sp>
-        <p:nvSpPr>
-          <p:cNvPr id="2" name="Segnaposto immagine diapositiva 1"/>
-          <p:cNvSpPr>
-            <a:spLocks noGrp="1" noRot="1" noChangeAspect="1"/>
-          </p:cNvSpPr>
-          <p:nvPr>
-            <p:ph type="sldImg"/>
-          </p:nvPr>
-        </p:nvSpPr>
-        <p:spPr/>
-      </p:sp>
-      <p:sp>
-        <p:nvSpPr>
-          <p:cNvPr id="3" name="Segnaposto note 2"/>
-          <p:cNvSpPr>
-            <a:spLocks noGrp="1"/>
-          </p:cNvSpPr>
-          <p:nvPr>
-            <p:ph type="body" idx="1"/>
-          </p:nvPr>
-        </p:nvSpPr>
-        <p:spPr/>
-        <p:txBody>
-          <a:bodyPr rtlCol="0"/>
-          <a:lstStyle/>
-          <a:p>
-            <a:pPr rtl="0"/>
-            <a:endParaRPr lang="it-IT" dirty="0"/>
-          </a:p>
-        </p:txBody>
-      </p:sp>
-      <p:sp>
-        <p:nvSpPr>
-          <p:cNvPr id="4" name="Segnaposto numero diapositiva 3"/>
-          <p:cNvSpPr>
-            <a:spLocks noGrp="1"/>
-          </p:cNvSpPr>
-          <p:nvPr>
-            <p:ph type="sldNum" sz="quarter" idx="10"/>
-          </p:nvPr>
-        </p:nvSpPr>
-        <p:spPr/>
-        <p:txBody>
-          <a:bodyPr rtlCol="0"/>
-          <a:lstStyle/>
-          <a:p>
-            <a:pPr rtl="0"/>
-            <a:fld id="{284ECAD9-32EE-4091-BDA5-6BD15ACC5E58}" type="slidenum">
-              <a:rPr lang="it-IT" smtClean="0"/>
-              <a:t>6</a:t>
-            </a:fld>
-            <a:endParaRPr lang="it-IT" dirty="0"/>
-          </a:p>
-        </p:txBody>
-      </p:sp>
-    </p:spTree>
-    <p:extLst>
-      <p:ext uri="{BB962C8B-B14F-4D97-AF65-F5344CB8AC3E}">
-        <p14:creationId xmlns:p14="http://schemas.microsoft.com/office/powerpoint/2010/main" val="527665808"/>
-      </p:ext>
-    </p:extLst>
-  </p:cSld>
-  <p:clrMapOvr>
-    <a:masterClrMapping/>
-  </p:clrMapOvr>
-</p:notes>
-</file>
-
-<file path=ppt/notesSlides/notesSlide7.xml><?xml version="1.0" encoding="utf-8"?>
-<p:notes xmlns:a="http://schemas.openxmlformats.org/drawingml/2006/main" xmlns:r="http://schemas.openxmlformats.org/officeDocument/2006/relationships" xmlns:p="http://schemas.openxmlformats.org/presentationml/2006/main">
-  <p:cSld>
-    <p:spTree>
-      <p:nvGrpSpPr>
-        <p:cNvPr id="1" name=""/>
-        <p:cNvGrpSpPr/>
-        <p:nvPr/>
-      </p:nvGrpSpPr>
-      <p:grpSpPr>
-        <a:xfrm>
-          <a:off x="0" y="0"/>
-          <a:ext cx="0" cy="0"/>
-          <a:chOff x="0" y="0"/>
-          <a:chExt cx="0" cy="0"/>
-        </a:xfrm>
-      </p:grpSpPr>
-      <p:sp>
-        <p:nvSpPr>
-          <p:cNvPr id="2" name="Segnaposto immagine diapositiva 1"/>
-          <p:cNvSpPr>
-            <a:spLocks noGrp="1" noRot="1" noChangeAspect="1"/>
-          </p:cNvSpPr>
-          <p:nvPr>
-            <p:ph type="sldImg"/>
-          </p:nvPr>
-        </p:nvSpPr>
-        <p:spPr/>
-      </p:sp>
-      <p:sp>
-        <p:nvSpPr>
-          <p:cNvPr id="3" name="Segnaposto note 2"/>
-          <p:cNvSpPr>
-            <a:spLocks noGrp="1"/>
-          </p:cNvSpPr>
-          <p:nvPr>
-            <p:ph type="body" idx="1"/>
-          </p:nvPr>
-        </p:nvSpPr>
-        <p:spPr/>
-        <p:txBody>
-          <a:bodyPr rtlCol="0"/>
-          <a:lstStyle/>
-          <a:p>
-            <a:pPr rtl="0"/>
-            <a:endParaRPr lang="it-IT" dirty="0"/>
-          </a:p>
-        </p:txBody>
-      </p:sp>
-      <p:sp>
-        <p:nvSpPr>
-          <p:cNvPr id="4" name="Segnaposto numero diapositiva 3"/>
-          <p:cNvSpPr>
-            <a:spLocks noGrp="1"/>
-          </p:cNvSpPr>
-          <p:nvPr>
-            <p:ph type="sldNum" sz="quarter" idx="5"/>
-          </p:nvPr>
-        </p:nvSpPr>
-        <p:spPr/>
-        <p:txBody>
-          <a:bodyPr rtlCol="0"/>
-          <a:lstStyle/>
-          <a:p>
-            <a:pPr rtl="0"/>
-            <a:fld id="{284ECAD9-32EE-4091-BDA5-6BD15ACC5E58}" type="slidenum">
-              <a:rPr lang="it-IT" smtClean="0"/>
-              <a:t>7</a:t>
-            </a:fld>
-            <a:endParaRPr lang="it-IT" dirty="0"/>
-          </a:p>
-        </p:txBody>
-      </p:sp>
-    </p:spTree>
-    <p:extLst>
-      <p:ext uri="{BB962C8B-B14F-4D97-AF65-F5344CB8AC3E}">
-        <p14:creationId xmlns:p14="http://schemas.microsoft.com/office/powerpoint/2010/main" val="3038937708"/>
-      </p:ext>
-    </p:extLst>
-  </p:cSld>
-  <p:clrMapOvr>
-    <a:masterClrMapping/>
-  </p:clrMapOvr>
-</p:notes>
-</file>
-
-<file path=ppt/notesSlides/notesSlide8.xml><?xml version="1.0" encoding="utf-8"?>
-<p:notes xmlns:a="http://schemas.openxmlformats.org/drawingml/2006/main" xmlns:r="http://schemas.openxmlformats.org/officeDocument/2006/relationships" xmlns:p="http://schemas.openxmlformats.org/presentationml/2006/main">
-  <p:cSld>
-    <p:spTree>
-      <p:nvGrpSpPr>
-        <p:cNvPr id="1" name=""/>
-        <p:cNvGrpSpPr/>
-        <p:nvPr/>
-      </p:nvGrpSpPr>
-      <p:grpSpPr>
-        <a:xfrm>
-          <a:off x="0" y="0"/>
-          <a:ext cx="0" cy="0"/>
-          <a:chOff x="0" y="0"/>
-          <a:chExt cx="0" cy="0"/>
-        </a:xfrm>
-      </p:grpSpPr>
-      <p:sp>
-        <p:nvSpPr>
-          <p:cNvPr id="2" name="Segnaposto immagine diapositiva 1"/>
-          <p:cNvSpPr>
-            <a:spLocks noGrp="1" noRot="1" noChangeAspect="1"/>
-          </p:cNvSpPr>
-          <p:nvPr>
-            <p:ph type="sldImg"/>
-          </p:nvPr>
-        </p:nvSpPr>
-        <p:spPr/>
-      </p:sp>
-      <p:sp>
-        <p:nvSpPr>
-          <p:cNvPr id="3" name="Segnaposto note 2"/>
-          <p:cNvSpPr>
-            <a:spLocks noGrp="1"/>
-          </p:cNvSpPr>
-          <p:nvPr>
-            <p:ph type="body" idx="1"/>
-          </p:nvPr>
-        </p:nvSpPr>
-        <p:spPr/>
-        <p:txBody>
-          <a:bodyPr rtlCol="0"/>
-          <a:lstStyle/>
-          <a:p>
-            <a:pPr rtl="0"/>
-            <a:endParaRPr lang="it-IT" dirty="0"/>
-          </a:p>
-        </p:txBody>
-      </p:sp>
-      <p:sp>
-        <p:nvSpPr>
-          <p:cNvPr id="4" name="Segnaposto numero diapositiva 3"/>
-          <p:cNvSpPr>
-            <a:spLocks noGrp="1"/>
-          </p:cNvSpPr>
-          <p:nvPr>
-            <p:ph type="sldNum" sz="quarter" idx="5"/>
-          </p:nvPr>
-        </p:nvSpPr>
-        <p:spPr/>
-        <p:txBody>
-          <a:bodyPr rtlCol="0"/>
-          <a:lstStyle/>
-          <a:p>
-            <a:pPr rtl="0"/>
-            <a:fld id="{284ECAD9-32EE-4091-BDA5-6BD15ACC5E58}" type="slidenum">
-              <a:rPr lang="it-IT" smtClean="0"/>
-              <a:t>8</a:t>
-            </a:fld>
-            <a:endParaRPr lang="it-IT" dirty="0"/>
-          </a:p>
-        </p:txBody>
-      </p:sp>
-    </p:spTree>
-    <p:extLst>
-      <p:ext uri="{BB962C8B-B14F-4D97-AF65-F5344CB8AC3E}">
-        <p14:creationId xmlns:p14="http://schemas.microsoft.com/office/powerpoint/2010/main" val="45567329"/>
-      </p:ext>
-    </p:extLst>
-  </p:cSld>
-  <p:clrMapOvr>
-    <a:masterClrMapping/>
-  </p:clrMapOvr>
-</p:notes>
-</file>
-
-<file path=ppt/notesSlides/notesSlide9.xml><?xml version="1.0" encoding="utf-8"?>
-<p:notes xmlns:a="http://schemas.openxmlformats.org/drawingml/2006/main" xmlns:r="http://schemas.openxmlformats.org/officeDocument/2006/relationships" xmlns:p="http://schemas.openxmlformats.org/presentationml/2006/main">
-  <p:cSld>
-    <p:spTree>
-      <p:nvGrpSpPr>
-        <p:cNvPr id="1" name=""/>
-        <p:cNvGrpSpPr/>
-        <p:nvPr/>
-      </p:nvGrpSpPr>
-      <p:grpSpPr>
-        <a:xfrm>
-          <a:off x="0" y="0"/>
-          <a:ext cx="0" cy="0"/>
-          <a:chOff x="0" y="0"/>
-          <a:chExt cx="0" cy="0"/>
-        </a:xfrm>
-      </p:grpSpPr>
-      <p:sp>
-        <p:nvSpPr>
-          <p:cNvPr id="2" name="Segnaposto immagine diapositiva 1"/>
-          <p:cNvSpPr>
-            <a:spLocks noGrp="1" noRot="1" noChangeAspect="1"/>
-          </p:cNvSpPr>
-          <p:nvPr>
-            <p:ph type="sldImg"/>
-          </p:nvPr>
-        </p:nvSpPr>
-        <p:spPr/>
-      </p:sp>
-      <p:sp>
-        <p:nvSpPr>
-          <p:cNvPr id="3" name="Segnaposto note 2"/>
-          <p:cNvSpPr>
-            <a:spLocks noGrp="1"/>
-          </p:cNvSpPr>
-          <p:nvPr>
-            <p:ph type="body" idx="1"/>
-          </p:nvPr>
-        </p:nvSpPr>
-        <p:spPr/>
-        <p:txBody>
-          <a:bodyPr rtlCol="0"/>
-          <a:lstStyle/>
-          <a:p>
-            <a:pPr rtl="0"/>
-            <a:endParaRPr lang="it-IT" dirty="0"/>
-          </a:p>
-        </p:txBody>
-      </p:sp>
-      <p:sp>
-        <p:nvSpPr>
-          <p:cNvPr id="4" name="Segnaposto numero diapositiva 3"/>
-          <p:cNvSpPr>
-            <a:spLocks noGrp="1"/>
-          </p:cNvSpPr>
-          <p:nvPr>
-            <p:ph type="sldNum" sz="quarter" idx="5"/>
-          </p:nvPr>
-        </p:nvSpPr>
-        <p:spPr/>
-        <p:txBody>
-          <a:bodyPr rtlCol="0"/>
-          <a:lstStyle/>
-          <a:p>
-            <a:pPr rtl="0"/>
-            <a:fld id="{284ECAD9-32EE-4091-BDA5-6BD15ACC5E58}" type="slidenum">
-              <a:rPr lang="it-IT" smtClean="0"/>
-              <a:t>9</a:t>
-            </a:fld>
-            <a:endParaRPr lang="it-IT" dirty="0"/>
-          </a:p>
-        </p:txBody>
-      </p:sp>
-    </p:spTree>
-    <p:extLst>
-      <p:ext uri="{BB962C8B-B14F-4D97-AF65-F5344CB8AC3E}">
-        <p14:creationId xmlns:p14="http://schemas.microsoft.com/office/powerpoint/2010/main" val="2143609952"/>
       </p:ext>
     </p:extLst>
   </p:cSld>
@@ -2021,7 +1091,7 @@
             <a:pPr rtl="0"/>
             <a:fld id="{BC5A5791-EFA9-42A2-8E0D-DBC7A027EB39}" type="datetime1">
               <a:rPr lang="it-IT" noProof="0" smtClean="0"/>
-              <a:t>15/04/2022</a:t>
+              <a:t>02/05/2022</a:t>
             </a:fld>
             <a:endParaRPr lang="it-IT" noProof="0" dirty="0"/>
           </a:p>
@@ -2649,7 +1719,7 @@
             <a:pPr rtl="0"/>
             <a:fld id="{FF17C169-DBE1-4B6A-9921-1E108A1C6C42}" type="datetime1">
               <a:rPr lang="it-IT" noProof="0" smtClean="0"/>
-              <a:t>15/04/2022</a:t>
+              <a:t>02/05/2022</a:t>
             </a:fld>
             <a:endParaRPr lang="it-IT" noProof="0" dirty="0"/>
           </a:p>
@@ -3006,7 +2076,7 @@
             <a:pPr rtl="0"/>
             <a:fld id="{6C0ABBAF-B24C-4448-B75C-ADB9350121F9}" type="datetime1">
               <a:rPr lang="it-IT" noProof="0" smtClean="0"/>
-              <a:t>15/04/2022</a:t>
+              <a:t>02/05/2022</a:t>
             </a:fld>
             <a:endParaRPr lang="it-IT" noProof="0" dirty="0"/>
           </a:p>
@@ -3405,7 +2475,7 @@
             <a:pPr rtl="0"/>
             <a:fld id="{26E56894-810F-46F6-9A4E-7CB650138CD2}" type="datetime1">
               <a:rPr lang="it-IT" noProof="0" smtClean="0"/>
-              <a:t>15/04/2022</a:t>
+              <a:t>02/05/2022</a:t>
             </a:fld>
             <a:endParaRPr lang="it-IT" noProof="0" dirty="0"/>
           </a:p>
@@ -3888,7 +2958,7 @@
             <a:pPr rtl="0"/>
             <a:fld id="{6BDF9918-2BB5-43D7-98E9-1FB3954C3638}" type="datetime1">
               <a:rPr lang="it-IT" noProof="0" smtClean="0"/>
-              <a:t>15/04/2022</a:t>
+              <a:t>02/05/2022</a:t>
             </a:fld>
             <a:endParaRPr lang="it-IT" noProof="0" dirty="0"/>
           </a:p>
@@ -4279,7 +3349,7 @@
             <a:pPr rtl="0"/>
             <a:fld id="{983F2180-7340-4006-8F9F-3B15285D3035}" type="datetime1">
               <a:rPr lang="it-IT" noProof="0" smtClean="0"/>
-              <a:t>15/04/2022</a:t>
+              <a:t>02/05/2022</a:t>
             </a:fld>
             <a:endParaRPr lang="it-IT" noProof="0" dirty="0"/>
           </a:p>
@@ -4647,7 +3717,7 @@
             <a:pPr rtl="0"/>
             <a:fld id="{47C567FE-B98A-4D3F-9213-316EA9EC55A5}" type="datetime1">
               <a:rPr lang="it-IT" noProof="0" smtClean="0"/>
-              <a:t>15/04/2022</a:t>
+              <a:t>02/05/2022</a:t>
             </a:fld>
             <a:endParaRPr lang="it-IT" noProof="0" dirty="0"/>
           </a:p>
@@ -5140,7 +4210,7 @@
             <a:pPr rtl="0"/>
             <a:fld id="{BC922104-62E9-446F-9FB1-A32B08927891}" type="datetime1">
               <a:rPr lang="it-IT" noProof="0" smtClean="0"/>
-              <a:t>15/04/2022</a:t>
+              <a:t>02/05/2022</a:t>
             </a:fld>
             <a:endParaRPr lang="it-IT" noProof="0" dirty="0"/>
           </a:p>
@@ -5640,7 +4710,7 @@
             <a:pPr rtl="0"/>
             <a:fld id="{192B49F1-2FC8-466C-ABE0-4929E08403C1}" type="datetime1">
               <a:rPr lang="it-IT" noProof="0" smtClean="0"/>
-              <a:t>15/04/2022</a:t>
+              <a:t>02/05/2022</a:t>
             </a:fld>
             <a:endParaRPr lang="it-IT" noProof="0" dirty="0"/>
           </a:p>
@@ -6077,7 +5147,7 @@
             <a:pPr rtl="0"/>
             <a:fld id="{D669DC07-792B-4D17-B0C3-BB835168107E}" type="datetime1">
               <a:rPr lang="it-IT" noProof="0" smtClean="0"/>
-              <a:t>15/04/2022</a:t>
+              <a:t>02/05/2022</a:t>
             </a:fld>
             <a:endParaRPr lang="it-IT" noProof="0" dirty="0"/>
           </a:p>
@@ -6334,7 +5404,7 @@
             <a:pPr rtl="0"/>
             <a:fld id="{C95873E1-B6E7-4F22-ACBC-2B4E759526F9}" type="datetime1">
               <a:rPr lang="it-IT" noProof="0" smtClean="0"/>
-              <a:t>15/04/2022</a:t>
+              <a:t>02/05/2022</a:t>
             </a:fld>
             <a:endParaRPr lang="it-IT" noProof="0" dirty="0"/>
           </a:p>
@@ -6567,7 +5637,7 @@
             <a:pPr rtl="0"/>
             <a:fld id="{EDF35B73-1E84-4E1D-9C62-04B6DA1DCD89}" type="datetime1">
               <a:rPr lang="it-IT" noProof="0" smtClean="0"/>
-              <a:t>15/04/2022</a:t>
+              <a:t>02/05/2022</a:t>
             </a:fld>
             <a:endParaRPr lang="it-IT" noProof="0" dirty="0"/>
           </a:p>
@@ -6975,7 +6045,7 @@
             <a:pPr rtl="0"/>
             <a:fld id="{EF217D74-4249-45DE-AFC1-DB41000B186F}" type="datetime1">
               <a:rPr lang="it-IT" noProof="0" smtClean="0"/>
-              <a:t>15/04/2022</a:t>
+              <a:t>02/05/2022</a:t>
             </a:fld>
             <a:endParaRPr lang="it-IT" noProof="0" dirty="0"/>
           </a:p>
@@ -7219,7 +6289,7 @@
             <a:pPr rtl="0"/>
             <a:fld id="{02821AFD-43C1-409E-AABC-CA19CBFB6E3C}" type="datetime1">
               <a:rPr lang="it-IT" noProof="0" smtClean="0"/>
-              <a:t>15/04/2022</a:t>
+              <a:t>02/05/2022</a:t>
             </a:fld>
             <a:endParaRPr lang="it-IT" noProof="0" dirty="0"/>
           </a:p>
@@ -7419,7 +6489,7 @@
             <a:pPr rtl="0"/>
             <a:fld id="{25D5A028-43A2-4639-BEEA-82C2B46D2F75}" type="datetime1">
               <a:rPr lang="it-IT" noProof="0" smtClean="0"/>
-              <a:t>15/04/2022</a:t>
+              <a:t>02/05/2022</a:t>
             </a:fld>
             <a:endParaRPr lang="it-IT" noProof="0" dirty="0"/>
           </a:p>
@@ -7879,7 +6949,7 @@
             <a:pPr rtl="0"/>
             <a:fld id="{0AC1AF47-3649-4D70-8624-44F2D47949BF}" type="datetime1">
               <a:rPr lang="it-IT" noProof="0" smtClean="0"/>
-              <a:t>15/04/2022</a:t>
+              <a:t>02/05/2022</a:t>
             </a:fld>
             <a:endParaRPr lang="it-IT" noProof="0" dirty="0"/>
           </a:p>
@@ -8463,7 +7533,7 @@
             <a:pPr rtl="0"/>
             <a:fld id="{0C86549E-7F36-460D-B45B-E31862ACF4DC}" type="datetime1">
               <a:rPr lang="it-IT" noProof="0" smtClean="0"/>
-              <a:t>15/04/2022</a:t>
+              <a:t>02/05/2022</a:t>
             </a:fld>
             <a:endParaRPr lang="it-IT" noProof="0" dirty="0"/>
           </a:p>
@@ -8867,7 +7937,7 @@
             <a:pPr rtl="0"/>
             <a:fld id="{5AD476CA-C764-4FAD-8146-5EA1029A9E33}" type="datetime1">
               <a:rPr lang="it-IT" noProof="0" smtClean="0"/>
-              <a:t>15/04/2022</a:t>
+              <a:t>02/05/2022</a:t>
             </a:fld>
             <a:endParaRPr lang="it-IT" noProof="0" dirty="0"/>
           </a:p>
@@ -9010,7 +8080,7 @@
             <a:pPr rtl="0"/>
             <a:fld id="{8718CE71-08A2-40CC-B75F-5DA9EAC27385}" type="datetime1">
               <a:rPr lang="it-IT" noProof="0" smtClean="0"/>
-              <a:t>15/04/2022</a:t>
+              <a:t>02/05/2022</a:t>
             </a:fld>
             <a:endParaRPr lang="it-IT" noProof="0" dirty="0"/>
           </a:p>
@@ -9202,7 +8272,7 @@
             <a:pPr rtl="0"/>
             <a:fld id="{2F6EAE58-4589-466E-80D1-72C9CC21B379}" type="datetime1">
               <a:rPr lang="it-IT" noProof="0" smtClean="0"/>
-              <a:t>15/04/2022</a:t>
+              <a:t>02/05/2022</a:t>
             </a:fld>
             <a:endParaRPr lang="it-IT" noProof="0" dirty="0"/>
           </a:p>
@@ -9518,7 +8588,7 @@
             <a:pPr rtl="0"/>
             <a:fld id="{415EA518-E098-4533-A7FE-3A70CD273BA1}" type="datetime1">
               <a:rPr lang="it-IT" noProof="0" smtClean="0"/>
-              <a:t>15/04/2022</a:t>
+              <a:t>02/05/2022</a:t>
             </a:fld>
             <a:endParaRPr lang="it-IT" noProof="0" dirty="0"/>
           </a:p>
@@ -10263,202 +9333,7 @@
 </p:sld>
 </file>
 
-<file path=ppt/slides/slide10.xml><?xml version="1.0" encoding="utf-8"?>
-<p:sld xmlns:a="http://schemas.openxmlformats.org/drawingml/2006/main" xmlns:r="http://schemas.openxmlformats.org/officeDocument/2006/relationships" xmlns:p="http://schemas.openxmlformats.org/presentationml/2006/main">
-  <p:cSld>
-    <p:spTree>
-      <p:nvGrpSpPr>
-        <p:cNvPr id="1" name=""/>
-        <p:cNvGrpSpPr/>
-        <p:nvPr/>
-      </p:nvGrpSpPr>
-      <p:grpSpPr>
-        <a:xfrm>
-          <a:off x="0" y="0"/>
-          <a:ext cx="0" cy="0"/>
-          <a:chOff x="0" y="0"/>
-          <a:chExt cx="0" cy="0"/>
-        </a:xfrm>
-      </p:grpSpPr>
-      <p:sp>
-        <p:nvSpPr>
-          <p:cNvPr id="2" name="Titolo 1">
-            <a:extLst>
-              <a:ext uri="{FF2B5EF4-FFF2-40B4-BE49-F238E27FC236}">
-                <a16:creationId xmlns:a16="http://schemas.microsoft.com/office/drawing/2014/main" id="{F90817C5-BA9F-44BE-A457-FE4C2D312809}"/>
-              </a:ext>
-            </a:extLst>
-          </p:cNvPr>
-          <p:cNvSpPr>
-            <a:spLocks noGrp="1"/>
-          </p:cNvSpPr>
-          <p:nvPr>
-            <p:ph type="title"/>
-          </p:nvPr>
-        </p:nvSpPr>
-        <p:spPr/>
-        <p:txBody>
-          <a:bodyPr/>
-          <a:lstStyle/>
-          <a:p>
-            <a:r>
-              <a:rPr lang="it-IT" dirty="0"/>
-              <a:t>Gestione degli errori</a:t>
-            </a:r>
-          </a:p>
-        </p:txBody>
-      </p:sp>
-      <p:sp>
-        <p:nvSpPr>
-          <p:cNvPr id="3" name="Segnaposto contenuto 2">
-            <a:extLst>
-              <a:ext uri="{FF2B5EF4-FFF2-40B4-BE49-F238E27FC236}">
-                <a16:creationId xmlns:a16="http://schemas.microsoft.com/office/drawing/2014/main" id="{9596A2F2-6954-40BF-B413-862D88F08506}"/>
-              </a:ext>
-            </a:extLst>
-          </p:cNvPr>
-          <p:cNvSpPr>
-            <a:spLocks noGrp="1"/>
-          </p:cNvSpPr>
-          <p:nvPr>
-            <p:ph idx="1"/>
-          </p:nvPr>
-        </p:nvSpPr>
-        <p:spPr/>
-        <p:txBody>
-          <a:bodyPr/>
-          <a:lstStyle/>
-          <a:p>
-            <a:r>
-              <a:rPr lang="it-IT" sz="2400" dirty="0">
-                <a:latin typeface="+mj-lt"/>
-              </a:rPr>
-              <a:t>Vengono effettuati controlli sulla presenza e correttezza degli </a:t>
-            </a:r>
-            <a:r>
-              <a:rPr lang="it-IT" sz="2400" dirty="0" err="1">
-                <a:latin typeface="+mj-lt"/>
-              </a:rPr>
-              <a:t>Header</a:t>
-            </a:r>
-            <a:r>
-              <a:rPr lang="it-IT" sz="2400" dirty="0">
-                <a:latin typeface="+mj-lt"/>
-              </a:rPr>
-              <a:t> e si controlla che ogni campo contenente le informazioni del brano sia di lunghezza pari a 30 caratteri.</a:t>
-            </a:r>
-          </a:p>
-          <a:p>
-            <a:r>
-              <a:rPr lang="it-IT" sz="2400" dirty="0">
-                <a:latin typeface="+mj-lt"/>
-              </a:rPr>
-              <a:t>Sfruttiamo il riconoscimento delle eccezioni di ANTLR per capire che tipo di errore riceviamo durante il </a:t>
-            </a:r>
-            <a:r>
-              <a:rPr lang="it-IT" sz="2400" dirty="0" err="1">
-                <a:latin typeface="+mj-lt"/>
-              </a:rPr>
-              <a:t>parsing</a:t>
-            </a:r>
-            <a:endParaRPr lang="it-IT" dirty="0"/>
-          </a:p>
-          <a:p>
-            <a:r>
-              <a:rPr lang="it-IT" sz="2400" dirty="0">
-                <a:latin typeface="+mj-lt"/>
-              </a:rPr>
-              <a:t>Alcuni esempi:</a:t>
-            </a:r>
-          </a:p>
-          <a:p>
-            <a:pPr lvl="1"/>
-            <a:r>
-              <a:rPr lang="it-IT" sz="2200" dirty="0">
-                <a:latin typeface="+mj-lt"/>
-              </a:rPr>
-              <a:t>Mancanza o errata scrittura del TAG iniziale</a:t>
-            </a:r>
-          </a:p>
-          <a:p>
-            <a:endParaRPr lang="it-IT" dirty="0"/>
-          </a:p>
-        </p:txBody>
-      </p:sp>
-      <p:sp>
-        <p:nvSpPr>
-          <p:cNvPr id="4" name="Segnaposto numero diapositiva 3">
-            <a:extLst>
-              <a:ext uri="{FF2B5EF4-FFF2-40B4-BE49-F238E27FC236}">
-                <a16:creationId xmlns:a16="http://schemas.microsoft.com/office/drawing/2014/main" id="{2B13E80C-7F0E-4294-A3F9-CBF165A75956}"/>
-              </a:ext>
-            </a:extLst>
-          </p:cNvPr>
-          <p:cNvSpPr>
-            <a:spLocks noGrp="1"/>
-          </p:cNvSpPr>
-          <p:nvPr>
-            <p:ph type="sldNum" sz="quarter" idx="12"/>
-          </p:nvPr>
-        </p:nvSpPr>
-        <p:spPr/>
-        <p:txBody>
-          <a:bodyPr/>
-          <a:lstStyle/>
-          <a:p>
-            <a:pPr rtl="0"/>
-            <a:fld id="{3A98EE3D-8CD1-4C3F-BD1C-C98C9596463C}" type="slidenum">
-              <a:rPr lang="it-IT" noProof="0" smtClean="0"/>
-              <a:t>10</a:t>
-            </a:fld>
-            <a:endParaRPr lang="it-IT" noProof="0" dirty="0"/>
-          </a:p>
-        </p:txBody>
-      </p:sp>
-      <p:pic>
-        <p:nvPicPr>
-          <p:cNvPr id="6" name="Immagine 5">
-            <a:extLst>
-              <a:ext uri="{FF2B5EF4-FFF2-40B4-BE49-F238E27FC236}">
-                <a16:creationId xmlns:a16="http://schemas.microsoft.com/office/drawing/2014/main" id="{D6A62E99-94CE-4219-B69B-E1B6C2FA2D4F}"/>
-              </a:ext>
-            </a:extLst>
-          </p:cNvPr>
-          <p:cNvPicPr>
-            <a:picLocks noChangeAspect="1"/>
-          </p:cNvPicPr>
-          <p:nvPr/>
-        </p:nvPicPr>
-        <p:blipFill>
-          <a:blip r:embed="rId2"/>
-          <a:stretch>
-            <a:fillRect/>
-          </a:stretch>
-        </p:blipFill>
-        <p:spPr>
-          <a:xfrm>
-            <a:off x="1263600" y="5095791"/>
-            <a:ext cx="9112070" cy="480285"/>
-          </a:xfrm>
-          <a:prstGeom prst="rect">
-            <a:avLst/>
-          </a:prstGeom>
-        </p:spPr>
-      </p:pic>
-    </p:spTree>
-    <p:extLst>
-      <p:ext uri="{BB962C8B-B14F-4D97-AF65-F5344CB8AC3E}">
-        <p14:creationId xmlns:p14="http://schemas.microsoft.com/office/powerpoint/2010/main" val="2079372548"/>
-      </p:ext>
-    </p:extLst>
-  </p:cSld>
-  <p:clrMapOvr>
-    <a:masterClrMapping/>
-  </p:clrMapOvr>
-</p:sld>
-</file>
-
-<file path=ppt/slides/slide11.xml><?xml version="1.0" encoding="utf-8"?>
+<file path=ppt/slides/slide2.xml><?xml version="1.0" encoding="utf-8"?>
 <p:sld xmlns:a="http://schemas.openxmlformats.org/drawingml/2006/main" xmlns:r="http://schemas.openxmlformats.org/officeDocument/2006/relationships" xmlns:p="http://schemas.openxmlformats.org/presentationml/2006/main">
   <p:cSld>
     <p:bg>
@@ -10485,41 +9360,99 @@
       </p:grpSpPr>
       <p:sp>
         <p:nvSpPr>
-          <p:cNvPr id="26" name="Rettangolo 28">
-            <a:extLst>
-              <a:ext uri="{FF2B5EF4-FFF2-40B4-BE49-F238E27FC236}">
-                <a16:creationId xmlns:a16="http://schemas.microsoft.com/office/drawing/2014/main" id="{416A0E3C-60E6-4F39-BC55-5F7C224E1F7C}"/>
-              </a:ext>
-              <a:ext uri="{C183D7F6-B498-43B3-948B-1728B52AA6E4}">
-                <adec:decorative xmlns:adec="http://schemas.microsoft.com/office/drawing/2017/decorative" val="1"/>
-              </a:ext>
-            </a:extLst>
-          </p:cNvPr>
-          <p:cNvSpPr>
-            <a:spLocks noGrp="1" noRot="1" noChangeAspect="1" noMove="1" noResize="1" noEditPoints="1" noAdjustHandles="1" noChangeArrowheads="1" noChangeShapeType="1" noTextEdit="1"/>
-          </p:cNvSpPr>
-          <p:nvPr>
-            <p:extLst>
-              <p:ext uri="{386F3935-93C4-4BCD-93E2-E3B085C9AB24}">
-                <p16:designElem xmlns:p16="http://schemas.microsoft.com/office/powerpoint/2015/main" val="1"/>
-              </p:ext>
-            </p:extLst>
-          </p:nvPr>
-        </p:nvSpPr>
-        <p:spPr>
-          <a:xfrm>
-            <a:off x="3175" y="6400800"/>
-            <a:ext cx="12188825" cy="457200"/>
+          <p:cNvPr id="6" name="Titolo 5">
+            <a:extLst>
+              <a:ext uri="{FF2B5EF4-FFF2-40B4-BE49-F238E27FC236}">
+                <a16:creationId xmlns:a16="http://schemas.microsoft.com/office/drawing/2014/main" id="{CE09A200-4838-4284-BD1E-19701CABB5FE}"/>
+              </a:ext>
+            </a:extLst>
+          </p:cNvPr>
+          <p:cNvSpPr>
+            <a:spLocks noGrp="1"/>
+          </p:cNvSpPr>
+          <p:nvPr>
+            <p:ph type="title"/>
+          </p:nvPr>
+        </p:nvSpPr>
+        <p:spPr>
+          <a:xfrm>
+            <a:off x="1097280" y="286603"/>
+            <a:ext cx="10058400" cy="1450757"/>
+          </a:xfrm>
+        </p:spPr>
+        <p:txBody>
+          <a:bodyPr rtlCol="0">
+            <a:normAutofit/>
+          </a:bodyPr>
+          <a:lstStyle/>
+          <a:p>
+            <a:pPr rtl="0"/>
+            <a:r>
+              <a:rPr lang="it-IT" dirty="0"/>
+              <a:t>Standard ID3: descrizione</a:t>
+            </a:r>
+          </a:p>
+        </p:txBody>
+      </p:sp>
+      <p:pic>
+        <p:nvPicPr>
+          <p:cNvPr id="4" name="Elemento grafico 3">
+            <a:extLst>
+              <a:ext uri="{FF2B5EF4-FFF2-40B4-BE49-F238E27FC236}">
+                <a16:creationId xmlns:a16="http://schemas.microsoft.com/office/drawing/2014/main" id="{ED0A95A1-BC85-4809-B935-6A9B3C054422}"/>
+              </a:ext>
+            </a:extLst>
+          </p:cNvPr>
+          <p:cNvPicPr>
+            <a:picLocks noChangeAspect="1"/>
+          </p:cNvPicPr>
+          <p:nvPr/>
+        </p:nvPicPr>
+        <p:blipFill>
+          <a:blip r:embed="rId3" cstate="print">
+            <a:extLst>
+              <a:ext uri="{28A0092B-C50C-407E-A947-70E740481C1C}">
+                <a14:useLocalDpi xmlns:a14="http://schemas.microsoft.com/office/drawing/2010/main" val="0"/>
+              </a:ext>
+              <a:ext uri="{96DAC541-7B7A-43D3-8B79-37D633B846F1}">
+                <asvg:svgBlip xmlns:asvg="http://schemas.microsoft.com/office/drawing/2016/SVG/main" r:embed="rId4"/>
+              </a:ext>
+            </a:extLst>
+          </a:blip>
+          <a:stretch>
+            <a:fillRect/>
+          </a:stretch>
+        </p:blipFill>
+        <p:spPr>
+          <a:xfrm>
+            <a:off x="207095" y="6043750"/>
+            <a:ext cx="1770209" cy="700341"/>
           </a:xfrm>
           <a:prstGeom prst="rect">
             <a:avLst/>
           </a:prstGeom>
-          <a:solidFill>
-            <a:srgbClr val="262626"/>
-          </a:solidFill>
-          <a:ln>
-            <a:noFill/>
-          </a:ln>
+        </p:spPr>
+      </p:pic>
+      <p:sp>
+        <p:nvSpPr>
+          <p:cNvPr id="10" name="Connettore 9">
+            <a:extLst>
+              <a:ext uri="{FF2B5EF4-FFF2-40B4-BE49-F238E27FC236}">
+                <a16:creationId xmlns:a16="http://schemas.microsoft.com/office/drawing/2014/main" id="{7DA3C5E2-1B7C-406E-9A80-B7F344044586}"/>
+              </a:ext>
+            </a:extLst>
+          </p:cNvPr>
+          <p:cNvSpPr/>
+          <p:nvPr/>
+        </p:nvSpPr>
+        <p:spPr>
+          <a:xfrm>
+            <a:off x="11455401" y="6273800"/>
+            <a:ext cx="512910" cy="470291"/>
+          </a:xfrm>
+          <a:prstGeom prst="flowChartConnector">
+            <a:avLst/>
+          </a:prstGeom>
         </p:spPr>
         <p:style>
           <a:lnRef idx="2">
@@ -10537,280 +9470,66 @@
             <a:schemeClr val="lt1"/>
           </a:fontRef>
         </p:style>
-      </p:sp>
-      <p:cxnSp>
-        <p:nvCxnSpPr>
-          <p:cNvPr id="27" name="Connettore diritto 30">
-            <a:extLst>
-              <a:ext uri="{FF2B5EF4-FFF2-40B4-BE49-F238E27FC236}">
-                <a16:creationId xmlns:a16="http://schemas.microsoft.com/office/drawing/2014/main" id="{C5025DAC-8B93-4160-B017-3A274A5828C0}"/>
-              </a:ext>
-              <a:ext uri="{C183D7F6-B498-43B3-948B-1728B52AA6E4}">
-                <adec:decorative xmlns:adec="http://schemas.microsoft.com/office/drawing/2017/decorative" val="1"/>
-              </a:ext>
-            </a:extLst>
-          </p:cNvPr>
-          <p:cNvCxnSpPr>
-            <a:cxnSpLocks noGrp="1" noRot="1" noChangeAspect="1" noMove="1" noResize="1" noEditPoints="1" noAdjustHandles="1" noChangeArrowheads="1" noChangeShapeType="1"/>
-          </p:cNvCxnSpPr>
-          <p:nvPr>
-            <p:extLst>
-              <p:ext uri="{386F3935-93C4-4BCD-93E2-E3B085C9AB24}">
-                <p16:designElem xmlns:p16="http://schemas.microsoft.com/office/powerpoint/2015/main" val="1"/>
-              </p:ext>
-            </p:extLst>
-          </p:nvPr>
-        </p:nvCxnSpPr>
-        <p:spPr>
-          <a:xfrm>
-            <a:off x="1193532" y="1897380"/>
-            <a:ext cx="9966960" cy="0"/>
-          </a:xfrm>
-          <a:prstGeom prst="line">
-            <a:avLst/>
-          </a:prstGeom>
-          <a:ln w="12700">
-            <a:solidFill>
-              <a:schemeClr val="tx1">
-                <a:lumMod val="75000"/>
-                <a:lumOff val="25000"/>
-              </a:schemeClr>
-            </a:solidFill>
-          </a:ln>
-        </p:spPr>
-        <p:style>
-          <a:lnRef idx="1">
-            <a:schemeClr val="accent1"/>
-          </a:lnRef>
-          <a:fillRef idx="0">
-            <a:schemeClr val="accent1"/>
-          </a:fillRef>
-          <a:effectRef idx="0">
-            <a:schemeClr val="accent1"/>
-          </a:effectRef>
-          <a:fontRef idx="minor">
-            <a:schemeClr val="tx1"/>
-          </a:fontRef>
-        </p:style>
-      </p:cxnSp>
-      <p:sp useBgFill="1">
-        <p:nvSpPr>
-          <p:cNvPr id="28" name="Rettangolo 32">
-            <a:extLst>
-              <a:ext uri="{FF2B5EF4-FFF2-40B4-BE49-F238E27FC236}">
-                <a16:creationId xmlns:a16="http://schemas.microsoft.com/office/drawing/2014/main" id="{990D0034-F768-41E7-85D4-F38C4DE85770}"/>
-              </a:ext>
-              <a:ext uri="{C183D7F6-B498-43B3-948B-1728B52AA6E4}">
-                <adec:decorative xmlns:adec="http://schemas.microsoft.com/office/drawing/2017/decorative" val="1"/>
-              </a:ext>
-            </a:extLst>
-          </p:cNvPr>
-          <p:cNvSpPr>
-            <a:spLocks noGrp="1" noRot="1" noChangeAspect="1" noMove="1" noResize="1" noEditPoints="1" noAdjustHandles="1" noChangeArrowheads="1" noChangeShapeType="1" noTextEdit="1"/>
-          </p:cNvSpPr>
-          <p:nvPr>
-            <p:extLst>
-              <p:ext uri="{386F3935-93C4-4BCD-93E2-E3B085C9AB24}">
-                <p16:designElem xmlns:p16="http://schemas.microsoft.com/office/powerpoint/2015/main" val="1"/>
-              </p:ext>
-            </p:extLst>
-          </p:nvPr>
-        </p:nvSpPr>
-        <p:spPr>
-          <a:xfrm>
-            <a:off x="0" y="0"/>
-            <a:ext cx="12186315" cy="6858000"/>
-          </a:xfrm>
-          <a:prstGeom prst="rect">
-            <a:avLst/>
-          </a:prstGeom>
-          <a:ln>
-            <a:noFill/>
-          </a:ln>
-        </p:spPr>
-        <p:style>
-          <a:lnRef idx="2">
-            <a:schemeClr val="accent6">
-              <a:shade val="50000"/>
-            </a:schemeClr>
-          </a:lnRef>
-          <a:fillRef idx="1001">
-            <a:schemeClr val="lt1"/>
-          </a:fillRef>
-          <a:effectRef idx="0">
-            <a:schemeClr val="accent6"/>
-          </a:effectRef>
-          <a:fontRef idx="minor">
-            <a:schemeClr val="lt1"/>
-          </a:fontRef>
-        </p:style>
         <p:txBody>
           <a:bodyPr rtlCol="0" anchor="ctr"/>
           <a:lstStyle/>
           <a:p>
-            <a:pPr algn="ctr" rtl="0"/>
-            <a:endParaRPr lang="it-IT" dirty="0"/>
-          </a:p>
-        </p:txBody>
-      </p:sp>
-      <p:sp>
-        <p:nvSpPr>
-          <p:cNvPr id="5" name="Titolo 4">
-            <a:extLst>
-              <a:ext uri="{FF2B5EF4-FFF2-40B4-BE49-F238E27FC236}">
-                <a16:creationId xmlns:a16="http://schemas.microsoft.com/office/drawing/2014/main" id="{B8B72B13-069B-4F8A-9437-FA58C3F1D44B}"/>
-              </a:ext>
-            </a:extLst>
-          </p:cNvPr>
-          <p:cNvSpPr>
-            <a:spLocks noGrp="1"/>
-          </p:cNvSpPr>
-          <p:nvPr>
-            <p:ph type="title"/>
-          </p:nvPr>
-        </p:nvSpPr>
-        <p:spPr>
-          <a:xfrm>
-            <a:off x="590927" y="535936"/>
-            <a:ext cx="10864474" cy="700340"/>
-          </a:xfrm>
-        </p:spPr>
-        <p:txBody>
-          <a:bodyPr vert="horz" lIns="91440" tIns="45720" rIns="91440" bIns="45720" rtlCol="0" anchor="b">
-            <a:noAutofit/>
-          </a:bodyPr>
+            <a:pPr algn="ctr"/>
+            <a:fld id="{3A98EE3D-8CD1-4C3F-BD1C-C98C9596463C}" type="slidenum">
+              <a:rPr lang="it-IT" sz="1200" b="1"/>
+              <a:pPr algn="ctr"/>
+              <a:t>2</a:t>
+            </a:fld>
+            <a:endParaRPr lang="it-IT" b="1" dirty="0"/>
+          </a:p>
+        </p:txBody>
+      </p:sp>
+      <p:sp>
+        <p:nvSpPr>
+          <p:cNvPr id="3" name="Segnaposto contenuto 2">
+            <a:extLst>
+              <a:ext uri="{FF2B5EF4-FFF2-40B4-BE49-F238E27FC236}">
+                <a16:creationId xmlns:a16="http://schemas.microsoft.com/office/drawing/2014/main" id="{CDBDD0AC-B78E-4283-B5F3-A381229EABF5}"/>
+              </a:ext>
+            </a:extLst>
+          </p:cNvPr>
+          <p:cNvSpPr>
+            <a:spLocks noGrp="1"/>
+          </p:cNvSpPr>
+          <p:nvPr>
+            <p:ph idx="1"/>
+          </p:nvPr>
+        </p:nvSpPr>
+        <p:spPr/>
+        <p:txBody>
+          <a:bodyPr/>
           <a:lstStyle/>
           <a:p>
-            <a:pPr rtl="0"/>
-            <a:r>
-              <a:rPr lang="it-IT" sz="4400" dirty="0">
-                <a:solidFill>
-                  <a:schemeClr val="tx1">
-                    <a:lumMod val="75000"/>
-                    <a:lumOff val="25000"/>
-                  </a:schemeClr>
-                </a:solidFill>
-              </a:rPr>
-              <a:t>Gestione degli errori nel dettaglio</a:t>
-            </a:r>
-          </a:p>
-        </p:txBody>
-      </p:sp>
-      <p:cxnSp>
-        <p:nvCxnSpPr>
-          <p:cNvPr id="30" name="Connettore diritto 34">
-            <a:extLst>
-              <a:ext uri="{FF2B5EF4-FFF2-40B4-BE49-F238E27FC236}">
-                <a16:creationId xmlns:a16="http://schemas.microsoft.com/office/drawing/2014/main" id="{5A0A5CF6-407C-4691-8122-49DF69D0020D}"/>
-              </a:ext>
-              <a:ext uri="{C183D7F6-B498-43B3-948B-1728B52AA6E4}">
-                <adec:decorative xmlns:adec="http://schemas.microsoft.com/office/drawing/2017/decorative" val="1"/>
-              </a:ext>
-            </a:extLst>
-          </p:cNvPr>
-          <p:cNvCxnSpPr>
-            <a:cxnSpLocks noGrp="1" noRot="1" noChangeAspect="1" noMove="1" noResize="1" noEditPoints="1" noAdjustHandles="1" noChangeArrowheads="1" noChangeShapeType="1"/>
-          </p:cNvCxnSpPr>
-          <p:nvPr>
-            <p:extLst>
-              <p:ext uri="{386F3935-93C4-4BCD-93E2-E3B085C9AB24}">
-                <p16:designElem xmlns:p16="http://schemas.microsoft.com/office/powerpoint/2015/main" val="1"/>
-              </p:ext>
-            </p:extLst>
-          </p:nvPr>
-        </p:nvCxnSpPr>
-        <p:spPr>
-          <a:xfrm>
-            <a:off x="590927" y="2633962"/>
-            <a:ext cx="2834640" cy="0"/>
-          </a:xfrm>
-          <a:prstGeom prst="line">
-            <a:avLst/>
-          </a:prstGeom>
-          <a:ln w="12700">
-            <a:solidFill>
-              <a:schemeClr val="tx1">
-                <a:lumMod val="75000"/>
-                <a:lumOff val="25000"/>
-              </a:schemeClr>
-            </a:solidFill>
-          </a:ln>
-        </p:spPr>
-        <p:style>
-          <a:lnRef idx="1">
-            <a:schemeClr val="accent1"/>
-          </a:lnRef>
-          <a:fillRef idx="0">
-            <a:schemeClr val="accent1"/>
-          </a:fillRef>
-          <a:effectRef idx="0">
-            <a:schemeClr val="accent1"/>
-          </a:effectRef>
-          <a:fontRef idx="minor">
-            <a:schemeClr val="tx1"/>
-          </a:fontRef>
-        </p:style>
-      </p:cxnSp>
-      <p:sp>
-        <p:nvSpPr>
-          <p:cNvPr id="4" name="Rettangolo 3">
-            <a:extLst>
-              <a:ext uri="{FF2B5EF4-FFF2-40B4-BE49-F238E27FC236}">
-                <a16:creationId xmlns:a16="http://schemas.microsoft.com/office/drawing/2014/main" id="{D22E5227-66DC-4545-A93A-3BAE57987144}"/>
-              </a:ext>
-            </a:extLst>
-          </p:cNvPr>
-          <p:cNvSpPr/>
-          <p:nvPr/>
-        </p:nvSpPr>
-        <p:spPr>
-          <a:xfrm>
-            <a:off x="590927" y="2477070"/>
-            <a:ext cx="2955837" cy="457195"/>
-          </a:xfrm>
-          <a:prstGeom prst="rect">
-            <a:avLst/>
-          </a:prstGeom>
-          <a:solidFill>
-            <a:schemeClr val="bg1"/>
-          </a:solidFill>
-          <a:ln>
-            <a:solidFill>
-              <a:schemeClr val="bg1"/>
-            </a:solidFill>
-          </a:ln>
-        </p:spPr>
-        <p:style>
-          <a:lnRef idx="2">
-            <a:schemeClr val="accent1">
-              <a:shade val="50000"/>
-            </a:schemeClr>
-          </a:lnRef>
-          <a:fillRef idx="1">
-            <a:schemeClr val="accent1"/>
-          </a:fillRef>
-          <a:effectRef idx="0">
-            <a:schemeClr val="accent1"/>
-          </a:effectRef>
-          <a:fontRef idx="minor">
-            <a:schemeClr val="lt1"/>
-          </a:fontRef>
-        </p:style>
-        <p:txBody>
-          <a:bodyPr rtlCol="0" anchor="ctr"/>
-          <a:lstStyle/>
-          <a:p>
-            <a:pPr algn="ctr"/>
-            <a:endParaRPr lang="it-IT"/>
+            <a:pPr marL="0" indent="0">
+              <a:buNone/>
+            </a:pPr>
+            <a:r>
+              <a:rPr lang="it-IT" dirty="0"/>
+              <a:t>Lo standard ID3 viene utilizzato per includere nei file multimediali mp3 le informazioni sulla traccia che viene riprodotta. Gli «slot» di informazione vengono chiamati tag e possono essere salvati all’interno dell’mp3 svariati tag che rappresentano il nome della traccia, l’artista, l’album, il genere e il numero della traccia, …</a:t>
+            </a:r>
+          </a:p>
+          <a:p>
+            <a:pPr marL="0" indent="0">
+              <a:buNone/>
+            </a:pPr>
+            <a:r>
+              <a:rPr lang="it-IT" dirty="0"/>
+              <a:t>È uno standard riconosciuto universalmente la cui documentazione è liberamente visionabile al link id3.org, dove sono disponibili tra l’altro strumenti dedicati per sviluppatori così come librerie open source per il supporto dello standard</a:t>
+            </a:r>
           </a:p>
         </p:txBody>
       </p:sp>
       <p:pic>
         <p:nvPicPr>
-          <p:cNvPr id="10" name="Elemento grafico 9">
-            <a:extLst>
-              <a:ext uri="{FF2B5EF4-FFF2-40B4-BE49-F238E27FC236}">
-                <a16:creationId xmlns:a16="http://schemas.microsoft.com/office/drawing/2014/main" id="{54A47743-7725-4A33-93CA-EFB89C10D1EC}"/>
+          <p:cNvPr id="5" name="Immagine 4" descr="Immagine che contiene testo, clipart&#10;&#10;Descrizione generata automaticamente">
+            <a:extLst>
+              <a:ext uri="{FF2B5EF4-FFF2-40B4-BE49-F238E27FC236}">
+                <a16:creationId xmlns:a16="http://schemas.microsoft.com/office/drawing/2014/main" id="{6EA8DAB3-3963-44E7-9AF7-7529D1DD529F}"/>
               </a:ext>
             </a:extLst>
           </p:cNvPr>
@@ -10820,13 +9539,10 @@
           <p:nvPr/>
         </p:nvPicPr>
         <p:blipFill>
-          <a:blip r:embed="rId3" cstate="print">
+          <a:blip r:embed="rId5">
             <a:extLst>
               <a:ext uri="{28A0092B-C50C-407E-A947-70E740481C1C}">
                 <a14:useLocalDpi xmlns:a14="http://schemas.microsoft.com/office/drawing/2010/main" val="0"/>
-              </a:ext>
-              <a:ext uri="{96DAC541-7B7A-43D3-8B79-37D633B846F1}">
-                <asvg:svgBlip xmlns:asvg="http://schemas.microsoft.com/office/drawing/2016/SVG/main" r:embed="rId4"/>
               </a:ext>
             </a:extLst>
           </a:blip>
@@ -10836,3432 +9552,18 @@
         </p:blipFill>
         <p:spPr>
           <a:xfrm>
-            <a:off x="207095" y="6043750"/>
-            <a:ext cx="1770209" cy="700341"/>
+            <a:off x="9306214" y="4624525"/>
+            <a:ext cx="1485900" cy="1419225"/>
           </a:xfrm>
           <a:prstGeom prst="rect">
             <a:avLst/>
           </a:prstGeom>
-        </p:spPr>
-      </p:pic>
-      <p:sp>
-        <p:nvSpPr>
-          <p:cNvPr id="12" name="Connettore 11">
-            <a:extLst>
-              <a:ext uri="{FF2B5EF4-FFF2-40B4-BE49-F238E27FC236}">
-                <a16:creationId xmlns:a16="http://schemas.microsoft.com/office/drawing/2014/main" id="{92095D8C-8CCA-4CC6-B2D2-E1BC4732F321}"/>
-              </a:ext>
-            </a:extLst>
-          </p:cNvPr>
-          <p:cNvSpPr/>
-          <p:nvPr/>
-        </p:nvSpPr>
-        <p:spPr>
-          <a:xfrm>
-            <a:off x="11455401" y="6273800"/>
-            <a:ext cx="512910" cy="470291"/>
-          </a:xfrm>
-          <a:prstGeom prst="flowChartConnector">
-            <a:avLst/>
-          </a:prstGeom>
-        </p:spPr>
-        <p:style>
-          <a:lnRef idx="2">
-            <a:schemeClr val="accent1">
-              <a:shade val="50000"/>
-            </a:schemeClr>
-          </a:lnRef>
-          <a:fillRef idx="1">
-            <a:schemeClr val="accent1"/>
-          </a:fillRef>
-          <a:effectRef idx="0">
-            <a:schemeClr val="accent1"/>
-          </a:effectRef>
-          <a:fontRef idx="minor">
-            <a:schemeClr val="lt1"/>
-          </a:fontRef>
-        </p:style>
-        <p:txBody>
-          <a:bodyPr rtlCol="0" anchor="ctr"/>
-          <a:lstStyle/>
-          <a:p>
-            <a:pPr algn="ctr"/>
-            <a:fld id="{3A98EE3D-8CD1-4C3F-BD1C-C98C9596463C}" type="slidenum">
-              <a:rPr lang="it-IT" sz="1200" b="1"/>
-              <a:pPr algn="ctr"/>
-              <a:t>11</a:t>
-            </a:fld>
-            <a:endParaRPr lang="it-IT" b="1" dirty="0"/>
-          </a:p>
-        </p:txBody>
-      </p:sp>
-      <p:sp>
-        <p:nvSpPr>
-          <p:cNvPr id="11" name="Segnaposto contenuto 2">
-            <a:extLst>
-              <a:ext uri="{FF2B5EF4-FFF2-40B4-BE49-F238E27FC236}">
-                <a16:creationId xmlns:a16="http://schemas.microsoft.com/office/drawing/2014/main" id="{693C8797-6891-414D-92DD-94A716A7F3E2}"/>
-              </a:ext>
-            </a:extLst>
-          </p:cNvPr>
-          <p:cNvSpPr>
-            <a:spLocks noGrp="1"/>
-          </p:cNvSpPr>
-          <p:nvPr>
-            <p:ph idx="1"/>
-          </p:nvPr>
-        </p:nvSpPr>
-        <p:spPr>
-          <a:xfrm>
-            <a:off x="590550" y="1452563"/>
-            <a:ext cx="10864850" cy="4707328"/>
-          </a:xfrm>
-        </p:spPr>
-        <p:txBody>
-          <a:bodyPr>
-            <a:normAutofit lnSpcReduction="10000"/>
-          </a:bodyPr>
-          <a:lstStyle/>
-          <a:p>
-            <a:pPr lvl="1"/>
-            <a:r>
-              <a:rPr lang="it-IT" sz="2200" dirty="0">
-                <a:latin typeface="+mj-lt"/>
-              </a:rPr>
-              <a:t>Durante lo sviluppo della grammatica ci siamo accorti che senza una chiara distinzione dei frame è molto difficile riuscire a fare una rilevazione dei errori accurata.</a:t>
-            </a:r>
-          </a:p>
-          <a:p>
-            <a:pPr lvl="1"/>
-            <a:r>
-              <a:rPr lang="it-IT" sz="2200" dirty="0">
-                <a:latin typeface="+mj-lt"/>
-              </a:rPr>
-              <a:t>Nello standard ID3 in esame infatti non c’è una chiara distinzione tra il frame Titolo ed il frame Artista, se quindi dovesse mancare un byte nel Titolo la cosa si rifletterebbe nell’Artista e così via a causa della sequenzialità dei dati</a:t>
-            </a:r>
-          </a:p>
-          <a:p>
-            <a:pPr lvl="1"/>
-            <a:r>
-              <a:rPr lang="it-IT" sz="2200" dirty="0">
-                <a:latin typeface="+mj-lt"/>
-              </a:rPr>
-              <a:t>Per ovviare e operare una buona gestione degli errori abbiamo aggiunto allo standard l’utilizzo delle «head» con caratteri unici non utilizzabili all’interno dei frame (in modo da non innescare un riconoscimento di una «testa» in modo da riconoscere il tipo di errore e la sua localizzazione</a:t>
-            </a:r>
-          </a:p>
-          <a:p>
-            <a:pPr lvl="1"/>
-            <a:r>
-              <a:rPr lang="it-IT" sz="2200" dirty="0">
-                <a:latin typeface="+mj-lt"/>
-              </a:rPr>
-              <a:t>È possibile risalire ad una grammatica completamente compatibile utilizzabile per estrarre le informazioni direttamente dagli mp3 eliminando le teste, uniformando i frame (poiché ormai non c’è più differenza tra uno slot ed il successivo) ed aggiungendo nella struttura la voce di </a:t>
-            </a:r>
-            <a:r>
-              <a:rPr lang="it-IT" sz="2200" dirty="0" err="1">
-                <a:latin typeface="+mj-lt"/>
-              </a:rPr>
-              <a:t>lexer</a:t>
-            </a:r>
-            <a:r>
-              <a:rPr lang="it-IT" sz="2200" dirty="0">
-                <a:latin typeface="+mj-lt"/>
-              </a:rPr>
-              <a:t> «musica» che indica al parser di saltare tutta la parte audio fino ad arrivare al riconoscimento della testa (non senza problemi…)</a:t>
-            </a:r>
-          </a:p>
-        </p:txBody>
-      </p:sp>
-    </p:spTree>
-    <p:extLst>
-      <p:ext uri="{BB962C8B-B14F-4D97-AF65-F5344CB8AC3E}">
-        <p14:creationId xmlns:p14="http://schemas.microsoft.com/office/powerpoint/2010/main" val="1117448457"/>
-      </p:ext>
-    </p:extLst>
-  </p:cSld>
-  <p:clrMapOvr>
-    <a:masterClrMapping/>
-  </p:clrMapOvr>
-</p:sld>
-</file>
-
-<file path=ppt/slides/slide12.xml><?xml version="1.0" encoding="utf-8"?>
-<p:sld xmlns:a="http://schemas.openxmlformats.org/drawingml/2006/main" xmlns:r="http://schemas.openxmlformats.org/officeDocument/2006/relationships" xmlns:p="http://schemas.openxmlformats.org/presentationml/2006/main">
-  <p:cSld>
-    <p:bg>
-      <p:bgPr>
-        <a:solidFill>
-          <a:schemeClr val="bg1"/>
-        </a:solidFill>
-        <a:effectLst/>
-      </p:bgPr>
-    </p:bg>
-    <p:spTree>
-      <p:nvGrpSpPr>
-        <p:cNvPr id="1" name=""/>
-        <p:cNvGrpSpPr/>
-        <p:nvPr/>
-      </p:nvGrpSpPr>
-      <p:grpSpPr>
-        <a:xfrm>
-          <a:off x="0" y="0"/>
-          <a:ext cx="0" cy="0"/>
-          <a:chOff x="0" y="0"/>
-          <a:chExt cx="0" cy="0"/>
-        </a:xfrm>
-      </p:grpSpPr>
-      <p:sp>
-        <p:nvSpPr>
-          <p:cNvPr id="26" name="Rettangolo 28">
-            <a:extLst>
-              <a:ext uri="{FF2B5EF4-FFF2-40B4-BE49-F238E27FC236}">
-                <a16:creationId xmlns:a16="http://schemas.microsoft.com/office/drawing/2014/main" id="{416A0E3C-60E6-4F39-BC55-5F7C224E1F7C}"/>
-              </a:ext>
-              <a:ext uri="{C183D7F6-B498-43B3-948B-1728B52AA6E4}">
-                <adec:decorative xmlns:adec="http://schemas.microsoft.com/office/drawing/2017/decorative" val="1"/>
-              </a:ext>
-            </a:extLst>
-          </p:cNvPr>
-          <p:cNvSpPr>
-            <a:spLocks noGrp="1" noRot="1" noChangeAspect="1" noMove="1" noResize="1" noEditPoints="1" noAdjustHandles="1" noChangeArrowheads="1" noChangeShapeType="1" noTextEdit="1"/>
-          </p:cNvSpPr>
-          <p:nvPr>
-            <p:extLst>
-              <p:ext uri="{386F3935-93C4-4BCD-93E2-E3B085C9AB24}">
-                <p16:designElem xmlns:p16="http://schemas.microsoft.com/office/powerpoint/2015/main" val="1"/>
-              </p:ext>
-            </p:extLst>
-          </p:nvPr>
-        </p:nvSpPr>
-        <p:spPr>
-          <a:xfrm>
-            <a:off x="3175" y="6400800"/>
-            <a:ext cx="12188825" cy="457200"/>
-          </a:xfrm>
-          <a:prstGeom prst="rect">
-            <a:avLst/>
-          </a:prstGeom>
-          <a:solidFill>
-            <a:srgbClr val="262626"/>
-          </a:solidFill>
-          <a:ln>
-            <a:noFill/>
-          </a:ln>
-        </p:spPr>
-        <p:style>
-          <a:lnRef idx="2">
-            <a:schemeClr val="accent1">
-              <a:shade val="50000"/>
-            </a:schemeClr>
-          </a:lnRef>
-          <a:fillRef idx="1">
-            <a:schemeClr val="accent1"/>
-          </a:fillRef>
-          <a:effectRef idx="0">
-            <a:schemeClr val="accent1"/>
-          </a:effectRef>
-          <a:fontRef idx="minor">
-            <a:schemeClr val="lt1"/>
-          </a:fontRef>
-        </p:style>
-      </p:sp>
-      <p:cxnSp>
-        <p:nvCxnSpPr>
-          <p:cNvPr id="27" name="Connettore diritto 30">
-            <a:extLst>
-              <a:ext uri="{FF2B5EF4-FFF2-40B4-BE49-F238E27FC236}">
-                <a16:creationId xmlns:a16="http://schemas.microsoft.com/office/drawing/2014/main" id="{C5025DAC-8B93-4160-B017-3A274A5828C0}"/>
-              </a:ext>
-              <a:ext uri="{C183D7F6-B498-43B3-948B-1728B52AA6E4}">
-                <adec:decorative xmlns:adec="http://schemas.microsoft.com/office/drawing/2017/decorative" val="1"/>
-              </a:ext>
-            </a:extLst>
-          </p:cNvPr>
-          <p:cNvCxnSpPr>
-            <a:cxnSpLocks noGrp="1" noRot="1" noChangeAspect="1" noMove="1" noResize="1" noEditPoints="1" noAdjustHandles="1" noChangeArrowheads="1" noChangeShapeType="1"/>
-          </p:cNvCxnSpPr>
-          <p:nvPr>
-            <p:extLst>
-              <p:ext uri="{386F3935-93C4-4BCD-93E2-E3B085C9AB24}">
-                <p16:designElem xmlns:p16="http://schemas.microsoft.com/office/powerpoint/2015/main" val="1"/>
-              </p:ext>
-            </p:extLst>
-          </p:nvPr>
-        </p:nvCxnSpPr>
-        <p:spPr>
-          <a:xfrm>
-            <a:off x="1193532" y="1897380"/>
-            <a:ext cx="9966960" cy="0"/>
-          </a:xfrm>
-          <a:prstGeom prst="line">
-            <a:avLst/>
-          </a:prstGeom>
-          <a:ln w="12700">
-            <a:solidFill>
-              <a:schemeClr val="tx1">
-                <a:lumMod val="75000"/>
-                <a:lumOff val="25000"/>
-              </a:schemeClr>
-            </a:solidFill>
-          </a:ln>
-        </p:spPr>
-        <p:style>
-          <a:lnRef idx="1">
-            <a:schemeClr val="accent1"/>
-          </a:lnRef>
-          <a:fillRef idx="0">
-            <a:schemeClr val="accent1"/>
-          </a:fillRef>
-          <a:effectRef idx="0">
-            <a:schemeClr val="accent1"/>
-          </a:effectRef>
-          <a:fontRef idx="minor">
-            <a:schemeClr val="tx1"/>
-          </a:fontRef>
-        </p:style>
-      </p:cxnSp>
-      <p:sp useBgFill="1">
-        <p:nvSpPr>
-          <p:cNvPr id="28" name="Rettangolo 32">
-            <a:extLst>
-              <a:ext uri="{FF2B5EF4-FFF2-40B4-BE49-F238E27FC236}">
-                <a16:creationId xmlns:a16="http://schemas.microsoft.com/office/drawing/2014/main" id="{990D0034-F768-41E7-85D4-F38C4DE85770}"/>
-              </a:ext>
-              <a:ext uri="{C183D7F6-B498-43B3-948B-1728B52AA6E4}">
-                <adec:decorative xmlns:adec="http://schemas.microsoft.com/office/drawing/2017/decorative" val="1"/>
-              </a:ext>
-            </a:extLst>
-          </p:cNvPr>
-          <p:cNvSpPr>
-            <a:spLocks noGrp="1" noRot="1" noChangeAspect="1" noMove="1" noResize="1" noEditPoints="1" noAdjustHandles="1" noChangeArrowheads="1" noChangeShapeType="1" noTextEdit="1"/>
-          </p:cNvSpPr>
-          <p:nvPr>
-            <p:extLst>
-              <p:ext uri="{386F3935-93C4-4BCD-93E2-E3B085C9AB24}">
-                <p16:designElem xmlns:p16="http://schemas.microsoft.com/office/powerpoint/2015/main" val="1"/>
-              </p:ext>
-            </p:extLst>
-          </p:nvPr>
-        </p:nvSpPr>
-        <p:spPr>
-          <a:xfrm>
-            <a:off x="0" y="0"/>
-            <a:ext cx="12186315" cy="6858000"/>
-          </a:xfrm>
-          <a:prstGeom prst="rect">
-            <a:avLst/>
-          </a:prstGeom>
-          <a:ln>
-            <a:noFill/>
-          </a:ln>
-        </p:spPr>
-        <p:style>
-          <a:lnRef idx="2">
-            <a:schemeClr val="accent6">
-              <a:shade val="50000"/>
-            </a:schemeClr>
-          </a:lnRef>
-          <a:fillRef idx="1001">
-            <a:schemeClr val="lt1"/>
-          </a:fillRef>
-          <a:effectRef idx="0">
-            <a:schemeClr val="accent6"/>
-          </a:effectRef>
-          <a:fontRef idx="minor">
-            <a:schemeClr val="lt1"/>
-          </a:fontRef>
-        </p:style>
-        <p:txBody>
-          <a:bodyPr rtlCol="0" anchor="ctr"/>
-          <a:lstStyle/>
-          <a:p>
-            <a:pPr algn="ctr" rtl="0"/>
-            <a:endParaRPr lang="it-IT" dirty="0"/>
-          </a:p>
-        </p:txBody>
-      </p:sp>
-      <p:sp>
-        <p:nvSpPr>
-          <p:cNvPr id="5" name="Titolo 4">
-            <a:extLst>
-              <a:ext uri="{FF2B5EF4-FFF2-40B4-BE49-F238E27FC236}">
-                <a16:creationId xmlns:a16="http://schemas.microsoft.com/office/drawing/2014/main" id="{B8B72B13-069B-4F8A-9437-FA58C3F1D44B}"/>
-              </a:ext>
-            </a:extLst>
-          </p:cNvPr>
-          <p:cNvSpPr>
-            <a:spLocks noGrp="1"/>
-          </p:cNvSpPr>
-          <p:nvPr>
-            <p:ph type="title"/>
-          </p:nvPr>
-        </p:nvSpPr>
-        <p:spPr>
-          <a:xfrm>
-            <a:off x="590927" y="535936"/>
-            <a:ext cx="10864474" cy="700340"/>
-          </a:xfrm>
-        </p:spPr>
-        <p:txBody>
-          <a:bodyPr vert="horz" lIns="91440" tIns="45720" rIns="91440" bIns="45720" rtlCol="0" anchor="b">
-            <a:noAutofit/>
-          </a:bodyPr>
-          <a:lstStyle/>
-          <a:p>
-            <a:pPr rtl="0"/>
-            <a:r>
-              <a:rPr lang="it-IT" sz="4400" dirty="0">
-                <a:solidFill>
-                  <a:schemeClr val="tx1">
-                    <a:lumMod val="75000"/>
-                    <a:lumOff val="25000"/>
-                  </a:schemeClr>
-                </a:solidFill>
-              </a:rPr>
-              <a:t>Alcuni casi di test</a:t>
-            </a:r>
-          </a:p>
-        </p:txBody>
-      </p:sp>
-      <p:cxnSp>
-        <p:nvCxnSpPr>
-          <p:cNvPr id="30" name="Connettore diritto 34">
-            <a:extLst>
-              <a:ext uri="{FF2B5EF4-FFF2-40B4-BE49-F238E27FC236}">
-                <a16:creationId xmlns:a16="http://schemas.microsoft.com/office/drawing/2014/main" id="{5A0A5CF6-407C-4691-8122-49DF69D0020D}"/>
-              </a:ext>
-              <a:ext uri="{C183D7F6-B498-43B3-948B-1728B52AA6E4}">
-                <adec:decorative xmlns:adec="http://schemas.microsoft.com/office/drawing/2017/decorative" val="1"/>
-              </a:ext>
-            </a:extLst>
-          </p:cNvPr>
-          <p:cNvCxnSpPr>
-            <a:cxnSpLocks noGrp="1" noRot="1" noChangeAspect="1" noMove="1" noResize="1" noEditPoints="1" noAdjustHandles="1" noChangeArrowheads="1" noChangeShapeType="1"/>
-          </p:cNvCxnSpPr>
-          <p:nvPr>
-            <p:extLst>
-              <p:ext uri="{386F3935-93C4-4BCD-93E2-E3B085C9AB24}">
-                <p16:designElem xmlns:p16="http://schemas.microsoft.com/office/powerpoint/2015/main" val="1"/>
-              </p:ext>
-            </p:extLst>
-          </p:nvPr>
-        </p:nvCxnSpPr>
-        <p:spPr>
-          <a:xfrm>
-            <a:off x="590927" y="2633962"/>
-            <a:ext cx="2834640" cy="0"/>
-          </a:xfrm>
-          <a:prstGeom prst="line">
-            <a:avLst/>
-          </a:prstGeom>
-          <a:ln w="12700">
-            <a:solidFill>
-              <a:schemeClr val="tx1">
-                <a:lumMod val="75000"/>
-                <a:lumOff val="25000"/>
-              </a:schemeClr>
-            </a:solidFill>
-          </a:ln>
-        </p:spPr>
-        <p:style>
-          <a:lnRef idx="1">
-            <a:schemeClr val="accent1"/>
-          </a:lnRef>
-          <a:fillRef idx="0">
-            <a:schemeClr val="accent1"/>
-          </a:fillRef>
-          <a:effectRef idx="0">
-            <a:schemeClr val="accent1"/>
-          </a:effectRef>
-          <a:fontRef idx="minor">
-            <a:schemeClr val="tx1"/>
-          </a:fontRef>
-        </p:style>
-      </p:cxnSp>
-      <p:sp>
-        <p:nvSpPr>
-          <p:cNvPr id="4" name="Rettangolo 3">
-            <a:extLst>
-              <a:ext uri="{FF2B5EF4-FFF2-40B4-BE49-F238E27FC236}">
-                <a16:creationId xmlns:a16="http://schemas.microsoft.com/office/drawing/2014/main" id="{D22E5227-66DC-4545-A93A-3BAE57987144}"/>
-              </a:ext>
-            </a:extLst>
-          </p:cNvPr>
-          <p:cNvSpPr/>
-          <p:nvPr/>
-        </p:nvSpPr>
-        <p:spPr>
-          <a:xfrm>
-            <a:off x="590927" y="2477070"/>
-            <a:ext cx="2955837" cy="457195"/>
-          </a:xfrm>
-          <a:prstGeom prst="rect">
-            <a:avLst/>
-          </a:prstGeom>
-          <a:solidFill>
-            <a:schemeClr val="bg1"/>
-          </a:solidFill>
-          <a:ln>
-            <a:solidFill>
-              <a:schemeClr val="bg1"/>
-            </a:solidFill>
-          </a:ln>
-        </p:spPr>
-        <p:style>
-          <a:lnRef idx="2">
-            <a:schemeClr val="accent1">
-              <a:shade val="50000"/>
-            </a:schemeClr>
-          </a:lnRef>
-          <a:fillRef idx="1">
-            <a:schemeClr val="accent1"/>
-          </a:fillRef>
-          <a:effectRef idx="0">
-            <a:schemeClr val="accent1"/>
-          </a:effectRef>
-          <a:fontRef idx="minor">
-            <a:schemeClr val="lt1"/>
-          </a:fontRef>
-        </p:style>
-        <p:txBody>
-          <a:bodyPr rtlCol="0" anchor="ctr"/>
-          <a:lstStyle/>
-          <a:p>
-            <a:pPr algn="ctr"/>
-            <a:endParaRPr lang="it-IT"/>
-          </a:p>
-        </p:txBody>
-      </p:sp>
-      <p:pic>
-        <p:nvPicPr>
-          <p:cNvPr id="10" name="Elemento grafico 9">
-            <a:extLst>
-              <a:ext uri="{FF2B5EF4-FFF2-40B4-BE49-F238E27FC236}">
-                <a16:creationId xmlns:a16="http://schemas.microsoft.com/office/drawing/2014/main" id="{54A47743-7725-4A33-93CA-EFB89C10D1EC}"/>
-              </a:ext>
-            </a:extLst>
-          </p:cNvPr>
-          <p:cNvPicPr>
-            <a:picLocks noChangeAspect="1"/>
-          </p:cNvPicPr>
-          <p:nvPr/>
-        </p:nvPicPr>
-        <p:blipFill>
-          <a:blip r:embed="rId3" cstate="print">
-            <a:extLst>
-              <a:ext uri="{28A0092B-C50C-407E-A947-70E740481C1C}">
-                <a14:useLocalDpi xmlns:a14="http://schemas.microsoft.com/office/drawing/2010/main" val="0"/>
-              </a:ext>
-              <a:ext uri="{96DAC541-7B7A-43D3-8B79-37D633B846F1}">
-                <asvg:svgBlip xmlns:asvg="http://schemas.microsoft.com/office/drawing/2016/SVG/main" r:embed="rId4"/>
-              </a:ext>
-            </a:extLst>
-          </a:blip>
-          <a:stretch>
-            <a:fillRect/>
-          </a:stretch>
-        </p:blipFill>
-        <p:spPr>
-          <a:xfrm>
-            <a:off x="207095" y="6043750"/>
-            <a:ext cx="1770209" cy="700341"/>
-          </a:xfrm>
-          <a:prstGeom prst="rect">
-            <a:avLst/>
-          </a:prstGeom>
-        </p:spPr>
-      </p:pic>
-      <p:sp>
-        <p:nvSpPr>
-          <p:cNvPr id="12" name="Connettore 11">
-            <a:extLst>
-              <a:ext uri="{FF2B5EF4-FFF2-40B4-BE49-F238E27FC236}">
-                <a16:creationId xmlns:a16="http://schemas.microsoft.com/office/drawing/2014/main" id="{92095D8C-8CCA-4CC6-B2D2-E1BC4732F321}"/>
-              </a:ext>
-            </a:extLst>
-          </p:cNvPr>
-          <p:cNvSpPr/>
-          <p:nvPr/>
-        </p:nvSpPr>
-        <p:spPr>
-          <a:xfrm>
-            <a:off x="11455401" y="6273800"/>
-            <a:ext cx="512910" cy="470291"/>
-          </a:xfrm>
-          <a:prstGeom prst="flowChartConnector">
-            <a:avLst/>
-          </a:prstGeom>
-        </p:spPr>
-        <p:style>
-          <a:lnRef idx="2">
-            <a:schemeClr val="accent1">
-              <a:shade val="50000"/>
-            </a:schemeClr>
-          </a:lnRef>
-          <a:fillRef idx="1">
-            <a:schemeClr val="accent1"/>
-          </a:fillRef>
-          <a:effectRef idx="0">
-            <a:schemeClr val="accent1"/>
-          </a:effectRef>
-          <a:fontRef idx="minor">
-            <a:schemeClr val="lt1"/>
-          </a:fontRef>
-        </p:style>
-        <p:txBody>
-          <a:bodyPr rtlCol="0" anchor="ctr"/>
-          <a:lstStyle/>
-          <a:p>
-            <a:pPr algn="ctr"/>
-            <a:fld id="{3A98EE3D-8CD1-4C3F-BD1C-C98C9596463C}" type="slidenum">
-              <a:rPr lang="it-IT" sz="1200" b="1"/>
-              <a:pPr algn="ctr"/>
-              <a:t>12</a:t>
-            </a:fld>
-            <a:endParaRPr lang="it-IT" b="1" dirty="0"/>
-          </a:p>
-        </p:txBody>
-      </p:sp>
-      <p:sp>
-        <p:nvSpPr>
-          <p:cNvPr id="11" name="Segnaposto contenuto 2">
-            <a:extLst>
-              <a:ext uri="{FF2B5EF4-FFF2-40B4-BE49-F238E27FC236}">
-                <a16:creationId xmlns:a16="http://schemas.microsoft.com/office/drawing/2014/main" id="{693C8797-6891-414D-92DD-94A716A7F3E2}"/>
-              </a:ext>
-            </a:extLst>
-          </p:cNvPr>
-          <p:cNvSpPr>
-            <a:spLocks noGrp="1"/>
-          </p:cNvSpPr>
-          <p:nvPr>
-            <p:ph idx="1"/>
-          </p:nvPr>
-        </p:nvSpPr>
-        <p:spPr>
-          <a:xfrm>
-            <a:off x="590550" y="1452563"/>
-            <a:ext cx="10864850" cy="4591050"/>
-          </a:xfrm>
-        </p:spPr>
-        <p:txBody>
-          <a:bodyPr>
-            <a:normAutofit/>
-          </a:bodyPr>
-          <a:lstStyle/>
-          <a:p>
-            <a:pPr lvl="1"/>
-            <a:r>
-              <a:rPr lang="it-IT" sz="2200" dirty="0">
-                <a:latin typeface="+mj-lt"/>
-              </a:rPr>
-              <a:t>Errata scrittura di «TAG» (es. -&gt; </a:t>
-            </a:r>
-            <a:r>
-              <a:rPr lang="it-IT" sz="2200" dirty="0" err="1">
-                <a:latin typeface="+mj-lt"/>
-              </a:rPr>
-              <a:t>TaG</a:t>
-            </a:r>
-            <a:r>
-              <a:rPr lang="it-IT" sz="2200" dirty="0">
-                <a:latin typeface="+mj-lt"/>
-              </a:rPr>
-              <a:t>   TA   </a:t>
-            </a:r>
-            <a:r>
-              <a:rPr lang="it-IT" sz="2200" dirty="0" err="1">
-                <a:latin typeface="+mj-lt"/>
-              </a:rPr>
-              <a:t>TAGa</a:t>
-            </a:r>
-            <a:r>
-              <a:rPr lang="it-IT" sz="2200" dirty="0">
-                <a:latin typeface="+mj-lt"/>
-              </a:rPr>
-              <a:t>   )</a:t>
-            </a:r>
-          </a:p>
-          <a:p>
-            <a:pPr lvl="1"/>
-            <a:endParaRPr lang="it-IT" sz="2200" dirty="0">
-              <a:latin typeface="+mj-lt"/>
-            </a:endParaRPr>
-          </a:p>
-          <a:p>
-            <a:pPr marL="201168" lvl="1" indent="0">
-              <a:buNone/>
-            </a:pPr>
-            <a:endParaRPr lang="it-IT" sz="2200" dirty="0">
-              <a:latin typeface="+mj-lt"/>
-            </a:endParaRPr>
-          </a:p>
-          <a:p>
-            <a:pPr marL="201168" lvl="1" indent="0">
-              <a:buNone/>
-            </a:pPr>
-            <a:endParaRPr lang="it-IT" sz="2200" dirty="0">
-              <a:latin typeface="+mj-lt"/>
-            </a:endParaRPr>
-          </a:p>
-          <a:p>
-            <a:pPr lvl="1"/>
-            <a:r>
-              <a:rPr lang="it-IT" sz="2200" dirty="0">
-                <a:latin typeface="+mj-lt"/>
-              </a:rPr>
-              <a:t>Lunghezza di titolo, artista e album &lt; 30 caratteri</a:t>
-            </a:r>
-          </a:p>
-          <a:p>
-            <a:pPr marL="201168" lvl="1" indent="0">
-              <a:buNone/>
-            </a:pPr>
-            <a:endParaRPr lang="it-IT" sz="2200" dirty="0">
-              <a:latin typeface="+mj-lt"/>
-            </a:endParaRPr>
-          </a:p>
-        </p:txBody>
-      </p:sp>
-      <p:pic>
-        <p:nvPicPr>
-          <p:cNvPr id="3" name="Immagine 2">
-            <a:extLst>
-              <a:ext uri="{FF2B5EF4-FFF2-40B4-BE49-F238E27FC236}">
-                <a16:creationId xmlns:a16="http://schemas.microsoft.com/office/drawing/2014/main" id="{70643618-0588-4567-8203-DD95E61AD0A5}"/>
-              </a:ext>
-            </a:extLst>
-          </p:cNvPr>
-          <p:cNvPicPr>
-            <a:picLocks noChangeAspect="1"/>
-          </p:cNvPicPr>
-          <p:nvPr/>
-        </p:nvPicPr>
-        <p:blipFill>
-          <a:blip r:embed="rId5"/>
-          <a:stretch>
-            <a:fillRect/>
-          </a:stretch>
-        </p:blipFill>
-        <p:spPr>
-          <a:xfrm>
-            <a:off x="963279" y="3568976"/>
-            <a:ext cx="5608516" cy="2351958"/>
-          </a:xfrm>
-          <a:prstGeom prst="rect">
-            <a:avLst/>
-          </a:prstGeom>
-          <a:ln>
-            <a:solidFill>
-              <a:schemeClr val="tx1"/>
-            </a:solidFill>
-          </a:ln>
-        </p:spPr>
-      </p:pic>
-      <p:pic>
-        <p:nvPicPr>
-          <p:cNvPr id="7" name="Immagine 6">
-            <a:extLst>
-              <a:ext uri="{FF2B5EF4-FFF2-40B4-BE49-F238E27FC236}">
-                <a16:creationId xmlns:a16="http://schemas.microsoft.com/office/drawing/2014/main" id="{ABC43EA6-E19E-4A8A-B862-8A153B321BA7}"/>
-              </a:ext>
-            </a:extLst>
-          </p:cNvPr>
-          <p:cNvPicPr>
-            <a:picLocks noChangeAspect="1"/>
-          </p:cNvPicPr>
-          <p:nvPr/>
-        </p:nvPicPr>
-        <p:blipFill>
-          <a:blip r:embed="rId6"/>
-          <a:stretch>
-            <a:fillRect/>
-          </a:stretch>
-        </p:blipFill>
-        <p:spPr>
-          <a:xfrm>
-            <a:off x="963279" y="1870126"/>
-            <a:ext cx="6287267" cy="341611"/>
-          </a:xfrm>
-          <a:prstGeom prst="rect">
-            <a:avLst/>
-          </a:prstGeom>
-          <a:ln>
-            <a:solidFill>
-              <a:schemeClr val="tx1"/>
-            </a:solidFill>
-          </a:ln>
-        </p:spPr>
-      </p:pic>
-      <p:pic>
-        <p:nvPicPr>
-          <p:cNvPr id="9" name="Immagine 8">
-            <a:extLst>
-              <a:ext uri="{FF2B5EF4-FFF2-40B4-BE49-F238E27FC236}">
-                <a16:creationId xmlns:a16="http://schemas.microsoft.com/office/drawing/2014/main" id="{F1B25243-4257-4658-AB33-72E10E6C138B}"/>
-              </a:ext>
-            </a:extLst>
-          </p:cNvPr>
-          <p:cNvPicPr>
-            <a:picLocks noChangeAspect="1"/>
-          </p:cNvPicPr>
-          <p:nvPr/>
-        </p:nvPicPr>
-        <p:blipFill>
-          <a:blip r:embed="rId7"/>
-          <a:stretch>
-            <a:fillRect/>
-          </a:stretch>
-        </p:blipFill>
-        <p:spPr>
-          <a:xfrm>
-            <a:off x="963279" y="2221733"/>
-            <a:ext cx="7181850" cy="510673"/>
-          </a:xfrm>
-          <a:prstGeom prst="rect">
-            <a:avLst/>
-          </a:prstGeom>
-          <a:ln>
-            <a:solidFill>
-              <a:schemeClr val="tx1"/>
-            </a:solidFill>
-          </a:ln>
-        </p:spPr>
-      </p:pic>
-      <p:pic>
-        <p:nvPicPr>
-          <p:cNvPr id="15" name="Immagine 14">
-            <a:extLst>
-              <a:ext uri="{FF2B5EF4-FFF2-40B4-BE49-F238E27FC236}">
-                <a16:creationId xmlns:a16="http://schemas.microsoft.com/office/drawing/2014/main" id="{F471B7C1-7529-49E4-B648-40083D68110A}"/>
-              </a:ext>
-            </a:extLst>
-          </p:cNvPr>
-          <p:cNvPicPr>
-            <a:picLocks noChangeAspect="1"/>
-          </p:cNvPicPr>
-          <p:nvPr/>
-        </p:nvPicPr>
-        <p:blipFill>
-          <a:blip r:embed="rId8"/>
-          <a:stretch>
-            <a:fillRect/>
-          </a:stretch>
-        </p:blipFill>
-        <p:spPr>
-          <a:xfrm>
-            <a:off x="963279" y="2742402"/>
-            <a:ext cx="5945521" cy="331183"/>
-          </a:xfrm>
-          <a:prstGeom prst="rect">
-            <a:avLst/>
-          </a:prstGeom>
-          <a:ln>
-            <a:solidFill>
-              <a:schemeClr val="tx1"/>
-            </a:solidFill>
-          </a:ln>
         </p:spPr>
       </p:pic>
     </p:spTree>
     <p:extLst>
       <p:ext uri="{BB962C8B-B14F-4D97-AF65-F5344CB8AC3E}">
-        <p14:creationId xmlns:p14="http://schemas.microsoft.com/office/powerpoint/2010/main" val="2676566520"/>
-      </p:ext>
-    </p:extLst>
-  </p:cSld>
-  <p:clrMapOvr>
-    <a:masterClrMapping/>
-  </p:clrMapOvr>
-</p:sld>
-</file>
-
-<file path=ppt/slides/slide13.xml><?xml version="1.0" encoding="utf-8"?>
-<p:sld xmlns:a="http://schemas.openxmlformats.org/drawingml/2006/main" xmlns:r="http://schemas.openxmlformats.org/officeDocument/2006/relationships" xmlns:p="http://schemas.openxmlformats.org/presentationml/2006/main">
-  <p:cSld>
-    <p:bg>
-      <p:bgPr>
-        <a:solidFill>
-          <a:schemeClr val="bg1"/>
-        </a:solidFill>
-        <a:effectLst/>
-      </p:bgPr>
-    </p:bg>
-    <p:spTree>
-      <p:nvGrpSpPr>
-        <p:cNvPr id="1" name=""/>
-        <p:cNvGrpSpPr/>
-        <p:nvPr/>
-      </p:nvGrpSpPr>
-      <p:grpSpPr>
-        <a:xfrm>
-          <a:off x="0" y="0"/>
-          <a:ext cx="0" cy="0"/>
-          <a:chOff x="0" y="0"/>
-          <a:chExt cx="0" cy="0"/>
-        </a:xfrm>
-      </p:grpSpPr>
-      <p:sp>
-        <p:nvSpPr>
-          <p:cNvPr id="26" name="Rettangolo 28">
-            <a:extLst>
-              <a:ext uri="{FF2B5EF4-FFF2-40B4-BE49-F238E27FC236}">
-                <a16:creationId xmlns:a16="http://schemas.microsoft.com/office/drawing/2014/main" id="{416A0E3C-60E6-4F39-BC55-5F7C224E1F7C}"/>
-              </a:ext>
-              <a:ext uri="{C183D7F6-B498-43B3-948B-1728B52AA6E4}">
-                <adec:decorative xmlns:adec="http://schemas.microsoft.com/office/drawing/2017/decorative" val="1"/>
-              </a:ext>
-            </a:extLst>
-          </p:cNvPr>
-          <p:cNvSpPr>
-            <a:spLocks noGrp="1" noRot="1" noChangeAspect="1" noMove="1" noResize="1" noEditPoints="1" noAdjustHandles="1" noChangeArrowheads="1" noChangeShapeType="1" noTextEdit="1"/>
-          </p:cNvSpPr>
-          <p:nvPr>
-            <p:extLst>
-              <p:ext uri="{386F3935-93C4-4BCD-93E2-E3B085C9AB24}">
-                <p16:designElem xmlns:p16="http://schemas.microsoft.com/office/powerpoint/2015/main" val="1"/>
-              </p:ext>
-            </p:extLst>
-          </p:nvPr>
-        </p:nvSpPr>
-        <p:spPr>
-          <a:xfrm>
-            <a:off x="3175" y="6400800"/>
-            <a:ext cx="12188825" cy="457200"/>
-          </a:xfrm>
-          <a:prstGeom prst="rect">
-            <a:avLst/>
-          </a:prstGeom>
-          <a:solidFill>
-            <a:srgbClr val="262626"/>
-          </a:solidFill>
-          <a:ln>
-            <a:noFill/>
-          </a:ln>
-        </p:spPr>
-        <p:style>
-          <a:lnRef idx="2">
-            <a:schemeClr val="accent1">
-              <a:shade val="50000"/>
-            </a:schemeClr>
-          </a:lnRef>
-          <a:fillRef idx="1">
-            <a:schemeClr val="accent1"/>
-          </a:fillRef>
-          <a:effectRef idx="0">
-            <a:schemeClr val="accent1"/>
-          </a:effectRef>
-          <a:fontRef idx="minor">
-            <a:schemeClr val="lt1"/>
-          </a:fontRef>
-        </p:style>
-      </p:sp>
-      <p:cxnSp>
-        <p:nvCxnSpPr>
-          <p:cNvPr id="27" name="Connettore diritto 30">
-            <a:extLst>
-              <a:ext uri="{FF2B5EF4-FFF2-40B4-BE49-F238E27FC236}">
-                <a16:creationId xmlns:a16="http://schemas.microsoft.com/office/drawing/2014/main" id="{C5025DAC-8B93-4160-B017-3A274A5828C0}"/>
-              </a:ext>
-              <a:ext uri="{C183D7F6-B498-43B3-948B-1728B52AA6E4}">
-                <adec:decorative xmlns:adec="http://schemas.microsoft.com/office/drawing/2017/decorative" val="1"/>
-              </a:ext>
-            </a:extLst>
-          </p:cNvPr>
-          <p:cNvCxnSpPr>
-            <a:cxnSpLocks noGrp="1" noRot="1" noChangeAspect="1" noMove="1" noResize="1" noEditPoints="1" noAdjustHandles="1" noChangeArrowheads="1" noChangeShapeType="1"/>
-          </p:cNvCxnSpPr>
-          <p:nvPr>
-            <p:extLst>
-              <p:ext uri="{386F3935-93C4-4BCD-93E2-E3B085C9AB24}">
-                <p16:designElem xmlns:p16="http://schemas.microsoft.com/office/powerpoint/2015/main" val="1"/>
-              </p:ext>
-            </p:extLst>
-          </p:nvPr>
-        </p:nvCxnSpPr>
-        <p:spPr>
-          <a:xfrm>
-            <a:off x="1193532" y="1897380"/>
-            <a:ext cx="9966960" cy="0"/>
-          </a:xfrm>
-          <a:prstGeom prst="line">
-            <a:avLst/>
-          </a:prstGeom>
-          <a:ln w="12700">
-            <a:solidFill>
-              <a:schemeClr val="tx1">
-                <a:lumMod val="75000"/>
-                <a:lumOff val="25000"/>
-              </a:schemeClr>
-            </a:solidFill>
-          </a:ln>
-        </p:spPr>
-        <p:style>
-          <a:lnRef idx="1">
-            <a:schemeClr val="accent1"/>
-          </a:lnRef>
-          <a:fillRef idx="0">
-            <a:schemeClr val="accent1"/>
-          </a:fillRef>
-          <a:effectRef idx="0">
-            <a:schemeClr val="accent1"/>
-          </a:effectRef>
-          <a:fontRef idx="minor">
-            <a:schemeClr val="tx1"/>
-          </a:fontRef>
-        </p:style>
-      </p:cxnSp>
-      <p:sp useBgFill="1">
-        <p:nvSpPr>
-          <p:cNvPr id="28" name="Rettangolo 32">
-            <a:extLst>
-              <a:ext uri="{FF2B5EF4-FFF2-40B4-BE49-F238E27FC236}">
-                <a16:creationId xmlns:a16="http://schemas.microsoft.com/office/drawing/2014/main" id="{990D0034-F768-41E7-85D4-F38C4DE85770}"/>
-              </a:ext>
-              <a:ext uri="{C183D7F6-B498-43B3-948B-1728B52AA6E4}">
-                <adec:decorative xmlns:adec="http://schemas.microsoft.com/office/drawing/2017/decorative" val="1"/>
-              </a:ext>
-            </a:extLst>
-          </p:cNvPr>
-          <p:cNvSpPr>
-            <a:spLocks noGrp="1" noRot="1" noChangeAspect="1" noMove="1" noResize="1" noEditPoints="1" noAdjustHandles="1" noChangeArrowheads="1" noChangeShapeType="1" noTextEdit="1"/>
-          </p:cNvSpPr>
-          <p:nvPr>
-            <p:extLst>
-              <p:ext uri="{386F3935-93C4-4BCD-93E2-E3B085C9AB24}">
-                <p16:designElem xmlns:p16="http://schemas.microsoft.com/office/powerpoint/2015/main" val="1"/>
-              </p:ext>
-            </p:extLst>
-          </p:nvPr>
-        </p:nvSpPr>
-        <p:spPr>
-          <a:xfrm>
-            <a:off x="0" y="0"/>
-            <a:ext cx="12186315" cy="6858000"/>
-          </a:xfrm>
-          <a:prstGeom prst="rect">
-            <a:avLst/>
-          </a:prstGeom>
-          <a:ln>
-            <a:noFill/>
-          </a:ln>
-        </p:spPr>
-        <p:style>
-          <a:lnRef idx="2">
-            <a:schemeClr val="accent6">
-              <a:shade val="50000"/>
-            </a:schemeClr>
-          </a:lnRef>
-          <a:fillRef idx="1001">
-            <a:schemeClr val="lt1"/>
-          </a:fillRef>
-          <a:effectRef idx="0">
-            <a:schemeClr val="accent6"/>
-          </a:effectRef>
-          <a:fontRef idx="minor">
-            <a:schemeClr val="lt1"/>
-          </a:fontRef>
-        </p:style>
-        <p:txBody>
-          <a:bodyPr rtlCol="0" anchor="ctr"/>
-          <a:lstStyle/>
-          <a:p>
-            <a:pPr algn="ctr" rtl="0"/>
-            <a:endParaRPr lang="it-IT" dirty="0"/>
-          </a:p>
-        </p:txBody>
-      </p:sp>
-      <p:sp>
-        <p:nvSpPr>
-          <p:cNvPr id="5" name="Titolo 4">
-            <a:extLst>
-              <a:ext uri="{FF2B5EF4-FFF2-40B4-BE49-F238E27FC236}">
-                <a16:creationId xmlns:a16="http://schemas.microsoft.com/office/drawing/2014/main" id="{B8B72B13-069B-4F8A-9437-FA58C3F1D44B}"/>
-              </a:ext>
-            </a:extLst>
-          </p:cNvPr>
-          <p:cNvSpPr>
-            <a:spLocks noGrp="1"/>
-          </p:cNvSpPr>
-          <p:nvPr>
-            <p:ph type="title"/>
-          </p:nvPr>
-        </p:nvSpPr>
-        <p:spPr>
-          <a:xfrm>
-            <a:off x="590927" y="535936"/>
-            <a:ext cx="10864474" cy="700340"/>
-          </a:xfrm>
-        </p:spPr>
-        <p:txBody>
-          <a:bodyPr vert="horz" lIns="91440" tIns="45720" rIns="91440" bIns="45720" rtlCol="0" anchor="b">
-            <a:noAutofit/>
-          </a:bodyPr>
-          <a:lstStyle/>
-          <a:p>
-            <a:pPr rtl="0"/>
-            <a:r>
-              <a:rPr lang="it-IT" sz="4400" dirty="0">
-                <a:solidFill>
-                  <a:schemeClr val="tx1">
-                    <a:lumMod val="75000"/>
-                    <a:lumOff val="25000"/>
-                  </a:schemeClr>
-                </a:solidFill>
-              </a:rPr>
-              <a:t>Alcuni casi di test</a:t>
-            </a:r>
-          </a:p>
-        </p:txBody>
-      </p:sp>
-      <p:cxnSp>
-        <p:nvCxnSpPr>
-          <p:cNvPr id="30" name="Connettore diritto 34">
-            <a:extLst>
-              <a:ext uri="{FF2B5EF4-FFF2-40B4-BE49-F238E27FC236}">
-                <a16:creationId xmlns:a16="http://schemas.microsoft.com/office/drawing/2014/main" id="{5A0A5CF6-407C-4691-8122-49DF69D0020D}"/>
-              </a:ext>
-              <a:ext uri="{C183D7F6-B498-43B3-948B-1728B52AA6E4}">
-                <adec:decorative xmlns:adec="http://schemas.microsoft.com/office/drawing/2017/decorative" val="1"/>
-              </a:ext>
-            </a:extLst>
-          </p:cNvPr>
-          <p:cNvCxnSpPr>
-            <a:cxnSpLocks noGrp="1" noRot="1" noChangeAspect="1" noMove="1" noResize="1" noEditPoints="1" noAdjustHandles="1" noChangeArrowheads="1" noChangeShapeType="1"/>
-          </p:cNvCxnSpPr>
-          <p:nvPr>
-            <p:extLst>
-              <p:ext uri="{386F3935-93C4-4BCD-93E2-E3B085C9AB24}">
-                <p16:designElem xmlns:p16="http://schemas.microsoft.com/office/powerpoint/2015/main" val="1"/>
-              </p:ext>
-            </p:extLst>
-          </p:nvPr>
-        </p:nvCxnSpPr>
-        <p:spPr>
-          <a:xfrm>
-            <a:off x="590927" y="2633962"/>
-            <a:ext cx="2834640" cy="0"/>
-          </a:xfrm>
-          <a:prstGeom prst="line">
-            <a:avLst/>
-          </a:prstGeom>
-          <a:ln w="12700">
-            <a:solidFill>
-              <a:schemeClr val="tx1">
-                <a:lumMod val="75000"/>
-                <a:lumOff val="25000"/>
-              </a:schemeClr>
-            </a:solidFill>
-          </a:ln>
-        </p:spPr>
-        <p:style>
-          <a:lnRef idx="1">
-            <a:schemeClr val="accent1"/>
-          </a:lnRef>
-          <a:fillRef idx="0">
-            <a:schemeClr val="accent1"/>
-          </a:fillRef>
-          <a:effectRef idx="0">
-            <a:schemeClr val="accent1"/>
-          </a:effectRef>
-          <a:fontRef idx="minor">
-            <a:schemeClr val="tx1"/>
-          </a:fontRef>
-        </p:style>
-      </p:cxnSp>
-      <p:sp>
-        <p:nvSpPr>
-          <p:cNvPr id="4" name="Rettangolo 3">
-            <a:extLst>
-              <a:ext uri="{FF2B5EF4-FFF2-40B4-BE49-F238E27FC236}">
-                <a16:creationId xmlns:a16="http://schemas.microsoft.com/office/drawing/2014/main" id="{D22E5227-66DC-4545-A93A-3BAE57987144}"/>
-              </a:ext>
-            </a:extLst>
-          </p:cNvPr>
-          <p:cNvSpPr/>
-          <p:nvPr/>
-        </p:nvSpPr>
-        <p:spPr>
-          <a:xfrm>
-            <a:off x="590927" y="2477070"/>
-            <a:ext cx="2955837" cy="457195"/>
-          </a:xfrm>
-          <a:prstGeom prst="rect">
-            <a:avLst/>
-          </a:prstGeom>
-          <a:solidFill>
-            <a:schemeClr val="bg1"/>
-          </a:solidFill>
-          <a:ln>
-            <a:solidFill>
-              <a:schemeClr val="bg1"/>
-            </a:solidFill>
-          </a:ln>
-        </p:spPr>
-        <p:style>
-          <a:lnRef idx="2">
-            <a:schemeClr val="accent1">
-              <a:shade val="50000"/>
-            </a:schemeClr>
-          </a:lnRef>
-          <a:fillRef idx="1">
-            <a:schemeClr val="accent1"/>
-          </a:fillRef>
-          <a:effectRef idx="0">
-            <a:schemeClr val="accent1"/>
-          </a:effectRef>
-          <a:fontRef idx="minor">
-            <a:schemeClr val="lt1"/>
-          </a:fontRef>
-        </p:style>
-        <p:txBody>
-          <a:bodyPr rtlCol="0" anchor="ctr"/>
-          <a:lstStyle/>
-          <a:p>
-            <a:pPr algn="ctr"/>
-            <a:endParaRPr lang="it-IT"/>
-          </a:p>
-        </p:txBody>
-      </p:sp>
-      <p:pic>
-        <p:nvPicPr>
-          <p:cNvPr id="10" name="Elemento grafico 9">
-            <a:extLst>
-              <a:ext uri="{FF2B5EF4-FFF2-40B4-BE49-F238E27FC236}">
-                <a16:creationId xmlns:a16="http://schemas.microsoft.com/office/drawing/2014/main" id="{54A47743-7725-4A33-93CA-EFB89C10D1EC}"/>
-              </a:ext>
-            </a:extLst>
-          </p:cNvPr>
-          <p:cNvPicPr>
-            <a:picLocks noChangeAspect="1"/>
-          </p:cNvPicPr>
-          <p:nvPr/>
-        </p:nvPicPr>
-        <p:blipFill>
-          <a:blip r:embed="rId3" cstate="print">
-            <a:extLst>
-              <a:ext uri="{28A0092B-C50C-407E-A947-70E740481C1C}">
-                <a14:useLocalDpi xmlns:a14="http://schemas.microsoft.com/office/drawing/2010/main" val="0"/>
-              </a:ext>
-              <a:ext uri="{96DAC541-7B7A-43D3-8B79-37D633B846F1}">
-                <asvg:svgBlip xmlns:asvg="http://schemas.microsoft.com/office/drawing/2016/SVG/main" r:embed="rId4"/>
-              </a:ext>
-            </a:extLst>
-          </a:blip>
-          <a:stretch>
-            <a:fillRect/>
-          </a:stretch>
-        </p:blipFill>
-        <p:spPr>
-          <a:xfrm>
-            <a:off x="207095" y="6043750"/>
-            <a:ext cx="1770209" cy="700341"/>
-          </a:xfrm>
-          <a:prstGeom prst="rect">
-            <a:avLst/>
-          </a:prstGeom>
-        </p:spPr>
-      </p:pic>
-      <p:sp>
-        <p:nvSpPr>
-          <p:cNvPr id="12" name="Connettore 11">
-            <a:extLst>
-              <a:ext uri="{FF2B5EF4-FFF2-40B4-BE49-F238E27FC236}">
-                <a16:creationId xmlns:a16="http://schemas.microsoft.com/office/drawing/2014/main" id="{92095D8C-8CCA-4CC6-B2D2-E1BC4732F321}"/>
-              </a:ext>
-            </a:extLst>
-          </p:cNvPr>
-          <p:cNvSpPr/>
-          <p:nvPr/>
-        </p:nvSpPr>
-        <p:spPr>
-          <a:xfrm>
-            <a:off x="11455401" y="6273800"/>
-            <a:ext cx="512910" cy="470291"/>
-          </a:xfrm>
-          <a:prstGeom prst="flowChartConnector">
-            <a:avLst/>
-          </a:prstGeom>
-        </p:spPr>
-        <p:style>
-          <a:lnRef idx="2">
-            <a:schemeClr val="accent1">
-              <a:shade val="50000"/>
-            </a:schemeClr>
-          </a:lnRef>
-          <a:fillRef idx="1">
-            <a:schemeClr val="accent1"/>
-          </a:fillRef>
-          <a:effectRef idx="0">
-            <a:schemeClr val="accent1"/>
-          </a:effectRef>
-          <a:fontRef idx="minor">
-            <a:schemeClr val="lt1"/>
-          </a:fontRef>
-        </p:style>
-        <p:txBody>
-          <a:bodyPr rtlCol="0" anchor="ctr"/>
-          <a:lstStyle/>
-          <a:p>
-            <a:pPr algn="ctr"/>
-            <a:fld id="{3A98EE3D-8CD1-4C3F-BD1C-C98C9596463C}" type="slidenum">
-              <a:rPr lang="it-IT" sz="1200" b="1"/>
-              <a:pPr algn="ctr"/>
-              <a:t>13</a:t>
-            </a:fld>
-            <a:endParaRPr lang="it-IT" b="1" dirty="0"/>
-          </a:p>
-        </p:txBody>
-      </p:sp>
-      <p:sp>
-        <p:nvSpPr>
-          <p:cNvPr id="11" name="Segnaposto contenuto 2">
-            <a:extLst>
-              <a:ext uri="{FF2B5EF4-FFF2-40B4-BE49-F238E27FC236}">
-                <a16:creationId xmlns:a16="http://schemas.microsoft.com/office/drawing/2014/main" id="{693C8797-6891-414D-92DD-94A716A7F3E2}"/>
-              </a:ext>
-            </a:extLst>
-          </p:cNvPr>
-          <p:cNvSpPr>
-            <a:spLocks noGrp="1"/>
-          </p:cNvSpPr>
-          <p:nvPr>
-            <p:ph idx="1"/>
-          </p:nvPr>
-        </p:nvSpPr>
-        <p:spPr>
-          <a:xfrm>
-            <a:off x="590550" y="1452563"/>
-            <a:ext cx="10864850" cy="4591050"/>
-          </a:xfrm>
-        </p:spPr>
-        <p:txBody>
-          <a:bodyPr>
-            <a:normAutofit/>
-          </a:bodyPr>
-          <a:lstStyle/>
-          <a:p>
-            <a:pPr lvl="1"/>
-            <a:r>
-              <a:rPr lang="it-IT" sz="2200" dirty="0">
-                <a:latin typeface="+mj-lt"/>
-              </a:rPr>
-              <a:t>Lunghezza di titolo, artista e album &gt; 30 caratteri</a:t>
-            </a:r>
-          </a:p>
-          <a:p>
-            <a:pPr lvl="1"/>
-            <a:endParaRPr lang="it-IT" sz="2200" dirty="0">
-              <a:latin typeface="+mj-lt"/>
-            </a:endParaRPr>
-          </a:p>
-          <a:p>
-            <a:pPr lvl="1"/>
-            <a:endParaRPr lang="it-IT" sz="2200" dirty="0">
-              <a:latin typeface="+mj-lt"/>
-            </a:endParaRPr>
-          </a:p>
-          <a:p>
-            <a:pPr lvl="1"/>
-            <a:endParaRPr lang="it-IT" sz="2200" dirty="0">
-              <a:latin typeface="+mj-lt"/>
-            </a:endParaRPr>
-          </a:p>
-          <a:p>
-            <a:pPr lvl="1"/>
-            <a:endParaRPr lang="it-IT" sz="2200" dirty="0">
-              <a:latin typeface="+mj-lt"/>
-            </a:endParaRPr>
-          </a:p>
-          <a:p>
-            <a:pPr lvl="1"/>
-            <a:endParaRPr lang="it-IT" sz="2200" dirty="0">
-              <a:latin typeface="+mj-lt"/>
-            </a:endParaRPr>
-          </a:p>
-          <a:p>
-            <a:pPr lvl="1"/>
-            <a:endParaRPr lang="it-IT" sz="2200" dirty="0">
-              <a:latin typeface="+mj-lt"/>
-            </a:endParaRPr>
-          </a:p>
-          <a:p>
-            <a:pPr lvl="1"/>
-            <a:r>
-              <a:rPr lang="it-IT" sz="2200" dirty="0">
-                <a:latin typeface="+mj-lt"/>
-              </a:rPr>
-              <a:t>Carattere mancante in Anno</a:t>
-            </a:r>
-          </a:p>
-          <a:p>
-            <a:pPr marL="201168" lvl="1" indent="0">
-              <a:buNone/>
-            </a:pPr>
-            <a:endParaRPr lang="it-IT" sz="2200" dirty="0">
-              <a:latin typeface="+mj-lt"/>
-            </a:endParaRPr>
-          </a:p>
-        </p:txBody>
-      </p:sp>
-      <p:pic>
-        <p:nvPicPr>
-          <p:cNvPr id="6" name="Immagine 5">
-            <a:extLst>
-              <a:ext uri="{FF2B5EF4-FFF2-40B4-BE49-F238E27FC236}">
-                <a16:creationId xmlns:a16="http://schemas.microsoft.com/office/drawing/2014/main" id="{2537F7D5-5F81-4FF7-8053-F12890936359}"/>
-              </a:ext>
-            </a:extLst>
-          </p:cNvPr>
-          <p:cNvPicPr>
-            <a:picLocks noChangeAspect="1"/>
-          </p:cNvPicPr>
-          <p:nvPr/>
-        </p:nvPicPr>
-        <p:blipFill>
-          <a:blip r:embed="rId5"/>
-          <a:stretch>
-            <a:fillRect/>
-          </a:stretch>
-        </p:blipFill>
-        <p:spPr>
-          <a:xfrm>
-            <a:off x="1002045" y="1869350"/>
-            <a:ext cx="7458075" cy="2305050"/>
-          </a:xfrm>
-          <a:prstGeom prst="rect">
-            <a:avLst/>
-          </a:prstGeom>
-          <a:ln>
-            <a:solidFill>
-              <a:schemeClr val="tx1"/>
-            </a:solidFill>
-          </a:ln>
-        </p:spPr>
-      </p:pic>
-      <p:pic>
-        <p:nvPicPr>
-          <p:cNvPr id="15" name="Immagine 14">
-            <a:extLst>
-              <a:ext uri="{FF2B5EF4-FFF2-40B4-BE49-F238E27FC236}">
-                <a16:creationId xmlns:a16="http://schemas.microsoft.com/office/drawing/2014/main" id="{E74CF120-B070-4C16-B86A-D4B68C3475BB}"/>
-              </a:ext>
-            </a:extLst>
-          </p:cNvPr>
-          <p:cNvPicPr>
-            <a:picLocks noChangeAspect="1"/>
-          </p:cNvPicPr>
-          <p:nvPr/>
-        </p:nvPicPr>
-        <p:blipFill>
-          <a:blip r:embed="rId6"/>
-          <a:stretch>
-            <a:fillRect/>
-          </a:stretch>
-        </p:blipFill>
-        <p:spPr>
-          <a:xfrm>
-            <a:off x="1002045" y="4768753"/>
-            <a:ext cx="2817672" cy="238113"/>
-          </a:xfrm>
-          <a:prstGeom prst="rect">
-            <a:avLst/>
-          </a:prstGeom>
-          <a:ln>
-            <a:solidFill>
-              <a:schemeClr val="tx1"/>
-            </a:solidFill>
-          </a:ln>
-        </p:spPr>
-      </p:pic>
-      <p:pic>
-        <p:nvPicPr>
-          <p:cNvPr id="16" name="Immagine 15">
-            <a:extLst>
-              <a:ext uri="{FF2B5EF4-FFF2-40B4-BE49-F238E27FC236}">
-                <a16:creationId xmlns:a16="http://schemas.microsoft.com/office/drawing/2014/main" id="{2B91AE74-538C-4FF6-8DFD-767C85B7A53B}"/>
-              </a:ext>
-            </a:extLst>
-          </p:cNvPr>
-          <p:cNvPicPr>
-            <a:picLocks noChangeAspect="1"/>
-          </p:cNvPicPr>
-          <p:nvPr/>
-        </p:nvPicPr>
-        <p:blipFill>
-          <a:blip r:embed="rId7"/>
-          <a:stretch>
-            <a:fillRect/>
-          </a:stretch>
-        </p:blipFill>
-        <p:spPr>
-          <a:xfrm>
-            <a:off x="1002045" y="5098950"/>
-            <a:ext cx="6069540" cy="416435"/>
-          </a:xfrm>
-          <a:prstGeom prst="rect">
-            <a:avLst/>
-          </a:prstGeom>
-          <a:ln>
-            <a:solidFill>
-              <a:schemeClr val="tx1"/>
-            </a:solidFill>
-          </a:ln>
-        </p:spPr>
-      </p:pic>
-    </p:spTree>
-    <p:extLst>
-      <p:ext uri="{BB962C8B-B14F-4D97-AF65-F5344CB8AC3E}">
-        <p14:creationId xmlns:p14="http://schemas.microsoft.com/office/powerpoint/2010/main" val="1799577509"/>
-      </p:ext>
-    </p:extLst>
-  </p:cSld>
-  <p:clrMapOvr>
-    <a:masterClrMapping/>
-  </p:clrMapOvr>
-</p:sld>
-</file>
-
-<file path=ppt/slides/slide14.xml><?xml version="1.0" encoding="utf-8"?>
-<p:sld xmlns:a="http://schemas.openxmlformats.org/drawingml/2006/main" xmlns:r="http://schemas.openxmlformats.org/officeDocument/2006/relationships" xmlns:p="http://schemas.openxmlformats.org/presentationml/2006/main">
-  <p:cSld>
-    <p:bg>
-      <p:bgPr>
-        <a:solidFill>
-          <a:schemeClr val="bg1"/>
-        </a:solidFill>
-        <a:effectLst/>
-      </p:bgPr>
-    </p:bg>
-    <p:spTree>
-      <p:nvGrpSpPr>
-        <p:cNvPr id="1" name=""/>
-        <p:cNvGrpSpPr/>
-        <p:nvPr/>
-      </p:nvGrpSpPr>
-      <p:grpSpPr>
-        <a:xfrm>
-          <a:off x="0" y="0"/>
-          <a:ext cx="0" cy="0"/>
-          <a:chOff x="0" y="0"/>
-          <a:chExt cx="0" cy="0"/>
-        </a:xfrm>
-      </p:grpSpPr>
-      <p:sp>
-        <p:nvSpPr>
-          <p:cNvPr id="26" name="Rettangolo 28">
-            <a:extLst>
-              <a:ext uri="{FF2B5EF4-FFF2-40B4-BE49-F238E27FC236}">
-                <a16:creationId xmlns:a16="http://schemas.microsoft.com/office/drawing/2014/main" id="{416A0E3C-60E6-4F39-BC55-5F7C224E1F7C}"/>
-              </a:ext>
-              <a:ext uri="{C183D7F6-B498-43B3-948B-1728B52AA6E4}">
-                <adec:decorative xmlns:adec="http://schemas.microsoft.com/office/drawing/2017/decorative" val="1"/>
-              </a:ext>
-            </a:extLst>
-          </p:cNvPr>
-          <p:cNvSpPr>
-            <a:spLocks noGrp="1" noRot="1" noChangeAspect="1" noMove="1" noResize="1" noEditPoints="1" noAdjustHandles="1" noChangeArrowheads="1" noChangeShapeType="1" noTextEdit="1"/>
-          </p:cNvSpPr>
-          <p:nvPr>
-            <p:extLst>
-              <p:ext uri="{386F3935-93C4-4BCD-93E2-E3B085C9AB24}">
-                <p16:designElem xmlns:p16="http://schemas.microsoft.com/office/powerpoint/2015/main" val="1"/>
-              </p:ext>
-            </p:extLst>
-          </p:nvPr>
-        </p:nvSpPr>
-        <p:spPr>
-          <a:xfrm>
-            <a:off x="3175" y="6400800"/>
-            <a:ext cx="12188825" cy="457200"/>
-          </a:xfrm>
-          <a:prstGeom prst="rect">
-            <a:avLst/>
-          </a:prstGeom>
-          <a:solidFill>
-            <a:srgbClr val="262626"/>
-          </a:solidFill>
-          <a:ln>
-            <a:noFill/>
-          </a:ln>
-        </p:spPr>
-        <p:style>
-          <a:lnRef idx="2">
-            <a:schemeClr val="accent1">
-              <a:shade val="50000"/>
-            </a:schemeClr>
-          </a:lnRef>
-          <a:fillRef idx="1">
-            <a:schemeClr val="accent1"/>
-          </a:fillRef>
-          <a:effectRef idx="0">
-            <a:schemeClr val="accent1"/>
-          </a:effectRef>
-          <a:fontRef idx="minor">
-            <a:schemeClr val="lt1"/>
-          </a:fontRef>
-        </p:style>
-      </p:sp>
-      <p:cxnSp>
-        <p:nvCxnSpPr>
-          <p:cNvPr id="27" name="Connettore diritto 30">
-            <a:extLst>
-              <a:ext uri="{FF2B5EF4-FFF2-40B4-BE49-F238E27FC236}">
-                <a16:creationId xmlns:a16="http://schemas.microsoft.com/office/drawing/2014/main" id="{C5025DAC-8B93-4160-B017-3A274A5828C0}"/>
-              </a:ext>
-              <a:ext uri="{C183D7F6-B498-43B3-948B-1728B52AA6E4}">
-                <adec:decorative xmlns:adec="http://schemas.microsoft.com/office/drawing/2017/decorative" val="1"/>
-              </a:ext>
-            </a:extLst>
-          </p:cNvPr>
-          <p:cNvCxnSpPr>
-            <a:cxnSpLocks noGrp="1" noRot="1" noChangeAspect="1" noMove="1" noResize="1" noEditPoints="1" noAdjustHandles="1" noChangeArrowheads="1" noChangeShapeType="1"/>
-          </p:cNvCxnSpPr>
-          <p:nvPr>
-            <p:extLst>
-              <p:ext uri="{386F3935-93C4-4BCD-93E2-E3B085C9AB24}">
-                <p16:designElem xmlns:p16="http://schemas.microsoft.com/office/powerpoint/2015/main" val="1"/>
-              </p:ext>
-            </p:extLst>
-          </p:nvPr>
-        </p:nvCxnSpPr>
-        <p:spPr>
-          <a:xfrm>
-            <a:off x="1193532" y="1897380"/>
-            <a:ext cx="9966960" cy="0"/>
-          </a:xfrm>
-          <a:prstGeom prst="line">
-            <a:avLst/>
-          </a:prstGeom>
-          <a:ln w="12700">
-            <a:solidFill>
-              <a:schemeClr val="tx1">
-                <a:lumMod val="75000"/>
-                <a:lumOff val="25000"/>
-              </a:schemeClr>
-            </a:solidFill>
-          </a:ln>
-        </p:spPr>
-        <p:style>
-          <a:lnRef idx="1">
-            <a:schemeClr val="accent1"/>
-          </a:lnRef>
-          <a:fillRef idx="0">
-            <a:schemeClr val="accent1"/>
-          </a:fillRef>
-          <a:effectRef idx="0">
-            <a:schemeClr val="accent1"/>
-          </a:effectRef>
-          <a:fontRef idx="minor">
-            <a:schemeClr val="tx1"/>
-          </a:fontRef>
-        </p:style>
-      </p:cxnSp>
-      <p:sp useBgFill="1">
-        <p:nvSpPr>
-          <p:cNvPr id="28" name="Rettangolo 32">
-            <a:extLst>
-              <a:ext uri="{FF2B5EF4-FFF2-40B4-BE49-F238E27FC236}">
-                <a16:creationId xmlns:a16="http://schemas.microsoft.com/office/drawing/2014/main" id="{990D0034-F768-41E7-85D4-F38C4DE85770}"/>
-              </a:ext>
-              <a:ext uri="{C183D7F6-B498-43B3-948B-1728B52AA6E4}">
-                <adec:decorative xmlns:adec="http://schemas.microsoft.com/office/drawing/2017/decorative" val="1"/>
-              </a:ext>
-            </a:extLst>
-          </p:cNvPr>
-          <p:cNvSpPr>
-            <a:spLocks noGrp="1" noRot="1" noChangeAspect="1" noMove="1" noResize="1" noEditPoints="1" noAdjustHandles="1" noChangeArrowheads="1" noChangeShapeType="1" noTextEdit="1"/>
-          </p:cNvSpPr>
-          <p:nvPr>
-            <p:extLst>
-              <p:ext uri="{386F3935-93C4-4BCD-93E2-E3B085C9AB24}">
-                <p16:designElem xmlns:p16="http://schemas.microsoft.com/office/powerpoint/2015/main" val="1"/>
-              </p:ext>
-            </p:extLst>
-          </p:nvPr>
-        </p:nvSpPr>
-        <p:spPr>
-          <a:xfrm>
-            <a:off x="0" y="0"/>
-            <a:ext cx="12186315" cy="6858000"/>
-          </a:xfrm>
-          <a:prstGeom prst="rect">
-            <a:avLst/>
-          </a:prstGeom>
-          <a:ln>
-            <a:noFill/>
-          </a:ln>
-        </p:spPr>
-        <p:style>
-          <a:lnRef idx="2">
-            <a:schemeClr val="accent6">
-              <a:shade val="50000"/>
-            </a:schemeClr>
-          </a:lnRef>
-          <a:fillRef idx="1001">
-            <a:schemeClr val="lt1"/>
-          </a:fillRef>
-          <a:effectRef idx="0">
-            <a:schemeClr val="accent6"/>
-          </a:effectRef>
-          <a:fontRef idx="minor">
-            <a:schemeClr val="lt1"/>
-          </a:fontRef>
-        </p:style>
-        <p:txBody>
-          <a:bodyPr rtlCol="0" anchor="ctr"/>
-          <a:lstStyle/>
-          <a:p>
-            <a:pPr algn="ctr" rtl="0"/>
-            <a:endParaRPr lang="it-IT" dirty="0"/>
-          </a:p>
-        </p:txBody>
-      </p:sp>
-      <p:sp>
-        <p:nvSpPr>
-          <p:cNvPr id="5" name="Titolo 4">
-            <a:extLst>
-              <a:ext uri="{FF2B5EF4-FFF2-40B4-BE49-F238E27FC236}">
-                <a16:creationId xmlns:a16="http://schemas.microsoft.com/office/drawing/2014/main" id="{B8B72B13-069B-4F8A-9437-FA58C3F1D44B}"/>
-              </a:ext>
-            </a:extLst>
-          </p:cNvPr>
-          <p:cNvSpPr>
-            <a:spLocks noGrp="1"/>
-          </p:cNvSpPr>
-          <p:nvPr>
-            <p:ph type="title"/>
-          </p:nvPr>
-        </p:nvSpPr>
-        <p:spPr>
-          <a:xfrm>
-            <a:off x="590927" y="535936"/>
-            <a:ext cx="10864474" cy="700340"/>
-          </a:xfrm>
-        </p:spPr>
-        <p:txBody>
-          <a:bodyPr vert="horz" lIns="91440" tIns="45720" rIns="91440" bIns="45720" rtlCol="0" anchor="b">
-            <a:noAutofit/>
-          </a:bodyPr>
-          <a:lstStyle/>
-          <a:p>
-            <a:pPr rtl="0"/>
-            <a:r>
-              <a:rPr lang="it-IT" sz="4400" dirty="0">
-                <a:solidFill>
-                  <a:schemeClr val="tx1">
-                    <a:lumMod val="75000"/>
-                    <a:lumOff val="25000"/>
-                  </a:schemeClr>
-                </a:solidFill>
-              </a:rPr>
-              <a:t>Alcuni casi di test</a:t>
-            </a:r>
-          </a:p>
-        </p:txBody>
-      </p:sp>
-      <p:cxnSp>
-        <p:nvCxnSpPr>
-          <p:cNvPr id="30" name="Connettore diritto 34">
-            <a:extLst>
-              <a:ext uri="{FF2B5EF4-FFF2-40B4-BE49-F238E27FC236}">
-                <a16:creationId xmlns:a16="http://schemas.microsoft.com/office/drawing/2014/main" id="{5A0A5CF6-407C-4691-8122-49DF69D0020D}"/>
-              </a:ext>
-              <a:ext uri="{C183D7F6-B498-43B3-948B-1728B52AA6E4}">
-                <adec:decorative xmlns:adec="http://schemas.microsoft.com/office/drawing/2017/decorative" val="1"/>
-              </a:ext>
-            </a:extLst>
-          </p:cNvPr>
-          <p:cNvCxnSpPr>
-            <a:cxnSpLocks noGrp="1" noRot="1" noChangeAspect="1" noMove="1" noResize="1" noEditPoints="1" noAdjustHandles="1" noChangeArrowheads="1" noChangeShapeType="1"/>
-          </p:cNvCxnSpPr>
-          <p:nvPr>
-            <p:extLst>
-              <p:ext uri="{386F3935-93C4-4BCD-93E2-E3B085C9AB24}">
-                <p16:designElem xmlns:p16="http://schemas.microsoft.com/office/powerpoint/2015/main" val="1"/>
-              </p:ext>
-            </p:extLst>
-          </p:nvPr>
-        </p:nvCxnSpPr>
-        <p:spPr>
-          <a:xfrm>
-            <a:off x="590927" y="2633962"/>
-            <a:ext cx="2834640" cy="0"/>
-          </a:xfrm>
-          <a:prstGeom prst="line">
-            <a:avLst/>
-          </a:prstGeom>
-          <a:ln w="12700">
-            <a:solidFill>
-              <a:schemeClr val="tx1">
-                <a:lumMod val="75000"/>
-                <a:lumOff val="25000"/>
-              </a:schemeClr>
-            </a:solidFill>
-          </a:ln>
-        </p:spPr>
-        <p:style>
-          <a:lnRef idx="1">
-            <a:schemeClr val="accent1"/>
-          </a:lnRef>
-          <a:fillRef idx="0">
-            <a:schemeClr val="accent1"/>
-          </a:fillRef>
-          <a:effectRef idx="0">
-            <a:schemeClr val="accent1"/>
-          </a:effectRef>
-          <a:fontRef idx="minor">
-            <a:schemeClr val="tx1"/>
-          </a:fontRef>
-        </p:style>
-      </p:cxnSp>
-      <p:sp>
-        <p:nvSpPr>
-          <p:cNvPr id="4" name="Rettangolo 3">
-            <a:extLst>
-              <a:ext uri="{FF2B5EF4-FFF2-40B4-BE49-F238E27FC236}">
-                <a16:creationId xmlns:a16="http://schemas.microsoft.com/office/drawing/2014/main" id="{D22E5227-66DC-4545-A93A-3BAE57987144}"/>
-              </a:ext>
-            </a:extLst>
-          </p:cNvPr>
-          <p:cNvSpPr/>
-          <p:nvPr/>
-        </p:nvSpPr>
-        <p:spPr>
-          <a:xfrm>
-            <a:off x="590927" y="2477070"/>
-            <a:ext cx="2955837" cy="457195"/>
-          </a:xfrm>
-          <a:prstGeom prst="rect">
-            <a:avLst/>
-          </a:prstGeom>
-          <a:solidFill>
-            <a:schemeClr val="bg1"/>
-          </a:solidFill>
-          <a:ln>
-            <a:solidFill>
-              <a:schemeClr val="bg1"/>
-            </a:solidFill>
-          </a:ln>
-        </p:spPr>
-        <p:style>
-          <a:lnRef idx="2">
-            <a:schemeClr val="accent1">
-              <a:shade val="50000"/>
-            </a:schemeClr>
-          </a:lnRef>
-          <a:fillRef idx="1">
-            <a:schemeClr val="accent1"/>
-          </a:fillRef>
-          <a:effectRef idx="0">
-            <a:schemeClr val="accent1"/>
-          </a:effectRef>
-          <a:fontRef idx="minor">
-            <a:schemeClr val="lt1"/>
-          </a:fontRef>
-        </p:style>
-        <p:txBody>
-          <a:bodyPr rtlCol="0" anchor="ctr"/>
-          <a:lstStyle/>
-          <a:p>
-            <a:pPr algn="ctr"/>
-            <a:endParaRPr lang="it-IT"/>
-          </a:p>
-        </p:txBody>
-      </p:sp>
-      <p:pic>
-        <p:nvPicPr>
-          <p:cNvPr id="10" name="Elemento grafico 9">
-            <a:extLst>
-              <a:ext uri="{FF2B5EF4-FFF2-40B4-BE49-F238E27FC236}">
-                <a16:creationId xmlns:a16="http://schemas.microsoft.com/office/drawing/2014/main" id="{54A47743-7725-4A33-93CA-EFB89C10D1EC}"/>
-              </a:ext>
-            </a:extLst>
-          </p:cNvPr>
-          <p:cNvPicPr>
-            <a:picLocks noChangeAspect="1"/>
-          </p:cNvPicPr>
-          <p:nvPr/>
-        </p:nvPicPr>
-        <p:blipFill>
-          <a:blip r:embed="rId3" cstate="print">
-            <a:extLst>
-              <a:ext uri="{28A0092B-C50C-407E-A947-70E740481C1C}">
-                <a14:useLocalDpi xmlns:a14="http://schemas.microsoft.com/office/drawing/2010/main" val="0"/>
-              </a:ext>
-              <a:ext uri="{96DAC541-7B7A-43D3-8B79-37D633B846F1}">
-                <asvg:svgBlip xmlns:asvg="http://schemas.microsoft.com/office/drawing/2016/SVG/main" r:embed="rId4"/>
-              </a:ext>
-            </a:extLst>
-          </a:blip>
-          <a:stretch>
-            <a:fillRect/>
-          </a:stretch>
-        </p:blipFill>
-        <p:spPr>
-          <a:xfrm>
-            <a:off x="207095" y="6043750"/>
-            <a:ext cx="1770209" cy="700341"/>
-          </a:xfrm>
-          <a:prstGeom prst="rect">
-            <a:avLst/>
-          </a:prstGeom>
-        </p:spPr>
-      </p:pic>
-      <p:sp>
-        <p:nvSpPr>
-          <p:cNvPr id="12" name="Connettore 11">
-            <a:extLst>
-              <a:ext uri="{FF2B5EF4-FFF2-40B4-BE49-F238E27FC236}">
-                <a16:creationId xmlns:a16="http://schemas.microsoft.com/office/drawing/2014/main" id="{92095D8C-8CCA-4CC6-B2D2-E1BC4732F321}"/>
-              </a:ext>
-            </a:extLst>
-          </p:cNvPr>
-          <p:cNvSpPr/>
-          <p:nvPr/>
-        </p:nvSpPr>
-        <p:spPr>
-          <a:xfrm>
-            <a:off x="11455401" y="6273800"/>
-            <a:ext cx="512910" cy="470291"/>
-          </a:xfrm>
-          <a:prstGeom prst="flowChartConnector">
-            <a:avLst/>
-          </a:prstGeom>
-        </p:spPr>
-        <p:style>
-          <a:lnRef idx="2">
-            <a:schemeClr val="accent1">
-              <a:shade val="50000"/>
-            </a:schemeClr>
-          </a:lnRef>
-          <a:fillRef idx="1">
-            <a:schemeClr val="accent1"/>
-          </a:fillRef>
-          <a:effectRef idx="0">
-            <a:schemeClr val="accent1"/>
-          </a:effectRef>
-          <a:fontRef idx="minor">
-            <a:schemeClr val="lt1"/>
-          </a:fontRef>
-        </p:style>
-        <p:txBody>
-          <a:bodyPr rtlCol="0" anchor="ctr"/>
-          <a:lstStyle/>
-          <a:p>
-            <a:pPr algn="ctr"/>
-            <a:fld id="{3A98EE3D-8CD1-4C3F-BD1C-C98C9596463C}" type="slidenum">
-              <a:rPr lang="it-IT" sz="1200" b="1"/>
-              <a:pPr algn="ctr"/>
-              <a:t>14</a:t>
-            </a:fld>
-            <a:endParaRPr lang="it-IT" b="1" dirty="0"/>
-          </a:p>
-        </p:txBody>
-      </p:sp>
-      <p:sp>
-        <p:nvSpPr>
-          <p:cNvPr id="11" name="Segnaposto contenuto 2">
-            <a:extLst>
-              <a:ext uri="{FF2B5EF4-FFF2-40B4-BE49-F238E27FC236}">
-                <a16:creationId xmlns:a16="http://schemas.microsoft.com/office/drawing/2014/main" id="{693C8797-6891-414D-92DD-94A716A7F3E2}"/>
-              </a:ext>
-            </a:extLst>
-          </p:cNvPr>
-          <p:cNvSpPr>
-            <a:spLocks noGrp="1"/>
-          </p:cNvSpPr>
-          <p:nvPr>
-            <p:ph idx="1"/>
-          </p:nvPr>
-        </p:nvSpPr>
-        <p:spPr>
-          <a:xfrm>
-            <a:off x="590550" y="1452563"/>
-            <a:ext cx="10864850" cy="4591050"/>
-          </a:xfrm>
-        </p:spPr>
-        <p:txBody>
-          <a:bodyPr>
-            <a:normAutofit/>
-          </a:bodyPr>
-          <a:lstStyle/>
-          <a:p>
-            <a:pPr lvl="1"/>
-            <a:r>
-              <a:rPr lang="it-IT" sz="2200" dirty="0">
-                <a:latin typeface="+mj-lt"/>
-              </a:rPr>
-              <a:t>Genere mancante o non riconosciuto</a:t>
-            </a:r>
-          </a:p>
-          <a:p>
-            <a:pPr marL="201168" lvl="1" indent="0">
-              <a:buNone/>
-            </a:pPr>
-            <a:endParaRPr lang="it-IT" sz="2200" dirty="0">
-              <a:latin typeface="+mj-lt"/>
-            </a:endParaRPr>
-          </a:p>
-          <a:p>
-            <a:pPr lvl="1"/>
-            <a:r>
-              <a:rPr lang="it-IT" sz="2200" dirty="0">
-                <a:latin typeface="+mj-lt"/>
-              </a:rPr>
-              <a:t>Errata scrittura della head di titolo (es. -&gt; </a:t>
-            </a:r>
-            <a:r>
-              <a:rPr lang="it-IT" sz="2200" dirty="0" err="1">
-                <a:latin typeface="+mj-lt"/>
-              </a:rPr>
-              <a:t>tit</a:t>
-            </a:r>
-            <a:r>
-              <a:rPr lang="it-IT" sz="2200" dirty="0">
-                <a:latin typeface="+mj-lt"/>
-              </a:rPr>
-              <a:t>:   #tit   #ti:   #tito:   )</a:t>
-            </a:r>
-          </a:p>
-          <a:p>
-            <a:pPr lvl="1"/>
-            <a:endParaRPr lang="it-IT" sz="2200" dirty="0">
-              <a:latin typeface="+mj-lt"/>
-            </a:endParaRPr>
-          </a:p>
-          <a:p>
-            <a:pPr marL="201168" lvl="1" indent="0">
-              <a:buNone/>
-            </a:pPr>
-            <a:endParaRPr lang="it-IT" sz="2200" dirty="0">
-              <a:latin typeface="+mj-lt"/>
-            </a:endParaRPr>
-          </a:p>
-          <a:p>
-            <a:pPr marL="201168" lvl="1" indent="0">
-              <a:buNone/>
-            </a:pPr>
-            <a:endParaRPr lang="it-IT" sz="2200" dirty="0">
-              <a:latin typeface="+mj-lt"/>
-            </a:endParaRPr>
-          </a:p>
-          <a:p>
-            <a:pPr marL="201168" lvl="1" indent="0">
-              <a:buNone/>
-            </a:pPr>
-            <a:endParaRPr lang="it-IT" sz="2200" dirty="0">
-              <a:latin typeface="+mj-lt"/>
-            </a:endParaRPr>
-          </a:p>
-          <a:p>
-            <a:pPr marL="201168" lvl="1" indent="0">
-              <a:buNone/>
-            </a:pPr>
-            <a:endParaRPr lang="it-IT" sz="2200" dirty="0">
-              <a:latin typeface="+mj-lt"/>
-            </a:endParaRPr>
-          </a:p>
-        </p:txBody>
-      </p:sp>
-      <p:pic>
-        <p:nvPicPr>
-          <p:cNvPr id="14" name="Immagine 13">
-            <a:extLst>
-              <a:ext uri="{FF2B5EF4-FFF2-40B4-BE49-F238E27FC236}">
-                <a16:creationId xmlns:a16="http://schemas.microsoft.com/office/drawing/2014/main" id="{591160EA-3B51-41F9-91DB-29520A77FCE8}"/>
-              </a:ext>
-            </a:extLst>
-          </p:cNvPr>
-          <p:cNvPicPr>
-            <a:picLocks noChangeAspect="1"/>
-          </p:cNvPicPr>
-          <p:nvPr/>
-        </p:nvPicPr>
-        <p:blipFill>
-          <a:blip r:embed="rId5"/>
-          <a:stretch>
-            <a:fillRect/>
-          </a:stretch>
-        </p:blipFill>
-        <p:spPr>
-          <a:xfrm>
-            <a:off x="962556" y="1864741"/>
-            <a:ext cx="2733675" cy="409575"/>
-          </a:xfrm>
-          <a:prstGeom prst="rect">
-            <a:avLst/>
-          </a:prstGeom>
-          <a:ln>
-            <a:solidFill>
-              <a:schemeClr val="tx1"/>
-            </a:solidFill>
-          </a:ln>
-        </p:spPr>
-      </p:pic>
-      <p:pic>
-        <p:nvPicPr>
-          <p:cNvPr id="16" name="Immagine 15">
-            <a:extLst>
-              <a:ext uri="{FF2B5EF4-FFF2-40B4-BE49-F238E27FC236}">
-                <a16:creationId xmlns:a16="http://schemas.microsoft.com/office/drawing/2014/main" id="{69462C9F-97B5-4BF3-8D51-57749D3E5B62}"/>
-              </a:ext>
-            </a:extLst>
-          </p:cNvPr>
-          <p:cNvPicPr>
-            <a:picLocks noChangeAspect="1"/>
-          </p:cNvPicPr>
-          <p:nvPr/>
-        </p:nvPicPr>
-        <p:blipFill>
-          <a:blip r:embed="rId6"/>
-          <a:stretch>
-            <a:fillRect/>
-          </a:stretch>
-        </p:blipFill>
-        <p:spPr>
-          <a:xfrm>
-            <a:off x="962556" y="2731452"/>
-            <a:ext cx="8277225" cy="419100"/>
-          </a:xfrm>
-          <a:prstGeom prst="rect">
-            <a:avLst/>
-          </a:prstGeom>
-          <a:ln>
-            <a:solidFill>
-              <a:schemeClr val="tx1"/>
-            </a:solidFill>
-          </a:ln>
-        </p:spPr>
-      </p:pic>
-      <p:pic>
-        <p:nvPicPr>
-          <p:cNvPr id="18" name="Immagine 17">
-            <a:extLst>
-              <a:ext uri="{FF2B5EF4-FFF2-40B4-BE49-F238E27FC236}">
-                <a16:creationId xmlns:a16="http://schemas.microsoft.com/office/drawing/2014/main" id="{A8CD1719-0E8B-4F35-AF64-F95164EB1226}"/>
-              </a:ext>
-            </a:extLst>
-          </p:cNvPr>
-          <p:cNvPicPr>
-            <a:picLocks noChangeAspect="1"/>
-          </p:cNvPicPr>
-          <p:nvPr/>
-        </p:nvPicPr>
-        <p:blipFill>
-          <a:blip r:embed="rId7"/>
-          <a:stretch>
-            <a:fillRect/>
-          </a:stretch>
-        </p:blipFill>
-        <p:spPr>
-          <a:xfrm>
-            <a:off x="962556" y="3262816"/>
-            <a:ext cx="4095750" cy="257175"/>
-          </a:xfrm>
-          <a:prstGeom prst="rect">
-            <a:avLst/>
-          </a:prstGeom>
-          <a:ln>
-            <a:solidFill>
-              <a:schemeClr val="tx1"/>
-            </a:solidFill>
-          </a:ln>
-        </p:spPr>
-      </p:pic>
-      <p:pic>
-        <p:nvPicPr>
-          <p:cNvPr id="20" name="Immagine 19">
-            <a:extLst>
-              <a:ext uri="{FF2B5EF4-FFF2-40B4-BE49-F238E27FC236}">
-                <a16:creationId xmlns:a16="http://schemas.microsoft.com/office/drawing/2014/main" id="{B5D744C5-F9B7-4449-94A9-DB8842877036}"/>
-              </a:ext>
-            </a:extLst>
-          </p:cNvPr>
-          <p:cNvPicPr>
-            <a:picLocks noChangeAspect="1"/>
-          </p:cNvPicPr>
-          <p:nvPr/>
-        </p:nvPicPr>
-        <p:blipFill>
-          <a:blip r:embed="rId8"/>
-          <a:stretch>
-            <a:fillRect/>
-          </a:stretch>
-        </p:blipFill>
-        <p:spPr>
-          <a:xfrm>
-            <a:off x="962556" y="3507602"/>
-            <a:ext cx="5962650" cy="609600"/>
-          </a:xfrm>
-          <a:prstGeom prst="rect">
-            <a:avLst/>
-          </a:prstGeom>
-          <a:ln>
-            <a:solidFill>
-              <a:schemeClr val="tx1"/>
-            </a:solidFill>
-          </a:ln>
-        </p:spPr>
-      </p:pic>
-      <p:pic>
-        <p:nvPicPr>
-          <p:cNvPr id="22" name="Immagine 21">
-            <a:extLst>
-              <a:ext uri="{FF2B5EF4-FFF2-40B4-BE49-F238E27FC236}">
-                <a16:creationId xmlns:a16="http://schemas.microsoft.com/office/drawing/2014/main" id="{87B5C3F6-F683-40B3-98D7-74CD3D2E5941}"/>
-              </a:ext>
-            </a:extLst>
-          </p:cNvPr>
-          <p:cNvPicPr>
-            <a:picLocks noChangeAspect="1"/>
-          </p:cNvPicPr>
-          <p:nvPr/>
-        </p:nvPicPr>
-        <p:blipFill>
-          <a:blip r:embed="rId9"/>
-          <a:stretch>
-            <a:fillRect/>
-          </a:stretch>
-        </p:blipFill>
-        <p:spPr>
-          <a:xfrm>
-            <a:off x="962556" y="4244202"/>
-            <a:ext cx="4057650" cy="219075"/>
-          </a:xfrm>
-          <a:prstGeom prst="rect">
-            <a:avLst/>
-          </a:prstGeom>
-          <a:ln>
-            <a:solidFill>
-              <a:schemeClr val="tx1"/>
-            </a:solidFill>
-          </a:ln>
-        </p:spPr>
-      </p:pic>
-      <p:pic>
-        <p:nvPicPr>
-          <p:cNvPr id="24" name="Immagine 23">
-            <a:extLst>
-              <a:ext uri="{FF2B5EF4-FFF2-40B4-BE49-F238E27FC236}">
-                <a16:creationId xmlns:a16="http://schemas.microsoft.com/office/drawing/2014/main" id="{116DF512-E15E-4238-879D-3556CB2DB2EF}"/>
-              </a:ext>
-            </a:extLst>
-          </p:cNvPr>
-          <p:cNvPicPr>
-            <a:picLocks noChangeAspect="1"/>
-          </p:cNvPicPr>
-          <p:nvPr/>
-        </p:nvPicPr>
-        <p:blipFill>
-          <a:blip r:embed="rId10"/>
-          <a:stretch>
-            <a:fillRect/>
-          </a:stretch>
-        </p:blipFill>
-        <p:spPr>
-          <a:xfrm>
-            <a:off x="962556" y="4474252"/>
-            <a:ext cx="5991225" cy="428625"/>
-          </a:xfrm>
-          <a:prstGeom prst="rect">
-            <a:avLst/>
-          </a:prstGeom>
-          <a:ln>
-            <a:solidFill>
-              <a:schemeClr val="tx1"/>
-            </a:solidFill>
-          </a:ln>
-        </p:spPr>
-      </p:pic>
-      <p:pic>
-        <p:nvPicPr>
-          <p:cNvPr id="29" name="Immagine 28">
-            <a:extLst>
-              <a:ext uri="{FF2B5EF4-FFF2-40B4-BE49-F238E27FC236}">
-                <a16:creationId xmlns:a16="http://schemas.microsoft.com/office/drawing/2014/main" id="{6F85A9A0-669F-45E2-B9C1-F67B48D03DCC}"/>
-              </a:ext>
-            </a:extLst>
-          </p:cNvPr>
-          <p:cNvPicPr>
-            <a:picLocks noChangeAspect="1"/>
-          </p:cNvPicPr>
-          <p:nvPr/>
-        </p:nvPicPr>
-        <p:blipFill>
-          <a:blip r:embed="rId11"/>
-          <a:stretch>
-            <a:fillRect/>
-          </a:stretch>
-        </p:blipFill>
-        <p:spPr>
-          <a:xfrm>
-            <a:off x="962556" y="5043818"/>
-            <a:ext cx="4048125" cy="209550"/>
-          </a:xfrm>
-          <a:prstGeom prst="rect">
-            <a:avLst/>
-          </a:prstGeom>
-          <a:ln>
-            <a:solidFill>
-              <a:schemeClr val="tx1"/>
-            </a:solidFill>
-          </a:ln>
-        </p:spPr>
-      </p:pic>
-      <p:pic>
-        <p:nvPicPr>
-          <p:cNvPr id="32" name="Immagine 31">
-            <a:extLst>
-              <a:ext uri="{FF2B5EF4-FFF2-40B4-BE49-F238E27FC236}">
-                <a16:creationId xmlns:a16="http://schemas.microsoft.com/office/drawing/2014/main" id="{E08024D4-372C-44A8-9F46-32C708DBAF4B}"/>
-              </a:ext>
-            </a:extLst>
-          </p:cNvPr>
-          <p:cNvPicPr>
-            <a:picLocks noChangeAspect="1"/>
-          </p:cNvPicPr>
-          <p:nvPr/>
-        </p:nvPicPr>
-        <p:blipFill>
-          <a:blip r:embed="rId12"/>
-          <a:stretch>
-            <a:fillRect/>
-          </a:stretch>
-        </p:blipFill>
-        <p:spPr>
-          <a:xfrm>
-            <a:off x="962556" y="5255342"/>
-            <a:ext cx="8477250" cy="428625"/>
-          </a:xfrm>
-          <a:prstGeom prst="rect">
-            <a:avLst/>
-          </a:prstGeom>
-          <a:ln>
-            <a:solidFill>
-              <a:schemeClr val="tx1"/>
-            </a:solidFill>
-          </a:ln>
-        </p:spPr>
-      </p:pic>
-    </p:spTree>
-    <p:extLst>
-      <p:ext uri="{BB962C8B-B14F-4D97-AF65-F5344CB8AC3E}">
-        <p14:creationId xmlns:p14="http://schemas.microsoft.com/office/powerpoint/2010/main" val="2769720153"/>
-      </p:ext>
-    </p:extLst>
-  </p:cSld>
-  <p:clrMapOvr>
-    <a:masterClrMapping/>
-  </p:clrMapOvr>
-</p:sld>
-</file>
-
-<file path=ppt/slides/slide15.xml><?xml version="1.0" encoding="utf-8"?>
-<p:sld xmlns:a="http://schemas.openxmlformats.org/drawingml/2006/main" xmlns:r="http://schemas.openxmlformats.org/officeDocument/2006/relationships" xmlns:p="http://schemas.openxmlformats.org/presentationml/2006/main">
-  <p:cSld>
-    <p:spTree>
-      <p:nvGrpSpPr>
-        <p:cNvPr id="1" name=""/>
-        <p:cNvGrpSpPr/>
-        <p:nvPr/>
-      </p:nvGrpSpPr>
-      <p:grpSpPr>
-        <a:xfrm>
-          <a:off x="0" y="0"/>
-          <a:ext cx="0" cy="0"/>
-          <a:chOff x="0" y="0"/>
-          <a:chExt cx="0" cy="0"/>
-        </a:xfrm>
-      </p:grpSpPr>
-      <p:sp>
-        <p:nvSpPr>
-          <p:cNvPr id="7" name="Titolo 6">
-            <a:extLst>
-              <a:ext uri="{FF2B5EF4-FFF2-40B4-BE49-F238E27FC236}">
-                <a16:creationId xmlns:a16="http://schemas.microsoft.com/office/drawing/2014/main" id="{E444079D-629C-4C44-8DB6-B4B5E7C54015}"/>
-              </a:ext>
-            </a:extLst>
-          </p:cNvPr>
-          <p:cNvSpPr>
-            <a:spLocks noGrp="1"/>
-          </p:cNvSpPr>
-          <p:nvPr>
-            <p:ph type="title"/>
-          </p:nvPr>
-        </p:nvSpPr>
-        <p:spPr/>
-        <p:txBody>
-          <a:bodyPr rtlCol="0"/>
-          <a:lstStyle/>
-          <a:p>
-            <a:pPr rtl="0"/>
-            <a:r>
-              <a:rPr lang="it-IT" dirty="0"/>
-              <a:t>Fine</a:t>
-            </a:r>
-          </a:p>
-        </p:txBody>
-      </p:sp>
-      <p:pic>
-        <p:nvPicPr>
-          <p:cNvPr id="4" name="Elemento grafico 3">
-            <a:extLst>
-              <a:ext uri="{FF2B5EF4-FFF2-40B4-BE49-F238E27FC236}">
-                <a16:creationId xmlns:a16="http://schemas.microsoft.com/office/drawing/2014/main" id="{4E632E39-706D-4A38-9695-817394D0F6CF}"/>
-              </a:ext>
-            </a:extLst>
-          </p:cNvPr>
-          <p:cNvPicPr>
-            <a:picLocks noChangeAspect="1"/>
-          </p:cNvPicPr>
-          <p:nvPr/>
-        </p:nvPicPr>
-        <p:blipFill>
-          <a:blip r:embed="rId3" cstate="print">
-            <a:extLst>
-              <a:ext uri="{28A0092B-C50C-407E-A947-70E740481C1C}">
-                <a14:useLocalDpi xmlns:a14="http://schemas.microsoft.com/office/drawing/2010/main" val="0"/>
-              </a:ext>
-              <a:ext uri="{96DAC541-7B7A-43D3-8B79-37D633B846F1}">
-                <asvg:svgBlip xmlns:asvg="http://schemas.microsoft.com/office/drawing/2016/SVG/main" r:embed="rId4"/>
-              </a:ext>
-            </a:extLst>
-          </a:blip>
-          <a:stretch>
-            <a:fillRect/>
-          </a:stretch>
-        </p:blipFill>
-        <p:spPr>
-          <a:xfrm>
-            <a:off x="5210895" y="5764056"/>
-            <a:ext cx="1770209" cy="700341"/>
-          </a:xfrm>
-          <a:prstGeom prst="rect">
-            <a:avLst/>
-          </a:prstGeom>
-        </p:spPr>
-      </p:pic>
-    </p:spTree>
-    <p:extLst>
-      <p:ext uri="{BB962C8B-B14F-4D97-AF65-F5344CB8AC3E}">
-        <p14:creationId xmlns:p14="http://schemas.microsoft.com/office/powerpoint/2010/main" val="1664008586"/>
-      </p:ext>
-    </p:extLst>
-  </p:cSld>
-  <p:clrMapOvr>
-    <a:masterClrMapping/>
-  </p:clrMapOvr>
-</p:sld>
-</file>
-
-<file path=ppt/slides/slide2.xml><?xml version="1.0" encoding="utf-8"?>
-<p:sld xmlns:a="http://schemas.openxmlformats.org/drawingml/2006/main" xmlns:r="http://schemas.openxmlformats.org/officeDocument/2006/relationships" xmlns:p="http://schemas.openxmlformats.org/presentationml/2006/main">
-  <p:cSld>
-    <p:spTree>
-      <p:nvGrpSpPr>
-        <p:cNvPr id="1" name=""/>
-        <p:cNvGrpSpPr/>
-        <p:nvPr/>
-      </p:nvGrpSpPr>
-      <p:grpSpPr>
-        <a:xfrm>
-          <a:off x="0" y="0"/>
-          <a:ext cx="0" cy="0"/>
-          <a:chOff x="0" y="0"/>
-          <a:chExt cx="0" cy="0"/>
-        </a:xfrm>
-      </p:grpSpPr>
-      <p:sp>
-        <p:nvSpPr>
-          <p:cNvPr id="7" name="Titolo 6">
-            <a:extLst>
-              <a:ext uri="{FF2B5EF4-FFF2-40B4-BE49-F238E27FC236}">
-                <a16:creationId xmlns:a16="http://schemas.microsoft.com/office/drawing/2014/main" id="{391097BE-A044-49F5-B5CA-AE183B956585}"/>
-              </a:ext>
-            </a:extLst>
-          </p:cNvPr>
-          <p:cNvSpPr>
-            <a:spLocks noGrp="1"/>
-          </p:cNvSpPr>
-          <p:nvPr>
-            <p:ph type="title"/>
-          </p:nvPr>
-        </p:nvSpPr>
-        <p:spPr/>
-        <p:txBody>
-          <a:bodyPr rtlCol="0"/>
-          <a:lstStyle/>
-          <a:p>
-            <a:pPr rtl="0"/>
-            <a:r>
-              <a:rPr lang="it-IT" dirty="0"/>
-              <a:t>Indice</a:t>
-            </a:r>
-          </a:p>
-        </p:txBody>
-      </p:sp>
-      <p:grpSp>
-        <p:nvGrpSpPr>
-          <p:cNvPr id="10" name="Gruppo 9" descr="Info">
-            <a:extLst>
-              <a:ext uri="{FF2B5EF4-FFF2-40B4-BE49-F238E27FC236}">
-                <a16:creationId xmlns:a16="http://schemas.microsoft.com/office/drawing/2014/main" id="{04EACC33-3BBF-4195-8927-841FEBB364AD}"/>
-              </a:ext>
-            </a:extLst>
-          </p:cNvPr>
-          <p:cNvGrpSpPr/>
-          <p:nvPr/>
-        </p:nvGrpSpPr>
-        <p:grpSpPr>
-          <a:xfrm>
-            <a:off x="4637454" y="2530474"/>
-            <a:ext cx="803276" cy="803276"/>
-            <a:chOff x="4914764" y="3319462"/>
-            <a:chExt cx="619125" cy="619125"/>
-          </a:xfrm>
-          <a:solidFill>
-            <a:schemeClr val="bg1"/>
-          </a:solidFill>
-        </p:grpSpPr>
-        <p:sp>
-          <p:nvSpPr>
-            <p:cNvPr id="11" name="Figura a mano libera: Forma 10">
-              <a:extLst>
-                <a:ext uri="{FF2B5EF4-FFF2-40B4-BE49-F238E27FC236}">
-                  <a16:creationId xmlns:a16="http://schemas.microsoft.com/office/drawing/2014/main" id="{400D0FC6-FE6C-422D-87EC-3F2A40F92771}"/>
-                </a:ext>
-              </a:extLst>
-            </p:cNvPr>
-            <p:cNvSpPr/>
-            <p:nvPr/>
-          </p:nvSpPr>
-          <p:spPr>
-            <a:xfrm>
-              <a:off x="4914764" y="3319462"/>
-              <a:ext cx="619125" cy="619125"/>
-            </a:xfrm>
-            <a:custGeom>
-              <a:avLst/>
-              <a:gdLst>
-                <a:gd name="connsiteX0" fmla="*/ 309563 w 619125"/>
-                <a:gd name="connsiteY0" fmla="*/ 0 h 619125"/>
-                <a:gd name="connsiteX1" fmla="*/ 0 w 619125"/>
-                <a:gd name="connsiteY1" fmla="*/ 309563 h 619125"/>
-                <a:gd name="connsiteX2" fmla="*/ 309563 w 619125"/>
-                <a:gd name="connsiteY2" fmla="*/ 619125 h 619125"/>
-                <a:gd name="connsiteX3" fmla="*/ 619125 w 619125"/>
-                <a:gd name="connsiteY3" fmla="*/ 309563 h 619125"/>
-                <a:gd name="connsiteX4" fmla="*/ 309563 w 619125"/>
-                <a:gd name="connsiteY4" fmla="*/ 0 h 619125"/>
-                <a:gd name="connsiteX5" fmla="*/ 309563 w 619125"/>
-                <a:gd name="connsiteY5" fmla="*/ 581025 h 619125"/>
-                <a:gd name="connsiteX6" fmla="*/ 38100 w 619125"/>
-                <a:gd name="connsiteY6" fmla="*/ 309563 h 619125"/>
-                <a:gd name="connsiteX7" fmla="*/ 309563 w 619125"/>
-                <a:gd name="connsiteY7" fmla="*/ 38100 h 619125"/>
-                <a:gd name="connsiteX8" fmla="*/ 581025 w 619125"/>
-                <a:gd name="connsiteY8" fmla="*/ 309563 h 619125"/>
-                <a:gd name="connsiteX9" fmla="*/ 309563 w 619125"/>
-                <a:gd name="connsiteY9" fmla="*/ 581025 h 619125"/>
-              </a:gdLst>
-              <a:ahLst/>
-              <a:cxnLst>
-                <a:cxn ang="0">
-                  <a:pos x="connsiteX0" y="connsiteY0"/>
-                </a:cxn>
-                <a:cxn ang="0">
-                  <a:pos x="connsiteX1" y="connsiteY1"/>
-                </a:cxn>
-                <a:cxn ang="0">
-                  <a:pos x="connsiteX2" y="connsiteY2"/>
-                </a:cxn>
-                <a:cxn ang="0">
-                  <a:pos x="connsiteX3" y="connsiteY3"/>
-                </a:cxn>
-                <a:cxn ang="0">
-                  <a:pos x="connsiteX4" y="connsiteY4"/>
-                </a:cxn>
-                <a:cxn ang="0">
-                  <a:pos x="connsiteX5" y="connsiteY5"/>
-                </a:cxn>
-                <a:cxn ang="0">
-                  <a:pos x="connsiteX6" y="connsiteY6"/>
-                </a:cxn>
-                <a:cxn ang="0">
-                  <a:pos x="connsiteX7" y="connsiteY7"/>
-                </a:cxn>
-                <a:cxn ang="0">
-                  <a:pos x="connsiteX8" y="connsiteY8"/>
-                </a:cxn>
-                <a:cxn ang="0">
-                  <a:pos x="connsiteX9" y="connsiteY9"/>
-                </a:cxn>
-              </a:cxnLst>
-              <a:rect l="l" t="t" r="r" b="b"/>
-              <a:pathLst>
-                <a:path w="619125" h="619125">
-                  <a:moveTo>
-                    <a:pt x="309563" y="0"/>
-                  </a:moveTo>
-                  <a:cubicBezTo>
-                    <a:pt x="138875" y="0"/>
-                    <a:pt x="0" y="138865"/>
-                    <a:pt x="0" y="309563"/>
-                  </a:cubicBezTo>
-                  <a:cubicBezTo>
-                    <a:pt x="0" y="480260"/>
-                    <a:pt x="138875" y="619125"/>
-                    <a:pt x="309563" y="619125"/>
-                  </a:cubicBezTo>
-                  <a:cubicBezTo>
-                    <a:pt x="480250" y="619125"/>
-                    <a:pt x="619125" y="480260"/>
-                    <a:pt x="619125" y="309563"/>
-                  </a:cubicBezTo>
-                  <a:cubicBezTo>
-                    <a:pt x="619125" y="138865"/>
-                    <a:pt x="480250" y="0"/>
-                    <a:pt x="309563" y="0"/>
-                  </a:cubicBezTo>
-                  <a:close/>
-                  <a:moveTo>
-                    <a:pt x="309563" y="581025"/>
-                  </a:moveTo>
-                  <a:cubicBezTo>
-                    <a:pt x="159877" y="581025"/>
-                    <a:pt x="38100" y="459248"/>
-                    <a:pt x="38100" y="309563"/>
-                  </a:cubicBezTo>
-                  <a:cubicBezTo>
-                    <a:pt x="38100" y="159877"/>
-                    <a:pt x="159877" y="38100"/>
-                    <a:pt x="309563" y="38100"/>
-                  </a:cubicBezTo>
-                  <a:cubicBezTo>
-                    <a:pt x="459248" y="38100"/>
-                    <a:pt x="581025" y="159877"/>
-                    <a:pt x="581025" y="309563"/>
-                  </a:cubicBezTo>
-                  <a:cubicBezTo>
-                    <a:pt x="581025" y="459248"/>
-                    <a:pt x="459248" y="581025"/>
-                    <a:pt x="309563" y="581025"/>
-                  </a:cubicBezTo>
-                  <a:close/>
-                </a:path>
-              </a:pathLst>
-            </a:custGeom>
-            <a:grpFill/>
-            <a:ln w="9525" cap="flat">
-              <a:noFill/>
-              <a:prstDash val="solid"/>
-              <a:miter/>
-            </a:ln>
-          </p:spPr>
-          <p:txBody>
-            <a:bodyPr rtlCol="0" anchor="ctr"/>
-            <a:lstStyle/>
-            <a:p>
-              <a:pPr marL="0" marR="0" lvl="0" indent="0" algn="l" defTabSz="914400" rtl="0" eaLnBrk="1" fontAlgn="auto" latinLnBrk="0" hangingPunct="1">
-                <a:lnSpc>
-                  <a:spcPct val="100000"/>
-                </a:lnSpc>
-                <a:spcBef>
-                  <a:spcPts val="0"/>
-                </a:spcBef>
-                <a:spcAft>
-                  <a:spcPts val="0"/>
-                </a:spcAft>
-                <a:buClrTx/>
-                <a:buSzTx/>
-                <a:buFontTx/>
-                <a:buNone/>
-                <a:tabLst/>
-                <a:defRPr/>
-              </a:pPr>
-              <a:endParaRPr kumimoji="0" lang="it-IT" sz="1800" b="0" i="0" u="none" strike="noStrike" kern="1200" cap="none" spc="0" normalizeH="0" baseline="0" noProof="0" dirty="0">
-                <a:ln>
-                  <a:noFill/>
-                </a:ln>
-                <a:solidFill>
-                  <a:prstClr val="black"/>
-                </a:solidFill>
-                <a:effectLst/>
-                <a:uLnTx/>
-                <a:uFillTx/>
-                <a:latin typeface="Calibri" panose="020F0502020204030204"/>
-                <a:ea typeface="+mn-ea"/>
-                <a:cs typeface="+mn-cs"/>
-              </a:endParaRPr>
-            </a:p>
-          </p:txBody>
-        </p:sp>
-        <p:sp>
-          <p:nvSpPr>
-            <p:cNvPr id="12" name="Figura a mano libera: Forma 11">
-              <a:extLst>
-                <a:ext uri="{FF2B5EF4-FFF2-40B4-BE49-F238E27FC236}">
-                  <a16:creationId xmlns:a16="http://schemas.microsoft.com/office/drawing/2014/main" id="{EADF13BE-BF58-43E3-9534-281EFDABF659}"/>
-                </a:ext>
-              </a:extLst>
-            </p:cNvPr>
-            <p:cNvSpPr/>
-            <p:nvPr/>
-          </p:nvSpPr>
-          <p:spPr>
-            <a:xfrm>
-              <a:off x="5195751" y="3473729"/>
-              <a:ext cx="57150" cy="57150"/>
-            </a:xfrm>
-            <a:custGeom>
-              <a:avLst/>
-              <a:gdLst>
-                <a:gd name="connsiteX0" fmla="*/ 63722 w 57150"/>
-                <a:gd name="connsiteY0" fmla="*/ 31861 h 57150"/>
-                <a:gd name="connsiteX1" fmla="*/ 31861 w 57150"/>
-                <a:gd name="connsiteY1" fmla="*/ 63722 h 57150"/>
-                <a:gd name="connsiteX2" fmla="*/ 0 w 57150"/>
-                <a:gd name="connsiteY2" fmla="*/ 31861 h 57150"/>
-                <a:gd name="connsiteX3" fmla="*/ 31861 w 57150"/>
-                <a:gd name="connsiteY3" fmla="*/ 0 h 57150"/>
-                <a:gd name="connsiteX4" fmla="*/ 63722 w 57150"/>
-                <a:gd name="connsiteY4" fmla="*/ 31861 h 57150"/>
-              </a:gdLst>
-              <a:ahLst/>
-              <a:cxnLst>
-                <a:cxn ang="0">
-                  <a:pos x="connsiteX0" y="connsiteY0"/>
-                </a:cxn>
-                <a:cxn ang="0">
-                  <a:pos x="connsiteX1" y="connsiteY1"/>
-                </a:cxn>
-                <a:cxn ang="0">
-                  <a:pos x="connsiteX2" y="connsiteY2"/>
-                </a:cxn>
-                <a:cxn ang="0">
-                  <a:pos x="connsiteX3" y="connsiteY3"/>
-                </a:cxn>
-                <a:cxn ang="0">
-                  <a:pos x="connsiteX4" y="connsiteY4"/>
-                </a:cxn>
-              </a:cxnLst>
-              <a:rect l="l" t="t" r="r" b="b"/>
-              <a:pathLst>
-                <a:path w="57150" h="57150">
-                  <a:moveTo>
-                    <a:pt x="63722" y="31861"/>
-                  </a:moveTo>
-                  <a:cubicBezTo>
-                    <a:pt x="63722" y="49458"/>
-                    <a:pt x="49458" y="63722"/>
-                    <a:pt x="31861" y="63722"/>
-                  </a:cubicBezTo>
-                  <a:cubicBezTo>
-                    <a:pt x="14265" y="63722"/>
-                    <a:pt x="0" y="49458"/>
-                    <a:pt x="0" y="31861"/>
-                  </a:cubicBezTo>
-                  <a:cubicBezTo>
-                    <a:pt x="0" y="14265"/>
-                    <a:pt x="14265" y="0"/>
-                    <a:pt x="31861" y="0"/>
-                  </a:cubicBezTo>
-                  <a:cubicBezTo>
-                    <a:pt x="49458" y="0"/>
-                    <a:pt x="63722" y="14265"/>
-                    <a:pt x="63722" y="31861"/>
-                  </a:cubicBezTo>
-                  <a:close/>
-                </a:path>
-              </a:pathLst>
-            </a:custGeom>
-            <a:grpFill/>
-            <a:ln w="9525" cap="flat">
-              <a:noFill/>
-              <a:prstDash val="solid"/>
-              <a:miter/>
-            </a:ln>
-          </p:spPr>
-          <p:txBody>
-            <a:bodyPr rtlCol="0" anchor="ctr"/>
-            <a:lstStyle/>
-            <a:p>
-              <a:pPr marL="0" marR="0" lvl="0" indent="0" algn="l" defTabSz="914400" rtl="0" eaLnBrk="1" fontAlgn="auto" latinLnBrk="0" hangingPunct="1">
-                <a:lnSpc>
-                  <a:spcPct val="100000"/>
-                </a:lnSpc>
-                <a:spcBef>
-                  <a:spcPts val="0"/>
-                </a:spcBef>
-                <a:spcAft>
-                  <a:spcPts val="0"/>
-                </a:spcAft>
-                <a:buClrTx/>
-                <a:buSzTx/>
-                <a:buFontTx/>
-                <a:buNone/>
-                <a:tabLst/>
-                <a:defRPr/>
-              </a:pPr>
-              <a:endParaRPr kumimoji="0" lang="it-IT" sz="1800" b="0" i="0" u="none" strike="noStrike" kern="1200" cap="none" spc="0" normalizeH="0" baseline="0" noProof="0" dirty="0">
-                <a:ln>
-                  <a:noFill/>
-                </a:ln>
-                <a:solidFill>
-                  <a:prstClr val="black"/>
-                </a:solidFill>
-                <a:effectLst/>
-                <a:uLnTx/>
-                <a:uFillTx/>
-                <a:latin typeface="Calibri" panose="020F0502020204030204"/>
-                <a:ea typeface="+mn-ea"/>
-                <a:cs typeface="+mn-cs"/>
-              </a:endParaRPr>
-            </a:p>
-          </p:txBody>
-        </p:sp>
-        <p:sp>
-          <p:nvSpPr>
-            <p:cNvPr id="13" name="Figura a mano libera: Forma 12">
-              <a:extLst>
-                <a:ext uri="{FF2B5EF4-FFF2-40B4-BE49-F238E27FC236}">
-                  <a16:creationId xmlns:a16="http://schemas.microsoft.com/office/drawing/2014/main" id="{914EC720-9A79-4D18-8746-AE0BDD325E79}"/>
-                </a:ext>
-              </a:extLst>
-            </p:cNvPr>
-            <p:cNvSpPr/>
-            <p:nvPr/>
-          </p:nvSpPr>
-          <p:spPr>
-            <a:xfrm>
-              <a:off x="5205276" y="3589420"/>
-              <a:ext cx="38100" cy="200025"/>
-            </a:xfrm>
-            <a:custGeom>
-              <a:avLst/>
-              <a:gdLst>
-                <a:gd name="connsiteX0" fmla="*/ 19050 w 38100"/>
-                <a:gd name="connsiteY0" fmla="*/ 0 h 200025"/>
-                <a:gd name="connsiteX1" fmla="*/ 0 w 38100"/>
-                <a:gd name="connsiteY1" fmla="*/ 19050 h 200025"/>
-                <a:gd name="connsiteX2" fmla="*/ 0 w 38100"/>
-                <a:gd name="connsiteY2" fmla="*/ 180975 h 200025"/>
-                <a:gd name="connsiteX3" fmla="*/ 19050 w 38100"/>
-                <a:gd name="connsiteY3" fmla="*/ 200025 h 200025"/>
-                <a:gd name="connsiteX4" fmla="*/ 38100 w 38100"/>
-                <a:gd name="connsiteY4" fmla="*/ 180975 h 200025"/>
-                <a:gd name="connsiteX5" fmla="*/ 38100 w 38100"/>
-                <a:gd name="connsiteY5" fmla="*/ 19050 h 200025"/>
-                <a:gd name="connsiteX6" fmla="*/ 19050 w 38100"/>
-                <a:gd name="connsiteY6" fmla="*/ 0 h 200025"/>
-              </a:gdLst>
-              <a:ahLst/>
-              <a:cxnLst>
-                <a:cxn ang="0">
-                  <a:pos x="connsiteX0" y="connsiteY0"/>
-                </a:cxn>
-                <a:cxn ang="0">
-                  <a:pos x="connsiteX1" y="connsiteY1"/>
-                </a:cxn>
-                <a:cxn ang="0">
-                  <a:pos x="connsiteX2" y="connsiteY2"/>
-                </a:cxn>
-                <a:cxn ang="0">
-                  <a:pos x="connsiteX3" y="connsiteY3"/>
-                </a:cxn>
-                <a:cxn ang="0">
-                  <a:pos x="connsiteX4" y="connsiteY4"/>
-                </a:cxn>
-                <a:cxn ang="0">
-                  <a:pos x="connsiteX5" y="connsiteY5"/>
-                </a:cxn>
-                <a:cxn ang="0">
-                  <a:pos x="connsiteX6" y="connsiteY6"/>
-                </a:cxn>
-              </a:cxnLst>
-              <a:rect l="l" t="t" r="r" b="b"/>
-              <a:pathLst>
-                <a:path w="38100" h="200025">
-                  <a:moveTo>
-                    <a:pt x="19050" y="0"/>
-                  </a:moveTo>
-                  <a:cubicBezTo>
-                    <a:pt x="8534" y="0"/>
-                    <a:pt x="0" y="8534"/>
-                    <a:pt x="0" y="19050"/>
-                  </a:cubicBezTo>
-                  <a:lnTo>
-                    <a:pt x="0" y="180975"/>
-                  </a:lnTo>
-                  <a:cubicBezTo>
-                    <a:pt x="0" y="191491"/>
-                    <a:pt x="8534" y="200025"/>
-                    <a:pt x="19050" y="200025"/>
-                  </a:cubicBezTo>
-                  <a:cubicBezTo>
-                    <a:pt x="29566" y="200025"/>
-                    <a:pt x="38100" y="191491"/>
-                    <a:pt x="38100" y="180975"/>
-                  </a:cubicBezTo>
-                  <a:lnTo>
-                    <a:pt x="38100" y="19050"/>
-                  </a:lnTo>
-                  <a:cubicBezTo>
-                    <a:pt x="38100" y="8525"/>
-                    <a:pt x="29566" y="0"/>
-                    <a:pt x="19050" y="0"/>
-                  </a:cubicBezTo>
-                  <a:close/>
-                </a:path>
-              </a:pathLst>
-            </a:custGeom>
-            <a:grpFill/>
-            <a:ln w="9525" cap="flat">
-              <a:noFill/>
-              <a:prstDash val="solid"/>
-              <a:miter/>
-            </a:ln>
-          </p:spPr>
-          <p:txBody>
-            <a:bodyPr rtlCol="0" anchor="ctr"/>
-            <a:lstStyle/>
-            <a:p>
-              <a:pPr marL="0" marR="0" lvl="0" indent="0" algn="l" defTabSz="914400" rtl="0" eaLnBrk="1" fontAlgn="auto" latinLnBrk="0" hangingPunct="1">
-                <a:lnSpc>
-                  <a:spcPct val="100000"/>
-                </a:lnSpc>
-                <a:spcBef>
-                  <a:spcPts val="0"/>
-                </a:spcBef>
-                <a:spcAft>
-                  <a:spcPts val="0"/>
-                </a:spcAft>
-                <a:buClrTx/>
-                <a:buSzTx/>
-                <a:buFontTx/>
-                <a:buNone/>
-                <a:tabLst/>
-                <a:defRPr/>
-              </a:pPr>
-              <a:endParaRPr kumimoji="0" lang="it-IT" sz="1800" b="0" i="0" u="none" strike="noStrike" kern="1200" cap="none" spc="0" normalizeH="0" baseline="0" noProof="0" dirty="0">
-                <a:ln>
-                  <a:noFill/>
-                </a:ln>
-                <a:solidFill>
-                  <a:prstClr val="black"/>
-                </a:solidFill>
-                <a:effectLst/>
-                <a:uLnTx/>
-                <a:uFillTx/>
-                <a:latin typeface="Calibri" panose="020F0502020204030204"/>
-                <a:ea typeface="+mn-ea"/>
-                <a:cs typeface="+mn-cs"/>
-              </a:endParaRPr>
-            </a:p>
-          </p:txBody>
-        </p:sp>
-      </p:grpSp>
-      <p:pic>
-        <p:nvPicPr>
-          <p:cNvPr id="9" name="Elemento grafico 8">
-            <a:extLst>
-              <a:ext uri="{FF2B5EF4-FFF2-40B4-BE49-F238E27FC236}">
-                <a16:creationId xmlns:a16="http://schemas.microsoft.com/office/drawing/2014/main" id="{0157A32A-7539-4213-94C7-4E13D8ACCDB8}"/>
-              </a:ext>
-            </a:extLst>
-          </p:cNvPr>
-          <p:cNvPicPr>
-            <a:picLocks noChangeAspect="1"/>
-          </p:cNvPicPr>
-          <p:nvPr/>
-        </p:nvPicPr>
-        <p:blipFill>
-          <a:blip r:embed="rId3" cstate="print">
-            <a:extLst>
-              <a:ext uri="{28A0092B-C50C-407E-A947-70E740481C1C}">
-                <a14:useLocalDpi xmlns:a14="http://schemas.microsoft.com/office/drawing/2010/main" val="0"/>
-              </a:ext>
-              <a:ext uri="{96DAC541-7B7A-43D3-8B79-37D633B846F1}">
-                <asvg:svgBlip xmlns:asvg="http://schemas.microsoft.com/office/drawing/2016/SVG/main" r:embed="rId4"/>
-              </a:ext>
-            </a:extLst>
-          </a:blip>
-          <a:stretch>
-            <a:fillRect/>
-          </a:stretch>
-        </p:blipFill>
-        <p:spPr>
-          <a:xfrm>
-            <a:off x="207095" y="6043750"/>
-            <a:ext cx="1770209" cy="700341"/>
-          </a:xfrm>
-          <a:prstGeom prst="rect">
-            <a:avLst/>
-          </a:prstGeom>
-        </p:spPr>
-      </p:pic>
-      <p:sp>
-        <p:nvSpPr>
-          <p:cNvPr id="2" name="Segnaposto numero diapositiva 1">
-            <a:extLst>
-              <a:ext uri="{FF2B5EF4-FFF2-40B4-BE49-F238E27FC236}">
-                <a16:creationId xmlns:a16="http://schemas.microsoft.com/office/drawing/2014/main" id="{E0AAF325-E077-406A-A05D-EEAAC582BCC7}"/>
-              </a:ext>
-            </a:extLst>
-          </p:cNvPr>
-          <p:cNvSpPr>
-            <a:spLocks noGrp="1"/>
-          </p:cNvSpPr>
-          <p:nvPr>
-            <p:ph type="sldNum" sz="quarter" idx="12"/>
-          </p:nvPr>
-        </p:nvSpPr>
-        <p:spPr/>
-        <p:txBody>
-          <a:bodyPr/>
-          <a:lstStyle/>
-          <a:p>
-            <a:pPr marL="0" marR="0" lvl="0" indent="0" algn="r" defTabSz="914400" rtl="0" eaLnBrk="1" fontAlgn="auto" latinLnBrk="0" hangingPunct="1">
-              <a:lnSpc>
-                <a:spcPct val="100000"/>
-              </a:lnSpc>
-              <a:spcBef>
-                <a:spcPts val="0"/>
-              </a:spcBef>
-              <a:spcAft>
-                <a:spcPts val="0"/>
-              </a:spcAft>
-              <a:buClrTx/>
-              <a:buSzTx/>
-              <a:buFontTx/>
-              <a:buNone/>
-              <a:tabLst/>
-              <a:defRPr/>
-            </a:pPr>
-            <a:fld id="{3A98EE3D-8CD1-4C3F-BD1C-C98C9596463C}" type="slidenum">
-              <a:rPr kumimoji="0" lang="it-IT" sz="1800" b="0" i="0" u="none" strike="noStrike" kern="1200" cap="none" spc="0" normalizeH="0" baseline="0" noProof="0" smtClean="0">
-                <a:ln>
-                  <a:noFill/>
-                </a:ln>
-                <a:solidFill>
-                  <a:prstClr val="white"/>
-                </a:solidFill>
-                <a:effectLst/>
-                <a:uLnTx/>
-                <a:uFillTx/>
-                <a:latin typeface="Calibri" panose="020F0502020204030204"/>
-                <a:ea typeface="+mn-ea"/>
-                <a:cs typeface="+mn-cs"/>
-              </a:rPr>
-              <a:pPr marL="0" marR="0" lvl="0" indent="0" algn="r" defTabSz="914400" rtl="0" eaLnBrk="1" fontAlgn="auto" latinLnBrk="0" hangingPunct="1">
-                <a:lnSpc>
-                  <a:spcPct val="100000"/>
-                </a:lnSpc>
-                <a:spcBef>
-                  <a:spcPts val="0"/>
-                </a:spcBef>
-                <a:spcAft>
-                  <a:spcPts val="0"/>
-                </a:spcAft>
-                <a:buClrTx/>
-                <a:buSzTx/>
-                <a:buFontTx/>
-                <a:buNone/>
-                <a:tabLst/>
-                <a:defRPr/>
-              </a:pPr>
-              <a:t>2</a:t>
-            </a:fld>
-            <a:endParaRPr kumimoji="0" lang="it-IT" sz="1800" b="0" i="0" u="none" strike="noStrike" kern="1200" cap="none" spc="0" normalizeH="0" baseline="0" noProof="0" dirty="0">
-              <a:ln>
-                <a:noFill/>
-              </a:ln>
-              <a:solidFill>
-                <a:prstClr val="white"/>
-              </a:solidFill>
-              <a:effectLst/>
-              <a:uLnTx/>
-              <a:uFillTx/>
-              <a:latin typeface="Calibri" panose="020F0502020204030204"/>
-              <a:ea typeface="+mn-ea"/>
-              <a:cs typeface="+mn-cs"/>
-            </a:endParaRPr>
-          </a:p>
-        </p:txBody>
-      </p:sp>
-      <p:sp>
-        <p:nvSpPr>
-          <p:cNvPr id="16" name="Connettore 15">
-            <a:extLst>
-              <a:ext uri="{FF2B5EF4-FFF2-40B4-BE49-F238E27FC236}">
-                <a16:creationId xmlns:a16="http://schemas.microsoft.com/office/drawing/2014/main" id="{5E0ACD5D-887A-4C21-8597-4B294DBAD218}"/>
-              </a:ext>
-            </a:extLst>
-          </p:cNvPr>
-          <p:cNvSpPr/>
-          <p:nvPr/>
-        </p:nvSpPr>
-        <p:spPr>
-          <a:xfrm>
-            <a:off x="11455401" y="6273800"/>
-            <a:ext cx="512910" cy="470291"/>
-          </a:xfrm>
-          <a:prstGeom prst="flowChartConnector">
-            <a:avLst/>
-          </a:prstGeom>
-        </p:spPr>
-        <p:style>
-          <a:lnRef idx="2">
-            <a:schemeClr val="accent1">
-              <a:shade val="50000"/>
-            </a:schemeClr>
-          </a:lnRef>
-          <a:fillRef idx="1">
-            <a:schemeClr val="accent1"/>
-          </a:fillRef>
-          <a:effectRef idx="0">
-            <a:schemeClr val="accent1"/>
-          </a:effectRef>
-          <a:fontRef idx="minor">
-            <a:schemeClr val="lt1"/>
-          </a:fontRef>
-        </p:style>
-        <p:txBody>
-          <a:bodyPr rtlCol="0" anchor="ctr"/>
-          <a:lstStyle/>
-          <a:p>
-            <a:pPr marL="0" marR="0" lvl="0" indent="0" algn="ctr" defTabSz="914400" rtl="0" eaLnBrk="1" fontAlgn="auto" latinLnBrk="0" hangingPunct="1">
-              <a:lnSpc>
-                <a:spcPct val="100000"/>
-              </a:lnSpc>
-              <a:spcBef>
-                <a:spcPts val="0"/>
-              </a:spcBef>
-              <a:spcAft>
-                <a:spcPts val="0"/>
-              </a:spcAft>
-              <a:buClrTx/>
-              <a:buSzTx/>
-              <a:buFontTx/>
-              <a:buNone/>
-              <a:tabLst/>
-              <a:defRPr/>
-            </a:pPr>
-            <a:fld id="{3A98EE3D-8CD1-4C3F-BD1C-C98C9596463C}" type="slidenum">
-              <a:rPr kumimoji="0" lang="it-IT" sz="1200" b="1" i="0" u="none" strike="noStrike" kern="1200" cap="none" spc="0" normalizeH="0" baseline="0" noProof="0">
-                <a:ln>
-                  <a:noFill/>
-                </a:ln>
-                <a:solidFill>
-                  <a:prstClr val="white"/>
-                </a:solidFill>
-                <a:effectLst/>
-                <a:uLnTx/>
-                <a:uFillTx/>
-                <a:latin typeface="Calibri" panose="020F0502020204030204"/>
-                <a:ea typeface="+mn-ea"/>
-                <a:cs typeface="+mn-cs"/>
-              </a:rPr>
-              <a:pPr marL="0" marR="0" lvl="0" indent="0" algn="ctr" defTabSz="914400" rtl="0" eaLnBrk="1" fontAlgn="auto" latinLnBrk="0" hangingPunct="1">
-                <a:lnSpc>
-                  <a:spcPct val="100000"/>
-                </a:lnSpc>
-                <a:spcBef>
-                  <a:spcPts val="0"/>
-                </a:spcBef>
-                <a:spcAft>
-                  <a:spcPts val="0"/>
-                </a:spcAft>
-                <a:buClrTx/>
-                <a:buSzTx/>
-                <a:buFontTx/>
-                <a:buNone/>
-                <a:tabLst/>
-                <a:defRPr/>
-              </a:pPr>
-              <a:t>2</a:t>
-            </a:fld>
-            <a:endParaRPr kumimoji="0" lang="it-IT" sz="1800" b="1" i="0" u="none" strike="noStrike" kern="1200" cap="none" spc="0" normalizeH="0" baseline="0" noProof="0" dirty="0">
-              <a:ln>
-                <a:noFill/>
-              </a:ln>
-              <a:solidFill>
-                <a:prstClr val="white"/>
-              </a:solidFill>
-              <a:effectLst/>
-              <a:uLnTx/>
-              <a:uFillTx/>
-              <a:latin typeface="Calibri" panose="020F0502020204030204"/>
-              <a:ea typeface="+mn-ea"/>
-              <a:cs typeface="+mn-cs"/>
-            </a:endParaRPr>
-          </a:p>
-        </p:txBody>
-      </p:sp>
-      <p:sp>
-        <p:nvSpPr>
-          <p:cNvPr id="4" name="Segnaposto contenuto 3">
-            <a:extLst>
-              <a:ext uri="{FF2B5EF4-FFF2-40B4-BE49-F238E27FC236}">
-                <a16:creationId xmlns:a16="http://schemas.microsoft.com/office/drawing/2014/main" id="{50BE4F52-8CFF-4745-9F3E-4464B2A5AE97}"/>
-              </a:ext>
-            </a:extLst>
-          </p:cNvPr>
-          <p:cNvSpPr>
-            <a:spLocks noGrp="1"/>
-          </p:cNvSpPr>
-          <p:nvPr>
-            <p:ph idx="1"/>
-          </p:nvPr>
-        </p:nvSpPr>
-        <p:spPr>
-          <a:xfrm>
-            <a:off x="6751272" y="1021805"/>
-            <a:ext cx="4654296" cy="3977366"/>
-          </a:xfrm>
-        </p:spPr>
-        <p:txBody>
-          <a:bodyPr>
-            <a:normAutofit fontScale="92500" lnSpcReduction="20000"/>
-          </a:bodyPr>
-          <a:lstStyle/>
-          <a:p>
-            <a:pPr>
-              <a:spcBef>
-                <a:spcPts val="0"/>
-              </a:spcBef>
-              <a:spcAft>
-                <a:spcPts val="0"/>
-              </a:spcAft>
-            </a:pPr>
-            <a:r>
-              <a:rPr lang="it-IT" sz="2800" b="1" dirty="0"/>
-              <a:t>Lo Standard ID3</a:t>
-            </a:r>
-          </a:p>
-          <a:p>
-            <a:pPr marL="0" indent="0" rtl="0">
-              <a:spcBef>
-                <a:spcPts val="0"/>
-              </a:spcBef>
-              <a:spcAft>
-                <a:spcPts val="0"/>
-              </a:spcAft>
-              <a:buNone/>
-            </a:pPr>
-            <a:r>
-              <a:rPr lang="it-IT" sz="1900" dirty="0">
-                <a:latin typeface="+mj-lt"/>
-              </a:rPr>
-              <a:t>Descrizione</a:t>
-            </a:r>
-          </a:p>
-          <a:p>
-            <a:pPr marL="0" indent="0" rtl="0">
-              <a:spcBef>
-                <a:spcPts val="0"/>
-              </a:spcBef>
-              <a:spcAft>
-                <a:spcPts val="0"/>
-              </a:spcAft>
-              <a:buNone/>
-            </a:pPr>
-            <a:r>
-              <a:rPr lang="it-IT" sz="1900" dirty="0">
-                <a:latin typeface="+mj-lt"/>
-              </a:rPr>
-              <a:t>ID3 v1 vs ID3 v2</a:t>
-            </a:r>
-          </a:p>
-          <a:p>
-            <a:pPr marL="0" indent="0" rtl="0">
-              <a:spcBef>
-                <a:spcPts val="0"/>
-              </a:spcBef>
-              <a:spcAft>
-                <a:spcPts val="0"/>
-              </a:spcAft>
-              <a:buNone/>
-            </a:pPr>
-            <a:r>
-              <a:rPr lang="it-IT" sz="1900" dirty="0">
-                <a:latin typeface="+mj-lt"/>
-              </a:rPr>
-              <a:t>Struttura dell’ID3 v1</a:t>
-            </a:r>
-          </a:p>
-          <a:p>
-            <a:pPr marL="0" indent="0" rtl="0">
-              <a:spcBef>
-                <a:spcPts val="0"/>
-              </a:spcBef>
-              <a:spcAft>
-                <a:spcPts val="0"/>
-              </a:spcAft>
-              <a:buNone/>
-            </a:pPr>
-            <a:r>
-              <a:rPr lang="it-IT" sz="1900" dirty="0">
-                <a:latin typeface="+mj-lt"/>
-              </a:rPr>
-              <a:t>Materiale utilizzato</a:t>
-            </a:r>
-          </a:p>
-          <a:p>
-            <a:pPr marL="0" indent="0" rtl="0">
-              <a:spcBef>
-                <a:spcPts val="0"/>
-              </a:spcBef>
-              <a:spcAft>
-                <a:spcPts val="0"/>
-              </a:spcAft>
-              <a:buNone/>
-            </a:pPr>
-            <a:endParaRPr lang="it-IT" dirty="0"/>
-          </a:p>
-          <a:p>
-            <a:pPr>
-              <a:spcBef>
-                <a:spcPts val="0"/>
-              </a:spcBef>
-              <a:spcAft>
-                <a:spcPts val="0"/>
-              </a:spcAft>
-            </a:pPr>
-            <a:r>
-              <a:rPr lang="it-IT" sz="2800" b="1" dirty="0"/>
-              <a:t>Grammatica con </a:t>
-            </a:r>
-            <a:r>
-              <a:rPr lang="it-IT" sz="2800" b="1" dirty="0" err="1"/>
-              <a:t>Header</a:t>
-            </a:r>
-            <a:endParaRPr lang="it-IT" sz="2800" b="1" dirty="0"/>
-          </a:p>
-          <a:p>
-            <a:pPr marL="0" lvl="0" indent="0" rtl="0">
-              <a:spcBef>
-                <a:spcPts val="0"/>
-              </a:spcBef>
-              <a:spcAft>
-                <a:spcPts val="0"/>
-              </a:spcAft>
-              <a:buNone/>
-            </a:pPr>
-            <a:r>
-              <a:rPr lang="it-IT" sz="2100" dirty="0">
-                <a:latin typeface="+mj-lt"/>
-              </a:rPr>
-              <a:t>Descrizione</a:t>
-            </a:r>
-          </a:p>
-          <a:p>
-            <a:pPr marL="0" lvl="0" indent="0" rtl="0">
-              <a:spcBef>
-                <a:spcPts val="0"/>
-              </a:spcBef>
-              <a:spcAft>
-                <a:spcPts val="0"/>
-              </a:spcAft>
-              <a:buNone/>
-            </a:pPr>
-            <a:r>
-              <a:rPr lang="it-IT" sz="2100" dirty="0">
-                <a:latin typeface="+mj-lt"/>
-              </a:rPr>
-              <a:t>Gestione dei dati con Java</a:t>
-            </a:r>
-          </a:p>
-          <a:p>
-            <a:pPr marL="0" lvl="0" indent="0">
-              <a:spcBef>
-                <a:spcPts val="0"/>
-              </a:spcBef>
-              <a:spcAft>
-                <a:spcPts val="0"/>
-              </a:spcAft>
-              <a:buNone/>
-            </a:pPr>
-            <a:r>
-              <a:rPr lang="it-IT" sz="2100" dirty="0">
-                <a:latin typeface="+mj-lt"/>
-              </a:rPr>
-              <a:t>Gestione e riconoscimento del frame Genere</a:t>
-            </a:r>
-          </a:p>
-          <a:p>
-            <a:pPr marL="0" lvl="0" indent="0" rtl="0">
-              <a:spcBef>
-                <a:spcPts val="0"/>
-              </a:spcBef>
-              <a:spcAft>
-                <a:spcPts val="0"/>
-              </a:spcAft>
-              <a:buNone/>
-            </a:pPr>
-            <a:endParaRPr lang="it-IT" dirty="0"/>
-          </a:p>
-          <a:p>
-            <a:pPr>
-              <a:spcBef>
-                <a:spcPts val="0"/>
-              </a:spcBef>
-              <a:spcAft>
-                <a:spcPts val="0"/>
-              </a:spcAft>
-            </a:pPr>
-            <a:r>
-              <a:rPr lang="it-IT" sz="2800" b="1" dirty="0"/>
-              <a:t>Gestione degli errori</a:t>
-            </a:r>
-          </a:p>
-          <a:p>
-            <a:pPr marL="0" indent="0" rtl="0">
-              <a:spcBef>
-                <a:spcPts val="0"/>
-              </a:spcBef>
-              <a:spcAft>
-                <a:spcPts val="0"/>
-              </a:spcAft>
-              <a:buNone/>
-            </a:pPr>
-            <a:r>
-              <a:rPr lang="it-IT" sz="2100" dirty="0">
-                <a:latin typeface="+mj-lt"/>
-              </a:rPr>
-              <a:t>Nel dettaglio</a:t>
-            </a:r>
-          </a:p>
-          <a:p>
-            <a:pPr marL="0" indent="0" rtl="0">
-              <a:spcBef>
-                <a:spcPts val="0"/>
-              </a:spcBef>
-              <a:spcAft>
-                <a:spcPts val="0"/>
-              </a:spcAft>
-              <a:buNone/>
-            </a:pPr>
-            <a:r>
-              <a:rPr lang="it-IT" sz="2100" dirty="0">
-                <a:latin typeface="+mj-lt"/>
-              </a:rPr>
-              <a:t>Casi di Test</a:t>
-            </a:r>
-          </a:p>
-          <a:p>
-            <a:pPr marL="0" indent="0">
-              <a:buNone/>
-            </a:pPr>
-            <a:endParaRPr lang="it-IT" dirty="0"/>
-          </a:p>
-        </p:txBody>
-      </p:sp>
-    </p:spTree>
-    <p:extLst>
-      <p:ext uri="{BB962C8B-B14F-4D97-AF65-F5344CB8AC3E}">
-        <p14:creationId xmlns:p14="http://schemas.microsoft.com/office/powerpoint/2010/main" val="1056707768"/>
+        <p14:creationId xmlns:p14="http://schemas.microsoft.com/office/powerpoint/2010/main" val="796331228"/>
       </p:ext>
     </p:extLst>
   </p:cSld>
@@ -14298,99 +9600,41 @@
       </p:grpSpPr>
       <p:sp>
         <p:nvSpPr>
-          <p:cNvPr id="6" name="Titolo 5">
-            <a:extLst>
-              <a:ext uri="{FF2B5EF4-FFF2-40B4-BE49-F238E27FC236}">
-                <a16:creationId xmlns:a16="http://schemas.microsoft.com/office/drawing/2014/main" id="{CE09A200-4838-4284-BD1E-19701CABB5FE}"/>
-              </a:ext>
-            </a:extLst>
-          </p:cNvPr>
-          <p:cNvSpPr>
-            <a:spLocks noGrp="1"/>
-          </p:cNvSpPr>
-          <p:nvPr>
-            <p:ph type="title"/>
-          </p:nvPr>
-        </p:nvSpPr>
-        <p:spPr>
-          <a:xfrm>
-            <a:off x="1097280" y="286603"/>
-            <a:ext cx="10058400" cy="1450757"/>
-          </a:xfrm>
-        </p:spPr>
-        <p:txBody>
-          <a:bodyPr rtlCol="0">
-            <a:normAutofit/>
-          </a:bodyPr>
-          <a:lstStyle/>
-          <a:p>
-            <a:pPr rtl="0"/>
-            <a:r>
-              <a:rPr lang="it-IT" dirty="0"/>
-              <a:t>Standard ID3: descrizione</a:t>
-            </a:r>
-          </a:p>
-        </p:txBody>
-      </p:sp>
-      <p:pic>
-        <p:nvPicPr>
-          <p:cNvPr id="4" name="Elemento grafico 3">
-            <a:extLst>
-              <a:ext uri="{FF2B5EF4-FFF2-40B4-BE49-F238E27FC236}">
-                <a16:creationId xmlns:a16="http://schemas.microsoft.com/office/drawing/2014/main" id="{ED0A95A1-BC85-4809-B935-6A9B3C054422}"/>
-              </a:ext>
-            </a:extLst>
-          </p:cNvPr>
-          <p:cNvPicPr>
-            <a:picLocks noChangeAspect="1"/>
-          </p:cNvPicPr>
-          <p:nvPr/>
-        </p:nvPicPr>
-        <p:blipFill>
-          <a:blip r:embed="rId3" cstate="print">
-            <a:extLst>
-              <a:ext uri="{28A0092B-C50C-407E-A947-70E740481C1C}">
-                <a14:useLocalDpi xmlns:a14="http://schemas.microsoft.com/office/drawing/2010/main" val="0"/>
-              </a:ext>
-              <a:ext uri="{96DAC541-7B7A-43D3-8B79-37D633B846F1}">
-                <asvg:svgBlip xmlns:asvg="http://schemas.microsoft.com/office/drawing/2016/SVG/main" r:embed="rId4"/>
-              </a:ext>
-            </a:extLst>
-          </a:blip>
-          <a:stretch>
-            <a:fillRect/>
-          </a:stretch>
-        </p:blipFill>
-        <p:spPr>
-          <a:xfrm>
-            <a:off x="207095" y="6043750"/>
-            <a:ext cx="1770209" cy="700341"/>
+          <p:cNvPr id="26" name="Rettangolo 28">
+            <a:extLst>
+              <a:ext uri="{FF2B5EF4-FFF2-40B4-BE49-F238E27FC236}">
+                <a16:creationId xmlns:a16="http://schemas.microsoft.com/office/drawing/2014/main" id="{416A0E3C-60E6-4F39-BC55-5F7C224E1F7C}"/>
+              </a:ext>
+              <a:ext uri="{C183D7F6-B498-43B3-948B-1728B52AA6E4}">
+                <adec:decorative xmlns:adec="http://schemas.microsoft.com/office/drawing/2017/decorative" val="1"/>
+              </a:ext>
+            </a:extLst>
+          </p:cNvPr>
+          <p:cNvSpPr>
+            <a:spLocks noGrp="1" noRot="1" noChangeAspect="1" noMove="1" noResize="1" noEditPoints="1" noAdjustHandles="1" noChangeArrowheads="1" noChangeShapeType="1" noTextEdit="1"/>
+          </p:cNvSpPr>
+          <p:nvPr>
+            <p:extLst>
+              <p:ext uri="{386F3935-93C4-4BCD-93E2-E3B085C9AB24}">
+                <p16:designElem xmlns:p16="http://schemas.microsoft.com/office/powerpoint/2015/main" val="1"/>
+              </p:ext>
+            </p:extLst>
+          </p:nvPr>
+        </p:nvSpPr>
+        <p:spPr>
+          <a:xfrm>
+            <a:off x="3175" y="6400800"/>
+            <a:ext cx="12188825" cy="457200"/>
           </a:xfrm>
           <a:prstGeom prst="rect">
             <a:avLst/>
           </a:prstGeom>
-        </p:spPr>
-      </p:pic>
-      <p:sp>
-        <p:nvSpPr>
-          <p:cNvPr id="10" name="Connettore 9">
-            <a:extLst>
-              <a:ext uri="{FF2B5EF4-FFF2-40B4-BE49-F238E27FC236}">
-                <a16:creationId xmlns:a16="http://schemas.microsoft.com/office/drawing/2014/main" id="{7DA3C5E2-1B7C-406E-9A80-B7F344044586}"/>
-              </a:ext>
-            </a:extLst>
-          </p:cNvPr>
-          <p:cNvSpPr/>
-          <p:nvPr/>
-        </p:nvSpPr>
-        <p:spPr>
-          <a:xfrm>
-            <a:off x="11455401" y="6273800"/>
-            <a:ext cx="512910" cy="470291"/>
-          </a:xfrm>
-          <a:prstGeom prst="flowChartConnector">
-            <a:avLst/>
-          </a:prstGeom>
+          <a:solidFill>
+            <a:srgbClr val="262626"/>
+          </a:solidFill>
+          <a:ln>
+            <a:noFill/>
+          </a:ln>
         </p:spPr>
         <p:style>
           <a:lnRef idx="2">
@@ -14408,149 +9652,22 @@
             <a:schemeClr val="lt1"/>
           </a:fontRef>
         </p:style>
-        <p:txBody>
-          <a:bodyPr rtlCol="0" anchor="ctr"/>
-          <a:lstStyle/>
-          <a:p>
-            <a:pPr algn="ctr"/>
-            <a:fld id="{3A98EE3D-8CD1-4C3F-BD1C-C98C9596463C}" type="slidenum">
-              <a:rPr lang="it-IT" sz="1200" b="1"/>
-              <a:pPr algn="ctr"/>
-              <a:t>3</a:t>
-            </a:fld>
-            <a:endParaRPr lang="it-IT" b="1" dirty="0"/>
-          </a:p>
-        </p:txBody>
-      </p:sp>
-      <p:sp>
-        <p:nvSpPr>
-          <p:cNvPr id="3" name="Segnaposto contenuto 2">
-            <a:extLst>
-              <a:ext uri="{FF2B5EF4-FFF2-40B4-BE49-F238E27FC236}">
-                <a16:creationId xmlns:a16="http://schemas.microsoft.com/office/drawing/2014/main" id="{CDBDD0AC-B78E-4283-B5F3-A381229EABF5}"/>
-              </a:ext>
-            </a:extLst>
-          </p:cNvPr>
-          <p:cNvSpPr>
-            <a:spLocks noGrp="1"/>
-          </p:cNvSpPr>
-          <p:nvPr>
-            <p:ph idx="1"/>
-          </p:nvPr>
-        </p:nvSpPr>
-        <p:spPr/>
-        <p:txBody>
-          <a:bodyPr/>
-          <a:lstStyle/>
-          <a:p>
-            <a:pPr marL="0" indent="0">
-              <a:buNone/>
-            </a:pPr>
-            <a:r>
-              <a:rPr lang="it-IT" dirty="0"/>
-              <a:t>Lo standard ID3 viene utilizzato per includere nei file multimediali mp3 le informazioni sulla traccia che viene riprodotta. Gli «slot» di informazione vengono chiamati tag e possono essere salvati all’interno dell’mp3 svariati tag che rappresentano il nome della traccia, l’artista, l’album, il genere e il numero della traccia, …</a:t>
-            </a:r>
-          </a:p>
-          <a:p>
-            <a:pPr marL="0" indent="0">
-              <a:buNone/>
-            </a:pPr>
-            <a:r>
-              <a:rPr lang="it-IT" dirty="0"/>
-              <a:t>È uno standard riconosciuto universalmente la cui documentazione è liberamente visionabile al link id3.org, dove sono disponibili tra l’altro strumenti dedicati per sviluppatori così come librerie open source per il supporto dello standard</a:t>
-            </a:r>
-          </a:p>
-        </p:txBody>
-      </p:sp>
-      <p:pic>
-        <p:nvPicPr>
-          <p:cNvPr id="5" name="Immagine 4" descr="Immagine che contiene testo, clipart&#10;&#10;Descrizione generata automaticamente">
-            <a:extLst>
-              <a:ext uri="{FF2B5EF4-FFF2-40B4-BE49-F238E27FC236}">
-                <a16:creationId xmlns:a16="http://schemas.microsoft.com/office/drawing/2014/main" id="{6EA8DAB3-3963-44E7-9AF7-7529D1DD529F}"/>
-              </a:ext>
-            </a:extLst>
-          </p:cNvPr>
-          <p:cNvPicPr>
-            <a:picLocks noChangeAspect="1"/>
-          </p:cNvPicPr>
-          <p:nvPr/>
-        </p:nvPicPr>
-        <p:blipFill>
-          <a:blip r:embed="rId5">
-            <a:extLst>
-              <a:ext uri="{28A0092B-C50C-407E-A947-70E740481C1C}">
-                <a14:useLocalDpi xmlns:a14="http://schemas.microsoft.com/office/drawing/2010/main" val="0"/>
-              </a:ext>
-            </a:extLst>
-          </a:blip>
-          <a:stretch>
-            <a:fillRect/>
-          </a:stretch>
-        </p:blipFill>
-        <p:spPr>
-          <a:xfrm>
-            <a:off x="9306214" y="4624525"/>
-            <a:ext cx="1485900" cy="1419225"/>
-          </a:xfrm>
-          <a:prstGeom prst="rect">
-            <a:avLst/>
-          </a:prstGeom>
-        </p:spPr>
-      </p:pic>
-    </p:spTree>
-    <p:extLst>
-      <p:ext uri="{BB962C8B-B14F-4D97-AF65-F5344CB8AC3E}">
-        <p14:creationId xmlns:p14="http://schemas.microsoft.com/office/powerpoint/2010/main" val="796331228"/>
-      </p:ext>
-    </p:extLst>
-  </p:cSld>
-  <p:clrMapOvr>
-    <a:masterClrMapping/>
-  </p:clrMapOvr>
-</p:sld>
-</file>
-
-<file path=ppt/slides/slide4.xml><?xml version="1.0" encoding="utf-8"?>
-<p:sld xmlns:a="http://schemas.openxmlformats.org/drawingml/2006/main" xmlns:r="http://schemas.openxmlformats.org/officeDocument/2006/relationships" xmlns:p="http://schemas.openxmlformats.org/presentationml/2006/main">
-  <p:cSld>
-    <p:bg>
-      <p:bgPr>
-        <a:solidFill>
-          <a:schemeClr val="bg1"/>
-        </a:solidFill>
-        <a:effectLst/>
-      </p:bgPr>
-    </p:bg>
-    <p:spTree>
-      <p:nvGrpSpPr>
-        <p:cNvPr id="1" name=""/>
-        <p:cNvGrpSpPr/>
-        <p:nvPr/>
-      </p:nvGrpSpPr>
-      <p:grpSpPr>
-        <a:xfrm>
-          <a:off x="0" y="0"/>
-          <a:ext cx="0" cy="0"/>
-          <a:chOff x="0" y="0"/>
-          <a:chExt cx="0" cy="0"/>
-        </a:xfrm>
-      </p:grpSpPr>
-      <p:sp>
-        <p:nvSpPr>
-          <p:cNvPr id="26" name="Rettangolo 28">
-            <a:extLst>
-              <a:ext uri="{FF2B5EF4-FFF2-40B4-BE49-F238E27FC236}">
-                <a16:creationId xmlns:a16="http://schemas.microsoft.com/office/drawing/2014/main" id="{416A0E3C-60E6-4F39-BC55-5F7C224E1F7C}"/>
+      </p:sp>
+      <p:cxnSp>
+        <p:nvCxnSpPr>
+          <p:cNvPr id="27" name="Connettore diritto 30">
+            <a:extLst>
+              <a:ext uri="{FF2B5EF4-FFF2-40B4-BE49-F238E27FC236}">
+                <a16:creationId xmlns:a16="http://schemas.microsoft.com/office/drawing/2014/main" id="{C5025DAC-8B93-4160-B017-3A274A5828C0}"/>
               </a:ext>
               <a:ext uri="{C183D7F6-B498-43B3-948B-1728B52AA6E4}">
                 <adec:decorative xmlns:adec="http://schemas.microsoft.com/office/drawing/2017/decorative" val="1"/>
               </a:ext>
             </a:extLst>
           </p:cNvPr>
-          <p:cNvSpPr>
-            <a:spLocks noGrp="1" noRot="1" noChangeAspect="1" noMove="1" noResize="1" noEditPoints="1" noAdjustHandles="1" noChangeArrowheads="1" noChangeShapeType="1" noTextEdit="1"/>
-          </p:cNvSpPr>
+          <p:cNvCxnSpPr>
+            <a:cxnSpLocks noGrp="1" noRot="1" noChangeAspect="1" noMove="1" noResize="1" noEditPoints="1" noAdjustHandles="1" noChangeArrowheads="1" noChangeShapeType="1"/>
+          </p:cNvCxnSpPr>
           <p:nvPr>
             <p:extLst>
               <p:ext uri="{386F3935-93C4-4BCD-93E2-E3B085C9AB24}">
@@ -14558,20 +9675,224 @@
               </p:ext>
             </p:extLst>
           </p:nvPr>
-        </p:nvSpPr>
-        <p:spPr>
-          <a:xfrm>
-            <a:off x="3175" y="6400800"/>
-            <a:ext cx="12188825" cy="457200"/>
+        </p:nvCxnSpPr>
+        <p:spPr>
+          <a:xfrm>
+            <a:off x="1193532" y="1897380"/>
+            <a:ext cx="9966960" cy="0"/>
+          </a:xfrm>
+          <a:prstGeom prst="line">
+            <a:avLst/>
+          </a:prstGeom>
+          <a:ln w="12700">
+            <a:solidFill>
+              <a:schemeClr val="tx1">
+                <a:lumMod val="75000"/>
+                <a:lumOff val="25000"/>
+              </a:schemeClr>
+            </a:solidFill>
+          </a:ln>
+        </p:spPr>
+        <p:style>
+          <a:lnRef idx="1">
+            <a:schemeClr val="accent1"/>
+          </a:lnRef>
+          <a:fillRef idx="0">
+            <a:schemeClr val="accent1"/>
+          </a:fillRef>
+          <a:effectRef idx="0">
+            <a:schemeClr val="accent1"/>
+          </a:effectRef>
+          <a:fontRef idx="minor">
+            <a:schemeClr val="tx1"/>
+          </a:fontRef>
+        </p:style>
+      </p:cxnSp>
+      <p:sp useBgFill="1">
+        <p:nvSpPr>
+          <p:cNvPr id="28" name="Rettangolo 32">
+            <a:extLst>
+              <a:ext uri="{FF2B5EF4-FFF2-40B4-BE49-F238E27FC236}">
+                <a16:creationId xmlns:a16="http://schemas.microsoft.com/office/drawing/2014/main" id="{990D0034-F768-41E7-85D4-F38C4DE85770}"/>
+              </a:ext>
+              <a:ext uri="{C183D7F6-B498-43B3-948B-1728B52AA6E4}">
+                <adec:decorative xmlns:adec="http://schemas.microsoft.com/office/drawing/2017/decorative" val="1"/>
+              </a:ext>
+            </a:extLst>
+          </p:cNvPr>
+          <p:cNvSpPr>
+            <a:spLocks noGrp="1" noRot="1" noChangeAspect="1" noMove="1" noResize="1" noEditPoints="1" noAdjustHandles="1" noChangeArrowheads="1" noChangeShapeType="1" noTextEdit="1"/>
+          </p:cNvSpPr>
+          <p:nvPr>
+            <p:extLst>
+              <p:ext uri="{386F3935-93C4-4BCD-93E2-E3B085C9AB24}">
+                <p16:designElem xmlns:p16="http://schemas.microsoft.com/office/powerpoint/2015/main" val="1"/>
+              </p:ext>
+            </p:extLst>
+          </p:nvPr>
+        </p:nvSpPr>
+        <p:spPr>
+          <a:xfrm>
+            <a:off x="0" y="0"/>
+            <a:ext cx="12186315" cy="6858000"/>
+          </a:xfrm>
+          <a:prstGeom prst="rect">
+            <a:avLst/>
+          </a:prstGeom>
+          <a:ln>
+            <a:noFill/>
+          </a:ln>
+        </p:spPr>
+        <p:style>
+          <a:lnRef idx="2">
+            <a:schemeClr val="accent6">
+              <a:shade val="50000"/>
+            </a:schemeClr>
+          </a:lnRef>
+          <a:fillRef idx="1001">
+            <a:schemeClr val="lt1"/>
+          </a:fillRef>
+          <a:effectRef idx="0">
+            <a:schemeClr val="accent6"/>
+          </a:effectRef>
+          <a:fontRef idx="minor">
+            <a:schemeClr val="lt1"/>
+          </a:fontRef>
+        </p:style>
+        <p:txBody>
+          <a:bodyPr rtlCol="0" anchor="ctr"/>
+          <a:lstStyle/>
+          <a:p>
+            <a:pPr algn="ctr" rtl="0"/>
+            <a:endParaRPr lang="it-IT" dirty="0"/>
+          </a:p>
+        </p:txBody>
+      </p:sp>
+      <p:sp>
+        <p:nvSpPr>
+          <p:cNvPr id="5" name="Titolo 4">
+            <a:extLst>
+              <a:ext uri="{FF2B5EF4-FFF2-40B4-BE49-F238E27FC236}">
+                <a16:creationId xmlns:a16="http://schemas.microsoft.com/office/drawing/2014/main" id="{B8B72B13-069B-4F8A-9437-FA58C3F1D44B}"/>
+              </a:ext>
+            </a:extLst>
+          </p:cNvPr>
+          <p:cNvSpPr>
+            <a:spLocks noGrp="1"/>
+          </p:cNvSpPr>
+          <p:nvPr>
+            <p:ph type="title"/>
+          </p:nvPr>
+        </p:nvSpPr>
+        <p:spPr>
+          <a:xfrm>
+            <a:off x="590927" y="535936"/>
+            <a:ext cx="3960582" cy="700340"/>
+          </a:xfrm>
+        </p:spPr>
+        <p:txBody>
+          <a:bodyPr vert="horz" lIns="91440" tIns="45720" rIns="91440" bIns="45720" rtlCol="0" anchor="b">
+            <a:noAutofit/>
+          </a:bodyPr>
+          <a:lstStyle/>
+          <a:p>
+            <a:pPr rtl="0"/>
+            <a:r>
+              <a:rPr lang="it-IT" sz="4400" dirty="0">
+                <a:solidFill>
+                  <a:schemeClr val="tx1">
+                    <a:lumMod val="75000"/>
+                    <a:lumOff val="25000"/>
+                  </a:schemeClr>
+                </a:solidFill>
+              </a:rPr>
+              <a:t>ID3v1 vs ID3v2</a:t>
+            </a:r>
+          </a:p>
+        </p:txBody>
+      </p:sp>
+      <p:cxnSp>
+        <p:nvCxnSpPr>
+          <p:cNvPr id="30" name="Connettore diritto 34">
+            <a:extLst>
+              <a:ext uri="{FF2B5EF4-FFF2-40B4-BE49-F238E27FC236}">
+                <a16:creationId xmlns:a16="http://schemas.microsoft.com/office/drawing/2014/main" id="{5A0A5CF6-407C-4691-8122-49DF69D0020D}"/>
+              </a:ext>
+              <a:ext uri="{C183D7F6-B498-43B3-948B-1728B52AA6E4}">
+                <adec:decorative xmlns:adec="http://schemas.microsoft.com/office/drawing/2017/decorative" val="1"/>
+              </a:ext>
+            </a:extLst>
+          </p:cNvPr>
+          <p:cNvCxnSpPr>
+            <a:cxnSpLocks noGrp="1" noRot="1" noChangeAspect="1" noMove="1" noResize="1" noEditPoints="1" noAdjustHandles="1" noChangeArrowheads="1" noChangeShapeType="1"/>
+          </p:cNvCxnSpPr>
+          <p:nvPr>
+            <p:extLst>
+              <p:ext uri="{386F3935-93C4-4BCD-93E2-E3B085C9AB24}">
+                <p16:designElem xmlns:p16="http://schemas.microsoft.com/office/powerpoint/2015/main" val="1"/>
+              </p:ext>
+            </p:extLst>
+          </p:nvPr>
+        </p:nvCxnSpPr>
+        <p:spPr>
+          <a:xfrm>
+            <a:off x="590927" y="2633962"/>
+            <a:ext cx="2834640" cy="0"/>
+          </a:xfrm>
+          <a:prstGeom prst="line">
+            <a:avLst/>
+          </a:prstGeom>
+          <a:ln w="12700">
+            <a:solidFill>
+              <a:schemeClr val="tx1">
+                <a:lumMod val="75000"/>
+                <a:lumOff val="25000"/>
+              </a:schemeClr>
+            </a:solidFill>
+          </a:ln>
+        </p:spPr>
+        <p:style>
+          <a:lnRef idx="1">
+            <a:schemeClr val="accent1"/>
+          </a:lnRef>
+          <a:fillRef idx="0">
+            <a:schemeClr val="accent1"/>
+          </a:fillRef>
+          <a:effectRef idx="0">
+            <a:schemeClr val="accent1"/>
+          </a:effectRef>
+          <a:fontRef idx="minor">
+            <a:schemeClr val="tx1"/>
+          </a:fontRef>
+        </p:style>
+      </p:cxnSp>
+      <p:sp>
+        <p:nvSpPr>
+          <p:cNvPr id="4" name="Rettangolo 3">
+            <a:extLst>
+              <a:ext uri="{FF2B5EF4-FFF2-40B4-BE49-F238E27FC236}">
+                <a16:creationId xmlns:a16="http://schemas.microsoft.com/office/drawing/2014/main" id="{D22E5227-66DC-4545-A93A-3BAE57987144}"/>
+              </a:ext>
+            </a:extLst>
+          </p:cNvPr>
+          <p:cNvSpPr/>
+          <p:nvPr/>
+        </p:nvSpPr>
+        <p:spPr>
+          <a:xfrm>
+            <a:off x="590927" y="2477070"/>
+            <a:ext cx="2955837" cy="457195"/>
           </a:xfrm>
           <a:prstGeom prst="rect">
             <a:avLst/>
           </a:prstGeom>
           <a:solidFill>
-            <a:srgbClr val="262626"/>
+            <a:schemeClr val="bg1"/>
           </a:solidFill>
           <a:ln>
-            <a:noFill/>
+            <a:solidFill>
+              <a:schemeClr val="bg1"/>
+            </a:solidFill>
           </a:ln>
         </p:spPr>
         <p:style>
@@ -14590,248 +9911,163 @@
             <a:schemeClr val="lt1"/>
           </a:fontRef>
         </p:style>
-      </p:sp>
-      <p:cxnSp>
-        <p:nvCxnSpPr>
-          <p:cNvPr id="27" name="Connettore diritto 30">
-            <a:extLst>
-              <a:ext uri="{FF2B5EF4-FFF2-40B4-BE49-F238E27FC236}">
-                <a16:creationId xmlns:a16="http://schemas.microsoft.com/office/drawing/2014/main" id="{C5025DAC-8B93-4160-B017-3A274A5828C0}"/>
-              </a:ext>
-              <a:ext uri="{C183D7F6-B498-43B3-948B-1728B52AA6E4}">
-                <adec:decorative xmlns:adec="http://schemas.microsoft.com/office/drawing/2017/decorative" val="1"/>
-              </a:ext>
-            </a:extLst>
-          </p:cNvPr>
-          <p:cNvCxnSpPr>
-            <a:cxnSpLocks noGrp="1" noRot="1" noChangeAspect="1" noMove="1" noResize="1" noEditPoints="1" noAdjustHandles="1" noChangeArrowheads="1" noChangeShapeType="1"/>
-          </p:cNvCxnSpPr>
-          <p:nvPr>
-            <p:extLst>
-              <p:ext uri="{386F3935-93C4-4BCD-93E2-E3B085C9AB24}">
-                <p16:designElem xmlns:p16="http://schemas.microsoft.com/office/powerpoint/2015/main" val="1"/>
-              </p:ext>
-            </p:extLst>
-          </p:nvPr>
-        </p:nvCxnSpPr>
-        <p:spPr>
-          <a:xfrm>
-            <a:off x="1193532" y="1897380"/>
-            <a:ext cx="9966960" cy="0"/>
-          </a:xfrm>
-          <a:prstGeom prst="line">
-            <a:avLst/>
-          </a:prstGeom>
-          <a:ln w="12700">
-            <a:solidFill>
-              <a:schemeClr val="tx1">
-                <a:lumMod val="75000"/>
-                <a:lumOff val="25000"/>
-              </a:schemeClr>
-            </a:solidFill>
-          </a:ln>
-        </p:spPr>
-        <p:style>
-          <a:lnRef idx="1">
-            <a:schemeClr val="accent1"/>
-          </a:lnRef>
-          <a:fillRef idx="0">
-            <a:schemeClr val="accent1"/>
-          </a:fillRef>
-          <a:effectRef idx="0">
-            <a:schemeClr val="accent1"/>
-          </a:effectRef>
-          <a:fontRef idx="minor">
-            <a:schemeClr val="tx1"/>
-          </a:fontRef>
-        </p:style>
-      </p:cxnSp>
-      <p:sp useBgFill="1">
-        <p:nvSpPr>
-          <p:cNvPr id="28" name="Rettangolo 32">
-            <a:extLst>
-              <a:ext uri="{FF2B5EF4-FFF2-40B4-BE49-F238E27FC236}">
-                <a16:creationId xmlns:a16="http://schemas.microsoft.com/office/drawing/2014/main" id="{990D0034-F768-41E7-85D4-F38C4DE85770}"/>
-              </a:ext>
-              <a:ext uri="{C183D7F6-B498-43B3-948B-1728B52AA6E4}">
-                <adec:decorative xmlns:adec="http://schemas.microsoft.com/office/drawing/2017/decorative" val="1"/>
-              </a:ext>
-            </a:extLst>
-          </p:cNvPr>
-          <p:cNvSpPr>
-            <a:spLocks noGrp="1" noRot="1" noChangeAspect="1" noMove="1" noResize="1" noEditPoints="1" noAdjustHandles="1" noChangeArrowheads="1" noChangeShapeType="1" noTextEdit="1"/>
-          </p:cNvSpPr>
-          <p:nvPr>
-            <p:extLst>
-              <p:ext uri="{386F3935-93C4-4BCD-93E2-E3B085C9AB24}">
-                <p16:designElem xmlns:p16="http://schemas.microsoft.com/office/powerpoint/2015/main" val="1"/>
-              </p:ext>
-            </p:extLst>
-          </p:nvPr>
-        </p:nvSpPr>
-        <p:spPr>
-          <a:xfrm>
-            <a:off x="0" y="0"/>
-            <a:ext cx="12186315" cy="6858000"/>
+        <p:txBody>
+          <a:bodyPr rtlCol="0" anchor="ctr"/>
+          <a:lstStyle/>
+          <a:p>
+            <a:pPr algn="ctr"/>
+            <a:endParaRPr lang="it-IT"/>
+          </a:p>
+        </p:txBody>
+      </p:sp>
+      <p:sp>
+        <p:nvSpPr>
+          <p:cNvPr id="6" name="Segnaposto contenuto 5">
+            <a:extLst>
+              <a:ext uri="{FF2B5EF4-FFF2-40B4-BE49-F238E27FC236}">
+                <a16:creationId xmlns:a16="http://schemas.microsoft.com/office/drawing/2014/main" id="{2281D70C-EE29-493E-838C-890184A02C07}"/>
+              </a:ext>
+            </a:extLst>
+          </p:cNvPr>
+          <p:cNvSpPr>
+            <a:spLocks noGrp="1"/>
+          </p:cNvSpPr>
+          <p:nvPr>
+            <p:ph idx="1"/>
+          </p:nvPr>
+        </p:nvSpPr>
+        <p:spPr>
+          <a:xfrm>
+            <a:off x="590926" y="1452870"/>
+            <a:ext cx="4542547" cy="4590875"/>
+          </a:xfrm>
+        </p:spPr>
+        <p:txBody>
+          <a:bodyPr vert="horz" lIns="0" tIns="45720" rIns="0" bIns="45720" rtlCol="0">
+            <a:normAutofit lnSpcReduction="10000"/>
+          </a:bodyPr>
+          <a:lstStyle/>
+          <a:p>
+            <a:pPr rtl="0"/>
+            <a:r>
+              <a:rPr lang="it-IT" dirty="0">
+                <a:latin typeface="+mj-lt"/>
+              </a:rPr>
+              <a:t>ID3v1 contiene informazioni di base come nome traccia, artista e album</a:t>
+            </a:r>
+          </a:p>
+          <a:p>
+            <a:pPr rtl="0"/>
+            <a:r>
+              <a:rPr lang="it-IT" dirty="0">
+                <a:latin typeface="+mj-lt"/>
+              </a:rPr>
+              <a:t>ID3v2 contiene informazioni aggiuntive di dimensioni variabili come l’immagine dell’album, tag estesi e anche </a:t>
+            </a:r>
+            <a:r>
+              <a:rPr lang="it-IT" dirty="0" err="1">
+                <a:latin typeface="+mj-lt"/>
+              </a:rPr>
+              <a:t>lyrics</a:t>
+            </a:r>
+            <a:endParaRPr lang="it-IT" dirty="0">
+              <a:latin typeface="+mj-lt"/>
+            </a:endParaRPr>
+          </a:p>
+          <a:p>
+            <a:pPr rtl="0"/>
+            <a:r>
+              <a:rPr lang="it-IT" dirty="0">
+                <a:latin typeface="+mj-lt"/>
+              </a:rPr>
+              <a:t>ID3v1 e ID3v2 possono coesistere nello stesso mp3 e sono </a:t>
+            </a:r>
+            <a:r>
+              <a:rPr lang="it-IT" dirty="0" err="1">
+                <a:latin typeface="+mj-lt"/>
+              </a:rPr>
+              <a:t>difatto</a:t>
+            </a:r>
+            <a:r>
+              <a:rPr lang="it-IT" dirty="0">
+                <a:latin typeface="+mj-lt"/>
+              </a:rPr>
+              <a:t> due componenti diversi del file (sono riconosciuti dall’</a:t>
+            </a:r>
+            <a:r>
+              <a:rPr lang="it-IT" dirty="0" err="1">
+                <a:latin typeface="+mj-lt"/>
+              </a:rPr>
+              <a:t>header</a:t>
+            </a:r>
+            <a:r>
+              <a:rPr lang="it-IT" dirty="0">
+                <a:latin typeface="+mj-lt"/>
+              </a:rPr>
+              <a:t> diverso)</a:t>
+            </a:r>
+          </a:p>
+        </p:txBody>
+      </p:sp>
+      <p:pic>
+        <p:nvPicPr>
+          <p:cNvPr id="10" name="Elemento grafico 9">
+            <a:extLst>
+              <a:ext uri="{FF2B5EF4-FFF2-40B4-BE49-F238E27FC236}">
+                <a16:creationId xmlns:a16="http://schemas.microsoft.com/office/drawing/2014/main" id="{54A47743-7725-4A33-93CA-EFB89C10D1EC}"/>
+              </a:ext>
+            </a:extLst>
+          </p:cNvPr>
+          <p:cNvPicPr>
+            <a:picLocks noChangeAspect="1"/>
+          </p:cNvPicPr>
+          <p:nvPr/>
+        </p:nvPicPr>
+        <p:blipFill>
+          <a:blip r:embed="rId3" cstate="print">
+            <a:extLst>
+              <a:ext uri="{28A0092B-C50C-407E-A947-70E740481C1C}">
+                <a14:useLocalDpi xmlns:a14="http://schemas.microsoft.com/office/drawing/2010/main" val="0"/>
+              </a:ext>
+              <a:ext uri="{96DAC541-7B7A-43D3-8B79-37D633B846F1}">
+                <asvg:svgBlip xmlns:asvg="http://schemas.microsoft.com/office/drawing/2016/SVG/main" r:embed="rId4"/>
+              </a:ext>
+            </a:extLst>
+          </a:blip>
+          <a:stretch>
+            <a:fillRect/>
+          </a:stretch>
+        </p:blipFill>
+        <p:spPr>
+          <a:xfrm>
+            <a:off x="207095" y="6043750"/>
+            <a:ext cx="1770209" cy="700341"/>
           </a:xfrm>
           <a:prstGeom prst="rect">
             <a:avLst/>
           </a:prstGeom>
-          <a:ln>
-            <a:noFill/>
-          </a:ln>
-        </p:spPr>
-        <p:style>
-          <a:lnRef idx="2">
-            <a:schemeClr val="accent6">
-              <a:shade val="50000"/>
-            </a:schemeClr>
-          </a:lnRef>
-          <a:fillRef idx="1001">
-            <a:schemeClr val="lt1"/>
-          </a:fillRef>
-          <a:effectRef idx="0">
-            <a:schemeClr val="accent6"/>
-          </a:effectRef>
-          <a:fontRef idx="minor">
-            <a:schemeClr val="lt1"/>
-          </a:fontRef>
-        </p:style>
-        <p:txBody>
-          <a:bodyPr rtlCol="0" anchor="ctr"/>
-          <a:lstStyle/>
-          <a:p>
-            <a:pPr algn="ctr" rtl="0"/>
-            <a:endParaRPr lang="it-IT" dirty="0"/>
-          </a:p>
-        </p:txBody>
-      </p:sp>
-      <p:sp>
-        <p:nvSpPr>
-          <p:cNvPr id="5" name="Titolo 4">
-            <a:extLst>
-              <a:ext uri="{FF2B5EF4-FFF2-40B4-BE49-F238E27FC236}">
-                <a16:creationId xmlns:a16="http://schemas.microsoft.com/office/drawing/2014/main" id="{B8B72B13-069B-4F8A-9437-FA58C3F1D44B}"/>
-              </a:ext>
-            </a:extLst>
-          </p:cNvPr>
-          <p:cNvSpPr>
-            <a:spLocks noGrp="1"/>
-          </p:cNvSpPr>
-          <p:nvPr>
-            <p:ph type="title"/>
-          </p:nvPr>
-        </p:nvSpPr>
-        <p:spPr>
-          <a:xfrm>
-            <a:off x="590927" y="535936"/>
-            <a:ext cx="3960582" cy="700340"/>
-          </a:xfrm>
-        </p:spPr>
-        <p:txBody>
-          <a:bodyPr vert="horz" lIns="91440" tIns="45720" rIns="91440" bIns="45720" rtlCol="0" anchor="b">
-            <a:noAutofit/>
-          </a:bodyPr>
-          <a:lstStyle/>
-          <a:p>
-            <a:pPr rtl="0"/>
-            <a:r>
-              <a:rPr lang="it-IT" sz="4400" dirty="0">
-                <a:solidFill>
-                  <a:schemeClr val="tx1">
-                    <a:lumMod val="75000"/>
-                    <a:lumOff val="25000"/>
-                  </a:schemeClr>
-                </a:solidFill>
-              </a:rPr>
-              <a:t>ID3v1 vs ID3v2</a:t>
-            </a:r>
-          </a:p>
-        </p:txBody>
-      </p:sp>
-      <p:cxnSp>
-        <p:nvCxnSpPr>
-          <p:cNvPr id="30" name="Connettore diritto 34">
-            <a:extLst>
-              <a:ext uri="{FF2B5EF4-FFF2-40B4-BE49-F238E27FC236}">
-                <a16:creationId xmlns:a16="http://schemas.microsoft.com/office/drawing/2014/main" id="{5A0A5CF6-407C-4691-8122-49DF69D0020D}"/>
-              </a:ext>
-              <a:ext uri="{C183D7F6-B498-43B3-948B-1728B52AA6E4}">
-                <adec:decorative xmlns:adec="http://schemas.microsoft.com/office/drawing/2017/decorative" val="1"/>
-              </a:ext>
-            </a:extLst>
-          </p:cNvPr>
-          <p:cNvCxnSpPr>
-            <a:cxnSpLocks noGrp="1" noRot="1" noChangeAspect="1" noMove="1" noResize="1" noEditPoints="1" noAdjustHandles="1" noChangeArrowheads="1" noChangeShapeType="1"/>
-          </p:cNvCxnSpPr>
-          <p:nvPr>
-            <p:extLst>
-              <p:ext uri="{386F3935-93C4-4BCD-93E2-E3B085C9AB24}">
-                <p16:designElem xmlns:p16="http://schemas.microsoft.com/office/powerpoint/2015/main" val="1"/>
-              </p:ext>
-            </p:extLst>
-          </p:nvPr>
-        </p:nvCxnSpPr>
-        <p:spPr>
-          <a:xfrm>
-            <a:off x="590927" y="2633962"/>
-            <a:ext cx="2834640" cy="0"/>
-          </a:xfrm>
-          <a:prstGeom prst="line">
+        </p:spPr>
+      </p:pic>
+      <p:sp>
+        <p:nvSpPr>
+          <p:cNvPr id="12" name="Connettore 11">
+            <a:extLst>
+              <a:ext uri="{FF2B5EF4-FFF2-40B4-BE49-F238E27FC236}">
+                <a16:creationId xmlns:a16="http://schemas.microsoft.com/office/drawing/2014/main" id="{92095D8C-8CCA-4CC6-B2D2-E1BC4732F321}"/>
+              </a:ext>
+            </a:extLst>
+          </p:cNvPr>
+          <p:cNvSpPr/>
+          <p:nvPr/>
+        </p:nvSpPr>
+        <p:spPr>
+          <a:xfrm>
+            <a:off x="11455401" y="6273800"/>
+            <a:ext cx="512910" cy="470291"/>
+          </a:xfrm>
+          <a:prstGeom prst="flowChartConnector">
             <a:avLst/>
           </a:prstGeom>
-          <a:ln w="12700">
-            <a:solidFill>
-              <a:schemeClr val="tx1">
-                <a:lumMod val="75000"/>
-                <a:lumOff val="25000"/>
-              </a:schemeClr>
-            </a:solidFill>
-          </a:ln>
-        </p:spPr>
-        <p:style>
-          <a:lnRef idx="1">
-            <a:schemeClr val="accent1"/>
-          </a:lnRef>
-          <a:fillRef idx="0">
-            <a:schemeClr val="accent1"/>
-          </a:fillRef>
-          <a:effectRef idx="0">
-            <a:schemeClr val="accent1"/>
-          </a:effectRef>
-          <a:fontRef idx="minor">
-            <a:schemeClr val="tx1"/>
-          </a:fontRef>
-        </p:style>
-      </p:cxnSp>
-      <p:sp>
-        <p:nvSpPr>
-          <p:cNvPr id="4" name="Rettangolo 3">
-            <a:extLst>
-              <a:ext uri="{FF2B5EF4-FFF2-40B4-BE49-F238E27FC236}">
-                <a16:creationId xmlns:a16="http://schemas.microsoft.com/office/drawing/2014/main" id="{D22E5227-66DC-4545-A93A-3BAE57987144}"/>
-              </a:ext>
-            </a:extLst>
-          </p:cNvPr>
-          <p:cNvSpPr/>
-          <p:nvPr/>
-        </p:nvSpPr>
-        <p:spPr>
-          <a:xfrm>
-            <a:off x="590927" y="2477070"/>
-            <a:ext cx="2955837" cy="457195"/>
-          </a:xfrm>
-          <a:prstGeom prst="rect">
-            <a:avLst/>
-          </a:prstGeom>
-          <a:solidFill>
-            <a:schemeClr val="bg1"/>
-          </a:solidFill>
-          <a:ln>
-            <a:solidFill>
-              <a:schemeClr val="bg1"/>
-            </a:solidFill>
-          </a:ln>
         </p:spPr>
         <p:style>
           <a:lnRef idx="2">
@@ -14854,184 +10090,10 @@
           <a:lstStyle/>
           <a:p>
             <a:pPr algn="ctr"/>
-            <a:endParaRPr lang="it-IT"/>
-          </a:p>
-        </p:txBody>
-      </p:sp>
-      <p:sp>
-        <p:nvSpPr>
-          <p:cNvPr id="6" name="Segnaposto contenuto 5">
-            <a:extLst>
-              <a:ext uri="{FF2B5EF4-FFF2-40B4-BE49-F238E27FC236}">
-                <a16:creationId xmlns:a16="http://schemas.microsoft.com/office/drawing/2014/main" id="{2281D70C-EE29-493E-838C-890184A02C07}"/>
-              </a:ext>
-            </a:extLst>
-          </p:cNvPr>
-          <p:cNvSpPr>
-            <a:spLocks noGrp="1"/>
-          </p:cNvSpPr>
-          <p:nvPr>
-            <p:ph idx="1"/>
-          </p:nvPr>
-        </p:nvSpPr>
-        <p:spPr>
-          <a:xfrm>
-            <a:off x="590926" y="1452870"/>
-            <a:ext cx="4542547" cy="4590875"/>
-          </a:xfrm>
-        </p:spPr>
-        <p:txBody>
-          <a:bodyPr vert="horz" lIns="0" tIns="45720" rIns="0" bIns="45720" rtlCol="0">
-            <a:normAutofit lnSpcReduction="10000"/>
-          </a:bodyPr>
-          <a:lstStyle/>
-          <a:p>
-            <a:pPr rtl="0"/>
-            <a:r>
-              <a:rPr lang="it-IT" dirty="0">
-                <a:latin typeface="+mj-lt"/>
-              </a:rPr>
-              <a:t>ID3v1 contiene informazioni di base come nome traccia, artista e album</a:t>
-            </a:r>
-          </a:p>
-          <a:p>
-            <a:pPr rtl="0"/>
-            <a:r>
-              <a:rPr lang="it-IT" dirty="0">
-                <a:latin typeface="+mj-lt"/>
-              </a:rPr>
-              <a:t>ID3v2 contiene informazioni aggiuntive di dimensioni variabili come l’immagine dell’album, tag estesi e anche </a:t>
-            </a:r>
-            <a:r>
-              <a:rPr lang="it-IT" dirty="0" err="1">
-                <a:latin typeface="+mj-lt"/>
-              </a:rPr>
-              <a:t>lyrics</a:t>
-            </a:r>
-            <a:endParaRPr lang="it-IT" dirty="0">
-              <a:latin typeface="+mj-lt"/>
-            </a:endParaRPr>
-          </a:p>
-          <a:p>
-            <a:pPr rtl="0"/>
-            <a:r>
-              <a:rPr lang="it-IT" dirty="0">
-                <a:latin typeface="+mj-lt"/>
-              </a:rPr>
-              <a:t>ID3v1 e ID3v2 possono coesistere nello stesso mp3 e sono </a:t>
-            </a:r>
-            <a:r>
-              <a:rPr lang="it-IT" dirty="0" err="1">
-                <a:latin typeface="+mj-lt"/>
-              </a:rPr>
-              <a:t>difatto</a:t>
-            </a:r>
-            <a:r>
-              <a:rPr lang="it-IT" dirty="0">
-                <a:latin typeface="+mj-lt"/>
-              </a:rPr>
-              <a:t> due componenti diversi del file (sono riconosciuti dall’</a:t>
-            </a:r>
-            <a:r>
-              <a:rPr lang="it-IT" dirty="0" err="1">
-                <a:latin typeface="+mj-lt"/>
-              </a:rPr>
-              <a:t>header</a:t>
-            </a:r>
-            <a:r>
-              <a:rPr lang="it-IT" dirty="0">
-                <a:latin typeface="+mj-lt"/>
-              </a:rPr>
-              <a:t> diverso)</a:t>
-            </a:r>
-          </a:p>
-        </p:txBody>
-      </p:sp>
-      <p:pic>
-        <p:nvPicPr>
-          <p:cNvPr id="10" name="Elemento grafico 9">
-            <a:extLst>
-              <a:ext uri="{FF2B5EF4-FFF2-40B4-BE49-F238E27FC236}">
-                <a16:creationId xmlns:a16="http://schemas.microsoft.com/office/drawing/2014/main" id="{54A47743-7725-4A33-93CA-EFB89C10D1EC}"/>
-              </a:ext>
-            </a:extLst>
-          </p:cNvPr>
-          <p:cNvPicPr>
-            <a:picLocks noChangeAspect="1"/>
-          </p:cNvPicPr>
-          <p:nvPr/>
-        </p:nvPicPr>
-        <p:blipFill>
-          <a:blip r:embed="rId3" cstate="print">
-            <a:extLst>
-              <a:ext uri="{28A0092B-C50C-407E-A947-70E740481C1C}">
-                <a14:useLocalDpi xmlns:a14="http://schemas.microsoft.com/office/drawing/2010/main" val="0"/>
-              </a:ext>
-              <a:ext uri="{96DAC541-7B7A-43D3-8B79-37D633B846F1}">
-                <asvg:svgBlip xmlns:asvg="http://schemas.microsoft.com/office/drawing/2016/SVG/main" r:embed="rId4"/>
-              </a:ext>
-            </a:extLst>
-          </a:blip>
-          <a:stretch>
-            <a:fillRect/>
-          </a:stretch>
-        </p:blipFill>
-        <p:spPr>
-          <a:xfrm>
-            <a:off x="207095" y="6043750"/>
-            <a:ext cx="1770209" cy="700341"/>
-          </a:xfrm>
-          <a:prstGeom prst="rect">
-            <a:avLst/>
-          </a:prstGeom>
-        </p:spPr>
-      </p:pic>
-      <p:sp>
-        <p:nvSpPr>
-          <p:cNvPr id="12" name="Connettore 11">
-            <a:extLst>
-              <a:ext uri="{FF2B5EF4-FFF2-40B4-BE49-F238E27FC236}">
-                <a16:creationId xmlns:a16="http://schemas.microsoft.com/office/drawing/2014/main" id="{92095D8C-8CCA-4CC6-B2D2-E1BC4732F321}"/>
-              </a:ext>
-            </a:extLst>
-          </p:cNvPr>
-          <p:cNvSpPr/>
-          <p:nvPr/>
-        </p:nvSpPr>
-        <p:spPr>
-          <a:xfrm>
-            <a:off x="11455401" y="6273800"/>
-            <a:ext cx="512910" cy="470291"/>
-          </a:xfrm>
-          <a:prstGeom prst="flowChartConnector">
-            <a:avLst/>
-          </a:prstGeom>
-        </p:spPr>
-        <p:style>
-          <a:lnRef idx="2">
-            <a:schemeClr val="accent1">
-              <a:shade val="50000"/>
-            </a:schemeClr>
-          </a:lnRef>
-          <a:fillRef idx="1">
-            <a:schemeClr val="accent1"/>
-          </a:fillRef>
-          <a:effectRef idx="0">
-            <a:schemeClr val="accent1"/>
-          </a:effectRef>
-          <a:fontRef idx="minor">
-            <a:schemeClr val="lt1"/>
-          </a:fontRef>
-        </p:style>
-        <p:txBody>
-          <a:bodyPr rtlCol="0" anchor="ctr"/>
-          <a:lstStyle/>
-          <a:p>
-            <a:pPr algn="ctr"/>
             <a:fld id="{3A98EE3D-8CD1-4C3F-BD1C-C98C9596463C}" type="slidenum">
               <a:rPr lang="it-IT" sz="1200" b="1"/>
               <a:pPr algn="ctr"/>
-              <a:t>4</a:t>
+              <a:t>3</a:t>
             </a:fld>
             <a:endParaRPr lang="it-IT" b="1" dirty="0"/>
           </a:p>
@@ -15466,7 +10528,7 @@
 </p:sld>
 </file>
 
-<file path=ppt/slides/slide5.xml><?xml version="1.0" encoding="utf-8"?>
+<file path=ppt/slides/slide4.xml><?xml version="1.0" encoding="utf-8"?>
 <p:sld xmlns:a="http://schemas.openxmlformats.org/drawingml/2006/main" xmlns:r="http://schemas.openxmlformats.org/officeDocument/2006/relationships" xmlns:p="http://schemas.openxmlformats.org/presentationml/2006/main">
   <p:cSld>
     <p:bg>
@@ -15699,7 +10761,7 @@
                   </a:schemeClr>
                 </a:solidFill>
               </a:rPr>
-              <a:t>Materiale utilizzato</a:t>
+              <a:t>Tool SimpleID3</a:t>
             </a:r>
           </a:p>
         </p:txBody>
@@ -15846,7 +10908,37 @@
               <a:rPr lang="it-IT" dirty="0">
                 <a:latin typeface="+mj-lt"/>
               </a:rPr>
-              <a:t>Ci siamo occupati dell’implementazione della versione v1, utilizzando come test il pacchetto fornito nella sezione «Developer Information» del sito. Il pacchetto comprende oltre gli svariati casi di riconoscimento/rifiuto dei componenti dei frame, la lista completa dei generi implementabile però tramite Java</a:t>
+              <a:t>Il tool SimpleID3 si occupa del riconoscimento di tag «simil-ID3v1» integrati all’interno dei file. </a:t>
+            </a:r>
+          </a:p>
+          <a:p>
+            <a:pPr rtl="0"/>
+            <a:r>
+              <a:rPr lang="it-IT" dirty="0">
+                <a:latin typeface="+mj-lt"/>
+              </a:rPr>
+              <a:t>Differiscono dallo standard ID3v1 per la presenza degli </a:t>
+            </a:r>
+            <a:r>
+              <a:rPr lang="it-IT" dirty="0" err="1">
+                <a:latin typeface="+mj-lt"/>
+              </a:rPr>
+              <a:t>header</a:t>
+            </a:r>
+            <a:r>
+              <a:rPr lang="it-IT" dirty="0">
+                <a:latin typeface="+mj-lt"/>
+              </a:rPr>
+              <a:t> per ogni cella di informazione che aiuta la ricerca degli errori all’interno della parte di informazione</a:t>
+            </a:r>
+          </a:p>
+          <a:p>
+            <a:pPr rtl="0"/>
+            <a:r>
+              <a:rPr lang="it-IT" dirty="0">
+                <a:latin typeface="+mj-lt"/>
+              </a:rPr>
+              <a:t>È molto utile per visualizzare a schermo le informazioni contenute all’interno dei nostri file musicali</a:t>
             </a:r>
           </a:p>
           <a:p>
@@ -15987,7 +11079,7 @@
             <a:fld id="{3A98EE3D-8CD1-4C3F-BD1C-C98C9596463C}" type="slidenum">
               <a:rPr lang="it-IT" sz="1200" b="1"/>
               <a:pPr algn="ctr"/>
-              <a:t>5</a:t>
+              <a:t>4</a:t>
             </a:fld>
             <a:endParaRPr lang="it-IT" b="1" dirty="0"/>
           </a:p>
@@ -15997,2299 +11089,6 @@
     <p:extLst>
       <p:ext uri="{BB962C8B-B14F-4D97-AF65-F5344CB8AC3E}">
         <p14:creationId xmlns:p14="http://schemas.microsoft.com/office/powerpoint/2010/main" val="2101953272"/>
-      </p:ext>
-    </p:extLst>
-  </p:cSld>
-  <p:clrMapOvr>
-    <a:masterClrMapping/>
-  </p:clrMapOvr>
-</p:sld>
-</file>
-
-<file path=ppt/slides/slide6.xml><?xml version="1.0" encoding="utf-8"?>
-<p:sld xmlns:a="http://schemas.openxmlformats.org/drawingml/2006/main" xmlns:r="http://schemas.openxmlformats.org/officeDocument/2006/relationships" xmlns:p="http://schemas.openxmlformats.org/presentationml/2006/main">
-  <p:cSld>
-    <p:bg>
-      <p:bgPr>
-        <a:solidFill>
-          <a:schemeClr val="bg1"/>
-        </a:solidFill>
-        <a:effectLst/>
-      </p:bgPr>
-    </p:bg>
-    <p:spTree>
-      <p:nvGrpSpPr>
-        <p:cNvPr id="1" name=""/>
-        <p:cNvGrpSpPr/>
-        <p:nvPr/>
-      </p:nvGrpSpPr>
-      <p:grpSpPr>
-        <a:xfrm>
-          <a:off x="0" y="0"/>
-          <a:ext cx="0" cy="0"/>
-          <a:chOff x="0" y="0"/>
-          <a:chExt cx="0" cy="0"/>
-        </a:xfrm>
-      </p:grpSpPr>
-      <p:sp>
-        <p:nvSpPr>
-          <p:cNvPr id="6" name="Titolo 5">
-            <a:extLst>
-              <a:ext uri="{FF2B5EF4-FFF2-40B4-BE49-F238E27FC236}">
-                <a16:creationId xmlns:a16="http://schemas.microsoft.com/office/drawing/2014/main" id="{CE09A200-4838-4284-BD1E-19701CABB5FE}"/>
-              </a:ext>
-            </a:extLst>
-          </p:cNvPr>
-          <p:cNvSpPr>
-            <a:spLocks noGrp="1"/>
-          </p:cNvSpPr>
-          <p:nvPr>
-            <p:ph type="title"/>
-          </p:nvPr>
-        </p:nvSpPr>
-        <p:spPr>
-          <a:xfrm>
-            <a:off x="1097280" y="286603"/>
-            <a:ext cx="10058400" cy="1450757"/>
-          </a:xfrm>
-        </p:spPr>
-        <p:txBody>
-          <a:bodyPr rtlCol="0">
-            <a:normAutofit/>
-          </a:bodyPr>
-          <a:lstStyle/>
-          <a:p>
-            <a:pPr rtl="0"/>
-            <a:r>
-              <a:rPr lang="it-IT" dirty="0"/>
-              <a:t>Grammatica con </a:t>
-            </a:r>
-            <a:r>
-              <a:rPr lang="it-IT" dirty="0" err="1"/>
-              <a:t>Header</a:t>
-            </a:r>
-            <a:endParaRPr lang="it-IT" dirty="0"/>
-          </a:p>
-        </p:txBody>
-      </p:sp>
-      <p:pic>
-        <p:nvPicPr>
-          <p:cNvPr id="4" name="Elemento grafico 3">
-            <a:extLst>
-              <a:ext uri="{FF2B5EF4-FFF2-40B4-BE49-F238E27FC236}">
-                <a16:creationId xmlns:a16="http://schemas.microsoft.com/office/drawing/2014/main" id="{ED0A95A1-BC85-4809-B935-6A9B3C054422}"/>
-              </a:ext>
-            </a:extLst>
-          </p:cNvPr>
-          <p:cNvPicPr>
-            <a:picLocks noChangeAspect="1"/>
-          </p:cNvPicPr>
-          <p:nvPr/>
-        </p:nvPicPr>
-        <p:blipFill>
-          <a:blip r:embed="rId3" cstate="print">
-            <a:extLst>
-              <a:ext uri="{28A0092B-C50C-407E-A947-70E740481C1C}">
-                <a14:useLocalDpi xmlns:a14="http://schemas.microsoft.com/office/drawing/2010/main" val="0"/>
-              </a:ext>
-              <a:ext uri="{96DAC541-7B7A-43D3-8B79-37D633B846F1}">
-                <asvg:svgBlip xmlns:asvg="http://schemas.microsoft.com/office/drawing/2016/SVG/main" r:embed="rId4"/>
-              </a:ext>
-            </a:extLst>
-          </a:blip>
-          <a:stretch>
-            <a:fillRect/>
-          </a:stretch>
-        </p:blipFill>
-        <p:spPr>
-          <a:xfrm>
-            <a:off x="207095" y="6043750"/>
-            <a:ext cx="1770209" cy="700341"/>
-          </a:xfrm>
-          <a:prstGeom prst="rect">
-            <a:avLst/>
-          </a:prstGeom>
-        </p:spPr>
-      </p:pic>
-      <p:sp>
-        <p:nvSpPr>
-          <p:cNvPr id="10" name="Connettore 9">
-            <a:extLst>
-              <a:ext uri="{FF2B5EF4-FFF2-40B4-BE49-F238E27FC236}">
-                <a16:creationId xmlns:a16="http://schemas.microsoft.com/office/drawing/2014/main" id="{7DA3C5E2-1B7C-406E-9A80-B7F344044586}"/>
-              </a:ext>
-            </a:extLst>
-          </p:cNvPr>
-          <p:cNvSpPr/>
-          <p:nvPr/>
-        </p:nvSpPr>
-        <p:spPr>
-          <a:xfrm>
-            <a:off x="11455401" y="6273800"/>
-            <a:ext cx="512910" cy="470291"/>
-          </a:xfrm>
-          <a:prstGeom prst="flowChartConnector">
-            <a:avLst/>
-          </a:prstGeom>
-        </p:spPr>
-        <p:style>
-          <a:lnRef idx="2">
-            <a:schemeClr val="accent1">
-              <a:shade val="50000"/>
-            </a:schemeClr>
-          </a:lnRef>
-          <a:fillRef idx="1">
-            <a:schemeClr val="accent1"/>
-          </a:fillRef>
-          <a:effectRef idx="0">
-            <a:schemeClr val="accent1"/>
-          </a:effectRef>
-          <a:fontRef idx="minor">
-            <a:schemeClr val="lt1"/>
-          </a:fontRef>
-        </p:style>
-        <p:txBody>
-          <a:bodyPr rtlCol="0" anchor="ctr"/>
-          <a:lstStyle/>
-          <a:p>
-            <a:pPr algn="ctr"/>
-            <a:fld id="{3A98EE3D-8CD1-4C3F-BD1C-C98C9596463C}" type="slidenum">
-              <a:rPr lang="it-IT" sz="1200" b="1"/>
-              <a:pPr algn="ctr"/>
-              <a:t>6</a:t>
-            </a:fld>
-            <a:endParaRPr lang="it-IT" b="1" dirty="0"/>
-          </a:p>
-        </p:txBody>
-      </p:sp>
-      <p:sp>
-        <p:nvSpPr>
-          <p:cNvPr id="3" name="Segnaposto contenuto 2">
-            <a:extLst>
-              <a:ext uri="{FF2B5EF4-FFF2-40B4-BE49-F238E27FC236}">
-                <a16:creationId xmlns:a16="http://schemas.microsoft.com/office/drawing/2014/main" id="{CDBDD0AC-B78E-4283-B5F3-A381229EABF5}"/>
-              </a:ext>
-            </a:extLst>
-          </p:cNvPr>
-          <p:cNvSpPr>
-            <a:spLocks noGrp="1"/>
-          </p:cNvSpPr>
-          <p:nvPr>
-            <p:ph idx="1"/>
-          </p:nvPr>
-        </p:nvSpPr>
-        <p:spPr/>
-        <p:txBody>
-          <a:bodyPr/>
-          <a:lstStyle/>
-          <a:p>
-            <a:r>
-              <a:rPr lang="it-IT" dirty="0"/>
-              <a:t>Struttura dei dati -&gt; 					dove HEAD è sempre uguale a «TAG». Abbiamo errore di </a:t>
-            </a:r>
-            <a:r>
-              <a:rPr lang="it-IT" dirty="0" err="1"/>
-              <a:t>parsing</a:t>
-            </a:r>
-            <a:r>
-              <a:rPr lang="it-IT" dirty="0"/>
-              <a:t> per tutte le altre stringhe </a:t>
-            </a:r>
-          </a:p>
-          <a:p>
-            <a:r>
-              <a:rPr lang="it-IT" dirty="0"/>
-              <a:t>Struttura del corpo informazioni -&gt; (evidenziamo la sequenzialità degli slot)</a:t>
-            </a:r>
-          </a:p>
-          <a:p>
-            <a:endParaRPr lang="it-IT" dirty="0"/>
-          </a:p>
-          <a:p>
-            <a:r>
-              <a:rPr lang="it-IT" dirty="0"/>
-              <a:t>Struttura del titolo -&gt; (CHAR è ripetuto 30 volte)</a:t>
-            </a:r>
-          </a:p>
-          <a:p>
-            <a:endParaRPr lang="it-IT" dirty="0"/>
-          </a:p>
-          <a:p>
-            <a:pPr marL="0" indent="0">
-              <a:buNone/>
-            </a:pPr>
-            <a:endParaRPr lang="it-IT" dirty="0"/>
-          </a:p>
-        </p:txBody>
-      </p:sp>
-      <p:pic>
-        <p:nvPicPr>
-          <p:cNvPr id="5" name="Immagine 4">
-            <a:extLst>
-              <a:ext uri="{FF2B5EF4-FFF2-40B4-BE49-F238E27FC236}">
-                <a16:creationId xmlns:a16="http://schemas.microsoft.com/office/drawing/2014/main" id="{3202F3E8-1682-4CDD-AA2B-75858BC134F3}"/>
-              </a:ext>
-            </a:extLst>
-          </p:cNvPr>
-          <p:cNvPicPr>
-            <a:picLocks noChangeAspect="1"/>
-          </p:cNvPicPr>
-          <p:nvPr/>
-        </p:nvPicPr>
-        <p:blipFill rotWithShape="1">
-          <a:blip r:embed="rId5"/>
-          <a:srcRect b="23738"/>
-          <a:stretch/>
-        </p:blipFill>
-        <p:spPr>
-          <a:xfrm>
-            <a:off x="3822266" y="2071255"/>
-            <a:ext cx="3457575" cy="348672"/>
-          </a:xfrm>
-          <a:prstGeom prst="rect">
-            <a:avLst/>
-          </a:prstGeom>
-          <a:ln>
-            <a:solidFill>
-              <a:schemeClr val="tx1"/>
-            </a:solidFill>
-          </a:ln>
-        </p:spPr>
-      </p:pic>
-      <p:pic>
-        <p:nvPicPr>
-          <p:cNvPr id="8" name="Immagine 7">
-            <a:extLst>
-              <a:ext uri="{FF2B5EF4-FFF2-40B4-BE49-F238E27FC236}">
-                <a16:creationId xmlns:a16="http://schemas.microsoft.com/office/drawing/2014/main" id="{02B502EB-2950-406E-A5E6-39F7647728DD}"/>
-              </a:ext>
-            </a:extLst>
-          </p:cNvPr>
-          <p:cNvPicPr>
-            <a:picLocks noChangeAspect="1"/>
-          </p:cNvPicPr>
-          <p:nvPr/>
-        </p:nvPicPr>
-        <p:blipFill>
-          <a:blip r:embed="rId6"/>
-          <a:stretch>
-            <a:fillRect/>
-          </a:stretch>
-        </p:blipFill>
-        <p:spPr>
-          <a:xfrm>
-            <a:off x="1464828" y="3288968"/>
-            <a:ext cx="8172450" cy="552450"/>
-          </a:xfrm>
-          <a:prstGeom prst="rect">
-            <a:avLst/>
-          </a:prstGeom>
-          <a:ln>
-            <a:solidFill>
-              <a:schemeClr val="tx1"/>
-            </a:solidFill>
-          </a:ln>
-        </p:spPr>
-      </p:pic>
-      <p:pic>
-        <p:nvPicPr>
-          <p:cNvPr id="11" name="Immagine 10">
-            <a:extLst>
-              <a:ext uri="{FF2B5EF4-FFF2-40B4-BE49-F238E27FC236}">
-                <a16:creationId xmlns:a16="http://schemas.microsoft.com/office/drawing/2014/main" id="{C22F72BB-00AC-423B-A6D3-D02837A527B8}"/>
-              </a:ext>
-            </a:extLst>
-          </p:cNvPr>
-          <p:cNvPicPr>
-            <a:picLocks noChangeAspect="1"/>
-          </p:cNvPicPr>
-          <p:nvPr/>
-        </p:nvPicPr>
-        <p:blipFill>
-          <a:blip r:embed="rId7"/>
-          <a:stretch>
-            <a:fillRect/>
-          </a:stretch>
-        </p:blipFill>
-        <p:spPr>
-          <a:xfrm>
-            <a:off x="917052" y="4303063"/>
-            <a:ext cx="10296525" cy="457200"/>
-          </a:xfrm>
-          <a:prstGeom prst="rect">
-            <a:avLst/>
-          </a:prstGeom>
-          <a:ln>
-            <a:solidFill>
-              <a:schemeClr val="tx1"/>
-            </a:solidFill>
-          </a:ln>
-        </p:spPr>
-      </p:pic>
-    </p:spTree>
-    <p:extLst>
-      <p:ext uri="{BB962C8B-B14F-4D97-AF65-F5344CB8AC3E}">
-        <p14:creationId xmlns:p14="http://schemas.microsoft.com/office/powerpoint/2010/main" val="3874120676"/>
-      </p:ext>
-    </p:extLst>
-  </p:cSld>
-  <p:clrMapOvr>
-    <a:masterClrMapping/>
-  </p:clrMapOvr>
-</p:sld>
-</file>
-
-<file path=ppt/slides/slide7.xml><?xml version="1.0" encoding="utf-8"?>
-<p:sld xmlns:a="http://schemas.openxmlformats.org/drawingml/2006/main" xmlns:r="http://schemas.openxmlformats.org/officeDocument/2006/relationships" xmlns:p="http://schemas.openxmlformats.org/presentationml/2006/main">
-  <p:cSld>
-    <p:bg>
-      <p:bgPr>
-        <a:solidFill>
-          <a:schemeClr val="bg1"/>
-        </a:solidFill>
-        <a:effectLst/>
-      </p:bgPr>
-    </p:bg>
-    <p:spTree>
-      <p:nvGrpSpPr>
-        <p:cNvPr id="1" name=""/>
-        <p:cNvGrpSpPr/>
-        <p:nvPr/>
-      </p:nvGrpSpPr>
-      <p:grpSpPr>
-        <a:xfrm>
-          <a:off x="0" y="0"/>
-          <a:ext cx="0" cy="0"/>
-          <a:chOff x="0" y="0"/>
-          <a:chExt cx="0" cy="0"/>
-        </a:xfrm>
-      </p:grpSpPr>
-      <p:sp>
-        <p:nvSpPr>
-          <p:cNvPr id="26" name="Rettangolo 28">
-            <a:extLst>
-              <a:ext uri="{FF2B5EF4-FFF2-40B4-BE49-F238E27FC236}">
-                <a16:creationId xmlns:a16="http://schemas.microsoft.com/office/drawing/2014/main" id="{416A0E3C-60E6-4F39-BC55-5F7C224E1F7C}"/>
-              </a:ext>
-              <a:ext uri="{C183D7F6-B498-43B3-948B-1728B52AA6E4}">
-                <adec:decorative xmlns:adec="http://schemas.microsoft.com/office/drawing/2017/decorative" val="1"/>
-              </a:ext>
-            </a:extLst>
-          </p:cNvPr>
-          <p:cNvSpPr>
-            <a:spLocks noGrp="1" noRot="1" noChangeAspect="1" noMove="1" noResize="1" noEditPoints="1" noAdjustHandles="1" noChangeArrowheads="1" noChangeShapeType="1" noTextEdit="1"/>
-          </p:cNvSpPr>
-          <p:nvPr>
-            <p:extLst>
-              <p:ext uri="{386F3935-93C4-4BCD-93E2-E3B085C9AB24}">
-                <p16:designElem xmlns:p16="http://schemas.microsoft.com/office/powerpoint/2015/main" val="1"/>
-              </p:ext>
-            </p:extLst>
-          </p:nvPr>
-        </p:nvSpPr>
-        <p:spPr>
-          <a:xfrm>
-            <a:off x="3175" y="6400800"/>
-            <a:ext cx="12188825" cy="457200"/>
-          </a:xfrm>
-          <a:prstGeom prst="rect">
-            <a:avLst/>
-          </a:prstGeom>
-          <a:solidFill>
-            <a:srgbClr val="262626"/>
-          </a:solidFill>
-          <a:ln>
-            <a:noFill/>
-          </a:ln>
-        </p:spPr>
-        <p:style>
-          <a:lnRef idx="2">
-            <a:schemeClr val="accent1">
-              <a:shade val="50000"/>
-            </a:schemeClr>
-          </a:lnRef>
-          <a:fillRef idx="1">
-            <a:schemeClr val="accent1"/>
-          </a:fillRef>
-          <a:effectRef idx="0">
-            <a:schemeClr val="accent1"/>
-          </a:effectRef>
-          <a:fontRef idx="minor">
-            <a:schemeClr val="lt1"/>
-          </a:fontRef>
-        </p:style>
-      </p:sp>
-      <p:cxnSp>
-        <p:nvCxnSpPr>
-          <p:cNvPr id="27" name="Connettore diritto 30">
-            <a:extLst>
-              <a:ext uri="{FF2B5EF4-FFF2-40B4-BE49-F238E27FC236}">
-                <a16:creationId xmlns:a16="http://schemas.microsoft.com/office/drawing/2014/main" id="{C5025DAC-8B93-4160-B017-3A274A5828C0}"/>
-              </a:ext>
-              <a:ext uri="{C183D7F6-B498-43B3-948B-1728B52AA6E4}">
-                <adec:decorative xmlns:adec="http://schemas.microsoft.com/office/drawing/2017/decorative" val="1"/>
-              </a:ext>
-            </a:extLst>
-          </p:cNvPr>
-          <p:cNvCxnSpPr>
-            <a:cxnSpLocks noGrp="1" noRot="1" noChangeAspect="1" noMove="1" noResize="1" noEditPoints="1" noAdjustHandles="1" noChangeArrowheads="1" noChangeShapeType="1"/>
-          </p:cNvCxnSpPr>
-          <p:nvPr>
-            <p:extLst>
-              <p:ext uri="{386F3935-93C4-4BCD-93E2-E3B085C9AB24}">
-                <p16:designElem xmlns:p16="http://schemas.microsoft.com/office/powerpoint/2015/main" val="1"/>
-              </p:ext>
-            </p:extLst>
-          </p:nvPr>
-        </p:nvCxnSpPr>
-        <p:spPr>
-          <a:xfrm>
-            <a:off x="1193532" y="1897380"/>
-            <a:ext cx="9966960" cy="0"/>
-          </a:xfrm>
-          <a:prstGeom prst="line">
-            <a:avLst/>
-          </a:prstGeom>
-          <a:ln w="12700">
-            <a:solidFill>
-              <a:schemeClr val="tx1">
-                <a:lumMod val="75000"/>
-                <a:lumOff val="25000"/>
-              </a:schemeClr>
-            </a:solidFill>
-          </a:ln>
-        </p:spPr>
-        <p:style>
-          <a:lnRef idx="1">
-            <a:schemeClr val="accent1"/>
-          </a:lnRef>
-          <a:fillRef idx="0">
-            <a:schemeClr val="accent1"/>
-          </a:fillRef>
-          <a:effectRef idx="0">
-            <a:schemeClr val="accent1"/>
-          </a:effectRef>
-          <a:fontRef idx="minor">
-            <a:schemeClr val="tx1"/>
-          </a:fontRef>
-        </p:style>
-      </p:cxnSp>
-      <p:sp useBgFill="1">
-        <p:nvSpPr>
-          <p:cNvPr id="28" name="Rettangolo 32">
-            <a:extLst>
-              <a:ext uri="{FF2B5EF4-FFF2-40B4-BE49-F238E27FC236}">
-                <a16:creationId xmlns:a16="http://schemas.microsoft.com/office/drawing/2014/main" id="{990D0034-F768-41E7-85D4-F38C4DE85770}"/>
-              </a:ext>
-              <a:ext uri="{C183D7F6-B498-43B3-948B-1728B52AA6E4}">
-                <adec:decorative xmlns:adec="http://schemas.microsoft.com/office/drawing/2017/decorative" val="1"/>
-              </a:ext>
-            </a:extLst>
-          </p:cNvPr>
-          <p:cNvSpPr>
-            <a:spLocks noGrp="1" noRot="1" noChangeAspect="1" noMove="1" noResize="1" noEditPoints="1" noAdjustHandles="1" noChangeArrowheads="1" noChangeShapeType="1" noTextEdit="1"/>
-          </p:cNvSpPr>
-          <p:nvPr>
-            <p:extLst>
-              <p:ext uri="{386F3935-93C4-4BCD-93E2-E3B085C9AB24}">
-                <p16:designElem xmlns:p16="http://schemas.microsoft.com/office/powerpoint/2015/main" val="1"/>
-              </p:ext>
-            </p:extLst>
-          </p:nvPr>
-        </p:nvSpPr>
-        <p:spPr>
-          <a:xfrm>
-            <a:off x="0" y="0"/>
-            <a:ext cx="12186315" cy="6858000"/>
-          </a:xfrm>
-          <a:prstGeom prst="rect">
-            <a:avLst/>
-          </a:prstGeom>
-          <a:ln>
-            <a:noFill/>
-          </a:ln>
-        </p:spPr>
-        <p:style>
-          <a:lnRef idx="2">
-            <a:schemeClr val="accent6">
-              <a:shade val="50000"/>
-            </a:schemeClr>
-          </a:lnRef>
-          <a:fillRef idx="1001">
-            <a:schemeClr val="lt1"/>
-          </a:fillRef>
-          <a:effectRef idx="0">
-            <a:schemeClr val="accent6"/>
-          </a:effectRef>
-          <a:fontRef idx="minor">
-            <a:schemeClr val="lt1"/>
-          </a:fontRef>
-        </p:style>
-        <p:txBody>
-          <a:bodyPr rtlCol="0" anchor="ctr"/>
-          <a:lstStyle/>
-          <a:p>
-            <a:pPr algn="ctr" rtl="0"/>
-            <a:endParaRPr lang="it-IT" dirty="0"/>
-          </a:p>
-        </p:txBody>
-      </p:sp>
-      <p:sp>
-        <p:nvSpPr>
-          <p:cNvPr id="5" name="Titolo 4">
-            <a:extLst>
-              <a:ext uri="{FF2B5EF4-FFF2-40B4-BE49-F238E27FC236}">
-                <a16:creationId xmlns:a16="http://schemas.microsoft.com/office/drawing/2014/main" id="{B8B72B13-069B-4F8A-9437-FA58C3F1D44B}"/>
-              </a:ext>
-            </a:extLst>
-          </p:cNvPr>
-          <p:cNvSpPr>
-            <a:spLocks noGrp="1"/>
-          </p:cNvSpPr>
-          <p:nvPr>
-            <p:ph type="title"/>
-          </p:nvPr>
-        </p:nvSpPr>
-        <p:spPr>
-          <a:xfrm>
-            <a:off x="590927" y="535936"/>
-            <a:ext cx="10864474" cy="700340"/>
-          </a:xfrm>
-        </p:spPr>
-        <p:txBody>
-          <a:bodyPr vert="horz" lIns="91440" tIns="45720" rIns="91440" bIns="45720" rtlCol="0" anchor="b">
-            <a:noAutofit/>
-          </a:bodyPr>
-          <a:lstStyle/>
-          <a:p>
-            <a:pPr rtl="0"/>
-            <a:r>
-              <a:rPr lang="it-IT" sz="4400" dirty="0">
-                <a:solidFill>
-                  <a:schemeClr val="tx1">
-                    <a:lumMod val="75000"/>
-                    <a:lumOff val="25000"/>
-                  </a:schemeClr>
-                </a:solidFill>
-              </a:rPr>
-              <a:t>Grammatica con </a:t>
-            </a:r>
-            <a:r>
-              <a:rPr lang="it-IT" sz="4400" dirty="0" err="1">
-                <a:solidFill>
-                  <a:schemeClr val="tx1">
-                    <a:lumMod val="75000"/>
-                    <a:lumOff val="25000"/>
-                  </a:schemeClr>
-                </a:solidFill>
-              </a:rPr>
-              <a:t>Header</a:t>
-            </a:r>
-            <a:endParaRPr lang="it-IT" sz="4400" dirty="0">
-              <a:solidFill>
-                <a:schemeClr val="tx1">
-                  <a:lumMod val="75000"/>
-                  <a:lumOff val="25000"/>
-                </a:schemeClr>
-              </a:solidFill>
-            </a:endParaRPr>
-          </a:p>
-        </p:txBody>
-      </p:sp>
-      <p:cxnSp>
-        <p:nvCxnSpPr>
-          <p:cNvPr id="30" name="Connettore diritto 34">
-            <a:extLst>
-              <a:ext uri="{FF2B5EF4-FFF2-40B4-BE49-F238E27FC236}">
-                <a16:creationId xmlns:a16="http://schemas.microsoft.com/office/drawing/2014/main" id="{5A0A5CF6-407C-4691-8122-49DF69D0020D}"/>
-              </a:ext>
-              <a:ext uri="{C183D7F6-B498-43B3-948B-1728B52AA6E4}">
-                <adec:decorative xmlns:adec="http://schemas.microsoft.com/office/drawing/2017/decorative" val="1"/>
-              </a:ext>
-            </a:extLst>
-          </p:cNvPr>
-          <p:cNvCxnSpPr>
-            <a:cxnSpLocks noGrp="1" noRot="1" noChangeAspect="1" noMove="1" noResize="1" noEditPoints="1" noAdjustHandles="1" noChangeArrowheads="1" noChangeShapeType="1"/>
-          </p:cNvCxnSpPr>
-          <p:nvPr>
-            <p:extLst>
-              <p:ext uri="{386F3935-93C4-4BCD-93E2-E3B085C9AB24}">
-                <p16:designElem xmlns:p16="http://schemas.microsoft.com/office/powerpoint/2015/main" val="1"/>
-              </p:ext>
-            </p:extLst>
-          </p:nvPr>
-        </p:nvCxnSpPr>
-        <p:spPr>
-          <a:xfrm>
-            <a:off x="590927" y="2633962"/>
-            <a:ext cx="2834640" cy="0"/>
-          </a:xfrm>
-          <a:prstGeom prst="line">
-            <a:avLst/>
-          </a:prstGeom>
-          <a:ln w="12700">
-            <a:solidFill>
-              <a:schemeClr val="tx1">
-                <a:lumMod val="75000"/>
-                <a:lumOff val="25000"/>
-              </a:schemeClr>
-            </a:solidFill>
-          </a:ln>
-        </p:spPr>
-        <p:style>
-          <a:lnRef idx="1">
-            <a:schemeClr val="accent1"/>
-          </a:lnRef>
-          <a:fillRef idx="0">
-            <a:schemeClr val="accent1"/>
-          </a:fillRef>
-          <a:effectRef idx="0">
-            <a:schemeClr val="accent1"/>
-          </a:effectRef>
-          <a:fontRef idx="minor">
-            <a:schemeClr val="tx1"/>
-          </a:fontRef>
-        </p:style>
-      </p:cxnSp>
-      <p:sp>
-        <p:nvSpPr>
-          <p:cNvPr id="4" name="Rettangolo 3">
-            <a:extLst>
-              <a:ext uri="{FF2B5EF4-FFF2-40B4-BE49-F238E27FC236}">
-                <a16:creationId xmlns:a16="http://schemas.microsoft.com/office/drawing/2014/main" id="{D22E5227-66DC-4545-A93A-3BAE57987144}"/>
-              </a:ext>
-            </a:extLst>
-          </p:cNvPr>
-          <p:cNvSpPr/>
-          <p:nvPr/>
-        </p:nvSpPr>
-        <p:spPr>
-          <a:xfrm>
-            <a:off x="590927" y="2477070"/>
-            <a:ext cx="2955837" cy="457195"/>
-          </a:xfrm>
-          <a:prstGeom prst="rect">
-            <a:avLst/>
-          </a:prstGeom>
-          <a:solidFill>
-            <a:schemeClr val="bg1"/>
-          </a:solidFill>
-          <a:ln>
-            <a:solidFill>
-              <a:schemeClr val="bg1"/>
-            </a:solidFill>
-          </a:ln>
-        </p:spPr>
-        <p:style>
-          <a:lnRef idx="2">
-            <a:schemeClr val="accent1">
-              <a:shade val="50000"/>
-            </a:schemeClr>
-          </a:lnRef>
-          <a:fillRef idx="1">
-            <a:schemeClr val="accent1"/>
-          </a:fillRef>
-          <a:effectRef idx="0">
-            <a:schemeClr val="accent1"/>
-          </a:effectRef>
-          <a:fontRef idx="minor">
-            <a:schemeClr val="lt1"/>
-          </a:fontRef>
-        </p:style>
-        <p:txBody>
-          <a:bodyPr rtlCol="0" anchor="ctr"/>
-          <a:lstStyle/>
-          <a:p>
-            <a:pPr algn="ctr"/>
-            <a:endParaRPr lang="it-IT"/>
-          </a:p>
-        </p:txBody>
-      </p:sp>
-      <p:sp>
-        <p:nvSpPr>
-          <p:cNvPr id="6" name="Segnaposto contenuto 5">
-            <a:extLst>
-              <a:ext uri="{FF2B5EF4-FFF2-40B4-BE49-F238E27FC236}">
-                <a16:creationId xmlns:a16="http://schemas.microsoft.com/office/drawing/2014/main" id="{2281D70C-EE29-493E-838C-890184A02C07}"/>
-              </a:ext>
-            </a:extLst>
-          </p:cNvPr>
-          <p:cNvSpPr>
-            <a:spLocks noGrp="1"/>
-          </p:cNvSpPr>
-          <p:nvPr>
-            <p:ph idx="1"/>
-          </p:nvPr>
-        </p:nvSpPr>
-        <p:spPr>
-          <a:xfrm>
-            <a:off x="590926" y="1452871"/>
-            <a:ext cx="10864474" cy="3054474"/>
-          </a:xfrm>
-        </p:spPr>
-        <p:txBody>
-          <a:bodyPr vert="horz" lIns="0" tIns="45720" rIns="0" bIns="45720" rtlCol="0">
-            <a:normAutofit/>
-          </a:bodyPr>
-          <a:lstStyle/>
-          <a:p>
-            <a:pPr rtl="0"/>
-            <a:r>
-              <a:rPr lang="it-IT" dirty="0">
-                <a:latin typeface="+mj-lt"/>
-              </a:rPr>
-              <a:t>Esempio di testa per gli slot (prendiamo in esame TITLE_HEAD) -&gt; </a:t>
-            </a:r>
-          </a:p>
-          <a:p>
-            <a:pPr rtl="0"/>
-            <a:endParaRPr lang="it-IT" dirty="0">
-              <a:latin typeface="+mj-lt"/>
-            </a:endParaRPr>
-          </a:p>
-          <a:p>
-            <a:pPr rtl="0"/>
-            <a:r>
-              <a:rPr lang="it-IT" dirty="0">
-                <a:latin typeface="+mj-lt"/>
-              </a:rPr>
-              <a:t>Ovvero tutti gli </a:t>
-            </a:r>
-            <a:r>
-              <a:rPr lang="it-IT" dirty="0" err="1">
-                <a:latin typeface="+mj-lt"/>
-              </a:rPr>
-              <a:t>header</a:t>
-            </a:r>
-            <a:r>
-              <a:rPr lang="it-IT" dirty="0">
-                <a:latin typeface="+mj-lt"/>
-              </a:rPr>
-              <a:t> sono anticipati dal carattere #. Questo preclude il suo utilizzo all’interno degli slot dati (infatti è stato escluso dalla definizione di CHAR) per evitare problemi di riconoscimento dei componenti del TAG</a:t>
-            </a:r>
-          </a:p>
-          <a:p>
-            <a:pPr rtl="0"/>
-            <a:r>
-              <a:rPr lang="it-IT" dirty="0">
-                <a:latin typeface="+mj-lt"/>
-              </a:rPr>
-              <a:t>Altri </a:t>
-            </a:r>
-            <a:r>
-              <a:rPr lang="it-IT" dirty="0" err="1">
-                <a:latin typeface="+mj-lt"/>
-              </a:rPr>
-              <a:t>header</a:t>
-            </a:r>
-            <a:r>
-              <a:rPr lang="it-IT" dirty="0">
-                <a:latin typeface="+mj-lt"/>
-              </a:rPr>
-              <a:t> utilizzati:</a:t>
-            </a:r>
-          </a:p>
-        </p:txBody>
-      </p:sp>
-      <p:pic>
-        <p:nvPicPr>
-          <p:cNvPr id="10" name="Elemento grafico 9">
-            <a:extLst>
-              <a:ext uri="{FF2B5EF4-FFF2-40B4-BE49-F238E27FC236}">
-                <a16:creationId xmlns:a16="http://schemas.microsoft.com/office/drawing/2014/main" id="{54A47743-7725-4A33-93CA-EFB89C10D1EC}"/>
-              </a:ext>
-            </a:extLst>
-          </p:cNvPr>
-          <p:cNvPicPr>
-            <a:picLocks noChangeAspect="1"/>
-          </p:cNvPicPr>
-          <p:nvPr/>
-        </p:nvPicPr>
-        <p:blipFill>
-          <a:blip r:embed="rId3" cstate="print">
-            <a:extLst>
-              <a:ext uri="{28A0092B-C50C-407E-A947-70E740481C1C}">
-                <a14:useLocalDpi xmlns:a14="http://schemas.microsoft.com/office/drawing/2010/main" val="0"/>
-              </a:ext>
-              <a:ext uri="{96DAC541-7B7A-43D3-8B79-37D633B846F1}">
-                <asvg:svgBlip xmlns:asvg="http://schemas.microsoft.com/office/drawing/2016/SVG/main" r:embed="rId4"/>
-              </a:ext>
-            </a:extLst>
-          </a:blip>
-          <a:stretch>
-            <a:fillRect/>
-          </a:stretch>
-        </p:blipFill>
-        <p:spPr>
-          <a:xfrm>
-            <a:off x="207095" y="6043750"/>
-            <a:ext cx="1770209" cy="700341"/>
-          </a:xfrm>
-          <a:prstGeom prst="rect">
-            <a:avLst/>
-          </a:prstGeom>
-        </p:spPr>
-      </p:pic>
-      <p:sp>
-        <p:nvSpPr>
-          <p:cNvPr id="12" name="Connettore 11">
-            <a:extLst>
-              <a:ext uri="{FF2B5EF4-FFF2-40B4-BE49-F238E27FC236}">
-                <a16:creationId xmlns:a16="http://schemas.microsoft.com/office/drawing/2014/main" id="{92095D8C-8CCA-4CC6-B2D2-E1BC4732F321}"/>
-              </a:ext>
-            </a:extLst>
-          </p:cNvPr>
-          <p:cNvSpPr/>
-          <p:nvPr/>
-        </p:nvSpPr>
-        <p:spPr>
-          <a:xfrm>
-            <a:off x="11455401" y="6273800"/>
-            <a:ext cx="512910" cy="470291"/>
-          </a:xfrm>
-          <a:prstGeom prst="flowChartConnector">
-            <a:avLst/>
-          </a:prstGeom>
-        </p:spPr>
-        <p:style>
-          <a:lnRef idx="2">
-            <a:schemeClr val="accent1">
-              <a:shade val="50000"/>
-            </a:schemeClr>
-          </a:lnRef>
-          <a:fillRef idx="1">
-            <a:schemeClr val="accent1"/>
-          </a:fillRef>
-          <a:effectRef idx="0">
-            <a:schemeClr val="accent1"/>
-          </a:effectRef>
-          <a:fontRef idx="minor">
-            <a:schemeClr val="lt1"/>
-          </a:fontRef>
-        </p:style>
-        <p:txBody>
-          <a:bodyPr rtlCol="0" anchor="ctr"/>
-          <a:lstStyle/>
-          <a:p>
-            <a:pPr algn="ctr"/>
-            <a:fld id="{3A98EE3D-8CD1-4C3F-BD1C-C98C9596463C}" type="slidenum">
-              <a:rPr lang="it-IT" sz="1200" b="1"/>
-              <a:pPr algn="ctr"/>
-              <a:t>7</a:t>
-            </a:fld>
-            <a:endParaRPr lang="it-IT" b="1" dirty="0"/>
-          </a:p>
-        </p:txBody>
-      </p:sp>
-      <p:pic>
-        <p:nvPicPr>
-          <p:cNvPr id="11" name="Immagine 10">
-            <a:extLst>
-              <a:ext uri="{FF2B5EF4-FFF2-40B4-BE49-F238E27FC236}">
-                <a16:creationId xmlns:a16="http://schemas.microsoft.com/office/drawing/2014/main" id="{9D2D257B-71B6-4540-9344-B1176BA9B67B}"/>
-              </a:ext>
-            </a:extLst>
-          </p:cNvPr>
-          <p:cNvPicPr>
-            <a:picLocks noChangeAspect="1"/>
-          </p:cNvPicPr>
-          <p:nvPr/>
-        </p:nvPicPr>
-        <p:blipFill>
-          <a:blip r:embed="rId5"/>
-          <a:stretch>
-            <a:fillRect/>
-          </a:stretch>
-        </p:blipFill>
-        <p:spPr>
-          <a:xfrm>
-            <a:off x="794039" y="1998235"/>
-            <a:ext cx="5505450" cy="457200"/>
-          </a:xfrm>
-          <a:prstGeom prst="rect">
-            <a:avLst/>
-          </a:prstGeom>
-          <a:ln>
-            <a:solidFill>
-              <a:schemeClr val="tx1"/>
-            </a:solidFill>
-          </a:ln>
-        </p:spPr>
-      </p:pic>
-      <p:sp>
-        <p:nvSpPr>
-          <p:cNvPr id="2" name="CasellaDiTesto 1">
-            <a:extLst>
-              <a:ext uri="{FF2B5EF4-FFF2-40B4-BE49-F238E27FC236}">
-                <a16:creationId xmlns:a16="http://schemas.microsoft.com/office/drawing/2014/main" id="{3359AB0C-A57F-4BDA-8CAA-052ABF7A5653}"/>
-              </a:ext>
-            </a:extLst>
-          </p:cNvPr>
-          <p:cNvSpPr txBox="1"/>
-          <p:nvPr/>
-        </p:nvSpPr>
-        <p:spPr>
-          <a:xfrm>
-            <a:off x="1362653" y="4341595"/>
-            <a:ext cx="9873672" cy="1631216"/>
-          </a:xfrm>
-          <a:prstGeom prst="rect">
-            <a:avLst/>
-          </a:prstGeom>
-          <a:noFill/>
-        </p:spPr>
-        <p:txBody>
-          <a:bodyPr wrap="square" numCol="2" rtlCol="0">
-            <a:spAutoFit/>
-          </a:bodyPr>
-          <a:lstStyle/>
-          <a:p>
-            <a:pPr marL="0" indent="0" rtl="0">
-              <a:buNone/>
-            </a:pPr>
-            <a:r>
-              <a:rPr lang="it-IT" sz="2000" dirty="0">
-                <a:latin typeface="+mj-lt"/>
-              </a:rPr>
-              <a:t>Titolo -&gt; #tit</a:t>
-            </a:r>
-          </a:p>
-          <a:p>
-            <a:pPr marL="0" indent="0" rtl="0">
-              <a:buNone/>
-            </a:pPr>
-            <a:r>
-              <a:rPr lang="it-IT" sz="2000" dirty="0">
-                <a:latin typeface="+mj-lt"/>
-              </a:rPr>
-              <a:t>Artista -&gt; #art</a:t>
-            </a:r>
-          </a:p>
-          <a:p>
-            <a:pPr marL="0" indent="0" rtl="0">
-              <a:buNone/>
-            </a:pPr>
-            <a:r>
-              <a:rPr lang="it-IT" sz="2000" dirty="0">
-                <a:latin typeface="+mj-lt"/>
-              </a:rPr>
-              <a:t>Album -&gt; #alb</a:t>
-            </a:r>
-          </a:p>
-          <a:p>
-            <a:pPr marL="0" indent="0" rtl="0">
-              <a:buNone/>
-            </a:pPr>
-            <a:endParaRPr lang="it-IT" sz="2000" dirty="0">
-              <a:latin typeface="+mj-lt"/>
-            </a:endParaRPr>
-          </a:p>
-          <a:p>
-            <a:pPr marL="0" indent="0" rtl="0">
-              <a:buNone/>
-            </a:pPr>
-            <a:endParaRPr lang="it-IT" sz="2000" dirty="0">
-              <a:latin typeface="+mj-lt"/>
-            </a:endParaRPr>
-          </a:p>
-          <a:p>
-            <a:pPr marL="0" indent="0" rtl="0">
-              <a:buNone/>
-            </a:pPr>
-            <a:r>
-              <a:rPr lang="it-IT" sz="2000" dirty="0">
-                <a:latin typeface="+mj-lt"/>
-              </a:rPr>
-              <a:t>Anno -&gt; #ann</a:t>
-            </a:r>
-          </a:p>
-          <a:p>
-            <a:pPr marL="0" indent="0" rtl="0">
-              <a:buNone/>
-            </a:pPr>
-            <a:r>
-              <a:rPr lang="it-IT" sz="2000" dirty="0">
-                <a:latin typeface="+mj-lt"/>
-              </a:rPr>
-              <a:t>Commento -&gt; #com</a:t>
-            </a:r>
-          </a:p>
-          <a:p>
-            <a:pPr marL="0" indent="0" rtl="0">
-              <a:buNone/>
-            </a:pPr>
-            <a:r>
-              <a:rPr lang="it-IT" sz="2000" dirty="0">
-                <a:latin typeface="+mj-lt"/>
-              </a:rPr>
-              <a:t>Genere -&gt; #gen</a:t>
-            </a:r>
-          </a:p>
-        </p:txBody>
-      </p:sp>
-    </p:spTree>
-    <p:extLst>
-      <p:ext uri="{BB962C8B-B14F-4D97-AF65-F5344CB8AC3E}">
-        <p14:creationId xmlns:p14="http://schemas.microsoft.com/office/powerpoint/2010/main" val="3174578503"/>
-      </p:ext>
-    </p:extLst>
-  </p:cSld>
-  <p:clrMapOvr>
-    <a:masterClrMapping/>
-  </p:clrMapOvr>
-</p:sld>
-</file>
-
-<file path=ppt/slides/slide8.xml><?xml version="1.0" encoding="utf-8"?>
-<p:sld xmlns:a="http://schemas.openxmlformats.org/drawingml/2006/main" xmlns:r="http://schemas.openxmlformats.org/officeDocument/2006/relationships" xmlns:p="http://schemas.openxmlformats.org/presentationml/2006/main">
-  <p:cSld>
-    <p:bg>
-      <p:bgPr>
-        <a:solidFill>
-          <a:schemeClr val="bg1"/>
-        </a:solidFill>
-        <a:effectLst/>
-      </p:bgPr>
-    </p:bg>
-    <p:spTree>
-      <p:nvGrpSpPr>
-        <p:cNvPr id="1" name=""/>
-        <p:cNvGrpSpPr/>
-        <p:nvPr/>
-      </p:nvGrpSpPr>
-      <p:grpSpPr>
-        <a:xfrm>
-          <a:off x="0" y="0"/>
-          <a:ext cx="0" cy="0"/>
-          <a:chOff x="0" y="0"/>
-          <a:chExt cx="0" cy="0"/>
-        </a:xfrm>
-      </p:grpSpPr>
-      <p:sp>
-        <p:nvSpPr>
-          <p:cNvPr id="26" name="Rettangolo 28">
-            <a:extLst>
-              <a:ext uri="{FF2B5EF4-FFF2-40B4-BE49-F238E27FC236}">
-                <a16:creationId xmlns:a16="http://schemas.microsoft.com/office/drawing/2014/main" id="{416A0E3C-60E6-4F39-BC55-5F7C224E1F7C}"/>
-              </a:ext>
-              <a:ext uri="{C183D7F6-B498-43B3-948B-1728B52AA6E4}">
-                <adec:decorative xmlns:adec="http://schemas.microsoft.com/office/drawing/2017/decorative" val="1"/>
-              </a:ext>
-            </a:extLst>
-          </p:cNvPr>
-          <p:cNvSpPr>
-            <a:spLocks noGrp="1" noRot="1" noChangeAspect="1" noMove="1" noResize="1" noEditPoints="1" noAdjustHandles="1" noChangeArrowheads="1" noChangeShapeType="1" noTextEdit="1"/>
-          </p:cNvSpPr>
-          <p:nvPr>
-            <p:extLst>
-              <p:ext uri="{386F3935-93C4-4BCD-93E2-E3B085C9AB24}">
-                <p16:designElem xmlns:p16="http://schemas.microsoft.com/office/powerpoint/2015/main" val="1"/>
-              </p:ext>
-            </p:extLst>
-          </p:nvPr>
-        </p:nvSpPr>
-        <p:spPr>
-          <a:xfrm>
-            <a:off x="3175" y="6400800"/>
-            <a:ext cx="12188825" cy="457200"/>
-          </a:xfrm>
-          <a:prstGeom prst="rect">
-            <a:avLst/>
-          </a:prstGeom>
-          <a:solidFill>
-            <a:srgbClr val="262626"/>
-          </a:solidFill>
-          <a:ln>
-            <a:noFill/>
-          </a:ln>
-        </p:spPr>
-        <p:style>
-          <a:lnRef idx="2">
-            <a:schemeClr val="accent1">
-              <a:shade val="50000"/>
-            </a:schemeClr>
-          </a:lnRef>
-          <a:fillRef idx="1">
-            <a:schemeClr val="accent1"/>
-          </a:fillRef>
-          <a:effectRef idx="0">
-            <a:schemeClr val="accent1"/>
-          </a:effectRef>
-          <a:fontRef idx="minor">
-            <a:schemeClr val="lt1"/>
-          </a:fontRef>
-        </p:style>
-      </p:sp>
-      <p:cxnSp>
-        <p:nvCxnSpPr>
-          <p:cNvPr id="27" name="Connettore diritto 30">
-            <a:extLst>
-              <a:ext uri="{FF2B5EF4-FFF2-40B4-BE49-F238E27FC236}">
-                <a16:creationId xmlns:a16="http://schemas.microsoft.com/office/drawing/2014/main" id="{C5025DAC-8B93-4160-B017-3A274A5828C0}"/>
-              </a:ext>
-              <a:ext uri="{C183D7F6-B498-43B3-948B-1728B52AA6E4}">
-                <adec:decorative xmlns:adec="http://schemas.microsoft.com/office/drawing/2017/decorative" val="1"/>
-              </a:ext>
-            </a:extLst>
-          </p:cNvPr>
-          <p:cNvCxnSpPr>
-            <a:cxnSpLocks noGrp="1" noRot="1" noChangeAspect="1" noMove="1" noResize="1" noEditPoints="1" noAdjustHandles="1" noChangeArrowheads="1" noChangeShapeType="1"/>
-          </p:cNvCxnSpPr>
-          <p:nvPr>
-            <p:extLst>
-              <p:ext uri="{386F3935-93C4-4BCD-93E2-E3B085C9AB24}">
-                <p16:designElem xmlns:p16="http://schemas.microsoft.com/office/powerpoint/2015/main" val="1"/>
-              </p:ext>
-            </p:extLst>
-          </p:nvPr>
-        </p:nvCxnSpPr>
-        <p:spPr>
-          <a:xfrm>
-            <a:off x="1193532" y="1897380"/>
-            <a:ext cx="9966960" cy="0"/>
-          </a:xfrm>
-          <a:prstGeom prst="line">
-            <a:avLst/>
-          </a:prstGeom>
-          <a:ln w="12700">
-            <a:solidFill>
-              <a:schemeClr val="tx1">
-                <a:lumMod val="75000"/>
-                <a:lumOff val="25000"/>
-              </a:schemeClr>
-            </a:solidFill>
-          </a:ln>
-        </p:spPr>
-        <p:style>
-          <a:lnRef idx="1">
-            <a:schemeClr val="accent1"/>
-          </a:lnRef>
-          <a:fillRef idx="0">
-            <a:schemeClr val="accent1"/>
-          </a:fillRef>
-          <a:effectRef idx="0">
-            <a:schemeClr val="accent1"/>
-          </a:effectRef>
-          <a:fontRef idx="minor">
-            <a:schemeClr val="tx1"/>
-          </a:fontRef>
-        </p:style>
-      </p:cxnSp>
-      <p:sp useBgFill="1">
-        <p:nvSpPr>
-          <p:cNvPr id="28" name="Rettangolo 32">
-            <a:extLst>
-              <a:ext uri="{FF2B5EF4-FFF2-40B4-BE49-F238E27FC236}">
-                <a16:creationId xmlns:a16="http://schemas.microsoft.com/office/drawing/2014/main" id="{990D0034-F768-41E7-85D4-F38C4DE85770}"/>
-              </a:ext>
-              <a:ext uri="{C183D7F6-B498-43B3-948B-1728B52AA6E4}">
-                <adec:decorative xmlns:adec="http://schemas.microsoft.com/office/drawing/2017/decorative" val="1"/>
-              </a:ext>
-            </a:extLst>
-          </p:cNvPr>
-          <p:cNvSpPr>
-            <a:spLocks noGrp="1" noRot="1" noChangeAspect="1" noMove="1" noResize="1" noEditPoints="1" noAdjustHandles="1" noChangeArrowheads="1" noChangeShapeType="1" noTextEdit="1"/>
-          </p:cNvSpPr>
-          <p:nvPr>
-            <p:extLst>
-              <p:ext uri="{386F3935-93C4-4BCD-93E2-E3B085C9AB24}">
-                <p16:designElem xmlns:p16="http://schemas.microsoft.com/office/powerpoint/2015/main" val="1"/>
-              </p:ext>
-            </p:extLst>
-          </p:nvPr>
-        </p:nvSpPr>
-        <p:spPr>
-          <a:xfrm>
-            <a:off x="0" y="0"/>
-            <a:ext cx="12186315" cy="6858000"/>
-          </a:xfrm>
-          <a:prstGeom prst="rect">
-            <a:avLst/>
-          </a:prstGeom>
-          <a:ln>
-            <a:noFill/>
-          </a:ln>
-        </p:spPr>
-        <p:style>
-          <a:lnRef idx="2">
-            <a:schemeClr val="accent6">
-              <a:shade val="50000"/>
-            </a:schemeClr>
-          </a:lnRef>
-          <a:fillRef idx="1001">
-            <a:schemeClr val="lt1"/>
-          </a:fillRef>
-          <a:effectRef idx="0">
-            <a:schemeClr val="accent6"/>
-          </a:effectRef>
-          <a:fontRef idx="minor">
-            <a:schemeClr val="lt1"/>
-          </a:fontRef>
-        </p:style>
-        <p:txBody>
-          <a:bodyPr rtlCol="0" anchor="ctr"/>
-          <a:lstStyle/>
-          <a:p>
-            <a:pPr algn="ctr" rtl="0"/>
-            <a:endParaRPr lang="it-IT" dirty="0"/>
-          </a:p>
-        </p:txBody>
-      </p:sp>
-      <p:sp>
-        <p:nvSpPr>
-          <p:cNvPr id="5" name="Titolo 4">
-            <a:extLst>
-              <a:ext uri="{FF2B5EF4-FFF2-40B4-BE49-F238E27FC236}">
-                <a16:creationId xmlns:a16="http://schemas.microsoft.com/office/drawing/2014/main" id="{B8B72B13-069B-4F8A-9437-FA58C3F1D44B}"/>
-              </a:ext>
-            </a:extLst>
-          </p:cNvPr>
-          <p:cNvSpPr>
-            <a:spLocks noGrp="1"/>
-          </p:cNvSpPr>
-          <p:nvPr>
-            <p:ph type="title"/>
-          </p:nvPr>
-        </p:nvSpPr>
-        <p:spPr>
-          <a:xfrm>
-            <a:off x="590927" y="535936"/>
-            <a:ext cx="10864474" cy="700340"/>
-          </a:xfrm>
-        </p:spPr>
-        <p:txBody>
-          <a:bodyPr vert="horz" lIns="91440" tIns="45720" rIns="91440" bIns="45720" rtlCol="0" anchor="b">
-            <a:noAutofit/>
-          </a:bodyPr>
-          <a:lstStyle/>
-          <a:p>
-            <a:pPr rtl="0"/>
-            <a:r>
-              <a:rPr lang="it-IT" sz="4400" dirty="0">
-                <a:solidFill>
-                  <a:schemeClr val="tx1">
-                    <a:lumMod val="75000"/>
-                    <a:lumOff val="25000"/>
-                  </a:schemeClr>
-                </a:solidFill>
-              </a:rPr>
-              <a:t>Gestione dei dati con Java</a:t>
-            </a:r>
-          </a:p>
-        </p:txBody>
-      </p:sp>
-      <p:cxnSp>
-        <p:nvCxnSpPr>
-          <p:cNvPr id="30" name="Connettore diritto 34">
-            <a:extLst>
-              <a:ext uri="{FF2B5EF4-FFF2-40B4-BE49-F238E27FC236}">
-                <a16:creationId xmlns:a16="http://schemas.microsoft.com/office/drawing/2014/main" id="{5A0A5CF6-407C-4691-8122-49DF69D0020D}"/>
-              </a:ext>
-              <a:ext uri="{C183D7F6-B498-43B3-948B-1728B52AA6E4}">
-                <adec:decorative xmlns:adec="http://schemas.microsoft.com/office/drawing/2017/decorative" val="1"/>
-              </a:ext>
-            </a:extLst>
-          </p:cNvPr>
-          <p:cNvCxnSpPr>
-            <a:cxnSpLocks noGrp="1" noRot="1" noChangeAspect="1" noMove="1" noResize="1" noEditPoints="1" noAdjustHandles="1" noChangeArrowheads="1" noChangeShapeType="1"/>
-          </p:cNvCxnSpPr>
-          <p:nvPr>
-            <p:extLst>
-              <p:ext uri="{386F3935-93C4-4BCD-93E2-E3B085C9AB24}">
-                <p16:designElem xmlns:p16="http://schemas.microsoft.com/office/powerpoint/2015/main" val="1"/>
-              </p:ext>
-            </p:extLst>
-          </p:nvPr>
-        </p:nvCxnSpPr>
-        <p:spPr>
-          <a:xfrm>
-            <a:off x="590927" y="2633962"/>
-            <a:ext cx="2834640" cy="0"/>
-          </a:xfrm>
-          <a:prstGeom prst="line">
-            <a:avLst/>
-          </a:prstGeom>
-          <a:ln w="12700">
-            <a:solidFill>
-              <a:schemeClr val="tx1">
-                <a:lumMod val="75000"/>
-                <a:lumOff val="25000"/>
-              </a:schemeClr>
-            </a:solidFill>
-          </a:ln>
-        </p:spPr>
-        <p:style>
-          <a:lnRef idx="1">
-            <a:schemeClr val="accent1"/>
-          </a:lnRef>
-          <a:fillRef idx="0">
-            <a:schemeClr val="accent1"/>
-          </a:fillRef>
-          <a:effectRef idx="0">
-            <a:schemeClr val="accent1"/>
-          </a:effectRef>
-          <a:fontRef idx="minor">
-            <a:schemeClr val="tx1"/>
-          </a:fontRef>
-        </p:style>
-      </p:cxnSp>
-      <p:sp>
-        <p:nvSpPr>
-          <p:cNvPr id="4" name="Rettangolo 3">
-            <a:extLst>
-              <a:ext uri="{FF2B5EF4-FFF2-40B4-BE49-F238E27FC236}">
-                <a16:creationId xmlns:a16="http://schemas.microsoft.com/office/drawing/2014/main" id="{D22E5227-66DC-4545-A93A-3BAE57987144}"/>
-              </a:ext>
-            </a:extLst>
-          </p:cNvPr>
-          <p:cNvSpPr/>
-          <p:nvPr/>
-        </p:nvSpPr>
-        <p:spPr>
-          <a:xfrm>
-            <a:off x="590927" y="2477070"/>
-            <a:ext cx="2955837" cy="457195"/>
-          </a:xfrm>
-          <a:prstGeom prst="rect">
-            <a:avLst/>
-          </a:prstGeom>
-          <a:solidFill>
-            <a:schemeClr val="bg1"/>
-          </a:solidFill>
-          <a:ln>
-            <a:solidFill>
-              <a:schemeClr val="bg1"/>
-            </a:solidFill>
-          </a:ln>
-        </p:spPr>
-        <p:style>
-          <a:lnRef idx="2">
-            <a:schemeClr val="accent1">
-              <a:shade val="50000"/>
-            </a:schemeClr>
-          </a:lnRef>
-          <a:fillRef idx="1">
-            <a:schemeClr val="accent1"/>
-          </a:fillRef>
-          <a:effectRef idx="0">
-            <a:schemeClr val="accent1"/>
-          </a:effectRef>
-          <a:fontRef idx="minor">
-            <a:schemeClr val="lt1"/>
-          </a:fontRef>
-        </p:style>
-        <p:txBody>
-          <a:bodyPr rtlCol="0" anchor="ctr"/>
-          <a:lstStyle/>
-          <a:p>
-            <a:pPr algn="ctr"/>
-            <a:endParaRPr lang="it-IT"/>
-          </a:p>
-        </p:txBody>
-      </p:sp>
-      <p:sp>
-        <p:nvSpPr>
-          <p:cNvPr id="6" name="Segnaposto contenuto 5">
-            <a:extLst>
-              <a:ext uri="{FF2B5EF4-FFF2-40B4-BE49-F238E27FC236}">
-                <a16:creationId xmlns:a16="http://schemas.microsoft.com/office/drawing/2014/main" id="{2281D70C-EE29-493E-838C-890184A02C07}"/>
-              </a:ext>
-            </a:extLst>
-          </p:cNvPr>
-          <p:cNvSpPr>
-            <a:spLocks noGrp="1"/>
-          </p:cNvSpPr>
-          <p:nvPr>
-            <p:ph idx="1"/>
-          </p:nvPr>
-        </p:nvSpPr>
-        <p:spPr>
-          <a:xfrm>
-            <a:off x="590926" y="1452870"/>
-            <a:ext cx="10864474" cy="4590875"/>
-          </a:xfrm>
-        </p:spPr>
-        <p:txBody>
-          <a:bodyPr vert="horz" lIns="0" tIns="45720" rIns="0" bIns="45720" rtlCol="0">
-            <a:normAutofit/>
-          </a:bodyPr>
-          <a:lstStyle/>
-          <a:p>
-            <a:pPr rtl="0"/>
-            <a:r>
-              <a:rPr lang="it-IT" dirty="0">
-                <a:latin typeface="+mj-lt"/>
-              </a:rPr>
-              <a:t>Una problematica interessante da risolvere è la lettura dei CHAR da parte dell’</a:t>
-            </a:r>
-            <a:r>
-              <a:rPr lang="it-IT" dirty="0" err="1">
-                <a:latin typeface="+mj-lt"/>
-              </a:rPr>
-              <a:t>handler</a:t>
-            </a:r>
-            <a:r>
-              <a:rPr lang="it-IT" dirty="0">
-                <a:latin typeface="+mj-lt"/>
-              </a:rPr>
-              <a:t> del programma</a:t>
-            </a:r>
-          </a:p>
-          <a:p>
-            <a:pPr rtl="0"/>
-            <a:r>
-              <a:rPr lang="it-IT" dirty="0">
-                <a:latin typeface="+mj-lt"/>
-              </a:rPr>
-              <a:t>Avendo una lunghezza non variabile di 30 caratteri (vuoti ma presenti se non utilizzati) per ad esempio il titolo e l’album bisogna forzare la quantità di CHAR a 30, e rispettivamente recuperare 30 volte il Token nella posizione corretta</a:t>
-            </a:r>
-          </a:p>
-          <a:p>
-            <a:pPr marL="0" indent="0" rtl="0">
-              <a:buNone/>
-            </a:pPr>
-            <a:endParaRPr lang="it-IT" dirty="0">
-              <a:latin typeface="+mj-lt"/>
-            </a:endParaRPr>
-          </a:p>
-        </p:txBody>
-      </p:sp>
-      <p:pic>
-        <p:nvPicPr>
-          <p:cNvPr id="10" name="Elemento grafico 9">
-            <a:extLst>
-              <a:ext uri="{FF2B5EF4-FFF2-40B4-BE49-F238E27FC236}">
-                <a16:creationId xmlns:a16="http://schemas.microsoft.com/office/drawing/2014/main" id="{54A47743-7725-4A33-93CA-EFB89C10D1EC}"/>
-              </a:ext>
-            </a:extLst>
-          </p:cNvPr>
-          <p:cNvPicPr>
-            <a:picLocks noChangeAspect="1"/>
-          </p:cNvPicPr>
-          <p:nvPr/>
-        </p:nvPicPr>
-        <p:blipFill>
-          <a:blip r:embed="rId3" cstate="print">
-            <a:extLst>
-              <a:ext uri="{28A0092B-C50C-407E-A947-70E740481C1C}">
-                <a14:useLocalDpi xmlns:a14="http://schemas.microsoft.com/office/drawing/2010/main" val="0"/>
-              </a:ext>
-              <a:ext uri="{96DAC541-7B7A-43D3-8B79-37D633B846F1}">
-                <asvg:svgBlip xmlns:asvg="http://schemas.microsoft.com/office/drawing/2016/SVG/main" r:embed="rId4"/>
-              </a:ext>
-            </a:extLst>
-          </a:blip>
-          <a:stretch>
-            <a:fillRect/>
-          </a:stretch>
-        </p:blipFill>
-        <p:spPr>
-          <a:xfrm>
-            <a:off x="207095" y="6043750"/>
-            <a:ext cx="1770209" cy="700341"/>
-          </a:xfrm>
-          <a:prstGeom prst="rect">
-            <a:avLst/>
-          </a:prstGeom>
-        </p:spPr>
-      </p:pic>
-      <p:sp>
-        <p:nvSpPr>
-          <p:cNvPr id="12" name="Connettore 11">
-            <a:extLst>
-              <a:ext uri="{FF2B5EF4-FFF2-40B4-BE49-F238E27FC236}">
-                <a16:creationId xmlns:a16="http://schemas.microsoft.com/office/drawing/2014/main" id="{92095D8C-8CCA-4CC6-B2D2-E1BC4732F321}"/>
-              </a:ext>
-            </a:extLst>
-          </p:cNvPr>
-          <p:cNvSpPr/>
-          <p:nvPr/>
-        </p:nvSpPr>
-        <p:spPr>
-          <a:xfrm>
-            <a:off x="11455401" y="6273800"/>
-            <a:ext cx="512910" cy="470291"/>
-          </a:xfrm>
-          <a:prstGeom prst="flowChartConnector">
-            <a:avLst/>
-          </a:prstGeom>
-        </p:spPr>
-        <p:style>
-          <a:lnRef idx="2">
-            <a:schemeClr val="accent1">
-              <a:shade val="50000"/>
-            </a:schemeClr>
-          </a:lnRef>
-          <a:fillRef idx="1">
-            <a:schemeClr val="accent1"/>
-          </a:fillRef>
-          <a:effectRef idx="0">
-            <a:schemeClr val="accent1"/>
-          </a:effectRef>
-          <a:fontRef idx="minor">
-            <a:schemeClr val="lt1"/>
-          </a:fontRef>
-        </p:style>
-        <p:txBody>
-          <a:bodyPr rtlCol="0" anchor="ctr"/>
-          <a:lstStyle/>
-          <a:p>
-            <a:pPr algn="ctr"/>
-            <a:fld id="{3A98EE3D-8CD1-4C3F-BD1C-C98C9596463C}" type="slidenum">
-              <a:rPr lang="it-IT" sz="1200" b="1"/>
-              <a:pPr algn="ctr"/>
-              <a:t>8</a:t>
-            </a:fld>
-            <a:endParaRPr lang="it-IT" b="1" dirty="0"/>
-          </a:p>
-        </p:txBody>
-      </p:sp>
-      <p:pic>
-        <p:nvPicPr>
-          <p:cNvPr id="3" name="Immagine 2">
-            <a:extLst>
-              <a:ext uri="{FF2B5EF4-FFF2-40B4-BE49-F238E27FC236}">
-                <a16:creationId xmlns:a16="http://schemas.microsoft.com/office/drawing/2014/main" id="{A14B35C5-DEE5-4ECF-95DD-BDA1219057AA}"/>
-              </a:ext>
-            </a:extLst>
-          </p:cNvPr>
-          <p:cNvPicPr>
-            <a:picLocks noChangeAspect="1"/>
-          </p:cNvPicPr>
-          <p:nvPr/>
-        </p:nvPicPr>
-        <p:blipFill>
-          <a:blip r:embed="rId5"/>
-          <a:stretch>
-            <a:fillRect/>
-          </a:stretch>
-        </p:blipFill>
-        <p:spPr>
-          <a:xfrm>
-            <a:off x="715778" y="3585389"/>
-            <a:ext cx="10885296" cy="2121347"/>
-          </a:xfrm>
-          <a:prstGeom prst="rect">
-            <a:avLst/>
-          </a:prstGeom>
-          <a:ln>
-            <a:solidFill>
-              <a:schemeClr val="tx1"/>
-            </a:solidFill>
-          </a:ln>
-        </p:spPr>
-      </p:pic>
-    </p:spTree>
-    <p:extLst>
-      <p:ext uri="{BB962C8B-B14F-4D97-AF65-F5344CB8AC3E}">
-        <p14:creationId xmlns:p14="http://schemas.microsoft.com/office/powerpoint/2010/main" val="1868130744"/>
-      </p:ext>
-    </p:extLst>
-  </p:cSld>
-  <p:clrMapOvr>
-    <a:masterClrMapping/>
-  </p:clrMapOvr>
-</p:sld>
-</file>
-
-<file path=ppt/slides/slide9.xml><?xml version="1.0" encoding="utf-8"?>
-<p:sld xmlns:a="http://schemas.openxmlformats.org/drawingml/2006/main" xmlns:r="http://schemas.openxmlformats.org/officeDocument/2006/relationships" xmlns:p="http://schemas.openxmlformats.org/presentationml/2006/main">
-  <p:cSld>
-    <p:bg>
-      <p:bgPr>
-        <a:solidFill>
-          <a:schemeClr val="bg1"/>
-        </a:solidFill>
-        <a:effectLst/>
-      </p:bgPr>
-    </p:bg>
-    <p:spTree>
-      <p:nvGrpSpPr>
-        <p:cNvPr id="1" name=""/>
-        <p:cNvGrpSpPr/>
-        <p:nvPr/>
-      </p:nvGrpSpPr>
-      <p:grpSpPr>
-        <a:xfrm>
-          <a:off x="0" y="0"/>
-          <a:ext cx="0" cy="0"/>
-          <a:chOff x="0" y="0"/>
-          <a:chExt cx="0" cy="0"/>
-        </a:xfrm>
-      </p:grpSpPr>
-      <p:sp>
-        <p:nvSpPr>
-          <p:cNvPr id="26" name="Rettangolo 28">
-            <a:extLst>
-              <a:ext uri="{FF2B5EF4-FFF2-40B4-BE49-F238E27FC236}">
-                <a16:creationId xmlns:a16="http://schemas.microsoft.com/office/drawing/2014/main" id="{416A0E3C-60E6-4F39-BC55-5F7C224E1F7C}"/>
-              </a:ext>
-              <a:ext uri="{C183D7F6-B498-43B3-948B-1728B52AA6E4}">
-                <adec:decorative xmlns:adec="http://schemas.microsoft.com/office/drawing/2017/decorative" val="1"/>
-              </a:ext>
-            </a:extLst>
-          </p:cNvPr>
-          <p:cNvSpPr>
-            <a:spLocks noGrp="1" noRot="1" noChangeAspect="1" noMove="1" noResize="1" noEditPoints="1" noAdjustHandles="1" noChangeArrowheads="1" noChangeShapeType="1" noTextEdit="1"/>
-          </p:cNvSpPr>
-          <p:nvPr>
-            <p:extLst>
-              <p:ext uri="{386F3935-93C4-4BCD-93E2-E3B085C9AB24}">
-                <p16:designElem xmlns:p16="http://schemas.microsoft.com/office/powerpoint/2015/main" val="1"/>
-              </p:ext>
-            </p:extLst>
-          </p:nvPr>
-        </p:nvSpPr>
-        <p:spPr>
-          <a:xfrm>
-            <a:off x="3175" y="6400800"/>
-            <a:ext cx="12188825" cy="457200"/>
-          </a:xfrm>
-          <a:prstGeom prst="rect">
-            <a:avLst/>
-          </a:prstGeom>
-          <a:solidFill>
-            <a:srgbClr val="262626"/>
-          </a:solidFill>
-          <a:ln>
-            <a:noFill/>
-          </a:ln>
-        </p:spPr>
-        <p:style>
-          <a:lnRef idx="2">
-            <a:schemeClr val="accent1">
-              <a:shade val="50000"/>
-            </a:schemeClr>
-          </a:lnRef>
-          <a:fillRef idx="1">
-            <a:schemeClr val="accent1"/>
-          </a:fillRef>
-          <a:effectRef idx="0">
-            <a:schemeClr val="accent1"/>
-          </a:effectRef>
-          <a:fontRef idx="minor">
-            <a:schemeClr val="lt1"/>
-          </a:fontRef>
-        </p:style>
-      </p:sp>
-      <p:cxnSp>
-        <p:nvCxnSpPr>
-          <p:cNvPr id="27" name="Connettore diritto 30">
-            <a:extLst>
-              <a:ext uri="{FF2B5EF4-FFF2-40B4-BE49-F238E27FC236}">
-                <a16:creationId xmlns:a16="http://schemas.microsoft.com/office/drawing/2014/main" id="{C5025DAC-8B93-4160-B017-3A274A5828C0}"/>
-              </a:ext>
-              <a:ext uri="{C183D7F6-B498-43B3-948B-1728B52AA6E4}">
-                <adec:decorative xmlns:adec="http://schemas.microsoft.com/office/drawing/2017/decorative" val="1"/>
-              </a:ext>
-            </a:extLst>
-          </p:cNvPr>
-          <p:cNvCxnSpPr>
-            <a:cxnSpLocks noGrp="1" noRot="1" noChangeAspect="1" noMove="1" noResize="1" noEditPoints="1" noAdjustHandles="1" noChangeArrowheads="1" noChangeShapeType="1"/>
-          </p:cNvCxnSpPr>
-          <p:nvPr>
-            <p:extLst>
-              <p:ext uri="{386F3935-93C4-4BCD-93E2-E3B085C9AB24}">
-                <p16:designElem xmlns:p16="http://schemas.microsoft.com/office/powerpoint/2015/main" val="1"/>
-              </p:ext>
-            </p:extLst>
-          </p:nvPr>
-        </p:nvCxnSpPr>
-        <p:spPr>
-          <a:xfrm>
-            <a:off x="1193532" y="1897380"/>
-            <a:ext cx="9966960" cy="0"/>
-          </a:xfrm>
-          <a:prstGeom prst="line">
-            <a:avLst/>
-          </a:prstGeom>
-          <a:ln w="12700">
-            <a:solidFill>
-              <a:schemeClr val="tx1">
-                <a:lumMod val="75000"/>
-                <a:lumOff val="25000"/>
-              </a:schemeClr>
-            </a:solidFill>
-          </a:ln>
-        </p:spPr>
-        <p:style>
-          <a:lnRef idx="1">
-            <a:schemeClr val="accent1"/>
-          </a:lnRef>
-          <a:fillRef idx="0">
-            <a:schemeClr val="accent1"/>
-          </a:fillRef>
-          <a:effectRef idx="0">
-            <a:schemeClr val="accent1"/>
-          </a:effectRef>
-          <a:fontRef idx="minor">
-            <a:schemeClr val="tx1"/>
-          </a:fontRef>
-        </p:style>
-      </p:cxnSp>
-      <p:sp useBgFill="1">
-        <p:nvSpPr>
-          <p:cNvPr id="28" name="Rettangolo 32">
-            <a:extLst>
-              <a:ext uri="{FF2B5EF4-FFF2-40B4-BE49-F238E27FC236}">
-                <a16:creationId xmlns:a16="http://schemas.microsoft.com/office/drawing/2014/main" id="{990D0034-F768-41E7-85D4-F38C4DE85770}"/>
-              </a:ext>
-              <a:ext uri="{C183D7F6-B498-43B3-948B-1728B52AA6E4}">
-                <adec:decorative xmlns:adec="http://schemas.microsoft.com/office/drawing/2017/decorative" val="1"/>
-              </a:ext>
-            </a:extLst>
-          </p:cNvPr>
-          <p:cNvSpPr>
-            <a:spLocks noGrp="1" noRot="1" noChangeAspect="1" noMove="1" noResize="1" noEditPoints="1" noAdjustHandles="1" noChangeArrowheads="1" noChangeShapeType="1" noTextEdit="1"/>
-          </p:cNvSpPr>
-          <p:nvPr>
-            <p:extLst>
-              <p:ext uri="{386F3935-93C4-4BCD-93E2-E3B085C9AB24}">
-                <p16:designElem xmlns:p16="http://schemas.microsoft.com/office/powerpoint/2015/main" val="1"/>
-              </p:ext>
-            </p:extLst>
-          </p:nvPr>
-        </p:nvSpPr>
-        <p:spPr>
-          <a:xfrm>
-            <a:off x="0" y="0"/>
-            <a:ext cx="12186315" cy="6858000"/>
-          </a:xfrm>
-          <a:prstGeom prst="rect">
-            <a:avLst/>
-          </a:prstGeom>
-          <a:ln>
-            <a:noFill/>
-          </a:ln>
-        </p:spPr>
-        <p:style>
-          <a:lnRef idx="2">
-            <a:schemeClr val="accent6">
-              <a:shade val="50000"/>
-            </a:schemeClr>
-          </a:lnRef>
-          <a:fillRef idx="1001">
-            <a:schemeClr val="lt1"/>
-          </a:fillRef>
-          <a:effectRef idx="0">
-            <a:schemeClr val="accent6"/>
-          </a:effectRef>
-          <a:fontRef idx="minor">
-            <a:schemeClr val="lt1"/>
-          </a:fontRef>
-        </p:style>
-        <p:txBody>
-          <a:bodyPr rtlCol="0" anchor="ctr"/>
-          <a:lstStyle/>
-          <a:p>
-            <a:pPr algn="ctr" rtl="0"/>
-            <a:endParaRPr lang="it-IT" dirty="0"/>
-          </a:p>
-        </p:txBody>
-      </p:sp>
-      <p:sp>
-        <p:nvSpPr>
-          <p:cNvPr id="5" name="Titolo 4">
-            <a:extLst>
-              <a:ext uri="{FF2B5EF4-FFF2-40B4-BE49-F238E27FC236}">
-                <a16:creationId xmlns:a16="http://schemas.microsoft.com/office/drawing/2014/main" id="{B8B72B13-069B-4F8A-9437-FA58C3F1D44B}"/>
-              </a:ext>
-            </a:extLst>
-          </p:cNvPr>
-          <p:cNvSpPr>
-            <a:spLocks noGrp="1"/>
-          </p:cNvSpPr>
-          <p:nvPr>
-            <p:ph type="title"/>
-          </p:nvPr>
-        </p:nvSpPr>
-        <p:spPr>
-          <a:xfrm>
-            <a:off x="590927" y="535936"/>
-            <a:ext cx="10864474" cy="700340"/>
-          </a:xfrm>
-        </p:spPr>
-        <p:txBody>
-          <a:bodyPr vert="horz" lIns="91440" tIns="45720" rIns="91440" bIns="45720" rtlCol="0" anchor="b">
-            <a:noAutofit/>
-          </a:bodyPr>
-          <a:lstStyle/>
-          <a:p>
-            <a:pPr rtl="0"/>
-            <a:r>
-              <a:rPr lang="it-IT" sz="4400" dirty="0">
-                <a:solidFill>
-                  <a:schemeClr val="tx1">
-                    <a:lumMod val="75000"/>
-                    <a:lumOff val="25000"/>
-                  </a:schemeClr>
-                </a:solidFill>
-              </a:rPr>
-              <a:t>Gestione e riconoscimento del frame Genere</a:t>
-            </a:r>
-          </a:p>
-        </p:txBody>
-      </p:sp>
-      <p:cxnSp>
-        <p:nvCxnSpPr>
-          <p:cNvPr id="30" name="Connettore diritto 34">
-            <a:extLst>
-              <a:ext uri="{FF2B5EF4-FFF2-40B4-BE49-F238E27FC236}">
-                <a16:creationId xmlns:a16="http://schemas.microsoft.com/office/drawing/2014/main" id="{5A0A5CF6-407C-4691-8122-49DF69D0020D}"/>
-              </a:ext>
-              <a:ext uri="{C183D7F6-B498-43B3-948B-1728B52AA6E4}">
-                <adec:decorative xmlns:adec="http://schemas.microsoft.com/office/drawing/2017/decorative" val="1"/>
-              </a:ext>
-            </a:extLst>
-          </p:cNvPr>
-          <p:cNvCxnSpPr>
-            <a:cxnSpLocks noGrp="1" noRot="1" noChangeAspect="1" noMove="1" noResize="1" noEditPoints="1" noAdjustHandles="1" noChangeArrowheads="1" noChangeShapeType="1"/>
-          </p:cNvCxnSpPr>
-          <p:nvPr>
-            <p:extLst>
-              <p:ext uri="{386F3935-93C4-4BCD-93E2-E3B085C9AB24}">
-                <p16:designElem xmlns:p16="http://schemas.microsoft.com/office/powerpoint/2015/main" val="1"/>
-              </p:ext>
-            </p:extLst>
-          </p:nvPr>
-        </p:nvCxnSpPr>
-        <p:spPr>
-          <a:xfrm>
-            <a:off x="590927" y="2633962"/>
-            <a:ext cx="2834640" cy="0"/>
-          </a:xfrm>
-          <a:prstGeom prst="line">
-            <a:avLst/>
-          </a:prstGeom>
-          <a:ln w="12700">
-            <a:solidFill>
-              <a:schemeClr val="tx1">
-                <a:lumMod val="75000"/>
-                <a:lumOff val="25000"/>
-              </a:schemeClr>
-            </a:solidFill>
-          </a:ln>
-        </p:spPr>
-        <p:style>
-          <a:lnRef idx="1">
-            <a:schemeClr val="accent1"/>
-          </a:lnRef>
-          <a:fillRef idx="0">
-            <a:schemeClr val="accent1"/>
-          </a:fillRef>
-          <a:effectRef idx="0">
-            <a:schemeClr val="accent1"/>
-          </a:effectRef>
-          <a:fontRef idx="minor">
-            <a:schemeClr val="tx1"/>
-          </a:fontRef>
-        </p:style>
-      </p:cxnSp>
-      <p:sp>
-        <p:nvSpPr>
-          <p:cNvPr id="4" name="Rettangolo 3">
-            <a:extLst>
-              <a:ext uri="{FF2B5EF4-FFF2-40B4-BE49-F238E27FC236}">
-                <a16:creationId xmlns:a16="http://schemas.microsoft.com/office/drawing/2014/main" id="{D22E5227-66DC-4545-A93A-3BAE57987144}"/>
-              </a:ext>
-            </a:extLst>
-          </p:cNvPr>
-          <p:cNvSpPr/>
-          <p:nvPr/>
-        </p:nvSpPr>
-        <p:spPr>
-          <a:xfrm>
-            <a:off x="590927" y="2477070"/>
-            <a:ext cx="2955837" cy="457195"/>
-          </a:xfrm>
-          <a:prstGeom prst="rect">
-            <a:avLst/>
-          </a:prstGeom>
-          <a:solidFill>
-            <a:schemeClr val="bg1"/>
-          </a:solidFill>
-          <a:ln>
-            <a:solidFill>
-              <a:schemeClr val="bg1"/>
-            </a:solidFill>
-          </a:ln>
-        </p:spPr>
-        <p:style>
-          <a:lnRef idx="2">
-            <a:schemeClr val="accent1">
-              <a:shade val="50000"/>
-            </a:schemeClr>
-          </a:lnRef>
-          <a:fillRef idx="1">
-            <a:schemeClr val="accent1"/>
-          </a:fillRef>
-          <a:effectRef idx="0">
-            <a:schemeClr val="accent1"/>
-          </a:effectRef>
-          <a:fontRef idx="minor">
-            <a:schemeClr val="lt1"/>
-          </a:fontRef>
-        </p:style>
-        <p:txBody>
-          <a:bodyPr rtlCol="0" anchor="ctr"/>
-          <a:lstStyle/>
-          <a:p>
-            <a:pPr algn="ctr"/>
-            <a:endParaRPr lang="it-IT"/>
-          </a:p>
-        </p:txBody>
-      </p:sp>
-      <p:sp>
-        <p:nvSpPr>
-          <p:cNvPr id="6" name="Segnaposto contenuto 5">
-            <a:extLst>
-              <a:ext uri="{FF2B5EF4-FFF2-40B4-BE49-F238E27FC236}">
-                <a16:creationId xmlns:a16="http://schemas.microsoft.com/office/drawing/2014/main" id="{2281D70C-EE29-493E-838C-890184A02C07}"/>
-              </a:ext>
-            </a:extLst>
-          </p:cNvPr>
-          <p:cNvSpPr>
-            <a:spLocks noGrp="1"/>
-          </p:cNvSpPr>
-          <p:nvPr>
-            <p:ph idx="1"/>
-          </p:nvPr>
-        </p:nvSpPr>
-        <p:spPr>
-          <a:xfrm>
-            <a:off x="590926" y="1452870"/>
-            <a:ext cx="10864474" cy="1303421"/>
-          </a:xfrm>
-        </p:spPr>
-        <p:txBody>
-          <a:bodyPr vert="horz" lIns="0" tIns="45720" rIns="0" bIns="45720" rtlCol="0">
-            <a:normAutofit/>
-          </a:bodyPr>
-          <a:lstStyle/>
-          <a:p>
-            <a:pPr rtl="0"/>
-            <a:r>
-              <a:rPr lang="it-IT" dirty="0">
-                <a:latin typeface="+mj-lt"/>
-              </a:rPr>
-              <a:t>L’informazione del frame contenente il byte non è conforme alla codifica ASCII e pertanto non avendo simboli a disposizione nella grammatica, possiamo solo selezionare il byte e occuparci del riconoscimento in Java tramite l’</a:t>
-            </a:r>
-            <a:r>
-              <a:rPr lang="it-IT" dirty="0" err="1">
-                <a:latin typeface="+mj-lt"/>
-              </a:rPr>
-              <a:t>handler</a:t>
-            </a:r>
-            <a:endParaRPr lang="it-IT" dirty="0">
-              <a:latin typeface="+mj-lt"/>
-            </a:endParaRPr>
-          </a:p>
-          <a:p>
-            <a:pPr marL="0" indent="0" rtl="0">
-              <a:buNone/>
-            </a:pPr>
-            <a:endParaRPr lang="it-IT" dirty="0">
-              <a:latin typeface="+mj-lt"/>
-            </a:endParaRPr>
-          </a:p>
-        </p:txBody>
-      </p:sp>
-      <p:pic>
-        <p:nvPicPr>
-          <p:cNvPr id="10" name="Elemento grafico 9">
-            <a:extLst>
-              <a:ext uri="{FF2B5EF4-FFF2-40B4-BE49-F238E27FC236}">
-                <a16:creationId xmlns:a16="http://schemas.microsoft.com/office/drawing/2014/main" id="{54A47743-7725-4A33-93CA-EFB89C10D1EC}"/>
-              </a:ext>
-            </a:extLst>
-          </p:cNvPr>
-          <p:cNvPicPr>
-            <a:picLocks noChangeAspect="1"/>
-          </p:cNvPicPr>
-          <p:nvPr/>
-        </p:nvPicPr>
-        <p:blipFill>
-          <a:blip r:embed="rId3" cstate="print">
-            <a:extLst>
-              <a:ext uri="{28A0092B-C50C-407E-A947-70E740481C1C}">
-                <a14:useLocalDpi xmlns:a14="http://schemas.microsoft.com/office/drawing/2010/main" val="0"/>
-              </a:ext>
-              <a:ext uri="{96DAC541-7B7A-43D3-8B79-37D633B846F1}">
-                <asvg:svgBlip xmlns:asvg="http://schemas.microsoft.com/office/drawing/2016/SVG/main" r:embed="rId4"/>
-              </a:ext>
-            </a:extLst>
-          </a:blip>
-          <a:stretch>
-            <a:fillRect/>
-          </a:stretch>
-        </p:blipFill>
-        <p:spPr>
-          <a:xfrm>
-            <a:off x="207095" y="6043750"/>
-            <a:ext cx="1770209" cy="700341"/>
-          </a:xfrm>
-          <a:prstGeom prst="rect">
-            <a:avLst/>
-          </a:prstGeom>
-        </p:spPr>
-      </p:pic>
-      <p:sp>
-        <p:nvSpPr>
-          <p:cNvPr id="12" name="Connettore 11">
-            <a:extLst>
-              <a:ext uri="{FF2B5EF4-FFF2-40B4-BE49-F238E27FC236}">
-                <a16:creationId xmlns:a16="http://schemas.microsoft.com/office/drawing/2014/main" id="{92095D8C-8CCA-4CC6-B2D2-E1BC4732F321}"/>
-              </a:ext>
-            </a:extLst>
-          </p:cNvPr>
-          <p:cNvSpPr/>
-          <p:nvPr/>
-        </p:nvSpPr>
-        <p:spPr>
-          <a:xfrm>
-            <a:off x="11455401" y="6273800"/>
-            <a:ext cx="512910" cy="470291"/>
-          </a:xfrm>
-          <a:prstGeom prst="flowChartConnector">
-            <a:avLst/>
-          </a:prstGeom>
-        </p:spPr>
-        <p:style>
-          <a:lnRef idx="2">
-            <a:schemeClr val="accent1">
-              <a:shade val="50000"/>
-            </a:schemeClr>
-          </a:lnRef>
-          <a:fillRef idx="1">
-            <a:schemeClr val="accent1"/>
-          </a:fillRef>
-          <a:effectRef idx="0">
-            <a:schemeClr val="accent1"/>
-          </a:effectRef>
-          <a:fontRef idx="minor">
-            <a:schemeClr val="lt1"/>
-          </a:fontRef>
-        </p:style>
-        <p:txBody>
-          <a:bodyPr rtlCol="0" anchor="ctr"/>
-          <a:lstStyle/>
-          <a:p>
-            <a:pPr algn="ctr"/>
-            <a:fld id="{3A98EE3D-8CD1-4C3F-BD1C-C98C9596463C}" type="slidenum">
-              <a:rPr lang="it-IT" sz="1200" b="1"/>
-              <a:pPr algn="ctr"/>
-              <a:t>9</a:t>
-            </a:fld>
-            <a:endParaRPr lang="it-IT" b="1" dirty="0"/>
-          </a:p>
-        </p:txBody>
-      </p:sp>
-      <p:pic>
-        <p:nvPicPr>
-          <p:cNvPr id="3" name="Immagine 2">
-            <a:extLst>
-              <a:ext uri="{FF2B5EF4-FFF2-40B4-BE49-F238E27FC236}">
-                <a16:creationId xmlns:a16="http://schemas.microsoft.com/office/drawing/2014/main" id="{94F7CFF5-2CD4-4C9F-9D09-298C00864FDC}"/>
-              </a:ext>
-            </a:extLst>
-          </p:cNvPr>
-          <p:cNvPicPr>
-            <a:picLocks noChangeAspect="1"/>
-          </p:cNvPicPr>
-          <p:nvPr/>
-        </p:nvPicPr>
-        <p:blipFill>
-          <a:blip r:embed="rId5"/>
-          <a:stretch>
-            <a:fillRect/>
-          </a:stretch>
-        </p:blipFill>
-        <p:spPr>
-          <a:xfrm>
-            <a:off x="7959725" y="3748307"/>
-            <a:ext cx="3590925" cy="2162175"/>
-          </a:xfrm>
-          <a:prstGeom prst="rect">
-            <a:avLst/>
-          </a:prstGeom>
-          <a:ln>
-            <a:solidFill>
-              <a:schemeClr val="tx1"/>
-            </a:solidFill>
-          </a:ln>
-        </p:spPr>
-      </p:pic>
-      <p:pic>
-        <p:nvPicPr>
-          <p:cNvPr id="8" name="Immagine 7">
-            <a:extLst>
-              <a:ext uri="{FF2B5EF4-FFF2-40B4-BE49-F238E27FC236}">
-                <a16:creationId xmlns:a16="http://schemas.microsoft.com/office/drawing/2014/main" id="{CA73AEAF-74F9-4A03-8920-8C446355A593}"/>
-              </a:ext>
-            </a:extLst>
-          </p:cNvPr>
-          <p:cNvPicPr>
-            <a:picLocks noChangeAspect="1"/>
-          </p:cNvPicPr>
-          <p:nvPr/>
-        </p:nvPicPr>
-        <p:blipFill>
-          <a:blip r:embed="rId6"/>
-          <a:stretch>
-            <a:fillRect/>
-          </a:stretch>
-        </p:blipFill>
-        <p:spPr>
-          <a:xfrm>
-            <a:off x="7959725" y="2870200"/>
-            <a:ext cx="3495675" cy="533400"/>
-          </a:xfrm>
-          <a:prstGeom prst="rect">
-            <a:avLst/>
-          </a:prstGeom>
-          <a:ln>
-            <a:solidFill>
-              <a:schemeClr val="tx1"/>
-            </a:solidFill>
-          </a:ln>
-        </p:spPr>
-      </p:pic>
-      <p:sp>
-        <p:nvSpPr>
-          <p:cNvPr id="11" name="CasellaDiTesto 10">
-            <a:extLst>
-              <a:ext uri="{FF2B5EF4-FFF2-40B4-BE49-F238E27FC236}">
-                <a16:creationId xmlns:a16="http://schemas.microsoft.com/office/drawing/2014/main" id="{9F5967FF-B3EA-47A4-BE82-AC995EA76BC5}"/>
-              </a:ext>
-            </a:extLst>
-          </p:cNvPr>
-          <p:cNvSpPr txBox="1"/>
-          <p:nvPr/>
-        </p:nvSpPr>
-        <p:spPr>
-          <a:xfrm>
-            <a:off x="590926" y="2934265"/>
-            <a:ext cx="6936710" cy="1749197"/>
-          </a:xfrm>
-          <a:prstGeom prst="rect">
-            <a:avLst/>
-          </a:prstGeom>
-          <a:noFill/>
-        </p:spPr>
-        <p:txBody>
-          <a:bodyPr wrap="square" rtlCol="0">
-            <a:spAutoFit/>
-          </a:bodyPr>
-          <a:lstStyle/>
-          <a:p>
-            <a:pPr marL="266700" marR="0" lvl="0" indent="-266700" algn="l" defTabSz="914400" rtl="0" eaLnBrk="1" fontAlgn="auto" latinLnBrk="0" hangingPunct="1">
-              <a:lnSpc>
-                <a:spcPct val="100000"/>
-              </a:lnSpc>
-              <a:spcBef>
-                <a:spcPts val="1200"/>
-              </a:spcBef>
-              <a:spcAft>
-                <a:spcPts val="200"/>
-              </a:spcAft>
-              <a:buClr>
-                <a:srgbClr val="14496F"/>
-              </a:buClr>
-              <a:buSzPct val="100000"/>
-              <a:buFont typeface="Wingdings" panose="05000000000000000000" pitchFamily="2" charset="2"/>
-              <a:buChar char="§"/>
-              <a:tabLst/>
-              <a:defRPr/>
-            </a:pPr>
-            <a:r>
-              <a:rPr lang="it-IT" sz="2400" dirty="0">
-                <a:solidFill>
-                  <a:prstClr val="black">
-                    <a:lumMod val="75000"/>
-                    <a:lumOff val="25000"/>
-                  </a:prstClr>
-                </a:solidFill>
-                <a:latin typeface="Calibri Light" panose="020F0302020204030204"/>
-              </a:rPr>
-              <a:t>Delle 256 combinazioni possibili sono utilizzate solo le prime xxx. Tramite la funzione in Java ci occupiamo del riconoscimento del genere contenuto nel frame</a:t>
-            </a:r>
-          </a:p>
-          <a:p>
-            <a:pPr marL="266700" marR="0" lvl="0" indent="-266700" algn="l" defTabSz="914400" rtl="0" eaLnBrk="1" fontAlgn="auto" latinLnBrk="0" hangingPunct="1">
-              <a:lnSpc>
-                <a:spcPct val="100000"/>
-              </a:lnSpc>
-              <a:spcBef>
-                <a:spcPts val="1200"/>
-              </a:spcBef>
-              <a:spcAft>
-                <a:spcPts val="200"/>
-              </a:spcAft>
-              <a:buClr>
-                <a:srgbClr val="14496F"/>
-              </a:buClr>
-              <a:buSzPct val="100000"/>
-              <a:buFont typeface="Wingdings" panose="05000000000000000000" pitchFamily="2" charset="2"/>
-              <a:buChar char="§"/>
-              <a:tabLst/>
-              <a:defRPr/>
-            </a:pPr>
-            <a:r>
-              <a:rPr kumimoji="0" lang="it-IT" sz="2400" b="0" i="0" u="none" strike="noStrike" kern="1200" cap="none" spc="0" normalizeH="0" baseline="0" noProof="0" dirty="0">
-                <a:ln>
-                  <a:noFill/>
-                </a:ln>
-                <a:solidFill>
-                  <a:prstClr val="black">
-                    <a:lumMod val="75000"/>
-                    <a:lumOff val="25000"/>
-                  </a:prstClr>
-                </a:solidFill>
-                <a:effectLst/>
-                <a:uLnTx/>
-                <a:uFillTx/>
-                <a:latin typeface="Calibri Light" panose="020F0302020204030204"/>
-                <a:ea typeface="+mn-ea"/>
-                <a:cs typeface="+mn-cs"/>
-              </a:rPr>
-              <a:t>Esempio </a:t>
-            </a:r>
-            <a:r>
-              <a:rPr lang="it-IT" sz="2400" dirty="0">
-                <a:solidFill>
-                  <a:prstClr val="black">
-                    <a:lumMod val="75000"/>
-                    <a:lumOff val="25000"/>
-                  </a:prstClr>
-                </a:solidFill>
-                <a:latin typeface="Calibri Light" panose="020F0302020204030204"/>
-              </a:rPr>
-              <a:t>di funzione -&gt;</a:t>
-            </a:r>
-            <a:endParaRPr kumimoji="0" lang="it-IT" sz="2400" b="0" i="0" u="none" strike="noStrike" kern="1200" cap="none" spc="0" normalizeH="0" baseline="0" noProof="0" dirty="0">
-              <a:ln>
-                <a:noFill/>
-              </a:ln>
-              <a:solidFill>
-                <a:prstClr val="black">
-                  <a:lumMod val="75000"/>
-                  <a:lumOff val="25000"/>
-                </a:prstClr>
-              </a:solidFill>
-              <a:effectLst/>
-              <a:uLnTx/>
-              <a:uFillTx/>
-              <a:latin typeface="Calibri Light" panose="020F0302020204030204"/>
-              <a:ea typeface="+mn-ea"/>
-              <a:cs typeface="+mn-cs"/>
-            </a:endParaRPr>
-          </a:p>
-        </p:txBody>
-      </p:sp>
-    </p:spTree>
-    <p:extLst>
-      <p:ext uri="{BB962C8B-B14F-4D97-AF65-F5344CB8AC3E}">
-        <p14:creationId xmlns:p14="http://schemas.microsoft.com/office/powerpoint/2010/main" val="2951360850"/>
       </p:ext>
     </p:extLst>
   </p:cSld>
@@ -19173,6 +11972,15 @@
 </file>
 
 <file path=customXml/item1.xml><?xml version="1.0" encoding="utf-8"?>
+<?mso-contentType ?>
+<FormTemplates xmlns="http://schemas.microsoft.com/sharepoint/v3/contenttype/forms">
+  <Display>DocumentLibraryForm</Display>
+  <Edit>DocumentLibraryForm</Edit>
+  <New>DocumentLibraryForm</New>
+</FormTemplates>
+</file>
+
+<file path=customXml/item2.xml><?xml version="1.0" encoding="utf-8"?>
 <ct:contentTypeSchema xmlns:ct="http://schemas.microsoft.com/office/2006/metadata/contentType" xmlns:ma="http://schemas.microsoft.com/office/2006/metadata/properties/metaAttributes" ct:_="" ma:_="" ma:contentTypeName="Document" ma:contentTypeID="0x01010079F111ED35F8CC479449609E8A0923A6" ma:contentTypeVersion="12" ma:contentTypeDescription="Create a new document." ma:contentTypeScope="" ma:versionID="fa6e671f1cd7e4d96ff9652be322dd5e">
   <xsd:schema xmlns:xsd="http://www.w3.org/2001/XMLSchema" xmlns:xs="http://www.w3.org/2001/XMLSchema" xmlns:p="http://schemas.microsoft.com/office/2006/metadata/properties" xmlns:ns2="71af3243-3dd4-4a8d-8c0d-dd76da1f02a5" xmlns:ns3="16c05727-aa75-4e4a-9b5f-8a80a1165891" targetNamespace="http://schemas.microsoft.com/office/2006/metadata/properties" ma:root="true" ma:fieldsID="4e2496f70b101db0b8013f30a071bbf7" ns2:_="" ns3:_="">
     <xsd:import namespace="71af3243-3dd4-4a8d-8c0d-dd76da1f02a5"/>
@@ -19393,15 +12201,6 @@
 </ct:contentTypeSchema>
 </file>
 
-<file path=customXml/item2.xml><?xml version="1.0" encoding="utf-8"?>
-<?mso-contentType ?>
-<FormTemplates xmlns="http://schemas.microsoft.com/sharepoint/v3/contenttype/forms">
-  <Display>DocumentLibraryForm</Display>
-  <Edit>DocumentLibraryForm</Edit>
-  <New>DocumentLibraryForm</New>
-</FormTemplates>
-</file>
-
 <file path=customXml/item3.xml><?xml version="1.0" encoding="utf-8"?>
 <p:properties xmlns:p="http://schemas.microsoft.com/office/2006/metadata/properties" xmlns:xsi="http://www.w3.org/2001/XMLSchema-instance" xmlns:pc="http://schemas.microsoft.com/office/infopath/2007/PartnerControls">
   <documentManagement>
@@ -19412,6 +12211,14 @@
 </file>
 
 <file path=customXml/itemProps1.xml><?xml version="1.0" encoding="utf-8"?>
+<ds:datastoreItem xmlns:ds="http://schemas.openxmlformats.org/officeDocument/2006/customXml" ds:itemID="{7E0A2CB4-6869-426F-8BC4-A32C90CBE263}">
+  <ds:schemaRefs>
+    <ds:schemaRef ds:uri="http://schemas.microsoft.com/sharepoint/v3/contenttype/forms"/>
+  </ds:schemaRefs>
+</ds:datastoreItem>
+</file>
+
+<file path=customXml/itemProps2.xml><?xml version="1.0" encoding="utf-8"?>
 <ds:datastoreItem xmlns:ds="http://schemas.openxmlformats.org/officeDocument/2006/customXml" ds:itemID="{A941CA7C-A0BF-44EF-B2E5-7539C3B9B0B6}">
   <ds:schemaRefs>
     <ds:schemaRef ds:uri="http://schemas.microsoft.com/office/2006/metadata/contentType"/>
@@ -19430,14 +12237,6 @@
 </ds:datastoreItem>
 </file>
 
-<file path=customXml/itemProps2.xml><?xml version="1.0" encoding="utf-8"?>
-<ds:datastoreItem xmlns:ds="http://schemas.openxmlformats.org/officeDocument/2006/customXml" ds:itemID="{7E0A2CB4-6869-426F-8BC4-A32C90CBE263}">
-  <ds:schemaRefs>
-    <ds:schemaRef ds:uri="http://schemas.microsoft.com/sharepoint/v3/contenttype/forms"/>
-  </ds:schemaRefs>
-</ds:datastoreItem>
-</file>
-
 <file path=customXml/itemProps3.xml><?xml version="1.0" encoding="utf-8"?>
 <ds:datastoreItem xmlns:ds="http://schemas.openxmlformats.org/officeDocument/2006/customXml" ds:itemID="{A4E879E6-8FFE-4154-8F2A-F7518B89B376}">
   <ds:schemaRefs>

--- a/presentazione.pptx
+++ b/presentazione.pptx
@@ -5,16 +5,17 @@
     <p:sldMasterId id="2147483717" r:id="rId4"/>
   </p:sldMasterIdLst>
   <p:notesMasterIdLst>
-    <p:notesMasterId r:id="rId9"/>
+    <p:notesMasterId r:id="rId10"/>
   </p:notesMasterIdLst>
   <p:handoutMasterIdLst>
-    <p:handoutMasterId r:id="rId10"/>
+    <p:handoutMasterId r:id="rId11"/>
   </p:handoutMasterIdLst>
   <p:sldIdLst>
     <p:sldId id="258" r:id="rId5"/>
     <p:sldId id="286" r:id="rId6"/>
     <p:sldId id="266" r:id="rId7"/>
     <p:sldId id="291" r:id="rId8"/>
+    <p:sldId id="292" r:id="rId9"/>
   </p:sldIdLst>
   <p:sldSz cx="12192000" cy="6858000"/>
   <p:notesSz cx="6858000" cy="9144000"/>
@@ -220,7 +221,7 @@
             <a:pPr rtl="0"/>
             <a:fld id="{36FC0A7B-6666-4F41-AD03-C74B76B10001}" type="datetime1">
               <a:rPr lang="it-IT" smtClean="0"/>
-              <a:t>02/05/2022</a:t>
+              <a:t>10/05/2022</a:t>
             </a:fld>
             <a:endParaRPr lang="it-IT" dirty="0"/>
           </a:p>
@@ -401,7 +402,7 @@
             <a:fld id="{110E367B-2E0B-461C-8280-86016408BD7C}" type="datetime1">
               <a:rPr lang="it-IT" smtClean="0"/>
               <a:pPr/>
-              <a:t>02/05/2022</a:t>
+              <a:t>10/05/2022</a:t>
             </a:fld>
             <a:endParaRPr lang="it-IT" dirty="0"/>
           </a:p>
@@ -1015,6 +1016,92 @@
 </p:notes>
 </file>
 
+<file path=ppt/notesSlides/notesSlide5.xml><?xml version="1.0" encoding="utf-8"?>
+<p:notes xmlns:a="http://schemas.openxmlformats.org/drawingml/2006/main" xmlns:r="http://schemas.openxmlformats.org/officeDocument/2006/relationships" xmlns:p="http://schemas.openxmlformats.org/presentationml/2006/main">
+  <p:cSld>
+    <p:spTree>
+      <p:nvGrpSpPr>
+        <p:cNvPr id="1" name=""/>
+        <p:cNvGrpSpPr/>
+        <p:nvPr/>
+      </p:nvGrpSpPr>
+      <p:grpSpPr>
+        <a:xfrm>
+          <a:off x="0" y="0"/>
+          <a:ext cx="0" cy="0"/>
+          <a:chOff x="0" y="0"/>
+          <a:chExt cx="0" cy="0"/>
+        </a:xfrm>
+      </p:grpSpPr>
+      <p:sp>
+        <p:nvSpPr>
+          <p:cNvPr id="2" name="Segnaposto immagine diapositiva 1"/>
+          <p:cNvSpPr>
+            <a:spLocks noGrp="1" noRot="1" noChangeAspect="1"/>
+          </p:cNvSpPr>
+          <p:nvPr>
+            <p:ph type="sldImg"/>
+          </p:nvPr>
+        </p:nvSpPr>
+        <p:spPr/>
+      </p:sp>
+      <p:sp>
+        <p:nvSpPr>
+          <p:cNvPr id="3" name="Segnaposto note 2"/>
+          <p:cNvSpPr>
+            <a:spLocks noGrp="1"/>
+          </p:cNvSpPr>
+          <p:nvPr>
+            <p:ph type="body" idx="1"/>
+          </p:nvPr>
+        </p:nvSpPr>
+        <p:spPr/>
+        <p:txBody>
+          <a:bodyPr rtlCol="0"/>
+          <a:lstStyle/>
+          <a:p>
+            <a:pPr rtl="0"/>
+            <a:endParaRPr lang="it-IT" dirty="0"/>
+          </a:p>
+        </p:txBody>
+      </p:sp>
+      <p:sp>
+        <p:nvSpPr>
+          <p:cNvPr id="4" name="Segnaposto numero diapositiva 3"/>
+          <p:cNvSpPr>
+            <a:spLocks noGrp="1"/>
+          </p:cNvSpPr>
+          <p:nvPr>
+            <p:ph type="sldNum" sz="quarter" idx="5"/>
+          </p:nvPr>
+        </p:nvSpPr>
+        <p:spPr/>
+        <p:txBody>
+          <a:bodyPr rtlCol="0"/>
+          <a:lstStyle/>
+          <a:p>
+            <a:pPr rtl="0"/>
+            <a:fld id="{284ECAD9-32EE-4091-BDA5-6BD15ACC5E58}" type="slidenum">
+              <a:rPr lang="it-IT" smtClean="0"/>
+              <a:t>5</a:t>
+            </a:fld>
+            <a:endParaRPr lang="it-IT" dirty="0"/>
+          </a:p>
+        </p:txBody>
+      </p:sp>
+    </p:spTree>
+    <p:extLst>
+      <p:ext uri="{BB962C8B-B14F-4D97-AF65-F5344CB8AC3E}">
+        <p14:creationId xmlns:p14="http://schemas.microsoft.com/office/powerpoint/2010/main" val="3818121728"/>
+      </p:ext>
+    </p:extLst>
+  </p:cSld>
+  <p:clrMapOvr>
+    <a:masterClrMapping/>
+  </p:clrMapOvr>
+</p:notes>
+</file>
+
 <file path=ppt/slideLayouts/slideLayout1.xml><?xml version="1.0" encoding="utf-8"?>
 <p:sldLayout xmlns:a="http://schemas.openxmlformats.org/drawingml/2006/main" xmlns:r="http://schemas.openxmlformats.org/officeDocument/2006/relationships" xmlns:p="http://schemas.openxmlformats.org/presentationml/2006/main" showMasterSp="0" preserve="1" userDrawn="1">
   <p:cSld name="Diapositiva titolo">
@@ -1091,7 +1178,7 @@
             <a:pPr rtl="0"/>
             <a:fld id="{BC5A5791-EFA9-42A2-8E0D-DBC7A027EB39}" type="datetime1">
               <a:rPr lang="it-IT" noProof="0" smtClean="0"/>
-              <a:t>02/05/2022</a:t>
+              <a:t>10/05/2022</a:t>
             </a:fld>
             <a:endParaRPr lang="it-IT" noProof="0" dirty="0"/>
           </a:p>
@@ -1719,7 +1806,7 @@
             <a:pPr rtl="0"/>
             <a:fld id="{FF17C169-DBE1-4B6A-9921-1E108A1C6C42}" type="datetime1">
               <a:rPr lang="it-IT" noProof="0" smtClean="0"/>
-              <a:t>02/05/2022</a:t>
+              <a:t>10/05/2022</a:t>
             </a:fld>
             <a:endParaRPr lang="it-IT" noProof="0" dirty="0"/>
           </a:p>
@@ -2076,7 +2163,7 @@
             <a:pPr rtl="0"/>
             <a:fld id="{6C0ABBAF-B24C-4448-B75C-ADB9350121F9}" type="datetime1">
               <a:rPr lang="it-IT" noProof="0" smtClean="0"/>
-              <a:t>02/05/2022</a:t>
+              <a:t>10/05/2022</a:t>
             </a:fld>
             <a:endParaRPr lang="it-IT" noProof="0" dirty="0"/>
           </a:p>
@@ -2475,7 +2562,7 @@
             <a:pPr rtl="0"/>
             <a:fld id="{26E56894-810F-46F6-9A4E-7CB650138CD2}" type="datetime1">
               <a:rPr lang="it-IT" noProof="0" smtClean="0"/>
-              <a:t>02/05/2022</a:t>
+              <a:t>10/05/2022</a:t>
             </a:fld>
             <a:endParaRPr lang="it-IT" noProof="0" dirty="0"/>
           </a:p>
@@ -2958,7 +3045,7 @@
             <a:pPr rtl="0"/>
             <a:fld id="{6BDF9918-2BB5-43D7-98E9-1FB3954C3638}" type="datetime1">
               <a:rPr lang="it-IT" noProof="0" smtClean="0"/>
-              <a:t>02/05/2022</a:t>
+              <a:t>10/05/2022</a:t>
             </a:fld>
             <a:endParaRPr lang="it-IT" noProof="0" dirty="0"/>
           </a:p>
@@ -3349,7 +3436,7 @@
             <a:pPr rtl="0"/>
             <a:fld id="{983F2180-7340-4006-8F9F-3B15285D3035}" type="datetime1">
               <a:rPr lang="it-IT" noProof="0" smtClean="0"/>
-              <a:t>02/05/2022</a:t>
+              <a:t>10/05/2022</a:t>
             </a:fld>
             <a:endParaRPr lang="it-IT" noProof="0" dirty="0"/>
           </a:p>
@@ -3717,7 +3804,7 @@
             <a:pPr rtl="0"/>
             <a:fld id="{47C567FE-B98A-4D3F-9213-316EA9EC55A5}" type="datetime1">
               <a:rPr lang="it-IT" noProof="0" smtClean="0"/>
-              <a:t>02/05/2022</a:t>
+              <a:t>10/05/2022</a:t>
             </a:fld>
             <a:endParaRPr lang="it-IT" noProof="0" dirty="0"/>
           </a:p>
@@ -4210,7 +4297,7 @@
             <a:pPr rtl="0"/>
             <a:fld id="{BC922104-62E9-446F-9FB1-A32B08927891}" type="datetime1">
               <a:rPr lang="it-IT" noProof="0" smtClean="0"/>
-              <a:t>02/05/2022</a:t>
+              <a:t>10/05/2022</a:t>
             </a:fld>
             <a:endParaRPr lang="it-IT" noProof="0" dirty="0"/>
           </a:p>
@@ -4710,7 +4797,7 @@
             <a:pPr rtl="0"/>
             <a:fld id="{192B49F1-2FC8-466C-ABE0-4929E08403C1}" type="datetime1">
               <a:rPr lang="it-IT" noProof="0" smtClean="0"/>
-              <a:t>02/05/2022</a:t>
+              <a:t>10/05/2022</a:t>
             </a:fld>
             <a:endParaRPr lang="it-IT" noProof="0" dirty="0"/>
           </a:p>
@@ -5147,7 +5234,7 @@
             <a:pPr rtl="0"/>
             <a:fld id="{D669DC07-792B-4D17-B0C3-BB835168107E}" type="datetime1">
               <a:rPr lang="it-IT" noProof="0" smtClean="0"/>
-              <a:t>02/05/2022</a:t>
+              <a:t>10/05/2022</a:t>
             </a:fld>
             <a:endParaRPr lang="it-IT" noProof="0" dirty="0"/>
           </a:p>
@@ -5404,7 +5491,7 @@
             <a:pPr rtl="0"/>
             <a:fld id="{C95873E1-B6E7-4F22-ACBC-2B4E759526F9}" type="datetime1">
               <a:rPr lang="it-IT" noProof="0" smtClean="0"/>
-              <a:t>02/05/2022</a:t>
+              <a:t>10/05/2022</a:t>
             </a:fld>
             <a:endParaRPr lang="it-IT" noProof="0" dirty="0"/>
           </a:p>
@@ -5637,7 +5724,7 @@
             <a:pPr rtl="0"/>
             <a:fld id="{EDF35B73-1E84-4E1D-9C62-04B6DA1DCD89}" type="datetime1">
               <a:rPr lang="it-IT" noProof="0" smtClean="0"/>
-              <a:t>02/05/2022</a:t>
+              <a:t>10/05/2022</a:t>
             </a:fld>
             <a:endParaRPr lang="it-IT" noProof="0" dirty="0"/>
           </a:p>
@@ -6045,7 +6132,7 @@
             <a:pPr rtl="0"/>
             <a:fld id="{EF217D74-4249-45DE-AFC1-DB41000B186F}" type="datetime1">
               <a:rPr lang="it-IT" noProof="0" smtClean="0"/>
-              <a:t>02/05/2022</a:t>
+              <a:t>10/05/2022</a:t>
             </a:fld>
             <a:endParaRPr lang="it-IT" noProof="0" dirty="0"/>
           </a:p>
@@ -6289,7 +6376,7 @@
             <a:pPr rtl="0"/>
             <a:fld id="{02821AFD-43C1-409E-AABC-CA19CBFB6E3C}" type="datetime1">
               <a:rPr lang="it-IT" noProof="0" smtClean="0"/>
-              <a:t>02/05/2022</a:t>
+              <a:t>10/05/2022</a:t>
             </a:fld>
             <a:endParaRPr lang="it-IT" noProof="0" dirty="0"/>
           </a:p>
@@ -6489,7 +6576,7 @@
             <a:pPr rtl="0"/>
             <a:fld id="{25D5A028-43A2-4639-BEEA-82C2B46D2F75}" type="datetime1">
               <a:rPr lang="it-IT" noProof="0" smtClean="0"/>
-              <a:t>02/05/2022</a:t>
+              <a:t>10/05/2022</a:t>
             </a:fld>
             <a:endParaRPr lang="it-IT" noProof="0" dirty="0"/>
           </a:p>
@@ -6949,7 +7036,7 @@
             <a:pPr rtl="0"/>
             <a:fld id="{0AC1AF47-3649-4D70-8624-44F2D47949BF}" type="datetime1">
               <a:rPr lang="it-IT" noProof="0" smtClean="0"/>
-              <a:t>02/05/2022</a:t>
+              <a:t>10/05/2022</a:t>
             </a:fld>
             <a:endParaRPr lang="it-IT" noProof="0" dirty="0"/>
           </a:p>
@@ -7533,7 +7620,7 @@
             <a:pPr rtl="0"/>
             <a:fld id="{0C86549E-7F36-460D-B45B-E31862ACF4DC}" type="datetime1">
               <a:rPr lang="it-IT" noProof="0" smtClean="0"/>
-              <a:t>02/05/2022</a:t>
+              <a:t>10/05/2022</a:t>
             </a:fld>
             <a:endParaRPr lang="it-IT" noProof="0" dirty="0"/>
           </a:p>
@@ -7937,7 +8024,7 @@
             <a:pPr rtl="0"/>
             <a:fld id="{5AD476CA-C764-4FAD-8146-5EA1029A9E33}" type="datetime1">
               <a:rPr lang="it-IT" noProof="0" smtClean="0"/>
-              <a:t>02/05/2022</a:t>
+              <a:t>10/05/2022</a:t>
             </a:fld>
             <a:endParaRPr lang="it-IT" noProof="0" dirty="0"/>
           </a:p>
@@ -8080,7 +8167,7 @@
             <a:pPr rtl="0"/>
             <a:fld id="{8718CE71-08A2-40CC-B75F-5DA9EAC27385}" type="datetime1">
               <a:rPr lang="it-IT" noProof="0" smtClean="0"/>
-              <a:t>02/05/2022</a:t>
+              <a:t>10/05/2022</a:t>
             </a:fld>
             <a:endParaRPr lang="it-IT" noProof="0" dirty="0"/>
           </a:p>
@@ -8272,7 +8359,7 @@
             <a:pPr rtl="0"/>
             <a:fld id="{2F6EAE58-4589-466E-80D1-72C9CC21B379}" type="datetime1">
               <a:rPr lang="it-IT" noProof="0" smtClean="0"/>
-              <a:t>02/05/2022</a:t>
+              <a:t>10/05/2022</a:t>
             </a:fld>
             <a:endParaRPr lang="it-IT" noProof="0" dirty="0"/>
           </a:p>
@@ -8588,7 +8675,7 @@
             <a:pPr rtl="0"/>
             <a:fld id="{415EA518-E098-4533-A7FE-3A70CD273BA1}" type="datetime1">
               <a:rPr lang="it-IT" noProof="0" smtClean="0"/>
-              <a:t>02/05/2022</a:t>
+              <a:t>10/05/2022</a:t>
             </a:fld>
             <a:endParaRPr lang="it-IT" noProof="0" dirty="0"/>
           </a:p>
@@ -10899,7 +10986,7 @@
         </p:spPr>
         <p:txBody>
           <a:bodyPr vert="horz" lIns="0" tIns="45720" rIns="0" bIns="45720" rtlCol="0">
-            <a:normAutofit/>
+            <a:normAutofit lnSpcReduction="10000"/>
           </a:bodyPr>
           <a:lstStyle/>
           <a:p>
@@ -10908,7 +10995,7 @@
               <a:rPr lang="it-IT" dirty="0">
                 <a:latin typeface="+mj-lt"/>
               </a:rPr>
-              <a:t>Il tool SimpleID3 si occupa del riconoscimento di tag «simil-ID3v1» integrati all’interno dei file. </a:t>
+              <a:t>Il tool SimpleID3 si occupa del riconoscimento di tag in standard ID3v1 e «simil-ID3v1» integrati all’interno dei file. </a:t>
             </a:r>
           </a:p>
           <a:p>
@@ -10917,7 +11004,15 @@
               <a:rPr lang="it-IT" dirty="0">
                 <a:latin typeface="+mj-lt"/>
               </a:rPr>
-              <a:t>Differiscono dallo standard ID3v1 per la presenza degli </a:t>
+              <a:t>I tag leggibili in standard ID3 hanno pieno supporto alla versione v1 e parziale alla versione v1.1: sono perfettamente leggibili, ma non viene riportata l’informazione addizionale che caratterizza la v1.1, ovvero il numero di traccia</a:t>
+            </a:r>
+          </a:p>
+          <a:p>
+            <a:r>
+              <a:rPr lang="it-IT" dirty="0">
+                <a:latin typeface="+mj-lt"/>
+              </a:rPr>
+              <a:t>Il formato dei tag «simil-ID3v1» differisce dallo standard ID3v1 per la presenza degli </a:t>
             </a:r>
             <a:r>
               <a:rPr lang="it-IT" dirty="0" err="1">
@@ -10933,65 +11028,24 @@
             </a:r>
           </a:p>
           <a:p>
-            <a:pPr rtl="0"/>
             <a:r>
               <a:rPr lang="it-IT" dirty="0">
                 <a:latin typeface="+mj-lt"/>
               </a:rPr>
-              <a:t>È molto utile per visualizzare a schermo le informazioni contenute all’interno dei nostri file musicali</a:t>
-            </a:r>
-          </a:p>
-          <a:p>
-            <a:pPr rtl="0"/>
-            <a:r>
-              <a:rPr lang="it-IT" dirty="0">
-                <a:latin typeface="+mj-lt"/>
-              </a:rPr>
-              <a:t>Il codice e la grammatica sono disponibili su GitHub alla repository -&gt; </a:t>
-            </a:r>
-            <a:r>
-              <a:rPr lang="it-IT" dirty="0">
-                <a:latin typeface="+mj-lt"/>
-                <a:hlinkClick r:id="rId3"/>
-              </a:rPr>
-              <a:t>https://github.com/atusghen/SimpleID3</a:t>
-            </a:r>
+              <a:t>È un tipo di grammatica nuovo e diverso rispetto allo standard, che permette ed aggiunge la ricerca di errori e il controllo della struttura all’interno dello slot di informazioni</a:t>
+            </a:r>
+          </a:p>
+          <a:p>
+            <a:pPr rtl="0"/>
             <a:endParaRPr lang="it-IT" dirty="0">
               <a:latin typeface="+mj-lt"/>
             </a:endParaRPr>
           </a:p>
           <a:p>
             <a:pPr rtl="0"/>
-            <a:r>
-              <a:rPr lang="it-IT" dirty="0">
-                <a:latin typeface="+mj-lt"/>
-              </a:rPr>
-              <a:t>Java con Eclipse e </a:t>
-            </a:r>
-            <a:r>
-              <a:rPr lang="it-IT" dirty="0" err="1">
-                <a:latin typeface="+mj-lt"/>
-              </a:rPr>
-              <a:t>AntLR</a:t>
-            </a:r>
-            <a:r>
-              <a:rPr lang="it-IT" dirty="0">
-                <a:latin typeface="+mj-lt"/>
-              </a:rPr>
-              <a:t> 3.4, </a:t>
-            </a:r>
-            <a:r>
-              <a:rPr lang="it-IT" dirty="0" err="1">
-                <a:latin typeface="+mj-lt"/>
-              </a:rPr>
-              <a:t>AntLRworks</a:t>
-            </a:r>
-            <a:r>
-              <a:rPr lang="it-IT" dirty="0">
-                <a:latin typeface="+mj-lt"/>
-              </a:rPr>
-              <a:t> 1.5.2 per la grammatica</a:t>
-            </a:r>
+            <a:endParaRPr lang="it-IT" dirty="0">
+              <a:latin typeface="+mj-lt"/>
+            </a:endParaRPr>
           </a:p>
         </p:txBody>
       </p:sp>
@@ -11010,13 +11064,13 @@
           <p:nvPr/>
         </p:nvPicPr>
         <p:blipFill>
-          <a:blip r:embed="rId4" cstate="print">
+          <a:blip r:embed="rId3" cstate="print">
             <a:extLst>
               <a:ext uri="{28A0092B-C50C-407E-A947-70E740481C1C}">
                 <a14:useLocalDpi xmlns:a14="http://schemas.microsoft.com/office/drawing/2010/main" val="0"/>
               </a:ext>
               <a:ext uri="{96DAC541-7B7A-43D3-8B79-37D633B846F1}">
-                <asvg:svgBlip xmlns:asvg="http://schemas.microsoft.com/office/drawing/2016/SVG/main" r:embed="rId5"/>
+                <asvg:svgBlip xmlns:asvg="http://schemas.microsoft.com/office/drawing/2016/SVG/main" r:embed="rId4"/>
               </a:ext>
             </a:extLst>
           </a:blip>
@@ -11089,6 +11143,555 @@
     <p:extLst>
       <p:ext uri="{BB962C8B-B14F-4D97-AF65-F5344CB8AC3E}">
         <p14:creationId xmlns:p14="http://schemas.microsoft.com/office/powerpoint/2010/main" val="2101953272"/>
+      </p:ext>
+    </p:extLst>
+  </p:cSld>
+  <p:clrMapOvr>
+    <a:masterClrMapping/>
+  </p:clrMapOvr>
+</p:sld>
+</file>
+
+<file path=ppt/slides/slide5.xml><?xml version="1.0" encoding="utf-8"?>
+<p:sld xmlns:a="http://schemas.openxmlformats.org/drawingml/2006/main" xmlns:r="http://schemas.openxmlformats.org/officeDocument/2006/relationships" xmlns:p="http://schemas.openxmlformats.org/presentationml/2006/main">
+  <p:cSld>
+    <p:bg>
+      <p:bgPr>
+        <a:solidFill>
+          <a:schemeClr val="bg1"/>
+        </a:solidFill>
+        <a:effectLst/>
+      </p:bgPr>
+    </p:bg>
+    <p:spTree>
+      <p:nvGrpSpPr>
+        <p:cNvPr id="1" name=""/>
+        <p:cNvGrpSpPr/>
+        <p:nvPr/>
+      </p:nvGrpSpPr>
+      <p:grpSpPr>
+        <a:xfrm>
+          <a:off x="0" y="0"/>
+          <a:ext cx="0" cy="0"/>
+          <a:chOff x="0" y="0"/>
+          <a:chExt cx="0" cy="0"/>
+        </a:xfrm>
+      </p:grpSpPr>
+      <p:sp>
+        <p:nvSpPr>
+          <p:cNvPr id="26" name="Rettangolo 28">
+            <a:extLst>
+              <a:ext uri="{FF2B5EF4-FFF2-40B4-BE49-F238E27FC236}">
+                <a16:creationId xmlns:a16="http://schemas.microsoft.com/office/drawing/2014/main" id="{416A0E3C-60E6-4F39-BC55-5F7C224E1F7C}"/>
+              </a:ext>
+              <a:ext uri="{C183D7F6-B498-43B3-948B-1728B52AA6E4}">
+                <adec:decorative xmlns:adec="http://schemas.microsoft.com/office/drawing/2017/decorative" val="1"/>
+              </a:ext>
+            </a:extLst>
+          </p:cNvPr>
+          <p:cNvSpPr>
+            <a:spLocks noGrp="1" noRot="1" noChangeAspect="1" noMove="1" noResize="1" noEditPoints="1" noAdjustHandles="1" noChangeArrowheads="1" noChangeShapeType="1" noTextEdit="1"/>
+          </p:cNvSpPr>
+          <p:nvPr>
+            <p:extLst>
+              <p:ext uri="{386F3935-93C4-4BCD-93E2-E3B085C9AB24}">
+                <p16:designElem xmlns:p16="http://schemas.microsoft.com/office/powerpoint/2015/main" val="1"/>
+              </p:ext>
+            </p:extLst>
+          </p:nvPr>
+        </p:nvSpPr>
+        <p:spPr>
+          <a:xfrm>
+            <a:off x="3175" y="6400800"/>
+            <a:ext cx="12188825" cy="457200"/>
+          </a:xfrm>
+          <a:prstGeom prst="rect">
+            <a:avLst/>
+          </a:prstGeom>
+          <a:solidFill>
+            <a:srgbClr val="262626"/>
+          </a:solidFill>
+          <a:ln>
+            <a:noFill/>
+          </a:ln>
+        </p:spPr>
+        <p:style>
+          <a:lnRef idx="2">
+            <a:schemeClr val="accent1">
+              <a:shade val="50000"/>
+            </a:schemeClr>
+          </a:lnRef>
+          <a:fillRef idx="1">
+            <a:schemeClr val="accent1"/>
+          </a:fillRef>
+          <a:effectRef idx="0">
+            <a:schemeClr val="accent1"/>
+          </a:effectRef>
+          <a:fontRef idx="minor">
+            <a:schemeClr val="lt1"/>
+          </a:fontRef>
+        </p:style>
+      </p:sp>
+      <p:cxnSp>
+        <p:nvCxnSpPr>
+          <p:cNvPr id="27" name="Connettore diritto 30">
+            <a:extLst>
+              <a:ext uri="{FF2B5EF4-FFF2-40B4-BE49-F238E27FC236}">
+                <a16:creationId xmlns:a16="http://schemas.microsoft.com/office/drawing/2014/main" id="{C5025DAC-8B93-4160-B017-3A274A5828C0}"/>
+              </a:ext>
+              <a:ext uri="{C183D7F6-B498-43B3-948B-1728B52AA6E4}">
+                <adec:decorative xmlns:adec="http://schemas.microsoft.com/office/drawing/2017/decorative" val="1"/>
+              </a:ext>
+            </a:extLst>
+          </p:cNvPr>
+          <p:cNvCxnSpPr>
+            <a:cxnSpLocks noGrp="1" noRot="1" noChangeAspect="1" noMove="1" noResize="1" noEditPoints="1" noAdjustHandles="1" noChangeArrowheads="1" noChangeShapeType="1"/>
+          </p:cNvCxnSpPr>
+          <p:nvPr>
+            <p:extLst>
+              <p:ext uri="{386F3935-93C4-4BCD-93E2-E3B085C9AB24}">
+                <p16:designElem xmlns:p16="http://schemas.microsoft.com/office/powerpoint/2015/main" val="1"/>
+              </p:ext>
+            </p:extLst>
+          </p:nvPr>
+        </p:nvCxnSpPr>
+        <p:spPr>
+          <a:xfrm>
+            <a:off x="1193532" y="1897380"/>
+            <a:ext cx="9966960" cy="0"/>
+          </a:xfrm>
+          <a:prstGeom prst="line">
+            <a:avLst/>
+          </a:prstGeom>
+          <a:ln w="12700">
+            <a:solidFill>
+              <a:schemeClr val="tx1">
+                <a:lumMod val="75000"/>
+                <a:lumOff val="25000"/>
+              </a:schemeClr>
+            </a:solidFill>
+          </a:ln>
+        </p:spPr>
+        <p:style>
+          <a:lnRef idx="1">
+            <a:schemeClr val="accent1"/>
+          </a:lnRef>
+          <a:fillRef idx="0">
+            <a:schemeClr val="accent1"/>
+          </a:fillRef>
+          <a:effectRef idx="0">
+            <a:schemeClr val="accent1"/>
+          </a:effectRef>
+          <a:fontRef idx="minor">
+            <a:schemeClr val="tx1"/>
+          </a:fontRef>
+        </p:style>
+      </p:cxnSp>
+      <p:sp useBgFill="1">
+        <p:nvSpPr>
+          <p:cNvPr id="28" name="Rettangolo 32">
+            <a:extLst>
+              <a:ext uri="{FF2B5EF4-FFF2-40B4-BE49-F238E27FC236}">
+                <a16:creationId xmlns:a16="http://schemas.microsoft.com/office/drawing/2014/main" id="{990D0034-F768-41E7-85D4-F38C4DE85770}"/>
+              </a:ext>
+              <a:ext uri="{C183D7F6-B498-43B3-948B-1728B52AA6E4}">
+                <adec:decorative xmlns:adec="http://schemas.microsoft.com/office/drawing/2017/decorative" val="1"/>
+              </a:ext>
+            </a:extLst>
+          </p:cNvPr>
+          <p:cNvSpPr>
+            <a:spLocks noGrp="1" noRot="1" noChangeAspect="1" noMove="1" noResize="1" noEditPoints="1" noAdjustHandles="1" noChangeArrowheads="1" noChangeShapeType="1" noTextEdit="1"/>
+          </p:cNvSpPr>
+          <p:nvPr>
+            <p:extLst>
+              <p:ext uri="{386F3935-93C4-4BCD-93E2-E3B085C9AB24}">
+                <p16:designElem xmlns:p16="http://schemas.microsoft.com/office/powerpoint/2015/main" val="1"/>
+              </p:ext>
+            </p:extLst>
+          </p:nvPr>
+        </p:nvSpPr>
+        <p:spPr>
+          <a:xfrm>
+            <a:off x="0" y="0"/>
+            <a:ext cx="12186315" cy="6858000"/>
+          </a:xfrm>
+          <a:prstGeom prst="rect">
+            <a:avLst/>
+          </a:prstGeom>
+          <a:ln>
+            <a:noFill/>
+          </a:ln>
+        </p:spPr>
+        <p:style>
+          <a:lnRef idx="2">
+            <a:schemeClr val="accent6">
+              <a:shade val="50000"/>
+            </a:schemeClr>
+          </a:lnRef>
+          <a:fillRef idx="1001">
+            <a:schemeClr val="lt1"/>
+          </a:fillRef>
+          <a:effectRef idx="0">
+            <a:schemeClr val="accent6"/>
+          </a:effectRef>
+          <a:fontRef idx="minor">
+            <a:schemeClr val="lt1"/>
+          </a:fontRef>
+        </p:style>
+        <p:txBody>
+          <a:bodyPr rtlCol="0" anchor="ctr"/>
+          <a:lstStyle/>
+          <a:p>
+            <a:pPr algn="ctr" rtl="0"/>
+            <a:endParaRPr lang="it-IT" dirty="0"/>
+          </a:p>
+        </p:txBody>
+      </p:sp>
+      <p:sp>
+        <p:nvSpPr>
+          <p:cNvPr id="5" name="Titolo 4">
+            <a:extLst>
+              <a:ext uri="{FF2B5EF4-FFF2-40B4-BE49-F238E27FC236}">
+                <a16:creationId xmlns:a16="http://schemas.microsoft.com/office/drawing/2014/main" id="{B8B72B13-069B-4F8A-9437-FA58C3F1D44B}"/>
+              </a:ext>
+            </a:extLst>
+          </p:cNvPr>
+          <p:cNvSpPr>
+            <a:spLocks noGrp="1"/>
+          </p:cNvSpPr>
+          <p:nvPr>
+            <p:ph type="title"/>
+          </p:nvPr>
+        </p:nvSpPr>
+        <p:spPr>
+          <a:xfrm>
+            <a:off x="590927" y="535936"/>
+            <a:ext cx="10864474" cy="700340"/>
+          </a:xfrm>
+        </p:spPr>
+        <p:txBody>
+          <a:bodyPr vert="horz" lIns="91440" tIns="45720" rIns="91440" bIns="45720" rtlCol="0" anchor="b">
+            <a:noAutofit/>
+          </a:bodyPr>
+          <a:lstStyle/>
+          <a:p>
+            <a:pPr rtl="0"/>
+            <a:r>
+              <a:rPr lang="it-IT" sz="4400" dirty="0">
+                <a:solidFill>
+                  <a:schemeClr val="tx1">
+                    <a:lumMod val="75000"/>
+                    <a:lumOff val="25000"/>
+                  </a:schemeClr>
+                </a:solidFill>
+              </a:rPr>
+              <a:t>Tool SimpleID3</a:t>
+            </a:r>
+          </a:p>
+        </p:txBody>
+      </p:sp>
+      <p:cxnSp>
+        <p:nvCxnSpPr>
+          <p:cNvPr id="30" name="Connettore diritto 34">
+            <a:extLst>
+              <a:ext uri="{FF2B5EF4-FFF2-40B4-BE49-F238E27FC236}">
+                <a16:creationId xmlns:a16="http://schemas.microsoft.com/office/drawing/2014/main" id="{5A0A5CF6-407C-4691-8122-49DF69D0020D}"/>
+              </a:ext>
+              <a:ext uri="{C183D7F6-B498-43B3-948B-1728B52AA6E4}">
+                <adec:decorative xmlns:adec="http://schemas.microsoft.com/office/drawing/2017/decorative" val="1"/>
+              </a:ext>
+            </a:extLst>
+          </p:cNvPr>
+          <p:cNvCxnSpPr>
+            <a:cxnSpLocks noGrp="1" noRot="1" noChangeAspect="1" noMove="1" noResize="1" noEditPoints="1" noAdjustHandles="1" noChangeArrowheads="1" noChangeShapeType="1"/>
+          </p:cNvCxnSpPr>
+          <p:nvPr>
+            <p:extLst>
+              <p:ext uri="{386F3935-93C4-4BCD-93E2-E3B085C9AB24}">
+                <p16:designElem xmlns:p16="http://schemas.microsoft.com/office/powerpoint/2015/main" val="1"/>
+              </p:ext>
+            </p:extLst>
+          </p:nvPr>
+        </p:nvCxnSpPr>
+        <p:spPr>
+          <a:xfrm>
+            <a:off x="590927" y="2633962"/>
+            <a:ext cx="2834640" cy="0"/>
+          </a:xfrm>
+          <a:prstGeom prst="line">
+            <a:avLst/>
+          </a:prstGeom>
+          <a:ln w="12700">
+            <a:solidFill>
+              <a:schemeClr val="tx1">
+                <a:lumMod val="75000"/>
+                <a:lumOff val="25000"/>
+              </a:schemeClr>
+            </a:solidFill>
+          </a:ln>
+        </p:spPr>
+        <p:style>
+          <a:lnRef idx="1">
+            <a:schemeClr val="accent1"/>
+          </a:lnRef>
+          <a:fillRef idx="0">
+            <a:schemeClr val="accent1"/>
+          </a:fillRef>
+          <a:effectRef idx="0">
+            <a:schemeClr val="accent1"/>
+          </a:effectRef>
+          <a:fontRef idx="minor">
+            <a:schemeClr val="tx1"/>
+          </a:fontRef>
+        </p:style>
+      </p:cxnSp>
+      <p:sp>
+        <p:nvSpPr>
+          <p:cNvPr id="4" name="Rettangolo 3">
+            <a:extLst>
+              <a:ext uri="{FF2B5EF4-FFF2-40B4-BE49-F238E27FC236}">
+                <a16:creationId xmlns:a16="http://schemas.microsoft.com/office/drawing/2014/main" id="{D22E5227-66DC-4545-A93A-3BAE57987144}"/>
+              </a:ext>
+            </a:extLst>
+          </p:cNvPr>
+          <p:cNvSpPr/>
+          <p:nvPr/>
+        </p:nvSpPr>
+        <p:spPr>
+          <a:xfrm>
+            <a:off x="590927" y="2477070"/>
+            <a:ext cx="2955837" cy="457195"/>
+          </a:xfrm>
+          <a:prstGeom prst="rect">
+            <a:avLst/>
+          </a:prstGeom>
+          <a:solidFill>
+            <a:schemeClr val="bg1"/>
+          </a:solidFill>
+          <a:ln>
+            <a:solidFill>
+              <a:schemeClr val="bg1"/>
+            </a:solidFill>
+          </a:ln>
+        </p:spPr>
+        <p:style>
+          <a:lnRef idx="2">
+            <a:schemeClr val="accent1">
+              <a:shade val="50000"/>
+            </a:schemeClr>
+          </a:lnRef>
+          <a:fillRef idx="1">
+            <a:schemeClr val="accent1"/>
+          </a:fillRef>
+          <a:effectRef idx="0">
+            <a:schemeClr val="accent1"/>
+          </a:effectRef>
+          <a:fontRef idx="minor">
+            <a:schemeClr val="lt1"/>
+          </a:fontRef>
+        </p:style>
+        <p:txBody>
+          <a:bodyPr rtlCol="0" anchor="ctr"/>
+          <a:lstStyle/>
+          <a:p>
+            <a:pPr algn="ctr"/>
+            <a:endParaRPr lang="it-IT"/>
+          </a:p>
+        </p:txBody>
+      </p:sp>
+      <p:sp>
+        <p:nvSpPr>
+          <p:cNvPr id="6" name="Segnaposto contenuto 5">
+            <a:extLst>
+              <a:ext uri="{FF2B5EF4-FFF2-40B4-BE49-F238E27FC236}">
+                <a16:creationId xmlns:a16="http://schemas.microsoft.com/office/drawing/2014/main" id="{2281D70C-EE29-493E-838C-890184A02C07}"/>
+              </a:ext>
+            </a:extLst>
+          </p:cNvPr>
+          <p:cNvSpPr>
+            <a:spLocks noGrp="1"/>
+          </p:cNvSpPr>
+          <p:nvPr>
+            <p:ph idx="1"/>
+          </p:nvPr>
+        </p:nvSpPr>
+        <p:spPr>
+          <a:xfrm>
+            <a:off x="590926" y="1452870"/>
+            <a:ext cx="10864474" cy="4590875"/>
+          </a:xfrm>
+        </p:spPr>
+        <p:txBody>
+          <a:bodyPr vert="horz" lIns="0" tIns="45720" rIns="0" bIns="45720" rtlCol="0">
+            <a:normAutofit/>
+          </a:bodyPr>
+          <a:lstStyle/>
+          <a:p>
+            <a:pPr rtl="0"/>
+            <a:r>
+              <a:rPr lang="it-IT" dirty="0">
+                <a:latin typeface="+mj-lt"/>
+              </a:rPr>
+              <a:t>Il tool è quindi molto utile per visualizzare a schermo le informazioni di base contenute all’interno dei nostri file musicali</a:t>
+            </a:r>
+          </a:p>
+          <a:p>
+            <a:pPr rtl="0"/>
+            <a:r>
+              <a:rPr lang="it-IT" dirty="0">
+                <a:latin typeface="+mj-lt"/>
+              </a:rPr>
+              <a:t>Il tool non supporta la versione v2 e successive, che sono basate su un concetto a frame e un tipo di immagazzinamento dei dati che sfrutta concetti diversi</a:t>
+            </a:r>
+          </a:p>
+          <a:p>
+            <a:pPr rtl="0"/>
+            <a:r>
+              <a:rPr lang="it-IT" dirty="0">
+                <a:latin typeface="+mj-lt"/>
+              </a:rPr>
+              <a:t>Il codice e la grammatica, cosi come un eseguibile Java compilato sono disponibili su GitHub alla repository -&gt; </a:t>
+            </a:r>
+            <a:r>
+              <a:rPr lang="it-IT" dirty="0">
+                <a:latin typeface="+mj-lt"/>
+                <a:hlinkClick r:id="rId3"/>
+              </a:rPr>
+              <a:t>https://github.com/atusghen/SimpleID3</a:t>
+            </a:r>
+            <a:endParaRPr lang="it-IT" dirty="0">
+              <a:latin typeface="+mj-lt"/>
+            </a:endParaRPr>
+          </a:p>
+          <a:p>
+            <a:pPr rtl="0"/>
+            <a:r>
+              <a:rPr lang="it-IT" dirty="0">
+                <a:latin typeface="+mj-lt"/>
+              </a:rPr>
+              <a:t>Le tecnologie e gli strumenti utilizzati per lo sviluppo sono stati -&gt; Java con Eclipse e </a:t>
+            </a:r>
+            <a:r>
+              <a:rPr lang="it-IT" dirty="0" err="1">
+                <a:latin typeface="+mj-lt"/>
+              </a:rPr>
+              <a:t>AntLR</a:t>
+            </a:r>
+            <a:r>
+              <a:rPr lang="it-IT" dirty="0">
+                <a:latin typeface="+mj-lt"/>
+              </a:rPr>
+              <a:t> 3.4, </a:t>
+            </a:r>
+            <a:r>
+              <a:rPr lang="it-IT" dirty="0" err="1">
+                <a:latin typeface="+mj-lt"/>
+              </a:rPr>
+              <a:t>AntLRworks</a:t>
+            </a:r>
+            <a:r>
+              <a:rPr lang="it-IT" dirty="0">
+                <a:latin typeface="+mj-lt"/>
+              </a:rPr>
+              <a:t> 1.5.2 per la grammatica</a:t>
+            </a:r>
+          </a:p>
+        </p:txBody>
+      </p:sp>
+      <p:pic>
+        <p:nvPicPr>
+          <p:cNvPr id="10" name="Elemento grafico 9">
+            <a:extLst>
+              <a:ext uri="{FF2B5EF4-FFF2-40B4-BE49-F238E27FC236}">
+                <a16:creationId xmlns:a16="http://schemas.microsoft.com/office/drawing/2014/main" id="{54A47743-7725-4A33-93CA-EFB89C10D1EC}"/>
+              </a:ext>
+            </a:extLst>
+          </p:cNvPr>
+          <p:cNvPicPr>
+            <a:picLocks noChangeAspect="1"/>
+          </p:cNvPicPr>
+          <p:nvPr/>
+        </p:nvPicPr>
+        <p:blipFill>
+          <a:blip r:embed="rId4" cstate="print">
+            <a:extLst>
+              <a:ext uri="{28A0092B-C50C-407E-A947-70E740481C1C}">
+                <a14:useLocalDpi xmlns:a14="http://schemas.microsoft.com/office/drawing/2010/main" val="0"/>
+              </a:ext>
+              <a:ext uri="{96DAC541-7B7A-43D3-8B79-37D633B846F1}">
+                <asvg:svgBlip xmlns:asvg="http://schemas.microsoft.com/office/drawing/2016/SVG/main" r:embed="rId5"/>
+              </a:ext>
+            </a:extLst>
+          </a:blip>
+          <a:stretch>
+            <a:fillRect/>
+          </a:stretch>
+        </p:blipFill>
+        <p:spPr>
+          <a:xfrm>
+            <a:off x="207095" y="6043750"/>
+            <a:ext cx="1770209" cy="700341"/>
+          </a:xfrm>
+          <a:prstGeom prst="rect">
+            <a:avLst/>
+          </a:prstGeom>
+        </p:spPr>
+      </p:pic>
+      <p:sp>
+        <p:nvSpPr>
+          <p:cNvPr id="12" name="Connettore 11">
+            <a:extLst>
+              <a:ext uri="{FF2B5EF4-FFF2-40B4-BE49-F238E27FC236}">
+                <a16:creationId xmlns:a16="http://schemas.microsoft.com/office/drawing/2014/main" id="{92095D8C-8CCA-4CC6-B2D2-E1BC4732F321}"/>
+              </a:ext>
+            </a:extLst>
+          </p:cNvPr>
+          <p:cNvSpPr/>
+          <p:nvPr/>
+        </p:nvSpPr>
+        <p:spPr>
+          <a:xfrm>
+            <a:off x="11455401" y="6273800"/>
+            <a:ext cx="512910" cy="470291"/>
+          </a:xfrm>
+          <a:prstGeom prst="flowChartConnector">
+            <a:avLst/>
+          </a:prstGeom>
+        </p:spPr>
+        <p:style>
+          <a:lnRef idx="2">
+            <a:schemeClr val="accent1">
+              <a:shade val="50000"/>
+            </a:schemeClr>
+          </a:lnRef>
+          <a:fillRef idx="1">
+            <a:schemeClr val="accent1"/>
+          </a:fillRef>
+          <a:effectRef idx="0">
+            <a:schemeClr val="accent1"/>
+          </a:effectRef>
+          <a:fontRef idx="minor">
+            <a:schemeClr val="lt1"/>
+          </a:fontRef>
+        </p:style>
+        <p:txBody>
+          <a:bodyPr rtlCol="0" anchor="ctr"/>
+          <a:lstStyle/>
+          <a:p>
+            <a:pPr algn="ctr"/>
+            <a:fld id="{3A98EE3D-8CD1-4C3F-BD1C-C98C9596463C}" type="slidenum">
+              <a:rPr lang="it-IT" sz="1200" b="1"/>
+              <a:pPr algn="ctr"/>
+              <a:t>5</a:t>
+            </a:fld>
+            <a:endParaRPr lang="it-IT" b="1" dirty="0"/>
+          </a:p>
+        </p:txBody>
+      </p:sp>
+    </p:spTree>
+    <p:extLst>
+      <p:ext uri="{BB962C8B-B14F-4D97-AF65-F5344CB8AC3E}">
+        <p14:creationId xmlns:p14="http://schemas.microsoft.com/office/powerpoint/2010/main" val="1668686558"/>
       </p:ext>
     </p:extLst>
   </p:cSld>
@@ -11981,6 +12584,15 @@
 </file>
 
 <file path=customXml/item2.xml><?xml version="1.0" encoding="utf-8"?>
+<p:properties xmlns:p="http://schemas.microsoft.com/office/2006/metadata/properties" xmlns:xsi="http://www.w3.org/2001/XMLSchema-instance" xmlns:pc="http://schemas.microsoft.com/office/infopath/2007/PartnerControls">
+  <documentManagement>
+    <Status xmlns="71af3243-3dd4-4a8d-8c0d-dd76da1f02a5">Not started</Status>
+    <MediaServiceKeyPoints xmlns="71af3243-3dd4-4a8d-8c0d-dd76da1f02a5" xsi:nil="true"/>
+  </documentManagement>
+</p:properties>
+</file>
+
+<file path=customXml/item3.xml><?xml version="1.0" encoding="utf-8"?>
 <ct:contentTypeSchema xmlns:ct="http://schemas.microsoft.com/office/2006/metadata/contentType" xmlns:ma="http://schemas.microsoft.com/office/2006/metadata/properties/metaAttributes" ct:_="" ma:_="" ma:contentTypeName="Document" ma:contentTypeID="0x01010079F111ED35F8CC479449609E8A0923A6" ma:contentTypeVersion="12" ma:contentTypeDescription="Create a new document." ma:contentTypeScope="" ma:versionID="fa6e671f1cd7e4d96ff9652be322dd5e">
   <xsd:schema xmlns:xsd="http://www.w3.org/2001/XMLSchema" xmlns:xs="http://www.w3.org/2001/XMLSchema" xmlns:p="http://schemas.microsoft.com/office/2006/metadata/properties" xmlns:ns2="71af3243-3dd4-4a8d-8c0d-dd76da1f02a5" xmlns:ns3="16c05727-aa75-4e4a-9b5f-8a80a1165891" targetNamespace="http://schemas.microsoft.com/office/2006/metadata/properties" ma:root="true" ma:fieldsID="4e2496f70b101db0b8013f30a071bbf7" ns2:_="" ns3:_="">
     <xsd:import namespace="71af3243-3dd4-4a8d-8c0d-dd76da1f02a5"/>
@@ -12201,15 +12813,6 @@
 </ct:contentTypeSchema>
 </file>
 
-<file path=customXml/item3.xml><?xml version="1.0" encoding="utf-8"?>
-<p:properties xmlns:p="http://schemas.microsoft.com/office/2006/metadata/properties" xmlns:xsi="http://www.w3.org/2001/XMLSchema-instance" xmlns:pc="http://schemas.microsoft.com/office/infopath/2007/PartnerControls">
-  <documentManagement>
-    <Status xmlns="71af3243-3dd4-4a8d-8c0d-dd76da1f02a5">Not started</Status>
-    <MediaServiceKeyPoints xmlns="71af3243-3dd4-4a8d-8c0d-dd76da1f02a5" xsi:nil="true"/>
-  </documentManagement>
-</p:properties>
-</file>
-
 <file path=customXml/itemProps1.xml><?xml version="1.0" encoding="utf-8"?>
 <ds:datastoreItem xmlns:ds="http://schemas.openxmlformats.org/officeDocument/2006/customXml" ds:itemID="{7E0A2CB4-6869-426F-8BC4-A32C90CBE263}">
   <ds:schemaRefs>
@@ -12219,6 +12822,16 @@
 </file>
 
 <file path=customXml/itemProps2.xml><?xml version="1.0" encoding="utf-8"?>
+<ds:datastoreItem xmlns:ds="http://schemas.openxmlformats.org/officeDocument/2006/customXml" ds:itemID="{A4E879E6-8FFE-4154-8F2A-F7518B89B376}">
+  <ds:schemaRefs>
+    <ds:schemaRef ds:uri="http://schemas.microsoft.com/office/2006/metadata/properties"/>
+    <ds:schemaRef ds:uri="http://schemas.microsoft.com/office/infopath/2007/PartnerControls"/>
+    <ds:schemaRef ds:uri="71af3243-3dd4-4a8d-8c0d-dd76da1f02a5"/>
+  </ds:schemaRefs>
+</ds:datastoreItem>
+</file>
+
+<file path=customXml/itemProps3.xml><?xml version="1.0" encoding="utf-8"?>
 <ds:datastoreItem xmlns:ds="http://schemas.openxmlformats.org/officeDocument/2006/customXml" ds:itemID="{A941CA7C-A0BF-44EF-B2E5-7539C3B9B0B6}">
   <ds:schemaRefs>
     <ds:schemaRef ds:uri="http://schemas.microsoft.com/office/2006/metadata/contentType"/>
@@ -12235,14 +12848,4 @@
     <ds:schemaRef ds:uri="http://schemas.microsoft.com/internal/obd"/>
   </ds:schemaRefs>
 </ds:datastoreItem>
-</file>
-
-<file path=customXml/itemProps3.xml><?xml version="1.0" encoding="utf-8"?>
-<ds:datastoreItem xmlns:ds="http://schemas.openxmlformats.org/officeDocument/2006/customXml" ds:itemID="{A4E879E6-8FFE-4154-8F2A-F7518B89B376}">
-  <ds:schemaRefs>
-    <ds:schemaRef ds:uri="http://schemas.microsoft.com/office/2006/metadata/properties"/>
-    <ds:schemaRef ds:uri="http://schemas.microsoft.com/office/infopath/2007/PartnerControls"/>
-    <ds:schemaRef ds:uri="71af3243-3dd4-4a8d-8c0d-dd76da1f02a5"/>
-  </ds:schemaRefs>
-</ds:datastoreItem>
 </file>
--- a/presentazione.pptx
+++ b/presentazione.pptx
@@ -5,17 +5,23 @@
     <p:sldMasterId id="2147483717" r:id="rId4"/>
   </p:sldMasterIdLst>
   <p:notesMasterIdLst>
-    <p:notesMasterId r:id="rId10"/>
+    <p:notesMasterId r:id="rId16"/>
   </p:notesMasterIdLst>
   <p:handoutMasterIdLst>
-    <p:handoutMasterId r:id="rId11"/>
+    <p:handoutMasterId r:id="rId17"/>
   </p:handoutMasterIdLst>
   <p:sldIdLst>
     <p:sldId id="258" r:id="rId5"/>
     <p:sldId id="286" r:id="rId6"/>
-    <p:sldId id="266" r:id="rId7"/>
-    <p:sldId id="291" r:id="rId8"/>
-    <p:sldId id="292" r:id="rId9"/>
+    <p:sldId id="293" r:id="rId7"/>
+    <p:sldId id="295" r:id="rId8"/>
+    <p:sldId id="294" r:id="rId9"/>
+    <p:sldId id="266" r:id="rId10"/>
+    <p:sldId id="291" r:id="rId11"/>
+    <p:sldId id="296" r:id="rId12"/>
+    <p:sldId id="298" r:id="rId13"/>
+    <p:sldId id="292" r:id="rId14"/>
+    <p:sldId id="297" r:id="rId15"/>
   </p:sldIdLst>
   <p:sldSz cx="12192000" cy="6858000"/>
   <p:notesSz cx="6858000" cy="9144000"/>
@@ -758,6 +764,178 @@
 </p:notes>
 </file>
 
+<file path=ppt/notesSlides/notesSlide10.xml><?xml version="1.0" encoding="utf-8"?>
+<p:notes xmlns:a="http://schemas.openxmlformats.org/drawingml/2006/main" xmlns:r="http://schemas.openxmlformats.org/officeDocument/2006/relationships" xmlns:p="http://schemas.openxmlformats.org/presentationml/2006/main">
+  <p:cSld>
+    <p:spTree>
+      <p:nvGrpSpPr>
+        <p:cNvPr id="1" name=""/>
+        <p:cNvGrpSpPr/>
+        <p:nvPr/>
+      </p:nvGrpSpPr>
+      <p:grpSpPr>
+        <a:xfrm>
+          <a:off x="0" y="0"/>
+          <a:ext cx="0" cy="0"/>
+          <a:chOff x="0" y="0"/>
+          <a:chExt cx="0" cy="0"/>
+        </a:xfrm>
+      </p:grpSpPr>
+      <p:sp>
+        <p:nvSpPr>
+          <p:cNvPr id="2" name="Segnaposto immagine diapositiva 1"/>
+          <p:cNvSpPr>
+            <a:spLocks noGrp="1" noRot="1" noChangeAspect="1"/>
+          </p:cNvSpPr>
+          <p:nvPr>
+            <p:ph type="sldImg"/>
+          </p:nvPr>
+        </p:nvSpPr>
+        <p:spPr/>
+      </p:sp>
+      <p:sp>
+        <p:nvSpPr>
+          <p:cNvPr id="3" name="Segnaposto note 2"/>
+          <p:cNvSpPr>
+            <a:spLocks noGrp="1"/>
+          </p:cNvSpPr>
+          <p:nvPr>
+            <p:ph type="body" idx="1"/>
+          </p:nvPr>
+        </p:nvSpPr>
+        <p:spPr/>
+        <p:txBody>
+          <a:bodyPr rtlCol="0"/>
+          <a:lstStyle/>
+          <a:p>
+            <a:pPr rtl="0"/>
+            <a:endParaRPr lang="it-IT" dirty="0"/>
+          </a:p>
+        </p:txBody>
+      </p:sp>
+      <p:sp>
+        <p:nvSpPr>
+          <p:cNvPr id="4" name="Segnaposto numero diapositiva 3"/>
+          <p:cNvSpPr>
+            <a:spLocks noGrp="1"/>
+          </p:cNvSpPr>
+          <p:nvPr>
+            <p:ph type="sldNum" sz="quarter" idx="5"/>
+          </p:nvPr>
+        </p:nvSpPr>
+        <p:spPr/>
+        <p:txBody>
+          <a:bodyPr rtlCol="0"/>
+          <a:lstStyle/>
+          <a:p>
+            <a:pPr rtl="0"/>
+            <a:fld id="{284ECAD9-32EE-4091-BDA5-6BD15ACC5E58}" type="slidenum">
+              <a:rPr lang="it-IT" smtClean="0"/>
+              <a:t>10</a:t>
+            </a:fld>
+            <a:endParaRPr lang="it-IT" dirty="0"/>
+          </a:p>
+        </p:txBody>
+      </p:sp>
+    </p:spTree>
+    <p:extLst>
+      <p:ext uri="{BB962C8B-B14F-4D97-AF65-F5344CB8AC3E}">
+        <p14:creationId xmlns:p14="http://schemas.microsoft.com/office/powerpoint/2010/main" val="3818121728"/>
+      </p:ext>
+    </p:extLst>
+  </p:cSld>
+  <p:clrMapOvr>
+    <a:masterClrMapping/>
+  </p:clrMapOvr>
+</p:notes>
+</file>
+
+<file path=ppt/notesSlides/notesSlide11.xml><?xml version="1.0" encoding="utf-8"?>
+<p:notes xmlns:a="http://schemas.openxmlformats.org/drawingml/2006/main" xmlns:r="http://schemas.openxmlformats.org/officeDocument/2006/relationships" xmlns:p="http://schemas.openxmlformats.org/presentationml/2006/main">
+  <p:cSld>
+    <p:spTree>
+      <p:nvGrpSpPr>
+        <p:cNvPr id="1" name=""/>
+        <p:cNvGrpSpPr/>
+        <p:nvPr/>
+      </p:nvGrpSpPr>
+      <p:grpSpPr>
+        <a:xfrm>
+          <a:off x="0" y="0"/>
+          <a:ext cx="0" cy="0"/>
+          <a:chOff x="0" y="0"/>
+          <a:chExt cx="0" cy="0"/>
+        </a:xfrm>
+      </p:grpSpPr>
+      <p:sp>
+        <p:nvSpPr>
+          <p:cNvPr id="2" name="Segnaposto immagine diapositiva 1"/>
+          <p:cNvSpPr>
+            <a:spLocks noGrp="1" noRot="1" noChangeAspect="1"/>
+          </p:cNvSpPr>
+          <p:nvPr>
+            <p:ph type="sldImg"/>
+          </p:nvPr>
+        </p:nvSpPr>
+        <p:spPr/>
+      </p:sp>
+      <p:sp>
+        <p:nvSpPr>
+          <p:cNvPr id="3" name="Segnaposto note 2"/>
+          <p:cNvSpPr>
+            <a:spLocks noGrp="1"/>
+          </p:cNvSpPr>
+          <p:nvPr>
+            <p:ph type="body" idx="1"/>
+          </p:nvPr>
+        </p:nvSpPr>
+        <p:spPr/>
+        <p:txBody>
+          <a:bodyPr rtlCol="0"/>
+          <a:lstStyle/>
+          <a:p>
+            <a:pPr rtl="0"/>
+            <a:endParaRPr lang="it-IT" dirty="0"/>
+          </a:p>
+        </p:txBody>
+      </p:sp>
+      <p:sp>
+        <p:nvSpPr>
+          <p:cNvPr id="4" name="Segnaposto numero diapositiva 3"/>
+          <p:cNvSpPr>
+            <a:spLocks noGrp="1"/>
+          </p:cNvSpPr>
+          <p:nvPr>
+            <p:ph type="sldNum" sz="quarter" idx="5"/>
+          </p:nvPr>
+        </p:nvSpPr>
+        <p:spPr/>
+        <p:txBody>
+          <a:bodyPr rtlCol="0"/>
+          <a:lstStyle/>
+          <a:p>
+            <a:pPr rtl="0"/>
+            <a:fld id="{284ECAD9-32EE-4091-BDA5-6BD15ACC5E58}" type="slidenum">
+              <a:rPr lang="it-IT" smtClean="0"/>
+              <a:t>11</a:t>
+            </a:fld>
+            <a:endParaRPr lang="it-IT" dirty="0"/>
+          </a:p>
+        </p:txBody>
+      </p:sp>
+    </p:spTree>
+    <p:extLst>
+      <p:ext uri="{BB962C8B-B14F-4D97-AF65-F5344CB8AC3E}">
+        <p14:creationId xmlns:p14="http://schemas.microsoft.com/office/powerpoint/2010/main" val="874336744"/>
+      </p:ext>
+    </p:extLst>
+  </p:cSld>
+  <p:clrMapOvr>
+    <a:masterClrMapping/>
+  </p:clrMapOvr>
+</p:notes>
+</file>
+
 <file path=ppt/notesSlides/notesSlide2.xml><?xml version="1.0" encoding="utf-8"?>
 <p:notes xmlns:a="http://schemas.openxmlformats.org/drawingml/2006/main" xmlns:r="http://schemas.openxmlformats.org/officeDocument/2006/relationships" xmlns:p="http://schemas.openxmlformats.org/presentationml/2006/main">
   <p:cSld>
@@ -920,7 +1098,7 @@
     </p:spTree>
     <p:extLst>
       <p:ext uri="{BB962C8B-B14F-4D97-AF65-F5344CB8AC3E}">
-        <p14:creationId xmlns:p14="http://schemas.microsoft.com/office/powerpoint/2010/main" val="4166621083"/>
+        <p14:creationId xmlns:p14="http://schemas.microsoft.com/office/powerpoint/2010/main" val="937046105"/>
       </p:ext>
     </p:extLst>
   </p:cSld>
@@ -1006,7 +1184,7 @@
     </p:spTree>
     <p:extLst>
       <p:ext uri="{BB962C8B-B14F-4D97-AF65-F5344CB8AC3E}">
-        <p14:creationId xmlns:p14="http://schemas.microsoft.com/office/powerpoint/2010/main" val="3085169549"/>
+        <p14:creationId xmlns:p14="http://schemas.microsoft.com/office/powerpoint/2010/main" val="3944449433"/>
       </p:ext>
     </p:extLst>
   </p:cSld>
@@ -1092,7 +1270,351 @@
     </p:spTree>
     <p:extLst>
       <p:ext uri="{BB962C8B-B14F-4D97-AF65-F5344CB8AC3E}">
-        <p14:creationId xmlns:p14="http://schemas.microsoft.com/office/powerpoint/2010/main" val="3818121728"/>
+        <p14:creationId xmlns:p14="http://schemas.microsoft.com/office/powerpoint/2010/main" val="3980593556"/>
+      </p:ext>
+    </p:extLst>
+  </p:cSld>
+  <p:clrMapOvr>
+    <a:masterClrMapping/>
+  </p:clrMapOvr>
+</p:notes>
+</file>
+
+<file path=ppt/notesSlides/notesSlide6.xml><?xml version="1.0" encoding="utf-8"?>
+<p:notes xmlns:a="http://schemas.openxmlformats.org/drawingml/2006/main" xmlns:r="http://schemas.openxmlformats.org/officeDocument/2006/relationships" xmlns:p="http://schemas.openxmlformats.org/presentationml/2006/main">
+  <p:cSld>
+    <p:spTree>
+      <p:nvGrpSpPr>
+        <p:cNvPr id="1" name=""/>
+        <p:cNvGrpSpPr/>
+        <p:nvPr/>
+      </p:nvGrpSpPr>
+      <p:grpSpPr>
+        <a:xfrm>
+          <a:off x="0" y="0"/>
+          <a:ext cx="0" cy="0"/>
+          <a:chOff x="0" y="0"/>
+          <a:chExt cx="0" cy="0"/>
+        </a:xfrm>
+      </p:grpSpPr>
+      <p:sp>
+        <p:nvSpPr>
+          <p:cNvPr id="2" name="Segnaposto immagine diapositiva 1"/>
+          <p:cNvSpPr>
+            <a:spLocks noGrp="1" noRot="1" noChangeAspect="1"/>
+          </p:cNvSpPr>
+          <p:nvPr>
+            <p:ph type="sldImg"/>
+          </p:nvPr>
+        </p:nvSpPr>
+        <p:spPr/>
+      </p:sp>
+      <p:sp>
+        <p:nvSpPr>
+          <p:cNvPr id="3" name="Segnaposto note 2"/>
+          <p:cNvSpPr>
+            <a:spLocks noGrp="1"/>
+          </p:cNvSpPr>
+          <p:nvPr>
+            <p:ph type="body" idx="1"/>
+          </p:nvPr>
+        </p:nvSpPr>
+        <p:spPr/>
+        <p:txBody>
+          <a:bodyPr rtlCol="0"/>
+          <a:lstStyle/>
+          <a:p>
+            <a:pPr rtl="0"/>
+            <a:endParaRPr lang="it-IT" dirty="0"/>
+          </a:p>
+        </p:txBody>
+      </p:sp>
+      <p:sp>
+        <p:nvSpPr>
+          <p:cNvPr id="4" name="Segnaposto numero diapositiva 3"/>
+          <p:cNvSpPr>
+            <a:spLocks noGrp="1"/>
+          </p:cNvSpPr>
+          <p:nvPr>
+            <p:ph type="sldNum" sz="quarter" idx="5"/>
+          </p:nvPr>
+        </p:nvSpPr>
+        <p:spPr/>
+        <p:txBody>
+          <a:bodyPr rtlCol="0"/>
+          <a:lstStyle/>
+          <a:p>
+            <a:pPr rtl="0"/>
+            <a:fld id="{284ECAD9-32EE-4091-BDA5-6BD15ACC5E58}" type="slidenum">
+              <a:rPr lang="it-IT" smtClean="0"/>
+              <a:t>6</a:t>
+            </a:fld>
+            <a:endParaRPr lang="it-IT" dirty="0"/>
+          </a:p>
+        </p:txBody>
+      </p:sp>
+    </p:spTree>
+    <p:extLst>
+      <p:ext uri="{BB962C8B-B14F-4D97-AF65-F5344CB8AC3E}">
+        <p14:creationId xmlns:p14="http://schemas.microsoft.com/office/powerpoint/2010/main" val="4166621083"/>
+      </p:ext>
+    </p:extLst>
+  </p:cSld>
+  <p:clrMapOvr>
+    <a:masterClrMapping/>
+  </p:clrMapOvr>
+</p:notes>
+</file>
+
+<file path=ppt/notesSlides/notesSlide7.xml><?xml version="1.0" encoding="utf-8"?>
+<p:notes xmlns:a="http://schemas.openxmlformats.org/drawingml/2006/main" xmlns:r="http://schemas.openxmlformats.org/officeDocument/2006/relationships" xmlns:p="http://schemas.openxmlformats.org/presentationml/2006/main">
+  <p:cSld>
+    <p:spTree>
+      <p:nvGrpSpPr>
+        <p:cNvPr id="1" name=""/>
+        <p:cNvGrpSpPr/>
+        <p:nvPr/>
+      </p:nvGrpSpPr>
+      <p:grpSpPr>
+        <a:xfrm>
+          <a:off x="0" y="0"/>
+          <a:ext cx="0" cy="0"/>
+          <a:chOff x="0" y="0"/>
+          <a:chExt cx="0" cy="0"/>
+        </a:xfrm>
+      </p:grpSpPr>
+      <p:sp>
+        <p:nvSpPr>
+          <p:cNvPr id="2" name="Segnaposto immagine diapositiva 1"/>
+          <p:cNvSpPr>
+            <a:spLocks noGrp="1" noRot="1" noChangeAspect="1"/>
+          </p:cNvSpPr>
+          <p:nvPr>
+            <p:ph type="sldImg"/>
+          </p:nvPr>
+        </p:nvSpPr>
+        <p:spPr/>
+      </p:sp>
+      <p:sp>
+        <p:nvSpPr>
+          <p:cNvPr id="3" name="Segnaposto note 2"/>
+          <p:cNvSpPr>
+            <a:spLocks noGrp="1"/>
+          </p:cNvSpPr>
+          <p:nvPr>
+            <p:ph type="body" idx="1"/>
+          </p:nvPr>
+        </p:nvSpPr>
+        <p:spPr/>
+        <p:txBody>
+          <a:bodyPr rtlCol="0"/>
+          <a:lstStyle/>
+          <a:p>
+            <a:pPr rtl="0"/>
+            <a:endParaRPr lang="it-IT" dirty="0"/>
+          </a:p>
+        </p:txBody>
+      </p:sp>
+      <p:sp>
+        <p:nvSpPr>
+          <p:cNvPr id="4" name="Segnaposto numero diapositiva 3"/>
+          <p:cNvSpPr>
+            <a:spLocks noGrp="1"/>
+          </p:cNvSpPr>
+          <p:nvPr>
+            <p:ph type="sldNum" sz="quarter" idx="5"/>
+          </p:nvPr>
+        </p:nvSpPr>
+        <p:spPr/>
+        <p:txBody>
+          <a:bodyPr rtlCol="0"/>
+          <a:lstStyle/>
+          <a:p>
+            <a:pPr rtl="0"/>
+            <a:fld id="{284ECAD9-32EE-4091-BDA5-6BD15ACC5E58}" type="slidenum">
+              <a:rPr lang="it-IT" smtClean="0"/>
+              <a:t>7</a:t>
+            </a:fld>
+            <a:endParaRPr lang="it-IT" dirty="0"/>
+          </a:p>
+        </p:txBody>
+      </p:sp>
+    </p:spTree>
+    <p:extLst>
+      <p:ext uri="{BB962C8B-B14F-4D97-AF65-F5344CB8AC3E}">
+        <p14:creationId xmlns:p14="http://schemas.microsoft.com/office/powerpoint/2010/main" val="3085169549"/>
+      </p:ext>
+    </p:extLst>
+  </p:cSld>
+  <p:clrMapOvr>
+    <a:masterClrMapping/>
+  </p:clrMapOvr>
+</p:notes>
+</file>
+
+<file path=ppt/notesSlides/notesSlide8.xml><?xml version="1.0" encoding="utf-8"?>
+<p:notes xmlns:a="http://schemas.openxmlformats.org/drawingml/2006/main" xmlns:r="http://schemas.openxmlformats.org/officeDocument/2006/relationships" xmlns:p="http://schemas.openxmlformats.org/presentationml/2006/main">
+  <p:cSld>
+    <p:spTree>
+      <p:nvGrpSpPr>
+        <p:cNvPr id="1" name=""/>
+        <p:cNvGrpSpPr/>
+        <p:nvPr/>
+      </p:nvGrpSpPr>
+      <p:grpSpPr>
+        <a:xfrm>
+          <a:off x="0" y="0"/>
+          <a:ext cx="0" cy="0"/>
+          <a:chOff x="0" y="0"/>
+          <a:chExt cx="0" cy="0"/>
+        </a:xfrm>
+      </p:grpSpPr>
+      <p:sp>
+        <p:nvSpPr>
+          <p:cNvPr id="2" name="Segnaposto immagine diapositiva 1"/>
+          <p:cNvSpPr>
+            <a:spLocks noGrp="1" noRot="1" noChangeAspect="1"/>
+          </p:cNvSpPr>
+          <p:nvPr>
+            <p:ph type="sldImg"/>
+          </p:nvPr>
+        </p:nvSpPr>
+        <p:spPr/>
+      </p:sp>
+      <p:sp>
+        <p:nvSpPr>
+          <p:cNvPr id="3" name="Segnaposto note 2"/>
+          <p:cNvSpPr>
+            <a:spLocks noGrp="1"/>
+          </p:cNvSpPr>
+          <p:nvPr>
+            <p:ph type="body" idx="1"/>
+          </p:nvPr>
+        </p:nvSpPr>
+        <p:spPr/>
+        <p:txBody>
+          <a:bodyPr rtlCol="0"/>
+          <a:lstStyle/>
+          <a:p>
+            <a:pPr rtl="0"/>
+            <a:endParaRPr lang="it-IT" dirty="0"/>
+          </a:p>
+        </p:txBody>
+      </p:sp>
+      <p:sp>
+        <p:nvSpPr>
+          <p:cNvPr id="4" name="Segnaposto numero diapositiva 3"/>
+          <p:cNvSpPr>
+            <a:spLocks noGrp="1"/>
+          </p:cNvSpPr>
+          <p:nvPr>
+            <p:ph type="sldNum" sz="quarter" idx="5"/>
+          </p:nvPr>
+        </p:nvSpPr>
+        <p:spPr/>
+        <p:txBody>
+          <a:bodyPr rtlCol="0"/>
+          <a:lstStyle/>
+          <a:p>
+            <a:pPr rtl="0"/>
+            <a:fld id="{284ECAD9-32EE-4091-BDA5-6BD15ACC5E58}" type="slidenum">
+              <a:rPr lang="it-IT" smtClean="0"/>
+              <a:t>8</a:t>
+            </a:fld>
+            <a:endParaRPr lang="it-IT" dirty="0"/>
+          </a:p>
+        </p:txBody>
+      </p:sp>
+    </p:spTree>
+    <p:extLst>
+      <p:ext uri="{BB962C8B-B14F-4D97-AF65-F5344CB8AC3E}">
+        <p14:creationId xmlns:p14="http://schemas.microsoft.com/office/powerpoint/2010/main" val="3980984744"/>
+      </p:ext>
+    </p:extLst>
+  </p:cSld>
+  <p:clrMapOvr>
+    <a:masterClrMapping/>
+  </p:clrMapOvr>
+</p:notes>
+</file>
+
+<file path=ppt/notesSlides/notesSlide9.xml><?xml version="1.0" encoding="utf-8"?>
+<p:notes xmlns:a="http://schemas.openxmlformats.org/drawingml/2006/main" xmlns:r="http://schemas.openxmlformats.org/officeDocument/2006/relationships" xmlns:p="http://schemas.openxmlformats.org/presentationml/2006/main">
+  <p:cSld>
+    <p:spTree>
+      <p:nvGrpSpPr>
+        <p:cNvPr id="1" name=""/>
+        <p:cNvGrpSpPr/>
+        <p:nvPr/>
+      </p:nvGrpSpPr>
+      <p:grpSpPr>
+        <a:xfrm>
+          <a:off x="0" y="0"/>
+          <a:ext cx="0" cy="0"/>
+          <a:chOff x="0" y="0"/>
+          <a:chExt cx="0" cy="0"/>
+        </a:xfrm>
+      </p:grpSpPr>
+      <p:sp>
+        <p:nvSpPr>
+          <p:cNvPr id="2" name="Segnaposto immagine diapositiva 1"/>
+          <p:cNvSpPr>
+            <a:spLocks noGrp="1" noRot="1" noChangeAspect="1"/>
+          </p:cNvSpPr>
+          <p:nvPr>
+            <p:ph type="sldImg"/>
+          </p:nvPr>
+        </p:nvSpPr>
+        <p:spPr/>
+      </p:sp>
+      <p:sp>
+        <p:nvSpPr>
+          <p:cNvPr id="3" name="Segnaposto note 2"/>
+          <p:cNvSpPr>
+            <a:spLocks noGrp="1"/>
+          </p:cNvSpPr>
+          <p:nvPr>
+            <p:ph type="body" idx="1"/>
+          </p:nvPr>
+        </p:nvSpPr>
+        <p:spPr/>
+        <p:txBody>
+          <a:bodyPr rtlCol="0"/>
+          <a:lstStyle/>
+          <a:p>
+            <a:pPr rtl="0"/>
+            <a:endParaRPr lang="it-IT" dirty="0"/>
+          </a:p>
+        </p:txBody>
+      </p:sp>
+      <p:sp>
+        <p:nvSpPr>
+          <p:cNvPr id="4" name="Segnaposto numero diapositiva 3"/>
+          <p:cNvSpPr>
+            <a:spLocks noGrp="1"/>
+          </p:cNvSpPr>
+          <p:nvPr>
+            <p:ph type="sldNum" sz="quarter" idx="5"/>
+          </p:nvPr>
+        </p:nvSpPr>
+        <p:spPr/>
+        <p:txBody>
+          <a:bodyPr rtlCol="0"/>
+          <a:lstStyle/>
+          <a:p>
+            <a:pPr rtl="0"/>
+            <a:fld id="{284ECAD9-32EE-4091-BDA5-6BD15ACC5E58}" type="slidenum">
+              <a:rPr lang="it-IT" smtClean="0"/>
+              <a:t>9</a:t>
+            </a:fld>
+            <a:endParaRPr lang="it-IT" dirty="0"/>
+          </a:p>
+        </p:txBody>
+      </p:sp>
+    </p:spTree>
+    <p:extLst>
+      <p:ext uri="{BB962C8B-B14F-4D97-AF65-F5344CB8AC3E}">
+        <p14:creationId xmlns:p14="http://schemas.microsoft.com/office/powerpoint/2010/main" val="1094202115"/>
       </p:ext>
     </p:extLst>
   </p:cSld>
@@ -9420,6 +9942,1104 @@
 </p:sld>
 </file>
 
+<file path=ppt/slides/slide10.xml><?xml version="1.0" encoding="utf-8"?>
+<p:sld xmlns:a="http://schemas.openxmlformats.org/drawingml/2006/main" xmlns:r="http://schemas.openxmlformats.org/officeDocument/2006/relationships" xmlns:p="http://schemas.openxmlformats.org/presentationml/2006/main">
+  <p:cSld>
+    <p:bg>
+      <p:bgPr>
+        <a:solidFill>
+          <a:schemeClr val="bg1"/>
+        </a:solidFill>
+        <a:effectLst/>
+      </p:bgPr>
+    </p:bg>
+    <p:spTree>
+      <p:nvGrpSpPr>
+        <p:cNvPr id="1" name=""/>
+        <p:cNvGrpSpPr/>
+        <p:nvPr/>
+      </p:nvGrpSpPr>
+      <p:grpSpPr>
+        <a:xfrm>
+          <a:off x="0" y="0"/>
+          <a:ext cx="0" cy="0"/>
+          <a:chOff x="0" y="0"/>
+          <a:chExt cx="0" cy="0"/>
+        </a:xfrm>
+      </p:grpSpPr>
+      <p:sp>
+        <p:nvSpPr>
+          <p:cNvPr id="26" name="Rettangolo 28">
+            <a:extLst>
+              <a:ext uri="{FF2B5EF4-FFF2-40B4-BE49-F238E27FC236}">
+                <a16:creationId xmlns:a16="http://schemas.microsoft.com/office/drawing/2014/main" id="{416A0E3C-60E6-4F39-BC55-5F7C224E1F7C}"/>
+              </a:ext>
+              <a:ext uri="{C183D7F6-B498-43B3-948B-1728B52AA6E4}">
+                <adec:decorative xmlns:adec="http://schemas.microsoft.com/office/drawing/2017/decorative" val="1"/>
+              </a:ext>
+            </a:extLst>
+          </p:cNvPr>
+          <p:cNvSpPr>
+            <a:spLocks noGrp="1" noRot="1" noChangeAspect="1" noMove="1" noResize="1" noEditPoints="1" noAdjustHandles="1" noChangeArrowheads="1" noChangeShapeType="1" noTextEdit="1"/>
+          </p:cNvSpPr>
+          <p:nvPr>
+            <p:extLst>
+              <p:ext uri="{386F3935-93C4-4BCD-93E2-E3B085C9AB24}">
+                <p16:designElem xmlns:p16="http://schemas.microsoft.com/office/powerpoint/2015/main" val="1"/>
+              </p:ext>
+            </p:extLst>
+          </p:nvPr>
+        </p:nvSpPr>
+        <p:spPr>
+          <a:xfrm>
+            <a:off x="3175" y="6400800"/>
+            <a:ext cx="12188825" cy="457200"/>
+          </a:xfrm>
+          <a:prstGeom prst="rect">
+            <a:avLst/>
+          </a:prstGeom>
+          <a:solidFill>
+            <a:srgbClr val="262626"/>
+          </a:solidFill>
+          <a:ln>
+            <a:noFill/>
+          </a:ln>
+        </p:spPr>
+        <p:style>
+          <a:lnRef idx="2">
+            <a:schemeClr val="accent1">
+              <a:shade val="50000"/>
+            </a:schemeClr>
+          </a:lnRef>
+          <a:fillRef idx="1">
+            <a:schemeClr val="accent1"/>
+          </a:fillRef>
+          <a:effectRef idx="0">
+            <a:schemeClr val="accent1"/>
+          </a:effectRef>
+          <a:fontRef idx="minor">
+            <a:schemeClr val="lt1"/>
+          </a:fontRef>
+        </p:style>
+      </p:sp>
+      <p:cxnSp>
+        <p:nvCxnSpPr>
+          <p:cNvPr id="27" name="Connettore diritto 30">
+            <a:extLst>
+              <a:ext uri="{FF2B5EF4-FFF2-40B4-BE49-F238E27FC236}">
+                <a16:creationId xmlns:a16="http://schemas.microsoft.com/office/drawing/2014/main" id="{C5025DAC-8B93-4160-B017-3A274A5828C0}"/>
+              </a:ext>
+              <a:ext uri="{C183D7F6-B498-43B3-948B-1728B52AA6E4}">
+                <adec:decorative xmlns:adec="http://schemas.microsoft.com/office/drawing/2017/decorative" val="1"/>
+              </a:ext>
+            </a:extLst>
+          </p:cNvPr>
+          <p:cNvCxnSpPr>
+            <a:cxnSpLocks noGrp="1" noRot="1" noChangeAspect="1" noMove="1" noResize="1" noEditPoints="1" noAdjustHandles="1" noChangeArrowheads="1" noChangeShapeType="1"/>
+          </p:cNvCxnSpPr>
+          <p:nvPr>
+            <p:extLst>
+              <p:ext uri="{386F3935-93C4-4BCD-93E2-E3B085C9AB24}">
+                <p16:designElem xmlns:p16="http://schemas.microsoft.com/office/powerpoint/2015/main" val="1"/>
+              </p:ext>
+            </p:extLst>
+          </p:nvPr>
+        </p:nvCxnSpPr>
+        <p:spPr>
+          <a:xfrm>
+            <a:off x="1193532" y="1897380"/>
+            <a:ext cx="9966960" cy="0"/>
+          </a:xfrm>
+          <a:prstGeom prst="line">
+            <a:avLst/>
+          </a:prstGeom>
+          <a:ln w="12700">
+            <a:solidFill>
+              <a:schemeClr val="tx1">
+                <a:lumMod val="75000"/>
+                <a:lumOff val="25000"/>
+              </a:schemeClr>
+            </a:solidFill>
+          </a:ln>
+        </p:spPr>
+        <p:style>
+          <a:lnRef idx="1">
+            <a:schemeClr val="accent1"/>
+          </a:lnRef>
+          <a:fillRef idx="0">
+            <a:schemeClr val="accent1"/>
+          </a:fillRef>
+          <a:effectRef idx="0">
+            <a:schemeClr val="accent1"/>
+          </a:effectRef>
+          <a:fontRef idx="minor">
+            <a:schemeClr val="tx1"/>
+          </a:fontRef>
+        </p:style>
+      </p:cxnSp>
+      <p:sp useBgFill="1">
+        <p:nvSpPr>
+          <p:cNvPr id="28" name="Rettangolo 32">
+            <a:extLst>
+              <a:ext uri="{FF2B5EF4-FFF2-40B4-BE49-F238E27FC236}">
+                <a16:creationId xmlns:a16="http://schemas.microsoft.com/office/drawing/2014/main" id="{990D0034-F768-41E7-85D4-F38C4DE85770}"/>
+              </a:ext>
+              <a:ext uri="{C183D7F6-B498-43B3-948B-1728B52AA6E4}">
+                <adec:decorative xmlns:adec="http://schemas.microsoft.com/office/drawing/2017/decorative" val="1"/>
+              </a:ext>
+            </a:extLst>
+          </p:cNvPr>
+          <p:cNvSpPr>
+            <a:spLocks noGrp="1" noRot="1" noChangeAspect="1" noMove="1" noResize="1" noEditPoints="1" noAdjustHandles="1" noChangeArrowheads="1" noChangeShapeType="1" noTextEdit="1"/>
+          </p:cNvSpPr>
+          <p:nvPr>
+            <p:extLst>
+              <p:ext uri="{386F3935-93C4-4BCD-93E2-E3B085C9AB24}">
+                <p16:designElem xmlns:p16="http://schemas.microsoft.com/office/powerpoint/2015/main" val="1"/>
+              </p:ext>
+            </p:extLst>
+          </p:nvPr>
+        </p:nvSpPr>
+        <p:spPr>
+          <a:xfrm>
+            <a:off x="0" y="0"/>
+            <a:ext cx="12186315" cy="6858000"/>
+          </a:xfrm>
+          <a:prstGeom prst="rect">
+            <a:avLst/>
+          </a:prstGeom>
+          <a:ln>
+            <a:noFill/>
+          </a:ln>
+        </p:spPr>
+        <p:style>
+          <a:lnRef idx="2">
+            <a:schemeClr val="accent6">
+              <a:shade val="50000"/>
+            </a:schemeClr>
+          </a:lnRef>
+          <a:fillRef idx="1001">
+            <a:schemeClr val="lt1"/>
+          </a:fillRef>
+          <a:effectRef idx="0">
+            <a:schemeClr val="accent6"/>
+          </a:effectRef>
+          <a:fontRef idx="minor">
+            <a:schemeClr val="lt1"/>
+          </a:fontRef>
+        </p:style>
+        <p:txBody>
+          <a:bodyPr rtlCol="0" anchor="ctr"/>
+          <a:lstStyle/>
+          <a:p>
+            <a:pPr algn="ctr" rtl="0"/>
+            <a:endParaRPr lang="it-IT" dirty="0"/>
+          </a:p>
+        </p:txBody>
+      </p:sp>
+      <p:sp>
+        <p:nvSpPr>
+          <p:cNvPr id="5" name="Titolo 4">
+            <a:extLst>
+              <a:ext uri="{FF2B5EF4-FFF2-40B4-BE49-F238E27FC236}">
+                <a16:creationId xmlns:a16="http://schemas.microsoft.com/office/drawing/2014/main" id="{B8B72B13-069B-4F8A-9437-FA58C3F1D44B}"/>
+              </a:ext>
+            </a:extLst>
+          </p:cNvPr>
+          <p:cNvSpPr>
+            <a:spLocks noGrp="1"/>
+          </p:cNvSpPr>
+          <p:nvPr>
+            <p:ph type="title"/>
+          </p:nvPr>
+        </p:nvSpPr>
+        <p:spPr>
+          <a:xfrm>
+            <a:off x="590927" y="535936"/>
+            <a:ext cx="10864474" cy="700340"/>
+          </a:xfrm>
+        </p:spPr>
+        <p:txBody>
+          <a:bodyPr vert="horz" lIns="91440" tIns="45720" rIns="91440" bIns="45720" rtlCol="0" anchor="b">
+            <a:noAutofit/>
+          </a:bodyPr>
+          <a:lstStyle/>
+          <a:p>
+            <a:pPr rtl="0"/>
+            <a:r>
+              <a:rPr lang="it-IT" sz="4400" dirty="0">
+                <a:solidFill>
+                  <a:schemeClr val="tx1">
+                    <a:lumMod val="75000"/>
+                    <a:lumOff val="25000"/>
+                  </a:schemeClr>
+                </a:solidFill>
+              </a:rPr>
+              <a:t>Tool SimpleID3</a:t>
+            </a:r>
+          </a:p>
+        </p:txBody>
+      </p:sp>
+      <p:cxnSp>
+        <p:nvCxnSpPr>
+          <p:cNvPr id="30" name="Connettore diritto 34">
+            <a:extLst>
+              <a:ext uri="{FF2B5EF4-FFF2-40B4-BE49-F238E27FC236}">
+                <a16:creationId xmlns:a16="http://schemas.microsoft.com/office/drawing/2014/main" id="{5A0A5CF6-407C-4691-8122-49DF69D0020D}"/>
+              </a:ext>
+              <a:ext uri="{C183D7F6-B498-43B3-948B-1728B52AA6E4}">
+                <adec:decorative xmlns:adec="http://schemas.microsoft.com/office/drawing/2017/decorative" val="1"/>
+              </a:ext>
+            </a:extLst>
+          </p:cNvPr>
+          <p:cNvCxnSpPr>
+            <a:cxnSpLocks noGrp="1" noRot="1" noChangeAspect="1" noMove="1" noResize="1" noEditPoints="1" noAdjustHandles="1" noChangeArrowheads="1" noChangeShapeType="1"/>
+          </p:cNvCxnSpPr>
+          <p:nvPr>
+            <p:extLst>
+              <p:ext uri="{386F3935-93C4-4BCD-93E2-E3B085C9AB24}">
+                <p16:designElem xmlns:p16="http://schemas.microsoft.com/office/powerpoint/2015/main" val="1"/>
+              </p:ext>
+            </p:extLst>
+          </p:nvPr>
+        </p:nvCxnSpPr>
+        <p:spPr>
+          <a:xfrm>
+            <a:off x="590927" y="2633962"/>
+            <a:ext cx="2834640" cy="0"/>
+          </a:xfrm>
+          <a:prstGeom prst="line">
+            <a:avLst/>
+          </a:prstGeom>
+          <a:ln w="12700">
+            <a:solidFill>
+              <a:schemeClr val="tx1">
+                <a:lumMod val="75000"/>
+                <a:lumOff val="25000"/>
+              </a:schemeClr>
+            </a:solidFill>
+          </a:ln>
+        </p:spPr>
+        <p:style>
+          <a:lnRef idx="1">
+            <a:schemeClr val="accent1"/>
+          </a:lnRef>
+          <a:fillRef idx="0">
+            <a:schemeClr val="accent1"/>
+          </a:fillRef>
+          <a:effectRef idx="0">
+            <a:schemeClr val="accent1"/>
+          </a:effectRef>
+          <a:fontRef idx="minor">
+            <a:schemeClr val="tx1"/>
+          </a:fontRef>
+        </p:style>
+      </p:cxnSp>
+      <p:sp>
+        <p:nvSpPr>
+          <p:cNvPr id="4" name="Rettangolo 3">
+            <a:extLst>
+              <a:ext uri="{FF2B5EF4-FFF2-40B4-BE49-F238E27FC236}">
+                <a16:creationId xmlns:a16="http://schemas.microsoft.com/office/drawing/2014/main" id="{D22E5227-66DC-4545-A93A-3BAE57987144}"/>
+              </a:ext>
+            </a:extLst>
+          </p:cNvPr>
+          <p:cNvSpPr/>
+          <p:nvPr/>
+        </p:nvSpPr>
+        <p:spPr>
+          <a:xfrm>
+            <a:off x="590927" y="2477070"/>
+            <a:ext cx="2955837" cy="457195"/>
+          </a:xfrm>
+          <a:prstGeom prst="rect">
+            <a:avLst/>
+          </a:prstGeom>
+          <a:solidFill>
+            <a:schemeClr val="bg1"/>
+          </a:solidFill>
+          <a:ln>
+            <a:solidFill>
+              <a:schemeClr val="bg1"/>
+            </a:solidFill>
+          </a:ln>
+        </p:spPr>
+        <p:style>
+          <a:lnRef idx="2">
+            <a:schemeClr val="accent1">
+              <a:shade val="50000"/>
+            </a:schemeClr>
+          </a:lnRef>
+          <a:fillRef idx="1">
+            <a:schemeClr val="accent1"/>
+          </a:fillRef>
+          <a:effectRef idx="0">
+            <a:schemeClr val="accent1"/>
+          </a:effectRef>
+          <a:fontRef idx="minor">
+            <a:schemeClr val="lt1"/>
+          </a:fontRef>
+        </p:style>
+        <p:txBody>
+          <a:bodyPr rtlCol="0" anchor="ctr"/>
+          <a:lstStyle/>
+          <a:p>
+            <a:pPr algn="ctr"/>
+            <a:endParaRPr lang="it-IT"/>
+          </a:p>
+        </p:txBody>
+      </p:sp>
+      <p:sp>
+        <p:nvSpPr>
+          <p:cNvPr id="6" name="Segnaposto contenuto 5">
+            <a:extLst>
+              <a:ext uri="{FF2B5EF4-FFF2-40B4-BE49-F238E27FC236}">
+                <a16:creationId xmlns:a16="http://schemas.microsoft.com/office/drawing/2014/main" id="{2281D70C-EE29-493E-838C-890184A02C07}"/>
+              </a:ext>
+            </a:extLst>
+          </p:cNvPr>
+          <p:cNvSpPr>
+            <a:spLocks noGrp="1"/>
+          </p:cNvSpPr>
+          <p:nvPr>
+            <p:ph idx="1"/>
+          </p:nvPr>
+        </p:nvSpPr>
+        <p:spPr>
+          <a:xfrm>
+            <a:off x="590925" y="1452871"/>
+            <a:ext cx="4923183" cy="4107418"/>
+          </a:xfrm>
+        </p:spPr>
+        <p:txBody>
+          <a:bodyPr vert="horz" lIns="0" tIns="45720" rIns="0" bIns="45720" rtlCol="0">
+            <a:normAutofit lnSpcReduction="10000"/>
+          </a:bodyPr>
+          <a:lstStyle/>
+          <a:p>
+            <a:pPr rtl="0"/>
+            <a:r>
+              <a:rPr lang="it-IT" sz="2800" dirty="0">
+                <a:latin typeface="+mj-lt"/>
+              </a:rPr>
+              <a:t>Il tool è quindi molto utile per visualizzare a schermo le informazioni di base contenute all’interno dei nostri file musicali</a:t>
+            </a:r>
+          </a:p>
+          <a:p>
+            <a:pPr rtl="0"/>
+            <a:r>
+              <a:rPr lang="it-IT" sz="2800" dirty="0">
+                <a:latin typeface="+mj-lt"/>
+              </a:rPr>
+              <a:t>Il tool non supporta la versione v2 e successive, che sono basate su un concetto a frame e un tipo di immagazzinamento dei dati che sfrutta concetti diversi</a:t>
+            </a:r>
+          </a:p>
+        </p:txBody>
+      </p:sp>
+      <p:pic>
+        <p:nvPicPr>
+          <p:cNvPr id="10" name="Elemento grafico 9">
+            <a:extLst>
+              <a:ext uri="{FF2B5EF4-FFF2-40B4-BE49-F238E27FC236}">
+                <a16:creationId xmlns:a16="http://schemas.microsoft.com/office/drawing/2014/main" id="{54A47743-7725-4A33-93CA-EFB89C10D1EC}"/>
+              </a:ext>
+            </a:extLst>
+          </p:cNvPr>
+          <p:cNvPicPr>
+            <a:picLocks noChangeAspect="1"/>
+          </p:cNvPicPr>
+          <p:nvPr/>
+        </p:nvPicPr>
+        <p:blipFill>
+          <a:blip r:embed="rId3" cstate="print">
+            <a:extLst>
+              <a:ext uri="{28A0092B-C50C-407E-A947-70E740481C1C}">
+                <a14:useLocalDpi xmlns:a14="http://schemas.microsoft.com/office/drawing/2010/main" val="0"/>
+              </a:ext>
+              <a:ext uri="{96DAC541-7B7A-43D3-8B79-37D633B846F1}">
+                <asvg:svgBlip xmlns:asvg="http://schemas.microsoft.com/office/drawing/2016/SVG/main" r:embed="rId4"/>
+              </a:ext>
+            </a:extLst>
+          </a:blip>
+          <a:stretch>
+            <a:fillRect/>
+          </a:stretch>
+        </p:blipFill>
+        <p:spPr>
+          <a:xfrm>
+            <a:off x="207095" y="6043750"/>
+            <a:ext cx="1770209" cy="700341"/>
+          </a:xfrm>
+          <a:prstGeom prst="rect">
+            <a:avLst/>
+          </a:prstGeom>
+        </p:spPr>
+      </p:pic>
+      <p:sp>
+        <p:nvSpPr>
+          <p:cNvPr id="12" name="Connettore 11">
+            <a:extLst>
+              <a:ext uri="{FF2B5EF4-FFF2-40B4-BE49-F238E27FC236}">
+                <a16:creationId xmlns:a16="http://schemas.microsoft.com/office/drawing/2014/main" id="{92095D8C-8CCA-4CC6-B2D2-E1BC4732F321}"/>
+              </a:ext>
+            </a:extLst>
+          </p:cNvPr>
+          <p:cNvSpPr/>
+          <p:nvPr/>
+        </p:nvSpPr>
+        <p:spPr>
+          <a:xfrm>
+            <a:off x="11455401" y="6273800"/>
+            <a:ext cx="512910" cy="470291"/>
+          </a:xfrm>
+          <a:prstGeom prst="flowChartConnector">
+            <a:avLst/>
+          </a:prstGeom>
+        </p:spPr>
+        <p:style>
+          <a:lnRef idx="2">
+            <a:schemeClr val="accent1">
+              <a:shade val="50000"/>
+            </a:schemeClr>
+          </a:lnRef>
+          <a:fillRef idx="1">
+            <a:schemeClr val="accent1"/>
+          </a:fillRef>
+          <a:effectRef idx="0">
+            <a:schemeClr val="accent1"/>
+          </a:effectRef>
+          <a:fontRef idx="minor">
+            <a:schemeClr val="lt1"/>
+          </a:fontRef>
+        </p:style>
+        <p:txBody>
+          <a:bodyPr rtlCol="0" anchor="ctr"/>
+          <a:lstStyle/>
+          <a:p>
+            <a:pPr algn="ctr"/>
+            <a:fld id="{3A98EE3D-8CD1-4C3F-BD1C-C98C9596463C}" type="slidenum">
+              <a:rPr lang="it-IT" sz="1200" b="1"/>
+              <a:pPr algn="ctr"/>
+              <a:t>10</a:t>
+            </a:fld>
+            <a:endParaRPr lang="it-IT" b="1" dirty="0"/>
+          </a:p>
+        </p:txBody>
+      </p:sp>
+      <p:pic>
+        <p:nvPicPr>
+          <p:cNvPr id="3" name="Immagine 2">
+            <a:extLst>
+              <a:ext uri="{FF2B5EF4-FFF2-40B4-BE49-F238E27FC236}">
+                <a16:creationId xmlns:a16="http://schemas.microsoft.com/office/drawing/2014/main" id="{40588719-F3F2-E600-8B8C-B9CB601DF92E}"/>
+              </a:ext>
+            </a:extLst>
+          </p:cNvPr>
+          <p:cNvPicPr>
+            <a:picLocks noChangeAspect="1"/>
+          </p:cNvPicPr>
+          <p:nvPr/>
+        </p:nvPicPr>
+        <p:blipFill>
+          <a:blip r:embed="rId5"/>
+          <a:stretch>
+            <a:fillRect/>
+          </a:stretch>
+        </p:blipFill>
+        <p:spPr>
+          <a:xfrm>
+            <a:off x="6005661" y="1959223"/>
+            <a:ext cx="5962650" cy="3057525"/>
+          </a:xfrm>
+          <a:prstGeom prst="rect">
+            <a:avLst/>
+          </a:prstGeom>
+          <a:ln>
+            <a:solidFill>
+              <a:schemeClr val="tx1"/>
+            </a:solidFill>
+          </a:ln>
+        </p:spPr>
+      </p:pic>
+    </p:spTree>
+    <p:extLst>
+      <p:ext uri="{BB962C8B-B14F-4D97-AF65-F5344CB8AC3E}">
+        <p14:creationId xmlns:p14="http://schemas.microsoft.com/office/powerpoint/2010/main" val="1668686558"/>
+      </p:ext>
+    </p:extLst>
+  </p:cSld>
+  <p:clrMapOvr>
+    <a:masterClrMapping/>
+  </p:clrMapOvr>
+</p:sld>
+</file>
+
+<file path=ppt/slides/slide11.xml><?xml version="1.0" encoding="utf-8"?>
+<p:sld xmlns:a="http://schemas.openxmlformats.org/drawingml/2006/main" xmlns:r="http://schemas.openxmlformats.org/officeDocument/2006/relationships" xmlns:p="http://schemas.openxmlformats.org/presentationml/2006/main">
+  <p:cSld>
+    <p:bg>
+      <p:bgPr>
+        <a:solidFill>
+          <a:schemeClr val="bg1"/>
+        </a:solidFill>
+        <a:effectLst/>
+      </p:bgPr>
+    </p:bg>
+    <p:spTree>
+      <p:nvGrpSpPr>
+        <p:cNvPr id="1" name=""/>
+        <p:cNvGrpSpPr/>
+        <p:nvPr/>
+      </p:nvGrpSpPr>
+      <p:grpSpPr>
+        <a:xfrm>
+          <a:off x="0" y="0"/>
+          <a:ext cx="0" cy="0"/>
+          <a:chOff x="0" y="0"/>
+          <a:chExt cx="0" cy="0"/>
+        </a:xfrm>
+      </p:grpSpPr>
+      <p:sp>
+        <p:nvSpPr>
+          <p:cNvPr id="26" name="Rettangolo 28">
+            <a:extLst>
+              <a:ext uri="{FF2B5EF4-FFF2-40B4-BE49-F238E27FC236}">
+                <a16:creationId xmlns:a16="http://schemas.microsoft.com/office/drawing/2014/main" id="{416A0E3C-60E6-4F39-BC55-5F7C224E1F7C}"/>
+              </a:ext>
+              <a:ext uri="{C183D7F6-B498-43B3-948B-1728B52AA6E4}">
+                <adec:decorative xmlns:adec="http://schemas.microsoft.com/office/drawing/2017/decorative" val="1"/>
+              </a:ext>
+            </a:extLst>
+          </p:cNvPr>
+          <p:cNvSpPr>
+            <a:spLocks noGrp="1" noRot="1" noChangeAspect="1" noMove="1" noResize="1" noEditPoints="1" noAdjustHandles="1" noChangeArrowheads="1" noChangeShapeType="1" noTextEdit="1"/>
+          </p:cNvSpPr>
+          <p:nvPr>
+            <p:extLst>
+              <p:ext uri="{386F3935-93C4-4BCD-93E2-E3B085C9AB24}">
+                <p16:designElem xmlns:p16="http://schemas.microsoft.com/office/powerpoint/2015/main" val="1"/>
+              </p:ext>
+            </p:extLst>
+          </p:nvPr>
+        </p:nvSpPr>
+        <p:spPr>
+          <a:xfrm>
+            <a:off x="3175" y="6400800"/>
+            <a:ext cx="12188825" cy="457200"/>
+          </a:xfrm>
+          <a:prstGeom prst="rect">
+            <a:avLst/>
+          </a:prstGeom>
+          <a:solidFill>
+            <a:srgbClr val="262626"/>
+          </a:solidFill>
+          <a:ln>
+            <a:noFill/>
+          </a:ln>
+        </p:spPr>
+        <p:style>
+          <a:lnRef idx="2">
+            <a:schemeClr val="accent1">
+              <a:shade val="50000"/>
+            </a:schemeClr>
+          </a:lnRef>
+          <a:fillRef idx="1">
+            <a:schemeClr val="accent1"/>
+          </a:fillRef>
+          <a:effectRef idx="0">
+            <a:schemeClr val="accent1"/>
+          </a:effectRef>
+          <a:fontRef idx="minor">
+            <a:schemeClr val="lt1"/>
+          </a:fontRef>
+        </p:style>
+      </p:sp>
+      <p:cxnSp>
+        <p:nvCxnSpPr>
+          <p:cNvPr id="27" name="Connettore diritto 30">
+            <a:extLst>
+              <a:ext uri="{FF2B5EF4-FFF2-40B4-BE49-F238E27FC236}">
+                <a16:creationId xmlns:a16="http://schemas.microsoft.com/office/drawing/2014/main" id="{C5025DAC-8B93-4160-B017-3A274A5828C0}"/>
+              </a:ext>
+              <a:ext uri="{C183D7F6-B498-43B3-948B-1728B52AA6E4}">
+                <adec:decorative xmlns:adec="http://schemas.microsoft.com/office/drawing/2017/decorative" val="1"/>
+              </a:ext>
+            </a:extLst>
+          </p:cNvPr>
+          <p:cNvCxnSpPr>
+            <a:cxnSpLocks noGrp="1" noRot="1" noChangeAspect="1" noMove="1" noResize="1" noEditPoints="1" noAdjustHandles="1" noChangeArrowheads="1" noChangeShapeType="1"/>
+          </p:cNvCxnSpPr>
+          <p:nvPr>
+            <p:extLst>
+              <p:ext uri="{386F3935-93C4-4BCD-93E2-E3B085C9AB24}">
+                <p16:designElem xmlns:p16="http://schemas.microsoft.com/office/powerpoint/2015/main" val="1"/>
+              </p:ext>
+            </p:extLst>
+          </p:nvPr>
+        </p:nvCxnSpPr>
+        <p:spPr>
+          <a:xfrm>
+            <a:off x="1193532" y="1897380"/>
+            <a:ext cx="9966960" cy="0"/>
+          </a:xfrm>
+          <a:prstGeom prst="line">
+            <a:avLst/>
+          </a:prstGeom>
+          <a:ln w="12700">
+            <a:solidFill>
+              <a:schemeClr val="tx1">
+                <a:lumMod val="75000"/>
+                <a:lumOff val="25000"/>
+              </a:schemeClr>
+            </a:solidFill>
+          </a:ln>
+        </p:spPr>
+        <p:style>
+          <a:lnRef idx="1">
+            <a:schemeClr val="accent1"/>
+          </a:lnRef>
+          <a:fillRef idx="0">
+            <a:schemeClr val="accent1"/>
+          </a:fillRef>
+          <a:effectRef idx="0">
+            <a:schemeClr val="accent1"/>
+          </a:effectRef>
+          <a:fontRef idx="minor">
+            <a:schemeClr val="tx1"/>
+          </a:fontRef>
+        </p:style>
+      </p:cxnSp>
+      <p:sp useBgFill="1">
+        <p:nvSpPr>
+          <p:cNvPr id="28" name="Rettangolo 32">
+            <a:extLst>
+              <a:ext uri="{FF2B5EF4-FFF2-40B4-BE49-F238E27FC236}">
+                <a16:creationId xmlns:a16="http://schemas.microsoft.com/office/drawing/2014/main" id="{990D0034-F768-41E7-85D4-F38C4DE85770}"/>
+              </a:ext>
+              <a:ext uri="{C183D7F6-B498-43B3-948B-1728B52AA6E4}">
+                <adec:decorative xmlns:adec="http://schemas.microsoft.com/office/drawing/2017/decorative" val="1"/>
+              </a:ext>
+            </a:extLst>
+          </p:cNvPr>
+          <p:cNvSpPr>
+            <a:spLocks noGrp="1" noRot="1" noChangeAspect="1" noMove="1" noResize="1" noEditPoints="1" noAdjustHandles="1" noChangeArrowheads="1" noChangeShapeType="1" noTextEdit="1"/>
+          </p:cNvSpPr>
+          <p:nvPr>
+            <p:extLst>
+              <p:ext uri="{386F3935-93C4-4BCD-93E2-E3B085C9AB24}">
+                <p16:designElem xmlns:p16="http://schemas.microsoft.com/office/powerpoint/2015/main" val="1"/>
+              </p:ext>
+            </p:extLst>
+          </p:nvPr>
+        </p:nvSpPr>
+        <p:spPr>
+          <a:xfrm>
+            <a:off x="0" y="0"/>
+            <a:ext cx="12186315" cy="6858000"/>
+          </a:xfrm>
+          <a:prstGeom prst="rect">
+            <a:avLst/>
+          </a:prstGeom>
+          <a:ln>
+            <a:noFill/>
+          </a:ln>
+        </p:spPr>
+        <p:style>
+          <a:lnRef idx="2">
+            <a:schemeClr val="accent6">
+              <a:shade val="50000"/>
+            </a:schemeClr>
+          </a:lnRef>
+          <a:fillRef idx="1001">
+            <a:schemeClr val="lt1"/>
+          </a:fillRef>
+          <a:effectRef idx="0">
+            <a:schemeClr val="accent6"/>
+          </a:effectRef>
+          <a:fontRef idx="minor">
+            <a:schemeClr val="lt1"/>
+          </a:fontRef>
+        </p:style>
+        <p:txBody>
+          <a:bodyPr rtlCol="0" anchor="ctr"/>
+          <a:lstStyle/>
+          <a:p>
+            <a:pPr algn="ctr" rtl="0"/>
+            <a:endParaRPr lang="it-IT" dirty="0"/>
+          </a:p>
+        </p:txBody>
+      </p:sp>
+      <p:sp>
+        <p:nvSpPr>
+          <p:cNvPr id="5" name="Titolo 4">
+            <a:extLst>
+              <a:ext uri="{FF2B5EF4-FFF2-40B4-BE49-F238E27FC236}">
+                <a16:creationId xmlns:a16="http://schemas.microsoft.com/office/drawing/2014/main" id="{B8B72B13-069B-4F8A-9437-FA58C3F1D44B}"/>
+              </a:ext>
+            </a:extLst>
+          </p:cNvPr>
+          <p:cNvSpPr>
+            <a:spLocks noGrp="1"/>
+          </p:cNvSpPr>
+          <p:nvPr>
+            <p:ph type="title"/>
+          </p:nvPr>
+        </p:nvSpPr>
+        <p:spPr>
+          <a:xfrm>
+            <a:off x="590927" y="535936"/>
+            <a:ext cx="10864474" cy="700340"/>
+          </a:xfrm>
+        </p:spPr>
+        <p:txBody>
+          <a:bodyPr vert="horz" lIns="91440" tIns="45720" rIns="91440" bIns="45720" rtlCol="0" anchor="b">
+            <a:noAutofit/>
+          </a:bodyPr>
+          <a:lstStyle/>
+          <a:p>
+            <a:pPr rtl="0"/>
+            <a:r>
+              <a:rPr lang="it-IT" sz="4400" dirty="0">
+                <a:solidFill>
+                  <a:schemeClr val="tx1">
+                    <a:lumMod val="75000"/>
+                    <a:lumOff val="25000"/>
+                  </a:schemeClr>
+                </a:solidFill>
+              </a:rPr>
+              <a:t>Tool SimpleID3</a:t>
+            </a:r>
+          </a:p>
+        </p:txBody>
+      </p:sp>
+      <p:cxnSp>
+        <p:nvCxnSpPr>
+          <p:cNvPr id="30" name="Connettore diritto 34">
+            <a:extLst>
+              <a:ext uri="{FF2B5EF4-FFF2-40B4-BE49-F238E27FC236}">
+                <a16:creationId xmlns:a16="http://schemas.microsoft.com/office/drawing/2014/main" id="{5A0A5CF6-407C-4691-8122-49DF69D0020D}"/>
+              </a:ext>
+              <a:ext uri="{C183D7F6-B498-43B3-948B-1728B52AA6E4}">
+                <adec:decorative xmlns:adec="http://schemas.microsoft.com/office/drawing/2017/decorative" val="1"/>
+              </a:ext>
+            </a:extLst>
+          </p:cNvPr>
+          <p:cNvCxnSpPr>
+            <a:cxnSpLocks noGrp="1" noRot="1" noChangeAspect="1" noMove="1" noResize="1" noEditPoints="1" noAdjustHandles="1" noChangeArrowheads="1" noChangeShapeType="1"/>
+          </p:cNvCxnSpPr>
+          <p:nvPr>
+            <p:extLst>
+              <p:ext uri="{386F3935-93C4-4BCD-93E2-E3B085C9AB24}">
+                <p16:designElem xmlns:p16="http://schemas.microsoft.com/office/powerpoint/2015/main" val="1"/>
+              </p:ext>
+            </p:extLst>
+          </p:nvPr>
+        </p:nvCxnSpPr>
+        <p:spPr>
+          <a:xfrm>
+            <a:off x="590927" y="2633962"/>
+            <a:ext cx="2834640" cy="0"/>
+          </a:xfrm>
+          <a:prstGeom prst="line">
+            <a:avLst/>
+          </a:prstGeom>
+          <a:ln w="12700">
+            <a:solidFill>
+              <a:schemeClr val="tx1">
+                <a:lumMod val="75000"/>
+                <a:lumOff val="25000"/>
+              </a:schemeClr>
+            </a:solidFill>
+          </a:ln>
+        </p:spPr>
+        <p:style>
+          <a:lnRef idx="1">
+            <a:schemeClr val="accent1"/>
+          </a:lnRef>
+          <a:fillRef idx="0">
+            <a:schemeClr val="accent1"/>
+          </a:fillRef>
+          <a:effectRef idx="0">
+            <a:schemeClr val="accent1"/>
+          </a:effectRef>
+          <a:fontRef idx="minor">
+            <a:schemeClr val="tx1"/>
+          </a:fontRef>
+        </p:style>
+      </p:cxnSp>
+      <p:sp>
+        <p:nvSpPr>
+          <p:cNvPr id="4" name="Rettangolo 3">
+            <a:extLst>
+              <a:ext uri="{FF2B5EF4-FFF2-40B4-BE49-F238E27FC236}">
+                <a16:creationId xmlns:a16="http://schemas.microsoft.com/office/drawing/2014/main" id="{D22E5227-66DC-4545-A93A-3BAE57987144}"/>
+              </a:ext>
+            </a:extLst>
+          </p:cNvPr>
+          <p:cNvSpPr/>
+          <p:nvPr/>
+        </p:nvSpPr>
+        <p:spPr>
+          <a:xfrm>
+            <a:off x="590927" y="2477070"/>
+            <a:ext cx="2955837" cy="457195"/>
+          </a:xfrm>
+          <a:prstGeom prst="rect">
+            <a:avLst/>
+          </a:prstGeom>
+          <a:solidFill>
+            <a:schemeClr val="bg1"/>
+          </a:solidFill>
+          <a:ln>
+            <a:solidFill>
+              <a:schemeClr val="bg1"/>
+            </a:solidFill>
+          </a:ln>
+        </p:spPr>
+        <p:style>
+          <a:lnRef idx="2">
+            <a:schemeClr val="accent1">
+              <a:shade val="50000"/>
+            </a:schemeClr>
+          </a:lnRef>
+          <a:fillRef idx="1">
+            <a:schemeClr val="accent1"/>
+          </a:fillRef>
+          <a:effectRef idx="0">
+            <a:schemeClr val="accent1"/>
+          </a:effectRef>
+          <a:fontRef idx="minor">
+            <a:schemeClr val="lt1"/>
+          </a:fontRef>
+        </p:style>
+        <p:txBody>
+          <a:bodyPr rtlCol="0" anchor="ctr"/>
+          <a:lstStyle/>
+          <a:p>
+            <a:pPr algn="ctr"/>
+            <a:endParaRPr lang="it-IT"/>
+          </a:p>
+        </p:txBody>
+      </p:sp>
+      <p:sp>
+        <p:nvSpPr>
+          <p:cNvPr id="6" name="Segnaposto contenuto 5">
+            <a:extLst>
+              <a:ext uri="{FF2B5EF4-FFF2-40B4-BE49-F238E27FC236}">
+                <a16:creationId xmlns:a16="http://schemas.microsoft.com/office/drawing/2014/main" id="{2281D70C-EE29-493E-838C-890184A02C07}"/>
+              </a:ext>
+            </a:extLst>
+          </p:cNvPr>
+          <p:cNvSpPr>
+            <a:spLocks noGrp="1"/>
+          </p:cNvSpPr>
+          <p:nvPr>
+            <p:ph idx="1"/>
+          </p:nvPr>
+        </p:nvSpPr>
+        <p:spPr>
+          <a:xfrm>
+            <a:off x="590926" y="1452870"/>
+            <a:ext cx="5196731" cy="4590875"/>
+          </a:xfrm>
+        </p:spPr>
+        <p:txBody>
+          <a:bodyPr vert="horz" lIns="0" tIns="45720" rIns="0" bIns="45720" rtlCol="0">
+            <a:normAutofit lnSpcReduction="10000"/>
+          </a:bodyPr>
+          <a:lstStyle/>
+          <a:p>
+            <a:pPr rtl="0"/>
+            <a:r>
+              <a:rPr lang="it-IT" sz="2800" dirty="0">
+                <a:latin typeface="+mj-lt"/>
+              </a:rPr>
+              <a:t>Il codice e la grammatica, cosi come un eseguibile Java compilato sono disponibili su GitHub alla repository -&gt; </a:t>
+            </a:r>
+            <a:r>
+              <a:rPr lang="it-IT" sz="2800" dirty="0">
+                <a:latin typeface="+mj-lt"/>
+                <a:hlinkClick r:id="rId3"/>
+              </a:rPr>
+              <a:t>https://github.com/atusghen/SimpleID3</a:t>
+            </a:r>
+            <a:endParaRPr lang="it-IT" sz="2800" dirty="0">
+              <a:latin typeface="+mj-lt"/>
+            </a:endParaRPr>
+          </a:p>
+          <a:p>
+            <a:pPr rtl="0"/>
+            <a:r>
+              <a:rPr lang="it-IT" sz="2800" dirty="0">
+                <a:latin typeface="+mj-lt"/>
+              </a:rPr>
+              <a:t>Le tecnologie e gli strumenti utilizzati per lo sviluppo sono stati Java con Eclipse e </a:t>
+            </a:r>
+            <a:r>
+              <a:rPr lang="it-IT" sz="2800" dirty="0" err="1">
+                <a:latin typeface="+mj-lt"/>
+              </a:rPr>
+              <a:t>AntLR</a:t>
+            </a:r>
+            <a:r>
+              <a:rPr lang="it-IT" sz="2800" dirty="0">
+                <a:latin typeface="+mj-lt"/>
+              </a:rPr>
+              <a:t> 3.4, </a:t>
+            </a:r>
+            <a:r>
+              <a:rPr lang="it-IT" sz="2800" dirty="0" err="1">
+                <a:latin typeface="+mj-lt"/>
+              </a:rPr>
+              <a:t>AntLRworks</a:t>
+            </a:r>
+            <a:r>
+              <a:rPr lang="it-IT" sz="2800" dirty="0">
+                <a:latin typeface="+mj-lt"/>
+              </a:rPr>
+              <a:t> 1.5.2 per la grammatica</a:t>
+            </a:r>
+          </a:p>
+        </p:txBody>
+      </p:sp>
+      <p:pic>
+        <p:nvPicPr>
+          <p:cNvPr id="10" name="Elemento grafico 9">
+            <a:extLst>
+              <a:ext uri="{FF2B5EF4-FFF2-40B4-BE49-F238E27FC236}">
+                <a16:creationId xmlns:a16="http://schemas.microsoft.com/office/drawing/2014/main" id="{54A47743-7725-4A33-93CA-EFB89C10D1EC}"/>
+              </a:ext>
+            </a:extLst>
+          </p:cNvPr>
+          <p:cNvPicPr>
+            <a:picLocks noChangeAspect="1"/>
+          </p:cNvPicPr>
+          <p:nvPr/>
+        </p:nvPicPr>
+        <p:blipFill>
+          <a:blip r:embed="rId4" cstate="print">
+            <a:extLst>
+              <a:ext uri="{28A0092B-C50C-407E-A947-70E740481C1C}">
+                <a14:useLocalDpi xmlns:a14="http://schemas.microsoft.com/office/drawing/2010/main" val="0"/>
+              </a:ext>
+              <a:ext uri="{96DAC541-7B7A-43D3-8B79-37D633B846F1}">
+                <asvg:svgBlip xmlns:asvg="http://schemas.microsoft.com/office/drawing/2016/SVG/main" r:embed="rId5"/>
+              </a:ext>
+            </a:extLst>
+          </a:blip>
+          <a:stretch>
+            <a:fillRect/>
+          </a:stretch>
+        </p:blipFill>
+        <p:spPr>
+          <a:xfrm>
+            <a:off x="207095" y="6043750"/>
+            <a:ext cx="1770209" cy="700341"/>
+          </a:xfrm>
+          <a:prstGeom prst="rect">
+            <a:avLst/>
+          </a:prstGeom>
+        </p:spPr>
+      </p:pic>
+      <p:sp>
+        <p:nvSpPr>
+          <p:cNvPr id="12" name="Connettore 11">
+            <a:extLst>
+              <a:ext uri="{FF2B5EF4-FFF2-40B4-BE49-F238E27FC236}">
+                <a16:creationId xmlns:a16="http://schemas.microsoft.com/office/drawing/2014/main" id="{92095D8C-8CCA-4CC6-B2D2-E1BC4732F321}"/>
+              </a:ext>
+            </a:extLst>
+          </p:cNvPr>
+          <p:cNvSpPr/>
+          <p:nvPr/>
+        </p:nvSpPr>
+        <p:spPr>
+          <a:xfrm>
+            <a:off x="11455401" y="6273800"/>
+            <a:ext cx="512910" cy="470291"/>
+          </a:xfrm>
+          <a:prstGeom prst="flowChartConnector">
+            <a:avLst/>
+          </a:prstGeom>
+        </p:spPr>
+        <p:style>
+          <a:lnRef idx="2">
+            <a:schemeClr val="accent1">
+              <a:shade val="50000"/>
+            </a:schemeClr>
+          </a:lnRef>
+          <a:fillRef idx="1">
+            <a:schemeClr val="accent1"/>
+          </a:fillRef>
+          <a:effectRef idx="0">
+            <a:schemeClr val="accent1"/>
+          </a:effectRef>
+          <a:fontRef idx="minor">
+            <a:schemeClr val="lt1"/>
+          </a:fontRef>
+        </p:style>
+        <p:txBody>
+          <a:bodyPr rtlCol="0" anchor="ctr"/>
+          <a:lstStyle/>
+          <a:p>
+            <a:pPr algn="ctr"/>
+            <a:fld id="{3A98EE3D-8CD1-4C3F-BD1C-C98C9596463C}" type="slidenum">
+              <a:rPr lang="it-IT" sz="1200" b="1"/>
+              <a:pPr algn="ctr"/>
+              <a:t>11</a:t>
+            </a:fld>
+            <a:endParaRPr lang="it-IT" b="1" dirty="0"/>
+          </a:p>
+        </p:txBody>
+      </p:sp>
+      <p:pic>
+        <p:nvPicPr>
+          <p:cNvPr id="3" name="Immagine 2">
+            <a:extLst>
+              <a:ext uri="{FF2B5EF4-FFF2-40B4-BE49-F238E27FC236}">
+                <a16:creationId xmlns:a16="http://schemas.microsoft.com/office/drawing/2014/main" id="{21F7A7ED-14CB-F9F7-D086-A4EF5B8CB198}"/>
+              </a:ext>
+            </a:extLst>
+          </p:cNvPr>
+          <p:cNvPicPr>
+            <a:picLocks noChangeAspect="1"/>
+          </p:cNvPicPr>
+          <p:nvPr/>
+        </p:nvPicPr>
+        <p:blipFill>
+          <a:blip r:embed="rId6"/>
+          <a:stretch>
+            <a:fillRect/>
+          </a:stretch>
+        </p:blipFill>
+        <p:spPr>
+          <a:xfrm>
+            <a:off x="6005661" y="1897380"/>
+            <a:ext cx="5962650" cy="3057525"/>
+          </a:xfrm>
+          <a:prstGeom prst="rect">
+            <a:avLst/>
+          </a:prstGeom>
+          <a:ln>
+            <a:solidFill>
+              <a:schemeClr val="tx1"/>
+            </a:solidFill>
+          </a:ln>
+        </p:spPr>
+      </p:pic>
+    </p:spTree>
+    <p:extLst>
+      <p:ext uri="{BB962C8B-B14F-4D97-AF65-F5344CB8AC3E}">
+        <p14:creationId xmlns:p14="http://schemas.microsoft.com/office/powerpoint/2010/main" val="3769931090"/>
+      </p:ext>
+    </p:extLst>
+  </p:cSld>
+  <p:clrMapOvr>
+    <a:masterClrMapping/>
+  </p:clrMapOvr>
+</p:sld>
+</file>
+
 <file path=ppt/slides/slide2.xml><?xml version="1.0" encoding="utf-8"?>
 <p:sld xmlns:a="http://schemas.openxmlformats.org/drawingml/2006/main" xmlns:r="http://schemas.openxmlformats.org/officeDocument/2006/relationships" xmlns:p="http://schemas.openxmlformats.org/presentationml/2006/main">
   <p:cSld>
@@ -9606,7 +11226,7 @@
             </a:pPr>
             <a:r>
               <a:rPr lang="it-IT" dirty="0"/>
-              <a:t>È uno standard riconosciuto universalmente la cui documentazione è liberamente visionabile al link id3.org, dove sono disponibili tra l’altro strumenti dedicati per sviluppatori così come librerie open source per il supporto dello standard</a:t>
+              <a:t>ID3 è uno standard riconosciuto universalmente la cui documentazione è liberamente visionabile al link id3.org, dove sono disponibili tra l’altro strumenti dedicati per sviluppatori così come librerie open source per il supporto dello standard</a:t>
             </a:r>
           </a:p>
         </p:txBody>
@@ -9893,7 +11513,7 @@
                   </a:schemeClr>
                 </a:solidFill>
               </a:rPr>
-              <a:t>ID3v1 vs ID3v2</a:t>
+              <a:t>Perché ID3v1</a:t>
             </a:r>
           </a:p>
         </p:txBody>
@@ -10026,12 +11646,12 @@
         <p:spPr>
           <a:xfrm>
             <a:off x="590926" y="1452870"/>
-            <a:ext cx="4542547" cy="4590875"/>
+            <a:ext cx="11010147" cy="4590875"/>
           </a:xfrm>
         </p:spPr>
         <p:txBody>
           <a:bodyPr vert="horz" lIns="0" tIns="45720" rIns="0" bIns="45720" rtlCol="0">
-            <a:normAutofit lnSpcReduction="10000"/>
+            <a:normAutofit/>
           </a:bodyPr>
           <a:lstStyle/>
           <a:p>
@@ -10040,58 +11660,70 @@
               <a:rPr lang="it-IT" dirty="0">
                 <a:latin typeface="+mj-lt"/>
               </a:rPr>
-              <a:t>ID3v1 contiene informazioni di base come nome traccia, artista e album</a:t>
-            </a:r>
-          </a:p>
-          <a:p>
-            <a:pPr rtl="0"/>
+              <a:t>Il formato audio MPEG </a:t>
+            </a:r>
+            <a:r>
+              <a:rPr lang="it-IT" dirty="0" err="1">
+                <a:latin typeface="+mj-lt"/>
+              </a:rPr>
+              <a:t>layer</a:t>
+            </a:r>
             <a:r>
               <a:rPr lang="it-IT" dirty="0">
                 <a:latin typeface="+mj-lt"/>
               </a:rPr>
-              <a:t>ID3v2 contiene informazioni aggiuntive di dimensioni variabili come l’immagine dell’album, tag estesi e anche </a:t>
+              <a:t> 1, </a:t>
             </a:r>
             <a:r>
               <a:rPr lang="it-IT" dirty="0" err="1">
                 <a:latin typeface="+mj-lt"/>
               </a:rPr>
-              <a:t>lyrics</a:t>
-            </a:r>
-            <a:endParaRPr lang="it-IT" dirty="0">
-              <a:latin typeface="+mj-lt"/>
-            </a:endParaRPr>
-          </a:p>
-          <a:p>
-            <a:pPr rtl="0"/>
+              <a:t>layer</a:t>
+            </a:r>
             <a:r>
               <a:rPr lang="it-IT" dirty="0">
                 <a:latin typeface="+mj-lt"/>
               </a:rPr>
-              <a:t>ID3v1 e ID3v2 possono coesistere nello stesso mp3 e sono </a:t>
+              <a:t> 2 e </a:t>
             </a:r>
             <a:r>
               <a:rPr lang="it-IT" dirty="0" err="1">
                 <a:latin typeface="+mj-lt"/>
               </a:rPr>
-              <a:t>difatto</a:t>
+              <a:t>layer</a:t>
             </a:r>
             <a:r>
               <a:rPr lang="it-IT" dirty="0">
                 <a:latin typeface="+mj-lt"/>
               </a:rPr>
-              <a:t> due componenti diversi del file (sono riconosciuti dall’</a:t>
-            </a:r>
-            <a:r>
-              <a:rPr lang="it-IT" dirty="0" err="1">
-                <a:latin typeface="+mj-lt"/>
-              </a:rPr>
-              <a:t>header</a:t>
-            </a:r>
+              <a:t> 3 (mp3) non ha nessun supporto nativo al salvataggio di informazioni aggiuntive, eccetto per dei parametri si/no molto semplici sul copyright</a:t>
+            </a:r>
+          </a:p>
+          <a:p>
+            <a:pPr rtl="0"/>
             <a:r>
               <a:rPr lang="it-IT" dirty="0">
                 <a:latin typeface="+mj-lt"/>
               </a:rPr>
-              <a:t> diverso)</a:t>
+              <a:t>Una soluzione del problema è stata l’aggiunta di una piccola porzione di dati alla fine del file cosi che esso potesse trasportare anche le sue informazione e non solo l’audio in sé</a:t>
+            </a:r>
+          </a:p>
+          <a:p>
+            <a:pPr rtl="0"/>
+            <a:r>
+              <a:rPr lang="it-IT" dirty="0">
+                <a:latin typeface="+mj-lt"/>
+              </a:rPr>
+              <a:t>La posizione del tag, ovvero del nome assegnato a questa porzione di dati, è stata scelta per ridurre al minimo la possibilità che essi possano disturbare i decoder</a:t>
+            </a:r>
+          </a:p>
+          <a:p>
+            <a:pPr rtl="0"/>
+            <a:r>
+              <a:rPr lang="it-IT" dirty="0">
+                <a:latin typeface="+mj-lt"/>
+              </a:rPr>
+              <a:t>Mentre la dimensione da 128byte fissa è stata scelta per renderlo facile da individuare</a:t>
             </a:r>
           </a:p>
         </p:txBody>
@@ -10188,10 +11820,10 @@
       </p:sp>
       <p:sp>
         <p:nvSpPr>
-          <p:cNvPr id="16" name="Titolo 4">
-            <a:extLst>
-              <a:ext uri="{FF2B5EF4-FFF2-40B4-BE49-F238E27FC236}">
-                <a16:creationId xmlns:a16="http://schemas.microsoft.com/office/drawing/2014/main" id="{8EEDFEC2-6026-4D3A-8D5D-C3C56063292D}"/>
+          <p:cNvPr id="13" name="Segnaposto contenuto 5">
+            <a:extLst>
+              <a:ext uri="{FF2B5EF4-FFF2-40B4-BE49-F238E27FC236}">
+                <a16:creationId xmlns:a16="http://schemas.microsoft.com/office/drawing/2014/main" id="{B17E8C38-DDF5-41B9-B467-914D34FF3AAB}"/>
               </a:ext>
             </a:extLst>
           </p:cNvPr>
@@ -10202,8 +11834,2405 @@
         </p:nvSpPr>
         <p:spPr>
           <a:xfrm>
-            <a:off x="6606353" y="535936"/>
+            <a:off x="6620787" y="1452869"/>
+            <a:ext cx="4542547" cy="4590875"/>
+          </a:xfrm>
+          <a:prstGeom prst="rect">
+            <a:avLst/>
+          </a:prstGeom>
+        </p:spPr>
+        <p:txBody>
+          <a:bodyPr vert="horz" lIns="0" tIns="45720" rIns="0" bIns="45720" rtlCol="0" anchor="t">
+            <a:normAutofit/>
+          </a:bodyPr>
+          <a:lstStyle>
+            <a:lvl1pPr marL="266700" indent="-266700" algn="l" defTabSz="914400" rtl="0" eaLnBrk="1" latinLnBrk="0" hangingPunct="1">
+              <a:lnSpc>
+                <a:spcPct val="100000"/>
+              </a:lnSpc>
+              <a:spcBef>
+                <a:spcPts val="1200"/>
+              </a:spcBef>
+              <a:spcAft>
+                <a:spcPts val="200"/>
+              </a:spcAft>
+              <a:buClr>
+                <a:schemeClr val="accent1"/>
+              </a:buClr>
+              <a:buSzPct val="100000"/>
+              <a:buFont typeface="Wingdings" panose="05000000000000000000" pitchFamily="2" charset="2"/>
+              <a:buChar char="§"/>
+              <a:defRPr sz="2400" kern="1200">
+                <a:solidFill>
+                  <a:schemeClr val="tx1">
+                    <a:lumMod val="75000"/>
+                    <a:lumOff val="25000"/>
+                  </a:schemeClr>
+                </a:solidFill>
+                <a:latin typeface="+mn-lt"/>
+                <a:ea typeface="+mn-ea"/>
+                <a:cs typeface="+mn-cs"/>
+              </a:defRPr>
+            </a:lvl1pPr>
+            <a:lvl2pPr marL="384048" indent="-182880" algn="l" defTabSz="914400" rtl="0" eaLnBrk="1" latinLnBrk="0" hangingPunct="1">
+              <a:lnSpc>
+                <a:spcPct val="100000"/>
+              </a:lnSpc>
+              <a:spcBef>
+                <a:spcPts val="200"/>
+              </a:spcBef>
+              <a:spcAft>
+                <a:spcPts val="400"/>
+              </a:spcAft>
+              <a:buClr>
+                <a:schemeClr val="accent1"/>
+              </a:buClr>
+              <a:buFont typeface="Wingdings" panose="05000000000000000000" pitchFamily="2" charset="2"/>
+              <a:buChar char="§"/>
+              <a:defRPr sz="2000" kern="1200">
+                <a:solidFill>
+                  <a:schemeClr val="tx1">
+                    <a:lumMod val="75000"/>
+                    <a:lumOff val="25000"/>
+                  </a:schemeClr>
+                </a:solidFill>
+                <a:latin typeface="+mn-lt"/>
+                <a:ea typeface="+mn-ea"/>
+                <a:cs typeface="+mn-cs"/>
+              </a:defRPr>
+            </a:lvl2pPr>
+            <a:lvl3pPr marL="566928" indent="-182880" algn="l" defTabSz="914400" rtl="0" eaLnBrk="1" latinLnBrk="0" hangingPunct="1">
+              <a:lnSpc>
+                <a:spcPct val="100000"/>
+              </a:lnSpc>
+              <a:spcBef>
+                <a:spcPts val="200"/>
+              </a:spcBef>
+              <a:spcAft>
+                <a:spcPts val="400"/>
+              </a:spcAft>
+              <a:buClr>
+                <a:schemeClr val="accent1"/>
+              </a:buClr>
+              <a:buFont typeface="Wingdings" panose="05000000000000000000" pitchFamily="2" charset="2"/>
+              <a:buChar char="§"/>
+              <a:defRPr sz="1600" kern="1200">
+                <a:solidFill>
+                  <a:schemeClr val="tx1">
+                    <a:lumMod val="75000"/>
+                    <a:lumOff val="25000"/>
+                  </a:schemeClr>
+                </a:solidFill>
+                <a:latin typeface="+mn-lt"/>
+                <a:ea typeface="+mn-ea"/>
+                <a:cs typeface="+mn-cs"/>
+              </a:defRPr>
+            </a:lvl3pPr>
+            <a:lvl4pPr marL="749808" indent="-182880" algn="l" defTabSz="914400" rtl="0" eaLnBrk="1" latinLnBrk="0" hangingPunct="1">
+              <a:lnSpc>
+                <a:spcPct val="100000"/>
+              </a:lnSpc>
+              <a:spcBef>
+                <a:spcPts val="200"/>
+              </a:spcBef>
+              <a:spcAft>
+                <a:spcPts val="400"/>
+              </a:spcAft>
+              <a:buClr>
+                <a:schemeClr val="accent1"/>
+              </a:buClr>
+              <a:buFont typeface="Wingdings" panose="05000000000000000000" pitchFamily="2" charset="2"/>
+              <a:buChar char="§"/>
+              <a:defRPr sz="1600" kern="1200">
+                <a:solidFill>
+                  <a:schemeClr val="tx1">
+                    <a:lumMod val="75000"/>
+                    <a:lumOff val="25000"/>
+                  </a:schemeClr>
+                </a:solidFill>
+                <a:latin typeface="+mn-lt"/>
+                <a:ea typeface="+mn-ea"/>
+                <a:cs typeface="+mn-cs"/>
+              </a:defRPr>
+            </a:lvl4pPr>
+            <a:lvl5pPr marL="932688" indent="-182880" algn="l" defTabSz="914400" rtl="0" eaLnBrk="1" latinLnBrk="0" hangingPunct="1">
+              <a:lnSpc>
+                <a:spcPct val="100000"/>
+              </a:lnSpc>
+              <a:spcBef>
+                <a:spcPts val="200"/>
+              </a:spcBef>
+              <a:spcAft>
+                <a:spcPts val="400"/>
+              </a:spcAft>
+              <a:buClr>
+                <a:schemeClr val="accent1"/>
+              </a:buClr>
+              <a:buFont typeface="Wingdings" panose="05000000000000000000" pitchFamily="2" charset="2"/>
+              <a:buChar char="§"/>
+              <a:defRPr sz="1600" kern="1200">
+                <a:solidFill>
+                  <a:schemeClr val="tx1">
+                    <a:lumMod val="75000"/>
+                    <a:lumOff val="25000"/>
+                  </a:schemeClr>
+                </a:solidFill>
+                <a:latin typeface="+mn-lt"/>
+                <a:ea typeface="+mn-ea"/>
+                <a:cs typeface="+mn-cs"/>
+              </a:defRPr>
+            </a:lvl5pPr>
+            <a:lvl6pPr marL="1100000" indent="-228600" algn="l" defTabSz="914400" rtl="0" eaLnBrk="1" latinLnBrk="0" hangingPunct="1">
+              <a:lnSpc>
+                <a:spcPct val="90000"/>
+              </a:lnSpc>
+              <a:spcBef>
+                <a:spcPts val="200"/>
+              </a:spcBef>
+              <a:spcAft>
+                <a:spcPts val="400"/>
+              </a:spcAft>
+              <a:buClr>
+                <a:schemeClr val="accent1"/>
+              </a:buClr>
+              <a:buFont typeface="Calibri" pitchFamily="34" charset="0"/>
+              <a:buChar char="◦"/>
+              <a:defRPr sz="1400" kern="1200">
+                <a:solidFill>
+                  <a:schemeClr val="tx1">
+                    <a:lumMod val="75000"/>
+                    <a:lumOff val="25000"/>
+                  </a:schemeClr>
+                </a:solidFill>
+                <a:latin typeface="+mn-lt"/>
+                <a:ea typeface="+mn-ea"/>
+                <a:cs typeface="+mn-cs"/>
+              </a:defRPr>
+            </a:lvl6pPr>
+            <a:lvl7pPr marL="1300000" indent="-228600" algn="l" defTabSz="914400" rtl="0" eaLnBrk="1" latinLnBrk="0" hangingPunct="1">
+              <a:lnSpc>
+                <a:spcPct val="90000"/>
+              </a:lnSpc>
+              <a:spcBef>
+                <a:spcPts val="200"/>
+              </a:spcBef>
+              <a:spcAft>
+                <a:spcPts val="400"/>
+              </a:spcAft>
+              <a:buClr>
+                <a:schemeClr val="accent1"/>
+              </a:buClr>
+              <a:buFont typeface="Calibri" pitchFamily="34" charset="0"/>
+              <a:buChar char="◦"/>
+              <a:defRPr sz="1400" kern="1200">
+                <a:solidFill>
+                  <a:schemeClr val="tx1">
+                    <a:lumMod val="75000"/>
+                    <a:lumOff val="25000"/>
+                  </a:schemeClr>
+                </a:solidFill>
+                <a:latin typeface="+mn-lt"/>
+                <a:ea typeface="+mn-ea"/>
+                <a:cs typeface="+mn-cs"/>
+              </a:defRPr>
+            </a:lvl7pPr>
+            <a:lvl8pPr marL="1500000" indent="-228600" algn="l" defTabSz="914400" rtl="0" eaLnBrk="1" latinLnBrk="0" hangingPunct="1">
+              <a:lnSpc>
+                <a:spcPct val="90000"/>
+              </a:lnSpc>
+              <a:spcBef>
+                <a:spcPts val="200"/>
+              </a:spcBef>
+              <a:spcAft>
+                <a:spcPts val="400"/>
+              </a:spcAft>
+              <a:buClr>
+                <a:schemeClr val="accent1"/>
+              </a:buClr>
+              <a:buFont typeface="Calibri" pitchFamily="34" charset="0"/>
+              <a:buChar char="◦"/>
+              <a:defRPr sz="1400" kern="1200">
+                <a:solidFill>
+                  <a:schemeClr val="tx1">
+                    <a:lumMod val="75000"/>
+                    <a:lumOff val="25000"/>
+                  </a:schemeClr>
+                </a:solidFill>
+                <a:latin typeface="+mn-lt"/>
+                <a:ea typeface="+mn-ea"/>
+                <a:cs typeface="+mn-cs"/>
+              </a:defRPr>
+            </a:lvl8pPr>
+            <a:lvl9pPr marL="1700000" indent="-228600" algn="l" defTabSz="914400" rtl="0" eaLnBrk="1" latinLnBrk="0" hangingPunct="1">
+              <a:lnSpc>
+                <a:spcPct val="90000"/>
+              </a:lnSpc>
+              <a:spcBef>
+                <a:spcPts val="200"/>
+              </a:spcBef>
+              <a:spcAft>
+                <a:spcPts val="400"/>
+              </a:spcAft>
+              <a:buClr>
+                <a:schemeClr val="accent1"/>
+              </a:buClr>
+              <a:buFont typeface="Calibri" pitchFamily="34" charset="0"/>
+              <a:buChar char="◦"/>
+              <a:defRPr sz="1400" kern="1200">
+                <a:solidFill>
+                  <a:schemeClr val="tx1">
+                    <a:lumMod val="75000"/>
+                    <a:lumOff val="25000"/>
+                  </a:schemeClr>
+                </a:solidFill>
+                <a:latin typeface="+mn-lt"/>
+                <a:ea typeface="+mn-ea"/>
+                <a:cs typeface="+mn-cs"/>
+              </a:defRPr>
+            </a:lvl9pPr>
+          </a:lstStyle>
+          <a:p>
+            <a:endParaRPr lang="it-IT" dirty="0">
+              <a:latin typeface="+mj-lt"/>
+            </a:endParaRPr>
+          </a:p>
+          <a:p>
+            <a:pPr marL="0" indent="0">
+              <a:buNone/>
+            </a:pPr>
+            <a:endParaRPr lang="it-IT" dirty="0">
+              <a:latin typeface="+mj-lt"/>
+            </a:endParaRPr>
+          </a:p>
+        </p:txBody>
+      </p:sp>
+    </p:spTree>
+    <p:extLst>
+      <p:ext uri="{BB962C8B-B14F-4D97-AF65-F5344CB8AC3E}">
+        <p14:creationId xmlns:p14="http://schemas.microsoft.com/office/powerpoint/2010/main" val="1845114459"/>
+      </p:ext>
+    </p:extLst>
+  </p:cSld>
+  <p:clrMapOvr>
+    <a:masterClrMapping/>
+  </p:clrMapOvr>
+</p:sld>
+</file>
+
+<file path=ppt/slides/slide4.xml><?xml version="1.0" encoding="utf-8"?>
+<p:sld xmlns:a="http://schemas.openxmlformats.org/drawingml/2006/main" xmlns:r="http://schemas.openxmlformats.org/officeDocument/2006/relationships" xmlns:p="http://schemas.openxmlformats.org/presentationml/2006/main">
+  <p:cSld>
+    <p:bg>
+      <p:bgPr>
+        <a:solidFill>
+          <a:schemeClr val="bg1"/>
+        </a:solidFill>
+        <a:effectLst/>
+      </p:bgPr>
+    </p:bg>
+    <p:spTree>
+      <p:nvGrpSpPr>
+        <p:cNvPr id="1" name=""/>
+        <p:cNvGrpSpPr/>
+        <p:nvPr/>
+      </p:nvGrpSpPr>
+      <p:grpSpPr>
+        <a:xfrm>
+          <a:off x="0" y="0"/>
+          <a:ext cx="0" cy="0"/>
+          <a:chOff x="0" y="0"/>
+          <a:chExt cx="0" cy="0"/>
+        </a:xfrm>
+      </p:grpSpPr>
+      <p:sp>
+        <p:nvSpPr>
+          <p:cNvPr id="26" name="Rettangolo 28">
+            <a:extLst>
+              <a:ext uri="{FF2B5EF4-FFF2-40B4-BE49-F238E27FC236}">
+                <a16:creationId xmlns:a16="http://schemas.microsoft.com/office/drawing/2014/main" id="{416A0E3C-60E6-4F39-BC55-5F7C224E1F7C}"/>
+              </a:ext>
+              <a:ext uri="{C183D7F6-B498-43B3-948B-1728B52AA6E4}">
+                <adec:decorative xmlns:adec="http://schemas.microsoft.com/office/drawing/2017/decorative" val="1"/>
+              </a:ext>
+            </a:extLst>
+          </p:cNvPr>
+          <p:cNvSpPr>
+            <a:spLocks noGrp="1" noRot="1" noChangeAspect="1" noMove="1" noResize="1" noEditPoints="1" noAdjustHandles="1" noChangeArrowheads="1" noChangeShapeType="1" noTextEdit="1"/>
+          </p:cNvSpPr>
+          <p:nvPr>
+            <p:extLst>
+              <p:ext uri="{386F3935-93C4-4BCD-93E2-E3B085C9AB24}">
+                <p16:designElem xmlns:p16="http://schemas.microsoft.com/office/powerpoint/2015/main" val="1"/>
+              </p:ext>
+            </p:extLst>
+          </p:nvPr>
+        </p:nvSpPr>
+        <p:spPr>
+          <a:xfrm>
+            <a:off x="3175" y="6400800"/>
+            <a:ext cx="12188825" cy="457200"/>
+          </a:xfrm>
+          <a:prstGeom prst="rect">
+            <a:avLst/>
+          </a:prstGeom>
+          <a:solidFill>
+            <a:srgbClr val="262626"/>
+          </a:solidFill>
+          <a:ln>
+            <a:noFill/>
+          </a:ln>
+        </p:spPr>
+        <p:style>
+          <a:lnRef idx="2">
+            <a:schemeClr val="accent1">
+              <a:shade val="50000"/>
+            </a:schemeClr>
+          </a:lnRef>
+          <a:fillRef idx="1">
+            <a:schemeClr val="accent1"/>
+          </a:fillRef>
+          <a:effectRef idx="0">
+            <a:schemeClr val="accent1"/>
+          </a:effectRef>
+          <a:fontRef idx="minor">
+            <a:schemeClr val="lt1"/>
+          </a:fontRef>
+        </p:style>
+      </p:sp>
+      <p:cxnSp>
+        <p:nvCxnSpPr>
+          <p:cNvPr id="27" name="Connettore diritto 30">
+            <a:extLst>
+              <a:ext uri="{FF2B5EF4-FFF2-40B4-BE49-F238E27FC236}">
+                <a16:creationId xmlns:a16="http://schemas.microsoft.com/office/drawing/2014/main" id="{C5025DAC-8B93-4160-B017-3A274A5828C0}"/>
+              </a:ext>
+              <a:ext uri="{C183D7F6-B498-43B3-948B-1728B52AA6E4}">
+                <adec:decorative xmlns:adec="http://schemas.microsoft.com/office/drawing/2017/decorative" val="1"/>
+              </a:ext>
+            </a:extLst>
+          </p:cNvPr>
+          <p:cNvCxnSpPr>
+            <a:cxnSpLocks noGrp="1" noRot="1" noChangeAspect="1" noMove="1" noResize="1" noEditPoints="1" noAdjustHandles="1" noChangeArrowheads="1" noChangeShapeType="1"/>
+          </p:cNvCxnSpPr>
+          <p:nvPr>
+            <p:extLst>
+              <p:ext uri="{386F3935-93C4-4BCD-93E2-E3B085C9AB24}">
+                <p16:designElem xmlns:p16="http://schemas.microsoft.com/office/powerpoint/2015/main" val="1"/>
+              </p:ext>
+            </p:extLst>
+          </p:nvPr>
+        </p:nvCxnSpPr>
+        <p:spPr>
+          <a:xfrm>
+            <a:off x="1193532" y="1897380"/>
+            <a:ext cx="9966960" cy="0"/>
+          </a:xfrm>
+          <a:prstGeom prst="line">
+            <a:avLst/>
+          </a:prstGeom>
+          <a:ln w="12700">
+            <a:solidFill>
+              <a:schemeClr val="tx1">
+                <a:lumMod val="75000"/>
+                <a:lumOff val="25000"/>
+              </a:schemeClr>
+            </a:solidFill>
+          </a:ln>
+        </p:spPr>
+        <p:style>
+          <a:lnRef idx="1">
+            <a:schemeClr val="accent1"/>
+          </a:lnRef>
+          <a:fillRef idx="0">
+            <a:schemeClr val="accent1"/>
+          </a:fillRef>
+          <a:effectRef idx="0">
+            <a:schemeClr val="accent1"/>
+          </a:effectRef>
+          <a:fontRef idx="minor">
+            <a:schemeClr val="tx1"/>
+          </a:fontRef>
+        </p:style>
+      </p:cxnSp>
+      <p:sp useBgFill="1">
+        <p:nvSpPr>
+          <p:cNvPr id="28" name="Rettangolo 32">
+            <a:extLst>
+              <a:ext uri="{FF2B5EF4-FFF2-40B4-BE49-F238E27FC236}">
+                <a16:creationId xmlns:a16="http://schemas.microsoft.com/office/drawing/2014/main" id="{990D0034-F768-41E7-85D4-F38C4DE85770}"/>
+              </a:ext>
+              <a:ext uri="{C183D7F6-B498-43B3-948B-1728B52AA6E4}">
+                <adec:decorative xmlns:adec="http://schemas.microsoft.com/office/drawing/2017/decorative" val="1"/>
+              </a:ext>
+            </a:extLst>
+          </p:cNvPr>
+          <p:cNvSpPr>
+            <a:spLocks noGrp="1" noRot="1" noChangeAspect="1" noMove="1" noResize="1" noEditPoints="1" noAdjustHandles="1" noChangeArrowheads="1" noChangeShapeType="1" noTextEdit="1"/>
+          </p:cNvSpPr>
+          <p:nvPr>
+            <p:extLst>
+              <p:ext uri="{386F3935-93C4-4BCD-93E2-E3B085C9AB24}">
+                <p16:designElem xmlns:p16="http://schemas.microsoft.com/office/powerpoint/2015/main" val="1"/>
+              </p:ext>
+            </p:extLst>
+          </p:nvPr>
+        </p:nvSpPr>
+        <p:spPr>
+          <a:xfrm>
+            <a:off x="0" y="0"/>
+            <a:ext cx="12186315" cy="6858000"/>
+          </a:xfrm>
+          <a:prstGeom prst="rect">
+            <a:avLst/>
+          </a:prstGeom>
+          <a:ln>
+            <a:noFill/>
+          </a:ln>
+        </p:spPr>
+        <p:style>
+          <a:lnRef idx="2">
+            <a:schemeClr val="accent6">
+              <a:shade val="50000"/>
+            </a:schemeClr>
+          </a:lnRef>
+          <a:fillRef idx="1001">
+            <a:schemeClr val="lt1"/>
+          </a:fillRef>
+          <a:effectRef idx="0">
+            <a:schemeClr val="accent6"/>
+          </a:effectRef>
+          <a:fontRef idx="minor">
+            <a:schemeClr val="lt1"/>
+          </a:fontRef>
+        </p:style>
+        <p:txBody>
+          <a:bodyPr rtlCol="0" anchor="ctr"/>
+          <a:lstStyle/>
+          <a:p>
+            <a:pPr algn="ctr" rtl="0"/>
+            <a:endParaRPr lang="it-IT" dirty="0"/>
+          </a:p>
+        </p:txBody>
+      </p:sp>
+      <p:sp>
+        <p:nvSpPr>
+          <p:cNvPr id="5" name="Titolo 4">
+            <a:extLst>
+              <a:ext uri="{FF2B5EF4-FFF2-40B4-BE49-F238E27FC236}">
+                <a16:creationId xmlns:a16="http://schemas.microsoft.com/office/drawing/2014/main" id="{B8B72B13-069B-4F8A-9437-FA58C3F1D44B}"/>
+              </a:ext>
+            </a:extLst>
+          </p:cNvPr>
+          <p:cNvSpPr>
+            <a:spLocks noGrp="1"/>
+          </p:cNvSpPr>
+          <p:nvPr>
+            <p:ph type="title"/>
+          </p:nvPr>
+        </p:nvSpPr>
+        <p:spPr>
+          <a:xfrm>
+            <a:off x="590927" y="535936"/>
             <a:ext cx="3960582" cy="700340"/>
+          </a:xfrm>
+        </p:spPr>
+        <p:txBody>
+          <a:bodyPr vert="horz" lIns="91440" tIns="45720" rIns="91440" bIns="45720" rtlCol="0" anchor="b">
+            <a:noAutofit/>
+          </a:bodyPr>
+          <a:lstStyle/>
+          <a:p>
+            <a:pPr rtl="0"/>
+            <a:r>
+              <a:rPr lang="it-IT" sz="4400" dirty="0">
+                <a:solidFill>
+                  <a:schemeClr val="tx1">
+                    <a:lumMod val="75000"/>
+                    <a:lumOff val="25000"/>
+                  </a:schemeClr>
+                </a:solidFill>
+              </a:rPr>
+              <a:t>ID3v1 vs ID3v2</a:t>
+            </a:r>
+          </a:p>
+        </p:txBody>
+      </p:sp>
+      <p:cxnSp>
+        <p:nvCxnSpPr>
+          <p:cNvPr id="30" name="Connettore diritto 34">
+            <a:extLst>
+              <a:ext uri="{FF2B5EF4-FFF2-40B4-BE49-F238E27FC236}">
+                <a16:creationId xmlns:a16="http://schemas.microsoft.com/office/drawing/2014/main" id="{5A0A5CF6-407C-4691-8122-49DF69D0020D}"/>
+              </a:ext>
+              <a:ext uri="{C183D7F6-B498-43B3-948B-1728B52AA6E4}">
+                <adec:decorative xmlns:adec="http://schemas.microsoft.com/office/drawing/2017/decorative" val="1"/>
+              </a:ext>
+            </a:extLst>
+          </p:cNvPr>
+          <p:cNvCxnSpPr>
+            <a:cxnSpLocks noGrp="1" noRot="1" noChangeAspect="1" noMove="1" noResize="1" noEditPoints="1" noAdjustHandles="1" noChangeArrowheads="1" noChangeShapeType="1"/>
+          </p:cNvCxnSpPr>
+          <p:nvPr>
+            <p:extLst>
+              <p:ext uri="{386F3935-93C4-4BCD-93E2-E3B085C9AB24}">
+                <p16:designElem xmlns:p16="http://schemas.microsoft.com/office/powerpoint/2015/main" val="1"/>
+              </p:ext>
+            </p:extLst>
+          </p:nvPr>
+        </p:nvCxnSpPr>
+        <p:spPr>
+          <a:xfrm>
+            <a:off x="590927" y="2633962"/>
+            <a:ext cx="2834640" cy="0"/>
+          </a:xfrm>
+          <a:prstGeom prst="line">
+            <a:avLst/>
+          </a:prstGeom>
+          <a:ln w="12700">
+            <a:solidFill>
+              <a:schemeClr val="tx1">
+                <a:lumMod val="75000"/>
+                <a:lumOff val="25000"/>
+              </a:schemeClr>
+            </a:solidFill>
+          </a:ln>
+        </p:spPr>
+        <p:style>
+          <a:lnRef idx="1">
+            <a:schemeClr val="accent1"/>
+          </a:lnRef>
+          <a:fillRef idx="0">
+            <a:schemeClr val="accent1"/>
+          </a:fillRef>
+          <a:effectRef idx="0">
+            <a:schemeClr val="accent1"/>
+          </a:effectRef>
+          <a:fontRef idx="minor">
+            <a:schemeClr val="tx1"/>
+          </a:fontRef>
+        </p:style>
+      </p:cxnSp>
+      <p:sp>
+        <p:nvSpPr>
+          <p:cNvPr id="4" name="Rettangolo 3">
+            <a:extLst>
+              <a:ext uri="{FF2B5EF4-FFF2-40B4-BE49-F238E27FC236}">
+                <a16:creationId xmlns:a16="http://schemas.microsoft.com/office/drawing/2014/main" id="{D22E5227-66DC-4545-A93A-3BAE57987144}"/>
+              </a:ext>
+            </a:extLst>
+          </p:cNvPr>
+          <p:cNvSpPr/>
+          <p:nvPr/>
+        </p:nvSpPr>
+        <p:spPr>
+          <a:xfrm>
+            <a:off x="590927" y="2477070"/>
+            <a:ext cx="2955837" cy="457195"/>
+          </a:xfrm>
+          <a:prstGeom prst="rect">
+            <a:avLst/>
+          </a:prstGeom>
+          <a:solidFill>
+            <a:schemeClr val="bg1"/>
+          </a:solidFill>
+          <a:ln>
+            <a:solidFill>
+              <a:schemeClr val="bg1"/>
+            </a:solidFill>
+          </a:ln>
+        </p:spPr>
+        <p:style>
+          <a:lnRef idx="2">
+            <a:schemeClr val="accent1">
+              <a:shade val="50000"/>
+            </a:schemeClr>
+          </a:lnRef>
+          <a:fillRef idx="1">
+            <a:schemeClr val="accent1"/>
+          </a:fillRef>
+          <a:effectRef idx="0">
+            <a:schemeClr val="accent1"/>
+          </a:effectRef>
+          <a:fontRef idx="minor">
+            <a:schemeClr val="lt1"/>
+          </a:fontRef>
+        </p:style>
+        <p:txBody>
+          <a:bodyPr rtlCol="0" anchor="ctr"/>
+          <a:lstStyle/>
+          <a:p>
+            <a:pPr algn="ctr"/>
+            <a:endParaRPr lang="it-IT"/>
+          </a:p>
+        </p:txBody>
+      </p:sp>
+      <p:sp>
+        <p:nvSpPr>
+          <p:cNvPr id="6" name="Segnaposto contenuto 5">
+            <a:extLst>
+              <a:ext uri="{FF2B5EF4-FFF2-40B4-BE49-F238E27FC236}">
+                <a16:creationId xmlns:a16="http://schemas.microsoft.com/office/drawing/2014/main" id="{2281D70C-EE29-493E-838C-890184A02C07}"/>
+              </a:ext>
+            </a:extLst>
+          </p:cNvPr>
+          <p:cNvSpPr>
+            <a:spLocks noGrp="1"/>
+          </p:cNvSpPr>
+          <p:nvPr>
+            <p:ph idx="1"/>
+          </p:nvPr>
+        </p:nvSpPr>
+        <p:spPr>
+          <a:xfrm>
+            <a:off x="590927" y="1452870"/>
+            <a:ext cx="5168190" cy="4590875"/>
+          </a:xfrm>
+        </p:spPr>
+        <p:txBody>
+          <a:bodyPr vert="horz" lIns="0" tIns="45720" rIns="0" bIns="45720" rtlCol="0">
+            <a:normAutofit/>
+          </a:bodyPr>
+          <a:lstStyle/>
+          <a:p>
+            <a:pPr rtl="0"/>
+            <a:r>
+              <a:rPr lang="it-IT" dirty="0">
+                <a:latin typeface="+mj-lt"/>
+              </a:rPr>
+              <a:t>ID3v1 contiene informazioni di base come nome traccia, artista e album in forma testuale</a:t>
+            </a:r>
+          </a:p>
+          <a:p>
+            <a:pPr rtl="0"/>
+            <a:r>
+              <a:rPr lang="it-IT" dirty="0">
+                <a:latin typeface="+mj-lt"/>
+              </a:rPr>
+              <a:t>ID3v1 supporta solo pochi campi di informazione, e la maggior parte sono limitati a 30 caratteri</a:t>
+            </a:r>
+          </a:p>
+          <a:p>
+            <a:pPr rtl="0"/>
+            <a:r>
+              <a:rPr lang="it-IT" dirty="0">
+                <a:latin typeface="+mj-lt"/>
+              </a:rPr>
+              <a:t>ID3v1 è posizionato di solito in fondo al file mp3</a:t>
+            </a:r>
+          </a:p>
+        </p:txBody>
+      </p:sp>
+      <p:pic>
+        <p:nvPicPr>
+          <p:cNvPr id="10" name="Elemento grafico 9">
+            <a:extLst>
+              <a:ext uri="{FF2B5EF4-FFF2-40B4-BE49-F238E27FC236}">
+                <a16:creationId xmlns:a16="http://schemas.microsoft.com/office/drawing/2014/main" id="{54A47743-7725-4A33-93CA-EFB89C10D1EC}"/>
+              </a:ext>
+            </a:extLst>
+          </p:cNvPr>
+          <p:cNvPicPr>
+            <a:picLocks noChangeAspect="1"/>
+          </p:cNvPicPr>
+          <p:nvPr/>
+        </p:nvPicPr>
+        <p:blipFill>
+          <a:blip r:embed="rId3" cstate="print">
+            <a:extLst>
+              <a:ext uri="{28A0092B-C50C-407E-A947-70E740481C1C}">
+                <a14:useLocalDpi xmlns:a14="http://schemas.microsoft.com/office/drawing/2010/main" val="0"/>
+              </a:ext>
+              <a:ext uri="{96DAC541-7B7A-43D3-8B79-37D633B846F1}">
+                <asvg:svgBlip xmlns:asvg="http://schemas.microsoft.com/office/drawing/2016/SVG/main" r:embed="rId4"/>
+              </a:ext>
+            </a:extLst>
+          </a:blip>
+          <a:stretch>
+            <a:fillRect/>
+          </a:stretch>
+        </p:blipFill>
+        <p:spPr>
+          <a:xfrm>
+            <a:off x="207095" y="6043750"/>
+            <a:ext cx="1770209" cy="700341"/>
+          </a:xfrm>
+          <a:prstGeom prst="rect">
+            <a:avLst/>
+          </a:prstGeom>
+        </p:spPr>
+      </p:pic>
+      <p:sp>
+        <p:nvSpPr>
+          <p:cNvPr id="12" name="Connettore 11">
+            <a:extLst>
+              <a:ext uri="{FF2B5EF4-FFF2-40B4-BE49-F238E27FC236}">
+                <a16:creationId xmlns:a16="http://schemas.microsoft.com/office/drawing/2014/main" id="{92095D8C-8CCA-4CC6-B2D2-E1BC4732F321}"/>
+              </a:ext>
+            </a:extLst>
+          </p:cNvPr>
+          <p:cNvSpPr/>
+          <p:nvPr/>
+        </p:nvSpPr>
+        <p:spPr>
+          <a:xfrm>
+            <a:off x="11455401" y="6273800"/>
+            <a:ext cx="512910" cy="470291"/>
+          </a:xfrm>
+          <a:prstGeom prst="flowChartConnector">
+            <a:avLst/>
+          </a:prstGeom>
+        </p:spPr>
+        <p:style>
+          <a:lnRef idx="2">
+            <a:schemeClr val="accent1">
+              <a:shade val="50000"/>
+            </a:schemeClr>
+          </a:lnRef>
+          <a:fillRef idx="1">
+            <a:schemeClr val="accent1"/>
+          </a:fillRef>
+          <a:effectRef idx="0">
+            <a:schemeClr val="accent1"/>
+          </a:effectRef>
+          <a:fontRef idx="minor">
+            <a:schemeClr val="lt1"/>
+          </a:fontRef>
+        </p:style>
+        <p:txBody>
+          <a:bodyPr rtlCol="0" anchor="ctr"/>
+          <a:lstStyle/>
+          <a:p>
+            <a:pPr algn="ctr"/>
+            <a:fld id="{3A98EE3D-8CD1-4C3F-BD1C-C98C9596463C}" type="slidenum">
+              <a:rPr lang="it-IT" sz="1200" b="1"/>
+              <a:pPr algn="ctr"/>
+              <a:t>4</a:t>
+            </a:fld>
+            <a:endParaRPr lang="it-IT" b="1" dirty="0"/>
+          </a:p>
+        </p:txBody>
+      </p:sp>
+      <p:sp>
+        <p:nvSpPr>
+          <p:cNvPr id="13" name="Segnaposto contenuto 5">
+            <a:extLst>
+              <a:ext uri="{FF2B5EF4-FFF2-40B4-BE49-F238E27FC236}">
+                <a16:creationId xmlns:a16="http://schemas.microsoft.com/office/drawing/2014/main" id="{B17E8C38-DDF5-41B9-B467-914D34FF3AAB}"/>
+              </a:ext>
+            </a:extLst>
+          </p:cNvPr>
+          <p:cNvSpPr txBox="1">
+            <a:spLocks/>
+          </p:cNvSpPr>
+          <p:nvPr/>
+        </p:nvSpPr>
+        <p:spPr>
+          <a:xfrm>
+            <a:off x="6620787" y="1452869"/>
+            <a:ext cx="4542547" cy="4590875"/>
+          </a:xfrm>
+          <a:prstGeom prst="rect">
+            <a:avLst/>
+          </a:prstGeom>
+        </p:spPr>
+        <p:txBody>
+          <a:bodyPr vert="horz" lIns="0" tIns="45720" rIns="0" bIns="45720" rtlCol="0" anchor="t">
+            <a:normAutofit/>
+          </a:bodyPr>
+          <a:lstStyle>
+            <a:lvl1pPr marL="266700" indent="-266700" algn="l" defTabSz="914400" rtl="0" eaLnBrk="1" latinLnBrk="0" hangingPunct="1">
+              <a:lnSpc>
+                <a:spcPct val="100000"/>
+              </a:lnSpc>
+              <a:spcBef>
+                <a:spcPts val="1200"/>
+              </a:spcBef>
+              <a:spcAft>
+                <a:spcPts val="200"/>
+              </a:spcAft>
+              <a:buClr>
+                <a:schemeClr val="accent1"/>
+              </a:buClr>
+              <a:buSzPct val="100000"/>
+              <a:buFont typeface="Wingdings" panose="05000000000000000000" pitchFamily="2" charset="2"/>
+              <a:buChar char="§"/>
+              <a:defRPr sz="2400" kern="1200">
+                <a:solidFill>
+                  <a:schemeClr val="tx1">
+                    <a:lumMod val="75000"/>
+                    <a:lumOff val="25000"/>
+                  </a:schemeClr>
+                </a:solidFill>
+                <a:latin typeface="+mn-lt"/>
+                <a:ea typeface="+mn-ea"/>
+                <a:cs typeface="+mn-cs"/>
+              </a:defRPr>
+            </a:lvl1pPr>
+            <a:lvl2pPr marL="384048" indent="-182880" algn="l" defTabSz="914400" rtl="0" eaLnBrk="1" latinLnBrk="0" hangingPunct="1">
+              <a:lnSpc>
+                <a:spcPct val="100000"/>
+              </a:lnSpc>
+              <a:spcBef>
+                <a:spcPts val="200"/>
+              </a:spcBef>
+              <a:spcAft>
+                <a:spcPts val="400"/>
+              </a:spcAft>
+              <a:buClr>
+                <a:schemeClr val="accent1"/>
+              </a:buClr>
+              <a:buFont typeface="Wingdings" panose="05000000000000000000" pitchFamily="2" charset="2"/>
+              <a:buChar char="§"/>
+              <a:defRPr sz="2000" kern="1200">
+                <a:solidFill>
+                  <a:schemeClr val="tx1">
+                    <a:lumMod val="75000"/>
+                    <a:lumOff val="25000"/>
+                  </a:schemeClr>
+                </a:solidFill>
+                <a:latin typeface="+mn-lt"/>
+                <a:ea typeface="+mn-ea"/>
+                <a:cs typeface="+mn-cs"/>
+              </a:defRPr>
+            </a:lvl2pPr>
+            <a:lvl3pPr marL="566928" indent="-182880" algn="l" defTabSz="914400" rtl="0" eaLnBrk="1" latinLnBrk="0" hangingPunct="1">
+              <a:lnSpc>
+                <a:spcPct val="100000"/>
+              </a:lnSpc>
+              <a:spcBef>
+                <a:spcPts val="200"/>
+              </a:spcBef>
+              <a:spcAft>
+                <a:spcPts val="400"/>
+              </a:spcAft>
+              <a:buClr>
+                <a:schemeClr val="accent1"/>
+              </a:buClr>
+              <a:buFont typeface="Wingdings" panose="05000000000000000000" pitchFamily="2" charset="2"/>
+              <a:buChar char="§"/>
+              <a:defRPr sz="1600" kern="1200">
+                <a:solidFill>
+                  <a:schemeClr val="tx1">
+                    <a:lumMod val="75000"/>
+                    <a:lumOff val="25000"/>
+                  </a:schemeClr>
+                </a:solidFill>
+                <a:latin typeface="+mn-lt"/>
+                <a:ea typeface="+mn-ea"/>
+                <a:cs typeface="+mn-cs"/>
+              </a:defRPr>
+            </a:lvl3pPr>
+            <a:lvl4pPr marL="749808" indent="-182880" algn="l" defTabSz="914400" rtl="0" eaLnBrk="1" latinLnBrk="0" hangingPunct="1">
+              <a:lnSpc>
+                <a:spcPct val="100000"/>
+              </a:lnSpc>
+              <a:spcBef>
+                <a:spcPts val="200"/>
+              </a:spcBef>
+              <a:spcAft>
+                <a:spcPts val="400"/>
+              </a:spcAft>
+              <a:buClr>
+                <a:schemeClr val="accent1"/>
+              </a:buClr>
+              <a:buFont typeface="Wingdings" panose="05000000000000000000" pitchFamily="2" charset="2"/>
+              <a:buChar char="§"/>
+              <a:defRPr sz="1600" kern="1200">
+                <a:solidFill>
+                  <a:schemeClr val="tx1">
+                    <a:lumMod val="75000"/>
+                    <a:lumOff val="25000"/>
+                  </a:schemeClr>
+                </a:solidFill>
+                <a:latin typeface="+mn-lt"/>
+                <a:ea typeface="+mn-ea"/>
+                <a:cs typeface="+mn-cs"/>
+              </a:defRPr>
+            </a:lvl4pPr>
+            <a:lvl5pPr marL="932688" indent="-182880" algn="l" defTabSz="914400" rtl="0" eaLnBrk="1" latinLnBrk="0" hangingPunct="1">
+              <a:lnSpc>
+                <a:spcPct val="100000"/>
+              </a:lnSpc>
+              <a:spcBef>
+                <a:spcPts val="200"/>
+              </a:spcBef>
+              <a:spcAft>
+                <a:spcPts val="400"/>
+              </a:spcAft>
+              <a:buClr>
+                <a:schemeClr val="accent1"/>
+              </a:buClr>
+              <a:buFont typeface="Wingdings" panose="05000000000000000000" pitchFamily="2" charset="2"/>
+              <a:buChar char="§"/>
+              <a:defRPr sz="1600" kern="1200">
+                <a:solidFill>
+                  <a:schemeClr val="tx1">
+                    <a:lumMod val="75000"/>
+                    <a:lumOff val="25000"/>
+                  </a:schemeClr>
+                </a:solidFill>
+                <a:latin typeface="+mn-lt"/>
+                <a:ea typeface="+mn-ea"/>
+                <a:cs typeface="+mn-cs"/>
+              </a:defRPr>
+            </a:lvl5pPr>
+            <a:lvl6pPr marL="1100000" indent="-228600" algn="l" defTabSz="914400" rtl="0" eaLnBrk="1" latinLnBrk="0" hangingPunct="1">
+              <a:lnSpc>
+                <a:spcPct val="90000"/>
+              </a:lnSpc>
+              <a:spcBef>
+                <a:spcPts val="200"/>
+              </a:spcBef>
+              <a:spcAft>
+                <a:spcPts val="400"/>
+              </a:spcAft>
+              <a:buClr>
+                <a:schemeClr val="accent1"/>
+              </a:buClr>
+              <a:buFont typeface="Calibri" pitchFamily="34" charset="0"/>
+              <a:buChar char="◦"/>
+              <a:defRPr sz="1400" kern="1200">
+                <a:solidFill>
+                  <a:schemeClr val="tx1">
+                    <a:lumMod val="75000"/>
+                    <a:lumOff val="25000"/>
+                  </a:schemeClr>
+                </a:solidFill>
+                <a:latin typeface="+mn-lt"/>
+                <a:ea typeface="+mn-ea"/>
+                <a:cs typeface="+mn-cs"/>
+              </a:defRPr>
+            </a:lvl6pPr>
+            <a:lvl7pPr marL="1300000" indent="-228600" algn="l" defTabSz="914400" rtl="0" eaLnBrk="1" latinLnBrk="0" hangingPunct="1">
+              <a:lnSpc>
+                <a:spcPct val="90000"/>
+              </a:lnSpc>
+              <a:spcBef>
+                <a:spcPts val="200"/>
+              </a:spcBef>
+              <a:spcAft>
+                <a:spcPts val="400"/>
+              </a:spcAft>
+              <a:buClr>
+                <a:schemeClr val="accent1"/>
+              </a:buClr>
+              <a:buFont typeface="Calibri" pitchFamily="34" charset="0"/>
+              <a:buChar char="◦"/>
+              <a:defRPr sz="1400" kern="1200">
+                <a:solidFill>
+                  <a:schemeClr val="tx1">
+                    <a:lumMod val="75000"/>
+                    <a:lumOff val="25000"/>
+                  </a:schemeClr>
+                </a:solidFill>
+                <a:latin typeface="+mn-lt"/>
+                <a:ea typeface="+mn-ea"/>
+                <a:cs typeface="+mn-cs"/>
+              </a:defRPr>
+            </a:lvl7pPr>
+            <a:lvl8pPr marL="1500000" indent="-228600" algn="l" defTabSz="914400" rtl="0" eaLnBrk="1" latinLnBrk="0" hangingPunct="1">
+              <a:lnSpc>
+                <a:spcPct val="90000"/>
+              </a:lnSpc>
+              <a:spcBef>
+                <a:spcPts val="200"/>
+              </a:spcBef>
+              <a:spcAft>
+                <a:spcPts val="400"/>
+              </a:spcAft>
+              <a:buClr>
+                <a:schemeClr val="accent1"/>
+              </a:buClr>
+              <a:buFont typeface="Calibri" pitchFamily="34" charset="0"/>
+              <a:buChar char="◦"/>
+              <a:defRPr sz="1400" kern="1200">
+                <a:solidFill>
+                  <a:schemeClr val="tx1">
+                    <a:lumMod val="75000"/>
+                    <a:lumOff val="25000"/>
+                  </a:schemeClr>
+                </a:solidFill>
+                <a:latin typeface="+mn-lt"/>
+                <a:ea typeface="+mn-ea"/>
+                <a:cs typeface="+mn-cs"/>
+              </a:defRPr>
+            </a:lvl8pPr>
+            <a:lvl9pPr marL="1700000" indent="-228600" algn="l" defTabSz="914400" rtl="0" eaLnBrk="1" latinLnBrk="0" hangingPunct="1">
+              <a:lnSpc>
+                <a:spcPct val="90000"/>
+              </a:lnSpc>
+              <a:spcBef>
+                <a:spcPts val="200"/>
+              </a:spcBef>
+              <a:spcAft>
+                <a:spcPts val="400"/>
+              </a:spcAft>
+              <a:buClr>
+                <a:schemeClr val="accent1"/>
+              </a:buClr>
+              <a:buFont typeface="Calibri" pitchFamily="34" charset="0"/>
+              <a:buChar char="◦"/>
+              <a:defRPr sz="1400" kern="1200">
+                <a:solidFill>
+                  <a:schemeClr val="tx1">
+                    <a:lumMod val="75000"/>
+                    <a:lumOff val="25000"/>
+                  </a:schemeClr>
+                </a:solidFill>
+                <a:latin typeface="+mn-lt"/>
+                <a:ea typeface="+mn-ea"/>
+                <a:cs typeface="+mn-cs"/>
+              </a:defRPr>
+            </a:lvl9pPr>
+          </a:lstStyle>
+          <a:p>
+            <a:endParaRPr lang="it-IT" dirty="0">
+              <a:latin typeface="+mj-lt"/>
+            </a:endParaRPr>
+          </a:p>
+          <a:p>
+            <a:pPr marL="0" indent="0">
+              <a:buNone/>
+            </a:pPr>
+            <a:endParaRPr lang="it-IT" dirty="0">
+              <a:latin typeface="+mj-lt"/>
+            </a:endParaRPr>
+          </a:p>
+        </p:txBody>
+      </p:sp>
+      <p:pic>
+        <p:nvPicPr>
+          <p:cNvPr id="14" name="Immagine 13">
+            <a:extLst>
+              <a:ext uri="{FF2B5EF4-FFF2-40B4-BE49-F238E27FC236}">
+                <a16:creationId xmlns:a16="http://schemas.microsoft.com/office/drawing/2014/main" id="{7CE5E853-A9CD-6FC6-E39A-7758DA7E8BF7}"/>
+              </a:ext>
+            </a:extLst>
+          </p:cNvPr>
+          <p:cNvPicPr>
+            <a:picLocks noChangeAspect="1"/>
+          </p:cNvPicPr>
+          <p:nvPr/>
+        </p:nvPicPr>
+        <p:blipFill>
+          <a:blip r:embed="rId5">
+            <a:extLst>
+              <a:ext uri="{28A0092B-C50C-407E-A947-70E740481C1C}">
+                <a14:useLocalDpi xmlns:a14="http://schemas.microsoft.com/office/drawing/2010/main" val="0"/>
+              </a:ext>
+            </a:extLst>
+          </a:blip>
+          <a:stretch>
+            <a:fillRect/>
+          </a:stretch>
+        </p:blipFill>
+        <p:spPr>
+          <a:xfrm>
+            <a:off x="7640493" y="614706"/>
+            <a:ext cx="2970547" cy="5448932"/>
+          </a:xfrm>
+          <a:prstGeom prst="rect">
+            <a:avLst/>
+          </a:prstGeom>
+        </p:spPr>
+      </p:pic>
+    </p:spTree>
+    <p:extLst>
+      <p:ext uri="{BB962C8B-B14F-4D97-AF65-F5344CB8AC3E}">
+        <p14:creationId xmlns:p14="http://schemas.microsoft.com/office/powerpoint/2010/main" val="477007226"/>
+      </p:ext>
+    </p:extLst>
+  </p:cSld>
+  <p:clrMapOvr>
+    <a:masterClrMapping/>
+  </p:clrMapOvr>
+</p:sld>
+</file>
+
+<file path=ppt/slides/slide5.xml><?xml version="1.0" encoding="utf-8"?>
+<p:sld xmlns:a="http://schemas.openxmlformats.org/drawingml/2006/main" xmlns:r="http://schemas.openxmlformats.org/officeDocument/2006/relationships" xmlns:p="http://schemas.openxmlformats.org/presentationml/2006/main">
+  <p:cSld>
+    <p:bg>
+      <p:bgPr>
+        <a:solidFill>
+          <a:schemeClr val="bg1"/>
+        </a:solidFill>
+        <a:effectLst/>
+      </p:bgPr>
+    </p:bg>
+    <p:spTree>
+      <p:nvGrpSpPr>
+        <p:cNvPr id="1" name=""/>
+        <p:cNvGrpSpPr/>
+        <p:nvPr/>
+      </p:nvGrpSpPr>
+      <p:grpSpPr>
+        <a:xfrm>
+          <a:off x="0" y="0"/>
+          <a:ext cx="0" cy="0"/>
+          <a:chOff x="0" y="0"/>
+          <a:chExt cx="0" cy="0"/>
+        </a:xfrm>
+      </p:grpSpPr>
+      <p:sp>
+        <p:nvSpPr>
+          <p:cNvPr id="26" name="Rettangolo 28">
+            <a:extLst>
+              <a:ext uri="{FF2B5EF4-FFF2-40B4-BE49-F238E27FC236}">
+                <a16:creationId xmlns:a16="http://schemas.microsoft.com/office/drawing/2014/main" id="{416A0E3C-60E6-4F39-BC55-5F7C224E1F7C}"/>
+              </a:ext>
+              <a:ext uri="{C183D7F6-B498-43B3-948B-1728B52AA6E4}">
+                <adec:decorative xmlns:adec="http://schemas.microsoft.com/office/drawing/2017/decorative" val="1"/>
+              </a:ext>
+            </a:extLst>
+          </p:cNvPr>
+          <p:cNvSpPr>
+            <a:spLocks noGrp="1" noRot="1" noChangeAspect="1" noMove="1" noResize="1" noEditPoints="1" noAdjustHandles="1" noChangeArrowheads="1" noChangeShapeType="1" noTextEdit="1"/>
+          </p:cNvSpPr>
+          <p:nvPr>
+            <p:extLst>
+              <p:ext uri="{386F3935-93C4-4BCD-93E2-E3B085C9AB24}">
+                <p16:designElem xmlns:p16="http://schemas.microsoft.com/office/powerpoint/2015/main" val="1"/>
+              </p:ext>
+            </p:extLst>
+          </p:nvPr>
+        </p:nvSpPr>
+        <p:spPr>
+          <a:xfrm>
+            <a:off x="3175" y="6400800"/>
+            <a:ext cx="12188825" cy="457200"/>
+          </a:xfrm>
+          <a:prstGeom prst="rect">
+            <a:avLst/>
+          </a:prstGeom>
+          <a:solidFill>
+            <a:srgbClr val="262626"/>
+          </a:solidFill>
+          <a:ln>
+            <a:noFill/>
+          </a:ln>
+        </p:spPr>
+        <p:style>
+          <a:lnRef idx="2">
+            <a:schemeClr val="accent1">
+              <a:shade val="50000"/>
+            </a:schemeClr>
+          </a:lnRef>
+          <a:fillRef idx="1">
+            <a:schemeClr val="accent1"/>
+          </a:fillRef>
+          <a:effectRef idx="0">
+            <a:schemeClr val="accent1"/>
+          </a:effectRef>
+          <a:fontRef idx="minor">
+            <a:schemeClr val="lt1"/>
+          </a:fontRef>
+        </p:style>
+      </p:sp>
+      <p:cxnSp>
+        <p:nvCxnSpPr>
+          <p:cNvPr id="27" name="Connettore diritto 30">
+            <a:extLst>
+              <a:ext uri="{FF2B5EF4-FFF2-40B4-BE49-F238E27FC236}">
+                <a16:creationId xmlns:a16="http://schemas.microsoft.com/office/drawing/2014/main" id="{C5025DAC-8B93-4160-B017-3A274A5828C0}"/>
+              </a:ext>
+              <a:ext uri="{C183D7F6-B498-43B3-948B-1728B52AA6E4}">
+                <adec:decorative xmlns:adec="http://schemas.microsoft.com/office/drawing/2017/decorative" val="1"/>
+              </a:ext>
+            </a:extLst>
+          </p:cNvPr>
+          <p:cNvCxnSpPr>
+            <a:cxnSpLocks noGrp="1" noRot="1" noChangeAspect="1" noMove="1" noResize="1" noEditPoints="1" noAdjustHandles="1" noChangeArrowheads="1" noChangeShapeType="1"/>
+          </p:cNvCxnSpPr>
+          <p:nvPr>
+            <p:extLst>
+              <p:ext uri="{386F3935-93C4-4BCD-93E2-E3B085C9AB24}">
+                <p16:designElem xmlns:p16="http://schemas.microsoft.com/office/powerpoint/2015/main" val="1"/>
+              </p:ext>
+            </p:extLst>
+          </p:nvPr>
+        </p:nvCxnSpPr>
+        <p:spPr>
+          <a:xfrm>
+            <a:off x="1193532" y="1897380"/>
+            <a:ext cx="9966960" cy="0"/>
+          </a:xfrm>
+          <a:prstGeom prst="line">
+            <a:avLst/>
+          </a:prstGeom>
+          <a:ln w="12700">
+            <a:solidFill>
+              <a:schemeClr val="tx1">
+                <a:lumMod val="75000"/>
+                <a:lumOff val="25000"/>
+              </a:schemeClr>
+            </a:solidFill>
+          </a:ln>
+        </p:spPr>
+        <p:style>
+          <a:lnRef idx="1">
+            <a:schemeClr val="accent1"/>
+          </a:lnRef>
+          <a:fillRef idx="0">
+            <a:schemeClr val="accent1"/>
+          </a:fillRef>
+          <a:effectRef idx="0">
+            <a:schemeClr val="accent1"/>
+          </a:effectRef>
+          <a:fontRef idx="minor">
+            <a:schemeClr val="tx1"/>
+          </a:fontRef>
+        </p:style>
+      </p:cxnSp>
+      <p:sp useBgFill="1">
+        <p:nvSpPr>
+          <p:cNvPr id="28" name="Rettangolo 32">
+            <a:extLst>
+              <a:ext uri="{FF2B5EF4-FFF2-40B4-BE49-F238E27FC236}">
+                <a16:creationId xmlns:a16="http://schemas.microsoft.com/office/drawing/2014/main" id="{990D0034-F768-41E7-85D4-F38C4DE85770}"/>
+              </a:ext>
+              <a:ext uri="{C183D7F6-B498-43B3-948B-1728B52AA6E4}">
+                <adec:decorative xmlns:adec="http://schemas.microsoft.com/office/drawing/2017/decorative" val="1"/>
+              </a:ext>
+            </a:extLst>
+          </p:cNvPr>
+          <p:cNvSpPr>
+            <a:spLocks noGrp="1" noRot="1" noChangeAspect="1" noMove="1" noResize="1" noEditPoints="1" noAdjustHandles="1" noChangeArrowheads="1" noChangeShapeType="1" noTextEdit="1"/>
+          </p:cNvSpPr>
+          <p:nvPr>
+            <p:extLst>
+              <p:ext uri="{386F3935-93C4-4BCD-93E2-E3B085C9AB24}">
+                <p16:designElem xmlns:p16="http://schemas.microsoft.com/office/powerpoint/2015/main" val="1"/>
+              </p:ext>
+            </p:extLst>
+          </p:nvPr>
+        </p:nvSpPr>
+        <p:spPr>
+          <a:xfrm>
+            <a:off x="0" y="0"/>
+            <a:ext cx="12186315" cy="6858000"/>
+          </a:xfrm>
+          <a:prstGeom prst="rect">
+            <a:avLst/>
+          </a:prstGeom>
+          <a:ln>
+            <a:noFill/>
+          </a:ln>
+        </p:spPr>
+        <p:style>
+          <a:lnRef idx="2">
+            <a:schemeClr val="accent6">
+              <a:shade val="50000"/>
+            </a:schemeClr>
+          </a:lnRef>
+          <a:fillRef idx="1001">
+            <a:schemeClr val="lt1"/>
+          </a:fillRef>
+          <a:effectRef idx="0">
+            <a:schemeClr val="accent6"/>
+          </a:effectRef>
+          <a:fontRef idx="minor">
+            <a:schemeClr val="lt1"/>
+          </a:fontRef>
+        </p:style>
+        <p:txBody>
+          <a:bodyPr rtlCol="0" anchor="ctr"/>
+          <a:lstStyle/>
+          <a:p>
+            <a:pPr algn="ctr" rtl="0"/>
+            <a:endParaRPr lang="it-IT" dirty="0"/>
+          </a:p>
+        </p:txBody>
+      </p:sp>
+      <p:sp>
+        <p:nvSpPr>
+          <p:cNvPr id="5" name="Titolo 4">
+            <a:extLst>
+              <a:ext uri="{FF2B5EF4-FFF2-40B4-BE49-F238E27FC236}">
+                <a16:creationId xmlns:a16="http://schemas.microsoft.com/office/drawing/2014/main" id="{B8B72B13-069B-4F8A-9437-FA58C3F1D44B}"/>
+              </a:ext>
+            </a:extLst>
+          </p:cNvPr>
+          <p:cNvSpPr>
+            <a:spLocks noGrp="1"/>
+          </p:cNvSpPr>
+          <p:nvPr>
+            <p:ph type="title"/>
+          </p:nvPr>
+        </p:nvSpPr>
+        <p:spPr>
+          <a:xfrm>
+            <a:off x="590927" y="535936"/>
+            <a:ext cx="3960582" cy="700340"/>
+          </a:xfrm>
+        </p:spPr>
+        <p:txBody>
+          <a:bodyPr vert="horz" lIns="91440" tIns="45720" rIns="91440" bIns="45720" rtlCol="0" anchor="b">
+            <a:noAutofit/>
+          </a:bodyPr>
+          <a:lstStyle/>
+          <a:p>
+            <a:pPr rtl="0"/>
+            <a:r>
+              <a:rPr lang="it-IT" sz="4400" dirty="0">
+                <a:solidFill>
+                  <a:schemeClr val="tx1">
+                    <a:lumMod val="75000"/>
+                    <a:lumOff val="25000"/>
+                  </a:schemeClr>
+                </a:solidFill>
+              </a:rPr>
+              <a:t>ID3v1 vs ID3v2</a:t>
+            </a:r>
+          </a:p>
+        </p:txBody>
+      </p:sp>
+      <p:cxnSp>
+        <p:nvCxnSpPr>
+          <p:cNvPr id="30" name="Connettore diritto 34">
+            <a:extLst>
+              <a:ext uri="{FF2B5EF4-FFF2-40B4-BE49-F238E27FC236}">
+                <a16:creationId xmlns:a16="http://schemas.microsoft.com/office/drawing/2014/main" id="{5A0A5CF6-407C-4691-8122-49DF69D0020D}"/>
+              </a:ext>
+              <a:ext uri="{C183D7F6-B498-43B3-948B-1728B52AA6E4}">
+                <adec:decorative xmlns:adec="http://schemas.microsoft.com/office/drawing/2017/decorative" val="1"/>
+              </a:ext>
+            </a:extLst>
+          </p:cNvPr>
+          <p:cNvCxnSpPr>
+            <a:cxnSpLocks noGrp="1" noRot="1" noChangeAspect="1" noMove="1" noResize="1" noEditPoints="1" noAdjustHandles="1" noChangeArrowheads="1" noChangeShapeType="1"/>
+          </p:cNvCxnSpPr>
+          <p:nvPr>
+            <p:extLst>
+              <p:ext uri="{386F3935-93C4-4BCD-93E2-E3B085C9AB24}">
+                <p16:designElem xmlns:p16="http://schemas.microsoft.com/office/powerpoint/2015/main" val="1"/>
+              </p:ext>
+            </p:extLst>
+          </p:nvPr>
+        </p:nvCxnSpPr>
+        <p:spPr>
+          <a:xfrm>
+            <a:off x="590927" y="2633962"/>
+            <a:ext cx="2834640" cy="0"/>
+          </a:xfrm>
+          <a:prstGeom prst="line">
+            <a:avLst/>
+          </a:prstGeom>
+          <a:ln w="12700">
+            <a:solidFill>
+              <a:schemeClr val="tx1">
+                <a:lumMod val="75000"/>
+                <a:lumOff val="25000"/>
+              </a:schemeClr>
+            </a:solidFill>
+          </a:ln>
+        </p:spPr>
+        <p:style>
+          <a:lnRef idx="1">
+            <a:schemeClr val="accent1"/>
+          </a:lnRef>
+          <a:fillRef idx="0">
+            <a:schemeClr val="accent1"/>
+          </a:fillRef>
+          <a:effectRef idx="0">
+            <a:schemeClr val="accent1"/>
+          </a:effectRef>
+          <a:fontRef idx="minor">
+            <a:schemeClr val="tx1"/>
+          </a:fontRef>
+        </p:style>
+      </p:cxnSp>
+      <p:sp>
+        <p:nvSpPr>
+          <p:cNvPr id="4" name="Rettangolo 3">
+            <a:extLst>
+              <a:ext uri="{FF2B5EF4-FFF2-40B4-BE49-F238E27FC236}">
+                <a16:creationId xmlns:a16="http://schemas.microsoft.com/office/drawing/2014/main" id="{D22E5227-66DC-4545-A93A-3BAE57987144}"/>
+              </a:ext>
+            </a:extLst>
+          </p:cNvPr>
+          <p:cNvSpPr/>
+          <p:nvPr/>
+        </p:nvSpPr>
+        <p:spPr>
+          <a:xfrm>
+            <a:off x="590927" y="2477070"/>
+            <a:ext cx="2955837" cy="457195"/>
+          </a:xfrm>
+          <a:prstGeom prst="rect">
+            <a:avLst/>
+          </a:prstGeom>
+          <a:solidFill>
+            <a:schemeClr val="bg1"/>
+          </a:solidFill>
+          <a:ln>
+            <a:solidFill>
+              <a:schemeClr val="bg1"/>
+            </a:solidFill>
+          </a:ln>
+        </p:spPr>
+        <p:style>
+          <a:lnRef idx="2">
+            <a:schemeClr val="accent1">
+              <a:shade val="50000"/>
+            </a:schemeClr>
+          </a:lnRef>
+          <a:fillRef idx="1">
+            <a:schemeClr val="accent1"/>
+          </a:fillRef>
+          <a:effectRef idx="0">
+            <a:schemeClr val="accent1"/>
+          </a:effectRef>
+          <a:fontRef idx="minor">
+            <a:schemeClr val="lt1"/>
+          </a:fontRef>
+        </p:style>
+        <p:txBody>
+          <a:bodyPr rtlCol="0" anchor="ctr"/>
+          <a:lstStyle/>
+          <a:p>
+            <a:pPr algn="ctr"/>
+            <a:endParaRPr lang="it-IT"/>
+          </a:p>
+        </p:txBody>
+      </p:sp>
+      <p:sp>
+        <p:nvSpPr>
+          <p:cNvPr id="6" name="Segnaposto contenuto 5">
+            <a:extLst>
+              <a:ext uri="{FF2B5EF4-FFF2-40B4-BE49-F238E27FC236}">
+                <a16:creationId xmlns:a16="http://schemas.microsoft.com/office/drawing/2014/main" id="{2281D70C-EE29-493E-838C-890184A02C07}"/>
+              </a:ext>
+            </a:extLst>
+          </p:cNvPr>
+          <p:cNvSpPr>
+            <a:spLocks noGrp="1"/>
+          </p:cNvSpPr>
+          <p:nvPr>
+            <p:ph idx="1"/>
+          </p:nvPr>
+        </p:nvSpPr>
+        <p:spPr>
+          <a:xfrm>
+            <a:off x="590927" y="1452870"/>
+            <a:ext cx="5505074" cy="4590875"/>
+          </a:xfrm>
+        </p:spPr>
+        <p:txBody>
+          <a:bodyPr vert="horz" lIns="0" tIns="45720" rIns="0" bIns="45720" rtlCol="0">
+            <a:normAutofit lnSpcReduction="10000"/>
+          </a:bodyPr>
+          <a:lstStyle/>
+          <a:p>
+            <a:pPr rtl="0"/>
+            <a:r>
+              <a:rPr lang="it-IT" dirty="0">
+                <a:latin typeface="+mj-lt"/>
+              </a:rPr>
+              <a:t>ID3v2 contiene informazioni aggiuntive di dimensioni variabili come l’immagine dell’album, tag estesi e anche </a:t>
+            </a:r>
+            <a:r>
+              <a:rPr lang="it-IT" dirty="0" err="1">
+                <a:latin typeface="+mj-lt"/>
+              </a:rPr>
+              <a:t>lyrics</a:t>
+            </a:r>
+            <a:endParaRPr lang="it-IT" dirty="0">
+              <a:latin typeface="+mj-lt"/>
+            </a:endParaRPr>
+          </a:p>
+          <a:p>
+            <a:pPr rtl="0"/>
+            <a:r>
+              <a:rPr lang="it-IT" dirty="0">
+                <a:latin typeface="+mj-lt"/>
+              </a:rPr>
+              <a:t>ID3v2 è basato sul concetto di frame</a:t>
+            </a:r>
+          </a:p>
+          <a:p>
+            <a:pPr rtl="0"/>
+            <a:r>
+              <a:rPr lang="it-IT" dirty="0">
+                <a:latin typeface="+mj-lt"/>
+              </a:rPr>
+              <a:t>ID3v2 è posizionato SEMPRE all’inizio del file, di solito in cima dove è contrassegnato dalla parola iniziale ID3</a:t>
+            </a:r>
+          </a:p>
+          <a:p>
+            <a:pPr rtl="0"/>
+            <a:r>
+              <a:rPr lang="it-IT" dirty="0">
+                <a:latin typeface="+mj-lt"/>
+              </a:rPr>
+              <a:t>ID3v1 e ID3v2 possono coesistere nello stesso mp3 e sono </a:t>
+            </a:r>
+            <a:r>
+              <a:rPr lang="it-IT" dirty="0" err="1">
+                <a:latin typeface="+mj-lt"/>
+              </a:rPr>
+              <a:t>difatto</a:t>
+            </a:r>
+            <a:r>
+              <a:rPr lang="it-IT" dirty="0">
+                <a:latin typeface="+mj-lt"/>
+              </a:rPr>
+              <a:t> due componenti diversi del file (sono riconosciuti dall’</a:t>
+            </a:r>
+            <a:r>
+              <a:rPr lang="it-IT" dirty="0" err="1">
+                <a:latin typeface="+mj-lt"/>
+              </a:rPr>
+              <a:t>header</a:t>
+            </a:r>
+            <a:r>
+              <a:rPr lang="it-IT" dirty="0">
+                <a:latin typeface="+mj-lt"/>
+              </a:rPr>
+              <a:t> diverso)</a:t>
+            </a:r>
+          </a:p>
+        </p:txBody>
+      </p:sp>
+      <p:pic>
+        <p:nvPicPr>
+          <p:cNvPr id="10" name="Elemento grafico 9">
+            <a:extLst>
+              <a:ext uri="{FF2B5EF4-FFF2-40B4-BE49-F238E27FC236}">
+                <a16:creationId xmlns:a16="http://schemas.microsoft.com/office/drawing/2014/main" id="{54A47743-7725-4A33-93CA-EFB89C10D1EC}"/>
+              </a:ext>
+            </a:extLst>
+          </p:cNvPr>
+          <p:cNvPicPr>
+            <a:picLocks noChangeAspect="1"/>
+          </p:cNvPicPr>
+          <p:nvPr/>
+        </p:nvPicPr>
+        <p:blipFill>
+          <a:blip r:embed="rId3" cstate="print">
+            <a:extLst>
+              <a:ext uri="{28A0092B-C50C-407E-A947-70E740481C1C}">
+                <a14:useLocalDpi xmlns:a14="http://schemas.microsoft.com/office/drawing/2010/main" val="0"/>
+              </a:ext>
+              <a:ext uri="{96DAC541-7B7A-43D3-8B79-37D633B846F1}">
+                <asvg:svgBlip xmlns:asvg="http://schemas.microsoft.com/office/drawing/2016/SVG/main" r:embed="rId4"/>
+              </a:ext>
+            </a:extLst>
+          </a:blip>
+          <a:stretch>
+            <a:fillRect/>
+          </a:stretch>
+        </p:blipFill>
+        <p:spPr>
+          <a:xfrm>
+            <a:off x="207095" y="6043750"/>
+            <a:ext cx="1770209" cy="700341"/>
+          </a:xfrm>
+          <a:prstGeom prst="rect">
+            <a:avLst/>
+          </a:prstGeom>
+        </p:spPr>
+      </p:pic>
+      <p:sp>
+        <p:nvSpPr>
+          <p:cNvPr id="12" name="Connettore 11">
+            <a:extLst>
+              <a:ext uri="{FF2B5EF4-FFF2-40B4-BE49-F238E27FC236}">
+                <a16:creationId xmlns:a16="http://schemas.microsoft.com/office/drawing/2014/main" id="{92095D8C-8CCA-4CC6-B2D2-E1BC4732F321}"/>
+              </a:ext>
+            </a:extLst>
+          </p:cNvPr>
+          <p:cNvSpPr/>
+          <p:nvPr/>
+        </p:nvSpPr>
+        <p:spPr>
+          <a:xfrm>
+            <a:off x="11455401" y="6273800"/>
+            <a:ext cx="512910" cy="470291"/>
+          </a:xfrm>
+          <a:prstGeom prst="flowChartConnector">
+            <a:avLst/>
+          </a:prstGeom>
+        </p:spPr>
+        <p:style>
+          <a:lnRef idx="2">
+            <a:schemeClr val="accent1">
+              <a:shade val="50000"/>
+            </a:schemeClr>
+          </a:lnRef>
+          <a:fillRef idx="1">
+            <a:schemeClr val="accent1"/>
+          </a:fillRef>
+          <a:effectRef idx="0">
+            <a:schemeClr val="accent1"/>
+          </a:effectRef>
+          <a:fontRef idx="minor">
+            <a:schemeClr val="lt1"/>
+          </a:fontRef>
+        </p:style>
+        <p:txBody>
+          <a:bodyPr rtlCol="0" anchor="ctr"/>
+          <a:lstStyle/>
+          <a:p>
+            <a:pPr algn="ctr"/>
+            <a:fld id="{3A98EE3D-8CD1-4C3F-BD1C-C98C9596463C}" type="slidenum">
+              <a:rPr lang="it-IT" sz="1200" b="1"/>
+              <a:pPr algn="ctr"/>
+              <a:t>5</a:t>
+            </a:fld>
+            <a:endParaRPr lang="it-IT" b="1" dirty="0"/>
+          </a:p>
+        </p:txBody>
+      </p:sp>
+      <p:sp>
+        <p:nvSpPr>
+          <p:cNvPr id="13" name="Segnaposto contenuto 5">
+            <a:extLst>
+              <a:ext uri="{FF2B5EF4-FFF2-40B4-BE49-F238E27FC236}">
+                <a16:creationId xmlns:a16="http://schemas.microsoft.com/office/drawing/2014/main" id="{B17E8C38-DDF5-41B9-B467-914D34FF3AAB}"/>
+              </a:ext>
+            </a:extLst>
+          </p:cNvPr>
+          <p:cNvSpPr txBox="1">
+            <a:spLocks/>
+          </p:cNvSpPr>
+          <p:nvPr/>
+        </p:nvSpPr>
+        <p:spPr>
+          <a:xfrm>
+            <a:off x="6620787" y="1452869"/>
+            <a:ext cx="4542547" cy="4590875"/>
+          </a:xfrm>
+          <a:prstGeom prst="rect">
+            <a:avLst/>
+          </a:prstGeom>
+        </p:spPr>
+        <p:txBody>
+          <a:bodyPr vert="horz" lIns="0" tIns="45720" rIns="0" bIns="45720" rtlCol="0" anchor="t">
+            <a:normAutofit/>
+          </a:bodyPr>
+          <a:lstStyle>
+            <a:lvl1pPr marL="266700" indent="-266700" algn="l" defTabSz="914400" rtl="0" eaLnBrk="1" latinLnBrk="0" hangingPunct="1">
+              <a:lnSpc>
+                <a:spcPct val="100000"/>
+              </a:lnSpc>
+              <a:spcBef>
+                <a:spcPts val="1200"/>
+              </a:spcBef>
+              <a:spcAft>
+                <a:spcPts val="200"/>
+              </a:spcAft>
+              <a:buClr>
+                <a:schemeClr val="accent1"/>
+              </a:buClr>
+              <a:buSzPct val="100000"/>
+              <a:buFont typeface="Wingdings" panose="05000000000000000000" pitchFamily="2" charset="2"/>
+              <a:buChar char="§"/>
+              <a:defRPr sz="2400" kern="1200">
+                <a:solidFill>
+                  <a:schemeClr val="tx1">
+                    <a:lumMod val="75000"/>
+                    <a:lumOff val="25000"/>
+                  </a:schemeClr>
+                </a:solidFill>
+                <a:latin typeface="+mn-lt"/>
+                <a:ea typeface="+mn-ea"/>
+                <a:cs typeface="+mn-cs"/>
+              </a:defRPr>
+            </a:lvl1pPr>
+            <a:lvl2pPr marL="384048" indent="-182880" algn="l" defTabSz="914400" rtl="0" eaLnBrk="1" latinLnBrk="0" hangingPunct="1">
+              <a:lnSpc>
+                <a:spcPct val="100000"/>
+              </a:lnSpc>
+              <a:spcBef>
+                <a:spcPts val="200"/>
+              </a:spcBef>
+              <a:spcAft>
+                <a:spcPts val="400"/>
+              </a:spcAft>
+              <a:buClr>
+                <a:schemeClr val="accent1"/>
+              </a:buClr>
+              <a:buFont typeface="Wingdings" panose="05000000000000000000" pitchFamily="2" charset="2"/>
+              <a:buChar char="§"/>
+              <a:defRPr sz="2000" kern="1200">
+                <a:solidFill>
+                  <a:schemeClr val="tx1">
+                    <a:lumMod val="75000"/>
+                    <a:lumOff val="25000"/>
+                  </a:schemeClr>
+                </a:solidFill>
+                <a:latin typeface="+mn-lt"/>
+                <a:ea typeface="+mn-ea"/>
+                <a:cs typeface="+mn-cs"/>
+              </a:defRPr>
+            </a:lvl2pPr>
+            <a:lvl3pPr marL="566928" indent="-182880" algn="l" defTabSz="914400" rtl="0" eaLnBrk="1" latinLnBrk="0" hangingPunct="1">
+              <a:lnSpc>
+                <a:spcPct val="100000"/>
+              </a:lnSpc>
+              <a:spcBef>
+                <a:spcPts val="200"/>
+              </a:spcBef>
+              <a:spcAft>
+                <a:spcPts val="400"/>
+              </a:spcAft>
+              <a:buClr>
+                <a:schemeClr val="accent1"/>
+              </a:buClr>
+              <a:buFont typeface="Wingdings" panose="05000000000000000000" pitchFamily="2" charset="2"/>
+              <a:buChar char="§"/>
+              <a:defRPr sz="1600" kern="1200">
+                <a:solidFill>
+                  <a:schemeClr val="tx1">
+                    <a:lumMod val="75000"/>
+                    <a:lumOff val="25000"/>
+                  </a:schemeClr>
+                </a:solidFill>
+                <a:latin typeface="+mn-lt"/>
+                <a:ea typeface="+mn-ea"/>
+                <a:cs typeface="+mn-cs"/>
+              </a:defRPr>
+            </a:lvl3pPr>
+            <a:lvl4pPr marL="749808" indent="-182880" algn="l" defTabSz="914400" rtl="0" eaLnBrk="1" latinLnBrk="0" hangingPunct="1">
+              <a:lnSpc>
+                <a:spcPct val="100000"/>
+              </a:lnSpc>
+              <a:spcBef>
+                <a:spcPts val="200"/>
+              </a:spcBef>
+              <a:spcAft>
+                <a:spcPts val="400"/>
+              </a:spcAft>
+              <a:buClr>
+                <a:schemeClr val="accent1"/>
+              </a:buClr>
+              <a:buFont typeface="Wingdings" panose="05000000000000000000" pitchFamily="2" charset="2"/>
+              <a:buChar char="§"/>
+              <a:defRPr sz="1600" kern="1200">
+                <a:solidFill>
+                  <a:schemeClr val="tx1">
+                    <a:lumMod val="75000"/>
+                    <a:lumOff val="25000"/>
+                  </a:schemeClr>
+                </a:solidFill>
+                <a:latin typeface="+mn-lt"/>
+                <a:ea typeface="+mn-ea"/>
+                <a:cs typeface="+mn-cs"/>
+              </a:defRPr>
+            </a:lvl4pPr>
+            <a:lvl5pPr marL="932688" indent="-182880" algn="l" defTabSz="914400" rtl="0" eaLnBrk="1" latinLnBrk="0" hangingPunct="1">
+              <a:lnSpc>
+                <a:spcPct val="100000"/>
+              </a:lnSpc>
+              <a:spcBef>
+                <a:spcPts val="200"/>
+              </a:spcBef>
+              <a:spcAft>
+                <a:spcPts val="400"/>
+              </a:spcAft>
+              <a:buClr>
+                <a:schemeClr val="accent1"/>
+              </a:buClr>
+              <a:buFont typeface="Wingdings" panose="05000000000000000000" pitchFamily="2" charset="2"/>
+              <a:buChar char="§"/>
+              <a:defRPr sz="1600" kern="1200">
+                <a:solidFill>
+                  <a:schemeClr val="tx1">
+                    <a:lumMod val="75000"/>
+                    <a:lumOff val="25000"/>
+                  </a:schemeClr>
+                </a:solidFill>
+                <a:latin typeface="+mn-lt"/>
+                <a:ea typeface="+mn-ea"/>
+                <a:cs typeface="+mn-cs"/>
+              </a:defRPr>
+            </a:lvl5pPr>
+            <a:lvl6pPr marL="1100000" indent="-228600" algn="l" defTabSz="914400" rtl="0" eaLnBrk="1" latinLnBrk="0" hangingPunct="1">
+              <a:lnSpc>
+                <a:spcPct val="90000"/>
+              </a:lnSpc>
+              <a:spcBef>
+                <a:spcPts val="200"/>
+              </a:spcBef>
+              <a:spcAft>
+                <a:spcPts val="400"/>
+              </a:spcAft>
+              <a:buClr>
+                <a:schemeClr val="accent1"/>
+              </a:buClr>
+              <a:buFont typeface="Calibri" pitchFamily="34" charset="0"/>
+              <a:buChar char="◦"/>
+              <a:defRPr sz="1400" kern="1200">
+                <a:solidFill>
+                  <a:schemeClr val="tx1">
+                    <a:lumMod val="75000"/>
+                    <a:lumOff val="25000"/>
+                  </a:schemeClr>
+                </a:solidFill>
+                <a:latin typeface="+mn-lt"/>
+                <a:ea typeface="+mn-ea"/>
+                <a:cs typeface="+mn-cs"/>
+              </a:defRPr>
+            </a:lvl6pPr>
+            <a:lvl7pPr marL="1300000" indent="-228600" algn="l" defTabSz="914400" rtl="0" eaLnBrk="1" latinLnBrk="0" hangingPunct="1">
+              <a:lnSpc>
+                <a:spcPct val="90000"/>
+              </a:lnSpc>
+              <a:spcBef>
+                <a:spcPts val="200"/>
+              </a:spcBef>
+              <a:spcAft>
+                <a:spcPts val="400"/>
+              </a:spcAft>
+              <a:buClr>
+                <a:schemeClr val="accent1"/>
+              </a:buClr>
+              <a:buFont typeface="Calibri" pitchFamily="34" charset="0"/>
+              <a:buChar char="◦"/>
+              <a:defRPr sz="1400" kern="1200">
+                <a:solidFill>
+                  <a:schemeClr val="tx1">
+                    <a:lumMod val="75000"/>
+                    <a:lumOff val="25000"/>
+                  </a:schemeClr>
+                </a:solidFill>
+                <a:latin typeface="+mn-lt"/>
+                <a:ea typeface="+mn-ea"/>
+                <a:cs typeface="+mn-cs"/>
+              </a:defRPr>
+            </a:lvl7pPr>
+            <a:lvl8pPr marL="1500000" indent="-228600" algn="l" defTabSz="914400" rtl="0" eaLnBrk="1" latinLnBrk="0" hangingPunct="1">
+              <a:lnSpc>
+                <a:spcPct val="90000"/>
+              </a:lnSpc>
+              <a:spcBef>
+                <a:spcPts val="200"/>
+              </a:spcBef>
+              <a:spcAft>
+                <a:spcPts val="400"/>
+              </a:spcAft>
+              <a:buClr>
+                <a:schemeClr val="accent1"/>
+              </a:buClr>
+              <a:buFont typeface="Calibri" pitchFamily="34" charset="0"/>
+              <a:buChar char="◦"/>
+              <a:defRPr sz="1400" kern="1200">
+                <a:solidFill>
+                  <a:schemeClr val="tx1">
+                    <a:lumMod val="75000"/>
+                    <a:lumOff val="25000"/>
+                  </a:schemeClr>
+                </a:solidFill>
+                <a:latin typeface="+mn-lt"/>
+                <a:ea typeface="+mn-ea"/>
+                <a:cs typeface="+mn-cs"/>
+              </a:defRPr>
+            </a:lvl8pPr>
+            <a:lvl9pPr marL="1700000" indent="-228600" algn="l" defTabSz="914400" rtl="0" eaLnBrk="1" latinLnBrk="0" hangingPunct="1">
+              <a:lnSpc>
+                <a:spcPct val="90000"/>
+              </a:lnSpc>
+              <a:spcBef>
+                <a:spcPts val="200"/>
+              </a:spcBef>
+              <a:spcAft>
+                <a:spcPts val="400"/>
+              </a:spcAft>
+              <a:buClr>
+                <a:schemeClr val="accent1"/>
+              </a:buClr>
+              <a:buFont typeface="Calibri" pitchFamily="34" charset="0"/>
+              <a:buChar char="◦"/>
+              <a:defRPr sz="1400" kern="1200">
+                <a:solidFill>
+                  <a:schemeClr val="tx1">
+                    <a:lumMod val="75000"/>
+                    <a:lumOff val="25000"/>
+                  </a:schemeClr>
+                </a:solidFill>
+                <a:latin typeface="+mn-lt"/>
+                <a:ea typeface="+mn-ea"/>
+                <a:cs typeface="+mn-cs"/>
+              </a:defRPr>
+            </a:lvl9pPr>
+          </a:lstStyle>
+          <a:p>
+            <a:endParaRPr lang="it-IT" dirty="0">
+              <a:latin typeface="+mj-lt"/>
+            </a:endParaRPr>
+          </a:p>
+          <a:p>
+            <a:pPr marL="0" indent="0">
+              <a:buNone/>
+            </a:pPr>
+            <a:endParaRPr lang="it-IT" dirty="0">
+              <a:latin typeface="+mj-lt"/>
+            </a:endParaRPr>
+          </a:p>
+        </p:txBody>
+      </p:sp>
+      <p:pic>
+        <p:nvPicPr>
+          <p:cNvPr id="3" name="Immagine 2">
+            <a:extLst>
+              <a:ext uri="{FF2B5EF4-FFF2-40B4-BE49-F238E27FC236}">
+                <a16:creationId xmlns:a16="http://schemas.microsoft.com/office/drawing/2014/main" id="{9E2698DD-9276-C354-E7FC-D81E0E62B2A7}"/>
+              </a:ext>
+            </a:extLst>
+          </p:cNvPr>
+          <p:cNvPicPr>
+            <a:picLocks noChangeAspect="1"/>
+          </p:cNvPicPr>
+          <p:nvPr/>
+        </p:nvPicPr>
+        <p:blipFill>
+          <a:blip r:embed="rId5">
+            <a:extLst>
+              <a:ext uri="{28A0092B-C50C-407E-A947-70E740481C1C}">
+                <a14:useLocalDpi xmlns:a14="http://schemas.microsoft.com/office/drawing/2010/main" val="0"/>
+              </a:ext>
+            </a:extLst>
+          </a:blip>
+          <a:stretch>
+            <a:fillRect/>
+          </a:stretch>
+        </p:blipFill>
+        <p:spPr>
+          <a:xfrm>
+            <a:off x="7435485" y="535901"/>
+            <a:ext cx="3562983" cy="5507843"/>
+          </a:xfrm>
+          <a:prstGeom prst="rect">
+            <a:avLst/>
+          </a:prstGeom>
+        </p:spPr>
+      </p:pic>
+    </p:spTree>
+    <p:extLst>
+      <p:ext uri="{BB962C8B-B14F-4D97-AF65-F5344CB8AC3E}">
+        <p14:creationId xmlns:p14="http://schemas.microsoft.com/office/powerpoint/2010/main" val="3255177130"/>
+      </p:ext>
+    </p:extLst>
+  </p:cSld>
+  <p:clrMapOvr>
+    <a:masterClrMapping/>
+  </p:clrMapOvr>
+</p:sld>
+</file>
+
+<file path=ppt/slides/slide6.xml><?xml version="1.0" encoding="utf-8"?>
+<p:sld xmlns:a="http://schemas.openxmlformats.org/drawingml/2006/main" xmlns:r="http://schemas.openxmlformats.org/officeDocument/2006/relationships" xmlns:p="http://schemas.openxmlformats.org/presentationml/2006/main">
+  <p:cSld>
+    <p:bg>
+      <p:bgPr>
+        <a:solidFill>
+          <a:schemeClr val="bg1"/>
+        </a:solidFill>
+        <a:effectLst/>
+      </p:bgPr>
+    </p:bg>
+    <p:spTree>
+      <p:nvGrpSpPr>
+        <p:cNvPr id="1" name=""/>
+        <p:cNvGrpSpPr/>
+        <p:nvPr/>
+      </p:nvGrpSpPr>
+      <p:grpSpPr>
+        <a:xfrm>
+          <a:off x="0" y="0"/>
+          <a:ext cx="0" cy="0"/>
+          <a:chOff x="0" y="0"/>
+          <a:chExt cx="0" cy="0"/>
+        </a:xfrm>
+      </p:grpSpPr>
+      <p:sp>
+        <p:nvSpPr>
+          <p:cNvPr id="26" name="Rettangolo 28">
+            <a:extLst>
+              <a:ext uri="{FF2B5EF4-FFF2-40B4-BE49-F238E27FC236}">
+                <a16:creationId xmlns:a16="http://schemas.microsoft.com/office/drawing/2014/main" id="{416A0E3C-60E6-4F39-BC55-5F7C224E1F7C}"/>
+              </a:ext>
+              <a:ext uri="{C183D7F6-B498-43B3-948B-1728B52AA6E4}">
+                <adec:decorative xmlns:adec="http://schemas.microsoft.com/office/drawing/2017/decorative" val="1"/>
+              </a:ext>
+            </a:extLst>
+          </p:cNvPr>
+          <p:cNvSpPr>
+            <a:spLocks noGrp="1" noRot="1" noChangeAspect="1" noMove="1" noResize="1" noEditPoints="1" noAdjustHandles="1" noChangeArrowheads="1" noChangeShapeType="1" noTextEdit="1"/>
+          </p:cNvSpPr>
+          <p:nvPr>
+            <p:extLst>
+              <p:ext uri="{386F3935-93C4-4BCD-93E2-E3B085C9AB24}">
+                <p16:designElem xmlns:p16="http://schemas.microsoft.com/office/powerpoint/2015/main" val="1"/>
+              </p:ext>
+            </p:extLst>
+          </p:nvPr>
+        </p:nvSpPr>
+        <p:spPr>
+          <a:xfrm>
+            <a:off x="3175" y="6400800"/>
+            <a:ext cx="12188825" cy="457200"/>
+          </a:xfrm>
+          <a:prstGeom prst="rect">
+            <a:avLst/>
+          </a:prstGeom>
+          <a:solidFill>
+            <a:srgbClr val="262626"/>
+          </a:solidFill>
+          <a:ln>
+            <a:noFill/>
+          </a:ln>
+        </p:spPr>
+        <p:style>
+          <a:lnRef idx="2">
+            <a:schemeClr val="accent1">
+              <a:shade val="50000"/>
+            </a:schemeClr>
+          </a:lnRef>
+          <a:fillRef idx="1">
+            <a:schemeClr val="accent1"/>
+          </a:fillRef>
+          <a:effectRef idx="0">
+            <a:schemeClr val="accent1"/>
+          </a:effectRef>
+          <a:fontRef idx="minor">
+            <a:schemeClr val="lt1"/>
+          </a:fontRef>
+        </p:style>
+      </p:sp>
+      <p:cxnSp>
+        <p:nvCxnSpPr>
+          <p:cNvPr id="27" name="Connettore diritto 30">
+            <a:extLst>
+              <a:ext uri="{FF2B5EF4-FFF2-40B4-BE49-F238E27FC236}">
+                <a16:creationId xmlns:a16="http://schemas.microsoft.com/office/drawing/2014/main" id="{C5025DAC-8B93-4160-B017-3A274A5828C0}"/>
+              </a:ext>
+              <a:ext uri="{C183D7F6-B498-43B3-948B-1728B52AA6E4}">
+                <adec:decorative xmlns:adec="http://schemas.microsoft.com/office/drawing/2017/decorative" val="1"/>
+              </a:ext>
+            </a:extLst>
+          </p:cNvPr>
+          <p:cNvCxnSpPr>
+            <a:cxnSpLocks noGrp="1" noRot="1" noChangeAspect="1" noMove="1" noResize="1" noEditPoints="1" noAdjustHandles="1" noChangeArrowheads="1" noChangeShapeType="1"/>
+          </p:cNvCxnSpPr>
+          <p:nvPr>
+            <p:extLst>
+              <p:ext uri="{386F3935-93C4-4BCD-93E2-E3B085C9AB24}">
+                <p16:designElem xmlns:p16="http://schemas.microsoft.com/office/powerpoint/2015/main" val="1"/>
+              </p:ext>
+            </p:extLst>
+          </p:nvPr>
+        </p:nvCxnSpPr>
+        <p:spPr>
+          <a:xfrm>
+            <a:off x="1193532" y="1897380"/>
+            <a:ext cx="9966960" cy="0"/>
+          </a:xfrm>
+          <a:prstGeom prst="line">
+            <a:avLst/>
+          </a:prstGeom>
+          <a:ln w="12700">
+            <a:solidFill>
+              <a:schemeClr val="tx1">
+                <a:lumMod val="75000"/>
+                <a:lumOff val="25000"/>
+              </a:schemeClr>
+            </a:solidFill>
+          </a:ln>
+        </p:spPr>
+        <p:style>
+          <a:lnRef idx="1">
+            <a:schemeClr val="accent1"/>
+          </a:lnRef>
+          <a:fillRef idx="0">
+            <a:schemeClr val="accent1"/>
+          </a:fillRef>
+          <a:effectRef idx="0">
+            <a:schemeClr val="accent1"/>
+          </a:effectRef>
+          <a:fontRef idx="minor">
+            <a:schemeClr val="tx1"/>
+          </a:fontRef>
+        </p:style>
+      </p:cxnSp>
+      <p:sp useBgFill="1">
+        <p:nvSpPr>
+          <p:cNvPr id="28" name="Rettangolo 32">
+            <a:extLst>
+              <a:ext uri="{FF2B5EF4-FFF2-40B4-BE49-F238E27FC236}">
+                <a16:creationId xmlns:a16="http://schemas.microsoft.com/office/drawing/2014/main" id="{990D0034-F768-41E7-85D4-F38C4DE85770}"/>
+              </a:ext>
+              <a:ext uri="{C183D7F6-B498-43B3-948B-1728B52AA6E4}">
+                <adec:decorative xmlns:adec="http://schemas.microsoft.com/office/drawing/2017/decorative" val="1"/>
+              </a:ext>
+            </a:extLst>
+          </p:cNvPr>
+          <p:cNvSpPr>
+            <a:spLocks noGrp="1" noRot="1" noChangeAspect="1" noMove="1" noResize="1" noEditPoints="1" noAdjustHandles="1" noChangeArrowheads="1" noChangeShapeType="1" noTextEdit="1"/>
+          </p:cNvSpPr>
+          <p:nvPr>
+            <p:extLst>
+              <p:ext uri="{386F3935-93C4-4BCD-93E2-E3B085C9AB24}">
+                <p16:designElem xmlns:p16="http://schemas.microsoft.com/office/powerpoint/2015/main" val="1"/>
+              </p:ext>
+            </p:extLst>
+          </p:nvPr>
+        </p:nvSpPr>
+        <p:spPr>
+          <a:xfrm>
+            <a:off x="0" y="0"/>
+            <a:ext cx="12186315" cy="6858000"/>
+          </a:xfrm>
+          <a:prstGeom prst="rect">
+            <a:avLst/>
+          </a:prstGeom>
+          <a:ln>
+            <a:noFill/>
+          </a:ln>
+        </p:spPr>
+        <p:style>
+          <a:lnRef idx="2">
+            <a:schemeClr val="accent6">
+              <a:shade val="50000"/>
+            </a:schemeClr>
+          </a:lnRef>
+          <a:fillRef idx="1001">
+            <a:schemeClr val="lt1"/>
+          </a:fillRef>
+          <a:effectRef idx="0">
+            <a:schemeClr val="accent6"/>
+          </a:effectRef>
+          <a:fontRef idx="minor">
+            <a:schemeClr val="lt1"/>
+          </a:fontRef>
+        </p:style>
+        <p:txBody>
+          <a:bodyPr rtlCol="0" anchor="ctr"/>
+          <a:lstStyle/>
+          <a:p>
+            <a:pPr algn="ctr" rtl="0"/>
+            <a:endParaRPr lang="it-IT" dirty="0"/>
+          </a:p>
+        </p:txBody>
+      </p:sp>
+      <p:cxnSp>
+        <p:nvCxnSpPr>
+          <p:cNvPr id="30" name="Connettore diritto 34">
+            <a:extLst>
+              <a:ext uri="{FF2B5EF4-FFF2-40B4-BE49-F238E27FC236}">
+                <a16:creationId xmlns:a16="http://schemas.microsoft.com/office/drawing/2014/main" id="{5A0A5CF6-407C-4691-8122-49DF69D0020D}"/>
+              </a:ext>
+              <a:ext uri="{C183D7F6-B498-43B3-948B-1728B52AA6E4}">
+                <adec:decorative xmlns:adec="http://schemas.microsoft.com/office/drawing/2017/decorative" val="1"/>
+              </a:ext>
+            </a:extLst>
+          </p:cNvPr>
+          <p:cNvCxnSpPr>
+            <a:cxnSpLocks noGrp="1" noRot="1" noChangeAspect="1" noMove="1" noResize="1" noEditPoints="1" noAdjustHandles="1" noChangeArrowheads="1" noChangeShapeType="1"/>
+          </p:cNvCxnSpPr>
+          <p:nvPr>
+            <p:extLst>
+              <p:ext uri="{386F3935-93C4-4BCD-93E2-E3B085C9AB24}">
+                <p16:designElem xmlns:p16="http://schemas.microsoft.com/office/powerpoint/2015/main" val="1"/>
+              </p:ext>
+            </p:extLst>
+          </p:nvPr>
+        </p:nvCxnSpPr>
+        <p:spPr>
+          <a:xfrm>
+            <a:off x="590927" y="2633962"/>
+            <a:ext cx="2834640" cy="0"/>
+          </a:xfrm>
+          <a:prstGeom prst="line">
+            <a:avLst/>
+          </a:prstGeom>
+          <a:ln w="12700">
+            <a:solidFill>
+              <a:schemeClr val="tx1">
+                <a:lumMod val="75000"/>
+                <a:lumOff val="25000"/>
+              </a:schemeClr>
+            </a:solidFill>
+          </a:ln>
+        </p:spPr>
+        <p:style>
+          <a:lnRef idx="1">
+            <a:schemeClr val="accent1"/>
+          </a:lnRef>
+          <a:fillRef idx="0">
+            <a:schemeClr val="accent1"/>
+          </a:fillRef>
+          <a:effectRef idx="0">
+            <a:schemeClr val="accent1"/>
+          </a:effectRef>
+          <a:fontRef idx="minor">
+            <a:schemeClr val="tx1"/>
+          </a:fontRef>
+        </p:style>
+      </p:cxnSp>
+      <p:sp>
+        <p:nvSpPr>
+          <p:cNvPr id="4" name="Rettangolo 3">
+            <a:extLst>
+              <a:ext uri="{FF2B5EF4-FFF2-40B4-BE49-F238E27FC236}">
+                <a16:creationId xmlns:a16="http://schemas.microsoft.com/office/drawing/2014/main" id="{D22E5227-66DC-4545-A93A-3BAE57987144}"/>
+              </a:ext>
+            </a:extLst>
+          </p:cNvPr>
+          <p:cNvSpPr/>
+          <p:nvPr/>
+        </p:nvSpPr>
+        <p:spPr>
+          <a:xfrm>
+            <a:off x="590927" y="2477070"/>
+            <a:ext cx="2955837" cy="457195"/>
+          </a:xfrm>
+          <a:prstGeom prst="rect">
+            <a:avLst/>
+          </a:prstGeom>
+          <a:solidFill>
+            <a:schemeClr val="bg1"/>
+          </a:solidFill>
+          <a:ln>
+            <a:solidFill>
+              <a:schemeClr val="bg1"/>
+            </a:solidFill>
+          </a:ln>
+        </p:spPr>
+        <p:style>
+          <a:lnRef idx="2">
+            <a:schemeClr val="accent1">
+              <a:shade val="50000"/>
+            </a:schemeClr>
+          </a:lnRef>
+          <a:fillRef idx="1">
+            <a:schemeClr val="accent1"/>
+          </a:fillRef>
+          <a:effectRef idx="0">
+            <a:schemeClr val="accent1"/>
+          </a:effectRef>
+          <a:fontRef idx="minor">
+            <a:schemeClr val="lt1"/>
+          </a:fontRef>
+        </p:style>
+        <p:txBody>
+          <a:bodyPr rtlCol="0" anchor="ctr"/>
+          <a:lstStyle/>
+          <a:p>
+            <a:pPr algn="ctr"/>
+            <a:endParaRPr lang="it-IT"/>
+          </a:p>
+        </p:txBody>
+      </p:sp>
+      <p:pic>
+        <p:nvPicPr>
+          <p:cNvPr id="10" name="Elemento grafico 9">
+            <a:extLst>
+              <a:ext uri="{FF2B5EF4-FFF2-40B4-BE49-F238E27FC236}">
+                <a16:creationId xmlns:a16="http://schemas.microsoft.com/office/drawing/2014/main" id="{54A47743-7725-4A33-93CA-EFB89C10D1EC}"/>
+              </a:ext>
+            </a:extLst>
+          </p:cNvPr>
+          <p:cNvPicPr>
+            <a:picLocks noChangeAspect="1"/>
+          </p:cNvPicPr>
+          <p:nvPr/>
+        </p:nvPicPr>
+        <p:blipFill>
+          <a:blip r:embed="rId3" cstate="print">
+            <a:extLst>
+              <a:ext uri="{28A0092B-C50C-407E-A947-70E740481C1C}">
+                <a14:useLocalDpi xmlns:a14="http://schemas.microsoft.com/office/drawing/2010/main" val="0"/>
+              </a:ext>
+              <a:ext uri="{96DAC541-7B7A-43D3-8B79-37D633B846F1}">
+                <asvg:svgBlip xmlns:asvg="http://schemas.microsoft.com/office/drawing/2016/SVG/main" r:embed="rId4"/>
+              </a:ext>
+            </a:extLst>
+          </a:blip>
+          <a:stretch>
+            <a:fillRect/>
+          </a:stretch>
+        </p:blipFill>
+        <p:spPr>
+          <a:xfrm>
+            <a:off x="207095" y="6043750"/>
+            <a:ext cx="1770209" cy="700341"/>
+          </a:xfrm>
+          <a:prstGeom prst="rect">
+            <a:avLst/>
+          </a:prstGeom>
+        </p:spPr>
+      </p:pic>
+      <p:sp>
+        <p:nvSpPr>
+          <p:cNvPr id="12" name="Connettore 11">
+            <a:extLst>
+              <a:ext uri="{FF2B5EF4-FFF2-40B4-BE49-F238E27FC236}">
+                <a16:creationId xmlns:a16="http://schemas.microsoft.com/office/drawing/2014/main" id="{92095D8C-8CCA-4CC6-B2D2-E1BC4732F321}"/>
+              </a:ext>
+            </a:extLst>
+          </p:cNvPr>
+          <p:cNvSpPr/>
+          <p:nvPr/>
+        </p:nvSpPr>
+        <p:spPr>
+          <a:xfrm>
+            <a:off x="11455401" y="6273800"/>
+            <a:ext cx="512910" cy="470291"/>
+          </a:xfrm>
+          <a:prstGeom prst="flowChartConnector">
+            <a:avLst/>
+          </a:prstGeom>
+        </p:spPr>
+        <p:style>
+          <a:lnRef idx="2">
+            <a:schemeClr val="accent1">
+              <a:shade val="50000"/>
+            </a:schemeClr>
+          </a:lnRef>
+          <a:fillRef idx="1">
+            <a:schemeClr val="accent1"/>
+          </a:fillRef>
+          <a:effectRef idx="0">
+            <a:schemeClr val="accent1"/>
+          </a:effectRef>
+          <a:fontRef idx="minor">
+            <a:schemeClr val="lt1"/>
+          </a:fontRef>
+        </p:style>
+        <p:txBody>
+          <a:bodyPr rtlCol="0" anchor="ctr"/>
+          <a:lstStyle/>
+          <a:p>
+            <a:pPr algn="ctr"/>
+            <a:fld id="{3A98EE3D-8CD1-4C3F-BD1C-C98C9596463C}" type="slidenum">
+              <a:rPr lang="it-IT" sz="1200" b="1"/>
+              <a:pPr algn="ctr"/>
+              <a:t>6</a:t>
+            </a:fld>
+            <a:endParaRPr lang="it-IT" b="1" dirty="0"/>
+          </a:p>
+        </p:txBody>
+      </p:sp>
+      <p:sp>
+        <p:nvSpPr>
+          <p:cNvPr id="16" name="Titolo 4">
+            <a:extLst>
+              <a:ext uri="{FF2B5EF4-FFF2-40B4-BE49-F238E27FC236}">
+                <a16:creationId xmlns:a16="http://schemas.microsoft.com/office/drawing/2014/main" id="{8EEDFEC2-6026-4D3A-8D5D-C3C56063292D}"/>
+              </a:ext>
+            </a:extLst>
+          </p:cNvPr>
+          <p:cNvSpPr txBox="1">
+            <a:spLocks/>
+          </p:cNvSpPr>
+          <p:nvPr/>
+        </p:nvSpPr>
+        <p:spPr>
+          <a:xfrm>
+            <a:off x="590927" y="578899"/>
+            <a:ext cx="4366084" cy="700340"/>
           </a:xfrm>
           <a:prstGeom prst="rect">
             <a:avLst/>
@@ -10242,7 +14271,7 @@
                   </a:schemeClr>
                 </a:solidFill>
               </a:rPr>
-              <a:t>Struttura ID3v1</a:t>
+              <a:t>Struttura ID3v1.1</a:t>
             </a:r>
           </a:p>
         </p:txBody>
@@ -10263,8 +14292,8 @@
         </p:nvSpPr>
         <p:spPr>
           <a:xfrm>
-            <a:off x="6620787" y="1452869"/>
-            <a:ext cx="4542547" cy="4590875"/>
+            <a:off x="590926" y="1452875"/>
+            <a:ext cx="6455853" cy="4590875"/>
           </a:xfrm>
           <a:prstGeom prst="rect">
             <a:avLst/>
@@ -10525,7 +14554,7 @@
               <a:rPr lang="it-IT" dirty="0">
                 <a:latin typeface="+mj-lt"/>
               </a:rPr>
-              <a:t>Frame a grandezza fissa posta di solito in fondo al file mp3</a:t>
+              <a:t>Rispetto alla v1, gli ultimi due byte del commento vengono utilizzati per il numero di traccia</a:t>
             </a:r>
           </a:p>
           <a:p>
@@ -10541,23 +14570,7 @@
               <a:rPr lang="it-IT" dirty="0">
                 <a:latin typeface="+mj-lt"/>
               </a:rPr>
-              <a:t>Titolo: 30byte</a:t>
-            </a:r>
-          </a:p>
-          <a:p>
-            <a:r>
-              <a:rPr lang="it-IT" dirty="0">
-                <a:latin typeface="+mj-lt"/>
-              </a:rPr>
-              <a:t>Artista:30byte</a:t>
-            </a:r>
-          </a:p>
-          <a:p>
-            <a:r>
-              <a:rPr lang="it-IT" dirty="0">
-                <a:latin typeface="+mj-lt"/>
-              </a:rPr>
-              <a:t>Album:30byte</a:t>
+              <a:t>Titolo, Artista, Album: 30byte</a:t>
             </a:r>
           </a:p>
           <a:p>
@@ -10566,6 +14579,22 @@
                 <a:latin typeface="+mj-lt"/>
               </a:rPr>
               <a:t>Anno:4byte</a:t>
+            </a:r>
+          </a:p>
+          <a:p>
+            <a:r>
+              <a:rPr lang="it-IT" dirty="0">
+                <a:latin typeface="+mj-lt"/>
+              </a:rPr>
+              <a:t>Commento: 28byte</a:t>
+            </a:r>
+          </a:p>
+          <a:p>
+            <a:r>
+              <a:rPr lang="it-IT" dirty="0">
+                <a:latin typeface="+mj-lt"/>
+              </a:rPr>
+              <a:t>Traccia: 1byte</a:t>
             </a:r>
           </a:p>
           <a:p>
@@ -10602,6 +14631,42 @@
           </a:p>
         </p:txBody>
       </p:sp>
+      <p:pic>
+        <p:nvPicPr>
+          <p:cNvPr id="15" name="Immagine 14">
+            <a:extLst>
+              <a:ext uri="{FF2B5EF4-FFF2-40B4-BE49-F238E27FC236}">
+                <a16:creationId xmlns:a16="http://schemas.microsoft.com/office/drawing/2014/main" id="{2198F5C8-5C32-AA40-29EA-985731B1DCAF}"/>
+              </a:ext>
+            </a:extLst>
+          </p:cNvPr>
+          <p:cNvPicPr>
+            <a:picLocks noChangeAspect="1"/>
+          </p:cNvPicPr>
+          <p:nvPr/>
+        </p:nvPicPr>
+        <p:blipFill>
+          <a:blip r:embed="rId5">
+            <a:extLst>
+              <a:ext uri="{28A0092B-C50C-407E-A947-70E740481C1C}">
+                <a14:useLocalDpi xmlns:a14="http://schemas.microsoft.com/office/drawing/2010/main" val="0"/>
+              </a:ext>
+            </a:extLst>
+          </a:blip>
+          <a:stretch>
+            <a:fillRect/>
+          </a:stretch>
+        </p:blipFill>
+        <p:spPr>
+          <a:xfrm>
+            <a:off x="7705724" y="681737"/>
+            <a:ext cx="2795824" cy="5270290"/>
+          </a:xfrm>
+          <a:prstGeom prst="rect">
+            <a:avLst/>
+          </a:prstGeom>
+        </p:spPr>
+      </p:pic>
     </p:spTree>
     <p:extLst>
       <p:ext uri="{BB962C8B-B14F-4D97-AF65-F5344CB8AC3E}">
@@ -10615,7 +14680,7 @@
 </p:sld>
 </file>
 
-<file path=ppt/slides/slide4.xml><?xml version="1.0" encoding="utf-8"?>
+<file path=ppt/slides/slide7.xml><?xml version="1.0" encoding="utf-8"?>
 <p:sld xmlns:a="http://schemas.openxmlformats.org/drawingml/2006/main" xmlns:r="http://schemas.openxmlformats.org/officeDocument/2006/relationships" xmlns:p="http://schemas.openxmlformats.org/presentationml/2006/main">
   <p:cSld>
     <p:bg>
@@ -10986,13 +15051,13 @@
         </p:spPr>
         <p:txBody>
           <a:bodyPr vert="horz" lIns="0" tIns="45720" rIns="0" bIns="45720" rtlCol="0">
-            <a:normAutofit lnSpcReduction="10000"/>
+            <a:normAutofit/>
           </a:bodyPr>
           <a:lstStyle/>
           <a:p>
             <a:pPr rtl="0"/>
             <a:r>
-              <a:rPr lang="it-IT" dirty="0">
+              <a:rPr lang="it-IT" sz="2800" dirty="0">
                 <a:latin typeface="+mj-lt"/>
               </a:rPr>
               <a:t>Il tool SimpleID3 si occupa del riconoscimento di tag in standard ID3v1 e «simil-ID3v1» integrati all’interno dei file. </a:t>
@@ -11001,38 +15066,10 @@
           <a:p>
             <a:pPr rtl="0"/>
             <a:r>
-              <a:rPr lang="it-IT" dirty="0">
+              <a:rPr lang="it-IT" sz="2800" dirty="0">
                 <a:latin typeface="+mj-lt"/>
               </a:rPr>
               <a:t>I tag leggibili in standard ID3 hanno pieno supporto alla versione v1 e parziale alla versione v1.1: sono perfettamente leggibili, ma non viene riportata l’informazione addizionale che caratterizza la v1.1, ovvero il numero di traccia</a:t>
-            </a:r>
-          </a:p>
-          <a:p>
-            <a:r>
-              <a:rPr lang="it-IT" dirty="0">
-                <a:latin typeface="+mj-lt"/>
-              </a:rPr>
-              <a:t>Il formato dei tag «simil-ID3v1» differisce dallo standard ID3v1 per la presenza degli </a:t>
-            </a:r>
-            <a:r>
-              <a:rPr lang="it-IT" dirty="0" err="1">
-                <a:latin typeface="+mj-lt"/>
-              </a:rPr>
-              <a:t>header</a:t>
-            </a:r>
-            <a:r>
-              <a:rPr lang="it-IT" dirty="0">
-                <a:latin typeface="+mj-lt"/>
-              </a:rPr>
-              <a:t> per ogni cella di informazione che aiuta la ricerca degli errori all’interno della parte di informazione</a:t>
-            </a:r>
-          </a:p>
-          <a:p>
-            <a:r>
-              <a:rPr lang="it-IT" dirty="0">
-                <a:latin typeface="+mj-lt"/>
-              </a:rPr>
-              <a:t>È un tipo di grammatica nuovo e diverso rispetto allo standard, che permette ed aggiunge la ricerca di errori e il controllo della struttura all’interno dello slot di informazioni</a:t>
             </a:r>
           </a:p>
           <a:p>
@@ -11133,12 +15170,47 @@
             <a:fld id="{3A98EE3D-8CD1-4C3F-BD1C-C98C9596463C}" type="slidenum">
               <a:rPr lang="it-IT" sz="1200" b="1"/>
               <a:pPr algn="ctr"/>
-              <a:t>4</a:t>
+              <a:t>7</a:t>
             </a:fld>
             <a:endParaRPr lang="it-IT" b="1" dirty="0"/>
           </a:p>
         </p:txBody>
       </p:sp>
+      <p:pic>
+        <p:nvPicPr>
+          <p:cNvPr id="3" name="Immagine 2">
+            <a:extLst>
+              <a:ext uri="{FF2B5EF4-FFF2-40B4-BE49-F238E27FC236}">
+                <a16:creationId xmlns:a16="http://schemas.microsoft.com/office/drawing/2014/main" id="{CD42A0D9-63BB-DD98-9FF7-6CD13BB91DD7}"/>
+              </a:ext>
+            </a:extLst>
+          </p:cNvPr>
+          <p:cNvPicPr>
+            <a:picLocks noChangeAspect="1"/>
+          </p:cNvPicPr>
+          <p:nvPr/>
+        </p:nvPicPr>
+        <p:blipFill>
+          <a:blip r:embed="rId5"/>
+          <a:stretch>
+            <a:fillRect/>
+          </a:stretch>
+        </p:blipFill>
+        <p:spPr>
+          <a:xfrm>
+            <a:off x="3546764" y="4594948"/>
+            <a:ext cx="4636150" cy="1448797"/>
+          </a:xfrm>
+          <a:prstGeom prst="rect">
+            <a:avLst/>
+          </a:prstGeom>
+          <a:ln>
+            <a:solidFill>
+              <a:schemeClr val="tx1"/>
+            </a:solidFill>
+          </a:ln>
+        </p:spPr>
+      </p:pic>
     </p:spTree>
     <p:extLst>
       <p:ext uri="{BB962C8B-B14F-4D97-AF65-F5344CB8AC3E}">
@@ -11152,7 +15224,7 @@
 </p:sld>
 </file>
 
-<file path=ppt/slides/slide5.xml><?xml version="1.0" encoding="utf-8"?>
+<file path=ppt/slides/slide8.xml><?xml version="1.0" encoding="utf-8"?>
 <p:sld xmlns:a="http://schemas.openxmlformats.org/drawingml/2006/main" xmlns:r="http://schemas.openxmlformats.org/officeDocument/2006/relationships" xmlns:p="http://schemas.openxmlformats.org/presentationml/2006/main">
   <p:cSld>
     <p:bg>
@@ -11518,7 +15590,7 @@
         <p:spPr>
           <a:xfrm>
             <a:off x="590926" y="1452870"/>
-            <a:ext cx="10864474" cy="4590875"/>
+            <a:ext cx="10864474" cy="1976130"/>
           </a:xfrm>
         </p:spPr>
         <p:txBody>
@@ -11527,74 +15599,38 @@
           </a:bodyPr>
           <a:lstStyle/>
           <a:p>
-            <a:pPr rtl="0"/>
-            <a:r>
-              <a:rPr lang="it-IT" dirty="0">
+            <a:r>
+              <a:rPr lang="it-IT" sz="2800" dirty="0">
                 <a:latin typeface="+mj-lt"/>
               </a:rPr>
-              <a:t>Il tool è quindi molto utile per visualizzare a schermo le informazioni di base contenute all’interno dei nostri file musicali</a:t>
-            </a:r>
-          </a:p>
-          <a:p>
-            <a:pPr rtl="0"/>
-            <a:r>
-              <a:rPr lang="it-IT" dirty="0">
+              <a:t>Il formato dei tag «simil-ID3v1» differisce dallo standard ID3v1 per la presenza degli </a:t>
+            </a:r>
+            <a:r>
+              <a:rPr lang="it-IT" sz="2800" dirty="0" err="1">
                 <a:latin typeface="+mj-lt"/>
               </a:rPr>
-              <a:t>Il tool non supporta la versione v2 e successive, che sono basate su un concetto a frame e un tipo di immagazzinamento dei dati che sfrutta concetti diversi</a:t>
-            </a:r>
-          </a:p>
-          <a:p>
-            <a:pPr rtl="0"/>
-            <a:r>
-              <a:rPr lang="it-IT" dirty="0">
+              <a:t>header</a:t>
+            </a:r>
+            <a:r>
+              <a:rPr lang="it-IT" sz="2800" dirty="0">
                 <a:latin typeface="+mj-lt"/>
               </a:rPr>
-              <a:t>Il codice e la grammatica, cosi come un eseguibile Java compilato sono disponibili su GitHub alla repository -&gt; </a:t>
-            </a:r>
-            <a:r>
-              <a:rPr lang="it-IT" dirty="0">
+              <a:t> per ogni cella di informazione che aiuta la ricerca degli errori all’interno della parte di informazione. Ad esempio abbiamo</a:t>
+            </a:r>
+          </a:p>
+          <a:p>
+            <a:pPr marL="0" indent="0">
+              <a:buNone/>
+            </a:pPr>
+            <a:r>
+              <a:rPr lang="it-IT" sz="2800" dirty="0">
                 <a:latin typeface="+mj-lt"/>
-                <a:hlinkClick r:id="rId3"/>
               </a:rPr>
-              <a:t>https://github.com/atusghen/SimpleID3</a:t>
+              <a:t>Simil-ID3v1						ID3v1</a:t>
             </a:r>
             <a:endParaRPr lang="it-IT" dirty="0">
               <a:latin typeface="+mj-lt"/>
             </a:endParaRPr>
-          </a:p>
-          <a:p>
-            <a:pPr rtl="0"/>
-            <a:r>
-              <a:rPr lang="it-IT" dirty="0">
-                <a:latin typeface="+mj-lt"/>
-              </a:rPr>
-              <a:t>Le tecnologie e gli strumenti utilizzati per lo sviluppo sono stati -&gt; Java con Eclipse e </a:t>
-            </a:r>
-            <a:r>
-              <a:rPr lang="it-IT" dirty="0" err="1">
-                <a:latin typeface="+mj-lt"/>
-              </a:rPr>
-              <a:t>AntLR</a:t>
-            </a:r>
-            <a:r>
-              <a:rPr lang="it-IT" dirty="0">
-                <a:latin typeface="+mj-lt"/>
-              </a:rPr>
-              <a:t> 3.4, </a:t>
-            </a:r>
-            <a:r>
-              <a:rPr lang="it-IT" dirty="0" err="1">
-                <a:latin typeface="+mj-lt"/>
-              </a:rPr>
-              <a:t>AntLRworks</a:t>
-            </a:r>
-            <a:r>
-              <a:rPr lang="it-IT" dirty="0">
-                <a:latin typeface="+mj-lt"/>
-              </a:rPr>
-              <a:t> 1.5.2 per la grammatica</a:t>
-            </a:r>
           </a:p>
         </p:txBody>
       </p:sp>
@@ -11613,13 +15649,13 @@
           <p:nvPr/>
         </p:nvPicPr>
         <p:blipFill>
-          <a:blip r:embed="rId4" cstate="print">
+          <a:blip r:embed="rId3" cstate="print">
             <a:extLst>
               <a:ext uri="{28A0092B-C50C-407E-A947-70E740481C1C}">
                 <a14:useLocalDpi xmlns:a14="http://schemas.microsoft.com/office/drawing/2010/main" val="0"/>
               </a:ext>
               <a:ext uri="{96DAC541-7B7A-43D3-8B79-37D633B846F1}">
-                <asvg:svgBlip xmlns:asvg="http://schemas.microsoft.com/office/drawing/2016/SVG/main" r:embed="rId5"/>
+                <asvg:svgBlip xmlns:asvg="http://schemas.microsoft.com/office/drawing/2016/SVG/main" r:embed="rId4"/>
               </a:ext>
             </a:extLst>
           </a:blip>
@@ -11682,16 +15718,669 @@
             <a:fld id="{3A98EE3D-8CD1-4C3F-BD1C-C98C9596463C}" type="slidenum">
               <a:rPr lang="it-IT" sz="1200" b="1"/>
               <a:pPr algn="ctr"/>
-              <a:t>5</a:t>
+              <a:t>8</a:t>
             </a:fld>
             <a:endParaRPr lang="it-IT" b="1" dirty="0"/>
+          </a:p>
+        </p:txBody>
+      </p:sp>
+      <p:sp>
+        <p:nvSpPr>
+          <p:cNvPr id="2" name="CasellaDiTesto 1">
+            <a:extLst>
+              <a:ext uri="{FF2B5EF4-FFF2-40B4-BE49-F238E27FC236}">
+                <a16:creationId xmlns:a16="http://schemas.microsoft.com/office/drawing/2014/main" id="{48A5AB5A-6BC4-1A20-6A85-25C318676F8F}"/>
+              </a:ext>
+            </a:extLst>
+          </p:cNvPr>
+          <p:cNvSpPr txBox="1"/>
+          <p:nvPr/>
+        </p:nvSpPr>
+        <p:spPr>
+          <a:xfrm>
+            <a:off x="585241" y="3429000"/>
+            <a:ext cx="4008582" cy="2031325"/>
+          </a:xfrm>
+          <a:prstGeom prst="rect">
+            <a:avLst/>
+          </a:prstGeom>
+          <a:noFill/>
+        </p:spPr>
+        <p:txBody>
+          <a:bodyPr wrap="square" rtlCol="0">
+            <a:spAutoFit/>
+          </a:bodyPr>
+          <a:lstStyle/>
+          <a:p>
+            <a:r>
+              <a:rPr lang="it-IT" dirty="0"/>
+              <a:t>TAG</a:t>
+            </a:r>
+          </a:p>
+          <a:p>
+            <a:r>
+              <a:rPr lang="it-IT" dirty="0"/>
+              <a:t>#tit:Title                         </a:t>
+            </a:r>
+          </a:p>
+          <a:p>
+            <a:r>
+              <a:rPr lang="it-IT" dirty="0"/>
+              <a:t>#art:Artist                        </a:t>
+            </a:r>
+          </a:p>
+          <a:p>
+            <a:r>
+              <a:rPr lang="it-IT" dirty="0"/>
+              <a:t>#alb:Album                         </a:t>
+            </a:r>
+          </a:p>
+          <a:p>
+            <a:r>
+              <a:rPr lang="it-IT" dirty="0"/>
+              <a:t>#ann:2003</a:t>
+            </a:r>
+          </a:p>
+          <a:p>
+            <a:r>
+              <a:rPr lang="it-IT" dirty="0"/>
+              <a:t>#com:Comment                       </a:t>
+            </a:r>
+          </a:p>
+          <a:p>
+            <a:r>
+              <a:rPr lang="it-IT" dirty="0"/>
+              <a:t>#gen:</a:t>
+            </a:r>
+          </a:p>
+        </p:txBody>
+      </p:sp>
+      <p:sp>
+        <p:nvSpPr>
+          <p:cNvPr id="3" name="CasellaDiTesto 2">
+            <a:extLst>
+              <a:ext uri="{FF2B5EF4-FFF2-40B4-BE49-F238E27FC236}">
+                <a16:creationId xmlns:a16="http://schemas.microsoft.com/office/drawing/2014/main" id="{E2F4A93A-1A65-5E4B-457D-1B807B11FB27}"/>
+              </a:ext>
+            </a:extLst>
+          </p:cNvPr>
+          <p:cNvSpPr txBox="1"/>
+          <p:nvPr/>
+        </p:nvSpPr>
+        <p:spPr>
+          <a:xfrm>
+            <a:off x="7001163" y="3429000"/>
+            <a:ext cx="4008582" cy="2031325"/>
+          </a:xfrm>
+          <a:prstGeom prst="rect">
+            <a:avLst/>
+          </a:prstGeom>
+          <a:noFill/>
+        </p:spPr>
+        <p:txBody>
+          <a:bodyPr wrap="square" rtlCol="0">
+            <a:spAutoFit/>
+          </a:bodyPr>
+          <a:lstStyle/>
+          <a:p>
+            <a:r>
+              <a:rPr lang="it-IT" dirty="0"/>
+              <a:t>TAG</a:t>
+            </a:r>
+          </a:p>
+          <a:p>
+            <a:r>
+              <a:rPr lang="it-IT" dirty="0"/>
+              <a:t>Title                         </a:t>
+            </a:r>
+          </a:p>
+          <a:p>
+            <a:r>
+              <a:rPr lang="it-IT" dirty="0"/>
+              <a:t>Artist                        </a:t>
+            </a:r>
+          </a:p>
+          <a:p>
+            <a:r>
+              <a:rPr lang="it-IT" dirty="0"/>
+              <a:t>Album                         </a:t>
+            </a:r>
+          </a:p>
+          <a:p>
+            <a:r>
+              <a:rPr lang="it-IT" dirty="0"/>
+              <a:t>2003</a:t>
+            </a:r>
+          </a:p>
+          <a:p>
+            <a:r>
+              <a:rPr lang="it-IT" dirty="0" err="1"/>
+              <a:t>Comment</a:t>
+            </a:r>
+            <a:r>
+              <a:rPr lang="it-IT" dirty="0"/>
+              <a:t>                       </a:t>
+            </a:r>
+          </a:p>
+          <a:p>
+            <a:r>
+              <a:rPr lang="it-IT" dirty="0"/>
+              <a:t/>
+            </a:r>
           </a:p>
         </p:txBody>
       </p:sp>
     </p:spTree>
     <p:extLst>
       <p:ext uri="{BB962C8B-B14F-4D97-AF65-F5344CB8AC3E}">
-        <p14:creationId xmlns:p14="http://schemas.microsoft.com/office/powerpoint/2010/main" val="1668686558"/>
+        <p14:creationId xmlns:p14="http://schemas.microsoft.com/office/powerpoint/2010/main" val="243730368"/>
+      </p:ext>
+    </p:extLst>
+  </p:cSld>
+  <p:clrMapOvr>
+    <a:masterClrMapping/>
+  </p:clrMapOvr>
+</p:sld>
+</file>
+
+<file path=ppt/slides/slide9.xml><?xml version="1.0" encoding="utf-8"?>
+<p:sld xmlns:a="http://schemas.openxmlformats.org/drawingml/2006/main" xmlns:r="http://schemas.openxmlformats.org/officeDocument/2006/relationships" xmlns:p="http://schemas.openxmlformats.org/presentationml/2006/main">
+  <p:cSld>
+    <p:bg>
+      <p:bgPr>
+        <a:solidFill>
+          <a:schemeClr val="bg1"/>
+        </a:solidFill>
+        <a:effectLst/>
+      </p:bgPr>
+    </p:bg>
+    <p:spTree>
+      <p:nvGrpSpPr>
+        <p:cNvPr id="1" name=""/>
+        <p:cNvGrpSpPr/>
+        <p:nvPr/>
+      </p:nvGrpSpPr>
+      <p:grpSpPr>
+        <a:xfrm>
+          <a:off x="0" y="0"/>
+          <a:ext cx="0" cy="0"/>
+          <a:chOff x="0" y="0"/>
+          <a:chExt cx="0" cy="0"/>
+        </a:xfrm>
+      </p:grpSpPr>
+      <p:sp>
+        <p:nvSpPr>
+          <p:cNvPr id="26" name="Rettangolo 28">
+            <a:extLst>
+              <a:ext uri="{FF2B5EF4-FFF2-40B4-BE49-F238E27FC236}">
+                <a16:creationId xmlns:a16="http://schemas.microsoft.com/office/drawing/2014/main" id="{416A0E3C-60E6-4F39-BC55-5F7C224E1F7C}"/>
+              </a:ext>
+              <a:ext uri="{C183D7F6-B498-43B3-948B-1728B52AA6E4}">
+                <adec:decorative xmlns:adec="http://schemas.microsoft.com/office/drawing/2017/decorative" val="1"/>
+              </a:ext>
+            </a:extLst>
+          </p:cNvPr>
+          <p:cNvSpPr>
+            <a:spLocks noGrp="1" noRot="1" noChangeAspect="1" noMove="1" noResize="1" noEditPoints="1" noAdjustHandles="1" noChangeArrowheads="1" noChangeShapeType="1" noTextEdit="1"/>
+          </p:cNvSpPr>
+          <p:nvPr>
+            <p:extLst>
+              <p:ext uri="{386F3935-93C4-4BCD-93E2-E3B085C9AB24}">
+                <p16:designElem xmlns:p16="http://schemas.microsoft.com/office/powerpoint/2015/main" val="1"/>
+              </p:ext>
+            </p:extLst>
+          </p:nvPr>
+        </p:nvSpPr>
+        <p:spPr>
+          <a:xfrm>
+            <a:off x="3175" y="6400800"/>
+            <a:ext cx="12188825" cy="457200"/>
+          </a:xfrm>
+          <a:prstGeom prst="rect">
+            <a:avLst/>
+          </a:prstGeom>
+          <a:solidFill>
+            <a:srgbClr val="262626"/>
+          </a:solidFill>
+          <a:ln>
+            <a:noFill/>
+          </a:ln>
+        </p:spPr>
+        <p:style>
+          <a:lnRef idx="2">
+            <a:schemeClr val="accent1">
+              <a:shade val="50000"/>
+            </a:schemeClr>
+          </a:lnRef>
+          <a:fillRef idx="1">
+            <a:schemeClr val="accent1"/>
+          </a:fillRef>
+          <a:effectRef idx="0">
+            <a:schemeClr val="accent1"/>
+          </a:effectRef>
+          <a:fontRef idx="minor">
+            <a:schemeClr val="lt1"/>
+          </a:fontRef>
+        </p:style>
+      </p:sp>
+      <p:cxnSp>
+        <p:nvCxnSpPr>
+          <p:cNvPr id="27" name="Connettore diritto 30">
+            <a:extLst>
+              <a:ext uri="{FF2B5EF4-FFF2-40B4-BE49-F238E27FC236}">
+                <a16:creationId xmlns:a16="http://schemas.microsoft.com/office/drawing/2014/main" id="{C5025DAC-8B93-4160-B017-3A274A5828C0}"/>
+              </a:ext>
+              <a:ext uri="{C183D7F6-B498-43B3-948B-1728B52AA6E4}">
+                <adec:decorative xmlns:adec="http://schemas.microsoft.com/office/drawing/2017/decorative" val="1"/>
+              </a:ext>
+            </a:extLst>
+          </p:cNvPr>
+          <p:cNvCxnSpPr>
+            <a:cxnSpLocks noGrp="1" noRot="1" noChangeAspect="1" noMove="1" noResize="1" noEditPoints="1" noAdjustHandles="1" noChangeArrowheads="1" noChangeShapeType="1"/>
+          </p:cNvCxnSpPr>
+          <p:nvPr>
+            <p:extLst>
+              <p:ext uri="{386F3935-93C4-4BCD-93E2-E3B085C9AB24}">
+                <p16:designElem xmlns:p16="http://schemas.microsoft.com/office/powerpoint/2015/main" val="1"/>
+              </p:ext>
+            </p:extLst>
+          </p:nvPr>
+        </p:nvCxnSpPr>
+        <p:spPr>
+          <a:xfrm>
+            <a:off x="1193532" y="1897380"/>
+            <a:ext cx="9966960" cy="0"/>
+          </a:xfrm>
+          <a:prstGeom prst="line">
+            <a:avLst/>
+          </a:prstGeom>
+          <a:ln w="12700">
+            <a:solidFill>
+              <a:schemeClr val="tx1">
+                <a:lumMod val="75000"/>
+                <a:lumOff val="25000"/>
+              </a:schemeClr>
+            </a:solidFill>
+          </a:ln>
+        </p:spPr>
+        <p:style>
+          <a:lnRef idx="1">
+            <a:schemeClr val="accent1"/>
+          </a:lnRef>
+          <a:fillRef idx="0">
+            <a:schemeClr val="accent1"/>
+          </a:fillRef>
+          <a:effectRef idx="0">
+            <a:schemeClr val="accent1"/>
+          </a:effectRef>
+          <a:fontRef idx="minor">
+            <a:schemeClr val="tx1"/>
+          </a:fontRef>
+        </p:style>
+      </p:cxnSp>
+      <p:sp useBgFill="1">
+        <p:nvSpPr>
+          <p:cNvPr id="28" name="Rettangolo 32">
+            <a:extLst>
+              <a:ext uri="{FF2B5EF4-FFF2-40B4-BE49-F238E27FC236}">
+                <a16:creationId xmlns:a16="http://schemas.microsoft.com/office/drawing/2014/main" id="{990D0034-F768-41E7-85D4-F38C4DE85770}"/>
+              </a:ext>
+              <a:ext uri="{C183D7F6-B498-43B3-948B-1728B52AA6E4}">
+                <adec:decorative xmlns:adec="http://schemas.microsoft.com/office/drawing/2017/decorative" val="1"/>
+              </a:ext>
+            </a:extLst>
+          </p:cNvPr>
+          <p:cNvSpPr>
+            <a:spLocks noGrp="1" noRot="1" noChangeAspect="1" noMove="1" noResize="1" noEditPoints="1" noAdjustHandles="1" noChangeArrowheads="1" noChangeShapeType="1" noTextEdit="1"/>
+          </p:cNvSpPr>
+          <p:nvPr>
+            <p:extLst>
+              <p:ext uri="{386F3935-93C4-4BCD-93E2-E3B085C9AB24}">
+                <p16:designElem xmlns:p16="http://schemas.microsoft.com/office/powerpoint/2015/main" val="1"/>
+              </p:ext>
+            </p:extLst>
+          </p:nvPr>
+        </p:nvSpPr>
+        <p:spPr>
+          <a:xfrm>
+            <a:off x="0" y="0"/>
+            <a:ext cx="12186315" cy="6858000"/>
+          </a:xfrm>
+          <a:prstGeom prst="rect">
+            <a:avLst/>
+          </a:prstGeom>
+          <a:ln>
+            <a:noFill/>
+          </a:ln>
+        </p:spPr>
+        <p:style>
+          <a:lnRef idx="2">
+            <a:schemeClr val="accent6">
+              <a:shade val="50000"/>
+            </a:schemeClr>
+          </a:lnRef>
+          <a:fillRef idx="1001">
+            <a:schemeClr val="lt1"/>
+          </a:fillRef>
+          <a:effectRef idx="0">
+            <a:schemeClr val="accent6"/>
+          </a:effectRef>
+          <a:fontRef idx="minor">
+            <a:schemeClr val="lt1"/>
+          </a:fontRef>
+        </p:style>
+        <p:txBody>
+          <a:bodyPr rtlCol="0" anchor="ctr"/>
+          <a:lstStyle/>
+          <a:p>
+            <a:pPr algn="ctr" rtl="0"/>
+            <a:endParaRPr lang="it-IT" dirty="0"/>
+          </a:p>
+        </p:txBody>
+      </p:sp>
+      <p:sp>
+        <p:nvSpPr>
+          <p:cNvPr id="5" name="Titolo 4">
+            <a:extLst>
+              <a:ext uri="{FF2B5EF4-FFF2-40B4-BE49-F238E27FC236}">
+                <a16:creationId xmlns:a16="http://schemas.microsoft.com/office/drawing/2014/main" id="{B8B72B13-069B-4F8A-9437-FA58C3F1D44B}"/>
+              </a:ext>
+            </a:extLst>
+          </p:cNvPr>
+          <p:cNvSpPr>
+            <a:spLocks noGrp="1"/>
+          </p:cNvSpPr>
+          <p:nvPr>
+            <p:ph type="title"/>
+          </p:nvPr>
+        </p:nvSpPr>
+        <p:spPr>
+          <a:xfrm>
+            <a:off x="590927" y="535936"/>
+            <a:ext cx="10864474" cy="700340"/>
+          </a:xfrm>
+        </p:spPr>
+        <p:txBody>
+          <a:bodyPr vert="horz" lIns="91440" tIns="45720" rIns="91440" bIns="45720" rtlCol="0" anchor="b">
+            <a:noAutofit/>
+          </a:bodyPr>
+          <a:lstStyle/>
+          <a:p>
+            <a:pPr rtl="0"/>
+            <a:r>
+              <a:rPr lang="it-IT" sz="4400" dirty="0">
+                <a:solidFill>
+                  <a:schemeClr val="tx1">
+                    <a:lumMod val="75000"/>
+                    <a:lumOff val="25000"/>
+                  </a:schemeClr>
+                </a:solidFill>
+              </a:rPr>
+              <a:t>Tool SimpleID3</a:t>
+            </a:r>
+          </a:p>
+        </p:txBody>
+      </p:sp>
+      <p:cxnSp>
+        <p:nvCxnSpPr>
+          <p:cNvPr id="30" name="Connettore diritto 34">
+            <a:extLst>
+              <a:ext uri="{FF2B5EF4-FFF2-40B4-BE49-F238E27FC236}">
+                <a16:creationId xmlns:a16="http://schemas.microsoft.com/office/drawing/2014/main" id="{5A0A5CF6-407C-4691-8122-49DF69D0020D}"/>
+              </a:ext>
+              <a:ext uri="{C183D7F6-B498-43B3-948B-1728B52AA6E4}">
+                <adec:decorative xmlns:adec="http://schemas.microsoft.com/office/drawing/2017/decorative" val="1"/>
+              </a:ext>
+            </a:extLst>
+          </p:cNvPr>
+          <p:cNvCxnSpPr>
+            <a:cxnSpLocks noGrp="1" noRot="1" noChangeAspect="1" noMove="1" noResize="1" noEditPoints="1" noAdjustHandles="1" noChangeArrowheads="1" noChangeShapeType="1"/>
+          </p:cNvCxnSpPr>
+          <p:nvPr>
+            <p:extLst>
+              <p:ext uri="{386F3935-93C4-4BCD-93E2-E3B085C9AB24}">
+                <p16:designElem xmlns:p16="http://schemas.microsoft.com/office/powerpoint/2015/main" val="1"/>
+              </p:ext>
+            </p:extLst>
+          </p:nvPr>
+        </p:nvCxnSpPr>
+        <p:spPr>
+          <a:xfrm>
+            <a:off x="590927" y="2633962"/>
+            <a:ext cx="2834640" cy="0"/>
+          </a:xfrm>
+          <a:prstGeom prst="line">
+            <a:avLst/>
+          </a:prstGeom>
+          <a:ln w="12700">
+            <a:solidFill>
+              <a:schemeClr val="tx1">
+                <a:lumMod val="75000"/>
+                <a:lumOff val="25000"/>
+              </a:schemeClr>
+            </a:solidFill>
+          </a:ln>
+        </p:spPr>
+        <p:style>
+          <a:lnRef idx="1">
+            <a:schemeClr val="accent1"/>
+          </a:lnRef>
+          <a:fillRef idx="0">
+            <a:schemeClr val="accent1"/>
+          </a:fillRef>
+          <a:effectRef idx="0">
+            <a:schemeClr val="accent1"/>
+          </a:effectRef>
+          <a:fontRef idx="minor">
+            <a:schemeClr val="tx1"/>
+          </a:fontRef>
+        </p:style>
+      </p:cxnSp>
+      <p:sp>
+        <p:nvSpPr>
+          <p:cNvPr id="4" name="Rettangolo 3">
+            <a:extLst>
+              <a:ext uri="{FF2B5EF4-FFF2-40B4-BE49-F238E27FC236}">
+                <a16:creationId xmlns:a16="http://schemas.microsoft.com/office/drawing/2014/main" id="{D22E5227-66DC-4545-A93A-3BAE57987144}"/>
+              </a:ext>
+            </a:extLst>
+          </p:cNvPr>
+          <p:cNvSpPr/>
+          <p:nvPr/>
+        </p:nvSpPr>
+        <p:spPr>
+          <a:xfrm>
+            <a:off x="590927" y="2477070"/>
+            <a:ext cx="2955837" cy="457195"/>
+          </a:xfrm>
+          <a:prstGeom prst="rect">
+            <a:avLst/>
+          </a:prstGeom>
+          <a:solidFill>
+            <a:schemeClr val="bg1"/>
+          </a:solidFill>
+          <a:ln>
+            <a:solidFill>
+              <a:schemeClr val="bg1"/>
+            </a:solidFill>
+          </a:ln>
+        </p:spPr>
+        <p:style>
+          <a:lnRef idx="2">
+            <a:schemeClr val="accent1">
+              <a:shade val="50000"/>
+            </a:schemeClr>
+          </a:lnRef>
+          <a:fillRef idx="1">
+            <a:schemeClr val="accent1"/>
+          </a:fillRef>
+          <a:effectRef idx="0">
+            <a:schemeClr val="accent1"/>
+          </a:effectRef>
+          <a:fontRef idx="minor">
+            <a:schemeClr val="lt1"/>
+          </a:fontRef>
+        </p:style>
+        <p:txBody>
+          <a:bodyPr rtlCol="0" anchor="ctr"/>
+          <a:lstStyle/>
+          <a:p>
+            <a:pPr algn="ctr"/>
+            <a:endParaRPr lang="it-IT"/>
+          </a:p>
+        </p:txBody>
+      </p:sp>
+      <p:sp>
+        <p:nvSpPr>
+          <p:cNvPr id="6" name="Segnaposto contenuto 5">
+            <a:extLst>
+              <a:ext uri="{FF2B5EF4-FFF2-40B4-BE49-F238E27FC236}">
+                <a16:creationId xmlns:a16="http://schemas.microsoft.com/office/drawing/2014/main" id="{2281D70C-EE29-493E-838C-890184A02C07}"/>
+              </a:ext>
+            </a:extLst>
+          </p:cNvPr>
+          <p:cNvSpPr>
+            <a:spLocks noGrp="1"/>
+          </p:cNvSpPr>
+          <p:nvPr>
+            <p:ph idx="1"/>
+          </p:nvPr>
+        </p:nvSpPr>
+        <p:spPr>
+          <a:xfrm>
+            <a:off x="590926" y="1452870"/>
+            <a:ext cx="10864474" cy="4590875"/>
+          </a:xfrm>
+        </p:spPr>
+        <p:txBody>
+          <a:bodyPr vert="horz" lIns="0" tIns="45720" rIns="0" bIns="45720" rtlCol="0">
+            <a:normAutofit/>
+          </a:bodyPr>
+          <a:lstStyle/>
+          <a:p>
+            <a:r>
+              <a:rPr lang="it-IT" sz="2800" dirty="0">
+                <a:latin typeface="+mj-lt"/>
+              </a:rPr>
+              <a:t>È un tipo di grammatica nuovo e diverso rispetto allo standard, che permette ed aggiunge la ricerca di errori e il controllo della struttura all’interno dello slot di informazioni</a:t>
+            </a:r>
+          </a:p>
+          <a:p>
+            <a:r>
+              <a:rPr lang="it-IT" sz="2800" dirty="0">
+                <a:latin typeface="+mj-lt"/>
+              </a:rPr>
+              <a:t>Questo nuovo tipo di tag è unicamente supportato dal tool sviluppato. Si può dire che il motivo dello sviluppo è l’introduzione di questo nuovo metodo di «scrivere» i tag</a:t>
+            </a:r>
+          </a:p>
+          <a:p>
+            <a:pPr rtl="0"/>
+            <a:endParaRPr lang="it-IT" dirty="0">
+              <a:latin typeface="+mj-lt"/>
+            </a:endParaRPr>
+          </a:p>
+          <a:p>
+            <a:pPr rtl="0"/>
+            <a:endParaRPr lang="it-IT" dirty="0">
+              <a:latin typeface="+mj-lt"/>
+            </a:endParaRPr>
+          </a:p>
+        </p:txBody>
+      </p:sp>
+      <p:pic>
+        <p:nvPicPr>
+          <p:cNvPr id="10" name="Elemento grafico 9">
+            <a:extLst>
+              <a:ext uri="{FF2B5EF4-FFF2-40B4-BE49-F238E27FC236}">
+                <a16:creationId xmlns:a16="http://schemas.microsoft.com/office/drawing/2014/main" id="{54A47743-7725-4A33-93CA-EFB89C10D1EC}"/>
+              </a:ext>
+            </a:extLst>
+          </p:cNvPr>
+          <p:cNvPicPr>
+            <a:picLocks noChangeAspect="1"/>
+          </p:cNvPicPr>
+          <p:nvPr/>
+        </p:nvPicPr>
+        <p:blipFill>
+          <a:blip r:embed="rId3" cstate="print">
+            <a:extLst>
+              <a:ext uri="{28A0092B-C50C-407E-A947-70E740481C1C}">
+                <a14:useLocalDpi xmlns:a14="http://schemas.microsoft.com/office/drawing/2010/main" val="0"/>
+              </a:ext>
+              <a:ext uri="{96DAC541-7B7A-43D3-8B79-37D633B846F1}">
+                <asvg:svgBlip xmlns:asvg="http://schemas.microsoft.com/office/drawing/2016/SVG/main" r:embed="rId4"/>
+              </a:ext>
+            </a:extLst>
+          </a:blip>
+          <a:stretch>
+            <a:fillRect/>
+          </a:stretch>
+        </p:blipFill>
+        <p:spPr>
+          <a:xfrm>
+            <a:off x="207095" y="6043750"/>
+            <a:ext cx="1770209" cy="700341"/>
+          </a:xfrm>
+          <a:prstGeom prst="rect">
+            <a:avLst/>
+          </a:prstGeom>
+        </p:spPr>
+      </p:pic>
+      <p:sp>
+        <p:nvSpPr>
+          <p:cNvPr id="12" name="Connettore 11">
+            <a:extLst>
+              <a:ext uri="{FF2B5EF4-FFF2-40B4-BE49-F238E27FC236}">
+                <a16:creationId xmlns:a16="http://schemas.microsoft.com/office/drawing/2014/main" id="{92095D8C-8CCA-4CC6-B2D2-E1BC4732F321}"/>
+              </a:ext>
+            </a:extLst>
+          </p:cNvPr>
+          <p:cNvSpPr/>
+          <p:nvPr/>
+        </p:nvSpPr>
+        <p:spPr>
+          <a:xfrm>
+            <a:off x="11455401" y="6273800"/>
+            <a:ext cx="512910" cy="470291"/>
+          </a:xfrm>
+          <a:prstGeom prst="flowChartConnector">
+            <a:avLst/>
+          </a:prstGeom>
+        </p:spPr>
+        <p:style>
+          <a:lnRef idx="2">
+            <a:schemeClr val="accent1">
+              <a:shade val="50000"/>
+            </a:schemeClr>
+          </a:lnRef>
+          <a:fillRef idx="1">
+            <a:schemeClr val="accent1"/>
+          </a:fillRef>
+          <a:effectRef idx="0">
+            <a:schemeClr val="accent1"/>
+          </a:effectRef>
+          <a:fontRef idx="minor">
+            <a:schemeClr val="lt1"/>
+          </a:fontRef>
+        </p:style>
+        <p:txBody>
+          <a:bodyPr rtlCol="0" anchor="ctr"/>
+          <a:lstStyle/>
+          <a:p>
+            <a:pPr algn="ctr"/>
+            <a:fld id="{3A98EE3D-8CD1-4C3F-BD1C-C98C9596463C}" type="slidenum">
+              <a:rPr lang="it-IT" sz="1200" b="1"/>
+              <a:pPr algn="ctr"/>
+              <a:t>9</a:t>
+            </a:fld>
+            <a:endParaRPr lang="it-IT" b="1" dirty="0"/>
+          </a:p>
+        </p:txBody>
+      </p:sp>
+    </p:spTree>
+    <p:extLst>
+      <p:ext uri="{BB962C8B-B14F-4D97-AF65-F5344CB8AC3E}">
+        <p14:creationId xmlns:p14="http://schemas.microsoft.com/office/powerpoint/2010/main" val="2705165025"/>
       </p:ext>
     </p:extLst>
   </p:cSld>
@@ -12584,15 +17273,6 @@
 </file>
 
 <file path=customXml/item2.xml><?xml version="1.0" encoding="utf-8"?>
-<p:properties xmlns:p="http://schemas.microsoft.com/office/2006/metadata/properties" xmlns:xsi="http://www.w3.org/2001/XMLSchema-instance" xmlns:pc="http://schemas.microsoft.com/office/infopath/2007/PartnerControls">
-  <documentManagement>
-    <Status xmlns="71af3243-3dd4-4a8d-8c0d-dd76da1f02a5">Not started</Status>
-    <MediaServiceKeyPoints xmlns="71af3243-3dd4-4a8d-8c0d-dd76da1f02a5" xsi:nil="true"/>
-  </documentManagement>
-</p:properties>
-</file>
-
-<file path=customXml/item3.xml><?xml version="1.0" encoding="utf-8"?>
 <ct:contentTypeSchema xmlns:ct="http://schemas.microsoft.com/office/2006/metadata/contentType" xmlns:ma="http://schemas.microsoft.com/office/2006/metadata/properties/metaAttributes" ct:_="" ma:_="" ma:contentTypeName="Document" ma:contentTypeID="0x01010079F111ED35F8CC479449609E8A0923A6" ma:contentTypeVersion="12" ma:contentTypeDescription="Create a new document." ma:contentTypeScope="" ma:versionID="fa6e671f1cd7e4d96ff9652be322dd5e">
   <xsd:schema xmlns:xsd="http://www.w3.org/2001/XMLSchema" xmlns:xs="http://www.w3.org/2001/XMLSchema" xmlns:p="http://schemas.microsoft.com/office/2006/metadata/properties" xmlns:ns2="71af3243-3dd4-4a8d-8c0d-dd76da1f02a5" xmlns:ns3="16c05727-aa75-4e4a-9b5f-8a80a1165891" targetNamespace="http://schemas.microsoft.com/office/2006/metadata/properties" ma:root="true" ma:fieldsID="4e2496f70b101db0b8013f30a071bbf7" ns2:_="" ns3:_="">
     <xsd:import namespace="71af3243-3dd4-4a8d-8c0d-dd76da1f02a5"/>
@@ -12813,6 +17493,15 @@
 </ct:contentTypeSchema>
 </file>
 
+<file path=customXml/item3.xml><?xml version="1.0" encoding="utf-8"?>
+<p:properties xmlns:p="http://schemas.microsoft.com/office/2006/metadata/properties" xmlns:xsi="http://www.w3.org/2001/XMLSchema-instance" xmlns:pc="http://schemas.microsoft.com/office/infopath/2007/PartnerControls">
+  <documentManagement>
+    <Status xmlns="71af3243-3dd4-4a8d-8c0d-dd76da1f02a5">Not started</Status>
+    <MediaServiceKeyPoints xmlns="71af3243-3dd4-4a8d-8c0d-dd76da1f02a5" xsi:nil="true"/>
+  </documentManagement>
+</p:properties>
+</file>
+
 <file path=customXml/itemProps1.xml><?xml version="1.0" encoding="utf-8"?>
 <ds:datastoreItem xmlns:ds="http://schemas.openxmlformats.org/officeDocument/2006/customXml" ds:itemID="{7E0A2CB4-6869-426F-8BC4-A32C90CBE263}">
   <ds:schemaRefs>
@@ -12822,16 +17511,6 @@
 </file>
 
 <file path=customXml/itemProps2.xml><?xml version="1.0" encoding="utf-8"?>
-<ds:datastoreItem xmlns:ds="http://schemas.openxmlformats.org/officeDocument/2006/customXml" ds:itemID="{A4E879E6-8FFE-4154-8F2A-F7518B89B376}">
-  <ds:schemaRefs>
-    <ds:schemaRef ds:uri="http://schemas.microsoft.com/office/2006/metadata/properties"/>
-    <ds:schemaRef ds:uri="http://schemas.microsoft.com/office/infopath/2007/PartnerControls"/>
-    <ds:schemaRef ds:uri="71af3243-3dd4-4a8d-8c0d-dd76da1f02a5"/>
-  </ds:schemaRefs>
-</ds:datastoreItem>
-</file>
-
-<file path=customXml/itemProps3.xml><?xml version="1.0" encoding="utf-8"?>
 <ds:datastoreItem xmlns:ds="http://schemas.openxmlformats.org/officeDocument/2006/customXml" ds:itemID="{A941CA7C-A0BF-44EF-B2E5-7539C3B9B0B6}">
   <ds:schemaRefs>
     <ds:schemaRef ds:uri="http://schemas.microsoft.com/office/2006/metadata/contentType"/>
@@ -12848,4 +17527,14 @@
     <ds:schemaRef ds:uri="http://schemas.microsoft.com/internal/obd"/>
   </ds:schemaRefs>
 </ds:datastoreItem>
+</file>
+
+<file path=customXml/itemProps3.xml><?xml version="1.0" encoding="utf-8"?>
+<ds:datastoreItem xmlns:ds="http://schemas.openxmlformats.org/officeDocument/2006/customXml" ds:itemID="{A4E879E6-8FFE-4154-8F2A-F7518B89B376}">
+  <ds:schemaRefs>
+    <ds:schemaRef ds:uri="http://schemas.microsoft.com/office/2006/metadata/properties"/>
+    <ds:schemaRef ds:uri="http://schemas.microsoft.com/office/infopath/2007/PartnerControls"/>
+    <ds:schemaRef ds:uri="71af3243-3dd4-4a8d-8c0d-dd76da1f02a5"/>
+  </ds:schemaRefs>
+</ds:datastoreItem>
 </file>